--- a/slides/04-TuringMachines.pptx
+++ b/slides/04-TuringMachines.pptx
@@ -5,7 +5,7 @@
     <p:sldMasterId id="2147484006" r:id="rId1"/>
   </p:sldMasterIdLst>
   <p:notesMasterIdLst>
-    <p:notesMasterId r:id="rId9"/>
+    <p:notesMasterId r:id="rId28"/>
   </p:notesMasterIdLst>
   <p:sldIdLst>
     <p:sldId id="256" r:id="rId2"/>
@@ -14,7 +14,26 @@
     <p:sldId id="318" r:id="rId5"/>
     <p:sldId id="460" r:id="rId6"/>
     <p:sldId id="362" r:id="rId7"/>
-    <p:sldId id="363" r:id="rId8"/>
+    <p:sldId id="461" r:id="rId8"/>
+    <p:sldId id="462" r:id="rId9"/>
+    <p:sldId id="463" r:id="rId10"/>
+    <p:sldId id="464" r:id="rId11"/>
+    <p:sldId id="465" r:id="rId12"/>
+    <p:sldId id="466" r:id="rId13"/>
+    <p:sldId id="467" r:id="rId14"/>
+    <p:sldId id="468" r:id="rId15"/>
+    <p:sldId id="469" r:id="rId16"/>
+    <p:sldId id="470" r:id="rId17"/>
+    <p:sldId id="471" r:id="rId18"/>
+    <p:sldId id="472" r:id="rId19"/>
+    <p:sldId id="473" r:id="rId20"/>
+    <p:sldId id="474" r:id="rId21"/>
+    <p:sldId id="475" r:id="rId22"/>
+    <p:sldId id="476" r:id="rId23"/>
+    <p:sldId id="477" r:id="rId24"/>
+    <p:sldId id="478" r:id="rId25"/>
+    <p:sldId id="363" r:id="rId26"/>
+    <p:sldId id="479" r:id="rId27"/>
   </p:sldIdLst>
   <p:sldSz cx="12192000" cy="6858000"/>
   <p:notesSz cx="6858000" cy="9144000"/>
@@ -203,7 +222,7 @@
           <a:p>
             <a:fld id="{C5B45307-6ED4-B142-BD64-10F739779302}" type="datetimeFigureOut">
               <a:rPr lang="en-US" smtClean="0"/>
-              <a:t>8/16/23</a:t>
+              <a:t>9/6/23</a:t>
             </a:fld>
             <a:endParaRPr lang="en-US"/>
           </a:p>
@@ -722,7 +741,7 @@
           <a:noFill/>
           <a:extLst>
             <a:ext uri="{909E8E84-426E-40dd-AFC4-6F175D3DCCD1}">
-              <a14:hiddenFill xmlns:a14="http://schemas.microsoft.com/office/drawing/2010/main" xmlns="">
+              <a14:hiddenFill xmlns="" xmlns:a14="http://schemas.microsoft.com/office/drawing/2010/main">
                 <a:solidFill>
                   <a:srgbClr val="FFFFFF"/>
                 </a:solidFill>
@@ -781,7 +800,7 @@
             </a:ln>
             <a:extLst>
               <a:ext uri="{91240B29-F687-4f45-9708-019B960494DF}">
-                <a14:hiddenLine xmlns:a14="http://schemas.microsoft.com/office/drawing/2010/main" xmlns="" w="9525">
+                <a14:hiddenLine xmlns="" xmlns:a14="http://schemas.microsoft.com/office/drawing/2010/main" w="9525">
                   <a:solidFill>
                     <a:srgbClr val="000000"/>
                   </a:solidFill>
@@ -871,7 +890,7 @@
             </a:ln>
             <a:extLst>
               <a:ext uri="{91240B29-F687-4f45-9708-019B960494DF}">
-                <a14:hiddenLine xmlns:a14="http://schemas.microsoft.com/office/drawing/2010/main" xmlns="" w="9525">
+                <a14:hiddenLine xmlns="" xmlns:a14="http://schemas.microsoft.com/office/drawing/2010/main" w="9525">
                   <a:solidFill>
                     <a:srgbClr val="000000"/>
                   </a:solidFill>
@@ -961,7 +980,7 @@
             </a:ln>
             <a:extLst>
               <a:ext uri="{91240B29-F687-4f45-9708-019B960494DF}">
-                <a14:hiddenLine xmlns:a14="http://schemas.microsoft.com/office/drawing/2010/main" xmlns="" w="9525">
+                <a14:hiddenLine xmlns="" xmlns:a14="http://schemas.microsoft.com/office/drawing/2010/main" w="9525">
                   <a:solidFill>
                     <a:srgbClr val="000000"/>
                   </a:solidFill>
@@ -995,7 +1014,7 @@
             </a:ln>
             <a:extLst>
               <a:ext uri="{91240B29-F687-4f45-9708-019B960494DF}">
-                <a14:hiddenLine xmlns:a14="http://schemas.microsoft.com/office/drawing/2010/main" xmlns="" w="9525">
+                <a14:hiddenLine xmlns="" xmlns:a14="http://schemas.microsoft.com/office/drawing/2010/main" w="9525">
                   <a:solidFill>
                     <a:srgbClr val="000000"/>
                   </a:solidFill>
@@ -1085,7 +1104,7 @@
             </a:ln>
             <a:extLst>
               <a:ext uri="{91240B29-F687-4f45-9708-019B960494DF}">
-                <a14:hiddenLine xmlns:a14="http://schemas.microsoft.com/office/drawing/2010/main" xmlns="" w="9525">
+                <a14:hiddenLine xmlns="" xmlns:a14="http://schemas.microsoft.com/office/drawing/2010/main" w="9525">
                   <a:solidFill>
                     <a:srgbClr val="000000"/>
                   </a:solidFill>
@@ -1147,7 +1166,7 @@
             </a:ln>
             <a:extLst>
               <a:ext uri="{91240B29-F687-4f45-9708-019B960494DF}">
-                <a14:hiddenLine xmlns:a14="http://schemas.microsoft.com/office/drawing/2010/main" xmlns="" w="9525">
+                <a14:hiddenLine xmlns="" xmlns:a14="http://schemas.microsoft.com/office/drawing/2010/main" w="9525">
                   <a:solidFill>
                     <a:srgbClr val="000000"/>
                   </a:solidFill>
@@ -1209,7 +1228,7 @@
             </a:ln>
             <a:extLst>
               <a:ext uri="{91240B29-F687-4f45-9708-019B960494DF}">
-                <a14:hiddenLine xmlns:a14="http://schemas.microsoft.com/office/drawing/2010/main" xmlns="" w="9525">
+                <a14:hiddenLine xmlns="" xmlns:a14="http://schemas.microsoft.com/office/drawing/2010/main" w="9525">
                   <a:solidFill>
                     <a:srgbClr val="000000"/>
                   </a:solidFill>
@@ -1299,7 +1318,7 @@
             </a:ln>
             <a:extLst>
               <a:ext uri="{91240B29-F687-4f45-9708-019B960494DF}">
-                <a14:hiddenLine xmlns:a14="http://schemas.microsoft.com/office/drawing/2010/main" xmlns="" w="9525">
+                <a14:hiddenLine xmlns="" xmlns:a14="http://schemas.microsoft.com/office/drawing/2010/main" w="9525">
                   <a:solidFill>
                     <a:srgbClr val="000000"/>
                   </a:solidFill>
@@ -1361,7 +1380,7 @@
             </a:ln>
             <a:extLst>
               <a:ext uri="{91240B29-F687-4f45-9708-019B960494DF}">
-                <a14:hiddenLine xmlns:a14="http://schemas.microsoft.com/office/drawing/2010/main" xmlns="" w="9525">
+                <a14:hiddenLine xmlns="" xmlns:a14="http://schemas.microsoft.com/office/drawing/2010/main" w="9525">
                   <a:solidFill>
                     <a:srgbClr val="000000"/>
                   </a:solidFill>
@@ -1423,7 +1442,7 @@
             </a:ln>
             <a:extLst>
               <a:ext uri="{91240B29-F687-4f45-9708-019B960494DF}">
-                <a14:hiddenLine xmlns:a14="http://schemas.microsoft.com/office/drawing/2010/main" xmlns="" w="9525">
+                <a14:hiddenLine xmlns="" xmlns:a14="http://schemas.microsoft.com/office/drawing/2010/main" w="9525">
                   <a:solidFill>
                     <a:srgbClr val="000000"/>
                   </a:solidFill>
@@ -1513,7 +1532,7 @@
             </a:ln>
             <a:extLst>
               <a:ext uri="{91240B29-F687-4f45-9708-019B960494DF}">
-                <a14:hiddenLine xmlns:a14="http://schemas.microsoft.com/office/drawing/2010/main" xmlns="" w="9525">
+                <a14:hiddenLine xmlns="" xmlns:a14="http://schemas.microsoft.com/office/drawing/2010/main" w="9525">
                   <a:solidFill>
                     <a:srgbClr val="000000"/>
                   </a:solidFill>
@@ -1603,7 +1622,7 @@
             </a:ln>
             <a:extLst>
               <a:ext uri="{91240B29-F687-4f45-9708-019B960494DF}">
-                <a14:hiddenLine xmlns:a14="http://schemas.microsoft.com/office/drawing/2010/main" xmlns="" w="9525">
+                <a14:hiddenLine xmlns="" xmlns:a14="http://schemas.microsoft.com/office/drawing/2010/main" w="9525">
                   <a:solidFill>
                     <a:srgbClr val="000000"/>
                   </a:solidFill>
@@ -1665,7 +1684,7 @@
             </a:ln>
             <a:extLst>
               <a:ext uri="{91240B29-F687-4f45-9708-019B960494DF}">
-                <a14:hiddenLine xmlns:a14="http://schemas.microsoft.com/office/drawing/2010/main" xmlns="" w="9525">
+                <a14:hiddenLine xmlns="" xmlns:a14="http://schemas.microsoft.com/office/drawing/2010/main" w="9525">
                   <a:solidFill>
                     <a:srgbClr val="000000"/>
                   </a:solidFill>
@@ -1775,7 +1794,7 @@
             </a:ln>
             <a:extLst>
               <a:ext uri="{91240B29-F687-4f45-9708-019B960494DF}">
-                <a14:hiddenLine xmlns:a14="http://schemas.microsoft.com/office/drawing/2010/main" xmlns="" w="9525">
+                <a14:hiddenLine xmlns="" xmlns:a14="http://schemas.microsoft.com/office/drawing/2010/main" w="9525">
                   <a:solidFill>
                     <a:srgbClr val="000000"/>
                   </a:solidFill>
@@ -1837,7 +1856,7 @@
             </a:ln>
             <a:extLst>
               <a:ext uri="{91240B29-F687-4f45-9708-019B960494DF}">
-                <a14:hiddenLine xmlns:a14="http://schemas.microsoft.com/office/drawing/2010/main" xmlns="" w="9525">
+                <a14:hiddenLine xmlns="" xmlns:a14="http://schemas.microsoft.com/office/drawing/2010/main" w="9525">
                   <a:solidFill>
                     <a:srgbClr val="000000"/>
                   </a:solidFill>
@@ -1927,7 +1946,7 @@
             </a:ln>
             <a:extLst>
               <a:ext uri="{91240B29-F687-4f45-9708-019B960494DF}">
-                <a14:hiddenLine xmlns:a14="http://schemas.microsoft.com/office/drawing/2010/main" xmlns="" w="9525">
+                <a14:hiddenLine xmlns="" xmlns:a14="http://schemas.microsoft.com/office/drawing/2010/main" w="9525">
                   <a:solidFill>
                     <a:srgbClr val="000000"/>
                   </a:solidFill>
@@ -2017,7 +2036,7 @@
             </a:ln>
             <a:extLst>
               <a:ext uri="{91240B29-F687-4f45-9708-019B960494DF}">
-                <a14:hiddenLine xmlns:a14="http://schemas.microsoft.com/office/drawing/2010/main" xmlns="" w="9525">
+                <a14:hiddenLine xmlns="" xmlns:a14="http://schemas.microsoft.com/office/drawing/2010/main" w="9525">
                   <a:solidFill>
                     <a:srgbClr val="000000"/>
                   </a:solidFill>
@@ -2079,7 +2098,7 @@
             </a:ln>
             <a:extLst>
               <a:ext uri="{91240B29-F687-4f45-9708-019B960494DF}">
-                <a14:hiddenLine xmlns:a14="http://schemas.microsoft.com/office/drawing/2010/main" xmlns="" w="9525">
+                <a14:hiddenLine xmlns="" xmlns:a14="http://schemas.microsoft.com/office/drawing/2010/main" w="9525">
                   <a:solidFill>
                     <a:srgbClr val="000000"/>
                   </a:solidFill>
@@ -2169,7 +2188,7 @@
             </a:ln>
             <a:extLst>
               <a:ext uri="{91240B29-F687-4f45-9708-019B960494DF}">
-                <a14:hiddenLine xmlns:a14="http://schemas.microsoft.com/office/drawing/2010/main" xmlns="" w="9525">
+                <a14:hiddenLine xmlns="" xmlns:a14="http://schemas.microsoft.com/office/drawing/2010/main" w="9525">
                   <a:solidFill>
                     <a:srgbClr val="000000"/>
                   </a:solidFill>
@@ -2259,7 +2278,7 @@
             </a:ln>
             <a:extLst>
               <a:ext uri="{91240B29-F687-4f45-9708-019B960494DF}">
-                <a14:hiddenLine xmlns:a14="http://schemas.microsoft.com/office/drawing/2010/main" xmlns="" w="9525">
+                <a14:hiddenLine xmlns="" xmlns:a14="http://schemas.microsoft.com/office/drawing/2010/main" w="9525">
                   <a:solidFill>
                     <a:srgbClr val="000000"/>
                   </a:solidFill>
@@ -2315,7 +2334,7 @@
             </a:ln>
             <a:extLst>
               <a:ext uri="{91240B29-F687-4f45-9708-019B960494DF}">
-                <a14:hiddenLine xmlns:a14="http://schemas.microsoft.com/office/drawing/2010/main" xmlns="" w="9525">
+                <a14:hiddenLine xmlns="" xmlns:a14="http://schemas.microsoft.com/office/drawing/2010/main" w="9525">
                   <a:solidFill>
                     <a:srgbClr val="000000"/>
                   </a:solidFill>
@@ -2405,7 +2424,7 @@
             </a:ln>
             <a:extLst>
               <a:ext uri="{91240B29-F687-4f45-9708-019B960494DF}">
-                <a14:hiddenLine xmlns:a14="http://schemas.microsoft.com/office/drawing/2010/main" xmlns="" w="9525">
+                <a14:hiddenLine xmlns="" xmlns:a14="http://schemas.microsoft.com/office/drawing/2010/main" w="9525">
                   <a:solidFill>
                     <a:srgbClr val="000000"/>
                   </a:solidFill>
@@ -2461,7 +2480,7 @@
             </a:ln>
             <a:extLst>
               <a:ext uri="{91240B29-F687-4f45-9708-019B960494DF}">
-                <a14:hiddenLine xmlns:a14="http://schemas.microsoft.com/office/drawing/2010/main" xmlns="" w="9525">
+                <a14:hiddenLine xmlns="" xmlns:a14="http://schemas.microsoft.com/office/drawing/2010/main" w="9525">
                   <a:solidFill>
                     <a:srgbClr val="000000"/>
                   </a:solidFill>
@@ -2551,7 +2570,7 @@
             </a:ln>
             <a:extLst>
               <a:ext uri="{91240B29-F687-4f45-9708-019B960494DF}">
-                <a14:hiddenLine xmlns:a14="http://schemas.microsoft.com/office/drawing/2010/main" xmlns="" w="9525">
+                <a14:hiddenLine xmlns="" xmlns:a14="http://schemas.microsoft.com/office/drawing/2010/main" w="9525">
                   <a:solidFill>
                     <a:srgbClr val="000000"/>
                   </a:solidFill>
@@ -2619,7 +2638,7 @@
             </a:ln>
             <a:extLst>
               <a:ext uri="{91240B29-F687-4f45-9708-019B960494DF}">
-                <a14:hiddenLine xmlns:a14="http://schemas.microsoft.com/office/drawing/2010/main" xmlns="" w="9525">
+                <a14:hiddenLine xmlns="" xmlns:a14="http://schemas.microsoft.com/office/drawing/2010/main" w="9525">
                   <a:solidFill>
                     <a:srgbClr val="000000"/>
                   </a:solidFill>
@@ -2709,7 +2728,7 @@
             </a:ln>
             <a:extLst>
               <a:ext uri="{91240B29-F687-4f45-9708-019B960494DF}">
-                <a14:hiddenLine xmlns:a14="http://schemas.microsoft.com/office/drawing/2010/main" xmlns="" w="9525">
+                <a14:hiddenLine xmlns="" xmlns:a14="http://schemas.microsoft.com/office/drawing/2010/main" w="9525">
                   <a:solidFill>
                     <a:srgbClr val="000000"/>
                   </a:solidFill>
@@ -2777,7 +2796,7 @@
             </a:ln>
             <a:extLst>
               <a:ext uri="{91240B29-F687-4f45-9708-019B960494DF}">
-                <a14:hiddenLine xmlns:a14="http://schemas.microsoft.com/office/drawing/2010/main" xmlns="" w="9525">
+                <a14:hiddenLine xmlns="" xmlns:a14="http://schemas.microsoft.com/office/drawing/2010/main" w="9525">
                   <a:solidFill>
                     <a:srgbClr val="000000"/>
                   </a:solidFill>
@@ -2867,7 +2886,7 @@
             </a:ln>
             <a:extLst>
               <a:ext uri="{91240B29-F687-4f45-9708-019B960494DF}">
-                <a14:hiddenLine xmlns:a14="http://schemas.microsoft.com/office/drawing/2010/main" xmlns="" w="9525">
+                <a14:hiddenLine xmlns="" xmlns:a14="http://schemas.microsoft.com/office/drawing/2010/main" w="9525">
                   <a:solidFill>
                     <a:srgbClr val="000000"/>
                   </a:solidFill>
@@ -2901,7 +2920,7 @@
             </a:ln>
             <a:extLst>
               <a:ext uri="{91240B29-F687-4f45-9708-019B960494DF}">
-                <a14:hiddenLine xmlns:a14="http://schemas.microsoft.com/office/drawing/2010/main" xmlns="" w="9525">
+                <a14:hiddenLine xmlns="" xmlns:a14="http://schemas.microsoft.com/office/drawing/2010/main" w="9525">
                   <a:solidFill>
                     <a:srgbClr val="000000"/>
                   </a:solidFill>
@@ -2991,7 +3010,7 @@
             </a:ln>
             <a:extLst>
               <a:ext uri="{91240B29-F687-4f45-9708-019B960494DF}">
-                <a14:hiddenLine xmlns:a14="http://schemas.microsoft.com/office/drawing/2010/main" xmlns="" w="9525">
+                <a14:hiddenLine xmlns="" xmlns:a14="http://schemas.microsoft.com/office/drawing/2010/main" w="9525">
                   <a:solidFill>
                     <a:srgbClr val="000000"/>
                   </a:solidFill>
@@ -3053,7 +3072,7 @@
             </a:ln>
             <a:extLst>
               <a:ext uri="{91240B29-F687-4f45-9708-019B960494DF}">
-                <a14:hiddenLine xmlns:a14="http://schemas.microsoft.com/office/drawing/2010/main" xmlns="" w="9525">
+                <a14:hiddenLine xmlns="" xmlns:a14="http://schemas.microsoft.com/office/drawing/2010/main" w="9525">
                   <a:solidFill>
                     <a:srgbClr val="000000"/>
                   </a:solidFill>
@@ -3115,7 +3134,7 @@
             </a:ln>
             <a:extLst>
               <a:ext uri="{91240B29-F687-4f45-9708-019B960494DF}">
-                <a14:hiddenLine xmlns:a14="http://schemas.microsoft.com/office/drawing/2010/main" xmlns="" w="9525">
+                <a14:hiddenLine xmlns="" xmlns:a14="http://schemas.microsoft.com/office/drawing/2010/main" w="9525">
                   <a:solidFill>
                     <a:srgbClr val="000000"/>
                   </a:solidFill>
@@ -3205,7 +3224,7 @@
             </a:ln>
             <a:extLst>
               <a:ext uri="{91240B29-F687-4f45-9708-019B960494DF}">
-                <a14:hiddenLine xmlns:a14="http://schemas.microsoft.com/office/drawing/2010/main" xmlns="" w="9525">
+                <a14:hiddenLine xmlns="" xmlns:a14="http://schemas.microsoft.com/office/drawing/2010/main" w="9525">
                   <a:solidFill>
                     <a:srgbClr val="000000"/>
                   </a:solidFill>
@@ -3273,7 +3292,7 @@
             </a:ln>
             <a:extLst>
               <a:ext uri="{91240B29-F687-4f45-9708-019B960494DF}">
-                <a14:hiddenLine xmlns:a14="http://schemas.microsoft.com/office/drawing/2010/main" xmlns="" w="9525">
+                <a14:hiddenLine xmlns="" xmlns:a14="http://schemas.microsoft.com/office/drawing/2010/main" w="9525">
                   <a:solidFill>
                     <a:srgbClr val="000000"/>
                   </a:solidFill>
@@ -3335,7 +3354,7 @@
             </a:ln>
             <a:extLst>
               <a:ext uri="{91240B29-F687-4f45-9708-019B960494DF}">
-                <a14:hiddenLine xmlns:a14="http://schemas.microsoft.com/office/drawing/2010/main" xmlns="" w="9525">
+                <a14:hiddenLine xmlns="" xmlns:a14="http://schemas.microsoft.com/office/drawing/2010/main" w="9525">
                   <a:solidFill>
                     <a:srgbClr val="000000"/>
                   </a:solidFill>
@@ -3425,7 +3444,7 @@
             </a:ln>
             <a:extLst>
               <a:ext uri="{91240B29-F687-4f45-9708-019B960494DF}">
-                <a14:hiddenLine xmlns:a14="http://schemas.microsoft.com/office/drawing/2010/main" xmlns="" w="9525">
+                <a14:hiddenLine xmlns="" xmlns:a14="http://schemas.microsoft.com/office/drawing/2010/main" w="9525">
                   <a:solidFill>
                     <a:srgbClr val="000000"/>
                   </a:solidFill>
@@ -3487,7 +3506,7 @@
             </a:ln>
             <a:extLst>
               <a:ext uri="{91240B29-F687-4f45-9708-019B960494DF}">
-                <a14:hiddenLine xmlns:a14="http://schemas.microsoft.com/office/drawing/2010/main" xmlns="" w="9525">
+                <a14:hiddenLine xmlns="" xmlns:a14="http://schemas.microsoft.com/office/drawing/2010/main" w="9525">
                   <a:solidFill>
                     <a:srgbClr val="000000"/>
                   </a:solidFill>
@@ -3577,7 +3596,7 @@
             </a:ln>
             <a:extLst>
               <a:ext uri="{91240B29-F687-4f45-9708-019B960494DF}">
-                <a14:hiddenLine xmlns:a14="http://schemas.microsoft.com/office/drawing/2010/main" xmlns="" w="9525">
+                <a14:hiddenLine xmlns="" xmlns:a14="http://schemas.microsoft.com/office/drawing/2010/main" w="9525">
                   <a:solidFill>
                     <a:srgbClr val="000000"/>
                   </a:solidFill>
@@ -3639,7 +3658,7 @@
             </a:ln>
             <a:extLst>
               <a:ext uri="{91240B29-F687-4f45-9708-019B960494DF}">
-                <a14:hiddenLine xmlns:a14="http://schemas.microsoft.com/office/drawing/2010/main" xmlns="" w="9525">
+                <a14:hiddenLine xmlns="" xmlns:a14="http://schemas.microsoft.com/office/drawing/2010/main" w="9525">
                   <a:solidFill>
                     <a:srgbClr val="000000"/>
                   </a:solidFill>
@@ -3729,7 +3748,7 @@
             </a:ln>
             <a:extLst>
               <a:ext uri="{91240B29-F687-4f45-9708-019B960494DF}">
-                <a14:hiddenLine xmlns:a14="http://schemas.microsoft.com/office/drawing/2010/main" xmlns="" w="9525">
+                <a14:hiddenLine xmlns="" xmlns:a14="http://schemas.microsoft.com/office/drawing/2010/main" w="9525">
                   <a:solidFill>
                     <a:srgbClr val="000000"/>
                   </a:solidFill>
@@ -3763,7 +3782,7 @@
             </a:ln>
             <a:extLst>
               <a:ext uri="{91240B29-F687-4f45-9708-019B960494DF}">
-                <a14:hiddenLine xmlns:a14="http://schemas.microsoft.com/office/drawing/2010/main" xmlns="" w="9525">
+                <a14:hiddenLine xmlns="" xmlns:a14="http://schemas.microsoft.com/office/drawing/2010/main" w="9525">
                   <a:solidFill>
                     <a:srgbClr val="000000"/>
                   </a:solidFill>
@@ -3828,7 +3847,7 @@
             </a:ln>
             <a:extLst>
               <a:ext uri="{91240B29-F687-4f45-9708-019B960494DF}">
-                <a14:hiddenLine xmlns:a14="http://schemas.microsoft.com/office/drawing/2010/main" xmlns="" w="9525">
+                <a14:hiddenLine xmlns="" xmlns:a14="http://schemas.microsoft.com/office/drawing/2010/main" w="9525">
                   <a:solidFill>
                     <a:srgbClr val="000000"/>
                   </a:solidFill>
@@ -3918,7 +3937,7 @@
             </a:ln>
             <a:extLst>
               <a:ext uri="{91240B29-F687-4f45-9708-019B960494DF}">
-                <a14:hiddenLine xmlns:a14="http://schemas.microsoft.com/office/drawing/2010/main" xmlns="" w="9525">
+                <a14:hiddenLine xmlns="" xmlns:a14="http://schemas.microsoft.com/office/drawing/2010/main" w="9525">
                   <a:solidFill>
                     <a:srgbClr val="000000"/>
                   </a:solidFill>
@@ -3980,7 +3999,7 @@
             </a:ln>
             <a:extLst>
               <a:ext uri="{91240B29-F687-4f45-9708-019B960494DF}">
-                <a14:hiddenLine xmlns:a14="http://schemas.microsoft.com/office/drawing/2010/main" xmlns="" w="9525">
+                <a14:hiddenLine xmlns="" xmlns:a14="http://schemas.microsoft.com/office/drawing/2010/main" w="9525">
                   <a:solidFill>
                     <a:srgbClr val="000000"/>
                   </a:solidFill>
@@ -4070,7 +4089,7 @@
             </a:ln>
             <a:extLst>
               <a:ext uri="{91240B29-F687-4f45-9708-019B960494DF}">
-                <a14:hiddenLine xmlns:a14="http://schemas.microsoft.com/office/drawing/2010/main" xmlns="" w="9525">
+                <a14:hiddenLine xmlns="" xmlns:a14="http://schemas.microsoft.com/office/drawing/2010/main" w="9525">
                   <a:solidFill>
                     <a:srgbClr val="000000"/>
                   </a:solidFill>
@@ -4160,7 +4179,7 @@
             </a:ln>
             <a:extLst>
               <a:ext uri="{91240B29-F687-4f45-9708-019B960494DF}">
-                <a14:hiddenLine xmlns:a14="http://schemas.microsoft.com/office/drawing/2010/main" xmlns="" w="9525">
+                <a14:hiddenLine xmlns="" xmlns:a14="http://schemas.microsoft.com/office/drawing/2010/main" w="9525">
                   <a:solidFill>
                     <a:srgbClr val="000000"/>
                   </a:solidFill>
@@ -4225,7 +4244,7 @@
             </a:ln>
             <a:extLst>
               <a:ext uri="{91240B29-F687-4f45-9708-019B960494DF}">
-                <a14:hiddenLine xmlns:a14="http://schemas.microsoft.com/office/drawing/2010/main" xmlns="" w="9525">
+                <a14:hiddenLine xmlns="" xmlns:a14="http://schemas.microsoft.com/office/drawing/2010/main" w="9525">
                   <a:solidFill>
                     <a:srgbClr val="000000"/>
                   </a:solidFill>
@@ -4287,7 +4306,7 @@
             </a:ln>
             <a:extLst>
               <a:ext uri="{91240B29-F687-4f45-9708-019B960494DF}">
-                <a14:hiddenLine xmlns:a14="http://schemas.microsoft.com/office/drawing/2010/main" xmlns="" w="9525">
+                <a14:hiddenLine xmlns="" xmlns:a14="http://schemas.microsoft.com/office/drawing/2010/main" w="9525">
                   <a:solidFill>
                     <a:srgbClr val="000000"/>
                   </a:solidFill>
@@ -4377,7 +4396,7 @@
             </a:ln>
             <a:extLst>
               <a:ext uri="{91240B29-F687-4f45-9708-019B960494DF}">
-                <a14:hiddenLine xmlns:a14="http://schemas.microsoft.com/office/drawing/2010/main" xmlns="" w="9525">
+                <a14:hiddenLine xmlns="" xmlns:a14="http://schemas.microsoft.com/office/drawing/2010/main" w="9525">
                   <a:solidFill>
                     <a:srgbClr val="000000"/>
                   </a:solidFill>
@@ -4467,7 +4486,7 @@
             </a:ln>
             <a:extLst>
               <a:ext uri="{91240B29-F687-4f45-9708-019B960494DF}">
-                <a14:hiddenLine xmlns:a14="http://schemas.microsoft.com/office/drawing/2010/main" xmlns="" w="9525">
+                <a14:hiddenLine xmlns="" xmlns:a14="http://schemas.microsoft.com/office/drawing/2010/main" w="9525">
                   <a:solidFill>
                     <a:srgbClr val="000000"/>
                   </a:solidFill>
@@ -4529,7 +4548,7 @@
             </a:ln>
             <a:extLst>
               <a:ext uri="{91240B29-F687-4f45-9708-019B960494DF}">
-                <a14:hiddenLine xmlns:a14="http://schemas.microsoft.com/office/drawing/2010/main" xmlns="" w="9525">
+                <a14:hiddenLine xmlns="" xmlns:a14="http://schemas.microsoft.com/office/drawing/2010/main" w="9525">
                   <a:solidFill>
                     <a:srgbClr val="000000"/>
                   </a:solidFill>
@@ -4649,7 +4668,7 @@
             </a:ln>
             <a:extLst>
               <a:ext uri="{91240B29-F687-4f45-9708-019B960494DF}">
-                <a14:hiddenLine xmlns:a14="http://schemas.microsoft.com/office/drawing/2010/main" xmlns="" w="9525">
+                <a14:hiddenLine xmlns="" xmlns:a14="http://schemas.microsoft.com/office/drawing/2010/main" w="9525">
                   <a:solidFill>
                     <a:srgbClr val="000000"/>
                   </a:solidFill>
@@ -4717,7 +4736,7 @@
             </a:ln>
             <a:extLst>
               <a:ext uri="{91240B29-F687-4f45-9708-019B960494DF}">
-                <a14:hiddenLine xmlns:a14="http://schemas.microsoft.com/office/drawing/2010/main" xmlns="" w="9525">
+                <a14:hiddenLine xmlns="" xmlns:a14="http://schemas.microsoft.com/office/drawing/2010/main" w="9525">
                   <a:solidFill>
                     <a:srgbClr val="000000"/>
                   </a:solidFill>
@@ -4807,7 +4826,7 @@
             </a:ln>
             <a:extLst>
               <a:ext uri="{91240B29-F687-4f45-9708-019B960494DF}">
-                <a14:hiddenLine xmlns:a14="http://schemas.microsoft.com/office/drawing/2010/main" xmlns="" w="9525">
+                <a14:hiddenLine xmlns="" xmlns:a14="http://schemas.microsoft.com/office/drawing/2010/main" w="9525">
                   <a:solidFill>
                     <a:srgbClr val="000000"/>
                   </a:solidFill>
@@ -4947,7 +4966,7 @@
           <a:p>
             <a:fld id="{EC4347D3-4C9A-C240-8F14-750059DFEEB0}" type="datetimeFigureOut">
               <a:rPr lang="en-US" smtClean="0"/>
-              <a:t>8/16/23</a:t>
+              <a:t>9/6/23</a:t>
             </a:fld>
             <a:endParaRPr lang="en-US"/>
           </a:p>
@@ -5214,7 +5233,7 @@
           <a:p>
             <a:fld id="{EC4347D3-4C9A-C240-8F14-750059DFEEB0}" type="datetimeFigureOut">
               <a:rPr lang="en-US" smtClean="0"/>
-              <a:t>8/16/23</a:t>
+              <a:t>9/6/23</a:t>
             </a:fld>
             <a:endParaRPr lang="en-US"/>
           </a:p>
@@ -5410,7 +5429,7 @@
           <a:p>
             <a:fld id="{EC4347D3-4C9A-C240-8F14-750059DFEEB0}" type="datetimeFigureOut">
               <a:rPr lang="en-US" smtClean="0"/>
-              <a:t>8/16/23</a:t>
+              <a:t>9/6/23</a:t>
             </a:fld>
             <a:endParaRPr lang="en-US"/>
           </a:p>
@@ -5673,7 +5692,7 @@
           <a:p>
             <a:fld id="{EC4347D3-4C9A-C240-8F14-750059DFEEB0}" type="datetimeFigureOut">
               <a:rPr lang="en-US" smtClean="0"/>
-              <a:t>8/16/23</a:t>
+              <a:t>9/6/23</a:t>
             </a:fld>
             <a:endParaRPr lang="en-US"/>
           </a:p>
@@ -6107,7 +6126,7 @@
           <a:p>
             <a:fld id="{EC4347D3-4C9A-C240-8F14-750059DFEEB0}" type="datetimeFigureOut">
               <a:rPr lang="en-US" smtClean="0"/>
-              <a:t>8/16/23</a:t>
+              <a:t>9/6/23</a:t>
             </a:fld>
             <a:endParaRPr lang="en-US"/>
           </a:p>
@@ -6653,7 +6672,7 @@
           <a:p>
             <a:fld id="{EC4347D3-4C9A-C240-8F14-750059DFEEB0}" type="datetimeFigureOut">
               <a:rPr lang="en-US" smtClean="0"/>
-              <a:t>8/16/23</a:t>
+              <a:t>9/6/23</a:t>
             </a:fld>
             <a:endParaRPr lang="en-US"/>
           </a:p>
@@ -7373,7 +7392,7 @@
           <a:p>
             <a:fld id="{EC4347D3-4C9A-C240-8F14-750059DFEEB0}" type="datetimeFigureOut">
               <a:rPr lang="en-US" smtClean="0"/>
-              <a:t>8/16/23</a:t>
+              <a:t>9/6/23</a:t>
             </a:fld>
             <a:endParaRPr lang="en-US"/>
           </a:p>
@@ -7543,7 +7562,7 @@
           <a:p>
             <a:fld id="{EC4347D3-4C9A-C240-8F14-750059DFEEB0}" type="datetimeFigureOut">
               <a:rPr lang="en-US" smtClean="0"/>
-              <a:t>8/16/23</a:t>
+              <a:t>9/6/23</a:t>
             </a:fld>
             <a:endParaRPr lang="en-US"/>
           </a:p>
@@ -7723,7 +7742,7 @@
           <a:p>
             <a:fld id="{EC4347D3-4C9A-C240-8F14-750059DFEEB0}" type="datetimeFigureOut">
               <a:rPr lang="en-US" smtClean="0"/>
-              <a:t>8/16/23</a:t>
+              <a:t>9/6/23</a:t>
             </a:fld>
             <a:endParaRPr lang="en-US"/>
           </a:p>
@@ -7893,7 +7912,7 @@
           <a:p>
             <a:fld id="{EC4347D3-4C9A-C240-8F14-750059DFEEB0}" type="datetimeFigureOut">
               <a:rPr lang="en-US" smtClean="0"/>
-              <a:t>8/16/23</a:t>
+              <a:t>9/6/23</a:t>
             </a:fld>
             <a:endParaRPr lang="en-US"/>
           </a:p>
@@ -8143,7 +8162,7 @@
           <a:p>
             <a:fld id="{EC4347D3-4C9A-C240-8F14-750059DFEEB0}" type="datetimeFigureOut">
               <a:rPr lang="en-US" smtClean="0"/>
-              <a:t>8/16/23</a:t>
+              <a:t>9/6/23</a:t>
             </a:fld>
             <a:endParaRPr lang="en-US"/>
           </a:p>
@@ -8375,7 +8394,7 @@
           <a:p>
             <a:fld id="{EC4347D3-4C9A-C240-8F14-750059DFEEB0}" type="datetimeFigureOut">
               <a:rPr lang="en-US" smtClean="0"/>
-              <a:t>8/16/23</a:t>
+              <a:t>9/6/23</a:t>
             </a:fld>
             <a:endParaRPr lang="en-US"/>
           </a:p>
@@ -8761,7 +8780,7 @@
           <a:p>
             <a:fld id="{EC4347D3-4C9A-C240-8F14-750059DFEEB0}" type="datetimeFigureOut">
               <a:rPr lang="en-US" smtClean="0"/>
-              <a:t>8/16/23</a:t>
+              <a:t>9/6/23</a:t>
             </a:fld>
             <a:endParaRPr lang="en-US"/>
           </a:p>
@@ -8884,7 +8903,7 @@
           <a:p>
             <a:fld id="{EC4347D3-4C9A-C240-8F14-750059DFEEB0}" type="datetimeFigureOut">
               <a:rPr lang="en-US" smtClean="0"/>
-              <a:t>8/16/23</a:t>
+              <a:t>9/6/23</a:t>
             </a:fld>
             <a:endParaRPr lang="en-US"/>
           </a:p>
@@ -8979,7 +8998,7 @@
           <a:p>
             <a:fld id="{EC4347D3-4C9A-C240-8F14-750059DFEEB0}" type="datetimeFigureOut">
               <a:rPr lang="en-US" smtClean="0"/>
-              <a:t>8/16/23</a:t>
+              <a:t>9/6/23</a:t>
             </a:fld>
             <a:endParaRPr lang="en-US"/>
           </a:p>
@@ -9228,7 +9247,7 @@
           <a:p>
             <a:fld id="{EC4347D3-4C9A-C240-8F14-750059DFEEB0}" type="datetimeFigureOut">
               <a:rPr lang="en-US" smtClean="0"/>
-              <a:t>8/16/23</a:t>
+              <a:t>9/6/23</a:t>
             </a:fld>
             <a:endParaRPr lang="en-US"/>
           </a:p>
@@ -9513,7 +9532,7 @@
           <a:p>
             <a:fld id="{EC4347D3-4C9A-C240-8F14-750059DFEEB0}" type="datetimeFigureOut">
               <a:rPr lang="en-US" smtClean="0"/>
-              <a:t>8/16/23</a:t>
+              <a:t>9/6/23</a:t>
             </a:fld>
             <a:endParaRPr lang="en-US"/>
           </a:p>
@@ -9636,7 +9655,7 @@
           <a:noFill/>
           <a:extLst>
             <a:ext uri="{909E8E84-426E-40dd-AFC4-6F175D3DCCD1}">
-              <a14:hiddenFill xmlns:a14="http://schemas.microsoft.com/office/drawing/2010/main" xmlns="">
+              <a14:hiddenFill xmlns="" xmlns:a14="http://schemas.microsoft.com/office/drawing/2010/main">
                 <a:solidFill>
                   <a:srgbClr val="FFFFFF"/>
                 </a:solidFill>
@@ -9710,7 +9729,7 @@
               </a:ln>
               <a:extLst>
                 <a:ext uri="{91240B29-F687-4f45-9708-019B960494DF}">
-                  <a14:hiddenLine xmlns:a14="http://schemas.microsoft.com/office/drawing/2010/main" xmlns="" w="9525">
+                  <a14:hiddenLine xmlns="" xmlns:a14="http://schemas.microsoft.com/office/drawing/2010/main" w="9525">
                     <a:solidFill>
                       <a:srgbClr val="000000"/>
                     </a:solidFill>
@@ -9800,7 +9819,7 @@
               </a:ln>
               <a:extLst>
                 <a:ext uri="{91240B29-F687-4f45-9708-019B960494DF}">
-                  <a14:hiddenLine xmlns:a14="http://schemas.microsoft.com/office/drawing/2010/main" xmlns="" w="9525">
+                  <a14:hiddenLine xmlns="" xmlns:a14="http://schemas.microsoft.com/office/drawing/2010/main" w="9525">
                     <a:solidFill>
                       <a:srgbClr val="000000"/>
                     </a:solidFill>
@@ -9890,7 +9909,7 @@
               </a:ln>
               <a:extLst>
                 <a:ext uri="{91240B29-F687-4f45-9708-019B960494DF}">
-                  <a14:hiddenLine xmlns:a14="http://schemas.microsoft.com/office/drawing/2010/main" xmlns="" w="9525">
+                  <a14:hiddenLine xmlns="" xmlns:a14="http://schemas.microsoft.com/office/drawing/2010/main" w="9525">
                     <a:solidFill>
                       <a:srgbClr val="000000"/>
                     </a:solidFill>
@@ -9952,7 +9971,7 @@
               </a:ln>
               <a:extLst>
                 <a:ext uri="{91240B29-F687-4f45-9708-019B960494DF}">
-                  <a14:hiddenLine xmlns:a14="http://schemas.microsoft.com/office/drawing/2010/main" xmlns="" w="9525">
+                  <a14:hiddenLine xmlns="" xmlns:a14="http://schemas.microsoft.com/office/drawing/2010/main" w="9525">
                     <a:solidFill>
                       <a:srgbClr val="000000"/>
                     </a:solidFill>
@@ -10042,7 +10061,7 @@
               </a:ln>
               <a:extLst>
                 <a:ext uri="{91240B29-F687-4f45-9708-019B960494DF}">
-                  <a14:hiddenLine xmlns:a14="http://schemas.microsoft.com/office/drawing/2010/main" xmlns="" w="9525">
+                  <a14:hiddenLine xmlns="" xmlns:a14="http://schemas.microsoft.com/office/drawing/2010/main" w="9525">
                     <a:solidFill>
                       <a:srgbClr val="000000"/>
                     </a:solidFill>
@@ -10104,7 +10123,7 @@
               </a:ln>
               <a:extLst>
                 <a:ext uri="{91240B29-F687-4f45-9708-019B960494DF}">
-                  <a14:hiddenLine xmlns:a14="http://schemas.microsoft.com/office/drawing/2010/main" xmlns="" w="9525">
+                  <a14:hiddenLine xmlns="" xmlns:a14="http://schemas.microsoft.com/office/drawing/2010/main" w="9525">
                     <a:solidFill>
                       <a:srgbClr val="000000"/>
                     </a:solidFill>
@@ -10166,7 +10185,7 @@
               </a:ln>
               <a:extLst>
                 <a:ext uri="{91240B29-F687-4f45-9708-019B960494DF}">
-                  <a14:hiddenLine xmlns:a14="http://schemas.microsoft.com/office/drawing/2010/main" xmlns="" w="9525">
+                  <a14:hiddenLine xmlns="" xmlns:a14="http://schemas.microsoft.com/office/drawing/2010/main" w="9525">
                     <a:solidFill>
                       <a:srgbClr val="000000"/>
                     </a:solidFill>
@@ -10256,7 +10275,7 @@
               </a:ln>
               <a:extLst>
                 <a:ext uri="{91240B29-F687-4f45-9708-019B960494DF}">
-                  <a14:hiddenLine xmlns:a14="http://schemas.microsoft.com/office/drawing/2010/main" xmlns="" w="9525">
+                  <a14:hiddenLine xmlns="" xmlns:a14="http://schemas.microsoft.com/office/drawing/2010/main" w="9525">
                     <a:solidFill>
                       <a:srgbClr val="000000"/>
                     </a:solidFill>
@@ -10346,7 +10365,7 @@
               </a:ln>
               <a:extLst>
                 <a:ext uri="{91240B29-F687-4f45-9708-019B960494DF}">
-                  <a14:hiddenLine xmlns:a14="http://schemas.microsoft.com/office/drawing/2010/main" xmlns="" w="9525">
+                  <a14:hiddenLine xmlns="" xmlns:a14="http://schemas.microsoft.com/office/drawing/2010/main" w="9525">
                     <a:solidFill>
                       <a:srgbClr val="000000"/>
                     </a:solidFill>
@@ -10408,7 +10427,7 @@
               </a:ln>
               <a:extLst>
                 <a:ext uri="{91240B29-F687-4f45-9708-019B960494DF}">
-                  <a14:hiddenLine xmlns:a14="http://schemas.microsoft.com/office/drawing/2010/main" xmlns="" w="9525">
+                  <a14:hiddenLine xmlns="" xmlns:a14="http://schemas.microsoft.com/office/drawing/2010/main" w="9525">
                     <a:solidFill>
                       <a:srgbClr val="000000"/>
                     </a:solidFill>
@@ -10518,7 +10537,7 @@
               </a:ln>
               <a:extLst>
                 <a:ext uri="{91240B29-F687-4f45-9708-019B960494DF}">
-                  <a14:hiddenLine xmlns:a14="http://schemas.microsoft.com/office/drawing/2010/main" xmlns="" w="9525">
+                  <a14:hiddenLine xmlns="" xmlns:a14="http://schemas.microsoft.com/office/drawing/2010/main" w="9525">
                     <a:solidFill>
                       <a:srgbClr val="000000"/>
                     </a:solidFill>
@@ -10602,7 +10621,7 @@
               </a:ln>
               <a:extLst>
                 <a:ext uri="{91240B29-F687-4f45-9708-019B960494DF}">
-                  <a14:hiddenLine xmlns:a14="http://schemas.microsoft.com/office/drawing/2010/main" xmlns="" w="9525">
+                  <a14:hiddenLine xmlns="" xmlns:a14="http://schemas.microsoft.com/office/drawing/2010/main" w="9525">
                     <a:solidFill>
                       <a:srgbClr val="000000"/>
                     </a:solidFill>
@@ -10664,7 +10683,7 @@
               </a:ln>
               <a:extLst>
                 <a:ext uri="{91240B29-F687-4f45-9708-019B960494DF}">
-                  <a14:hiddenLine xmlns:a14="http://schemas.microsoft.com/office/drawing/2010/main" xmlns="" w="9525">
+                  <a14:hiddenLine xmlns="" xmlns:a14="http://schemas.microsoft.com/office/drawing/2010/main" w="9525">
                     <a:solidFill>
                       <a:srgbClr val="000000"/>
                     </a:solidFill>
@@ -10726,7 +10745,7 @@
               </a:ln>
               <a:extLst>
                 <a:ext uri="{91240B29-F687-4f45-9708-019B960494DF}">
-                  <a14:hiddenLine xmlns:a14="http://schemas.microsoft.com/office/drawing/2010/main" xmlns="" w="9525">
+                  <a14:hiddenLine xmlns="" xmlns:a14="http://schemas.microsoft.com/office/drawing/2010/main" w="9525">
                     <a:solidFill>
                       <a:srgbClr val="000000"/>
                     </a:solidFill>
@@ -10816,7 +10835,7 @@
               </a:ln>
               <a:extLst>
                 <a:ext uri="{91240B29-F687-4f45-9708-019B960494DF}">
-                  <a14:hiddenLine xmlns:a14="http://schemas.microsoft.com/office/drawing/2010/main" xmlns="" w="9525">
+                  <a14:hiddenLine xmlns="" xmlns:a14="http://schemas.microsoft.com/office/drawing/2010/main" w="9525">
                     <a:solidFill>
                       <a:srgbClr val="000000"/>
                     </a:solidFill>
@@ -10850,7 +10869,7 @@
               </a:ln>
               <a:extLst>
                 <a:ext uri="{91240B29-F687-4f45-9708-019B960494DF}">
-                  <a14:hiddenLine xmlns:a14="http://schemas.microsoft.com/office/drawing/2010/main" xmlns="" w="9525">
+                  <a14:hiddenLine xmlns="" xmlns:a14="http://schemas.microsoft.com/office/drawing/2010/main" w="9525">
                     <a:solidFill>
                       <a:srgbClr val="000000"/>
                     </a:solidFill>
@@ -10915,7 +10934,7 @@
               </a:ln>
               <a:extLst>
                 <a:ext uri="{91240B29-F687-4f45-9708-019B960494DF}">
-                  <a14:hiddenLine xmlns:a14="http://schemas.microsoft.com/office/drawing/2010/main" xmlns="" w="9525">
+                  <a14:hiddenLine xmlns="" xmlns:a14="http://schemas.microsoft.com/office/drawing/2010/main" w="9525">
                     <a:solidFill>
                       <a:srgbClr val="000000"/>
                     </a:solidFill>
@@ -11005,7 +11024,7 @@
               </a:ln>
               <a:extLst>
                 <a:ext uri="{91240B29-F687-4f45-9708-019B960494DF}">
-                  <a14:hiddenLine xmlns:a14="http://schemas.microsoft.com/office/drawing/2010/main" xmlns="" w="9525">
+                  <a14:hiddenLine xmlns="" xmlns:a14="http://schemas.microsoft.com/office/drawing/2010/main" w="9525">
                     <a:solidFill>
                       <a:srgbClr val="000000"/>
                     </a:solidFill>
@@ -11067,7 +11086,7 @@
               </a:ln>
               <a:extLst>
                 <a:ext uri="{91240B29-F687-4f45-9708-019B960494DF}">
-                  <a14:hiddenLine xmlns:a14="http://schemas.microsoft.com/office/drawing/2010/main" xmlns="" w="9525">
+                  <a14:hiddenLine xmlns="" xmlns:a14="http://schemas.microsoft.com/office/drawing/2010/main" w="9525">
                     <a:solidFill>
                       <a:srgbClr val="000000"/>
                     </a:solidFill>
@@ -11157,7 +11176,7 @@
               </a:ln>
               <a:extLst>
                 <a:ext uri="{91240B29-F687-4f45-9708-019B960494DF}">
-                  <a14:hiddenLine xmlns:a14="http://schemas.microsoft.com/office/drawing/2010/main" xmlns="" w="9525">
+                  <a14:hiddenLine xmlns="" xmlns:a14="http://schemas.microsoft.com/office/drawing/2010/main" w="9525">
                     <a:solidFill>
                       <a:srgbClr val="000000"/>
                     </a:solidFill>
@@ -11222,7 +11241,7 @@
               </a:ln>
               <a:extLst>
                 <a:ext uri="{91240B29-F687-4f45-9708-019B960494DF}">
-                  <a14:hiddenLine xmlns:a14="http://schemas.microsoft.com/office/drawing/2010/main" xmlns="" w="9525">
+                  <a14:hiddenLine xmlns="" xmlns:a14="http://schemas.microsoft.com/office/drawing/2010/main" w="9525">
                     <a:solidFill>
                       <a:srgbClr val="000000"/>
                     </a:solidFill>
@@ -11284,7 +11303,7 @@
               </a:ln>
               <a:extLst>
                 <a:ext uri="{91240B29-F687-4f45-9708-019B960494DF}">
-                  <a14:hiddenLine xmlns:a14="http://schemas.microsoft.com/office/drawing/2010/main" xmlns="" w="9525">
+                  <a14:hiddenLine xmlns="" xmlns:a14="http://schemas.microsoft.com/office/drawing/2010/main" w="9525">
                     <a:solidFill>
                       <a:srgbClr val="000000"/>
                     </a:solidFill>
@@ -11374,7 +11393,7 @@
               </a:ln>
               <a:extLst>
                 <a:ext uri="{91240B29-F687-4f45-9708-019B960494DF}">
-                  <a14:hiddenLine xmlns:a14="http://schemas.microsoft.com/office/drawing/2010/main" xmlns="" w="9525">
+                  <a14:hiddenLine xmlns="" xmlns:a14="http://schemas.microsoft.com/office/drawing/2010/main" w="9525">
                     <a:solidFill>
                       <a:srgbClr val="000000"/>
                     </a:solidFill>
@@ -11464,7 +11483,7 @@
               </a:ln>
               <a:extLst>
                 <a:ext uri="{91240B29-F687-4f45-9708-019B960494DF}">
-                  <a14:hiddenLine xmlns:a14="http://schemas.microsoft.com/office/drawing/2010/main" xmlns="" w="9525">
+                  <a14:hiddenLine xmlns="" xmlns:a14="http://schemas.microsoft.com/office/drawing/2010/main" w="9525">
                     <a:solidFill>
                       <a:srgbClr val="000000"/>
                     </a:solidFill>
@@ -11529,7 +11548,7 @@
               </a:ln>
               <a:extLst>
                 <a:ext uri="{91240B29-F687-4f45-9708-019B960494DF}">
-                  <a14:hiddenLine xmlns:a14="http://schemas.microsoft.com/office/drawing/2010/main" xmlns="" w="9525">
+                  <a14:hiddenLine xmlns="" xmlns:a14="http://schemas.microsoft.com/office/drawing/2010/main" w="9525">
                     <a:solidFill>
                       <a:srgbClr val="000000"/>
                     </a:solidFill>
@@ -11649,7 +11668,7 @@
               </a:ln>
               <a:extLst>
                 <a:ext uri="{91240B29-F687-4f45-9708-019B960494DF}">
-                  <a14:hiddenLine xmlns:a14="http://schemas.microsoft.com/office/drawing/2010/main" xmlns="" w="9525">
+                  <a14:hiddenLine xmlns="" xmlns:a14="http://schemas.microsoft.com/office/drawing/2010/main" w="9525">
                     <a:solidFill>
                       <a:srgbClr val="000000"/>
                     </a:solidFill>
@@ -11730,7 +11749,7 @@
               </a:ln>
               <a:extLst>
                 <a:ext uri="{91240B29-F687-4f45-9708-019B960494DF}">
-                  <a14:hiddenLine xmlns:a14="http://schemas.microsoft.com/office/drawing/2010/main" xmlns="" w="9525">
+                  <a14:hiddenLine xmlns="" xmlns:a14="http://schemas.microsoft.com/office/drawing/2010/main" w="9525">
                     <a:solidFill>
                       <a:srgbClr val="000000"/>
                     </a:solidFill>
@@ -11845,7 +11864,7 @@
               </a:ln>
               <a:extLst>
                 <a:ext uri="{91240B29-F687-4f45-9708-019B960494DF}">
-                  <a14:hiddenLine xmlns:a14="http://schemas.microsoft.com/office/drawing/2010/main" xmlns="" w="9525">
+                  <a14:hiddenLine xmlns="" xmlns:a14="http://schemas.microsoft.com/office/drawing/2010/main" w="9525">
                     <a:solidFill>
                       <a:srgbClr val="000000"/>
                     </a:solidFill>
@@ -11935,7 +11954,7 @@
               </a:ln>
               <a:extLst>
                 <a:ext uri="{91240B29-F687-4f45-9708-019B960494DF}">
-                  <a14:hiddenLine xmlns:a14="http://schemas.microsoft.com/office/drawing/2010/main" xmlns="" w="9525">
+                  <a14:hiddenLine xmlns="" xmlns:a14="http://schemas.microsoft.com/office/drawing/2010/main" w="9525">
                     <a:solidFill>
                       <a:srgbClr val="000000"/>
                     </a:solidFill>
@@ -12000,7 +12019,7 @@
               </a:ln>
               <a:extLst>
                 <a:ext uri="{91240B29-F687-4f45-9708-019B960494DF}">
-                  <a14:hiddenLine xmlns:a14="http://schemas.microsoft.com/office/drawing/2010/main" xmlns="" w="9525">
+                  <a14:hiddenLine xmlns="" xmlns:a14="http://schemas.microsoft.com/office/drawing/2010/main" w="9525">
                     <a:solidFill>
                       <a:srgbClr val="000000"/>
                     </a:solidFill>
@@ -12090,7 +12109,7 @@
               </a:ln>
               <a:extLst>
                 <a:ext uri="{91240B29-F687-4f45-9708-019B960494DF}">
-                  <a14:hiddenLine xmlns:a14="http://schemas.microsoft.com/office/drawing/2010/main" xmlns="" w="9525">
+                  <a14:hiddenLine xmlns="" xmlns:a14="http://schemas.microsoft.com/office/drawing/2010/main" w="9525">
                     <a:solidFill>
                       <a:srgbClr val="000000"/>
                     </a:solidFill>
@@ -12158,7 +12177,7 @@
               </a:ln>
               <a:extLst>
                 <a:ext uri="{91240B29-F687-4f45-9708-019B960494DF}">
-                  <a14:hiddenLine xmlns:a14="http://schemas.microsoft.com/office/drawing/2010/main" xmlns="" w="9525">
+                  <a14:hiddenLine xmlns="" xmlns:a14="http://schemas.microsoft.com/office/drawing/2010/main" w="9525">
                     <a:solidFill>
                       <a:srgbClr val="000000"/>
                     </a:solidFill>
@@ -12248,7 +12267,7 @@
               </a:ln>
               <a:extLst>
                 <a:ext uri="{91240B29-F687-4f45-9708-019B960494DF}">
-                  <a14:hiddenLine xmlns:a14="http://schemas.microsoft.com/office/drawing/2010/main" xmlns="" w="9525">
+                  <a14:hiddenLine xmlns="" xmlns:a14="http://schemas.microsoft.com/office/drawing/2010/main" w="9525">
                     <a:solidFill>
                       <a:srgbClr val="000000"/>
                     </a:solidFill>
@@ -12316,7 +12335,7 @@
               </a:ln>
               <a:extLst>
                 <a:ext uri="{91240B29-F687-4f45-9708-019B960494DF}">
-                  <a14:hiddenLine xmlns:a14="http://schemas.microsoft.com/office/drawing/2010/main" xmlns="" w="9525">
+                  <a14:hiddenLine xmlns="" xmlns:a14="http://schemas.microsoft.com/office/drawing/2010/main" w="9525">
                     <a:solidFill>
                       <a:srgbClr val="000000"/>
                     </a:solidFill>
@@ -12406,7 +12425,7 @@
               </a:ln>
               <a:extLst>
                 <a:ext uri="{91240B29-F687-4f45-9708-019B960494DF}">
-                  <a14:hiddenLine xmlns:a14="http://schemas.microsoft.com/office/drawing/2010/main" xmlns="" w="9525">
+                  <a14:hiddenLine xmlns="" xmlns:a14="http://schemas.microsoft.com/office/drawing/2010/main" w="9525">
                     <a:solidFill>
                       <a:srgbClr val="000000"/>
                     </a:solidFill>
@@ -12440,7 +12459,7 @@
               </a:ln>
               <a:extLst>
                 <a:ext uri="{91240B29-F687-4f45-9708-019B960494DF}">
-                  <a14:hiddenLine xmlns:a14="http://schemas.microsoft.com/office/drawing/2010/main" xmlns="" w="9525">
+                  <a14:hiddenLine xmlns="" xmlns:a14="http://schemas.microsoft.com/office/drawing/2010/main" w="9525">
                     <a:solidFill>
                       <a:srgbClr val="000000"/>
                     </a:solidFill>
@@ -12580,7 +12599,7 @@
           <a:p>
             <a:fld id="{EC4347D3-4C9A-C240-8F14-750059DFEEB0}" type="datetimeFigureOut">
               <a:rPr lang="en-US" smtClean="0"/>
-              <a:t>8/16/23</a:t>
+              <a:t>9/6/23</a:t>
             </a:fld>
             <a:endParaRPr lang="en-US"/>
           </a:p>
@@ -13090,6 +13109,2962 @@
 </p:sld>
 </file>
 
+<file path=ppt/slides/slide10.xml><?xml version="1.0" encoding="utf-8"?>
+<p:sld xmlns:a="http://schemas.openxmlformats.org/drawingml/2006/main" xmlns:r="http://schemas.openxmlformats.org/officeDocument/2006/relationships" xmlns:p="http://schemas.openxmlformats.org/presentationml/2006/main">
+  <p:cSld>
+    <p:spTree>
+      <p:nvGrpSpPr>
+        <p:cNvPr id="1" name=""/>
+        <p:cNvGrpSpPr/>
+        <p:nvPr/>
+      </p:nvGrpSpPr>
+      <p:grpSpPr>
+        <a:xfrm>
+          <a:off x="0" y="0"/>
+          <a:ext cx="0" cy="0"/>
+          <a:chOff x="0" y="0"/>
+          <a:chExt cx="0" cy="0"/>
+        </a:xfrm>
+      </p:grpSpPr>
+      <p:sp>
+        <p:nvSpPr>
+          <p:cNvPr id="2" name="Title 1">
+            <a:extLst>
+              <a:ext uri="{FF2B5EF4-FFF2-40B4-BE49-F238E27FC236}">
+                <a16:creationId xmlns:a16="http://schemas.microsoft.com/office/drawing/2014/main" id="{D63C04CD-2329-4D47-84D9-12CB3EDD9F46}"/>
+              </a:ext>
+            </a:extLst>
+          </p:cNvPr>
+          <p:cNvSpPr>
+            <a:spLocks noGrp="1"/>
+          </p:cNvSpPr>
+          <p:nvPr>
+            <p:ph type="title"/>
+          </p:nvPr>
+        </p:nvSpPr>
+        <p:spPr>
+          <a:xfrm>
+            <a:off x="1141413" y="125537"/>
+            <a:ext cx="9905998" cy="860425"/>
+          </a:xfrm>
+        </p:spPr>
+        <p:txBody>
+          <a:bodyPr/>
+          <a:lstStyle/>
+          <a:p>
+            <a:pPr algn="ctr"/>
+            <a:r>
+              <a:rPr lang="en-US" dirty="0"/>
+              <a:t>Configurations of A TM</a:t>
+            </a:r>
+          </a:p>
+        </p:txBody>
+      </p:sp>
+      <p:sp>
+        <p:nvSpPr>
+          <p:cNvPr id="3" name="Content Placeholder 2">
+            <a:extLst>
+              <a:ext uri="{FF2B5EF4-FFF2-40B4-BE49-F238E27FC236}">
+                <a16:creationId xmlns:a16="http://schemas.microsoft.com/office/drawing/2014/main" id="{14278F5F-F936-6145-9FF8-704886F1A386}"/>
+              </a:ext>
+            </a:extLst>
+          </p:cNvPr>
+          <p:cNvSpPr>
+            <a:spLocks noGrp="1"/>
+          </p:cNvSpPr>
+          <p:nvPr>
+            <p:ph idx="1"/>
+          </p:nvPr>
+        </p:nvSpPr>
+        <p:spPr>
+          <a:xfrm>
+            <a:off x="1141412" y="1559371"/>
+            <a:ext cx="9905999" cy="1089328"/>
+          </a:xfrm>
+          <a:solidFill>
+            <a:schemeClr val="tx1">
+              <a:lumMod val="95000"/>
+            </a:schemeClr>
+          </a:solidFill>
+        </p:spPr>
+        <p:txBody>
+          <a:bodyPr/>
+          <a:lstStyle/>
+          <a:p>
+            <a:pPr marL="0" indent="0">
+              <a:buNone/>
+            </a:pPr>
+            <a:r>
+              <a:rPr lang="en-US" dirty="0">
+                <a:solidFill>
+                  <a:schemeClr val="bg1"/>
+                </a:solidFill>
+              </a:rPr>
+              <a:t>…</a:t>
+            </a:r>
+          </a:p>
+        </p:txBody>
+      </p:sp>
+      <p:sp>
+        <p:nvSpPr>
+          <p:cNvPr id="6" name="Content Placeholder 2">
+            <a:extLst>
+              <a:ext uri="{FF2B5EF4-FFF2-40B4-BE49-F238E27FC236}">
+                <a16:creationId xmlns:a16="http://schemas.microsoft.com/office/drawing/2014/main" id="{D1AB4AE0-9143-C34D-B965-4033C921D6B5}"/>
+              </a:ext>
+            </a:extLst>
+          </p:cNvPr>
+          <p:cNvSpPr txBox="1">
+            <a:spLocks/>
+          </p:cNvSpPr>
+          <p:nvPr/>
+        </p:nvSpPr>
+        <p:spPr>
+          <a:xfrm>
+            <a:off x="1141412" y="2888722"/>
+            <a:ext cx="9905999" cy="1089328"/>
+          </a:xfrm>
+          <a:prstGeom prst="rect">
+            <a:avLst/>
+          </a:prstGeom>
+          <a:noFill/>
+        </p:spPr>
+        <p:txBody>
+          <a:bodyPr vert="horz" lIns="91440" tIns="45720" rIns="91440" bIns="45720" rtlCol="0">
+            <a:normAutofit/>
+          </a:bodyPr>
+          <a:lstStyle>
+            <a:lvl1pPr marL="228600" indent="-228600" algn="l" defTabSz="914400" rtl="0" eaLnBrk="1" latinLnBrk="0" hangingPunct="1">
+              <a:lnSpc>
+                <a:spcPct val="120000"/>
+              </a:lnSpc>
+              <a:spcBef>
+                <a:spcPts val="1000"/>
+              </a:spcBef>
+              <a:buSzPct val="125000"/>
+              <a:buFont typeface="Arial" panose="020B0604020202020204" pitchFamily="34" charset="0"/>
+              <a:buChar char="•"/>
+              <a:defRPr sz="2400" kern="1200">
+                <a:solidFill>
+                  <a:schemeClr val="tx1"/>
+                </a:solidFill>
+                <a:latin typeface="+mn-lt"/>
+                <a:ea typeface="+mn-ea"/>
+                <a:cs typeface="+mn-cs"/>
+              </a:defRPr>
+            </a:lvl1pPr>
+            <a:lvl2pPr marL="685800" indent="-228600" algn="l" defTabSz="914400" rtl="0" eaLnBrk="1" latinLnBrk="0" hangingPunct="1">
+              <a:lnSpc>
+                <a:spcPct val="120000"/>
+              </a:lnSpc>
+              <a:spcBef>
+                <a:spcPts val="500"/>
+              </a:spcBef>
+              <a:buSzPct val="125000"/>
+              <a:buFont typeface="Arial" panose="020B0604020202020204" pitchFamily="34" charset="0"/>
+              <a:buChar char="•"/>
+              <a:defRPr sz="2000" kern="1200">
+                <a:solidFill>
+                  <a:schemeClr val="tx1"/>
+                </a:solidFill>
+                <a:latin typeface="+mn-lt"/>
+                <a:ea typeface="+mn-ea"/>
+                <a:cs typeface="+mn-cs"/>
+              </a:defRPr>
+            </a:lvl2pPr>
+            <a:lvl3pPr marL="1143000" indent="-228600" algn="l" defTabSz="914400" rtl="0" eaLnBrk="1" latinLnBrk="0" hangingPunct="1">
+              <a:lnSpc>
+                <a:spcPct val="120000"/>
+              </a:lnSpc>
+              <a:spcBef>
+                <a:spcPts val="500"/>
+              </a:spcBef>
+              <a:buSzPct val="125000"/>
+              <a:buFont typeface="Arial" panose="020B0604020202020204" pitchFamily="34" charset="0"/>
+              <a:buChar char="•"/>
+              <a:defRPr sz="1800" kern="1200">
+                <a:solidFill>
+                  <a:schemeClr val="tx1"/>
+                </a:solidFill>
+                <a:latin typeface="+mn-lt"/>
+                <a:ea typeface="+mn-ea"/>
+                <a:cs typeface="+mn-cs"/>
+              </a:defRPr>
+            </a:lvl3pPr>
+            <a:lvl4pPr marL="1600200" indent="-228600" algn="l" defTabSz="914400" rtl="0" eaLnBrk="1" latinLnBrk="0" hangingPunct="1">
+              <a:lnSpc>
+                <a:spcPct val="120000"/>
+              </a:lnSpc>
+              <a:spcBef>
+                <a:spcPts val="500"/>
+              </a:spcBef>
+              <a:buSzPct val="125000"/>
+              <a:buFont typeface="Arial" panose="020B0604020202020204" pitchFamily="34" charset="0"/>
+              <a:buChar char="•"/>
+              <a:defRPr sz="1600" kern="1200">
+                <a:solidFill>
+                  <a:schemeClr val="tx1"/>
+                </a:solidFill>
+                <a:latin typeface="+mn-lt"/>
+                <a:ea typeface="+mn-ea"/>
+                <a:cs typeface="+mn-cs"/>
+              </a:defRPr>
+            </a:lvl4pPr>
+            <a:lvl5pPr marL="2057400" indent="-228600" algn="l" defTabSz="914400" rtl="0" eaLnBrk="1" latinLnBrk="0" hangingPunct="1">
+              <a:lnSpc>
+                <a:spcPct val="120000"/>
+              </a:lnSpc>
+              <a:spcBef>
+                <a:spcPts val="500"/>
+              </a:spcBef>
+              <a:buSzPct val="125000"/>
+              <a:buFont typeface="Arial" panose="020B0604020202020204" pitchFamily="34" charset="0"/>
+              <a:buChar char="•"/>
+              <a:defRPr sz="1600" kern="1200">
+                <a:solidFill>
+                  <a:schemeClr val="tx1"/>
+                </a:solidFill>
+                <a:latin typeface="+mn-lt"/>
+                <a:ea typeface="+mn-ea"/>
+                <a:cs typeface="+mn-cs"/>
+              </a:defRPr>
+            </a:lvl5pPr>
+            <a:lvl6pPr marL="2514600" indent="-228600" algn="l" defTabSz="914400" rtl="0" eaLnBrk="1" latinLnBrk="0" hangingPunct="1">
+              <a:lnSpc>
+                <a:spcPct val="120000"/>
+              </a:lnSpc>
+              <a:spcBef>
+                <a:spcPts val="500"/>
+              </a:spcBef>
+              <a:buSzPct val="125000"/>
+              <a:buFont typeface="Arial" panose="020B0604020202020204" pitchFamily="34" charset="0"/>
+              <a:buChar char="•"/>
+              <a:defRPr sz="1400" kern="1200">
+                <a:solidFill>
+                  <a:schemeClr val="tx1"/>
+                </a:solidFill>
+                <a:latin typeface="+mn-lt"/>
+                <a:ea typeface="+mn-ea"/>
+                <a:cs typeface="+mn-cs"/>
+              </a:defRPr>
+            </a:lvl6pPr>
+            <a:lvl7pPr marL="2971800" indent="-228600" algn="l" defTabSz="914400" rtl="0" eaLnBrk="1" latinLnBrk="0" hangingPunct="1">
+              <a:lnSpc>
+                <a:spcPct val="120000"/>
+              </a:lnSpc>
+              <a:spcBef>
+                <a:spcPts val="500"/>
+              </a:spcBef>
+              <a:buSzPct val="125000"/>
+              <a:buFont typeface="Arial" panose="020B0604020202020204" pitchFamily="34" charset="0"/>
+              <a:buChar char="•"/>
+              <a:defRPr sz="1400" kern="1200">
+                <a:solidFill>
+                  <a:schemeClr val="tx1"/>
+                </a:solidFill>
+                <a:latin typeface="+mn-lt"/>
+                <a:ea typeface="+mn-ea"/>
+                <a:cs typeface="+mn-cs"/>
+              </a:defRPr>
+            </a:lvl7pPr>
+            <a:lvl8pPr marL="3429000" indent="-228600" algn="l" defTabSz="914400" rtl="0" eaLnBrk="1" latinLnBrk="0" hangingPunct="1">
+              <a:lnSpc>
+                <a:spcPct val="120000"/>
+              </a:lnSpc>
+              <a:spcBef>
+                <a:spcPts val="500"/>
+              </a:spcBef>
+              <a:buSzPct val="125000"/>
+              <a:buFont typeface="Arial" panose="020B0604020202020204" pitchFamily="34" charset="0"/>
+              <a:buChar char="•"/>
+              <a:defRPr sz="1400" kern="1200">
+                <a:solidFill>
+                  <a:schemeClr val="tx1"/>
+                </a:solidFill>
+                <a:latin typeface="+mn-lt"/>
+                <a:ea typeface="+mn-ea"/>
+                <a:cs typeface="+mn-cs"/>
+              </a:defRPr>
+            </a:lvl8pPr>
+            <a:lvl9pPr marL="3886200" indent="-228600" algn="l" defTabSz="914400" rtl="0" eaLnBrk="1" latinLnBrk="0" hangingPunct="1">
+              <a:lnSpc>
+                <a:spcPct val="120000"/>
+              </a:lnSpc>
+              <a:spcBef>
+                <a:spcPts val="500"/>
+              </a:spcBef>
+              <a:buSzPct val="125000"/>
+              <a:buFont typeface="Arial" panose="020B0604020202020204" pitchFamily="34" charset="0"/>
+              <a:buChar char="•"/>
+              <a:defRPr sz="1400" kern="1200">
+                <a:solidFill>
+                  <a:schemeClr val="tx1"/>
+                </a:solidFill>
+                <a:latin typeface="+mn-lt"/>
+                <a:ea typeface="+mn-ea"/>
+                <a:cs typeface="+mn-cs"/>
+              </a:defRPr>
+            </a:lvl9pPr>
+          </a:lstStyle>
+          <a:p>
+            <a:pPr marL="0" indent="0">
+              <a:buFont typeface="Arial" panose="020B0604020202020204" pitchFamily="34" charset="0"/>
+              <a:buNone/>
+            </a:pPr>
+            <a:r>
+              <a:rPr lang="en-US" dirty="0">
+                <a:solidFill>
+                  <a:schemeClr val="tx1">
+                    <a:lumMod val="95000"/>
+                  </a:schemeClr>
+                </a:solidFill>
+              </a:rPr>
+              <a:t>…………</a:t>
+            </a:r>
+          </a:p>
+        </p:txBody>
+      </p:sp>
+      <p:pic>
+        <p:nvPicPr>
+          <p:cNvPr id="5" name="Picture 4">
+            <a:extLst>
+              <a:ext uri="{FF2B5EF4-FFF2-40B4-BE49-F238E27FC236}">
+                <a16:creationId xmlns:a16="http://schemas.microsoft.com/office/drawing/2014/main" id="{052E846F-53F4-BF4D-87E4-7213551CE830}"/>
+              </a:ext>
+            </a:extLst>
+          </p:cNvPr>
+          <p:cNvPicPr>
+            <a:picLocks noChangeAspect="1"/>
+          </p:cNvPicPr>
+          <p:nvPr/>
+        </p:nvPicPr>
+        <p:blipFill>
+          <a:blip r:embed="rId2"/>
+          <a:stretch>
+            <a:fillRect/>
+          </a:stretch>
+        </p:blipFill>
+        <p:spPr>
+          <a:xfrm>
+            <a:off x="4912448" y="2716452"/>
+            <a:ext cx="5598625" cy="4011970"/>
+          </a:xfrm>
+          <a:prstGeom prst="rect">
+            <a:avLst/>
+          </a:prstGeom>
+        </p:spPr>
+      </p:pic>
+    </p:spTree>
+    <p:extLst>
+      <p:ext uri="{BB962C8B-B14F-4D97-AF65-F5344CB8AC3E}">
+        <p14:creationId xmlns:p14="http://schemas.microsoft.com/office/powerpoint/2010/main" val="1449488765"/>
+      </p:ext>
+    </p:extLst>
+  </p:cSld>
+  <p:clrMapOvr>
+    <a:masterClrMapping/>
+  </p:clrMapOvr>
+</p:sld>
+</file>
+
+<file path=ppt/slides/slide11.xml><?xml version="1.0" encoding="utf-8"?>
+<p:sld xmlns:a="http://schemas.openxmlformats.org/drawingml/2006/main" xmlns:r="http://schemas.openxmlformats.org/officeDocument/2006/relationships" xmlns:p="http://schemas.openxmlformats.org/presentationml/2006/main">
+  <p:cSld>
+    <p:spTree>
+      <p:nvGrpSpPr>
+        <p:cNvPr id="1" name=""/>
+        <p:cNvGrpSpPr/>
+        <p:nvPr/>
+      </p:nvGrpSpPr>
+      <p:grpSpPr>
+        <a:xfrm>
+          <a:off x="0" y="0"/>
+          <a:ext cx="0" cy="0"/>
+          <a:chOff x="0" y="0"/>
+          <a:chExt cx="0" cy="0"/>
+        </a:xfrm>
+      </p:grpSpPr>
+      <p:sp>
+        <p:nvSpPr>
+          <p:cNvPr id="2" name="Title 1">
+            <a:extLst>
+              <a:ext uri="{FF2B5EF4-FFF2-40B4-BE49-F238E27FC236}">
+                <a16:creationId xmlns:a16="http://schemas.microsoft.com/office/drawing/2014/main" id="{D63C04CD-2329-4D47-84D9-12CB3EDD9F46}"/>
+              </a:ext>
+            </a:extLst>
+          </p:cNvPr>
+          <p:cNvSpPr>
+            <a:spLocks noGrp="1"/>
+          </p:cNvSpPr>
+          <p:nvPr>
+            <p:ph type="title"/>
+          </p:nvPr>
+        </p:nvSpPr>
+        <p:spPr>
+          <a:xfrm>
+            <a:off x="1141413" y="125537"/>
+            <a:ext cx="9905998" cy="860425"/>
+          </a:xfrm>
+        </p:spPr>
+        <p:txBody>
+          <a:bodyPr/>
+          <a:lstStyle/>
+          <a:p>
+            <a:pPr algn="ctr"/>
+            <a:r>
+              <a:rPr lang="en-US" dirty="0"/>
+              <a:t>Recognizing VS Deciding</a:t>
+            </a:r>
+          </a:p>
+        </p:txBody>
+      </p:sp>
+      <p:sp>
+        <p:nvSpPr>
+          <p:cNvPr id="3" name="Content Placeholder 2">
+            <a:extLst>
+              <a:ext uri="{FF2B5EF4-FFF2-40B4-BE49-F238E27FC236}">
+                <a16:creationId xmlns:a16="http://schemas.microsoft.com/office/drawing/2014/main" id="{14278F5F-F936-6145-9FF8-704886F1A386}"/>
+              </a:ext>
+            </a:extLst>
+          </p:cNvPr>
+          <p:cNvSpPr>
+            <a:spLocks noGrp="1"/>
+          </p:cNvSpPr>
+          <p:nvPr>
+            <p:ph idx="1"/>
+          </p:nvPr>
+        </p:nvSpPr>
+        <p:spPr>
+          <a:xfrm>
+            <a:off x="1141412" y="1559371"/>
+            <a:ext cx="9905999" cy="1089328"/>
+          </a:xfrm>
+          <a:solidFill>
+            <a:schemeClr val="tx1">
+              <a:lumMod val="95000"/>
+            </a:schemeClr>
+          </a:solidFill>
+        </p:spPr>
+        <p:txBody>
+          <a:bodyPr/>
+          <a:lstStyle/>
+          <a:p>
+            <a:pPr marL="0" indent="0">
+              <a:buNone/>
+            </a:pPr>
+            <a:r>
+              <a:rPr lang="en-US" dirty="0">
+                <a:solidFill>
+                  <a:schemeClr val="bg1"/>
+                </a:solidFill>
+              </a:rPr>
+              <a:t>…</a:t>
+            </a:r>
+          </a:p>
+        </p:txBody>
+      </p:sp>
+      <p:sp>
+        <p:nvSpPr>
+          <p:cNvPr id="6" name="Content Placeholder 2">
+            <a:extLst>
+              <a:ext uri="{FF2B5EF4-FFF2-40B4-BE49-F238E27FC236}">
+                <a16:creationId xmlns:a16="http://schemas.microsoft.com/office/drawing/2014/main" id="{D1AB4AE0-9143-C34D-B965-4033C921D6B5}"/>
+              </a:ext>
+            </a:extLst>
+          </p:cNvPr>
+          <p:cNvSpPr txBox="1">
+            <a:spLocks/>
+          </p:cNvSpPr>
+          <p:nvPr/>
+        </p:nvSpPr>
+        <p:spPr>
+          <a:xfrm>
+            <a:off x="1141412" y="2888722"/>
+            <a:ext cx="9905999" cy="1089328"/>
+          </a:xfrm>
+          <a:prstGeom prst="rect">
+            <a:avLst/>
+          </a:prstGeom>
+          <a:noFill/>
+        </p:spPr>
+        <p:txBody>
+          <a:bodyPr vert="horz" lIns="91440" tIns="45720" rIns="91440" bIns="45720" rtlCol="0">
+            <a:normAutofit/>
+          </a:bodyPr>
+          <a:lstStyle>
+            <a:lvl1pPr marL="228600" indent="-228600" algn="l" defTabSz="914400" rtl="0" eaLnBrk="1" latinLnBrk="0" hangingPunct="1">
+              <a:lnSpc>
+                <a:spcPct val="120000"/>
+              </a:lnSpc>
+              <a:spcBef>
+                <a:spcPts val="1000"/>
+              </a:spcBef>
+              <a:buSzPct val="125000"/>
+              <a:buFont typeface="Arial" panose="020B0604020202020204" pitchFamily="34" charset="0"/>
+              <a:buChar char="•"/>
+              <a:defRPr sz="2400" kern="1200">
+                <a:solidFill>
+                  <a:schemeClr val="tx1"/>
+                </a:solidFill>
+                <a:latin typeface="+mn-lt"/>
+                <a:ea typeface="+mn-ea"/>
+                <a:cs typeface="+mn-cs"/>
+              </a:defRPr>
+            </a:lvl1pPr>
+            <a:lvl2pPr marL="685800" indent="-228600" algn="l" defTabSz="914400" rtl="0" eaLnBrk="1" latinLnBrk="0" hangingPunct="1">
+              <a:lnSpc>
+                <a:spcPct val="120000"/>
+              </a:lnSpc>
+              <a:spcBef>
+                <a:spcPts val="500"/>
+              </a:spcBef>
+              <a:buSzPct val="125000"/>
+              <a:buFont typeface="Arial" panose="020B0604020202020204" pitchFamily="34" charset="0"/>
+              <a:buChar char="•"/>
+              <a:defRPr sz="2000" kern="1200">
+                <a:solidFill>
+                  <a:schemeClr val="tx1"/>
+                </a:solidFill>
+                <a:latin typeface="+mn-lt"/>
+                <a:ea typeface="+mn-ea"/>
+                <a:cs typeface="+mn-cs"/>
+              </a:defRPr>
+            </a:lvl2pPr>
+            <a:lvl3pPr marL="1143000" indent="-228600" algn="l" defTabSz="914400" rtl="0" eaLnBrk="1" latinLnBrk="0" hangingPunct="1">
+              <a:lnSpc>
+                <a:spcPct val="120000"/>
+              </a:lnSpc>
+              <a:spcBef>
+                <a:spcPts val="500"/>
+              </a:spcBef>
+              <a:buSzPct val="125000"/>
+              <a:buFont typeface="Arial" panose="020B0604020202020204" pitchFamily="34" charset="0"/>
+              <a:buChar char="•"/>
+              <a:defRPr sz="1800" kern="1200">
+                <a:solidFill>
+                  <a:schemeClr val="tx1"/>
+                </a:solidFill>
+                <a:latin typeface="+mn-lt"/>
+                <a:ea typeface="+mn-ea"/>
+                <a:cs typeface="+mn-cs"/>
+              </a:defRPr>
+            </a:lvl3pPr>
+            <a:lvl4pPr marL="1600200" indent="-228600" algn="l" defTabSz="914400" rtl="0" eaLnBrk="1" latinLnBrk="0" hangingPunct="1">
+              <a:lnSpc>
+                <a:spcPct val="120000"/>
+              </a:lnSpc>
+              <a:spcBef>
+                <a:spcPts val="500"/>
+              </a:spcBef>
+              <a:buSzPct val="125000"/>
+              <a:buFont typeface="Arial" panose="020B0604020202020204" pitchFamily="34" charset="0"/>
+              <a:buChar char="•"/>
+              <a:defRPr sz="1600" kern="1200">
+                <a:solidFill>
+                  <a:schemeClr val="tx1"/>
+                </a:solidFill>
+                <a:latin typeface="+mn-lt"/>
+                <a:ea typeface="+mn-ea"/>
+                <a:cs typeface="+mn-cs"/>
+              </a:defRPr>
+            </a:lvl4pPr>
+            <a:lvl5pPr marL="2057400" indent="-228600" algn="l" defTabSz="914400" rtl="0" eaLnBrk="1" latinLnBrk="0" hangingPunct="1">
+              <a:lnSpc>
+                <a:spcPct val="120000"/>
+              </a:lnSpc>
+              <a:spcBef>
+                <a:spcPts val="500"/>
+              </a:spcBef>
+              <a:buSzPct val="125000"/>
+              <a:buFont typeface="Arial" panose="020B0604020202020204" pitchFamily="34" charset="0"/>
+              <a:buChar char="•"/>
+              <a:defRPr sz="1600" kern="1200">
+                <a:solidFill>
+                  <a:schemeClr val="tx1"/>
+                </a:solidFill>
+                <a:latin typeface="+mn-lt"/>
+                <a:ea typeface="+mn-ea"/>
+                <a:cs typeface="+mn-cs"/>
+              </a:defRPr>
+            </a:lvl5pPr>
+            <a:lvl6pPr marL="2514600" indent="-228600" algn="l" defTabSz="914400" rtl="0" eaLnBrk="1" latinLnBrk="0" hangingPunct="1">
+              <a:lnSpc>
+                <a:spcPct val="120000"/>
+              </a:lnSpc>
+              <a:spcBef>
+                <a:spcPts val="500"/>
+              </a:spcBef>
+              <a:buSzPct val="125000"/>
+              <a:buFont typeface="Arial" panose="020B0604020202020204" pitchFamily="34" charset="0"/>
+              <a:buChar char="•"/>
+              <a:defRPr sz="1400" kern="1200">
+                <a:solidFill>
+                  <a:schemeClr val="tx1"/>
+                </a:solidFill>
+                <a:latin typeface="+mn-lt"/>
+                <a:ea typeface="+mn-ea"/>
+                <a:cs typeface="+mn-cs"/>
+              </a:defRPr>
+            </a:lvl6pPr>
+            <a:lvl7pPr marL="2971800" indent="-228600" algn="l" defTabSz="914400" rtl="0" eaLnBrk="1" latinLnBrk="0" hangingPunct="1">
+              <a:lnSpc>
+                <a:spcPct val="120000"/>
+              </a:lnSpc>
+              <a:spcBef>
+                <a:spcPts val="500"/>
+              </a:spcBef>
+              <a:buSzPct val="125000"/>
+              <a:buFont typeface="Arial" panose="020B0604020202020204" pitchFamily="34" charset="0"/>
+              <a:buChar char="•"/>
+              <a:defRPr sz="1400" kern="1200">
+                <a:solidFill>
+                  <a:schemeClr val="tx1"/>
+                </a:solidFill>
+                <a:latin typeface="+mn-lt"/>
+                <a:ea typeface="+mn-ea"/>
+                <a:cs typeface="+mn-cs"/>
+              </a:defRPr>
+            </a:lvl7pPr>
+            <a:lvl8pPr marL="3429000" indent="-228600" algn="l" defTabSz="914400" rtl="0" eaLnBrk="1" latinLnBrk="0" hangingPunct="1">
+              <a:lnSpc>
+                <a:spcPct val="120000"/>
+              </a:lnSpc>
+              <a:spcBef>
+                <a:spcPts val="500"/>
+              </a:spcBef>
+              <a:buSzPct val="125000"/>
+              <a:buFont typeface="Arial" panose="020B0604020202020204" pitchFamily="34" charset="0"/>
+              <a:buChar char="•"/>
+              <a:defRPr sz="1400" kern="1200">
+                <a:solidFill>
+                  <a:schemeClr val="tx1"/>
+                </a:solidFill>
+                <a:latin typeface="+mn-lt"/>
+                <a:ea typeface="+mn-ea"/>
+                <a:cs typeface="+mn-cs"/>
+              </a:defRPr>
+            </a:lvl8pPr>
+            <a:lvl9pPr marL="3886200" indent="-228600" algn="l" defTabSz="914400" rtl="0" eaLnBrk="1" latinLnBrk="0" hangingPunct="1">
+              <a:lnSpc>
+                <a:spcPct val="120000"/>
+              </a:lnSpc>
+              <a:spcBef>
+                <a:spcPts val="500"/>
+              </a:spcBef>
+              <a:buSzPct val="125000"/>
+              <a:buFont typeface="Arial" panose="020B0604020202020204" pitchFamily="34" charset="0"/>
+              <a:buChar char="•"/>
+              <a:defRPr sz="1400" kern="1200">
+                <a:solidFill>
+                  <a:schemeClr val="tx1"/>
+                </a:solidFill>
+                <a:latin typeface="+mn-lt"/>
+                <a:ea typeface="+mn-ea"/>
+                <a:cs typeface="+mn-cs"/>
+              </a:defRPr>
+            </a:lvl9pPr>
+          </a:lstStyle>
+          <a:p>
+            <a:pPr marL="0" indent="0">
+              <a:buFont typeface="Arial" panose="020B0604020202020204" pitchFamily="34" charset="0"/>
+              <a:buNone/>
+            </a:pPr>
+            <a:r>
+              <a:rPr lang="en-US" dirty="0">
+                <a:solidFill>
+                  <a:schemeClr val="tx1">
+                    <a:lumMod val="95000"/>
+                  </a:schemeClr>
+                </a:solidFill>
+              </a:rPr>
+              <a:t>…………</a:t>
+            </a:r>
+          </a:p>
+        </p:txBody>
+      </p:sp>
+      <p:pic>
+        <p:nvPicPr>
+          <p:cNvPr id="7" name="Picture 6">
+            <a:extLst>
+              <a:ext uri="{FF2B5EF4-FFF2-40B4-BE49-F238E27FC236}">
+                <a16:creationId xmlns:a16="http://schemas.microsoft.com/office/drawing/2014/main" id="{F4BABC37-BBA3-ED43-B82C-5EBF44CC9063}"/>
+              </a:ext>
+            </a:extLst>
+          </p:cNvPr>
+          <p:cNvPicPr>
+            <a:picLocks noChangeAspect="1"/>
+          </p:cNvPicPr>
+          <p:nvPr/>
+        </p:nvPicPr>
+        <p:blipFill>
+          <a:blip r:embed="rId2"/>
+          <a:stretch>
+            <a:fillRect/>
+          </a:stretch>
+        </p:blipFill>
+        <p:spPr>
+          <a:xfrm>
+            <a:off x="5945548" y="2198266"/>
+            <a:ext cx="4981985" cy="4496771"/>
+          </a:xfrm>
+          <a:prstGeom prst="rect">
+            <a:avLst/>
+          </a:prstGeom>
+        </p:spPr>
+      </p:pic>
+    </p:spTree>
+    <p:extLst>
+      <p:ext uri="{BB962C8B-B14F-4D97-AF65-F5344CB8AC3E}">
+        <p14:creationId xmlns:p14="http://schemas.microsoft.com/office/powerpoint/2010/main" val="3574455264"/>
+      </p:ext>
+    </p:extLst>
+  </p:cSld>
+  <p:clrMapOvr>
+    <a:masterClrMapping/>
+  </p:clrMapOvr>
+</p:sld>
+</file>
+
+<file path=ppt/slides/slide12.xml><?xml version="1.0" encoding="utf-8"?>
+<p:sld xmlns:a="http://schemas.openxmlformats.org/drawingml/2006/main" xmlns:r="http://schemas.openxmlformats.org/officeDocument/2006/relationships" xmlns:p="http://schemas.openxmlformats.org/presentationml/2006/main">
+  <p:cSld>
+    <p:spTree>
+      <p:nvGrpSpPr>
+        <p:cNvPr id="1" name=""/>
+        <p:cNvGrpSpPr/>
+        <p:nvPr/>
+      </p:nvGrpSpPr>
+      <p:grpSpPr>
+        <a:xfrm>
+          <a:off x="0" y="0"/>
+          <a:ext cx="0" cy="0"/>
+          <a:chOff x="0" y="0"/>
+          <a:chExt cx="0" cy="0"/>
+        </a:xfrm>
+      </p:grpSpPr>
+      <p:sp>
+        <p:nvSpPr>
+          <p:cNvPr id="2" name="Title 1">
+            <a:extLst>
+              <a:ext uri="{FF2B5EF4-FFF2-40B4-BE49-F238E27FC236}">
+                <a16:creationId xmlns:a16="http://schemas.microsoft.com/office/drawing/2014/main" id="{87719C56-21DC-0A40-AA49-9AF4AF4C92DA}"/>
+              </a:ext>
+            </a:extLst>
+          </p:cNvPr>
+          <p:cNvSpPr>
+            <a:spLocks noGrp="1"/>
+          </p:cNvSpPr>
+          <p:nvPr>
+            <p:ph type="title"/>
+          </p:nvPr>
+        </p:nvSpPr>
+        <p:spPr/>
+        <p:txBody>
+          <a:bodyPr/>
+          <a:lstStyle/>
+          <a:p>
+            <a:pPr algn="ctr"/>
+            <a:r>
+              <a:rPr lang="en-US" dirty="0"/>
+              <a:t>Examples: Designing Turing Machines</a:t>
+            </a:r>
+          </a:p>
+        </p:txBody>
+      </p:sp>
+    </p:spTree>
+    <p:extLst>
+      <p:ext uri="{BB962C8B-B14F-4D97-AF65-F5344CB8AC3E}">
+        <p14:creationId xmlns:p14="http://schemas.microsoft.com/office/powerpoint/2010/main" val="2962719250"/>
+      </p:ext>
+    </p:extLst>
+  </p:cSld>
+  <p:clrMapOvr>
+    <a:masterClrMapping/>
+  </p:clrMapOvr>
+</p:sld>
+</file>
+
+<file path=ppt/slides/slide13.xml><?xml version="1.0" encoding="utf-8"?>
+<p:sld xmlns:a="http://schemas.openxmlformats.org/drawingml/2006/main" xmlns:r="http://schemas.openxmlformats.org/officeDocument/2006/relationships" xmlns:p="http://schemas.openxmlformats.org/presentationml/2006/main">
+  <p:cSld>
+    <p:spTree>
+      <p:nvGrpSpPr>
+        <p:cNvPr id="1" name=""/>
+        <p:cNvGrpSpPr/>
+        <p:nvPr/>
+      </p:nvGrpSpPr>
+      <p:grpSpPr>
+        <a:xfrm>
+          <a:off x="0" y="0"/>
+          <a:ext cx="0" cy="0"/>
+          <a:chOff x="0" y="0"/>
+          <a:chExt cx="0" cy="0"/>
+        </a:xfrm>
+      </p:grpSpPr>
+      <p:sp>
+        <p:nvSpPr>
+          <p:cNvPr id="2" name="Title 1">
+            <a:extLst>
+              <a:ext uri="{FF2B5EF4-FFF2-40B4-BE49-F238E27FC236}">
+                <a16:creationId xmlns:a16="http://schemas.microsoft.com/office/drawing/2014/main" id="{D63C04CD-2329-4D47-84D9-12CB3EDD9F46}"/>
+              </a:ext>
+            </a:extLst>
+          </p:cNvPr>
+          <p:cNvSpPr>
+            <a:spLocks noGrp="1"/>
+          </p:cNvSpPr>
+          <p:nvPr>
+            <p:ph type="title"/>
+          </p:nvPr>
+        </p:nvSpPr>
+        <p:spPr>
+          <a:xfrm>
+            <a:off x="1141413" y="125537"/>
+            <a:ext cx="9905998" cy="860425"/>
+          </a:xfrm>
+        </p:spPr>
+        <p:txBody>
+          <a:bodyPr/>
+          <a:lstStyle/>
+          <a:p>
+            <a:pPr algn="ctr"/>
+            <a:r>
+              <a:rPr lang="en-US" dirty="0"/>
+              <a:t>Practice 1: Design a TM</a:t>
+            </a:r>
+          </a:p>
+        </p:txBody>
+      </p:sp>
+      <p:sp>
+        <p:nvSpPr>
+          <p:cNvPr id="3" name="Content Placeholder 2">
+            <a:extLst>
+              <a:ext uri="{FF2B5EF4-FFF2-40B4-BE49-F238E27FC236}">
+                <a16:creationId xmlns:a16="http://schemas.microsoft.com/office/drawing/2014/main" id="{14278F5F-F936-6145-9FF8-704886F1A386}"/>
+              </a:ext>
+            </a:extLst>
+          </p:cNvPr>
+          <p:cNvSpPr>
+            <a:spLocks noGrp="1"/>
+          </p:cNvSpPr>
+          <p:nvPr>
+            <p:ph idx="1"/>
+          </p:nvPr>
+        </p:nvSpPr>
+        <p:spPr>
+          <a:xfrm>
+            <a:off x="1141412" y="1559371"/>
+            <a:ext cx="9905999" cy="1089328"/>
+          </a:xfrm>
+          <a:solidFill>
+            <a:schemeClr val="tx1">
+              <a:lumMod val="95000"/>
+            </a:schemeClr>
+          </a:solidFill>
+        </p:spPr>
+        <p:txBody>
+          <a:bodyPr/>
+          <a:lstStyle/>
+          <a:p>
+            <a:pPr marL="0" indent="0">
+              <a:buNone/>
+            </a:pPr>
+            <a:r>
+              <a:rPr lang="en-US" dirty="0">
+                <a:solidFill>
+                  <a:schemeClr val="bg1"/>
+                </a:solidFill>
+              </a:rPr>
+              <a:t>Example Problem</a:t>
+            </a:r>
+          </a:p>
+        </p:txBody>
+      </p:sp>
+      <p:sp>
+        <p:nvSpPr>
+          <p:cNvPr id="6" name="Content Placeholder 2">
+            <a:extLst>
+              <a:ext uri="{FF2B5EF4-FFF2-40B4-BE49-F238E27FC236}">
+                <a16:creationId xmlns:a16="http://schemas.microsoft.com/office/drawing/2014/main" id="{D1AB4AE0-9143-C34D-B965-4033C921D6B5}"/>
+              </a:ext>
+            </a:extLst>
+          </p:cNvPr>
+          <p:cNvSpPr txBox="1">
+            <a:spLocks/>
+          </p:cNvSpPr>
+          <p:nvPr/>
+        </p:nvSpPr>
+        <p:spPr>
+          <a:xfrm>
+            <a:off x="1141412" y="2888722"/>
+            <a:ext cx="9905999" cy="1089328"/>
+          </a:xfrm>
+          <a:prstGeom prst="rect">
+            <a:avLst/>
+          </a:prstGeom>
+          <a:noFill/>
+        </p:spPr>
+        <p:txBody>
+          <a:bodyPr vert="horz" lIns="91440" tIns="45720" rIns="91440" bIns="45720" rtlCol="0">
+            <a:normAutofit/>
+          </a:bodyPr>
+          <a:lstStyle>
+            <a:lvl1pPr marL="228600" indent="-228600" algn="l" defTabSz="914400" rtl="0" eaLnBrk="1" latinLnBrk="0" hangingPunct="1">
+              <a:lnSpc>
+                <a:spcPct val="120000"/>
+              </a:lnSpc>
+              <a:spcBef>
+                <a:spcPts val="1000"/>
+              </a:spcBef>
+              <a:buSzPct val="125000"/>
+              <a:buFont typeface="Arial" panose="020B0604020202020204" pitchFamily="34" charset="0"/>
+              <a:buChar char="•"/>
+              <a:defRPr sz="2400" kern="1200">
+                <a:solidFill>
+                  <a:schemeClr val="tx1"/>
+                </a:solidFill>
+                <a:latin typeface="+mn-lt"/>
+                <a:ea typeface="+mn-ea"/>
+                <a:cs typeface="+mn-cs"/>
+              </a:defRPr>
+            </a:lvl1pPr>
+            <a:lvl2pPr marL="685800" indent="-228600" algn="l" defTabSz="914400" rtl="0" eaLnBrk="1" latinLnBrk="0" hangingPunct="1">
+              <a:lnSpc>
+                <a:spcPct val="120000"/>
+              </a:lnSpc>
+              <a:spcBef>
+                <a:spcPts val="500"/>
+              </a:spcBef>
+              <a:buSzPct val="125000"/>
+              <a:buFont typeface="Arial" panose="020B0604020202020204" pitchFamily="34" charset="0"/>
+              <a:buChar char="•"/>
+              <a:defRPr sz="2000" kern="1200">
+                <a:solidFill>
+                  <a:schemeClr val="tx1"/>
+                </a:solidFill>
+                <a:latin typeface="+mn-lt"/>
+                <a:ea typeface="+mn-ea"/>
+                <a:cs typeface="+mn-cs"/>
+              </a:defRPr>
+            </a:lvl2pPr>
+            <a:lvl3pPr marL="1143000" indent="-228600" algn="l" defTabSz="914400" rtl="0" eaLnBrk="1" latinLnBrk="0" hangingPunct="1">
+              <a:lnSpc>
+                <a:spcPct val="120000"/>
+              </a:lnSpc>
+              <a:spcBef>
+                <a:spcPts val="500"/>
+              </a:spcBef>
+              <a:buSzPct val="125000"/>
+              <a:buFont typeface="Arial" panose="020B0604020202020204" pitchFamily="34" charset="0"/>
+              <a:buChar char="•"/>
+              <a:defRPr sz="1800" kern="1200">
+                <a:solidFill>
+                  <a:schemeClr val="tx1"/>
+                </a:solidFill>
+                <a:latin typeface="+mn-lt"/>
+                <a:ea typeface="+mn-ea"/>
+                <a:cs typeface="+mn-cs"/>
+              </a:defRPr>
+            </a:lvl3pPr>
+            <a:lvl4pPr marL="1600200" indent="-228600" algn="l" defTabSz="914400" rtl="0" eaLnBrk="1" latinLnBrk="0" hangingPunct="1">
+              <a:lnSpc>
+                <a:spcPct val="120000"/>
+              </a:lnSpc>
+              <a:spcBef>
+                <a:spcPts val="500"/>
+              </a:spcBef>
+              <a:buSzPct val="125000"/>
+              <a:buFont typeface="Arial" panose="020B0604020202020204" pitchFamily="34" charset="0"/>
+              <a:buChar char="•"/>
+              <a:defRPr sz="1600" kern="1200">
+                <a:solidFill>
+                  <a:schemeClr val="tx1"/>
+                </a:solidFill>
+                <a:latin typeface="+mn-lt"/>
+                <a:ea typeface="+mn-ea"/>
+                <a:cs typeface="+mn-cs"/>
+              </a:defRPr>
+            </a:lvl4pPr>
+            <a:lvl5pPr marL="2057400" indent="-228600" algn="l" defTabSz="914400" rtl="0" eaLnBrk="1" latinLnBrk="0" hangingPunct="1">
+              <a:lnSpc>
+                <a:spcPct val="120000"/>
+              </a:lnSpc>
+              <a:spcBef>
+                <a:spcPts val="500"/>
+              </a:spcBef>
+              <a:buSzPct val="125000"/>
+              <a:buFont typeface="Arial" panose="020B0604020202020204" pitchFamily="34" charset="0"/>
+              <a:buChar char="•"/>
+              <a:defRPr sz="1600" kern="1200">
+                <a:solidFill>
+                  <a:schemeClr val="tx1"/>
+                </a:solidFill>
+                <a:latin typeface="+mn-lt"/>
+                <a:ea typeface="+mn-ea"/>
+                <a:cs typeface="+mn-cs"/>
+              </a:defRPr>
+            </a:lvl5pPr>
+            <a:lvl6pPr marL="2514600" indent="-228600" algn="l" defTabSz="914400" rtl="0" eaLnBrk="1" latinLnBrk="0" hangingPunct="1">
+              <a:lnSpc>
+                <a:spcPct val="120000"/>
+              </a:lnSpc>
+              <a:spcBef>
+                <a:spcPts val="500"/>
+              </a:spcBef>
+              <a:buSzPct val="125000"/>
+              <a:buFont typeface="Arial" panose="020B0604020202020204" pitchFamily="34" charset="0"/>
+              <a:buChar char="•"/>
+              <a:defRPr sz="1400" kern="1200">
+                <a:solidFill>
+                  <a:schemeClr val="tx1"/>
+                </a:solidFill>
+                <a:latin typeface="+mn-lt"/>
+                <a:ea typeface="+mn-ea"/>
+                <a:cs typeface="+mn-cs"/>
+              </a:defRPr>
+            </a:lvl6pPr>
+            <a:lvl7pPr marL="2971800" indent="-228600" algn="l" defTabSz="914400" rtl="0" eaLnBrk="1" latinLnBrk="0" hangingPunct="1">
+              <a:lnSpc>
+                <a:spcPct val="120000"/>
+              </a:lnSpc>
+              <a:spcBef>
+                <a:spcPts val="500"/>
+              </a:spcBef>
+              <a:buSzPct val="125000"/>
+              <a:buFont typeface="Arial" panose="020B0604020202020204" pitchFamily="34" charset="0"/>
+              <a:buChar char="•"/>
+              <a:defRPr sz="1400" kern="1200">
+                <a:solidFill>
+                  <a:schemeClr val="tx1"/>
+                </a:solidFill>
+                <a:latin typeface="+mn-lt"/>
+                <a:ea typeface="+mn-ea"/>
+                <a:cs typeface="+mn-cs"/>
+              </a:defRPr>
+            </a:lvl7pPr>
+            <a:lvl8pPr marL="3429000" indent="-228600" algn="l" defTabSz="914400" rtl="0" eaLnBrk="1" latinLnBrk="0" hangingPunct="1">
+              <a:lnSpc>
+                <a:spcPct val="120000"/>
+              </a:lnSpc>
+              <a:spcBef>
+                <a:spcPts val="500"/>
+              </a:spcBef>
+              <a:buSzPct val="125000"/>
+              <a:buFont typeface="Arial" panose="020B0604020202020204" pitchFamily="34" charset="0"/>
+              <a:buChar char="•"/>
+              <a:defRPr sz="1400" kern="1200">
+                <a:solidFill>
+                  <a:schemeClr val="tx1"/>
+                </a:solidFill>
+                <a:latin typeface="+mn-lt"/>
+                <a:ea typeface="+mn-ea"/>
+                <a:cs typeface="+mn-cs"/>
+              </a:defRPr>
+            </a:lvl8pPr>
+            <a:lvl9pPr marL="3886200" indent="-228600" algn="l" defTabSz="914400" rtl="0" eaLnBrk="1" latinLnBrk="0" hangingPunct="1">
+              <a:lnSpc>
+                <a:spcPct val="120000"/>
+              </a:lnSpc>
+              <a:spcBef>
+                <a:spcPts val="500"/>
+              </a:spcBef>
+              <a:buSzPct val="125000"/>
+              <a:buFont typeface="Arial" panose="020B0604020202020204" pitchFamily="34" charset="0"/>
+              <a:buChar char="•"/>
+              <a:defRPr sz="1400" kern="1200">
+                <a:solidFill>
+                  <a:schemeClr val="tx1"/>
+                </a:solidFill>
+                <a:latin typeface="+mn-lt"/>
+                <a:ea typeface="+mn-ea"/>
+                <a:cs typeface="+mn-cs"/>
+              </a:defRPr>
+            </a:lvl9pPr>
+          </a:lstStyle>
+          <a:p>
+            <a:pPr marL="0" indent="0">
+              <a:buFont typeface="Arial" panose="020B0604020202020204" pitchFamily="34" charset="0"/>
+              <a:buNone/>
+            </a:pPr>
+            <a:r>
+              <a:rPr lang="en-US" dirty="0">
+                <a:solidFill>
+                  <a:schemeClr val="tx1">
+                    <a:lumMod val="95000"/>
+                  </a:schemeClr>
+                </a:solidFill>
+              </a:rPr>
+              <a:t>…………</a:t>
+            </a:r>
+          </a:p>
+        </p:txBody>
+      </p:sp>
+      <p:pic>
+        <p:nvPicPr>
+          <p:cNvPr id="5" name="Picture 4">
+            <a:extLst>
+              <a:ext uri="{FF2B5EF4-FFF2-40B4-BE49-F238E27FC236}">
+                <a16:creationId xmlns:a16="http://schemas.microsoft.com/office/drawing/2014/main" id="{99943385-D00E-534B-A402-AB41A9613067}"/>
+              </a:ext>
+            </a:extLst>
+          </p:cNvPr>
+          <p:cNvPicPr>
+            <a:picLocks noChangeAspect="1"/>
+          </p:cNvPicPr>
+          <p:nvPr/>
+        </p:nvPicPr>
+        <p:blipFill>
+          <a:blip r:embed="rId2"/>
+          <a:stretch>
+            <a:fillRect/>
+          </a:stretch>
+        </p:blipFill>
+        <p:spPr>
+          <a:xfrm>
+            <a:off x="235920" y="3780383"/>
+            <a:ext cx="6172802" cy="2869886"/>
+          </a:xfrm>
+          <a:prstGeom prst="rect">
+            <a:avLst/>
+          </a:prstGeom>
+        </p:spPr>
+      </p:pic>
+      <p:pic>
+        <p:nvPicPr>
+          <p:cNvPr id="9" name="Picture 8">
+            <a:extLst>
+              <a:ext uri="{FF2B5EF4-FFF2-40B4-BE49-F238E27FC236}">
+                <a16:creationId xmlns:a16="http://schemas.microsoft.com/office/drawing/2014/main" id="{C4D4DAD4-D1B3-9B41-9F2B-FD14363746C3}"/>
+              </a:ext>
+            </a:extLst>
+          </p:cNvPr>
+          <p:cNvPicPr>
+            <a:picLocks noChangeAspect="1"/>
+          </p:cNvPicPr>
+          <p:nvPr/>
+        </p:nvPicPr>
+        <p:blipFill>
+          <a:blip r:embed="rId3"/>
+          <a:stretch>
+            <a:fillRect/>
+          </a:stretch>
+        </p:blipFill>
+        <p:spPr>
+          <a:xfrm>
+            <a:off x="6408722" y="2888722"/>
+            <a:ext cx="5572020" cy="3849923"/>
+          </a:xfrm>
+          <a:prstGeom prst="rect">
+            <a:avLst/>
+          </a:prstGeom>
+        </p:spPr>
+      </p:pic>
+    </p:spTree>
+    <p:extLst>
+      <p:ext uri="{BB962C8B-B14F-4D97-AF65-F5344CB8AC3E}">
+        <p14:creationId xmlns:p14="http://schemas.microsoft.com/office/powerpoint/2010/main" val="1047714064"/>
+      </p:ext>
+    </p:extLst>
+  </p:cSld>
+  <p:clrMapOvr>
+    <a:masterClrMapping/>
+  </p:clrMapOvr>
+</p:sld>
+</file>
+
+<file path=ppt/slides/slide14.xml><?xml version="1.0" encoding="utf-8"?>
+<p:sld xmlns:a="http://schemas.openxmlformats.org/drawingml/2006/main" xmlns:r="http://schemas.openxmlformats.org/officeDocument/2006/relationships" xmlns:p="http://schemas.openxmlformats.org/presentationml/2006/main">
+  <p:cSld>
+    <p:spTree>
+      <p:nvGrpSpPr>
+        <p:cNvPr id="1" name=""/>
+        <p:cNvGrpSpPr/>
+        <p:nvPr/>
+      </p:nvGrpSpPr>
+      <p:grpSpPr>
+        <a:xfrm>
+          <a:off x="0" y="0"/>
+          <a:ext cx="0" cy="0"/>
+          <a:chOff x="0" y="0"/>
+          <a:chExt cx="0" cy="0"/>
+        </a:xfrm>
+      </p:grpSpPr>
+      <p:sp>
+        <p:nvSpPr>
+          <p:cNvPr id="2" name="Title 1">
+            <a:extLst>
+              <a:ext uri="{FF2B5EF4-FFF2-40B4-BE49-F238E27FC236}">
+                <a16:creationId xmlns:a16="http://schemas.microsoft.com/office/drawing/2014/main" id="{D63C04CD-2329-4D47-84D9-12CB3EDD9F46}"/>
+              </a:ext>
+            </a:extLst>
+          </p:cNvPr>
+          <p:cNvSpPr>
+            <a:spLocks noGrp="1"/>
+          </p:cNvSpPr>
+          <p:nvPr>
+            <p:ph type="title"/>
+          </p:nvPr>
+        </p:nvSpPr>
+        <p:spPr>
+          <a:xfrm>
+            <a:off x="1141413" y="125537"/>
+            <a:ext cx="9905998" cy="860425"/>
+          </a:xfrm>
+        </p:spPr>
+        <p:txBody>
+          <a:bodyPr/>
+          <a:lstStyle/>
+          <a:p>
+            <a:pPr algn="ctr"/>
+            <a:r>
+              <a:rPr lang="en-US" dirty="0"/>
+              <a:t>Example Execution</a:t>
+            </a:r>
+          </a:p>
+        </p:txBody>
+      </p:sp>
+      <p:sp>
+        <p:nvSpPr>
+          <p:cNvPr id="3" name="Content Placeholder 2">
+            <a:extLst>
+              <a:ext uri="{FF2B5EF4-FFF2-40B4-BE49-F238E27FC236}">
+                <a16:creationId xmlns:a16="http://schemas.microsoft.com/office/drawing/2014/main" id="{14278F5F-F936-6145-9FF8-704886F1A386}"/>
+              </a:ext>
+            </a:extLst>
+          </p:cNvPr>
+          <p:cNvSpPr>
+            <a:spLocks noGrp="1"/>
+          </p:cNvSpPr>
+          <p:nvPr>
+            <p:ph idx="1"/>
+          </p:nvPr>
+        </p:nvSpPr>
+        <p:spPr>
+          <a:xfrm>
+            <a:off x="1141412" y="1559371"/>
+            <a:ext cx="9905999" cy="1089328"/>
+          </a:xfrm>
+          <a:solidFill>
+            <a:schemeClr val="tx1">
+              <a:lumMod val="95000"/>
+            </a:schemeClr>
+          </a:solidFill>
+        </p:spPr>
+        <p:txBody>
+          <a:bodyPr/>
+          <a:lstStyle/>
+          <a:p>
+            <a:pPr marL="0" indent="0">
+              <a:buNone/>
+            </a:pPr>
+            <a:r>
+              <a:rPr lang="en-US" dirty="0">
+                <a:solidFill>
+                  <a:schemeClr val="bg1"/>
+                </a:solidFill>
+              </a:rPr>
+              <a:t>On Input 0000</a:t>
+            </a:r>
+          </a:p>
+        </p:txBody>
+      </p:sp>
+      <p:sp>
+        <p:nvSpPr>
+          <p:cNvPr id="6" name="Content Placeholder 2">
+            <a:extLst>
+              <a:ext uri="{FF2B5EF4-FFF2-40B4-BE49-F238E27FC236}">
+                <a16:creationId xmlns:a16="http://schemas.microsoft.com/office/drawing/2014/main" id="{D1AB4AE0-9143-C34D-B965-4033C921D6B5}"/>
+              </a:ext>
+            </a:extLst>
+          </p:cNvPr>
+          <p:cNvSpPr txBox="1">
+            <a:spLocks/>
+          </p:cNvSpPr>
+          <p:nvPr/>
+        </p:nvSpPr>
+        <p:spPr>
+          <a:xfrm>
+            <a:off x="1141412" y="2888722"/>
+            <a:ext cx="9905999" cy="1089328"/>
+          </a:xfrm>
+          <a:prstGeom prst="rect">
+            <a:avLst/>
+          </a:prstGeom>
+          <a:noFill/>
+        </p:spPr>
+        <p:txBody>
+          <a:bodyPr vert="horz" lIns="91440" tIns="45720" rIns="91440" bIns="45720" rtlCol="0">
+            <a:normAutofit/>
+          </a:bodyPr>
+          <a:lstStyle>
+            <a:lvl1pPr marL="228600" indent="-228600" algn="l" defTabSz="914400" rtl="0" eaLnBrk="1" latinLnBrk="0" hangingPunct="1">
+              <a:lnSpc>
+                <a:spcPct val="120000"/>
+              </a:lnSpc>
+              <a:spcBef>
+                <a:spcPts val="1000"/>
+              </a:spcBef>
+              <a:buSzPct val="125000"/>
+              <a:buFont typeface="Arial" panose="020B0604020202020204" pitchFamily="34" charset="0"/>
+              <a:buChar char="•"/>
+              <a:defRPr sz="2400" kern="1200">
+                <a:solidFill>
+                  <a:schemeClr val="tx1"/>
+                </a:solidFill>
+                <a:latin typeface="+mn-lt"/>
+                <a:ea typeface="+mn-ea"/>
+                <a:cs typeface="+mn-cs"/>
+              </a:defRPr>
+            </a:lvl1pPr>
+            <a:lvl2pPr marL="685800" indent="-228600" algn="l" defTabSz="914400" rtl="0" eaLnBrk="1" latinLnBrk="0" hangingPunct="1">
+              <a:lnSpc>
+                <a:spcPct val="120000"/>
+              </a:lnSpc>
+              <a:spcBef>
+                <a:spcPts val="500"/>
+              </a:spcBef>
+              <a:buSzPct val="125000"/>
+              <a:buFont typeface="Arial" panose="020B0604020202020204" pitchFamily="34" charset="0"/>
+              <a:buChar char="•"/>
+              <a:defRPr sz="2000" kern="1200">
+                <a:solidFill>
+                  <a:schemeClr val="tx1"/>
+                </a:solidFill>
+                <a:latin typeface="+mn-lt"/>
+                <a:ea typeface="+mn-ea"/>
+                <a:cs typeface="+mn-cs"/>
+              </a:defRPr>
+            </a:lvl2pPr>
+            <a:lvl3pPr marL="1143000" indent="-228600" algn="l" defTabSz="914400" rtl="0" eaLnBrk="1" latinLnBrk="0" hangingPunct="1">
+              <a:lnSpc>
+                <a:spcPct val="120000"/>
+              </a:lnSpc>
+              <a:spcBef>
+                <a:spcPts val="500"/>
+              </a:spcBef>
+              <a:buSzPct val="125000"/>
+              <a:buFont typeface="Arial" panose="020B0604020202020204" pitchFamily="34" charset="0"/>
+              <a:buChar char="•"/>
+              <a:defRPr sz="1800" kern="1200">
+                <a:solidFill>
+                  <a:schemeClr val="tx1"/>
+                </a:solidFill>
+                <a:latin typeface="+mn-lt"/>
+                <a:ea typeface="+mn-ea"/>
+                <a:cs typeface="+mn-cs"/>
+              </a:defRPr>
+            </a:lvl3pPr>
+            <a:lvl4pPr marL="1600200" indent="-228600" algn="l" defTabSz="914400" rtl="0" eaLnBrk="1" latinLnBrk="0" hangingPunct="1">
+              <a:lnSpc>
+                <a:spcPct val="120000"/>
+              </a:lnSpc>
+              <a:spcBef>
+                <a:spcPts val="500"/>
+              </a:spcBef>
+              <a:buSzPct val="125000"/>
+              <a:buFont typeface="Arial" panose="020B0604020202020204" pitchFamily="34" charset="0"/>
+              <a:buChar char="•"/>
+              <a:defRPr sz="1600" kern="1200">
+                <a:solidFill>
+                  <a:schemeClr val="tx1"/>
+                </a:solidFill>
+                <a:latin typeface="+mn-lt"/>
+                <a:ea typeface="+mn-ea"/>
+                <a:cs typeface="+mn-cs"/>
+              </a:defRPr>
+            </a:lvl4pPr>
+            <a:lvl5pPr marL="2057400" indent="-228600" algn="l" defTabSz="914400" rtl="0" eaLnBrk="1" latinLnBrk="0" hangingPunct="1">
+              <a:lnSpc>
+                <a:spcPct val="120000"/>
+              </a:lnSpc>
+              <a:spcBef>
+                <a:spcPts val="500"/>
+              </a:spcBef>
+              <a:buSzPct val="125000"/>
+              <a:buFont typeface="Arial" panose="020B0604020202020204" pitchFamily="34" charset="0"/>
+              <a:buChar char="•"/>
+              <a:defRPr sz="1600" kern="1200">
+                <a:solidFill>
+                  <a:schemeClr val="tx1"/>
+                </a:solidFill>
+                <a:latin typeface="+mn-lt"/>
+                <a:ea typeface="+mn-ea"/>
+                <a:cs typeface="+mn-cs"/>
+              </a:defRPr>
+            </a:lvl5pPr>
+            <a:lvl6pPr marL="2514600" indent="-228600" algn="l" defTabSz="914400" rtl="0" eaLnBrk="1" latinLnBrk="0" hangingPunct="1">
+              <a:lnSpc>
+                <a:spcPct val="120000"/>
+              </a:lnSpc>
+              <a:spcBef>
+                <a:spcPts val="500"/>
+              </a:spcBef>
+              <a:buSzPct val="125000"/>
+              <a:buFont typeface="Arial" panose="020B0604020202020204" pitchFamily="34" charset="0"/>
+              <a:buChar char="•"/>
+              <a:defRPr sz="1400" kern="1200">
+                <a:solidFill>
+                  <a:schemeClr val="tx1"/>
+                </a:solidFill>
+                <a:latin typeface="+mn-lt"/>
+                <a:ea typeface="+mn-ea"/>
+                <a:cs typeface="+mn-cs"/>
+              </a:defRPr>
+            </a:lvl6pPr>
+            <a:lvl7pPr marL="2971800" indent="-228600" algn="l" defTabSz="914400" rtl="0" eaLnBrk="1" latinLnBrk="0" hangingPunct="1">
+              <a:lnSpc>
+                <a:spcPct val="120000"/>
+              </a:lnSpc>
+              <a:spcBef>
+                <a:spcPts val="500"/>
+              </a:spcBef>
+              <a:buSzPct val="125000"/>
+              <a:buFont typeface="Arial" panose="020B0604020202020204" pitchFamily="34" charset="0"/>
+              <a:buChar char="•"/>
+              <a:defRPr sz="1400" kern="1200">
+                <a:solidFill>
+                  <a:schemeClr val="tx1"/>
+                </a:solidFill>
+                <a:latin typeface="+mn-lt"/>
+                <a:ea typeface="+mn-ea"/>
+                <a:cs typeface="+mn-cs"/>
+              </a:defRPr>
+            </a:lvl7pPr>
+            <a:lvl8pPr marL="3429000" indent="-228600" algn="l" defTabSz="914400" rtl="0" eaLnBrk="1" latinLnBrk="0" hangingPunct="1">
+              <a:lnSpc>
+                <a:spcPct val="120000"/>
+              </a:lnSpc>
+              <a:spcBef>
+                <a:spcPts val="500"/>
+              </a:spcBef>
+              <a:buSzPct val="125000"/>
+              <a:buFont typeface="Arial" panose="020B0604020202020204" pitchFamily="34" charset="0"/>
+              <a:buChar char="•"/>
+              <a:defRPr sz="1400" kern="1200">
+                <a:solidFill>
+                  <a:schemeClr val="tx1"/>
+                </a:solidFill>
+                <a:latin typeface="+mn-lt"/>
+                <a:ea typeface="+mn-ea"/>
+                <a:cs typeface="+mn-cs"/>
+              </a:defRPr>
+            </a:lvl8pPr>
+            <a:lvl9pPr marL="3886200" indent="-228600" algn="l" defTabSz="914400" rtl="0" eaLnBrk="1" latinLnBrk="0" hangingPunct="1">
+              <a:lnSpc>
+                <a:spcPct val="120000"/>
+              </a:lnSpc>
+              <a:spcBef>
+                <a:spcPts val="500"/>
+              </a:spcBef>
+              <a:buSzPct val="125000"/>
+              <a:buFont typeface="Arial" panose="020B0604020202020204" pitchFamily="34" charset="0"/>
+              <a:buChar char="•"/>
+              <a:defRPr sz="1400" kern="1200">
+                <a:solidFill>
+                  <a:schemeClr val="tx1"/>
+                </a:solidFill>
+                <a:latin typeface="+mn-lt"/>
+                <a:ea typeface="+mn-ea"/>
+                <a:cs typeface="+mn-cs"/>
+              </a:defRPr>
+            </a:lvl9pPr>
+          </a:lstStyle>
+          <a:p>
+            <a:pPr marL="0" indent="0">
+              <a:buFont typeface="Arial" panose="020B0604020202020204" pitchFamily="34" charset="0"/>
+              <a:buNone/>
+            </a:pPr>
+            <a:r>
+              <a:rPr lang="en-US" dirty="0">
+                <a:solidFill>
+                  <a:schemeClr val="tx1">
+                    <a:lumMod val="95000"/>
+                  </a:schemeClr>
+                </a:solidFill>
+              </a:rPr>
+              <a:t>…………</a:t>
+            </a:r>
+          </a:p>
+        </p:txBody>
+      </p:sp>
+      <p:pic>
+        <p:nvPicPr>
+          <p:cNvPr id="7" name="Picture 6">
+            <a:extLst>
+              <a:ext uri="{FF2B5EF4-FFF2-40B4-BE49-F238E27FC236}">
+                <a16:creationId xmlns:a16="http://schemas.microsoft.com/office/drawing/2014/main" id="{D1B21122-9C66-4148-8830-36DE312D4EE0}"/>
+              </a:ext>
+            </a:extLst>
+          </p:cNvPr>
+          <p:cNvPicPr>
+            <a:picLocks noChangeAspect="1"/>
+          </p:cNvPicPr>
+          <p:nvPr/>
+        </p:nvPicPr>
+        <p:blipFill>
+          <a:blip r:embed="rId2"/>
+          <a:stretch>
+            <a:fillRect/>
+          </a:stretch>
+        </p:blipFill>
+        <p:spPr>
+          <a:xfrm>
+            <a:off x="4519000" y="3433386"/>
+            <a:ext cx="6286500" cy="2717800"/>
+          </a:xfrm>
+          <a:prstGeom prst="rect">
+            <a:avLst/>
+          </a:prstGeom>
+        </p:spPr>
+      </p:pic>
+    </p:spTree>
+    <p:extLst>
+      <p:ext uri="{BB962C8B-B14F-4D97-AF65-F5344CB8AC3E}">
+        <p14:creationId xmlns:p14="http://schemas.microsoft.com/office/powerpoint/2010/main" val="2480017203"/>
+      </p:ext>
+    </p:extLst>
+  </p:cSld>
+  <p:clrMapOvr>
+    <a:masterClrMapping/>
+  </p:clrMapOvr>
+</p:sld>
+</file>
+
+<file path=ppt/slides/slide15.xml><?xml version="1.0" encoding="utf-8"?>
+<p:sld xmlns:a="http://schemas.openxmlformats.org/drawingml/2006/main" xmlns:r="http://schemas.openxmlformats.org/officeDocument/2006/relationships" xmlns:p="http://schemas.openxmlformats.org/presentationml/2006/main">
+  <p:cSld>
+    <p:spTree>
+      <p:nvGrpSpPr>
+        <p:cNvPr id="1" name=""/>
+        <p:cNvGrpSpPr/>
+        <p:nvPr/>
+      </p:nvGrpSpPr>
+      <p:grpSpPr>
+        <a:xfrm>
+          <a:off x="0" y="0"/>
+          <a:ext cx="0" cy="0"/>
+          <a:chOff x="0" y="0"/>
+          <a:chExt cx="0" cy="0"/>
+        </a:xfrm>
+      </p:grpSpPr>
+      <p:sp>
+        <p:nvSpPr>
+          <p:cNvPr id="2" name="Title 1">
+            <a:extLst>
+              <a:ext uri="{FF2B5EF4-FFF2-40B4-BE49-F238E27FC236}">
+                <a16:creationId xmlns:a16="http://schemas.microsoft.com/office/drawing/2014/main" id="{D63C04CD-2329-4D47-84D9-12CB3EDD9F46}"/>
+              </a:ext>
+            </a:extLst>
+          </p:cNvPr>
+          <p:cNvSpPr>
+            <a:spLocks noGrp="1"/>
+          </p:cNvSpPr>
+          <p:nvPr>
+            <p:ph type="title"/>
+          </p:nvPr>
+        </p:nvSpPr>
+        <p:spPr>
+          <a:xfrm>
+            <a:off x="1141413" y="125537"/>
+            <a:ext cx="9905998" cy="860425"/>
+          </a:xfrm>
+        </p:spPr>
+        <p:txBody>
+          <a:bodyPr/>
+          <a:lstStyle/>
+          <a:p>
+            <a:pPr algn="ctr"/>
+            <a:r>
+              <a:rPr lang="en-US" dirty="0"/>
+              <a:t>Example 2!!</a:t>
+            </a:r>
+          </a:p>
+        </p:txBody>
+      </p:sp>
+      <p:sp>
+        <p:nvSpPr>
+          <p:cNvPr id="3" name="Content Placeholder 2">
+            <a:extLst>
+              <a:ext uri="{FF2B5EF4-FFF2-40B4-BE49-F238E27FC236}">
+                <a16:creationId xmlns:a16="http://schemas.microsoft.com/office/drawing/2014/main" id="{14278F5F-F936-6145-9FF8-704886F1A386}"/>
+              </a:ext>
+            </a:extLst>
+          </p:cNvPr>
+          <p:cNvSpPr>
+            <a:spLocks noGrp="1"/>
+          </p:cNvSpPr>
+          <p:nvPr>
+            <p:ph idx="1"/>
+          </p:nvPr>
+        </p:nvSpPr>
+        <p:spPr>
+          <a:xfrm>
+            <a:off x="1141412" y="1559371"/>
+            <a:ext cx="9905999" cy="1089328"/>
+          </a:xfrm>
+          <a:solidFill>
+            <a:schemeClr val="tx1">
+              <a:lumMod val="95000"/>
+            </a:schemeClr>
+          </a:solidFill>
+        </p:spPr>
+        <p:txBody>
+          <a:bodyPr/>
+          <a:lstStyle/>
+          <a:p>
+            <a:pPr marL="0" indent="0">
+              <a:buNone/>
+            </a:pPr>
+            <a:r>
+              <a:rPr lang="en-US" dirty="0">
+                <a:solidFill>
+                  <a:schemeClr val="bg1"/>
+                </a:solidFill>
+              </a:rPr>
+              <a:t>…</a:t>
+            </a:r>
+          </a:p>
+        </p:txBody>
+      </p:sp>
+      <p:sp>
+        <p:nvSpPr>
+          <p:cNvPr id="6" name="Content Placeholder 2">
+            <a:extLst>
+              <a:ext uri="{FF2B5EF4-FFF2-40B4-BE49-F238E27FC236}">
+                <a16:creationId xmlns:a16="http://schemas.microsoft.com/office/drawing/2014/main" id="{D1AB4AE0-9143-C34D-B965-4033C921D6B5}"/>
+              </a:ext>
+            </a:extLst>
+          </p:cNvPr>
+          <p:cNvSpPr txBox="1">
+            <a:spLocks/>
+          </p:cNvSpPr>
+          <p:nvPr/>
+        </p:nvSpPr>
+        <p:spPr>
+          <a:xfrm>
+            <a:off x="1141412" y="2888722"/>
+            <a:ext cx="9905999" cy="1089328"/>
+          </a:xfrm>
+          <a:prstGeom prst="rect">
+            <a:avLst/>
+          </a:prstGeom>
+          <a:noFill/>
+        </p:spPr>
+        <p:txBody>
+          <a:bodyPr vert="horz" lIns="91440" tIns="45720" rIns="91440" bIns="45720" rtlCol="0">
+            <a:normAutofit/>
+          </a:bodyPr>
+          <a:lstStyle>
+            <a:lvl1pPr marL="228600" indent="-228600" algn="l" defTabSz="914400" rtl="0" eaLnBrk="1" latinLnBrk="0" hangingPunct="1">
+              <a:lnSpc>
+                <a:spcPct val="120000"/>
+              </a:lnSpc>
+              <a:spcBef>
+                <a:spcPts val="1000"/>
+              </a:spcBef>
+              <a:buSzPct val="125000"/>
+              <a:buFont typeface="Arial" panose="020B0604020202020204" pitchFamily="34" charset="0"/>
+              <a:buChar char="•"/>
+              <a:defRPr sz="2400" kern="1200">
+                <a:solidFill>
+                  <a:schemeClr val="tx1"/>
+                </a:solidFill>
+                <a:latin typeface="+mn-lt"/>
+                <a:ea typeface="+mn-ea"/>
+                <a:cs typeface="+mn-cs"/>
+              </a:defRPr>
+            </a:lvl1pPr>
+            <a:lvl2pPr marL="685800" indent="-228600" algn="l" defTabSz="914400" rtl="0" eaLnBrk="1" latinLnBrk="0" hangingPunct="1">
+              <a:lnSpc>
+                <a:spcPct val="120000"/>
+              </a:lnSpc>
+              <a:spcBef>
+                <a:spcPts val="500"/>
+              </a:spcBef>
+              <a:buSzPct val="125000"/>
+              <a:buFont typeface="Arial" panose="020B0604020202020204" pitchFamily="34" charset="0"/>
+              <a:buChar char="•"/>
+              <a:defRPr sz="2000" kern="1200">
+                <a:solidFill>
+                  <a:schemeClr val="tx1"/>
+                </a:solidFill>
+                <a:latin typeface="+mn-lt"/>
+                <a:ea typeface="+mn-ea"/>
+                <a:cs typeface="+mn-cs"/>
+              </a:defRPr>
+            </a:lvl2pPr>
+            <a:lvl3pPr marL="1143000" indent="-228600" algn="l" defTabSz="914400" rtl="0" eaLnBrk="1" latinLnBrk="0" hangingPunct="1">
+              <a:lnSpc>
+                <a:spcPct val="120000"/>
+              </a:lnSpc>
+              <a:spcBef>
+                <a:spcPts val="500"/>
+              </a:spcBef>
+              <a:buSzPct val="125000"/>
+              <a:buFont typeface="Arial" panose="020B0604020202020204" pitchFamily="34" charset="0"/>
+              <a:buChar char="•"/>
+              <a:defRPr sz="1800" kern="1200">
+                <a:solidFill>
+                  <a:schemeClr val="tx1"/>
+                </a:solidFill>
+                <a:latin typeface="+mn-lt"/>
+                <a:ea typeface="+mn-ea"/>
+                <a:cs typeface="+mn-cs"/>
+              </a:defRPr>
+            </a:lvl3pPr>
+            <a:lvl4pPr marL="1600200" indent="-228600" algn="l" defTabSz="914400" rtl="0" eaLnBrk="1" latinLnBrk="0" hangingPunct="1">
+              <a:lnSpc>
+                <a:spcPct val="120000"/>
+              </a:lnSpc>
+              <a:spcBef>
+                <a:spcPts val="500"/>
+              </a:spcBef>
+              <a:buSzPct val="125000"/>
+              <a:buFont typeface="Arial" panose="020B0604020202020204" pitchFamily="34" charset="0"/>
+              <a:buChar char="•"/>
+              <a:defRPr sz="1600" kern="1200">
+                <a:solidFill>
+                  <a:schemeClr val="tx1"/>
+                </a:solidFill>
+                <a:latin typeface="+mn-lt"/>
+                <a:ea typeface="+mn-ea"/>
+                <a:cs typeface="+mn-cs"/>
+              </a:defRPr>
+            </a:lvl4pPr>
+            <a:lvl5pPr marL="2057400" indent="-228600" algn="l" defTabSz="914400" rtl="0" eaLnBrk="1" latinLnBrk="0" hangingPunct="1">
+              <a:lnSpc>
+                <a:spcPct val="120000"/>
+              </a:lnSpc>
+              <a:spcBef>
+                <a:spcPts val="500"/>
+              </a:spcBef>
+              <a:buSzPct val="125000"/>
+              <a:buFont typeface="Arial" panose="020B0604020202020204" pitchFamily="34" charset="0"/>
+              <a:buChar char="•"/>
+              <a:defRPr sz="1600" kern="1200">
+                <a:solidFill>
+                  <a:schemeClr val="tx1"/>
+                </a:solidFill>
+                <a:latin typeface="+mn-lt"/>
+                <a:ea typeface="+mn-ea"/>
+                <a:cs typeface="+mn-cs"/>
+              </a:defRPr>
+            </a:lvl5pPr>
+            <a:lvl6pPr marL="2514600" indent="-228600" algn="l" defTabSz="914400" rtl="0" eaLnBrk="1" latinLnBrk="0" hangingPunct="1">
+              <a:lnSpc>
+                <a:spcPct val="120000"/>
+              </a:lnSpc>
+              <a:spcBef>
+                <a:spcPts val="500"/>
+              </a:spcBef>
+              <a:buSzPct val="125000"/>
+              <a:buFont typeface="Arial" panose="020B0604020202020204" pitchFamily="34" charset="0"/>
+              <a:buChar char="•"/>
+              <a:defRPr sz="1400" kern="1200">
+                <a:solidFill>
+                  <a:schemeClr val="tx1"/>
+                </a:solidFill>
+                <a:latin typeface="+mn-lt"/>
+                <a:ea typeface="+mn-ea"/>
+                <a:cs typeface="+mn-cs"/>
+              </a:defRPr>
+            </a:lvl6pPr>
+            <a:lvl7pPr marL="2971800" indent="-228600" algn="l" defTabSz="914400" rtl="0" eaLnBrk="1" latinLnBrk="0" hangingPunct="1">
+              <a:lnSpc>
+                <a:spcPct val="120000"/>
+              </a:lnSpc>
+              <a:spcBef>
+                <a:spcPts val="500"/>
+              </a:spcBef>
+              <a:buSzPct val="125000"/>
+              <a:buFont typeface="Arial" panose="020B0604020202020204" pitchFamily="34" charset="0"/>
+              <a:buChar char="•"/>
+              <a:defRPr sz="1400" kern="1200">
+                <a:solidFill>
+                  <a:schemeClr val="tx1"/>
+                </a:solidFill>
+                <a:latin typeface="+mn-lt"/>
+                <a:ea typeface="+mn-ea"/>
+                <a:cs typeface="+mn-cs"/>
+              </a:defRPr>
+            </a:lvl7pPr>
+            <a:lvl8pPr marL="3429000" indent="-228600" algn="l" defTabSz="914400" rtl="0" eaLnBrk="1" latinLnBrk="0" hangingPunct="1">
+              <a:lnSpc>
+                <a:spcPct val="120000"/>
+              </a:lnSpc>
+              <a:spcBef>
+                <a:spcPts val="500"/>
+              </a:spcBef>
+              <a:buSzPct val="125000"/>
+              <a:buFont typeface="Arial" panose="020B0604020202020204" pitchFamily="34" charset="0"/>
+              <a:buChar char="•"/>
+              <a:defRPr sz="1400" kern="1200">
+                <a:solidFill>
+                  <a:schemeClr val="tx1"/>
+                </a:solidFill>
+                <a:latin typeface="+mn-lt"/>
+                <a:ea typeface="+mn-ea"/>
+                <a:cs typeface="+mn-cs"/>
+              </a:defRPr>
+            </a:lvl8pPr>
+            <a:lvl9pPr marL="3886200" indent="-228600" algn="l" defTabSz="914400" rtl="0" eaLnBrk="1" latinLnBrk="0" hangingPunct="1">
+              <a:lnSpc>
+                <a:spcPct val="120000"/>
+              </a:lnSpc>
+              <a:spcBef>
+                <a:spcPts val="500"/>
+              </a:spcBef>
+              <a:buSzPct val="125000"/>
+              <a:buFont typeface="Arial" panose="020B0604020202020204" pitchFamily="34" charset="0"/>
+              <a:buChar char="•"/>
+              <a:defRPr sz="1400" kern="1200">
+                <a:solidFill>
+                  <a:schemeClr val="tx1"/>
+                </a:solidFill>
+                <a:latin typeface="+mn-lt"/>
+                <a:ea typeface="+mn-ea"/>
+                <a:cs typeface="+mn-cs"/>
+              </a:defRPr>
+            </a:lvl9pPr>
+          </a:lstStyle>
+          <a:p>
+            <a:pPr marL="0" indent="0">
+              <a:buFont typeface="Arial" panose="020B0604020202020204" pitchFamily="34" charset="0"/>
+              <a:buNone/>
+            </a:pPr>
+            <a:r>
+              <a:rPr lang="en-US" dirty="0">
+                <a:solidFill>
+                  <a:schemeClr val="tx1">
+                    <a:lumMod val="95000"/>
+                  </a:schemeClr>
+                </a:solidFill>
+              </a:rPr>
+              <a:t>…………</a:t>
+            </a:r>
+          </a:p>
+        </p:txBody>
+      </p:sp>
+      <p:pic>
+        <p:nvPicPr>
+          <p:cNvPr id="5" name="Picture 4">
+            <a:extLst>
+              <a:ext uri="{FF2B5EF4-FFF2-40B4-BE49-F238E27FC236}">
+                <a16:creationId xmlns:a16="http://schemas.microsoft.com/office/drawing/2014/main" id="{5BDFABA5-608B-5641-9D43-B759AC0A4873}"/>
+              </a:ext>
+            </a:extLst>
+          </p:cNvPr>
+          <p:cNvPicPr>
+            <a:picLocks noChangeAspect="1"/>
+          </p:cNvPicPr>
+          <p:nvPr/>
+        </p:nvPicPr>
+        <p:blipFill>
+          <a:blip r:embed="rId2"/>
+          <a:stretch>
+            <a:fillRect/>
+          </a:stretch>
+        </p:blipFill>
+        <p:spPr>
+          <a:xfrm>
+            <a:off x="5041334" y="3222108"/>
+            <a:ext cx="5397311" cy="3215741"/>
+          </a:xfrm>
+          <a:prstGeom prst="rect">
+            <a:avLst/>
+          </a:prstGeom>
+        </p:spPr>
+      </p:pic>
+    </p:spTree>
+    <p:extLst>
+      <p:ext uri="{BB962C8B-B14F-4D97-AF65-F5344CB8AC3E}">
+        <p14:creationId xmlns:p14="http://schemas.microsoft.com/office/powerpoint/2010/main" val="1701844838"/>
+      </p:ext>
+    </p:extLst>
+  </p:cSld>
+  <p:clrMapOvr>
+    <a:masterClrMapping/>
+  </p:clrMapOvr>
+</p:sld>
+</file>
+
+<file path=ppt/slides/slide16.xml><?xml version="1.0" encoding="utf-8"?>
+<p:sld xmlns:a="http://schemas.openxmlformats.org/drawingml/2006/main" xmlns:r="http://schemas.openxmlformats.org/officeDocument/2006/relationships" xmlns:p="http://schemas.openxmlformats.org/presentationml/2006/main">
+  <p:cSld>
+    <p:spTree>
+      <p:nvGrpSpPr>
+        <p:cNvPr id="1" name=""/>
+        <p:cNvGrpSpPr/>
+        <p:nvPr/>
+      </p:nvGrpSpPr>
+      <p:grpSpPr>
+        <a:xfrm>
+          <a:off x="0" y="0"/>
+          <a:ext cx="0" cy="0"/>
+          <a:chOff x="0" y="0"/>
+          <a:chExt cx="0" cy="0"/>
+        </a:xfrm>
+      </p:grpSpPr>
+      <p:sp>
+        <p:nvSpPr>
+          <p:cNvPr id="2" name="Title 1">
+            <a:extLst>
+              <a:ext uri="{FF2B5EF4-FFF2-40B4-BE49-F238E27FC236}">
+                <a16:creationId xmlns:a16="http://schemas.microsoft.com/office/drawing/2014/main" id="{D63C04CD-2329-4D47-84D9-12CB3EDD9F46}"/>
+              </a:ext>
+            </a:extLst>
+          </p:cNvPr>
+          <p:cNvSpPr>
+            <a:spLocks noGrp="1"/>
+          </p:cNvSpPr>
+          <p:nvPr>
+            <p:ph type="title"/>
+          </p:nvPr>
+        </p:nvSpPr>
+        <p:spPr>
+          <a:xfrm>
+            <a:off x="1141413" y="125537"/>
+            <a:ext cx="9905998" cy="860425"/>
+          </a:xfrm>
+        </p:spPr>
+        <p:txBody>
+          <a:bodyPr/>
+          <a:lstStyle/>
+          <a:p>
+            <a:pPr algn="ctr"/>
+            <a:r>
+              <a:rPr lang="en-US" dirty="0"/>
+              <a:t>Example 3!!</a:t>
+            </a:r>
+          </a:p>
+        </p:txBody>
+      </p:sp>
+      <p:sp>
+        <p:nvSpPr>
+          <p:cNvPr id="3" name="Content Placeholder 2">
+            <a:extLst>
+              <a:ext uri="{FF2B5EF4-FFF2-40B4-BE49-F238E27FC236}">
+                <a16:creationId xmlns:a16="http://schemas.microsoft.com/office/drawing/2014/main" id="{14278F5F-F936-6145-9FF8-704886F1A386}"/>
+              </a:ext>
+            </a:extLst>
+          </p:cNvPr>
+          <p:cNvSpPr>
+            <a:spLocks noGrp="1"/>
+          </p:cNvSpPr>
+          <p:nvPr>
+            <p:ph idx="1"/>
+          </p:nvPr>
+        </p:nvSpPr>
+        <p:spPr>
+          <a:xfrm>
+            <a:off x="1141412" y="1559371"/>
+            <a:ext cx="9905999" cy="1089328"/>
+          </a:xfrm>
+          <a:solidFill>
+            <a:schemeClr val="tx1">
+              <a:lumMod val="95000"/>
+            </a:schemeClr>
+          </a:solidFill>
+        </p:spPr>
+        <p:txBody>
+          <a:bodyPr/>
+          <a:lstStyle/>
+          <a:p>
+            <a:pPr marL="0" indent="0">
+              <a:buNone/>
+            </a:pPr>
+            <a:r>
+              <a:rPr lang="en-US" dirty="0">
+                <a:solidFill>
+                  <a:schemeClr val="bg1"/>
+                </a:solidFill>
+              </a:rPr>
+              <a:t>Element distinctness</a:t>
+            </a:r>
+          </a:p>
+        </p:txBody>
+      </p:sp>
+      <p:sp>
+        <p:nvSpPr>
+          <p:cNvPr id="6" name="Content Placeholder 2">
+            <a:extLst>
+              <a:ext uri="{FF2B5EF4-FFF2-40B4-BE49-F238E27FC236}">
+                <a16:creationId xmlns:a16="http://schemas.microsoft.com/office/drawing/2014/main" id="{D1AB4AE0-9143-C34D-B965-4033C921D6B5}"/>
+              </a:ext>
+            </a:extLst>
+          </p:cNvPr>
+          <p:cNvSpPr txBox="1">
+            <a:spLocks/>
+          </p:cNvSpPr>
+          <p:nvPr/>
+        </p:nvSpPr>
+        <p:spPr>
+          <a:xfrm>
+            <a:off x="1141412" y="2888722"/>
+            <a:ext cx="9905999" cy="1089328"/>
+          </a:xfrm>
+          <a:prstGeom prst="rect">
+            <a:avLst/>
+          </a:prstGeom>
+          <a:noFill/>
+        </p:spPr>
+        <p:txBody>
+          <a:bodyPr vert="horz" lIns="91440" tIns="45720" rIns="91440" bIns="45720" rtlCol="0">
+            <a:normAutofit/>
+          </a:bodyPr>
+          <a:lstStyle>
+            <a:lvl1pPr marL="228600" indent="-228600" algn="l" defTabSz="914400" rtl="0" eaLnBrk="1" latinLnBrk="0" hangingPunct="1">
+              <a:lnSpc>
+                <a:spcPct val="120000"/>
+              </a:lnSpc>
+              <a:spcBef>
+                <a:spcPts val="1000"/>
+              </a:spcBef>
+              <a:buSzPct val="125000"/>
+              <a:buFont typeface="Arial" panose="020B0604020202020204" pitchFamily="34" charset="0"/>
+              <a:buChar char="•"/>
+              <a:defRPr sz="2400" kern="1200">
+                <a:solidFill>
+                  <a:schemeClr val="tx1"/>
+                </a:solidFill>
+                <a:latin typeface="+mn-lt"/>
+                <a:ea typeface="+mn-ea"/>
+                <a:cs typeface="+mn-cs"/>
+              </a:defRPr>
+            </a:lvl1pPr>
+            <a:lvl2pPr marL="685800" indent="-228600" algn="l" defTabSz="914400" rtl="0" eaLnBrk="1" latinLnBrk="0" hangingPunct="1">
+              <a:lnSpc>
+                <a:spcPct val="120000"/>
+              </a:lnSpc>
+              <a:spcBef>
+                <a:spcPts val="500"/>
+              </a:spcBef>
+              <a:buSzPct val="125000"/>
+              <a:buFont typeface="Arial" panose="020B0604020202020204" pitchFamily="34" charset="0"/>
+              <a:buChar char="•"/>
+              <a:defRPr sz="2000" kern="1200">
+                <a:solidFill>
+                  <a:schemeClr val="tx1"/>
+                </a:solidFill>
+                <a:latin typeface="+mn-lt"/>
+                <a:ea typeface="+mn-ea"/>
+                <a:cs typeface="+mn-cs"/>
+              </a:defRPr>
+            </a:lvl2pPr>
+            <a:lvl3pPr marL="1143000" indent="-228600" algn="l" defTabSz="914400" rtl="0" eaLnBrk="1" latinLnBrk="0" hangingPunct="1">
+              <a:lnSpc>
+                <a:spcPct val="120000"/>
+              </a:lnSpc>
+              <a:spcBef>
+                <a:spcPts val="500"/>
+              </a:spcBef>
+              <a:buSzPct val="125000"/>
+              <a:buFont typeface="Arial" panose="020B0604020202020204" pitchFamily="34" charset="0"/>
+              <a:buChar char="•"/>
+              <a:defRPr sz="1800" kern="1200">
+                <a:solidFill>
+                  <a:schemeClr val="tx1"/>
+                </a:solidFill>
+                <a:latin typeface="+mn-lt"/>
+                <a:ea typeface="+mn-ea"/>
+                <a:cs typeface="+mn-cs"/>
+              </a:defRPr>
+            </a:lvl3pPr>
+            <a:lvl4pPr marL="1600200" indent="-228600" algn="l" defTabSz="914400" rtl="0" eaLnBrk="1" latinLnBrk="0" hangingPunct="1">
+              <a:lnSpc>
+                <a:spcPct val="120000"/>
+              </a:lnSpc>
+              <a:spcBef>
+                <a:spcPts val="500"/>
+              </a:spcBef>
+              <a:buSzPct val="125000"/>
+              <a:buFont typeface="Arial" panose="020B0604020202020204" pitchFamily="34" charset="0"/>
+              <a:buChar char="•"/>
+              <a:defRPr sz="1600" kern="1200">
+                <a:solidFill>
+                  <a:schemeClr val="tx1"/>
+                </a:solidFill>
+                <a:latin typeface="+mn-lt"/>
+                <a:ea typeface="+mn-ea"/>
+                <a:cs typeface="+mn-cs"/>
+              </a:defRPr>
+            </a:lvl4pPr>
+            <a:lvl5pPr marL="2057400" indent="-228600" algn="l" defTabSz="914400" rtl="0" eaLnBrk="1" latinLnBrk="0" hangingPunct="1">
+              <a:lnSpc>
+                <a:spcPct val="120000"/>
+              </a:lnSpc>
+              <a:spcBef>
+                <a:spcPts val="500"/>
+              </a:spcBef>
+              <a:buSzPct val="125000"/>
+              <a:buFont typeface="Arial" panose="020B0604020202020204" pitchFamily="34" charset="0"/>
+              <a:buChar char="•"/>
+              <a:defRPr sz="1600" kern="1200">
+                <a:solidFill>
+                  <a:schemeClr val="tx1"/>
+                </a:solidFill>
+                <a:latin typeface="+mn-lt"/>
+                <a:ea typeface="+mn-ea"/>
+                <a:cs typeface="+mn-cs"/>
+              </a:defRPr>
+            </a:lvl5pPr>
+            <a:lvl6pPr marL="2514600" indent="-228600" algn="l" defTabSz="914400" rtl="0" eaLnBrk="1" latinLnBrk="0" hangingPunct="1">
+              <a:lnSpc>
+                <a:spcPct val="120000"/>
+              </a:lnSpc>
+              <a:spcBef>
+                <a:spcPts val="500"/>
+              </a:spcBef>
+              <a:buSzPct val="125000"/>
+              <a:buFont typeface="Arial" panose="020B0604020202020204" pitchFamily="34" charset="0"/>
+              <a:buChar char="•"/>
+              <a:defRPr sz="1400" kern="1200">
+                <a:solidFill>
+                  <a:schemeClr val="tx1"/>
+                </a:solidFill>
+                <a:latin typeface="+mn-lt"/>
+                <a:ea typeface="+mn-ea"/>
+                <a:cs typeface="+mn-cs"/>
+              </a:defRPr>
+            </a:lvl6pPr>
+            <a:lvl7pPr marL="2971800" indent="-228600" algn="l" defTabSz="914400" rtl="0" eaLnBrk="1" latinLnBrk="0" hangingPunct="1">
+              <a:lnSpc>
+                <a:spcPct val="120000"/>
+              </a:lnSpc>
+              <a:spcBef>
+                <a:spcPts val="500"/>
+              </a:spcBef>
+              <a:buSzPct val="125000"/>
+              <a:buFont typeface="Arial" panose="020B0604020202020204" pitchFamily="34" charset="0"/>
+              <a:buChar char="•"/>
+              <a:defRPr sz="1400" kern="1200">
+                <a:solidFill>
+                  <a:schemeClr val="tx1"/>
+                </a:solidFill>
+                <a:latin typeface="+mn-lt"/>
+                <a:ea typeface="+mn-ea"/>
+                <a:cs typeface="+mn-cs"/>
+              </a:defRPr>
+            </a:lvl7pPr>
+            <a:lvl8pPr marL="3429000" indent="-228600" algn="l" defTabSz="914400" rtl="0" eaLnBrk="1" latinLnBrk="0" hangingPunct="1">
+              <a:lnSpc>
+                <a:spcPct val="120000"/>
+              </a:lnSpc>
+              <a:spcBef>
+                <a:spcPts val="500"/>
+              </a:spcBef>
+              <a:buSzPct val="125000"/>
+              <a:buFont typeface="Arial" panose="020B0604020202020204" pitchFamily="34" charset="0"/>
+              <a:buChar char="•"/>
+              <a:defRPr sz="1400" kern="1200">
+                <a:solidFill>
+                  <a:schemeClr val="tx1"/>
+                </a:solidFill>
+                <a:latin typeface="+mn-lt"/>
+                <a:ea typeface="+mn-ea"/>
+                <a:cs typeface="+mn-cs"/>
+              </a:defRPr>
+            </a:lvl8pPr>
+            <a:lvl9pPr marL="3886200" indent="-228600" algn="l" defTabSz="914400" rtl="0" eaLnBrk="1" latinLnBrk="0" hangingPunct="1">
+              <a:lnSpc>
+                <a:spcPct val="120000"/>
+              </a:lnSpc>
+              <a:spcBef>
+                <a:spcPts val="500"/>
+              </a:spcBef>
+              <a:buSzPct val="125000"/>
+              <a:buFont typeface="Arial" panose="020B0604020202020204" pitchFamily="34" charset="0"/>
+              <a:buChar char="•"/>
+              <a:defRPr sz="1400" kern="1200">
+                <a:solidFill>
+                  <a:schemeClr val="tx1"/>
+                </a:solidFill>
+                <a:latin typeface="+mn-lt"/>
+                <a:ea typeface="+mn-ea"/>
+                <a:cs typeface="+mn-cs"/>
+              </a:defRPr>
+            </a:lvl9pPr>
+          </a:lstStyle>
+          <a:p>
+            <a:pPr marL="0" indent="0">
+              <a:buFont typeface="Arial" panose="020B0604020202020204" pitchFamily="34" charset="0"/>
+              <a:buNone/>
+            </a:pPr>
+            <a:r>
+              <a:rPr lang="en-US" dirty="0">
+                <a:solidFill>
+                  <a:schemeClr val="tx1">
+                    <a:lumMod val="95000"/>
+                  </a:schemeClr>
+                </a:solidFill>
+              </a:rPr>
+              <a:t>…………</a:t>
+            </a:r>
+          </a:p>
+        </p:txBody>
+      </p:sp>
+      <p:pic>
+        <p:nvPicPr>
+          <p:cNvPr id="7" name="Picture 6">
+            <a:extLst>
+              <a:ext uri="{FF2B5EF4-FFF2-40B4-BE49-F238E27FC236}">
+                <a16:creationId xmlns:a16="http://schemas.microsoft.com/office/drawing/2014/main" id="{12AD3017-C5C9-804F-A5BA-A41509F7C0B6}"/>
+              </a:ext>
+            </a:extLst>
+          </p:cNvPr>
+          <p:cNvPicPr>
+            <a:picLocks noChangeAspect="1"/>
+          </p:cNvPicPr>
+          <p:nvPr/>
+        </p:nvPicPr>
+        <p:blipFill>
+          <a:blip r:embed="rId2"/>
+          <a:stretch>
+            <a:fillRect/>
+          </a:stretch>
+        </p:blipFill>
+        <p:spPr>
+          <a:xfrm>
+            <a:off x="6588969" y="3016605"/>
+            <a:ext cx="3831570" cy="3687486"/>
+          </a:xfrm>
+          <a:prstGeom prst="rect">
+            <a:avLst/>
+          </a:prstGeom>
+        </p:spPr>
+      </p:pic>
+    </p:spTree>
+    <p:extLst>
+      <p:ext uri="{BB962C8B-B14F-4D97-AF65-F5344CB8AC3E}">
+        <p14:creationId xmlns:p14="http://schemas.microsoft.com/office/powerpoint/2010/main" val="3258886774"/>
+      </p:ext>
+    </p:extLst>
+  </p:cSld>
+  <p:clrMapOvr>
+    <a:masterClrMapping/>
+  </p:clrMapOvr>
+</p:sld>
+</file>
+
+<file path=ppt/slides/slide17.xml><?xml version="1.0" encoding="utf-8"?>
+<p:sld xmlns:a="http://schemas.openxmlformats.org/drawingml/2006/main" xmlns:r="http://schemas.openxmlformats.org/officeDocument/2006/relationships" xmlns:p="http://schemas.openxmlformats.org/presentationml/2006/main">
+  <p:cSld>
+    <p:spTree>
+      <p:nvGrpSpPr>
+        <p:cNvPr id="1" name=""/>
+        <p:cNvGrpSpPr/>
+        <p:nvPr/>
+      </p:nvGrpSpPr>
+      <p:grpSpPr>
+        <a:xfrm>
+          <a:off x="0" y="0"/>
+          <a:ext cx="0" cy="0"/>
+          <a:chOff x="0" y="0"/>
+          <a:chExt cx="0" cy="0"/>
+        </a:xfrm>
+      </p:grpSpPr>
+      <p:sp>
+        <p:nvSpPr>
+          <p:cNvPr id="2" name="Title 1">
+            <a:extLst>
+              <a:ext uri="{FF2B5EF4-FFF2-40B4-BE49-F238E27FC236}">
+                <a16:creationId xmlns:a16="http://schemas.microsoft.com/office/drawing/2014/main" id="{87719C56-21DC-0A40-AA49-9AF4AF4C92DA}"/>
+              </a:ext>
+            </a:extLst>
+          </p:cNvPr>
+          <p:cNvSpPr>
+            <a:spLocks noGrp="1"/>
+          </p:cNvSpPr>
+          <p:nvPr>
+            <p:ph type="title"/>
+          </p:nvPr>
+        </p:nvSpPr>
+        <p:spPr/>
+        <p:txBody>
+          <a:bodyPr/>
+          <a:lstStyle/>
+          <a:p>
+            <a:pPr algn="ctr"/>
+            <a:r>
+              <a:rPr lang="en-US" dirty="0"/>
+              <a:t>Turing Machine Variants</a:t>
+            </a:r>
+          </a:p>
+        </p:txBody>
+      </p:sp>
+    </p:spTree>
+    <p:extLst>
+      <p:ext uri="{BB962C8B-B14F-4D97-AF65-F5344CB8AC3E}">
+        <p14:creationId xmlns:p14="http://schemas.microsoft.com/office/powerpoint/2010/main" val="445980608"/>
+      </p:ext>
+    </p:extLst>
+  </p:cSld>
+  <p:clrMapOvr>
+    <a:masterClrMapping/>
+  </p:clrMapOvr>
+</p:sld>
+</file>
+
+<file path=ppt/slides/slide18.xml><?xml version="1.0" encoding="utf-8"?>
+<p:sld xmlns:a="http://schemas.openxmlformats.org/drawingml/2006/main" xmlns:r="http://schemas.openxmlformats.org/officeDocument/2006/relationships" xmlns:p="http://schemas.openxmlformats.org/presentationml/2006/main">
+  <p:cSld>
+    <p:spTree>
+      <p:nvGrpSpPr>
+        <p:cNvPr id="1" name=""/>
+        <p:cNvGrpSpPr/>
+        <p:nvPr/>
+      </p:nvGrpSpPr>
+      <p:grpSpPr>
+        <a:xfrm>
+          <a:off x="0" y="0"/>
+          <a:ext cx="0" cy="0"/>
+          <a:chOff x="0" y="0"/>
+          <a:chExt cx="0" cy="0"/>
+        </a:xfrm>
+      </p:grpSpPr>
+      <p:sp>
+        <p:nvSpPr>
+          <p:cNvPr id="2" name="Title 1">
+            <a:extLst>
+              <a:ext uri="{FF2B5EF4-FFF2-40B4-BE49-F238E27FC236}">
+                <a16:creationId xmlns:a16="http://schemas.microsoft.com/office/drawing/2014/main" id="{D63C04CD-2329-4D47-84D9-12CB3EDD9F46}"/>
+              </a:ext>
+            </a:extLst>
+          </p:cNvPr>
+          <p:cNvSpPr>
+            <a:spLocks noGrp="1"/>
+          </p:cNvSpPr>
+          <p:nvPr>
+            <p:ph type="title"/>
+          </p:nvPr>
+        </p:nvSpPr>
+        <p:spPr>
+          <a:xfrm>
+            <a:off x="1141413" y="125537"/>
+            <a:ext cx="9905998" cy="860425"/>
+          </a:xfrm>
+        </p:spPr>
+        <p:txBody>
+          <a:bodyPr/>
+          <a:lstStyle/>
+          <a:p>
+            <a:pPr algn="ctr"/>
+            <a:r>
+              <a:rPr lang="en-US" dirty="0"/>
+              <a:t>Motivating Question</a:t>
+            </a:r>
+          </a:p>
+        </p:txBody>
+      </p:sp>
+      <p:sp>
+        <p:nvSpPr>
+          <p:cNvPr id="3" name="Content Placeholder 2">
+            <a:extLst>
+              <a:ext uri="{FF2B5EF4-FFF2-40B4-BE49-F238E27FC236}">
+                <a16:creationId xmlns:a16="http://schemas.microsoft.com/office/drawing/2014/main" id="{14278F5F-F936-6145-9FF8-704886F1A386}"/>
+              </a:ext>
+            </a:extLst>
+          </p:cNvPr>
+          <p:cNvSpPr>
+            <a:spLocks noGrp="1"/>
+          </p:cNvSpPr>
+          <p:nvPr>
+            <p:ph idx="1"/>
+          </p:nvPr>
+        </p:nvSpPr>
+        <p:spPr>
+          <a:xfrm>
+            <a:off x="1141412" y="1559371"/>
+            <a:ext cx="9905999" cy="1089328"/>
+          </a:xfrm>
+          <a:solidFill>
+            <a:schemeClr val="tx1">
+              <a:lumMod val="95000"/>
+            </a:schemeClr>
+          </a:solidFill>
+        </p:spPr>
+        <p:txBody>
+          <a:bodyPr/>
+          <a:lstStyle/>
+          <a:p>
+            <a:pPr marL="0" indent="0">
+              <a:buNone/>
+            </a:pPr>
+            <a:r>
+              <a:rPr lang="en-US" dirty="0">
+                <a:solidFill>
+                  <a:schemeClr val="bg1"/>
+                </a:solidFill>
+              </a:rPr>
+              <a:t>Can we have different features of TMs that increase / or don’t the recognizing power of the traditional TM?</a:t>
+            </a:r>
+          </a:p>
+        </p:txBody>
+      </p:sp>
+      <p:sp>
+        <p:nvSpPr>
+          <p:cNvPr id="6" name="Content Placeholder 2">
+            <a:extLst>
+              <a:ext uri="{FF2B5EF4-FFF2-40B4-BE49-F238E27FC236}">
+                <a16:creationId xmlns:a16="http://schemas.microsoft.com/office/drawing/2014/main" id="{D1AB4AE0-9143-C34D-B965-4033C921D6B5}"/>
+              </a:ext>
+            </a:extLst>
+          </p:cNvPr>
+          <p:cNvSpPr txBox="1">
+            <a:spLocks/>
+          </p:cNvSpPr>
+          <p:nvPr/>
+        </p:nvSpPr>
+        <p:spPr>
+          <a:xfrm>
+            <a:off x="1141412" y="2888722"/>
+            <a:ext cx="9905999" cy="1089328"/>
+          </a:xfrm>
+          <a:prstGeom prst="rect">
+            <a:avLst/>
+          </a:prstGeom>
+          <a:noFill/>
+        </p:spPr>
+        <p:txBody>
+          <a:bodyPr vert="horz" lIns="91440" tIns="45720" rIns="91440" bIns="45720" rtlCol="0">
+            <a:normAutofit/>
+          </a:bodyPr>
+          <a:lstStyle>
+            <a:lvl1pPr marL="228600" indent="-228600" algn="l" defTabSz="914400" rtl="0" eaLnBrk="1" latinLnBrk="0" hangingPunct="1">
+              <a:lnSpc>
+                <a:spcPct val="120000"/>
+              </a:lnSpc>
+              <a:spcBef>
+                <a:spcPts val="1000"/>
+              </a:spcBef>
+              <a:buSzPct val="125000"/>
+              <a:buFont typeface="Arial" panose="020B0604020202020204" pitchFamily="34" charset="0"/>
+              <a:buChar char="•"/>
+              <a:defRPr sz="2400" kern="1200">
+                <a:solidFill>
+                  <a:schemeClr val="tx1"/>
+                </a:solidFill>
+                <a:latin typeface="+mn-lt"/>
+                <a:ea typeface="+mn-ea"/>
+                <a:cs typeface="+mn-cs"/>
+              </a:defRPr>
+            </a:lvl1pPr>
+            <a:lvl2pPr marL="685800" indent="-228600" algn="l" defTabSz="914400" rtl="0" eaLnBrk="1" latinLnBrk="0" hangingPunct="1">
+              <a:lnSpc>
+                <a:spcPct val="120000"/>
+              </a:lnSpc>
+              <a:spcBef>
+                <a:spcPts val="500"/>
+              </a:spcBef>
+              <a:buSzPct val="125000"/>
+              <a:buFont typeface="Arial" panose="020B0604020202020204" pitchFamily="34" charset="0"/>
+              <a:buChar char="•"/>
+              <a:defRPr sz="2000" kern="1200">
+                <a:solidFill>
+                  <a:schemeClr val="tx1"/>
+                </a:solidFill>
+                <a:latin typeface="+mn-lt"/>
+                <a:ea typeface="+mn-ea"/>
+                <a:cs typeface="+mn-cs"/>
+              </a:defRPr>
+            </a:lvl2pPr>
+            <a:lvl3pPr marL="1143000" indent="-228600" algn="l" defTabSz="914400" rtl="0" eaLnBrk="1" latinLnBrk="0" hangingPunct="1">
+              <a:lnSpc>
+                <a:spcPct val="120000"/>
+              </a:lnSpc>
+              <a:spcBef>
+                <a:spcPts val="500"/>
+              </a:spcBef>
+              <a:buSzPct val="125000"/>
+              <a:buFont typeface="Arial" panose="020B0604020202020204" pitchFamily="34" charset="0"/>
+              <a:buChar char="•"/>
+              <a:defRPr sz="1800" kern="1200">
+                <a:solidFill>
+                  <a:schemeClr val="tx1"/>
+                </a:solidFill>
+                <a:latin typeface="+mn-lt"/>
+                <a:ea typeface="+mn-ea"/>
+                <a:cs typeface="+mn-cs"/>
+              </a:defRPr>
+            </a:lvl3pPr>
+            <a:lvl4pPr marL="1600200" indent="-228600" algn="l" defTabSz="914400" rtl="0" eaLnBrk="1" latinLnBrk="0" hangingPunct="1">
+              <a:lnSpc>
+                <a:spcPct val="120000"/>
+              </a:lnSpc>
+              <a:spcBef>
+                <a:spcPts val="500"/>
+              </a:spcBef>
+              <a:buSzPct val="125000"/>
+              <a:buFont typeface="Arial" panose="020B0604020202020204" pitchFamily="34" charset="0"/>
+              <a:buChar char="•"/>
+              <a:defRPr sz="1600" kern="1200">
+                <a:solidFill>
+                  <a:schemeClr val="tx1"/>
+                </a:solidFill>
+                <a:latin typeface="+mn-lt"/>
+                <a:ea typeface="+mn-ea"/>
+                <a:cs typeface="+mn-cs"/>
+              </a:defRPr>
+            </a:lvl4pPr>
+            <a:lvl5pPr marL="2057400" indent="-228600" algn="l" defTabSz="914400" rtl="0" eaLnBrk="1" latinLnBrk="0" hangingPunct="1">
+              <a:lnSpc>
+                <a:spcPct val="120000"/>
+              </a:lnSpc>
+              <a:spcBef>
+                <a:spcPts val="500"/>
+              </a:spcBef>
+              <a:buSzPct val="125000"/>
+              <a:buFont typeface="Arial" panose="020B0604020202020204" pitchFamily="34" charset="0"/>
+              <a:buChar char="•"/>
+              <a:defRPr sz="1600" kern="1200">
+                <a:solidFill>
+                  <a:schemeClr val="tx1"/>
+                </a:solidFill>
+                <a:latin typeface="+mn-lt"/>
+                <a:ea typeface="+mn-ea"/>
+                <a:cs typeface="+mn-cs"/>
+              </a:defRPr>
+            </a:lvl5pPr>
+            <a:lvl6pPr marL="2514600" indent="-228600" algn="l" defTabSz="914400" rtl="0" eaLnBrk="1" latinLnBrk="0" hangingPunct="1">
+              <a:lnSpc>
+                <a:spcPct val="120000"/>
+              </a:lnSpc>
+              <a:spcBef>
+                <a:spcPts val="500"/>
+              </a:spcBef>
+              <a:buSzPct val="125000"/>
+              <a:buFont typeface="Arial" panose="020B0604020202020204" pitchFamily="34" charset="0"/>
+              <a:buChar char="•"/>
+              <a:defRPr sz="1400" kern="1200">
+                <a:solidFill>
+                  <a:schemeClr val="tx1"/>
+                </a:solidFill>
+                <a:latin typeface="+mn-lt"/>
+                <a:ea typeface="+mn-ea"/>
+                <a:cs typeface="+mn-cs"/>
+              </a:defRPr>
+            </a:lvl6pPr>
+            <a:lvl7pPr marL="2971800" indent="-228600" algn="l" defTabSz="914400" rtl="0" eaLnBrk="1" latinLnBrk="0" hangingPunct="1">
+              <a:lnSpc>
+                <a:spcPct val="120000"/>
+              </a:lnSpc>
+              <a:spcBef>
+                <a:spcPts val="500"/>
+              </a:spcBef>
+              <a:buSzPct val="125000"/>
+              <a:buFont typeface="Arial" panose="020B0604020202020204" pitchFamily="34" charset="0"/>
+              <a:buChar char="•"/>
+              <a:defRPr sz="1400" kern="1200">
+                <a:solidFill>
+                  <a:schemeClr val="tx1"/>
+                </a:solidFill>
+                <a:latin typeface="+mn-lt"/>
+                <a:ea typeface="+mn-ea"/>
+                <a:cs typeface="+mn-cs"/>
+              </a:defRPr>
+            </a:lvl7pPr>
+            <a:lvl8pPr marL="3429000" indent="-228600" algn="l" defTabSz="914400" rtl="0" eaLnBrk="1" latinLnBrk="0" hangingPunct="1">
+              <a:lnSpc>
+                <a:spcPct val="120000"/>
+              </a:lnSpc>
+              <a:spcBef>
+                <a:spcPts val="500"/>
+              </a:spcBef>
+              <a:buSzPct val="125000"/>
+              <a:buFont typeface="Arial" panose="020B0604020202020204" pitchFamily="34" charset="0"/>
+              <a:buChar char="•"/>
+              <a:defRPr sz="1400" kern="1200">
+                <a:solidFill>
+                  <a:schemeClr val="tx1"/>
+                </a:solidFill>
+                <a:latin typeface="+mn-lt"/>
+                <a:ea typeface="+mn-ea"/>
+                <a:cs typeface="+mn-cs"/>
+              </a:defRPr>
+            </a:lvl8pPr>
+            <a:lvl9pPr marL="3886200" indent="-228600" algn="l" defTabSz="914400" rtl="0" eaLnBrk="1" latinLnBrk="0" hangingPunct="1">
+              <a:lnSpc>
+                <a:spcPct val="120000"/>
+              </a:lnSpc>
+              <a:spcBef>
+                <a:spcPts val="500"/>
+              </a:spcBef>
+              <a:buSzPct val="125000"/>
+              <a:buFont typeface="Arial" panose="020B0604020202020204" pitchFamily="34" charset="0"/>
+              <a:buChar char="•"/>
+              <a:defRPr sz="1400" kern="1200">
+                <a:solidFill>
+                  <a:schemeClr val="tx1"/>
+                </a:solidFill>
+                <a:latin typeface="+mn-lt"/>
+                <a:ea typeface="+mn-ea"/>
+                <a:cs typeface="+mn-cs"/>
+              </a:defRPr>
+            </a:lvl9pPr>
+          </a:lstStyle>
+          <a:p>
+            <a:pPr marL="0" indent="0">
+              <a:buFont typeface="Arial" panose="020B0604020202020204" pitchFamily="34" charset="0"/>
+              <a:buNone/>
+            </a:pPr>
+            <a:r>
+              <a:rPr lang="en-US" dirty="0">
+                <a:solidFill>
+                  <a:schemeClr val="tx1">
+                    <a:lumMod val="95000"/>
+                  </a:schemeClr>
+                </a:solidFill>
+              </a:rPr>
+              <a:t>…………</a:t>
+            </a:r>
+          </a:p>
+        </p:txBody>
+      </p:sp>
+    </p:spTree>
+    <p:extLst>
+      <p:ext uri="{BB962C8B-B14F-4D97-AF65-F5344CB8AC3E}">
+        <p14:creationId xmlns:p14="http://schemas.microsoft.com/office/powerpoint/2010/main" val="860482471"/>
+      </p:ext>
+    </p:extLst>
+  </p:cSld>
+  <p:clrMapOvr>
+    <a:masterClrMapping/>
+  </p:clrMapOvr>
+</p:sld>
+</file>
+
+<file path=ppt/slides/slide19.xml><?xml version="1.0" encoding="utf-8"?>
+<p:sld xmlns:a="http://schemas.openxmlformats.org/drawingml/2006/main" xmlns:r="http://schemas.openxmlformats.org/officeDocument/2006/relationships" xmlns:p="http://schemas.openxmlformats.org/presentationml/2006/main">
+  <p:cSld>
+    <p:spTree>
+      <p:nvGrpSpPr>
+        <p:cNvPr id="1" name=""/>
+        <p:cNvGrpSpPr/>
+        <p:nvPr/>
+      </p:nvGrpSpPr>
+      <p:grpSpPr>
+        <a:xfrm>
+          <a:off x="0" y="0"/>
+          <a:ext cx="0" cy="0"/>
+          <a:chOff x="0" y="0"/>
+          <a:chExt cx="0" cy="0"/>
+        </a:xfrm>
+      </p:grpSpPr>
+      <p:sp>
+        <p:nvSpPr>
+          <p:cNvPr id="2" name="Title 1">
+            <a:extLst>
+              <a:ext uri="{FF2B5EF4-FFF2-40B4-BE49-F238E27FC236}">
+                <a16:creationId xmlns:a16="http://schemas.microsoft.com/office/drawing/2014/main" id="{D63C04CD-2329-4D47-84D9-12CB3EDD9F46}"/>
+              </a:ext>
+            </a:extLst>
+          </p:cNvPr>
+          <p:cNvSpPr>
+            <a:spLocks noGrp="1"/>
+          </p:cNvSpPr>
+          <p:nvPr>
+            <p:ph type="title"/>
+          </p:nvPr>
+        </p:nvSpPr>
+        <p:spPr>
+          <a:xfrm>
+            <a:off x="1141413" y="125537"/>
+            <a:ext cx="9905998" cy="860425"/>
+          </a:xfrm>
+        </p:spPr>
+        <p:txBody>
+          <a:bodyPr/>
+          <a:lstStyle/>
+          <a:p>
+            <a:pPr algn="ctr"/>
+            <a:r>
+              <a:rPr lang="en-US" dirty="0" err="1"/>
+              <a:t>MultiTape</a:t>
+            </a:r>
+            <a:r>
+              <a:rPr lang="en-US" dirty="0"/>
+              <a:t> Turing Machine</a:t>
+            </a:r>
+          </a:p>
+        </p:txBody>
+      </p:sp>
+      <p:sp>
+        <p:nvSpPr>
+          <p:cNvPr id="3" name="Content Placeholder 2">
+            <a:extLst>
+              <a:ext uri="{FF2B5EF4-FFF2-40B4-BE49-F238E27FC236}">
+                <a16:creationId xmlns:a16="http://schemas.microsoft.com/office/drawing/2014/main" id="{14278F5F-F936-6145-9FF8-704886F1A386}"/>
+              </a:ext>
+            </a:extLst>
+          </p:cNvPr>
+          <p:cNvSpPr>
+            <a:spLocks noGrp="1"/>
+          </p:cNvSpPr>
+          <p:nvPr>
+            <p:ph idx="1"/>
+          </p:nvPr>
+        </p:nvSpPr>
+        <p:spPr>
+          <a:xfrm>
+            <a:off x="1141412" y="1559371"/>
+            <a:ext cx="9905999" cy="1089328"/>
+          </a:xfrm>
+          <a:solidFill>
+            <a:schemeClr val="tx1">
+              <a:lumMod val="95000"/>
+            </a:schemeClr>
+          </a:solidFill>
+        </p:spPr>
+        <p:txBody>
+          <a:bodyPr/>
+          <a:lstStyle/>
+          <a:p>
+            <a:pPr marL="0" indent="0">
+              <a:buNone/>
+            </a:pPr>
+            <a:r>
+              <a:rPr lang="en-US" dirty="0">
+                <a:solidFill>
+                  <a:schemeClr val="bg1"/>
+                </a:solidFill>
+              </a:rPr>
+              <a:t>TM that has multiple tapes</a:t>
+            </a:r>
+          </a:p>
+        </p:txBody>
+      </p:sp>
+      <p:sp>
+        <p:nvSpPr>
+          <p:cNvPr id="6" name="Content Placeholder 2">
+            <a:extLst>
+              <a:ext uri="{FF2B5EF4-FFF2-40B4-BE49-F238E27FC236}">
+                <a16:creationId xmlns:a16="http://schemas.microsoft.com/office/drawing/2014/main" id="{D1AB4AE0-9143-C34D-B965-4033C921D6B5}"/>
+              </a:ext>
+            </a:extLst>
+          </p:cNvPr>
+          <p:cNvSpPr txBox="1">
+            <a:spLocks/>
+          </p:cNvSpPr>
+          <p:nvPr/>
+        </p:nvSpPr>
+        <p:spPr>
+          <a:xfrm>
+            <a:off x="1141412" y="2888722"/>
+            <a:ext cx="9905999" cy="1089328"/>
+          </a:xfrm>
+          <a:prstGeom prst="rect">
+            <a:avLst/>
+          </a:prstGeom>
+          <a:noFill/>
+        </p:spPr>
+        <p:txBody>
+          <a:bodyPr vert="horz" lIns="91440" tIns="45720" rIns="91440" bIns="45720" rtlCol="0">
+            <a:normAutofit/>
+          </a:bodyPr>
+          <a:lstStyle>
+            <a:lvl1pPr marL="228600" indent="-228600" algn="l" defTabSz="914400" rtl="0" eaLnBrk="1" latinLnBrk="0" hangingPunct="1">
+              <a:lnSpc>
+                <a:spcPct val="120000"/>
+              </a:lnSpc>
+              <a:spcBef>
+                <a:spcPts val="1000"/>
+              </a:spcBef>
+              <a:buSzPct val="125000"/>
+              <a:buFont typeface="Arial" panose="020B0604020202020204" pitchFamily="34" charset="0"/>
+              <a:buChar char="•"/>
+              <a:defRPr sz="2400" kern="1200">
+                <a:solidFill>
+                  <a:schemeClr val="tx1"/>
+                </a:solidFill>
+                <a:latin typeface="+mn-lt"/>
+                <a:ea typeface="+mn-ea"/>
+                <a:cs typeface="+mn-cs"/>
+              </a:defRPr>
+            </a:lvl1pPr>
+            <a:lvl2pPr marL="685800" indent="-228600" algn="l" defTabSz="914400" rtl="0" eaLnBrk="1" latinLnBrk="0" hangingPunct="1">
+              <a:lnSpc>
+                <a:spcPct val="120000"/>
+              </a:lnSpc>
+              <a:spcBef>
+                <a:spcPts val="500"/>
+              </a:spcBef>
+              <a:buSzPct val="125000"/>
+              <a:buFont typeface="Arial" panose="020B0604020202020204" pitchFamily="34" charset="0"/>
+              <a:buChar char="•"/>
+              <a:defRPr sz="2000" kern="1200">
+                <a:solidFill>
+                  <a:schemeClr val="tx1"/>
+                </a:solidFill>
+                <a:latin typeface="+mn-lt"/>
+                <a:ea typeface="+mn-ea"/>
+                <a:cs typeface="+mn-cs"/>
+              </a:defRPr>
+            </a:lvl2pPr>
+            <a:lvl3pPr marL="1143000" indent="-228600" algn="l" defTabSz="914400" rtl="0" eaLnBrk="1" latinLnBrk="0" hangingPunct="1">
+              <a:lnSpc>
+                <a:spcPct val="120000"/>
+              </a:lnSpc>
+              <a:spcBef>
+                <a:spcPts val="500"/>
+              </a:spcBef>
+              <a:buSzPct val="125000"/>
+              <a:buFont typeface="Arial" panose="020B0604020202020204" pitchFamily="34" charset="0"/>
+              <a:buChar char="•"/>
+              <a:defRPr sz="1800" kern="1200">
+                <a:solidFill>
+                  <a:schemeClr val="tx1"/>
+                </a:solidFill>
+                <a:latin typeface="+mn-lt"/>
+                <a:ea typeface="+mn-ea"/>
+                <a:cs typeface="+mn-cs"/>
+              </a:defRPr>
+            </a:lvl3pPr>
+            <a:lvl4pPr marL="1600200" indent="-228600" algn="l" defTabSz="914400" rtl="0" eaLnBrk="1" latinLnBrk="0" hangingPunct="1">
+              <a:lnSpc>
+                <a:spcPct val="120000"/>
+              </a:lnSpc>
+              <a:spcBef>
+                <a:spcPts val="500"/>
+              </a:spcBef>
+              <a:buSzPct val="125000"/>
+              <a:buFont typeface="Arial" panose="020B0604020202020204" pitchFamily="34" charset="0"/>
+              <a:buChar char="•"/>
+              <a:defRPr sz="1600" kern="1200">
+                <a:solidFill>
+                  <a:schemeClr val="tx1"/>
+                </a:solidFill>
+                <a:latin typeface="+mn-lt"/>
+                <a:ea typeface="+mn-ea"/>
+                <a:cs typeface="+mn-cs"/>
+              </a:defRPr>
+            </a:lvl4pPr>
+            <a:lvl5pPr marL="2057400" indent="-228600" algn="l" defTabSz="914400" rtl="0" eaLnBrk="1" latinLnBrk="0" hangingPunct="1">
+              <a:lnSpc>
+                <a:spcPct val="120000"/>
+              </a:lnSpc>
+              <a:spcBef>
+                <a:spcPts val="500"/>
+              </a:spcBef>
+              <a:buSzPct val="125000"/>
+              <a:buFont typeface="Arial" panose="020B0604020202020204" pitchFamily="34" charset="0"/>
+              <a:buChar char="•"/>
+              <a:defRPr sz="1600" kern="1200">
+                <a:solidFill>
+                  <a:schemeClr val="tx1"/>
+                </a:solidFill>
+                <a:latin typeface="+mn-lt"/>
+                <a:ea typeface="+mn-ea"/>
+                <a:cs typeface="+mn-cs"/>
+              </a:defRPr>
+            </a:lvl5pPr>
+            <a:lvl6pPr marL="2514600" indent="-228600" algn="l" defTabSz="914400" rtl="0" eaLnBrk="1" latinLnBrk="0" hangingPunct="1">
+              <a:lnSpc>
+                <a:spcPct val="120000"/>
+              </a:lnSpc>
+              <a:spcBef>
+                <a:spcPts val="500"/>
+              </a:spcBef>
+              <a:buSzPct val="125000"/>
+              <a:buFont typeface="Arial" panose="020B0604020202020204" pitchFamily="34" charset="0"/>
+              <a:buChar char="•"/>
+              <a:defRPr sz="1400" kern="1200">
+                <a:solidFill>
+                  <a:schemeClr val="tx1"/>
+                </a:solidFill>
+                <a:latin typeface="+mn-lt"/>
+                <a:ea typeface="+mn-ea"/>
+                <a:cs typeface="+mn-cs"/>
+              </a:defRPr>
+            </a:lvl6pPr>
+            <a:lvl7pPr marL="2971800" indent="-228600" algn="l" defTabSz="914400" rtl="0" eaLnBrk="1" latinLnBrk="0" hangingPunct="1">
+              <a:lnSpc>
+                <a:spcPct val="120000"/>
+              </a:lnSpc>
+              <a:spcBef>
+                <a:spcPts val="500"/>
+              </a:spcBef>
+              <a:buSzPct val="125000"/>
+              <a:buFont typeface="Arial" panose="020B0604020202020204" pitchFamily="34" charset="0"/>
+              <a:buChar char="•"/>
+              <a:defRPr sz="1400" kern="1200">
+                <a:solidFill>
+                  <a:schemeClr val="tx1"/>
+                </a:solidFill>
+                <a:latin typeface="+mn-lt"/>
+                <a:ea typeface="+mn-ea"/>
+                <a:cs typeface="+mn-cs"/>
+              </a:defRPr>
+            </a:lvl7pPr>
+            <a:lvl8pPr marL="3429000" indent="-228600" algn="l" defTabSz="914400" rtl="0" eaLnBrk="1" latinLnBrk="0" hangingPunct="1">
+              <a:lnSpc>
+                <a:spcPct val="120000"/>
+              </a:lnSpc>
+              <a:spcBef>
+                <a:spcPts val="500"/>
+              </a:spcBef>
+              <a:buSzPct val="125000"/>
+              <a:buFont typeface="Arial" panose="020B0604020202020204" pitchFamily="34" charset="0"/>
+              <a:buChar char="•"/>
+              <a:defRPr sz="1400" kern="1200">
+                <a:solidFill>
+                  <a:schemeClr val="tx1"/>
+                </a:solidFill>
+                <a:latin typeface="+mn-lt"/>
+                <a:ea typeface="+mn-ea"/>
+                <a:cs typeface="+mn-cs"/>
+              </a:defRPr>
+            </a:lvl8pPr>
+            <a:lvl9pPr marL="3886200" indent="-228600" algn="l" defTabSz="914400" rtl="0" eaLnBrk="1" latinLnBrk="0" hangingPunct="1">
+              <a:lnSpc>
+                <a:spcPct val="120000"/>
+              </a:lnSpc>
+              <a:spcBef>
+                <a:spcPts val="500"/>
+              </a:spcBef>
+              <a:buSzPct val="125000"/>
+              <a:buFont typeface="Arial" panose="020B0604020202020204" pitchFamily="34" charset="0"/>
+              <a:buChar char="•"/>
+              <a:defRPr sz="1400" kern="1200">
+                <a:solidFill>
+                  <a:schemeClr val="tx1"/>
+                </a:solidFill>
+                <a:latin typeface="+mn-lt"/>
+                <a:ea typeface="+mn-ea"/>
+                <a:cs typeface="+mn-cs"/>
+              </a:defRPr>
+            </a:lvl9pPr>
+          </a:lstStyle>
+          <a:p>
+            <a:pPr marL="0" indent="0">
+              <a:buFont typeface="Arial" panose="020B0604020202020204" pitchFamily="34" charset="0"/>
+              <a:buNone/>
+            </a:pPr>
+            <a:r>
+              <a:rPr lang="en-US" dirty="0">
+                <a:solidFill>
+                  <a:schemeClr val="tx1">
+                    <a:lumMod val="95000"/>
+                  </a:schemeClr>
+                </a:solidFill>
+              </a:rPr>
+              <a:t>…………</a:t>
+            </a:r>
+          </a:p>
+        </p:txBody>
+      </p:sp>
+    </p:spTree>
+    <p:extLst>
+      <p:ext uri="{BB962C8B-B14F-4D97-AF65-F5344CB8AC3E}">
+        <p14:creationId xmlns:p14="http://schemas.microsoft.com/office/powerpoint/2010/main" val="2300911237"/>
+      </p:ext>
+    </p:extLst>
+  </p:cSld>
+  <p:clrMapOvr>
+    <a:masterClrMapping/>
+  </p:clrMapOvr>
+</p:sld>
+</file>
+
 <file path=ppt/slides/slide2.xml><?xml version="1.0" encoding="utf-8"?>
 <p:sld xmlns:a="http://schemas.openxmlformats.org/drawingml/2006/main" xmlns:r="http://schemas.openxmlformats.org/officeDocument/2006/relationships" xmlns:p="http://schemas.openxmlformats.org/presentationml/2006/main">
   <p:cSld>
@@ -13645,6 +16620,2061 @@
     <p:extLst>
       <p:ext uri="{BB962C8B-B14F-4D97-AF65-F5344CB8AC3E}">
         <p14:creationId xmlns:p14="http://schemas.microsoft.com/office/powerpoint/2010/main" val="2987249196"/>
+      </p:ext>
+    </p:extLst>
+  </p:cSld>
+  <p:clrMapOvr>
+    <a:masterClrMapping/>
+  </p:clrMapOvr>
+</p:sld>
+</file>
+
+<file path=ppt/slides/slide20.xml><?xml version="1.0" encoding="utf-8"?>
+<p:sld xmlns:a="http://schemas.openxmlformats.org/drawingml/2006/main" xmlns:r="http://schemas.openxmlformats.org/officeDocument/2006/relationships" xmlns:p="http://schemas.openxmlformats.org/presentationml/2006/main">
+  <p:cSld>
+    <p:spTree>
+      <p:nvGrpSpPr>
+        <p:cNvPr id="1" name=""/>
+        <p:cNvGrpSpPr/>
+        <p:nvPr/>
+      </p:nvGrpSpPr>
+      <p:grpSpPr>
+        <a:xfrm>
+          <a:off x="0" y="0"/>
+          <a:ext cx="0" cy="0"/>
+          <a:chOff x="0" y="0"/>
+          <a:chExt cx="0" cy="0"/>
+        </a:xfrm>
+      </p:grpSpPr>
+      <p:sp>
+        <p:nvSpPr>
+          <p:cNvPr id="2" name="Title 1">
+            <a:extLst>
+              <a:ext uri="{FF2B5EF4-FFF2-40B4-BE49-F238E27FC236}">
+                <a16:creationId xmlns:a16="http://schemas.microsoft.com/office/drawing/2014/main" id="{D63C04CD-2329-4D47-84D9-12CB3EDD9F46}"/>
+              </a:ext>
+            </a:extLst>
+          </p:cNvPr>
+          <p:cNvSpPr>
+            <a:spLocks noGrp="1"/>
+          </p:cNvSpPr>
+          <p:nvPr>
+            <p:ph type="title"/>
+          </p:nvPr>
+        </p:nvSpPr>
+        <p:spPr>
+          <a:xfrm>
+            <a:off x="1141413" y="125537"/>
+            <a:ext cx="9905998" cy="860425"/>
+          </a:xfrm>
+        </p:spPr>
+        <p:txBody>
+          <a:bodyPr/>
+          <a:lstStyle/>
+          <a:p>
+            <a:pPr algn="ctr"/>
+            <a:r>
+              <a:rPr lang="en-US" dirty="0" err="1"/>
+              <a:t>MultiTape</a:t>
+            </a:r>
+            <a:r>
+              <a:rPr lang="en-US" dirty="0"/>
+              <a:t> Turing Machine</a:t>
+            </a:r>
+          </a:p>
+        </p:txBody>
+      </p:sp>
+      <p:sp>
+        <p:nvSpPr>
+          <p:cNvPr id="3" name="Content Placeholder 2">
+            <a:extLst>
+              <a:ext uri="{FF2B5EF4-FFF2-40B4-BE49-F238E27FC236}">
+                <a16:creationId xmlns:a16="http://schemas.microsoft.com/office/drawing/2014/main" id="{14278F5F-F936-6145-9FF8-704886F1A386}"/>
+              </a:ext>
+            </a:extLst>
+          </p:cNvPr>
+          <p:cNvSpPr>
+            <a:spLocks noGrp="1"/>
+          </p:cNvSpPr>
+          <p:nvPr>
+            <p:ph idx="1"/>
+          </p:nvPr>
+        </p:nvSpPr>
+        <p:spPr>
+          <a:xfrm>
+            <a:off x="1141412" y="1559371"/>
+            <a:ext cx="9905999" cy="1089328"/>
+          </a:xfrm>
+          <a:solidFill>
+            <a:schemeClr val="tx1">
+              <a:lumMod val="95000"/>
+            </a:schemeClr>
+          </a:solidFill>
+        </p:spPr>
+        <p:txBody>
+          <a:bodyPr/>
+          <a:lstStyle/>
+          <a:p>
+            <a:pPr marL="0" indent="0">
+              <a:buNone/>
+            </a:pPr>
+            <a:r>
+              <a:rPr lang="en-US" dirty="0" err="1">
+                <a:solidFill>
+                  <a:schemeClr val="bg1"/>
+                </a:solidFill>
+              </a:rPr>
+              <a:t>MultiTape</a:t>
+            </a:r>
+            <a:r>
+              <a:rPr lang="en-US" dirty="0">
+                <a:solidFill>
+                  <a:schemeClr val="bg1"/>
+                </a:solidFill>
+              </a:rPr>
+              <a:t> TMs are equivalent to traditional TMs</a:t>
+            </a:r>
+          </a:p>
+        </p:txBody>
+      </p:sp>
+      <p:sp>
+        <p:nvSpPr>
+          <p:cNvPr id="6" name="Content Placeholder 2">
+            <a:extLst>
+              <a:ext uri="{FF2B5EF4-FFF2-40B4-BE49-F238E27FC236}">
+                <a16:creationId xmlns:a16="http://schemas.microsoft.com/office/drawing/2014/main" id="{D1AB4AE0-9143-C34D-B965-4033C921D6B5}"/>
+              </a:ext>
+            </a:extLst>
+          </p:cNvPr>
+          <p:cNvSpPr txBox="1">
+            <a:spLocks/>
+          </p:cNvSpPr>
+          <p:nvPr/>
+        </p:nvSpPr>
+        <p:spPr>
+          <a:xfrm>
+            <a:off x="1141412" y="2888722"/>
+            <a:ext cx="9905999" cy="1089328"/>
+          </a:xfrm>
+          <a:prstGeom prst="rect">
+            <a:avLst/>
+          </a:prstGeom>
+          <a:noFill/>
+        </p:spPr>
+        <p:txBody>
+          <a:bodyPr vert="horz" lIns="91440" tIns="45720" rIns="91440" bIns="45720" rtlCol="0">
+            <a:normAutofit/>
+          </a:bodyPr>
+          <a:lstStyle>
+            <a:lvl1pPr marL="228600" indent="-228600" algn="l" defTabSz="914400" rtl="0" eaLnBrk="1" latinLnBrk="0" hangingPunct="1">
+              <a:lnSpc>
+                <a:spcPct val="120000"/>
+              </a:lnSpc>
+              <a:spcBef>
+                <a:spcPts val="1000"/>
+              </a:spcBef>
+              <a:buSzPct val="125000"/>
+              <a:buFont typeface="Arial" panose="020B0604020202020204" pitchFamily="34" charset="0"/>
+              <a:buChar char="•"/>
+              <a:defRPr sz="2400" kern="1200">
+                <a:solidFill>
+                  <a:schemeClr val="tx1"/>
+                </a:solidFill>
+                <a:latin typeface="+mn-lt"/>
+                <a:ea typeface="+mn-ea"/>
+                <a:cs typeface="+mn-cs"/>
+              </a:defRPr>
+            </a:lvl1pPr>
+            <a:lvl2pPr marL="685800" indent="-228600" algn="l" defTabSz="914400" rtl="0" eaLnBrk="1" latinLnBrk="0" hangingPunct="1">
+              <a:lnSpc>
+                <a:spcPct val="120000"/>
+              </a:lnSpc>
+              <a:spcBef>
+                <a:spcPts val="500"/>
+              </a:spcBef>
+              <a:buSzPct val="125000"/>
+              <a:buFont typeface="Arial" panose="020B0604020202020204" pitchFamily="34" charset="0"/>
+              <a:buChar char="•"/>
+              <a:defRPr sz="2000" kern="1200">
+                <a:solidFill>
+                  <a:schemeClr val="tx1"/>
+                </a:solidFill>
+                <a:latin typeface="+mn-lt"/>
+                <a:ea typeface="+mn-ea"/>
+                <a:cs typeface="+mn-cs"/>
+              </a:defRPr>
+            </a:lvl2pPr>
+            <a:lvl3pPr marL="1143000" indent="-228600" algn="l" defTabSz="914400" rtl="0" eaLnBrk="1" latinLnBrk="0" hangingPunct="1">
+              <a:lnSpc>
+                <a:spcPct val="120000"/>
+              </a:lnSpc>
+              <a:spcBef>
+                <a:spcPts val="500"/>
+              </a:spcBef>
+              <a:buSzPct val="125000"/>
+              <a:buFont typeface="Arial" panose="020B0604020202020204" pitchFamily="34" charset="0"/>
+              <a:buChar char="•"/>
+              <a:defRPr sz="1800" kern="1200">
+                <a:solidFill>
+                  <a:schemeClr val="tx1"/>
+                </a:solidFill>
+                <a:latin typeface="+mn-lt"/>
+                <a:ea typeface="+mn-ea"/>
+                <a:cs typeface="+mn-cs"/>
+              </a:defRPr>
+            </a:lvl3pPr>
+            <a:lvl4pPr marL="1600200" indent="-228600" algn="l" defTabSz="914400" rtl="0" eaLnBrk="1" latinLnBrk="0" hangingPunct="1">
+              <a:lnSpc>
+                <a:spcPct val="120000"/>
+              </a:lnSpc>
+              <a:spcBef>
+                <a:spcPts val="500"/>
+              </a:spcBef>
+              <a:buSzPct val="125000"/>
+              <a:buFont typeface="Arial" panose="020B0604020202020204" pitchFamily="34" charset="0"/>
+              <a:buChar char="•"/>
+              <a:defRPr sz="1600" kern="1200">
+                <a:solidFill>
+                  <a:schemeClr val="tx1"/>
+                </a:solidFill>
+                <a:latin typeface="+mn-lt"/>
+                <a:ea typeface="+mn-ea"/>
+                <a:cs typeface="+mn-cs"/>
+              </a:defRPr>
+            </a:lvl4pPr>
+            <a:lvl5pPr marL="2057400" indent="-228600" algn="l" defTabSz="914400" rtl="0" eaLnBrk="1" latinLnBrk="0" hangingPunct="1">
+              <a:lnSpc>
+                <a:spcPct val="120000"/>
+              </a:lnSpc>
+              <a:spcBef>
+                <a:spcPts val="500"/>
+              </a:spcBef>
+              <a:buSzPct val="125000"/>
+              <a:buFont typeface="Arial" panose="020B0604020202020204" pitchFamily="34" charset="0"/>
+              <a:buChar char="•"/>
+              <a:defRPr sz="1600" kern="1200">
+                <a:solidFill>
+                  <a:schemeClr val="tx1"/>
+                </a:solidFill>
+                <a:latin typeface="+mn-lt"/>
+                <a:ea typeface="+mn-ea"/>
+                <a:cs typeface="+mn-cs"/>
+              </a:defRPr>
+            </a:lvl5pPr>
+            <a:lvl6pPr marL="2514600" indent="-228600" algn="l" defTabSz="914400" rtl="0" eaLnBrk="1" latinLnBrk="0" hangingPunct="1">
+              <a:lnSpc>
+                <a:spcPct val="120000"/>
+              </a:lnSpc>
+              <a:spcBef>
+                <a:spcPts val="500"/>
+              </a:spcBef>
+              <a:buSzPct val="125000"/>
+              <a:buFont typeface="Arial" panose="020B0604020202020204" pitchFamily="34" charset="0"/>
+              <a:buChar char="•"/>
+              <a:defRPr sz="1400" kern="1200">
+                <a:solidFill>
+                  <a:schemeClr val="tx1"/>
+                </a:solidFill>
+                <a:latin typeface="+mn-lt"/>
+                <a:ea typeface="+mn-ea"/>
+                <a:cs typeface="+mn-cs"/>
+              </a:defRPr>
+            </a:lvl6pPr>
+            <a:lvl7pPr marL="2971800" indent="-228600" algn="l" defTabSz="914400" rtl="0" eaLnBrk="1" latinLnBrk="0" hangingPunct="1">
+              <a:lnSpc>
+                <a:spcPct val="120000"/>
+              </a:lnSpc>
+              <a:spcBef>
+                <a:spcPts val="500"/>
+              </a:spcBef>
+              <a:buSzPct val="125000"/>
+              <a:buFont typeface="Arial" panose="020B0604020202020204" pitchFamily="34" charset="0"/>
+              <a:buChar char="•"/>
+              <a:defRPr sz="1400" kern="1200">
+                <a:solidFill>
+                  <a:schemeClr val="tx1"/>
+                </a:solidFill>
+                <a:latin typeface="+mn-lt"/>
+                <a:ea typeface="+mn-ea"/>
+                <a:cs typeface="+mn-cs"/>
+              </a:defRPr>
+            </a:lvl7pPr>
+            <a:lvl8pPr marL="3429000" indent="-228600" algn="l" defTabSz="914400" rtl="0" eaLnBrk="1" latinLnBrk="0" hangingPunct="1">
+              <a:lnSpc>
+                <a:spcPct val="120000"/>
+              </a:lnSpc>
+              <a:spcBef>
+                <a:spcPts val="500"/>
+              </a:spcBef>
+              <a:buSzPct val="125000"/>
+              <a:buFont typeface="Arial" panose="020B0604020202020204" pitchFamily="34" charset="0"/>
+              <a:buChar char="•"/>
+              <a:defRPr sz="1400" kern="1200">
+                <a:solidFill>
+                  <a:schemeClr val="tx1"/>
+                </a:solidFill>
+                <a:latin typeface="+mn-lt"/>
+                <a:ea typeface="+mn-ea"/>
+                <a:cs typeface="+mn-cs"/>
+              </a:defRPr>
+            </a:lvl8pPr>
+            <a:lvl9pPr marL="3886200" indent="-228600" algn="l" defTabSz="914400" rtl="0" eaLnBrk="1" latinLnBrk="0" hangingPunct="1">
+              <a:lnSpc>
+                <a:spcPct val="120000"/>
+              </a:lnSpc>
+              <a:spcBef>
+                <a:spcPts val="500"/>
+              </a:spcBef>
+              <a:buSzPct val="125000"/>
+              <a:buFont typeface="Arial" panose="020B0604020202020204" pitchFamily="34" charset="0"/>
+              <a:buChar char="•"/>
+              <a:defRPr sz="1400" kern="1200">
+                <a:solidFill>
+                  <a:schemeClr val="tx1"/>
+                </a:solidFill>
+                <a:latin typeface="+mn-lt"/>
+                <a:ea typeface="+mn-ea"/>
+                <a:cs typeface="+mn-cs"/>
+              </a:defRPr>
+            </a:lvl9pPr>
+          </a:lstStyle>
+          <a:p>
+            <a:pPr marL="0" indent="0">
+              <a:buFont typeface="Arial" panose="020B0604020202020204" pitchFamily="34" charset="0"/>
+              <a:buNone/>
+            </a:pPr>
+            <a:r>
+              <a:rPr lang="en-US" dirty="0">
+                <a:solidFill>
+                  <a:schemeClr val="tx1">
+                    <a:lumMod val="95000"/>
+                  </a:schemeClr>
+                </a:solidFill>
+              </a:rPr>
+              <a:t>Proof in book</a:t>
+            </a:r>
+          </a:p>
+        </p:txBody>
+      </p:sp>
+    </p:spTree>
+    <p:extLst>
+      <p:ext uri="{BB962C8B-B14F-4D97-AF65-F5344CB8AC3E}">
+        <p14:creationId xmlns:p14="http://schemas.microsoft.com/office/powerpoint/2010/main" val="4079175610"/>
+      </p:ext>
+    </p:extLst>
+  </p:cSld>
+  <p:clrMapOvr>
+    <a:masterClrMapping/>
+  </p:clrMapOvr>
+</p:sld>
+</file>
+
+<file path=ppt/slides/slide21.xml><?xml version="1.0" encoding="utf-8"?>
+<p:sld xmlns:a="http://schemas.openxmlformats.org/drawingml/2006/main" xmlns:r="http://schemas.openxmlformats.org/officeDocument/2006/relationships" xmlns:p="http://schemas.openxmlformats.org/presentationml/2006/main">
+  <p:cSld>
+    <p:spTree>
+      <p:nvGrpSpPr>
+        <p:cNvPr id="1" name=""/>
+        <p:cNvGrpSpPr/>
+        <p:nvPr/>
+      </p:nvGrpSpPr>
+      <p:grpSpPr>
+        <a:xfrm>
+          <a:off x="0" y="0"/>
+          <a:ext cx="0" cy="0"/>
+          <a:chOff x="0" y="0"/>
+          <a:chExt cx="0" cy="0"/>
+        </a:xfrm>
+      </p:grpSpPr>
+      <p:sp>
+        <p:nvSpPr>
+          <p:cNvPr id="2" name="Title 1">
+            <a:extLst>
+              <a:ext uri="{FF2B5EF4-FFF2-40B4-BE49-F238E27FC236}">
+                <a16:creationId xmlns:a16="http://schemas.microsoft.com/office/drawing/2014/main" id="{D63C04CD-2329-4D47-84D9-12CB3EDD9F46}"/>
+              </a:ext>
+            </a:extLst>
+          </p:cNvPr>
+          <p:cNvSpPr>
+            <a:spLocks noGrp="1"/>
+          </p:cNvSpPr>
+          <p:nvPr>
+            <p:ph type="title"/>
+          </p:nvPr>
+        </p:nvSpPr>
+        <p:spPr>
+          <a:xfrm>
+            <a:off x="1141413" y="125537"/>
+            <a:ext cx="9905998" cy="860425"/>
+          </a:xfrm>
+        </p:spPr>
+        <p:txBody>
+          <a:bodyPr/>
+          <a:lstStyle/>
+          <a:p>
+            <a:pPr algn="ctr"/>
+            <a:r>
+              <a:rPr lang="en-US" dirty="0"/>
+              <a:t>Non-Deterministic Turing Machines (NTM)</a:t>
+            </a:r>
+          </a:p>
+        </p:txBody>
+      </p:sp>
+      <p:sp>
+        <p:nvSpPr>
+          <p:cNvPr id="3" name="Content Placeholder 2">
+            <a:extLst>
+              <a:ext uri="{FF2B5EF4-FFF2-40B4-BE49-F238E27FC236}">
+                <a16:creationId xmlns:a16="http://schemas.microsoft.com/office/drawing/2014/main" id="{14278F5F-F936-6145-9FF8-704886F1A386}"/>
+              </a:ext>
+            </a:extLst>
+          </p:cNvPr>
+          <p:cNvSpPr>
+            <a:spLocks noGrp="1"/>
+          </p:cNvSpPr>
+          <p:nvPr>
+            <p:ph idx="1"/>
+          </p:nvPr>
+        </p:nvSpPr>
+        <p:spPr>
+          <a:xfrm>
+            <a:off x="1141412" y="1559371"/>
+            <a:ext cx="9905999" cy="1089328"/>
+          </a:xfrm>
+          <a:solidFill>
+            <a:schemeClr val="tx1">
+              <a:lumMod val="95000"/>
+            </a:schemeClr>
+          </a:solidFill>
+        </p:spPr>
+        <p:txBody>
+          <a:bodyPr/>
+          <a:lstStyle/>
+          <a:p>
+            <a:pPr marL="0" indent="0">
+              <a:buNone/>
+            </a:pPr>
+            <a:r>
+              <a:rPr lang="en-US" dirty="0">
+                <a:solidFill>
+                  <a:schemeClr val="bg1"/>
+                </a:solidFill>
+              </a:rPr>
+              <a:t>Same as DFA to NFA. TM can be in multiple states at once.</a:t>
+            </a:r>
+          </a:p>
+        </p:txBody>
+      </p:sp>
+      <p:sp>
+        <p:nvSpPr>
+          <p:cNvPr id="6" name="Content Placeholder 2">
+            <a:extLst>
+              <a:ext uri="{FF2B5EF4-FFF2-40B4-BE49-F238E27FC236}">
+                <a16:creationId xmlns:a16="http://schemas.microsoft.com/office/drawing/2014/main" id="{D1AB4AE0-9143-C34D-B965-4033C921D6B5}"/>
+              </a:ext>
+            </a:extLst>
+          </p:cNvPr>
+          <p:cNvSpPr txBox="1">
+            <a:spLocks/>
+          </p:cNvSpPr>
+          <p:nvPr/>
+        </p:nvSpPr>
+        <p:spPr>
+          <a:xfrm>
+            <a:off x="1141412" y="2888722"/>
+            <a:ext cx="9905999" cy="1089328"/>
+          </a:xfrm>
+          <a:prstGeom prst="rect">
+            <a:avLst/>
+          </a:prstGeom>
+          <a:noFill/>
+        </p:spPr>
+        <p:txBody>
+          <a:bodyPr vert="horz" lIns="91440" tIns="45720" rIns="91440" bIns="45720" rtlCol="0">
+            <a:normAutofit/>
+          </a:bodyPr>
+          <a:lstStyle>
+            <a:lvl1pPr marL="228600" indent="-228600" algn="l" defTabSz="914400" rtl="0" eaLnBrk="1" latinLnBrk="0" hangingPunct="1">
+              <a:lnSpc>
+                <a:spcPct val="120000"/>
+              </a:lnSpc>
+              <a:spcBef>
+                <a:spcPts val="1000"/>
+              </a:spcBef>
+              <a:buSzPct val="125000"/>
+              <a:buFont typeface="Arial" panose="020B0604020202020204" pitchFamily="34" charset="0"/>
+              <a:buChar char="•"/>
+              <a:defRPr sz="2400" kern="1200">
+                <a:solidFill>
+                  <a:schemeClr val="tx1"/>
+                </a:solidFill>
+                <a:latin typeface="+mn-lt"/>
+                <a:ea typeface="+mn-ea"/>
+                <a:cs typeface="+mn-cs"/>
+              </a:defRPr>
+            </a:lvl1pPr>
+            <a:lvl2pPr marL="685800" indent="-228600" algn="l" defTabSz="914400" rtl="0" eaLnBrk="1" latinLnBrk="0" hangingPunct="1">
+              <a:lnSpc>
+                <a:spcPct val="120000"/>
+              </a:lnSpc>
+              <a:spcBef>
+                <a:spcPts val="500"/>
+              </a:spcBef>
+              <a:buSzPct val="125000"/>
+              <a:buFont typeface="Arial" panose="020B0604020202020204" pitchFamily="34" charset="0"/>
+              <a:buChar char="•"/>
+              <a:defRPr sz="2000" kern="1200">
+                <a:solidFill>
+                  <a:schemeClr val="tx1"/>
+                </a:solidFill>
+                <a:latin typeface="+mn-lt"/>
+                <a:ea typeface="+mn-ea"/>
+                <a:cs typeface="+mn-cs"/>
+              </a:defRPr>
+            </a:lvl2pPr>
+            <a:lvl3pPr marL="1143000" indent="-228600" algn="l" defTabSz="914400" rtl="0" eaLnBrk="1" latinLnBrk="0" hangingPunct="1">
+              <a:lnSpc>
+                <a:spcPct val="120000"/>
+              </a:lnSpc>
+              <a:spcBef>
+                <a:spcPts val="500"/>
+              </a:spcBef>
+              <a:buSzPct val="125000"/>
+              <a:buFont typeface="Arial" panose="020B0604020202020204" pitchFamily="34" charset="0"/>
+              <a:buChar char="•"/>
+              <a:defRPr sz="1800" kern="1200">
+                <a:solidFill>
+                  <a:schemeClr val="tx1"/>
+                </a:solidFill>
+                <a:latin typeface="+mn-lt"/>
+                <a:ea typeface="+mn-ea"/>
+                <a:cs typeface="+mn-cs"/>
+              </a:defRPr>
+            </a:lvl3pPr>
+            <a:lvl4pPr marL="1600200" indent="-228600" algn="l" defTabSz="914400" rtl="0" eaLnBrk="1" latinLnBrk="0" hangingPunct="1">
+              <a:lnSpc>
+                <a:spcPct val="120000"/>
+              </a:lnSpc>
+              <a:spcBef>
+                <a:spcPts val="500"/>
+              </a:spcBef>
+              <a:buSzPct val="125000"/>
+              <a:buFont typeface="Arial" panose="020B0604020202020204" pitchFamily="34" charset="0"/>
+              <a:buChar char="•"/>
+              <a:defRPr sz="1600" kern="1200">
+                <a:solidFill>
+                  <a:schemeClr val="tx1"/>
+                </a:solidFill>
+                <a:latin typeface="+mn-lt"/>
+                <a:ea typeface="+mn-ea"/>
+                <a:cs typeface="+mn-cs"/>
+              </a:defRPr>
+            </a:lvl4pPr>
+            <a:lvl5pPr marL="2057400" indent="-228600" algn="l" defTabSz="914400" rtl="0" eaLnBrk="1" latinLnBrk="0" hangingPunct="1">
+              <a:lnSpc>
+                <a:spcPct val="120000"/>
+              </a:lnSpc>
+              <a:spcBef>
+                <a:spcPts val="500"/>
+              </a:spcBef>
+              <a:buSzPct val="125000"/>
+              <a:buFont typeface="Arial" panose="020B0604020202020204" pitchFamily="34" charset="0"/>
+              <a:buChar char="•"/>
+              <a:defRPr sz="1600" kern="1200">
+                <a:solidFill>
+                  <a:schemeClr val="tx1"/>
+                </a:solidFill>
+                <a:latin typeface="+mn-lt"/>
+                <a:ea typeface="+mn-ea"/>
+                <a:cs typeface="+mn-cs"/>
+              </a:defRPr>
+            </a:lvl5pPr>
+            <a:lvl6pPr marL="2514600" indent="-228600" algn="l" defTabSz="914400" rtl="0" eaLnBrk="1" latinLnBrk="0" hangingPunct="1">
+              <a:lnSpc>
+                <a:spcPct val="120000"/>
+              </a:lnSpc>
+              <a:spcBef>
+                <a:spcPts val="500"/>
+              </a:spcBef>
+              <a:buSzPct val="125000"/>
+              <a:buFont typeface="Arial" panose="020B0604020202020204" pitchFamily="34" charset="0"/>
+              <a:buChar char="•"/>
+              <a:defRPr sz="1400" kern="1200">
+                <a:solidFill>
+                  <a:schemeClr val="tx1"/>
+                </a:solidFill>
+                <a:latin typeface="+mn-lt"/>
+                <a:ea typeface="+mn-ea"/>
+                <a:cs typeface="+mn-cs"/>
+              </a:defRPr>
+            </a:lvl6pPr>
+            <a:lvl7pPr marL="2971800" indent="-228600" algn="l" defTabSz="914400" rtl="0" eaLnBrk="1" latinLnBrk="0" hangingPunct="1">
+              <a:lnSpc>
+                <a:spcPct val="120000"/>
+              </a:lnSpc>
+              <a:spcBef>
+                <a:spcPts val="500"/>
+              </a:spcBef>
+              <a:buSzPct val="125000"/>
+              <a:buFont typeface="Arial" panose="020B0604020202020204" pitchFamily="34" charset="0"/>
+              <a:buChar char="•"/>
+              <a:defRPr sz="1400" kern="1200">
+                <a:solidFill>
+                  <a:schemeClr val="tx1"/>
+                </a:solidFill>
+                <a:latin typeface="+mn-lt"/>
+                <a:ea typeface="+mn-ea"/>
+                <a:cs typeface="+mn-cs"/>
+              </a:defRPr>
+            </a:lvl7pPr>
+            <a:lvl8pPr marL="3429000" indent="-228600" algn="l" defTabSz="914400" rtl="0" eaLnBrk="1" latinLnBrk="0" hangingPunct="1">
+              <a:lnSpc>
+                <a:spcPct val="120000"/>
+              </a:lnSpc>
+              <a:spcBef>
+                <a:spcPts val="500"/>
+              </a:spcBef>
+              <a:buSzPct val="125000"/>
+              <a:buFont typeface="Arial" panose="020B0604020202020204" pitchFamily="34" charset="0"/>
+              <a:buChar char="•"/>
+              <a:defRPr sz="1400" kern="1200">
+                <a:solidFill>
+                  <a:schemeClr val="tx1"/>
+                </a:solidFill>
+                <a:latin typeface="+mn-lt"/>
+                <a:ea typeface="+mn-ea"/>
+                <a:cs typeface="+mn-cs"/>
+              </a:defRPr>
+            </a:lvl8pPr>
+            <a:lvl9pPr marL="3886200" indent="-228600" algn="l" defTabSz="914400" rtl="0" eaLnBrk="1" latinLnBrk="0" hangingPunct="1">
+              <a:lnSpc>
+                <a:spcPct val="120000"/>
+              </a:lnSpc>
+              <a:spcBef>
+                <a:spcPts val="500"/>
+              </a:spcBef>
+              <a:buSzPct val="125000"/>
+              <a:buFont typeface="Arial" panose="020B0604020202020204" pitchFamily="34" charset="0"/>
+              <a:buChar char="•"/>
+              <a:defRPr sz="1400" kern="1200">
+                <a:solidFill>
+                  <a:schemeClr val="tx1"/>
+                </a:solidFill>
+                <a:latin typeface="+mn-lt"/>
+                <a:ea typeface="+mn-ea"/>
+                <a:cs typeface="+mn-cs"/>
+              </a:defRPr>
+            </a:lvl9pPr>
+          </a:lstStyle>
+          <a:p>
+            <a:pPr marL="0" indent="0">
+              <a:buFont typeface="Arial" panose="020B0604020202020204" pitchFamily="34" charset="0"/>
+              <a:buNone/>
+            </a:pPr>
+            <a:r>
+              <a:rPr lang="en-US" dirty="0">
+                <a:solidFill>
+                  <a:schemeClr val="tx1">
+                    <a:lumMod val="95000"/>
+                  </a:schemeClr>
+                </a:solidFill>
+              </a:rPr>
+              <a:t>Proof in book</a:t>
+            </a:r>
+          </a:p>
+        </p:txBody>
+      </p:sp>
+    </p:spTree>
+    <p:extLst>
+      <p:ext uri="{BB962C8B-B14F-4D97-AF65-F5344CB8AC3E}">
+        <p14:creationId xmlns:p14="http://schemas.microsoft.com/office/powerpoint/2010/main" val="3780317058"/>
+      </p:ext>
+    </p:extLst>
+  </p:cSld>
+  <p:clrMapOvr>
+    <a:masterClrMapping/>
+  </p:clrMapOvr>
+</p:sld>
+</file>
+
+<file path=ppt/slides/slide22.xml><?xml version="1.0" encoding="utf-8"?>
+<p:sld xmlns:a="http://schemas.openxmlformats.org/drawingml/2006/main" xmlns:r="http://schemas.openxmlformats.org/officeDocument/2006/relationships" xmlns:p="http://schemas.openxmlformats.org/presentationml/2006/main">
+  <p:cSld>
+    <p:spTree>
+      <p:nvGrpSpPr>
+        <p:cNvPr id="1" name=""/>
+        <p:cNvGrpSpPr/>
+        <p:nvPr/>
+      </p:nvGrpSpPr>
+      <p:grpSpPr>
+        <a:xfrm>
+          <a:off x="0" y="0"/>
+          <a:ext cx="0" cy="0"/>
+          <a:chOff x="0" y="0"/>
+          <a:chExt cx="0" cy="0"/>
+        </a:xfrm>
+      </p:grpSpPr>
+      <p:sp>
+        <p:nvSpPr>
+          <p:cNvPr id="2" name="Title 1">
+            <a:extLst>
+              <a:ext uri="{FF2B5EF4-FFF2-40B4-BE49-F238E27FC236}">
+                <a16:creationId xmlns:a16="http://schemas.microsoft.com/office/drawing/2014/main" id="{D63C04CD-2329-4D47-84D9-12CB3EDD9F46}"/>
+              </a:ext>
+            </a:extLst>
+          </p:cNvPr>
+          <p:cNvSpPr>
+            <a:spLocks noGrp="1"/>
+          </p:cNvSpPr>
+          <p:nvPr>
+            <p:ph type="title"/>
+          </p:nvPr>
+        </p:nvSpPr>
+        <p:spPr>
+          <a:xfrm>
+            <a:off x="1141413" y="125537"/>
+            <a:ext cx="9905998" cy="860425"/>
+          </a:xfrm>
+        </p:spPr>
+        <p:txBody>
+          <a:bodyPr/>
+          <a:lstStyle/>
+          <a:p>
+            <a:pPr algn="ctr"/>
+            <a:r>
+              <a:rPr lang="en-US" dirty="0"/>
+              <a:t>NTM versus DTM</a:t>
+            </a:r>
+          </a:p>
+        </p:txBody>
+      </p:sp>
+      <p:sp>
+        <p:nvSpPr>
+          <p:cNvPr id="3" name="Content Placeholder 2">
+            <a:extLst>
+              <a:ext uri="{FF2B5EF4-FFF2-40B4-BE49-F238E27FC236}">
+                <a16:creationId xmlns:a16="http://schemas.microsoft.com/office/drawing/2014/main" id="{14278F5F-F936-6145-9FF8-704886F1A386}"/>
+              </a:ext>
+            </a:extLst>
+          </p:cNvPr>
+          <p:cNvSpPr>
+            <a:spLocks noGrp="1"/>
+          </p:cNvSpPr>
+          <p:nvPr>
+            <p:ph idx="1"/>
+          </p:nvPr>
+        </p:nvSpPr>
+        <p:spPr>
+          <a:xfrm>
+            <a:off x="1141412" y="1559371"/>
+            <a:ext cx="9905999" cy="1089328"/>
+          </a:xfrm>
+          <a:solidFill>
+            <a:schemeClr val="tx1">
+              <a:lumMod val="95000"/>
+            </a:schemeClr>
+          </a:solidFill>
+        </p:spPr>
+        <p:txBody>
+          <a:bodyPr/>
+          <a:lstStyle/>
+          <a:p>
+            <a:pPr marL="0" indent="0">
+              <a:buNone/>
+            </a:pPr>
+            <a:r>
+              <a:rPr lang="en-US" dirty="0">
+                <a:solidFill>
+                  <a:schemeClr val="bg1"/>
+                </a:solidFill>
+              </a:rPr>
+              <a:t>Theorem: Every NTM has an equivalent DTM</a:t>
+            </a:r>
+          </a:p>
+        </p:txBody>
+      </p:sp>
+      <p:sp>
+        <p:nvSpPr>
+          <p:cNvPr id="6" name="Content Placeholder 2">
+            <a:extLst>
+              <a:ext uri="{FF2B5EF4-FFF2-40B4-BE49-F238E27FC236}">
+                <a16:creationId xmlns:a16="http://schemas.microsoft.com/office/drawing/2014/main" id="{D1AB4AE0-9143-C34D-B965-4033C921D6B5}"/>
+              </a:ext>
+            </a:extLst>
+          </p:cNvPr>
+          <p:cNvSpPr txBox="1">
+            <a:spLocks/>
+          </p:cNvSpPr>
+          <p:nvPr/>
+        </p:nvSpPr>
+        <p:spPr>
+          <a:xfrm>
+            <a:off x="1141412" y="2888722"/>
+            <a:ext cx="9905999" cy="1089328"/>
+          </a:xfrm>
+          <a:prstGeom prst="rect">
+            <a:avLst/>
+          </a:prstGeom>
+          <a:noFill/>
+        </p:spPr>
+        <p:txBody>
+          <a:bodyPr vert="horz" lIns="91440" tIns="45720" rIns="91440" bIns="45720" rtlCol="0">
+            <a:normAutofit/>
+          </a:bodyPr>
+          <a:lstStyle>
+            <a:lvl1pPr marL="228600" indent="-228600" algn="l" defTabSz="914400" rtl="0" eaLnBrk="1" latinLnBrk="0" hangingPunct="1">
+              <a:lnSpc>
+                <a:spcPct val="120000"/>
+              </a:lnSpc>
+              <a:spcBef>
+                <a:spcPts val="1000"/>
+              </a:spcBef>
+              <a:buSzPct val="125000"/>
+              <a:buFont typeface="Arial" panose="020B0604020202020204" pitchFamily="34" charset="0"/>
+              <a:buChar char="•"/>
+              <a:defRPr sz="2400" kern="1200">
+                <a:solidFill>
+                  <a:schemeClr val="tx1"/>
+                </a:solidFill>
+                <a:latin typeface="+mn-lt"/>
+                <a:ea typeface="+mn-ea"/>
+                <a:cs typeface="+mn-cs"/>
+              </a:defRPr>
+            </a:lvl1pPr>
+            <a:lvl2pPr marL="685800" indent="-228600" algn="l" defTabSz="914400" rtl="0" eaLnBrk="1" latinLnBrk="0" hangingPunct="1">
+              <a:lnSpc>
+                <a:spcPct val="120000"/>
+              </a:lnSpc>
+              <a:spcBef>
+                <a:spcPts val="500"/>
+              </a:spcBef>
+              <a:buSzPct val="125000"/>
+              <a:buFont typeface="Arial" panose="020B0604020202020204" pitchFamily="34" charset="0"/>
+              <a:buChar char="•"/>
+              <a:defRPr sz="2000" kern="1200">
+                <a:solidFill>
+                  <a:schemeClr val="tx1"/>
+                </a:solidFill>
+                <a:latin typeface="+mn-lt"/>
+                <a:ea typeface="+mn-ea"/>
+                <a:cs typeface="+mn-cs"/>
+              </a:defRPr>
+            </a:lvl2pPr>
+            <a:lvl3pPr marL="1143000" indent="-228600" algn="l" defTabSz="914400" rtl="0" eaLnBrk="1" latinLnBrk="0" hangingPunct="1">
+              <a:lnSpc>
+                <a:spcPct val="120000"/>
+              </a:lnSpc>
+              <a:spcBef>
+                <a:spcPts val="500"/>
+              </a:spcBef>
+              <a:buSzPct val="125000"/>
+              <a:buFont typeface="Arial" panose="020B0604020202020204" pitchFamily="34" charset="0"/>
+              <a:buChar char="•"/>
+              <a:defRPr sz="1800" kern="1200">
+                <a:solidFill>
+                  <a:schemeClr val="tx1"/>
+                </a:solidFill>
+                <a:latin typeface="+mn-lt"/>
+                <a:ea typeface="+mn-ea"/>
+                <a:cs typeface="+mn-cs"/>
+              </a:defRPr>
+            </a:lvl3pPr>
+            <a:lvl4pPr marL="1600200" indent="-228600" algn="l" defTabSz="914400" rtl="0" eaLnBrk="1" latinLnBrk="0" hangingPunct="1">
+              <a:lnSpc>
+                <a:spcPct val="120000"/>
+              </a:lnSpc>
+              <a:spcBef>
+                <a:spcPts val="500"/>
+              </a:spcBef>
+              <a:buSzPct val="125000"/>
+              <a:buFont typeface="Arial" panose="020B0604020202020204" pitchFamily="34" charset="0"/>
+              <a:buChar char="•"/>
+              <a:defRPr sz="1600" kern="1200">
+                <a:solidFill>
+                  <a:schemeClr val="tx1"/>
+                </a:solidFill>
+                <a:latin typeface="+mn-lt"/>
+                <a:ea typeface="+mn-ea"/>
+                <a:cs typeface="+mn-cs"/>
+              </a:defRPr>
+            </a:lvl4pPr>
+            <a:lvl5pPr marL="2057400" indent="-228600" algn="l" defTabSz="914400" rtl="0" eaLnBrk="1" latinLnBrk="0" hangingPunct="1">
+              <a:lnSpc>
+                <a:spcPct val="120000"/>
+              </a:lnSpc>
+              <a:spcBef>
+                <a:spcPts val="500"/>
+              </a:spcBef>
+              <a:buSzPct val="125000"/>
+              <a:buFont typeface="Arial" panose="020B0604020202020204" pitchFamily="34" charset="0"/>
+              <a:buChar char="•"/>
+              <a:defRPr sz="1600" kern="1200">
+                <a:solidFill>
+                  <a:schemeClr val="tx1"/>
+                </a:solidFill>
+                <a:latin typeface="+mn-lt"/>
+                <a:ea typeface="+mn-ea"/>
+                <a:cs typeface="+mn-cs"/>
+              </a:defRPr>
+            </a:lvl5pPr>
+            <a:lvl6pPr marL="2514600" indent="-228600" algn="l" defTabSz="914400" rtl="0" eaLnBrk="1" latinLnBrk="0" hangingPunct="1">
+              <a:lnSpc>
+                <a:spcPct val="120000"/>
+              </a:lnSpc>
+              <a:spcBef>
+                <a:spcPts val="500"/>
+              </a:spcBef>
+              <a:buSzPct val="125000"/>
+              <a:buFont typeface="Arial" panose="020B0604020202020204" pitchFamily="34" charset="0"/>
+              <a:buChar char="•"/>
+              <a:defRPr sz="1400" kern="1200">
+                <a:solidFill>
+                  <a:schemeClr val="tx1"/>
+                </a:solidFill>
+                <a:latin typeface="+mn-lt"/>
+                <a:ea typeface="+mn-ea"/>
+                <a:cs typeface="+mn-cs"/>
+              </a:defRPr>
+            </a:lvl6pPr>
+            <a:lvl7pPr marL="2971800" indent="-228600" algn="l" defTabSz="914400" rtl="0" eaLnBrk="1" latinLnBrk="0" hangingPunct="1">
+              <a:lnSpc>
+                <a:spcPct val="120000"/>
+              </a:lnSpc>
+              <a:spcBef>
+                <a:spcPts val="500"/>
+              </a:spcBef>
+              <a:buSzPct val="125000"/>
+              <a:buFont typeface="Arial" panose="020B0604020202020204" pitchFamily="34" charset="0"/>
+              <a:buChar char="•"/>
+              <a:defRPr sz="1400" kern="1200">
+                <a:solidFill>
+                  <a:schemeClr val="tx1"/>
+                </a:solidFill>
+                <a:latin typeface="+mn-lt"/>
+                <a:ea typeface="+mn-ea"/>
+                <a:cs typeface="+mn-cs"/>
+              </a:defRPr>
+            </a:lvl7pPr>
+            <a:lvl8pPr marL="3429000" indent="-228600" algn="l" defTabSz="914400" rtl="0" eaLnBrk="1" latinLnBrk="0" hangingPunct="1">
+              <a:lnSpc>
+                <a:spcPct val="120000"/>
+              </a:lnSpc>
+              <a:spcBef>
+                <a:spcPts val="500"/>
+              </a:spcBef>
+              <a:buSzPct val="125000"/>
+              <a:buFont typeface="Arial" panose="020B0604020202020204" pitchFamily="34" charset="0"/>
+              <a:buChar char="•"/>
+              <a:defRPr sz="1400" kern="1200">
+                <a:solidFill>
+                  <a:schemeClr val="tx1"/>
+                </a:solidFill>
+                <a:latin typeface="+mn-lt"/>
+                <a:ea typeface="+mn-ea"/>
+                <a:cs typeface="+mn-cs"/>
+              </a:defRPr>
+            </a:lvl8pPr>
+            <a:lvl9pPr marL="3886200" indent="-228600" algn="l" defTabSz="914400" rtl="0" eaLnBrk="1" latinLnBrk="0" hangingPunct="1">
+              <a:lnSpc>
+                <a:spcPct val="120000"/>
+              </a:lnSpc>
+              <a:spcBef>
+                <a:spcPts val="500"/>
+              </a:spcBef>
+              <a:buSzPct val="125000"/>
+              <a:buFont typeface="Arial" panose="020B0604020202020204" pitchFamily="34" charset="0"/>
+              <a:buChar char="•"/>
+              <a:defRPr sz="1400" kern="1200">
+                <a:solidFill>
+                  <a:schemeClr val="tx1"/>
+                </a:solidFill>
+                <a:latin typeface="+mn-lt"/>
+                <a:ea typeface="+mn-ea"/>
+                <a:cs typeface="+mn-cs"/>
+              </a:defRPr>
+            </a:lvl9pPr>
+          </a:lstStyle>
+          <a:p>
+            <a:pPr marL="0" indent="0">
+              <a:buFont typeface="Arial" panose="020B0604020202020204" pitchFamily="34" charset="0"/>
+              <a:buNone/>
+            </a:pPr>
+            <a:r>
+              <a:rPr lang="en-US" dirty="0">
+                <a:solidFill>
+                  <a:schemeClr val="tx1">
+                    <a:lumMod val="95000"/>
+                  </a:schemeClr>
+                </a:solidFill>
+              </a:rPr>
+              <a:t>Proof in book</a:t>
+            </a:r>
+          </a:p>
+        </p:txBody>
+      </p:sp>
+    </p:spTree>
+    <p:extLst>
+      <p:ext uri="{BB962C8B-B14F-4D97-AF65-F5344CB8AC3E}">
+        <p14:creationId xmlns:p14="http://schemas.microsoft.com/office/powerpoint/2010/main" val="3466852436"/>
+      </p:ext>
+    </p:extLst>
+  </p:cSld>
+  <p:clrMapOvr>
+    <a:masterClrMapping/>
+  </p:clrMapOvr>
+</p:sld>
+</file>
+
+<file path=ppt/slides/slide23.xml><?xml version="1.0" encoding="utf-8"?>
+<p:sld xmlns:a="http://schemas.openxmlformats.org/drawingml/2006/main" xmlns:r="http://schemas.openxmlformats.org/officeDocument/2006/relationships" xmlns:p="http://schemas.openxmlformats.org/presentationml/2006/main">
+  <p:cSld>
+    <p:spTree>
+      <p:nvGrpSpPr>
+        <p:cNvPr id="1" name=""/>
+        <p:cNvGrpSpPr/>
+        <p:nvPr/>
+      </p:nvGrpSpPr>
+      <p:grpSpPr>
+        <a:xfrm>
+          <a:off x="0" y="0"/>
+          <a:ext cx="0" cy="0"/>
+          <a:chOff x="0" y="0"/>
+          <a:chExt cx="0" cy="0"/>
+        </a:xfrm>
+      </p:grpSpPr>
+      <p:sp>
+        <p:nvSpPr>
+          <p:cNvPr id="2" name="Title 1">
+            <a:extLst>
+              <a:ext uri="{FF2B5EF4-FFF2-40B4-BE49-F238E27FC236}">
+                <a16:creationId xmlns:a16="http://schemas.microsoft.com/office/drawing/2014/main" id="{D63C04CD-2329-4D47-84D9-12CB3EDD9F46}"/>
+              </a:ext>
+            </a:extLst>
+          </p:cNvPr>
+          <p:cNvSpPr>
+            <a:spLocks noGrp="1"/>
+          </p:cNvSpPr>
+          <p:nvPr>
+            <p:ph type="title"/>
+          </p:nvPr>
+        </p:nvSpPr>
+        <p:spPr>
+          <a:xfrm>
+            <a:off x="1141413" y="125537"/>
+            <a:ext cx="9905998" cy="860425"/>
+          </a:xfrm>
+        </p:spPr>
+        <p:txBody>
+          <a:bodyPr/>
+          <a:lstStyle/>
+          <a:p>
+            <a:pPr algn="ctr"/>
+            <a:r>
+              <a:rPr lang="en-US" dirty="0"/>
+              <a:t>NTM versus DTM</a:t>
+            </a:r>
+          </a:p>
+        </p:txBody>
+      </p:sp>
+      <p:sp>
+        <p:nvSpPr>
+          <p:cNvPr id="3" name="Content Placeholder 2">
+            <a:extLst>
+              <a:ext uri="{FF2B5EF4-FFF2-40B4-BE49-F238E27FC236}">
+                <a16:creationId xmlns:a16="http://schemas.microsoft.com/office/drawing/2014/main" id="{14278F5F-F936-6145-9FF8-704886F1A386}"/>
+              </a:ext>
+            </a:extLst>
+          </p:cNvPr>
+          <p:cNvSpPr>
+            <a:spLocks noGrp="1"/>
+          </p:cNvSpPr>
+          <p:nvPr>
+            <p:ph idx="1"/>
+          </p:nvPr>
+        </p:nvSpPr>
+        <p:spPr>
+          <a:xfrm>
+            <a:off x="1141412" y="1559371"/>
+            <a:ext cx="9905999" cy="1089328"/>
+          </a:xfrm>
+          <a:solidFill>
+            <a:schemeClr val="tx1">
+              <a:lumMod val="95000"/>
+            </a:schemeClr>
+          </a:solidFill>
+        </p:spPr>
+        <p:txBody>
+          <a:bodyPr/>
+          <a:lstStyle/>
+          <a:p>
+            <a:pPr marL="0" indent="0">
+              <a:buNone/>
+            </a:pPr>
+            <a:r>
+              <a:rPr lang="en-US" dirty="0">
+                <a:solidFill>
+                  <a:schemeClr val="bg1"/>
+                </a:solidFill>
+              </a:rPr>
+              <a:t>Theorem: A language is decidable if and only if some non-deterministic </a:t>
+            </a:r>
+            <a:r>
+              <a:rPr lang="en-US" dirty="0" err="1">
+                <a:solidFill>
+                  <a:schemeClr val="bg1"/>
+                </a:solidFill>
+              </a:rPr>
+              <a:t>turing</a:t>
+            </a:r>
+            <a:r>
+              <a:rPr lang="en-US" dirty="0">
+                <a:solidFill>
+                  <a:schemeClr val="bg1"/>
+                </a:solidFill>
+              </a:rPr>
+              <a:t> machine decides it.</a:t>
+            </a:r>
+          </a:p>
+        </p:txBody>
+      </p:sp>
+      <p:sp>
+        <p:nvSpPr>
+          <p:cNvPr id="6" name="Content Placeholder 2">
+            <a:extLst>
+              <a:ext uri="{FF2B5EF4-FFF2-40B4-BE49-F238E27FC236}">
+                <a16:creationId xmlns:a16="http://schemas.microsoft.com/office/drawing/2014/main" id="{D1AB4AE0-9143-C34D-B965-4033C921D6B5}"/>
+              </a:ext>
+            </a:extLst>
+          </p:cNvPr>
+          <p:cNvSpPr txBox="1">
+            <a:spLocks/>
+          </p:cNvSpPr>
+          <p:nvPr/>
+        </p:nvSpPr>
+        <p:spPr>
+          <a:xfrm>
+            <a:off x="1141412" y="2888722"/>
+            <a:ext cx="9905999" cy="1089328"/>
+          </a:xfrm>
+          <a:prstGeom prst="rect">
+            <a:avLst/>
+          </a:prstGeom>
+          <a:noFill/>
+        </p:spPr>
+        <p:txBody>
+          <a:bodyPr vert="horz" lIns="91440" tIns="45720" rIns="91440" bIns="45720" rtlCol="0">
+            <a:normAutofit/>
+          </a:bodyPr>
+          <a:lstStyle>
+            <a:lvl1pPr marL="228600" indent="-228600" algn="l" defTabSz="914400" rtl="0" eaLnBrk="1" latinLnBrk="0" hangingPunct="1">
+              <a:lnSpc>
+                <a:spcPct val="120000"/>
+              </a:lnSpc>
+              <a:spcBef>
+                <a:spcPts val="1000"/>
+              </a:spcBef>
+              <a:buSzPct val="125000"/>
+              <a:buFont typeface="Arial" panose="020B0604020202020204" pitchFamily="34" charset="0"/>
+              <a:buChar char="•"/>
+              <a:defRPr sz="2400" kern="1200">
+                <a:solidFill>
+                  <a:schemeClr val="tx1"/>
+                </a:solidFill>
+                <a:latin typeface="+mn-lt"/>
+                <a:ea typeface="+mn-ea"/>
+                <a:cs typeface="+mn-cs"/>
+              </a:defRPr>
+            </a:lvl1pPr>
+            <a:lvl2pPr marL="685800" indent="-228600" algn="l" defTabSz="914400" rtl="0" eaLnBrk="1" latinLnBrk="0" hangingPunct="1">
+              <a:lnSpc>
+                <a:spcPct val="120000"/>
+              </a:lnSpc>
+              <a:spcBef>
+                <a:spcPts val="500"/>
+              </a:spcBef>
+              <a:buSzPct val="125000"/>
+              <a:buFont typeface="Arial" panose="020B0604020202020204" pitchFamily="34" charset="0"/>
+              <a:buChar char="•"/>
+              <a:defRPr sz="2000" kern="1200">
+                <a:solidFill>
+                  <a:schemeClr val="tx1"/>
+                </a:solidFill>
+                <a:latin typeface="+mn-lt"/>
+                <a:ea typeface="+mn-ea"/>
+                <a:cs typeface="+mn-cs"/>
+              </a:defRPr>
+            </a:lvl2pPr>
+            <a:lvl3pPr marL="1143000" indent="-228600" algn="l" defTabSz="914400" rtl="0" eaLnBrk="1" latinLnBrk="0" hangingPunct="1">
+              <a:lnSpc>
+                <a:spcPct val="120000"/>
+              </a:lnSpc>
+              <a:spcBef>
+                <a:spcPts val="500"/>
+              </a:spcBef>
+              <a:buSzPct val="125000"/>
+              <a:buFont typeface="Arial" panose="020B0604020202020204" pitchFamily="34" charset="0"/>
+              <a:buChar char="•"/>
+              <a:defRPr sz="1800" kern="1200">
+                <a:solidFill>
+                  <a:schemeClr val="tx1"/>
+                </a:solidFill>
+                <a:latin typeface="+mn-lt"/>
+                <a:ea typeface="+mn-ea"/>
+                <a:cs typeface="+mn-cs"/>
+              </a:defRPr>
+            </a:lvl3pPr>
+            <a:lvl4pPr marL="1600200" indent="-228600" algn="l" defTabSz="914400" rtl="0" eaLnBrk="1" latinLnBrk="0" hangingPunct="1">
+              <a:lnSpc>
+                <a:spcPct val="120000"/>
+              </a:lnSpc>
+              <a:spcBef>
+                <a:spcPts val="500"/>
+              </a:spcBef>
+              <a:buSzPct val="125000"/>
+              <a:buFont typeface="Arial" panose="020B0604020202020204" pitchFamily="34" charset="0"/>
+              <a:buChar char="•"/>
+              <a:defRPr sz="1600" kern="1200">
+                <a:solidFill>
+                  <a:schemeClr val="tx1"/>
+                </a:solidFill>
+                <a:latin typeface="+mn-lt"/>
+                <a:ea typeface="+mn-ea"/>
+                <a:cs typeface="+mn-cs"/>
+              </a:defRPr>
+            </a:lvl4pPr>
+            <a:lvl5pPr marL="2057400" indent="-228600" algn="l" defTabSz="914400" rtl="0" eaLnBrk="1" latinLnBrk="0" hangingPunct="1">
+              <a:lnSpc>
+                <a:spcPct val="120000"/>
+              </a:lnSpc>
+              <a:spcBef>
+                <a:spcPts val="500"/>
+              </a:spcBef>
+              <a:buSzPct val="125000"/>
+              <a:buFont typeface="Arial" panose="020B0604020202020204" pitchFamily="34" charset="0"/>
+              <a:buChar char="•"/>
+              <a:defRPr sz="1600" kern="1200">
+                <a:solidFill>
+                  <a:schemeClr val="tx1"/>
+                </a:solidFill>
+                <a:latin typeface="+mn-lt"/>
+                <a:ea typeface="+mn-ea"/>
+                <a:cs typeface="+mn-cs"/>
+              </a:defRPr>
+            </a:lvl5pPr>
+            <a:lvl6pPr marL="2514600" indent="-228600" algn="l" defTabSz="914400" rtl="0" eaLnBrk="1" latinLnBrk="0" hangingPunct="1">
+              <a:lnSpc>
+                <a:spcPct val="120000"/>
+              </a:lnSpc>
+              <a:spcBef>
+                <a:spcPts val="500"/>
+              </a:spcBef>
+              <a:buSzPct val="125000"/>
+              <a:buFont typeface="Arial" panose="020B0604020202020204" pitchFamily="34" charset="0"/>
+              <a:buChar char="•"/>
+              <a:defRPr sz="1400" kern="1200">
+                <a:solidFill>
+                  <a:schemeClr val="tx1"/>
+                </a:solidFill>
+                <a:latin typeface="+mn-lt"/>
+                <a:ea typeface="+mn-ea"/>
+                <a:cs typeface="+mn-cs"/>
+              </a:defRPr>
+            </a:lvl6pPr>
+            <a:lvl7pPr marL="2971800" indent="-228600" algn="l" defTabSz="914400" rtl="0" eaLnBrk="1" latinLnBrk="0" hangingPunct="1">
+              <a:lnSpc>
+                <a:spcPct val="120000"/>
+              </a:lnSpc>
+              <a:spcBef>
+                <a:spcPts val="500"/>
+              </a:spcBef>
+              <a:buSzPct val="125000"/>
+              <a:buFont typeface="Arial" panose="020B0604020202020204" pitchFamily="34" charset="0"/>
+              <a:buChar char="•"/>
+              <a:defRPr sz="1400" kern="1200">
+                <a:solidFill>
+                  <a:schemeClr val="tx1"/>
+                </a:solidFill>
+                <a:latin typeface="+mn-lt"/>
+                <a:ea typeface="+mn-ea"/>
+                <a:cs typeface="+mn-cs"/>
+              </a:defRPr>
+            </a:lvl7pPr>
+            <a:lvl8pPr marL="3429000" indent="-228600" algn="l" defTabSz="914400" rtl="0" eaLnBrk="1" latinLnBrk="0" hangingPunct="1">
+              <a:lnSpc>
+                <a:spcPct val="120000"/>
+              </a:lnSpc>
+              <a:spcBef>
+                <a:spcPts val="500"/>
+              </a:spcBef>
+              <a:buSzPct val="125000"/>
+              <a:buFont typeface="Arial" panose="020B0604020202020204" pitchFamily="34" charset="0"/>
+              <a:buChar char="•"/>
+              <a:defRPr sz="1400" kern="1200">
+                <a:solidFill>
+                  <a:schemeClr val="tx1"/>
+                </a:solidFill>
+                <a:latin typeface="+mn-lt"/>
+                <a:ea typeface="+mn-ea"/>
+                <a:cs typeface="+mn-cs"/>
+              </a:defRPr>
+            </a:lvl8pPr>
+            <a:lvl9pPr marL="3886200" indent="-228600" algn="l" defTabSz="914400" rtl="0" eaLnBrk="1" latinLnBrk="0" hangingPunct="1">
+              <a:lnSpc>
+                <a:spcPct val="120000"/>
+              </a:lnSpc>
+              <a:spcBef>
+                <a:spcPts val="500"/>
+              </a:spcBef>
+              <a:buSzPct val="125000"/>
+              <a:buFont typeface="Arial" panose="020B0604020202020204" pitchFamily="34" charset="0"/>
+              <a:buChar char="•"/>
+              <a:defRPr sz="1400" kern="1200">
+                <a:solidFill>
+                  <a:schemeClr val="tx1"/>
+                </a:solidFill>
+                <a:latin typeface="+mn-lt"/>
+                <a:ea typeface="+mn-ea"/>
+                <a:cs typeface="+mn-cs"/>
+              </a:defRPr>
+            </a:lvl9pPr>
+          </a:lstStyle>
+          <a:p>
+            <a:pPr marL="0" indent="0">
+              <a:buFont typeface="Arial" panose="020B0604020202020204" pitchFamily="34" charset="0"/>
+              <a:buNone/>
+            </a:pPr>
+            <a:r>
+              <a:rPr lang="en-US" dirty="0">
+                <a:solidFill>
+                  <a:schemeClr val="tx1">
+                    <a:lumMod val="95000"/>
+                  </a:schemeClr>
+                </a:solidFill>
+              </a:rPr>
+              <a:t>Proof in book</a:t>
+            </a:r>
+          </a:p>
+        </p:txBody>
+      </p:sp>
+    </p:spTree>
+    <p:extLst>
+      <p:ext uri="{BB962C8B-B14F-4D97-AF65-F5344CB8AC3E}">
+        <p14:creationId xmlns:p14="http://schemas.microsoft.com/office/powerpoint/2010/main" val="3394514005"/>
+      </p:ext>
+    </p:extLst>
+  </p:cSld>
+  <p:clrMapOvr>
+    <a:masterClrMapping/>
+  </p:clrMapOvr>
+</p:sld>
+</file>
+
+<file path=ppt/slides/slide24.xml><?xml version="1.0" encoding="utf-8"?>
+<p:sld xmlns:a="http://schemas.openxmlformats.org/drawingml/2006/main" xmlns:r="http://schemas.openxmlformats.org/officeDocument/2006/relationships" xmlns:p="http://schemas.openxmlformats.org/presentationml/2006/main">
+  <p:cSld>
+    <p:spTree>
+      <p:nvGrpSpPr>
+        <p:cNvPr id="1" name=""/>
+        <p:cNvGrpSpPr/>
+        <p:nvPr/>
+      </p:nvGrpSpPr>
+      <p:grpSpPr>
+        <a:xfrm>
+          <a:off x="0" y="0"/>
+          <a:ext cx="0" cy="0"/>
+          <a:chOff x="0" y="0"/>
+          <a:chExt cx="0" cy="0"/>
+        </a:xfrm>
+      </p:grpSpPr>
+      <p:sp>
+        <p:nvSpPr>
+          <p:cNvPr id="2" name="Title 1">
+            <a:extLst>
+              <a:ext uri="{FF2B5EF4-FFF2-40B4-BE49-F238E27FC236}">
+                <a16:creationId xmlns:a16="http://schemas.microsoft.com/office/drawing/2014/main" id="{D63C04CD-2329-4D47-84D9-12CB3EDD9F46}"/>
+              </a:ext>
+            </a:extLst>
+          </p:cNvPr>
+          <p:cNvSpPr>
+            <a:spLocks noGrp="1"/>
+          </p:cNvSpPr>
+          <p:nvPr>
+            <p:ph type="title"/>
+          </p:nvPr>
+        </p:nvSpPr>
+        <p:spPr>
+          <a:xfrm>
+            <a:off x="1141413" y="125537"/>
+            <a:ext cx="9905998" cy="860425"/>
+          </a:xfrm>
+        </p:spPr>
+        <p:txBody>
+          <a:bodyPr/>
+          <a:lstStyle/>
+          <a:p>
+            <a:pPr algn="ctr"/>
+            <a:r>
+              <a:rPr lang="en-US" dirty="0"/>
+              <a:t>Last Conclusion</a:t>
+            </a:r>
+          </a:p>
+        </p:txBody>
+      </p:sp>
+      <p:sp>
+        <p:nvSpPr>
+          <p:cNvPr id="3" name="Content Placeholder 2">
+            <a:extLst>
+              <a:ext uri="{FF2B5EF4-FFF2-40B4-BE49-F238E27FC236}">
+                <a16:creationId xmlns:a16="http://schemas.microsoft.com/office/drawing/2014/main" id="{14278F5F-F936-6145-9FF8-704886F1A386}"/>
+              </a:ext>
+            </a:extLst>
+          </p:cNvPr>
+          <p:cNvSpPr>
+            <a:spLocks noGrp="1"/>
+          </p:cNvSpPr>
+          <p:nvPr>
+            <p:ph idx="1"/>
+          </p:nvPr>
+        </p:nvSpPr>
+        <p:spPr>
+          <a:xfrm>
+            <a:off x="1141412" y="1559371"/>
+            <a:ext cx="9905999" cy="1089328"/>
+          </a:xfrm>
+          <a:solidFill>
+            <a:schemeClr val="tx1">
+              <a:lumMod val="95000"/>
+            </a:schemeClr>
+          </a:solidFill>
+        </p:spPr>
+        <p:txBody>
+          <a:bodyPr/>
+          <a:lstStyle/>
+          <a:p>
+            <a:pPr marL="0" indent="0">
+              <a:buNone/>
+            </a:pPr>
+            <a:r>
+              <a:rPr lang="en-US" dirty="0">
+                <a:solidFill>
+                  <a:schemeClr val="bg1"/>
+                </a:solidFill>
+              </a:rPr>
+              <a:t>Any computational model satisfying reasonable requirements to that of a TM is equivalent in power to a TM</a:t>
+            </a:r>
+          </a:p>
+        </p:txBody>
+      </p:sp>
+      <p:sp>
+        <p:nvSpPr>
+          <p:cNvPr id="6" name="Content Placeholder 2">
+            <a:extLst>
+              <a:ext uri="{FF2B5EF4-FFF2-40B4-BE49-F238E27FC236}">
+                <a16:creationId xmlns:a16="http://schemas.microsoft.com/office/drawing/2014/main" id="{D1AB4AE0-9143-C34D-B965-4033C921D6B5}"/>
+              </a:ext>
+            </a:extLst>
+          </p:cNvPr>
+          <p:cNvSpPr txBox="1">
+            <a:spLocks/>
+          </p:cNvSpPr>
+          <p:nvPr/>
+        </p:nvSpPr>
+        <p:spPr>
+          <a:xfrm>
+            <a:off x="1141412" y="2888722"/>
+            <a:ext cx="9905999" cy="1089328"/>
+          </a:xfrm>
+          <a:prstGeom prst="rect">
+            <a:avLst/>
+          </a:prstGeom>
+          <a:noFill/>
+        </p:spPr>
+        <p:txBody>
+          <a:bodyPr vert="horz" lIns="91440" tIns="45720" rIns="91440" bIns="45720" rtlCol="0">
+            <a:normAutofit/>
+          </a:bodyPr>
+          <a:lstStyle>
+            <a:lvl1pPr marL="228600" indent="-228600" algn="l" defTabSz="914400" rtl="0" eaLnBrk="1" latinLnBrk="0" hangingPunct="1">
+              <a:lnSpc>
+                <a:spcPct val="120000"/>
+              </a:lnSpc>
+              <a:spcBef>
+                <a:spcPts val="1000"/>
+              </a:spcBef>
+              <a:buSzPct val="125000"/>
+              <a:buFont typeface="Arial" panose="020B0604020202020204" pitchFamily="34" charset="0"/>
+              <a:buChar char="•"/>
+              <a:defRPr sz="2400" kern="1200">
+                <a:solidFill>
+                  <a:schemeClr val="tx1"/>
+                </a:solidFill>
+                <a:latin typeface="+mn-lt"/>
+                <a:ea typeface="+mn-ea"/>
+                <a:cs typeface="+mn-cs"/>
+              </a:defRPr>
+            </a:lvl1pPr>
+            <a:lvl2pPr marL="685800" indent="-228600" algn="l" defTabSz="914400" rtl="0" eaLnBrk="1" latinLnBrk="0" hangingPunct="1">
+              <a:lnSpc>
+                <a:spcPct val="120000"/>
+              </a:lnSpc>
+              <a:spcBef>
+                <a:spcPts val="500"/>
+              </a:spcBef>
+              <a:buSzPct val="125000"/>
+              <a:buFont typeface="Arial" panose="020B0604020202020204" pitchFamily="34" charset="0"/>
+              <a:buChar char="•"/>
+              <a:defRPr sz="2000" kern="1200">
+                <a:solidFill>
+                  <a:schemeClr val="tx1"/>
+                </a:solidFill>
+                <a:latin typeface="+mn-lt"/>
+                <a:ea typeface="+mn-ea"/>
+                <a:cs typeface="+mn-cs"/>
+              </a:defRPr>
+            </a:lvl2pPr>
+            <a:lvl3pPr marL="1143000" indent="-228600" algn="l" defTabSz="914400" rtl="0" eaLnBrk="1" latinLnBrk="0" hangingPunct="1">
+              <a:lnSpc>
+                <a:spcPct val="120000"/>
+              </a:lnSpc>
+              <a:spcBef>
+                <a:spcPts val="500"/>
+              </a:spcBef>
+              <a:buSzPct val="125000"/>
+              <a:buFont typeface="Arial" panose="020B0604020202020204" pitchFamily="34" charset="0"/>
+              <a:buChar char="•"/>
+              <a:defRPr sz="1800" kern="1200">
+                <a:solidFill>
+                  <a:schemeClr val="tx1"/>
+                </a:solidFill>
+                <a:latin typeface="+mn-lt"/>
+                <a:ea typeface="+mn-ea"/>
+                <a:cs typeface="+mn-cs"/>
+              </a:defRPr>
+            </a:lvl3pPr>
+            <a:lvl4pPr marL="1600200" indent="-228600" algn="l" defTabSz="914400" rtl="0" eaLnBrk="1" latinLnBrk="0" hangingPunct="1">
+              <a:lnSpc>
+                <a:spcPct val="120000"/>
+              </a:lnSpc>
+              <a:spcBef>
+                <a:spcPts val="500"/>
+              </a:spcBef>
+              <a:buSzPct val="125000"/>
+              <a:buFont typeface="Arial" panose="020B0604020202020204" pitchFamily="34" charset="0"/>
+              <a:buChar char="•"/>
+              <a:defRPr sz="1600" kern="1200">
+                <a:solidFill>
+                  <a:schemeClr val="tx1"/>
+                </a:solidFill>
+                <a:latin typeface="+mn-lt"/>
+                <a:ea typeface="+mn-ea"/>
+                <a:cs typeface="+mn-cs"/>
+              </a:defRPr>
+            </a:lvl4pPr>
+            <a:lvl5pPr marL="2057400" indent="-228600" algn="l" defTabSz="914400" rtl="0" eaLnBrk="1" latinLnBrk="0" hangingPunct="1">
+              <a:lnSpc>
+                <a:spcPct val="120000"/>
+              </a:lnSpc>
+              <a:spcBef>
+                <a:spcPts val="500"/>
+              </a:spcBef>
+              <a:buSzPct val="125000"/>
+              <a:buFont typeface="Arial" panose="020B0604020202020204" pitchFamily="34" charset="0"/>
+              <a:buChar char="•"/>
+              <a:defRPr sz="1600" kern="1200">
+                <a:solidFill>
+                  <a:schemeClr val="tx1"/>
+                </a:solidFill>
+                <a:latin typeface="+mn-lt"/>
+                <a:ea typeface="+mn-ea"/>
+                <a:cs typeface="+mn-cs"/>
+              </a:defRPr>
+            </a:lvl5pPr>
+            <a:lvl6pPr marL="2514600" indent="-228600" algn="l" defTabSz="914400" rtl="0" eaLnBrk="1" latinLnBrk="0" hangingPunct="1">
+              <a:lnSpc>
+                <a:spcPct val="120000"/>
+              </a:lnSpc>
+              <a:spcBef>
+                <a:spcPts val="500"/>
+              </a:spcBef>
+              <a:buSzPct val="125000"/>
+              <a:buFont typeface="Arial" panose="020B0604020202020204" pitchFamily="34" charset="0"/>
+              <a:buChar char="•"/>
+              <a:defRPr sz="1400" kern="1200">
+                <a:solidFill>
+                  <a:schemeClr val="tx1"/>
+                </a:solidFill>
+                <a:latin typeface="+mn-lt"/>
+                <a:ea typeface="+mn-ea"/>
+                <a:cs typeface="+mn-cs"/>
+              </a:defRPr>
+            </a:lvl6pPr>
+            <a:lvl7pPr marL="2971800" indent="-228600" algn="l" defTabSz="914400" rtl="0" eaLnBrk="1" latinLnBrk="0" hangingPunct="1">
+              <a:lnSpc>
+                <a:spcPct val="120000"/>
+              </a:lnSpc>
+              <a:spcBef>
+                <a:spcPts val="500"/>
+              </a:spcBef>
+              <a:buSzPct val="125000"/>
+              <a:buFont typeface="Arial" panose="020B0604020202020204" pitchFamily="34" charset="0"/>
+              <a:buChar char="•"/>
+              <a:defRPr sz="1400" kern="1200">
+                <a:solidFill>
+                  <a:schemeClr val="tx1"/>
+                </a:solidFill>
+                <a:latin typeface="+mn-lt"/>
+                <a:ea typeface="+mn-ea"/>
+                <a:cs typeface="+mn-cs"/>
+              </a:defRPr>
+            </a:lvl7pPr>
+            <a:lvl8pPr marL="3429000" indent="-228600" algn="l" defTabSz="914400" rtl="0" eaLnBrk="1" latinLnBrk="0" hangingPunct="1">
+              <a:lnSpc>
+                <a:spcPct val="120000"/>
+              </a:lnSpc>
+              <a:spcBef>
+                <a:spcPts val="500"/>
+              </a:spcBef>
+              <a:buSzPct val="125000"/>
+              <a:buFont typeface="Arial" panose="020B0604020202020204" pitchFamily="34" charset="0"/>
+              <a:buChar char="•"/>
+              <a:defRPr sz="1400" kern="1200">
+                <a:solidFill>
+                  <a:schemeClr val="tx1"/>
+                </a:solidFill>
+                <a:latin typeface="+mn-lt"/>
+                <a:ea typeface="+mn-ea"/>
+                <a:cs typeface="+mn-cs"/>
+              </a:defRPr>
+            </a:lvl8pPr>
+            <a:lvl9pPr marL="3886200" indent="-228600" algn="l" defTabSz="914400" rtl="0" eaLnBrk="1" latinLnBrk="0" hangingPunct="1">
+              <a:lnSpc>
+                <a:spcPct val="120000"/>
+              </a:lnSpc>
+              <a:spcBef>
+                <a:spcPts val="500"/>
+              </a:spcBef>
+              <a:buSzPct val="125000"/>
+              <a:buFont typeface="Arial" panose="020B0604020202020204" pitchFamily="34" charset="0"/>
+              <a:buChar char="•"/>
+              <a:defRPr sz="1400" kern="1200">
+                <a:solidFill>
+                  <a:schemeClr val="tx1"/>
+                </a:solidFill>
+                <a:latin typeface="+mn-lt"/>
+                <a:ea typeface="+mn-ea"/>
+                <a:cs typeface="+mn-cs"/>
+              </a:defRPr>
+            </a:lvl9pPr>
+          </a:lstStyle>
+          <a:p>
+            <a:pPr marL="0" indent="0">
+              <a:buFont typeface="Arial" panose="020B0604020202020204" pitchFamily="34" charset="0"/>
+              <a:buNone/>
+            </a:pPr>
+            <a:r>
+              <a:rPr lang="en-US" dirty="0">
+                <a:solidFill>
+                  <a:schemeClr val="tx1">
+                    <a:lumMod val="95000"/>
+                  </a:schemeClr>
+                </a:solidFill>
+              </a:rPr>
+              <a:t>Most notably: Access to unlimited memory and the ability to only perform a finite amount of work in a single step.</a:t>
+            </a:r>
+          </a:p>
+        </p:txBody>
+      </p:sp>
+    </p:spTree>
+    <p:extLst>
+      <p:ext uri="{BB962C8B-B14F-4D97-AF65-F5344CB8AC3E}">
+        <p14:creationId xmlns:p14="http://schemas.microsoft.com/office/powerpoint/2010/main" val="4189374392"/>
+      </p:ext>
+    </p:extLst>
+  </p:cSld>
+  <p:clrMapOvr>
+    <a:masterClrMapping/>
+  </p:clrMapOvr>
+</p:sld>
+</file>
+
+<file path=ppt/slides/slide25.xml><?xml version="1.0" encoding="utf-8"?>
+<p:sld xmlns:a="http://schemas.openxmlformats.org/drawingml/2006/main" xmlns:r="http://schemas.openxmlformats.org/officeDocument/2006/relationships" xmlns:p="http://schemas.openxmlformats.org/presentationml/2006/main">
+  <p:cSld>
+    <p:spTree>
+      <p:nvGrpSpPr>
+        <p:cNvPr id="1" name=""/>
+        <p:cNvGrpSpPr/>
+        <p:nvPr/>
+      </p:nvGrpSpPr>
+      <p:grpSpPr>
+        <a:xfrm>
+          <a:off x="0" y="0"/>
+          <a:ext cx="0" cy="0"/>
+          <a:chOff x="0" y="0"/>
+          <a:chExt cx="0" cy="0"/>
+        </a:xfrm>
+      </p:grpSpPr>
+      <p:sp>
+        <p:nvSpPr>
+          <p:cNvPr id="2" name="Title 1">
+            <a:extLst>
+              <a:ext uri="{FF2B5EF4-FFF2-40B4-BE49-F238E27FC236}">
+                <a16:creationId xmlns:a16="http://schemas.microsoft.com/office/drawing/2014/main" id="{87719C56-21DC-0A40-AA49-9AF4AF4C92DA}"/>
+              </a:ext>
+            </a:extLst>
+          </p:cNvPr>
+          <p:cNvSpPr>
+            <a:spLocks noGrp="1"/>
+          </p:cNvSpPr>
+          <p:nvPr>
+            <p:ph type="title"/>
+          </p:nvPr>
+        </p:nvSpPr>
+        <p:spPr/>
+        <p:txBody>
+          <a:bodyPr/>
+          <a:lstStyle/>
+          <a:p>
+            <a:pPr algn="ctr"/>
+            <a:r>
+              <a:rPr lang="en-US" dirty="0"/>
+              <a:t>The Definition of An Algorithm</a:t>
+            </a:r>
+          </a:p>
+        </p:txBody>
+      </p:sp>
+    </p:spTree>
+    <p:extLst>
+      <p:ext uri="{BB962C8B-B14F-4D97-AF65-F5344CB8AC3E}">
+        <p14:creationId xmlns:p14="http://schemas.microsoft.com/office/powerpoint/2010/main" val="3777636646"/>
+      </p:ext>
+    </p:extLst>
+  </p:cSld>
+  <p:clrMapOvr>
+    <a:masterClrMapping/>
+  </p:clrMapOvr>
+</p:sld>
+</file>
+
+<file path=ppt/slides/slide26.xml><?xml version="1.0" encoding="utf-8"?>
+<p:sld xmlns:a="http://schemas.openxmlformats.org/drawingml/2006/main" xmlns:r="http://schemas.openxmlformats.org/officeDocument/2006/relationships" xmlns:p="http://schemas.openxmlformats.org/presentationml/2006/main">
+  <p:cSld>
+    <p:spTree>
+      <p:nvGrpSpPr>
+        <p:cNvPr id="1" name=""/>
+        <p:cNvGrpSpPr/>
+        <p:nvPr/>
+      </p:nvGrpSpPr>
+      <p:grpSpPr>
+        <a:xfrm>
+          <a:off x="0" y="0"/>
+          <a:ext cx="0" cy="0"/>
+          <a:chOff x="0" y="0"/>
+          <a:chExt cx="0" cy="0"/>
+        </a:xfrm>
+      </p:grpSpPr>
+      <p:sp>
+        <p:nvSpPr>
+          <p:cNvPr id="2" name="Title 1">
+            <a:extLst>
+              <a:ext uri="{FF2B5EF4-FFF2-40B4-BE49-F238E27FC236}">
+                <a16:creationId xmlns:a16="http://schemas.microsoft.com/office/drawing/2014/main" id="{D63C04CD-2329-4D47-84D9-12CB3EDD9F46}"/>
+              </a:ext>
+            </a:extLst>
+          </p:cNvPr>
+          <p:cNvSpPr>
+            <a:spLocks noGrp="1"/>
+          </p:cNvSpPr>
+          <p:nvPr>
+            <p:ph type="title"/>
+          </p:nvPr>
+        </p:nvSpPr>
+        <p:spPr>
+          <a:xfrm>
+            <a:off x="1141413" y="125537"/>
+            <a:ext cx="9905998" cy="860425"/>
+          </a:xfrm>
+        </p:spPr>
+        <p:txBody>
+          <a:bodyPr/>
+          <a:lstStyle/>
+          <a:p>
+            <a:pPr algn="ctr"/>
+            <a:r>
+              <a:rPr lang="en-US" dirty="0"/>
+              <a:t>Short Discussion</a:t>
+            </a:r>
+          </a:p>
+        </p:txBody>
+      </p:sp>
+      <p:sp>
+        <p:nvSpPr>
+          <p:cNvPr id="3" name="Content Placeholder 2">
+            <a:extLst>
+              <a:ext uri="{FF2B5EF4-FFF2-40B4-BE49-F238E27FC236}">
+                <a16:creationId xmlns:a16="http://schemas.microsoft.com/office/drawing/2014/main" id="{14278F5F-F936-6145-9FF8-704886F1A386}"/>
+              </a:ext>
+            </a:extLst>
+          </p:cNvPr>
+          <p:cNvSpPr>
+            <a:spLocks noGrp="1"/>
+          </p:cNvSpPr>
+          <p:nvPr>
+            <p:ph idx="1"/>
+          </p:nvPr>
+        </p:nvSpPr>
+        <p:spPr>
+          <a:xfrm>
+            <a:off x="1141412" y="1559371"/>
+            <a:ext cx="9905999" cy="1089328"/>
+          </a:xfrm>
+          <a:solidFill>
+            <a:schemeClr val="tx1">
+              <a:lumMod val="95000"/>
+            </a:schemeClr>
+          </a:solidFill>
+        </p:spPr>
+        <p:txBody>
+          <a:bodyPr/>
+          <a:lstStyle/>
+          <a:p>
+            <a:pPr marL="0" indent="0">
+              <a:buNone/>
+            </a:pPr>
+            <a:r>
+              <a:rPr lang="en-US" dirty="0">
+                <a:solidFill>
+                  <a:schemeClr val="bg1"/>
+                </a:solidFill>
+              </a:rPr>
+              <a:t>What is an Algorithm? Does seeing the TM change your perspective on this at all?</a:t>
+            </a:r>
+          </a:p>
+        </p:txBody>
+      </p:sp>
+      <p:sp>
+        <p:nvSpPr>
+          <p:cNvPr id="6" name="Content Placeholder 2">
+            <a:extLst>
+              <a:ext uri="{FF2B5EF4-FFF2-40B4-BE49-F238E27FC236}">
+                <a16:creationId xmlns:a16="http://schemas.microsoft.com/office/drawing/2014/main" id="{D1AB4AE0-9143-C34D-B965-4033C921D6B5}"/>
+              </a:ext>
+            </a:extLst>
+          </p:cNvPr>
+          <p:cNvSpPr txBox="1">
+            <a:spLocks/>
+          </p:cNvSpPr>
+          <p:nvPr/>
+        </p:nvSpPr>
+        <p:spPr>
+          <a:xfrm>
+            <a:off x="1141412" y="2888722"/>
+            <a:ext cx="9905999" cy="1089328"/>
+          </a:xfrm>
+          <a:prstGeom prst="rect">
+            <a:avLst/>
+          </a:prstGeom>
+          <a:noFill/>
+        </p:spPr>
+        <p:txBody>
+          <a:bodyPr vert="horz" lIns="91440" tIns="45720" rIns="91440" bIns="45720" rtlCol="0">
+            <a:normAutofit/>
+          </a:bodyPr>
+          <a:lstStyle>
+            <a:lvl1pPr marL="228600" indent="-228600" algn="l" defTabSz="914400" rtl="0" eaLnBrk="1" latinLnBrk="0" hangingPunct="1">
+              <a:lnSpc>
+                <a:spcPct val="120000"/>
+              </a:lnSpc>
+              <a:spcBef>
+                <a:spcPts val="1000"/>
+              </a:spcBef>
+              <a:buSzPct val="125000"/>
+              <a:buFont typeface="Arial" panose="020B0604020202020204" pitchFamily="34" charset="0"/>
+              <a:buChar char="•"/>
+              <a:defRPr sz="2400" kern="1200">
+                <a:solidFill>
+                  <a:schemeClr val="tx1"/>
+                </a:solidFill>
+                <a:latin typeface="+mn-lt"/>
+                <a:ea typeface="+mn-ea"/>
+                <a:cs typeface="+mn-cs"/>
+              </a:defRPr>
+            </a:lvl1pPr>
+            <a:lvl2pPr marL="685800" indent="-228600" algn="l" defTabSz="914400" rtl="0" eaLnBrk="1" latinLnBrk="0" hangingPunct="1">
+              <a:lnSpc>
+                <a:spcPct val="120000"/>
+              </a:lnSpc>
+              <a:spcBef>
+                <a:spcPts val="500"/>
+              </a:spcBef>
+              <a:buSzPct val="125000"/>
+              <a:buFont typeface="Arial" panose="020B0604020202020204" pitchFamily="34" charset="0"/>
+              <a:buChar char="•"/>
+              <a:defRPr sz="2000" kern="1200">
+                <a:solidFill>
+                  <a:schemeClr val="tx1"/>
+                </a:solidFill>
+                <a:latin typeface="+mn-lt"/>
+                <a:ea typeface="+mn-ea"/>
+                <a:cs typeface="+mn-cs"/>
+              </a:defRPr>
+            </a:lvl2pPr>
+            <a:lvl3pPr marL="1143000" indent="-228600" algn="l" defTabSz="914400" rtl="0" eaLnBrk="1" latinLnBrk="0" hangingPunct="1">
+              <a:lnSpc>
+                <a:spcPct val="120000"/>
+              </a:lnSpc>
+              <a:spcBef>
+                <a:spcPts val="500"/>
+              </a:spcBef>
+              <a:buSzPct val="125000"/>
+              <a:buFont typeface="Arial" panose="020B0604020202020204" pitchFamily="34" charset="0"/>
+              <a:buChar char="•"/>
+              <a:defRPr sz="1800" kern="1200">
+                <a:solidFill>
+                  <a:schemeClr val="tx1"/>
+                </a:solidFill>
+                <a:latin typeface="+mn-lt"/>
+                <a:ea typeface="+mn-ea"/>
+                <a:cs typeface="+mn-cs"/>
+              </a:defRPr>
+            </a:lvl3pPr>
+            <a:lvl4pPr marL="1600200" indent="-228600" algn="l" defTabSz="914400" rtl="0" eaLnBrk="1" latinLnBrk="0" hangingPunct="1">
+              <a:lnSpc>
+                <a:spcPct val="120000"/>
+              </a:lnSpc>
+              <a:spcBef>
+                <a:spcPts val="500"/>
+              </a:spcBef>
+              <a:buSzPct val="125000"/>
+              <a:buFont typeface="Arial" panose="020B0604020202020204" pitchFamily="34" charset="0"/>
+              <a:buChar char="•"/>
+              <a:defRPr sz="1600" kern="1200">
+                <a:solidFill>
+                  <a:schemeClr val="tx1"/>
+                </a:solidFill>
+                <a:latin typeface="+mn-lt"/>
+                <a:ea typeface="+mn-ea"/>
+                <a:cs typeface="+mn-cs"/>
+              </a:defRPr>
+            </a:lvl4pPr>
+            <a:lvl5pPr marL="2057400" indent="-228600" algn="l" defTabSz="914400" rtl="0" eaLnBrk="1" latinLnBrk="0" hangingPunct="1">
+              <a:lnSpc>
+                <a:spcPct val="120000"/>
+              </a:lnSpc>
+              <a:spcBef>
+                <a:spcPts val="500"/>
+              </a:spcBef>
+              <a:buSzPct val="125000"/>
+              <a:buFont typeface="Arial" panose="020B0604020202020204" pitchFamily="34" charset="0"/>
+              <a:buChar char="•"/>
+              <a:defRPr sz="1600" kern="1200">
+                <a:solidFill>
+                  <a:schemeClr val="tx1"/>
+                </a:solidFill>
+                <a:latin typeface="+mn-lt"/>
+                <a:ea typeface="+mn-ea"/>
+                <a:cs typeface="+mn-cs"/>
+              </a:defRPr>
+            </a:lvl5pPr>
+            <a:lvl6pPr marL="2514600" indent="-228600" algn="l" defTabSz="914400" rtl="0" eaLnBrk="1" latinLnBrk="0" hangingPunct="1">
+              <a:lnSpc>
+                <a:spcPct val="120000"/>
+              </a:lnSpc>
+              <a:spcBef>
+                <a:spcPts val="500"/>
+              </a:spcBef>
+              <a:buSzPct val="125000"/>
+              <a:buFont typeface="Arial" panose="020B0604020202020204" pitchFamily="34" charset="0"/>
+              <a:buChar char="•"/>
+              <a:defRPr sz="1400" kern="1200">
+                <a:solidFill>
+                  <a:schemeClr val="tx1"/>
+                </a:solidFill>
+                <a:latin typeface="+mn-lt"/>
+                <a:ea typeface="+mn-ea"/>
+                <a:cs typeface="+mn-cs"/>
+              </a:defRPr>
+            </a:lvl6pPr>
+            <a:lvl7pPr marL="2971800" indent="-228600" algn="l" defTabSz="914400" rtl="0" eaLnBrk="1" latinLnBrk="0" hangingPunct="1">
+              <a:lnSpc>
+                <a:spcPct val="120000"/>
+              </a:lnSpc>
+              <a:spcBef>
+                <a:spcPts val="500"/>
+              </a:spcBef>
+              <a:buSzPct val="125000"/>
+              <a:buFont typeface="Arial" panose="020B0604020202020204" pitchFamily="34" charset="0"/>
+              <a:buChar char="•"/>
+              <a:defRPr sz="1400" kern="1200">
+                <a:solidFill>
+                  <a:schemeClr val="tx1"/>
+                </a:solidFill>
+                <a:latin typeface="+mn-lt"/>
+                <a:ea typeface="+mn-ea"/>
+                <a:cs typeface="+mn-cs"/>
+              </a:defRPr>
+            </a:lvl7pPr>
+            <a:lvl8pPr marL="3429000" indent="-228600" algn="l" defTabSz="914400" rtl="0" eaLnBrk="1" latinLnBrk="0" hangingPunct="1">
+              <a:lnSpc>
+                <a:spcPct val="120000"/>
+              </a:lnSpc>
+              <a:spcBef>
+                <a:spcPts val="500"/>
+              </a:spcBef>
+              <a:buSzPct val="125000"/>
+              <a:buFont typeface="Arial" panose="020B0604020202020204" pitchFamily="34" charset="0"/>
+              <a:buChar char="•"/>
+              <a:defRPr sz="1400" kern="1200">
+                <a:solidFill>
+                  <a:schemeClr val="tx1"/>
+                </a:solidFill>
+                <a:latin typeface="+mn-lt"/>
+                <a:ea typeface="+mn-ea"/>
+                <a:cs typeface="+mn-cs"/>
+              </a:defRPr>
+            </a:lvl8pPr>
+            <a:lvl9pPr marL="3886200" indent="-228600" algn="l" defTabSz="914400" rtl="0" eaLnBrk="1" latinLnBrk="0" hangingPunct="1">
+              <a:lnSpc>
+                <a:spcPct val="120000"/>
+              </a:lnSpc>
+              <a:spcBef>
+                <a:spcPts val="500"/>
+              </a:spcBef>
+              <a:buSzPct val="125000"/>
+              <a:buFont typeface="Arial" panose="020B0604020202020204" pitchFamily="34" charset="0"/>
+              <a:buChar char="•"/>
+              <a:defRPr sz="1400" kern="1200">
+                <a:solidFill>
+                  <a:schemeClr val="tx1"/>
+                </a:solidFill>
+                <a:latin typeface="+mn-lt"/>
+                <a:ea typeface="+mn-ea"/>
+                <a:cs typeface="+mn-cs"/>
+              </a:defRPr>
+            </a:lvl9pPr>
+          </a:lstStyle>
+          <a:p>
+            <a:pPr marL="0" indent="0">
+              <a:buFont typeface="Arial" panose="020B0604020202020204" pitchFamily="34" charset="0"/>
+              <a:buNone/>
+            </a:pPr>
+            <a:r>
+              <a:rPr lang="en-US" dirty="0">
+                <a:solidFill>
+                  <a:schemeClr val="tx1">
+                    <a:lumMod val="95000"/>
+                  </a:schemeClr>
+                </a:solidFill>
+              </a:rPr>
+              <a:t>…</a:t>
+            </a:r>
+          </a:p>
+        </p:txBody>
+      </p:sp>
+    </p:spTree>
+    <p:extLst>
+      <p:ext uri="{BB962C8B-B14F-4D97-AF65-F5344CB8AC3E}">
+        <p14:creationId xmlns:p14="http://schemas.microsoft.com/office/powerpoint/2010/main" val="3457736204"/>
       </p:ext>
     </p:extLst>
   </p:cSld>
@@ -18468,7 +23498,7 @@
             </a:pPr>
             <a:r>
               <a:rPr lang="en-US" sz="1800" i="1" dirty="0"/>
-              <a:t>These are all equivalent in their expressive power.</a:t>
+              <a:t>…………..</a:t>
             </a:r>
           </a:p>
         </p:txBody>
@@ -18730,7 +23760,7 @@
                   <a:schemeClr val="bg1"/>
                 </a:solidFill>
               </a:rPr>
-              <a:t>Pushdown Automata</a:t>
+              <a:t>Turing Machines</a:t>
             </a:r>
           </a:p>
           <a:p>
@@ -18744,7 +23774,7 @@
                   <a:schemeClr val="bg1"/>
                 </a:solidFill>
               </a:rPr>
-              <a:t>NFA w/ a stack. Can recognize exactly the context-free languages</a:t>
+              <a:t>What are they? How do they work? What are some definitions associated?</a:t>
             </a:r>
           </a:p>
         </p:txBody>
@@ -18972,21 +24002,7 @@
                   <a:schemeClr val="bg1"/>
                 </a:solidFill>
               </a:rPr>
-              <a:t>Context-Free Languages:</a:t>
-            </a:r>
-          </a:p>
-          <a:p>
-            <a:pPr marL="0" indent="0" algn="ctr">
-              <a:buFont typeface="Arial" panose="020B0604020202020204" pitchFamily="34" charset="0"/>
-              <a:buNone/>
-            </a:pPr>
-            <a:r>
-              <a:rPr lang="en-US" sz="1400" i="1" dirty="0">
-                <a:solidFill>
-                  <a:schemeClr val="bg1"/>
-                </a:solidFill>
-              </a:rPr>
-              <a:t>A Class of languages that are more expressive than regular languages</a:t>
+              <a:t>TBD</a:t>
             </a:r>
           </a:p>
         </p:txBody>
@@ -19214,21 +24230,7 @@
                   <a:schemeClr val="bg1"/>
                 </a:solidFill>
               </a:rPr>
-              <a:t>Context-Free Grammar:</a:t>
-            </a:r>
-          </a:p>
-          <a:p>
-            <a:pPr marL="0" indent="0" algn="ctr">
-              <a:buFont typeface="Arial" panose="020B0604020202020204" pitchFamily="34" charset="0"/>
-              <a:buNone/>
-            </a:pPr>
-            <a:r>
-              <a:rPr lang="en-US" sz="1400" i="1" dirty="0">
-                <a:solidFill>
-                  <a:schemeClr val="bg1"/>
-                </a:solidFill>
-              </a:rPr>
-              <a:t>A “string” description of a context-free language (by definition)</a:t>
+              <a:t>TBD</a:t>
             </a:r>
           </a:p>
         </p:txBody>
@@ -19448,7 +24450,7 @@
             </a:pPr>
             <a:r>
               <a:rPr lang="en-US" sz="1800" i="1" dirty="0"/>
-              <a:t>At the end of this deck, we will also see that context-free languages have a pumping lemma that can be used to prove some languages are NOT context-free.</a:t>
+              <a:t>Something here????</a:t>
             </a:r>
           </a:p>
         </p:txBody>
@@ -19660,7 +24662,7 @@
             </a:pPr>
             <a:r>
               <a:rPr lang="en-US" sz="1600" i="1" dirty="0"/>
-              <a:t>For now, we allow non-determinism freely with this computational model. We will discuss (briefly) the ramifications for this later in the deck.</a:t>
+              <a:t>I will come back and do this slide later.</a:t>
             </a:r>
             <a:endParaRPr lang="en-US" sz="1600" b="1" u="sng" dirty="0"/>
           </a:p>
@@ -19765,7 +24767,7 @@
             <a:pPr algn="ctr"/>
             <a:r>
               <a:rPr lang="en-US" dirty="0"/>
-              <a:t>Part 2: Context-Free Grammars</a:t>
+              <a:t>Introducing The Turing Machine</a:t>
             </a:r>
           </a:p>
         </p:txBody>
@@ -19805,7 +24807,7 @@
           <p:cNvPr id="2" name="Title 1">
             <a:extLst>
               <a:ext uri="{FF2B5EF4-FFF2-40B4-BE49-F238E27FC236}">
-                <a16:creationId xmlns:a16="http://schemas.microsoft.com/office/drawing/2014/main" id="{87719C56-21DC-0A40-AA49-9AF4AF4C92DA}"/>
+                <a16:creationId xmlns:a16="http://schemas.microsoft.com/office/drawing/2014/main" id="{D63C04CD-2329-4D47-84D9-12CB3EDD9F46}"/>
               </a:ext>
             </a:extLst>
           </p:cNvPr>
@@ -19816,7 +24818,12 @@
             <p:ph type="title"/>
           </p:nvPr>
         </p:nvSpPr>
-        <p:spPr/>
+        <p:spPr>
+          <a:xfrm>
+            <a:off x="1141413" y="125537"/>
+            <a:ext cx="9905998" cy="860425"/>
+          </a:xfrm>
+        </p:spPr>
         <p:txBody>
           <a:bodyPr/>
           <a:lstStyle/>
@@ -19824,15 +24831,1025 @@
             <a:pPr algn="ctr"/>
             <a:r>
               <a:rPr lang="en-US" dirty="0"/>
-              <a:t>Introduction: What is a Context-Free Grammar</a:t>
+              <a:t>What is a Turing Machine!</a:t>
             </a:r>
           </a:p>
         </p:txBody>
       </p:sp>
+      <p:sp>
+        <p:nvSpPr>
+          <p:cNvPr id="3" name="Content Placeholder 2">
+            <a:extLst>
+              <a:ext uri="{FF2B5EF4-FFF2-40B4-BE49-F238E27FC236}">
+                <a16:creationId xmlns:a16="http://schemas.microsoft.com/office/drawing/2014/main" id="{14278F5F-F936-6145-9FF8-704886F1A386}"/>
+              </a:ext>
+            </a:extLst>
+          </p:cNvPr>
+          <p:cNvSpPr>
+            <a:spLocks noGrp="1"/>
+          </p:cNvSpPr>
+          <p:nvPr>
+            <p:ph idx="1"/>
+          </p:nvPr>
+        </p:nvSpPr>
+        <p:spPr>
+          <a:xfrm>
+            <a:off x="1141412" y="1559371"/>
+            <a:ext cx="9905999" cy="1089328"/>
+          </a:xfrm>
+          <a:solidFill>
+            <a:schemeClr val="tx1">
+              <a:lumMod val="95000"/>
+            </a:schemeClr>
+          </a:solidFill>
+        </p:spPr>
+        <p:txBody>
+          <a:bodyPr/>
+          <a:lstStyle/>
+          <a:p>
+            <a:pPr marL="0" indent="0">
+              <a:buNone/>
+            </a:pPr>
+            <a:r>
+              <a:rPr lang="en-US" dirty="0">
+                <a:solidFill>
+                  <a:schemeClr val="bg1"/>
+                </a:solidFill>
+              </a:rPr>
+              <a:t>Overview of the features of a TM</a:t>
+            </a:r>
+          </a:p>
+        </p:txBody>
+      </p:sp>
+      <p:sp>
+        <p:nvSpPr>
+          <p:cNvPr id="6" name="Content Placeholder 2">
+            <a:extLst>
+              <a:ext uri="{FF2B5EF4-FFF2-40B4-BE49-F238E27FC236}">
+                <a16:creationId xmlns:a16="http://schemas.microsoft.com/office/drawing/2014/main" id="{D1AB4AE0-9143-C34D-B965-4033C921D6B5}"/>
+              </a:ext>
+            </a:extLst>
+          </p:cNvPr>
+          <p:cNvSpPr txBox="1">
+            <a:spLocks/>
+          </p:cNvSpPr>
+          <p:nvPr/>
+        </p:nvSpPr>
+        <p:spPr>
+          <a:xfrm>
+            <a:off x="1141412" y="2888722"/>
+            <a:ext cx="9905999" cy="1089328"/>
+          </a:xfrm>
+          <a:prstGeom prst="rect">
+            <a:avLst/>
+          </a:prstGeom>
+          <a:noFill/>
+        </p:spPr>
+        <p:txBody>
+          <a:bodyPr vert="horz" lIns="91440" tIns="45720" rIns="91440" bIns="45720" rtlCol="0">
+            <a:normAutofit/>
+          </a:bodyPr>
+          <a:lstStyle>
+            <a:lvl1pPr marL="228600" indent="-228600" algn="l" defTabSz="914400" rtl="0" eaLnBrk="1" latinLnBrk="0" hangingPunct="1">
+              <a:lnSpc>
+                <a:spcPct val="120000"/>
+              </a:lnSpc>
+              <a:spcBef>
+                <a:spcPts val="1000"/>
+              </a:spcBef>
+              <a:buSzPct val="125000"/>
+              <a:buFont typeface="Arial" panose="020B0604020202020204" pitchFamily="34" charset="0"/>
+              <a:buChar char="•"/>
+              <a:defRPr sz="2400" kern="1200">
+                <a:solidFill>
+                  <a:schemeClr val="tx1"/>
+                </a:solidFill>
+                <a:latin typeface="+mn-lt"/>
+                <a:ea typeface="+mn-ea"/>
+                <a:cs typeface="+mn-cs"/>
+              </a:defRPr>
+            </a:lvl1pPr>
+            <a:lvl2pPr marL="685800" indent="-228600" algn="l" defTabSz="914400" rtl="0" eaLnBrk="1" latinLnBrk="0" hangingPunct="1">
+              <a:lnSpc>
+                <a:spcPct val="120000"/>
+              </a:lnSpc>
+              <a:spcBef>
+                <a:spcPts val="500"/>
+              </a:spcBef>
+              <a:buSzPct val="125000"/>
+              <a:buFont typeface="Arial" panose="020B0604020202020204" pitchFamily="34" charset="0"/>
+              <a:buChar char="•"/>
+              <a:defRPr sz="2000" kern="1200">
+                <a:solidFill>
+                  <a:schemeClr val="tx1"/>
+                </a:solidFill>
+                <a:latin typeface="+mn-lt"/>
+                <a:ea typeface="+mn-ea"/>
+                <a:cs typeface="+mn-cs"/>
+              </a:defRPr>
+            </a:lvl2pPr>
+            <a:lvl3pPr marL="1143000" indent="-228600" algn="l" defTabSz="914400" rtl="0" eaLnBrk="1" latinLnBrk="0" hangingPunct="1">
+              <a:lnSpc>
+                <a:spcPct val="120000"/>
+              </a:lnSpc>
+              <a:spcBef>
+                <a:spcPts val="500"/>
+              </a:spcBef>
+              <a:buSzPct val="125000"/>
+              <a:buFont typeface="Arial" panose="020B0604020202020204" pitchFamily="34" charset="0"/>
+              <a:buChar char="•"/>
+              <a:defRPr sz="1800" kern="1200">
+                <a:solidFill>
+                  <a:schemeClr val="tx1"/>
+                </a:solidFill>
+                <a:latin typeface="+mn-lt"/>
+                <a:ea typeface="+mn-ea"/>
+                <a:cs typeface="+mn-cs"/>
+              </a:defRPr>
+            </a:lvl3pPr>
+            <a:lvl4pPr marL="1600200" indent="-228600" algn="l" defTabSz="914400" rtl="0" eaLnBrk="1" latinLnBrk="0" hangingPunct="1">
+              <a:lnSpc>
+                <a:spcPct val="120000"/>
+              </a:lnSpc>
+              <a:spcBef>
+                <a:spcPts val="500"/>
+              </a:spcBef>
+              <a:buSzPct val="125000"/>
+              <a:buFont typeface="Arial" panose="020B0604020202020204" pitchFamily="34" charset="0"/>
+              <a:buChar char="•"/>
+              <a:defRPr sz="1600" kern="1200">
+                <a:solidFill>
+                  <a:schemeClr val="tx1"/>
+                </a:solidFill>
+                <a:latin typeface="+mn-lt"/>
+                <a:ea typeface="+mn-ea"/>
+                <a:cs typeface="+mn-cs"/>
+              </a:defRPr>
+            </a:lvl4pPr>
+            <a:lvl5pPr marL="2057400" indent="-228600" algn="l" defTabSz="914400" rtl="0" eaLnBrk="1" latinLnBrk="0" hangingPunct="1">
+              <a:lnSpc>
+                <a:spcPct val="120000"/>
+              </a:lnSpc>
+              <a:spcBef>
+                <a:spcPts val="500"/>
+              </a:spcBef>
+              <a:buSzPct val="125000"/>
+              <a:buFont typeface="Arial" panose="020B0604020202020204" pitchFamily="34" charset="0"/>
+              <a:buChar char="•"/>
+              <a:defRPr sz="1600" kern="1200">
+                <a:solidFill>
+                  <a:schemeClr val="tx1"/>
+                </a:solidFill>
+                <a:latin typeface="+mn-lt"/>
+                <a:ea typeface="+mn-ea"/>
+                <a:cs typeface="+mn-cs"/>
+              </a:defRPr>
+            </a:lvl5pPr>
+            <a:lvl6pPr marL="2514600" indent="-228600" algn="l" defTabSz="914400" rtl="0" eaLnBrk="1" latinLnBrk="0" hangingPunct="1">
+              <a:lnSpc>
+                <a:spcPct val="120000"/>
+              </a:lnSpc>
+              <a:spcBef>
+                <a:spcPts val="500"/>
+              </a:spcBef>
+              <a:buSzPct val="125000"/>
+              <a:buFont typeface="Arial" panose="020B0604020202020204" pitchFamily="34" charset="0"/>
+              <a:buChar char="•"/>
+              <a:defRPr sz="1400" kern="1200">
+                <a:solidFill>
+                  <a:schemeClr val="tx1"/>
+                </a:solidFill>
+                <a:latin typeface="+mn-lt"/>
+                <a:ea typeface="+mn-ea"/>
+                <a:cs typeface="+mn-cs"/>
+              </a:defRPr>
+            </a:lvl6pPr>
+            <a:lvl7pPr marL="2971800" indent="-228600" algn="l" defTabSz="914400" rtl="0" eaLnBrk="1" latinLnBrk="0" hangingPunct="1">
+              <a:lnSpc>
+                <a:spcPct val="120000"/>
+              </a:lnSpc>
+              <a:spcBef>
+                <a:spcPts val="500"/>
+              </a:spcBef>
+              <a:buSzPct val="125000"/>
+              <a:buFont typeface="Arial" panose="020B0604020202020204" pitchFamily="34" charset="0"/>
+              <a:buChar char="•"/>
+              <a:defRPr sz="1400" kern="1200">
+                <a:solidFill>
+                  <a:schemeClr val="tx1"/>
+                </a:solidFill>
+                <a:latin typeface="+mn-lt"/>
+                <a:ea typeface="+mn-ea"/>
+                <a:cs typeface="+mn-cs"/>
+              </a:defRPr>
+            </a:lvl7pPr>
+            <a:lvl8pPr marL="3429000" indent="-228600" algn="l" defTabSz="914400" rtl="0" eaLnBrk="1" latinLnBrk="0" hangingPunct="1">
+              <a:lnSpc>
+                <a:spcPct val="120000"/>
+              </a:lnSpc>
+              <a:spcBef>
+                <a:spcPts val="500"/>
+              </a:spcBef>
+              <a:buSzPct val="125000"/>
+              <a:buFont typeface="Arial" panose="020B0604020202020204" pitchFamily="34" charset="0"/>
+              <a:buChar char="•"/>
+              <a:defRPr sz="1400" kern="1200">
+                <a:solidFill>
+                  <a:schemeClr val="tx1"/>
+                </a:solidFill>
+                <a:latin typeface="+mn-lt"/>
+                <a:ea typeface="+mn-ea"/>
+                <a:cs typeface="+mn-cs"/>
+              </a:defRPr>
+            </a:lvl8pPr>
+            <a:lvl9pPr marL="3886200" indent="-228600" algn="l" defTabSz="914400" rtl="0" eaLnBrk="1" latinLnBrk="0" hangingPunct="1">
+              <a:lnSpc>
+                <a:spcPct val="120000"/>
+              </a:lnSpc>
+              <a:spcBef>
+                <a:spcPts val="500"/>
+              </a:spcBef>
+              <a:buSzPct val="125000"/>
+              <a:buFont typeface="Arial" panose="020B0604020202020204" pitchFamily="34" charset="0"/>
+              <a:buChar char="•"/>
+              <a:defRPr sz="1400" kern="1200">
+                <a:solidFill>
+                  <a:schemeClr val="tx1"/>
+                </a:solidFill>
+                <a:latin typeface="+mn-lt"/>
+                <a:ea typeface="+mn-ea"/>
+                <a:cs typeface="+mn-cs"/>
+              </a:defRPr>
+            </a:lvl9pPr>
+          </a:lstStyle>
+          <a:p>
+            <a:pPr marL="0" indent="0">
+              <a:buFont typeface="Arial" panose="020B0604020202020204" pitchFamily="34" charset="0"/>
+              <a:buNone/>
+            </a:pPr>
+            <a:r>
+              <a:rPr lang="en-US" dirty="0">
+                <a:solidFill>
+                  <a:schemeClr val="tx1">
+                    <a:lumMod val="95000"/>
+                  </a:schemeClr>
+                </a:solidFill>
+              </a:rPr>
+              <a:t>…………</a:t>
+            </a:r>
+          </a:p>
+        </p:txBody>
+      </p:sp>
+      <p:pic>
+        <p:nvPicPr>
+          <p:cNvPr id="8" name="Picture 7">
+            <a:extLst>
+              <a:ext uri="{FF2B5EF4-FFF2-40B4-BE49-F238E27FC236}">
+                <a16:creationId xmlns:a16="http://schemas.microsoft.com/office/drawing/2014/main" id="{6105F66E-70D7-6548-9EA2-12BB057DA903}"/>
+              </a:ext>
+            </a:extLst>
+          </p:cNvPr>
+          <p:cNvPicPr>
+            <a:picLocks noChangeAspect="1"/>
+          </p:cNvPicPr>
+          <p:nvPr/>
+        </p:nvPicPr>
+        <p:blipFill>
+          <a:blip r:embed="rId2"/>
+          <a:stretch>
+            <a:fillRect/>
+          </a:stretch>
+        </p:blipFill>
+        <p:spPr>
+          <a:xfrm>
+            <a:off x="2787965" y="4343044"/>
+            <a:ext cx="6736281" cy="1873292"/>
+          </a:xfrm>
+          <a:prstGeom prst="rect">
+            <a:avLst/>
+          </a:prstGeom>
+        </p:spPr>
+      </p:pic>
     </p:spTree>
     <p:extLst>
       <p:ext uri="{BB962C8B-B14F-4D97-AF65-F5344CB8AC3E}">
-        <p14:creationId xmlns:p14="http://schemas.microsoft.com/office/powerpoint/2010/main" val="3777636646"/>
+        <p14:creationId xmlns:p14="http://schemas.microsoft.com/office/powerpoint/2010/main" val="2248046411"/>
+      </p:ext>
+    </p:extLst>
+  </p:cSld>
+  <p:clrMapOvr>
+    <a:masterClrMapping/>
+  </p:clrMapOvr>
+</p:sld>
+</file>
+
+<file path=ppt/slides/slide8.xml><?xml version="1.0" encoding="utf-8"?>
+<p:sld xmlns:a="http://schemas.openxmlformats.org/drawingml/2006/main" xmlns:r="http://schemas.openxmlformats.org/officeDocument/2006/relationships" xmlns:p="http://schemas.openxmlformats.org/presentationml/2006/main">
+  <p:cSld>
+    <p:spTree>
+      <p:nvGrpSpPr>
+        <p:cNvPr id="1" name=""/>
+        <p:cNvGrpSpPr/>
+        <p:nvPr/>
+      </p:nvGrpSpPr>
+      <p:grpSpPr>
+        <a:xfrm>
+          <a:off x="0" y="0"/>
+          <a:ext cx="0" cy="0"/>
+          <a:chOff x="0" y="0"/>
+          <a:chExt cx="0" cy="0"/>
+        </a:xfrm>
+      </p:grpSpPr>
+      <p:sp>
+        <p:nvSpPr>
+          <p:cNvPr id="2" name="Title 1">
+            <a:extLst>
+              <a:ext uri="{FF2B5EF4-FFF2-40B4-BE49-F238E27FC236}">
+                <a16:creationId xmlns:a16="http://schemas.microsoft.com/office/drawing/2014/main" id="{D63C04CD-2329-4D47-84D9-12CB3EDD9F46}"/>
+              </a:ext>
+            </a:extLst>
+          </p:cNvPr>
+          <p:cNvSpPr>
+            <a:spLocks noGrp="1"/>
+          </p:cNvSpPr>
+          <p:nvPr>
+            <p:ph type="title"/>
+          </p:nvPr>
+        </p:nvSpPr>
+        <p:spPr>
+          <a:xfrm>
+            <a:off x="1141413" y="125537"/>
+            <a:ext cx="9905998" cy="860425"/>
+          </a:xfrm>
+        </p:spPr>
+        <p:txBody>
+          <a:bodyPr/>
+          <a:lstStyle/>
+          <a:p>
+            <a:pPr algn="ctr"/>
+            <a:r>
+              <a:rPr lang="en-US" dirty="0"/>
+              <a:t>Intuitive Example</a:t>
+            </a:r>
+          </a:p>
+        </p:txBody>
+      </p:sp>
+      <p:sp>
+        <p:nvSpPr>
+          <p:cNvPr id="3" name="Content Placeholder 2">
+            <a:extLst>
+              <a:ext uri="{FF2B5EF4-FFF2-40B4-BE49-F238E27FC236}">
+                <a16:creationId xmlns:a16="http://schemas.microsoft.com/office/drawing/2014/main" id="{14278F5F-F936-6145-9FF8-704886F1A386}"/>
+              </a:ext>
+            </a:extLst>
+          </p:cNvPr>
+          <p:cNvSpPr>
+            <a:spLocks noGrp="1"/>
+          </p:cNvSpPr>
+          <p:nvPr>
+            <p:ph idx="1"/>
+          </p:nvPr>
+        </p:nvSpPr>
+        <p:spPr>
+          <a:xfrm>
+            <a:off x="1141412" y="1559371"/>
+            <a:ext cx="9905999" cy="1089328"/>
+          </a:xfrm>
+          <a:solidFill>
+            <a:schemeClr val="tx1">
+              <a:lumMod val="95000"/>
+            </a:schemeClr>
+          </a:solidFill>
+        </p:spPr>
+        <p:txBody>
+          <a:bodyPr/>
+          <a:lstStyle/>
+          <a:p>
+            <a:pPr marL="0" indent="0">
+              <a:buNone/>
+            </a:pPr>
+            <a:r>
+              <a:rPr lang="en-US" dirty="0">
+                <a:solidFill>
+                  <a:schemeClr val="bg1"/>
+                </a:solidFill>
+              </a:rPr>
+              <a:t>Intuition of what these machines can do…</a:t>
+            </a:r>
+          </a:p>
+        </p:txBody>
+      </p:sp>
+      <p:sp>
+        <p:nvSpPr>
+          <p:cNvPr id="6" name="Content Placeholder 2">
+            <a:extLst>
+              <a:ext uri="{FF2B5EF4-FFF2-40B4-BE49-F238E27FC236}">
+                <a16:creationId xmlns:a16="http://schemas.microsoft.com/office/drawing/2014/main" id="{D1AB4AE0-9143-C34D-B965-4033C921D6B5}"/>
+              </a:ext>
+            </a:extLst>
+          </p:cNvPr>
+          <p:cNvSpPr txBox="1">
+            <a:spLocks/>
+          </p:cNvSpPr>
+          <p:nvPr/>
+        </p:nvSpPr>
+        <p:spPr>
+          <a:xfrm>
+            <a:off x="1141412" y="2888722"/>
+            <a:ext cx="9905999" cy="1089328"/>
+          </a:xfrm>
+          <a:prstGeom prst="rect">
+            <a:avLst/>
+          </a:prstGeom>
+          <a:noFill/>
+        </p:spPr>
+        <p:txBody>
+          <a:bodyPr vert="horz" lIns="91440" tIns="45720" rIns="91440" bIns="45720" rtlCol="0">
+            <a:normAutofit/>
+          </a:bodyPr>
+          <a:lstStyle>
+            <a:lvl1pPr marL="228600" indent="-228600" algn="l" defTabSz="914400" rtl="0" eaLnBrk="1" latinLnBrk="0" hangingPunct="1">
+              <a:lnSpc>
+                <a:spcPct val="120000"/>
+              </a:lnSpc>
+              <a:spcBef>
+                <a:spcPts val="1000"/>
+              </a:spcBef>
+              <a:buSzPct val="125000"/>
+              <a:buFont typeface="Arial" panose="020B0604020202020204" pitchFamily="34" charset="0"/>
+              <a:buChar char="•"/>
+              <a:defRPr sz="2400" kern="1200">
+                <a:solidFill>
+                  <a:schemeClr val="tx1"/>
+                </a:solidFill>
+                <a:latin typeface="+mn-lt"/>
+                <a:ea typeface="+mn-ea"/>
+                <a:cs typeface="+mn-cs"/>
+              </a:defRPr>
+            </a:lvl1pPr>
+            <a:lvl2pPr marL="685800" indent="-228600" algn="l" defTabSz="914400" rtl="0" eaLnBrk="1" latinLnBrk="0" hangingPunct="1">
+              <a:lnSpc>
+                <a:spcPct val="120000"/>
+              </a:lnSpc>
+              <a:spcBef>
+                <a:spcPts val="500"/>
+              </a:spcBef>
+              <a:buSzPct val="125000"/>
+              <a:buFont typeface="Arial" panose="020B0604020202020204" pitchFamily="34" charset="0"/>
+              <a:buChar char="•"/>
+              <a:defRPr sz="2000" kern="1200">
+                <a:solidFill>
+                  <a:schemeClr val="tx1"/>
+                </a:solidFill>
+                <a:latin typeface="+mn-lt"/>
+                <a:ea typeface="+mn-ea"/>
+                <a:cs typeface="+mn-cs"/>
+              </a:defRPr>
+            </a:lvl2pPr>
+            <a:lvl3pPr marL="1143000" indent="-228600" algn="l" defTabSz="914400" rtl="0" eaLnBrk="1" latinLnBrk="0" hangingPunct="1">
+              <a:lnSpc>
+                <a:spcPct val="120000"/>
+              </a:lnSpc>
+              <a:spcBef>
+                <a:spcPts val="500"/>
+              </a:spcBef>
+              <a:buSzPct val="125000"/>
+              <a:buFont typeface="Arial" panose="020B0604020202020204" pitchFamily="34" charset="0"/>
+              <a:buChar char="•"/>
+              <a:defRPr sz="1800" kern="1200">
+                <a:solidFill>
+                  <a:schemeClr val="tx1"/>
+                </a:solidFill>
+                <a:latin typeface="+mn-lt"/>
+                <a:ea typeface="+mn-ea"/>
+                <a:cs typeface="+mn-cs"/>
+              </a:defRPr>
+            </a:lvl3pPr>
+            <a:lvl4pPr marL="1600200" indent="-228600" algn="l" defTabSz="914400" rtl="0" eaLnBrk="1" latinLnBrk="0" hangingPunct="1">
+              <a:lnSpc>
+                <a:spcPct val="120000"/>
+              </a:lnSpc>
+              <a:spcBef>
+                <a:spcPts val="500"/>
+              </a:spcBef>
+              <a:buSzPct val="125000"/>
+              <a:buFont typeface="Arial" panose="020B0604020202020204" pitchFamily="34" charset="0"/>
+              <a:buChar char="•"/>
+              <a:defRPr sz="1600" kern="1200">
+                <a:solidFill>
+                  <a:schemeClr val="tx1"/>
+                </a:solidFill>
+                <a:latin typeface="+mn-lt"/>
+                <a:ea typeface="+mn-ea"/>
+                <a:cs typeface="+mn-cs"/>
+              </a:defRPr>
+            </a:lvl4pPr>
+            <a:lvl5pPr marL="2057400" indent="-228600" algn="l" defTabSz="914400" rtl="0" eaLnBrk="1" latinLnBrk="0" hangingPunct="1">
+              <a:lnSpc>
+                <a:spcPct val="120000"/>
+              </a:lnSpc>
+              <a:spcBef>
+                <a:spcPts val="500"/>
+              </a:spcBef>
+              <a:buSzPct val="125000"/>
+              <a:buFont typeface="Arial" panose="020B0604020202020204" pitchFamily="34" charset="0"/>
+              <a:buChar char="•"/>
+              <a:defRPr sz="1600" kern="1200">
+                <a:solidFill>
+                  <a:schemeClr val="tx1"/>
+                </a:solidFill>
+                <a:latin typeface="+mn-lt"/>
+                <a:ea typeface="+mn-ea"/>
+                <a:cs typeface="+mn-cs"/>
+              </a:defRPr>
+            </a:lvl5pPr>
+            <a:lvl6pPr marL="2514600" indent="-228600" algn="l" defTabSz="914400" rtl="0" eaLnBrk="1" latinLnBrk="0" hangingPunct="1">
+              <a:lnSpc>
+                <a:spcPct val="120000"/>
+              </a:lnSpc>
+              <a:spcBef>
+                <a:spcPts val="500"/>
+              </a:spcBef>
+              <a:buSzPct val="125000"/>
+              <a:buFont typeface="Arial" panose="020B0604020202020204" pitchFamily="34" charset="0"/>
+              <a:buChar char="•"/>
+              <a:defRPr sz="1400" kern="1200">
+                <a:solidFill>
+                  <a:schemeClr val="tx1"/>
+                </a:solidFill>
+                <a:latin typeface="+mn-lt"/>
+                <a:ea typeface="+mn-ea"/>
+                <a:cs typeface="+mn-cs"/>
+              </a:defRPr>
+            </a:lvl6pPr>
+            <a:lvl7pPr marL="2971800" indent="-228600" algn="l" defTabSz="914400" rtl="0" eaLnBrk="1" latinLnBrk="0" hangingPunct="1">
+              <a:lnSpc>
+                <a:spcPct val="120000"/>
+              </a:lnSpc>
+              <a:spcBef>
+                <a:spcPts val="500"/>
+              </a:spcBef>
+              <a:buSzPct val="125000"/>
+              <a:buFont typeface="Arial" panose="020B0604020202020204" pitchFamily="34" charset="0"/>
+              <a:buChar char="•"/>
+              <a:defRPr sz="1400" kern="1200">
+                <a:solidFill>
+                  <a:schemeClr val="tx1"/>
+                </a:solidFill>
+                <a:latin typeface="+mn-lt"/>
+                <a:ea typeface="+mn-ea"/>
+                <a:cs typeface="+mn-cs"/>
+              </a:defRPr>
+            </a:lvl7pPr>
+            <a:lvl8pPr marL="3429000" indent="-228600" algn="l" defTabSz="914400" rtl="0" eaLnBrk="1" latinLnBrk="0" hangingPunct="1">
+              <a:lnSpc>
+                <a:spcPct val="120000"/>
+              </a:lnSpc>
+              <a:spcBef>
+                <a:spcPts val="500"/>
+              </a:spcBef>
+              <a:buSzPct val="125000"/>
+              <a:buFont typeface="Arial" panose="020B0604020202020204" pitchFamily="34" charset="0"/>
+              <a:buChar char="•"/>
+              <a:defRPr sz="1400" kern="1200">
+                <a:solidFill>
+                  <a:schemeClr val="tx1"/>
+                </a:solidFill>
+                <a:latin typeface="+mn-lt"/>
+                <a:ea typeface="+mn-ea"/>
+                <a:cs typeface="+mn-cs"/>
+              </a:defRPr>
+            </a:lvl8pPr>
+            <a:lvl9pPr marL="3886200" indent="-228600" algn="l" defTabSz="914400" rtl="0" eaLnBrk="1" latinLnBrk="0" hangingPunct="1">
+              <a:lnSpc>
+                <a:spcPct val="120000"/>
+              </a:lnSpc>
+              <a:spcBef>
+                <a:spcPts val="500"/>
+              </a:spcBef>
+              <a:buSzPct val="125000"/>
+              <a:buFont typeface="Arial" panose="020B0604020202020204" pitchFamily="34" charset="0"/>
+              <a:buChar char="•"/>
+              <a:defRPr sz="1400" kern="1200">
+                <a:solidFill>
+                  <a:schemeClr val="tx1"/>
+                </a:solidFill>
+                <a:latin typeface="+mn-lt"/>
+                <a:ea typeface="+mn-ea"/>
+                <a:cs typeface="+mn-cs"/>
+              </a:defRPr>
+            </a:lvl9pPr>
+          </a:lstStyle>
+          <a:p>
+            <a:pPr marL="0" indent="0">
+              <a:buFont typeface="Arial" panose="020B0604020202020204" pitchFamily="34" charset="0"/>
+              <a:buNone/>
+            </a:pPr>
+            <a:r>
+              <a:rPr lang="en-US" dirty="0">
+                <a:solidFill>
+                  <a:schemeClr val="tx1">
+                    <a:lumMod val="95000"/>
+                  </a:schemeClr>
+                </a:solidFill>
+              </a:rPr>
+              <a:t>…………</a:t>
+            </a:r>
+          </a:p>
+        </p:txBody>
+      </p:sp>
+      <p:pic>
+        <p:nvPicPr>
+          <p:cNvPr id="5" name="Picture 4">
+            <a:extLst>
+              <a:ext uri="{FF2B5EF4-FFF2-40B4-BE49-F238E27FC236}">
+                <a16:creationId xmlns:a16="http://schemas.microsoft.com/office/drawing/2014/main" id="{EC9CAF93-3FD7-114E-AF61-CC1571DBC647}"/>
+              </a:ext>
+            </a:extLst>
+          </p:cNvPr>
+          <p:cNvPicPr>
+            <a:picLocks noChangeAspect="1"/>
+          </p:cNvPicPr>
+          <p:nvPr/>
+        </p:nvPicPr>
+        <p:blipFill>
+          <a:blip r:embed="rId2"/>
+          <a:stretch>
+            <a:fillRect/>
+          </a:stretch>
+        </p:blipFill>
+        <p:spPr>
+          <a:xfrm>
+            <a:off x="6297936" y="2888722"/>
+            <a:ext cx="4230547" cy="3635892"/>
+          </a:xfrm>
+          <a:prstGeom prst="rect">
+            <a:avLst/>
+          </a:prstGeom>
+        </p:spPr>
+      </p:pic>
+    </p:spTree>
+    <p:extLst>
+      <p:ext uri="{BB962C8B-B14F-4D97-AF65-F5344CB8AC3E}">
+        <p14:creationId xmlns:p14="http://schemas.microsoft.com/office/powerpoint/2010/main" val="2628120977"/>
+      </p:ext>
+    </p:extLst>
+  </p:cSld>
+  <p:clrMapOvr>
+    <a:masterClrMapping/>
+  </p:clrMapOvr>
+</p:sld>
+</file>
+
+<file path=ppt/slides/slide9.xml><?xml version="1.0" encoding="utf-8"?>
+<p:sld xmlns:a="http://schemas.openxmlformats.org/drawingml/2006/main" xmlns:r="http://schemas.openxmlformats.org/officeDocument/2006/relationships" xmlns:p="http://schemas.openxmlformats.org/presentationml/2006/main">
+  <p:cSld>
+    <p:spTree>
+      <p:nvGrpSpPr>
+        <p:cNvPr id="1" name=""/>
+        <p:cNvGrpSpPr/>
+        <p:nvPr/>
+      </p:nvGrpSpPr>
+      <p:grpSpPr>
+        <a:xfrm>
+          <a:off x="0" y="0"/>
+          <a:ext cx="0" cy="0"/>
+          <a:chOff x="0" y="0"/>
+          <a:chExt cx="0" cy="0"/>
+        </a:xfrm>
+      </p:grpSpPr>
+      <p:sp>
+        <p:nvSpPr>
+          <p:cNvPr id="2" name="Title 1">
+            <a:extLst>
+              <a:ext uri="{FF2B5EF4-FFF2-40B4-BE49-F238E27FC236}">
+                <a16:creationId xmlns:a16="http://schemas.microsoft.com/office/drawing/2014/main" id="{D63C04CD-2329-4D47-84D9-12CB3EDD9F46}"/>
+              </a:ext>
+            </a:extLst>
+          </p:cNvPr>
+          <p:cNvSpPr>
+            <a:spLocks noGrp="1"/>
+          </p:cNvSpPr>
+          <p:nvPr>
+            <p:ph type="title"/>
+          </p:nvPr>
+        </p:nvSpPr>
+        <p:spPr>
+          <a:xfrm>
+            <a:off x="1141413" y="125537"/>
+            <a:ext cx="9905998" cy="860425"/>
+          </a:xfrm>
+        </p:spPr>
+        <p:txBody>
+          <a:bodyPr/>
+          <a:lstStyle/>
+          <a:p>
+            <a:pPr algn="ctr"/>
+            <a:r>
+              <a:rPr lang="en-US" dirty="0"/>
+              <a:t>Formal Definition of TM</a:t>
+            </a:r>
+          </a:p>
+        </p:txBody>
+      </p:sp>
+      <p:sp>
+        <p:nvSpPr>
+          <p:cNvPr id="3" name="Content Placeholder 2">
+            <a:extLst>
+              <a:ext uri="{FF2B5EF4-FFF2-40B4-BE49-F238E27FC236}">
+                <a16:creationId xmlns:a16="http://schemas.microsoft.com/office/drawing/2014/main" id="{14278F5F-F936-6145-9FF8-704886F1A386}"/>
+              </a:ext>
+            </a:extLst>
+          </p:cNvPr>
+          <p:cNvSpPr>
+            <a:spLocks noGrp="1"/>
+          </p:cNvSpPr>
+          <p:nvPr>
+            <p:ph idx="1"/>
+          </p:nvPr>
+        </p:nvSpPr>
+        <p:spPr>
+          <a:xfrm>
+            <a:off x="1141412" y="1559371"/>
+            <a:ext cx="9905999" cy="1089328"/>
+          </a:xfrm>
+          <a:solidFill>
+            <a:schemeClr val="tx1">
+              <a:lumMod val="95000"/>
+            </a:schemeClr>
+          </a:solidFill>
+        </p:spPr>
+        <p:txBody>
+          <a:bodyPr/>
+          <a:lstStyle/>
+          <a:p>
+            <a:pPr marL="0" indent="0">
+              <a:buNone/>
+            </a:pPr>
+            <a:r>
+              <a:rPr lang="en-US" dirty="0">
+                <a:solidFill>
+                  <a:schemeClr val="bg1"/>
+                </a:solidFill>
+              </a:rPr>
+              <a:t>…</a:t>
+            </a:r>
+          </a:p>
+        </p:txBody>
+      </p:sp>
+      <p:sp>
+        <p:nvSpPr>
+          <p:cNvPr id="6" name="Content Placeholder 2">
+            <a:extLst>
+              <a:ext uri="{FF2B5EF4-FFF2-40B4-BE49-F238E27FC236}">
+                <a16:creationId xmlns:a16="http://schemas.microsoft.com/office/drawing/2014/main" id="{D1AB4AE0-9143-C34D-B965-4033C921D6B5}"/>
+              </a:ext>
+            </a:extLst>
+          </p:cNvPr>
+          <p:cNvSpPr txBox="1">
+            <a:spLocks/>
+          </p:cNvSpPr>
+          <p:nvPr/>
+        </p:nvSpPr>
+        <p:spPr>
+          <a:xfrm>
+            <a:off x="1141412" y="2888722"/>
+            <a:ext cx="9905999" cy="1089328"/>
+          </a:xfrm>
+          <a:prstGeom prst="rect">
+            <a:avLst/>
+          </a:prstGeom>
+          <a:noFill/>
+        </p:spPr>
+        <p:txBody>
+          <a:bodyPr vert="horz" lIns="91440" tIns="45720" rIns="91440" bIns="45720" rtlCol="0">
+            <a:normAutofit/>
+          </a:bodyPr>
+          <a:lstStyle>
+            <a:lvl1pPr marL="228600" indent="-228600" algn="l" defTabSz="914400" rtl="0" eaLnBrk="1" latinLnBrk="0" hangingPunct="1">
+              <a:lnSpc>
+                <a:spcPct val="120000"/>
+              </a:lnSpc>
+              <a:spcBef>
+                <a:spcPts val="1000"/>
+              </a:spcBef>
+              <a:buSzPct val="125000"/>
+              <a:buFont typeface="Arial" panose="020B0604020202020204" pitchFamily="34" charset="0"/>
+              <a:buChar char="•"/>
+              <a:defRPr sz="2400" kern="1200">
+                <a:solidFill>
+                  <a:schemeClr val="tx1"/>
+                </a:solidFill>
+                <a:latin typeface="+mn-lt"/>
+                <a:ea typeface="+mn-ea"/>
+                <a:cs typeface="+mn-cs"/>
+              </a:defRPr>
+            </a:lvl1pPr>
+            <a:lvl2pPr marL="685800" indent="-228600" algn="l" defTabSz="914400" rtl="0" eaLnBrk="1" latinLnBrk="0" hangingPunct="1">
+              <a:lnSpc>
+                <a:spcPct val="120000"/>
+              </a:lnSpc>
+              <a:spcBef>
+                <a:spcPts val="500"/>
+              </a:spcBef>
+              <a:buSzPct val="125000"/>
+              <a:buFont typeface="Arial" panose="020B0604020202020204" pitchFamily="34" charset="0"/>
+              <a:buChar char="•"/>
+              <a:defRPr sz="2000" kern="1200">
+                <a:solidFill>
+                  <a:schemeClr val="tx1"/>
+                </a:solidFill>
+                <a:latin typeface="+mn-lt"/>
+                <a:ea typeface="+mn-ea"/>
+                <a:cs typeface="+mn-cs"/>
+              </a:defRPr>
+            </a:lvl2pPr>
+            <a:lvl3pPr marL="1143000" indent="-228600" algn="l" defTabSz="914400" rtl="0" eaLnBrk="1" latinLnBrk="0" hangingPunct="1">
+              <a:lnSpc>
+                <a:spcPct val="120000"/>
+              </a:lnSpc>
+              <a:spcBef>
+                <a:spcPts val="500"/>
+              </a:spcBef>
+              <a:buSzPct val="125000"/>
+              <a:buFont typeface="Arial" panose="020B0604020202020204" pitchFamily="34" charset="0"/>
+              <a:buChar char="•"/>
+              <a:defRPr sz="1800" kern="1200">
+                <a:solidFill>
+                  <a:schemeClr val="tx1"/>
+                </a:solidFill>
+                <a:latin typeface="+mn-lt"/>
+                <a:ea typeface="+mn-ea"/>
+                <a:cs typeface="+mn-cs"/>
+              </a:defRPr>
+            </a:lvl3pPr>
+            <a:lvl4pPr marL="1600200" indent="-228600" algn="l" defTabSz="914400" rtl="0" eaLnBrk="1" latinLnBrk="0" hangingPunct="1">
+              <a:lnSpc>
+                <a:spcPct val="120000"/>
+              </a:lnSpc>
+              <a:spcBef>
+                <a:spcPts val="500"/>
+              </a:spcBef>
+              <a:buSzPct val="125000"/>
+              <a:buFont typeface="Arial" panose="020B0604020202020204" pitchFamily="34" charset="0"/>
+              <a:buChar char="•"/>
+              <a:defRPr sz="1600" kern="1200">
+                <a:solidFill>
+                  <a:schemeClr val="tx1"/>
+                </a:solidFill>
+                <a:latin typeface="+mn-lt"/>
+                <a:ea typeface="+mn-ea"/>
+                <a:cs typeface="+mn-cs"/>
+              </a:defRPr>
+            </a:lvl4pPr>
+            <a:lvl5pPr marL="2057400" indent="-228600" algn="l" defTabSz="914400" rtl="0" eaLnBrk="1" latinLnBrk="0" hangingPunct="1">
+              <a:lnSpc>
+                <a:spcPct val="120000"/>
+              </a:lnSpc>
+              <a:spcBef>
+                <a:spcPts val="500"/>
+              </a:spcBef>
+              <a:buSzPct val="125000"/>
+              <a:buFont typeface="Arial" panose="020B0604020202020204" pitchFamily="34" charset="0"/>
+              <a:buChar char="•"/>
+              <a:defRPr sz="1600" kern="1200">
+                <a:solidFill>
+                  <a:schemeClr val="tx1"/>
+                </a:solidFill>
+                <a:latin typeface="+mn-lt"/>
+                <a:ea typeface="+mn-ea"/>
+                <a:cs typeface="+mn-cs"/>
+              </a:defRPr>
+            </a:lvl5pPr>
+            <a:lvl6pPr marL="2514600" indent="-228600" algn="l" defTabSz="914400" rtl="0" eaLnBrk="1" latinLnBrk="0" hangingPunct="1">
+              <a:lnSpc>
+                <a:spcPct val="120000"/>
+              </a:lnSpc>
+              <a:spcBef>
+                <a:spcPts val="500"/>
+              </a:spcBef>
+              <a:buSzPct val="125000"/>
+              <a:buFont typeface="Arial" panose="020B0604020202020204" pitchFamily="34" charset="0"/>
+              <a:buChar char="•"/>
+              <a:defRPr sz="1400" kern="1200">
+                <a:solidFill>
+                  <a:schemeClr val="tx1"/>
+                </a:solidFill>
+                <a:latin typeface="+mn-lt"/>
+                <a:ea typeface="+mn-ea"/>
+                <a:cs typeface="+mn-cs"/>
+              </a:defRPr>
+            </a:lvl6pPr>
+            <a:lvl7pPr marL="2971800" indent="-228600" algn="l" defTabSz="914400" rtl="0" eaLnBrk="1" latinLnBrk="0" hangingPunct="1">
+              <a:lnSpc>
+                <a:spcPct val="120000"/>
+              </a:lnSpc>
+              <a:spcBef>
+                <a:spcPts val="500"/>
+              </a:spcBef>
+              <a:buSzPct val="125000"/>
+              <a:buFont typeface="Arial" panose="020B0604020202020204" pitchFamily="34" charset="0"/>
+              <a:buChar char="•"/>
+              <a:defRPr sz="1400" kern="1200">
+                <a:solidFill>
+                  <a:schemeClr val="tx1"/>
+                </a:solidFill>
+                <a:latin typeface="+mn-lt"/>
+                <a:ea typeface="+mn-ea"/>
+                <a:cs typeface="+mn-cs"/>
+              </a:defRPr>
+            </a:lvl7pPr>
+            <a:lvl8pPr marL="3429000" indent="-228600" algn="l" defTabSz="914400" rtl="0" eaLnBrk="1" latinLnBrk="0" hangingPunct="1">
+              <a:lnSpc>
+                <a:spcPct val="120000"/>
+              </a:lnSpc>
+              <a:spcBef>
+                <a:spcPts val="500"/>
+              </a:spcBef>
+              <a:buSzPct val="125000"/>
+              <a:buFont typeface="Arial" panose="020B0604020202020204" pitchFamily="34" charset="0"/>
+              <a:buChar char="•"/>
+              <a:defRPr sz="1400" kern="1200">
+                <a:solidFill>
+                  <a:schemeClr val="tx1"/>
+                </a:solidFill>
+                <a:latin typeface="+mn-lt"/>
+                <a:ea typeface="+mn-ea"/>
+                <a:cs typeface="+mn-cs"/>
+              </a:defRPr>
+            </a:lvl8pPr>
+            <a:lvl9pPr marL="3886200" indent="-228600" algn="l" defTabSz="914400" rtl="0" eaLnBrk="1" latinLnBrk="0" hangingPunct="1">
+              <a:lnSpc>
+                <a:spcPct val="120000"/>
+              </a:lnSpc>
+              <a:spcBef>
+                <a:spcPts val="500"/>
+              </a:spcBef>
+              <a:buSzPct val="125000"/>
+              <a:buFont typeface="Arial" panose="020B0604020202020204" pitchFamily="34" charset="0"/>
+              <a:buChar char="•"/>
+              <a:defRPr sz="1400" kern="1200">
+                <a:solidFill>
+                  <a:schemeClr val="tx1"/>
+                </a:solidFill>
+                <a:latin typeface="+mn-lt"/>
+                <a:ea typeface="+mn-ea"/>
+                <a:cs typeface="+mn-cs"/>
+              </a:defRPr>
+            </a:lvl9pPr>
+          </a:lstStyle>
+          <a:p>
+            <a:pPr marL="0" indent="0">
+              <a:buFont typeface="Arial" panose="020B0604020202020204" pitchFamily="34" charset="0"/>
+              <a:buNone/>
+            </a:pPr>
+            <a:r>
+              <a:rPr lang="en-US" dirty="0">
+                <a:solidFill>
+                  <a:schemeClr val="tx1">
+                    <a:lumMod val="95000"/>
+                  </a:schemeClr>
+                </a:solidFill>
+              </a:rPr>
+              <a:t>…………</a:t>
+            </a:r>
+          </a:p>
+        </p:txBody>
+      </p:sp>
+      <p:pic>
+        <p:nvPicPr>
+          <p:cNvPr id="7" name="Picture 6">
+            <a:extLst>
+              <a:ext uri="{FF2B5EF4-FFF2-40B4-BE49-F238E27FC236}">
+                <a16:creationId xmlns:a16="http://schemas.microsoft.com/office/drawing/2014/main" id="{0E645190-2401-A44D-B129-5C98494E070F}"/>
+              </a:ext>
+            </a:extLst>
+          </p:cNvPr>
+          <p:cNvPicPr>
+            <a:picLocks noChangeAspect="1"/>
+          </p:cNvPicPr>
+          <p:nvPr/>
+        </p:nvPicPr>
+        <p:blipFill>
+          <a:blip r:embed="rId2"/>
+          <a:stretch>
+            <a:fillRect/>
+          </a:stretch>
+        </p:blipFill>
+        <p:spPr>
+          <a:xfrm>
+            <a:off x="4007902" y="3383051"/>
+            <a:ext cx="7039509" cy="3474949"/>
+          </a:xfrm>
+          <a:prstGeom prst="rect">
+            <a:avLst/>
+          </a:prstGeom>
+        </p:spPr>
+      </p:pic>
+    </p:spTree>
+    <p:extLst>
+      <p:ext uri="{BB962C8B-B14F-4D97-AF65-F5344CB8AC3E}">
+        <p14:creationId xmlns:p14="http://schemas.microsoft.com/office/powerpoint/2010/main" val="1092185445"/>
       </p:ext>
     </p:extLst>
   </p:cSld>

--- a/slides/04-TuringMachines.pptx
+++ b/slides/04-TuringMachines.pptx
@@ -5,7 +5,7 @@
     <p:sldMasterId id="2147484006" r:id="rId1"/>
   </p:sldMasterIdLst>
   <p:notesMasterIdLst>
-    <p:notesMasterId r:id="rId28"/>
+    <p:notesMasterId r:id="rId33"/>
   </p:notesMasterIdLst>
   <p:sldIdLst>
     <p:sldId id="256" r:id="rId2"/>
@@ -34,6 +34,11 @@
     <p:sldId id="478" r:id="rId25"/>
     <p:sldId id="363" r:id="rId26"/>
     <p:sldId id="479" r:id="rId27"/>
+    <p:sldId id="480" r:id="rId28"/>
+    <p:sldId id="481" r:id="rId29"/>
+    <p:sldId id="482" r:id="rId30"/>
+    <p:sldId id="483" r:id="rId31"/>
+    <p:sldId id="484" r:id="rId32"/>
   </p:sldIdLst>
   <p:sldSz cx="12192000" cy="6858000"/>
   <p:notesSz cx="6858000" cy="9144000"/>
@@ -18684,6 +18689,1037 @@
 </p:sld>
 </file>
 
+<file path=ppt/slides/slide27.xml><?xml version="1.0" encoding="utf-8"?>
+<p:sld xmlns:a="http://schemas.openxmlformats.org/drawingml/2006/main" xmlns:r="http://schemas.openxmlformats.org/officeDocument/2006/relationships" xmlns:p="http://schemas.openxmlformats.org/presentationml/2006/main">
+  <p:cSld>
+    <p:spTree>
+      <p:nvGrpSpPr>
+        <p:cNvPr id="1" name=""/>
+        <p:cNvGrpSpPr/>
+        <p:nvPr/>
+      </p:nvGrpSpPr>
+      <p:grpSpPr>
+        <a:xfrm>
+          <a:off x="0" y="0"/>
+          <a:ext cx="0" cy="0"/>
+          <a:chOff x="0" y="0"/>
+          <a:chExt cx="0" cy="0"/>
+        </a:xfrm>
+      </p:grpSpPr>
+      <p:sp>
+        <p:nvSpPr>
+          <p:cNvPr id="2" name="Title 1">
+            <a:extLst>
+              <a:ext uri="{FF2B5EF4-FFF2-40B4-BE49-F238E27FC236}">
+                <a16:creationId xmlns:a16="http://schemas.microsoft.com/office/drawing/2014/main" id="{D63C04CD-2329-4D47-84D9-12CB3EDD9F46}"/>
+              </a:ext>
+            </a:extLst>
+          </p:cNvPr>
+          <p:cNvSpPr>
+            <a:spLocks noGrp="1"/>
+          </p:cNvSpPr>
+          <p:nvPr>
+            <p:ph type="title"/>
+          </p:nvPr>
+        </p:nvSpPr>
+        <p:spPr>
+          <a:xfrm>
+            <a:off x="1141413" y="125537"/>
+            <a:ext cx="9905998" cy="860425"/>
+          </a:xfrm>
+        </p:spPr>
+        <p:txBody>
+          <a:bodyPr/>
+          <a:lstStyle/>
+          <a:p>
+            <a:pPr algn="ctr"/>
+            <a:r>
+              <a:rPr lang="en-US" dirty="0"/>
+              <a:t>Hilbert’s Problems</a:t>
+            </a:r>
+          </a:p>
+        </p:txBody>
+      </p:sp>
+      <p:sp>
+        <p:nvSpPr>
+          <p:cNvPr id="3" name="Content Placeholder 2">
+            <a:extLst>
+              <a:ext uri="{FF2B5EF4-FFF2-40B4-BE49-F238E27FC236}">
+                <a16:creationId xmlns:a16="http://schemas.microsoft.com/office/drawing/2014/main" id="{14278F5F-F936-6145-9FF8-704886F1A386}"/>
+              </a:ext>
+            </a:extLst>
+          </p:cNvPr>
+          <p:cNvSpPr>
+            <a:spLocks noGrp="1"/>
+          </p:cNvSpPr>
+          <p:nvPr>
+            <p:ph idx="1"/>
+          </p:nvPr>
+        </p:nvSpPr>
+        <p:spPr>
+          <a:xfrm>
+            <a:off x="1141412" y="1559371"/>
+            <a:ext cx="9905999" cy="1089328"/>
+          </a:xfrm>
+          <a:solidFill>
+            <a:schemeClr val="tx1">
+              <a:lumMod val="95000"/>
+            </a:schemeClr>
+          </a:solidFill>
+        </p:spPr>
+        <p:txBody>
+          <a:bodyPr/>
+          <a:lstStyle/>
+          <a:p>
+            <a:pPr marL="0" indent="0">
+              <a:buNone/>
+            </a:pPr>
+            <a:r>
+              <a:rPr lang="en-US" dirty="0">
+                <a:solidFill>
+                  <a:schemeClr val="bg1"/>
+                </a:solidFill>
+              </a:rPr>
+              <a:t>See page 183 of book</a:t>
+            </a:r>
+          </a:p>
+        </p:txBody>
+      </p:sp>
+      <p:sp>
+        <p:nvSpPr>
+          <p:cNvPr id="6" name="Content Placeholder 2">
+            <a:extLst>
+              <a:ext uri="{FF2B5EF4-FFF2-40B4-BE49-F238E27FC236}">
+                <a16:creationId xmlns:a16="http://schemas.microsoft.com/office/drawing/2014/main" id="{D1AB4AE0-9143-C34D-B965-4033C921D6B5}"/>
+              </a:ext>
+            </a:extLst>
+          </p:cNvPr>
+          <p:cNvSpPr txBox="1">
+            <a:spLocks/>
+          </p:cNvSpPr>
+          <p:nvPr/>
+        </p:nvSpPr>
+        <p:spPr>
+          <a:xfrm>
+            <a:off x="1141412" y="2888722"/>
+            <a:ext cx="9905999" cy="1089328"/>
+          </a:xfrm>
+          <a:prstGeom prst="rect">
+            <a:avLst/>
+          </a:prstGeom>
+          <a:noFill/>
+        </p:spPr>
+        <p:txBody>
+          <a:bodyPr vert="horz" lIns="91440" tIns="45720" rIns="91440" bIns="45720" rtlCol="0">
+            <a:normAutofit/>
+          </a:bodyPr>
+          <a:lstStyle>
+            <a:lvl1pPr marL="228600" indent="-228600" algn="l" defTabSz="914400" rtl="0" eaLnBrk="1" latinLnBrk="0" hangingPunct="1">
+              <a:lnSpc>
+                <a:spcPct val="120000"/>
+              </a:lnSpc>
+              <a:spcBef>
+                <a:spcPts val="1000"/>
+              </a:spcBef>
+              <a:buSzPct val="125000"/>
+              <a:buFont typeface="Arial" panose="020B0604020202020204" pitchFamily="34" charset="0"/>
+              <a:buChar char="•"/>
+              <a:defRPr sz="2400" kern="1200">
+                <a:solidFill>
+                  <a:schemeClr val="tx1"/>
+                </a:solidFill>
+                <a:latin typeface="+mn-lt"/>
+                <a:ea typeface="+mn-ea"/>
+                <a:cs typeface="+mn-cs"/>
+              </a:defRPr>
+            </a:lvl1pPr>
+            <a:lvl2pPr marL="685800" indent="-228600" algn="l" defTabSz="914400" rtl="0" eaLnBrk="1" latinLnBrk="0" hangingPunct="1">
+              <a:lnSpc>
+                <a:spcPct val="120000"/>
+              </a:lnSpc>
+              <a:spcBef>
+                <a:spcPts val="500"/>
+              </a:spcBef>
+              <a:buSzPct val="125000"/>
+              <a:buFont typeface="Arial" panose="020B0604020202020204" pitchFamily="34" charset="0"/>
+              <a:buChar char="•"/>
+              <a:defRPr sz="2000" kern="1200">
+                <a:solidFill>
+                  <a:schemeClr val="tx1"/>
+                </a:solidFill>
+                <a:latin typeface="+mn-lt"/>
+                <a:ea typeface="+mn-ea"/>
+                <a:cs typeface="+mn-cs"/>
+              </a:defRPr>
+            </a:lvl2pPr>
+            <a:lvl3pPr marL="1143000" indent="-228600" algn="l" defTabSz="914400" rtl="0" eaLnBrk="1" latinLnBrk="0" hangingPunct="1">
+              <a:lnSpc>
+                <a:spcPct val="120000"/>
+              </a:lnSpc>
+              <a:spcBef>
+                <a:spcPts val="500"/>
+              </a:spcBef>
+              <a:buSzPct val="125000"/>
+              <a:buFont typeface="Arial" panose="020B0604020202020204" pitchFamily="34" charset="0"/>
+              <a:buChar char="•"/>
+              <a:defRPr sz="1800" kern="1200">
+                <a:solidFill>
+                  <a:schemeClr val="tx1"/>
+                </a:solidFill>
+                <a:latin typeface="+mn-lt"/>
+                <a:ea typeface="+mn-ea"/>
+                <a:cs typeface="+mn-cs"/>
+              </a:defRPr>
+            </a:lvl3pPr>
+            <a:lvl4pPr marL="1600200" indent="-228600" algn="l" defTabSz="914400" rtl="0" eaLnBrk="1" latinLnBrk="0" hangingPunct="1">
+              <a:lnSpc>
+                <a:spcPct val="120000"/>
+              </a:lnSpc>
+              <a:spcBef>
+                <a:spcPts val="500"/>
+              </a:spcBef>
+              <a:buSzPct val="125000"/>
+              <a:buFont typeface="Arial" panose="020B0604020202020204" pitchFamily="34" charset="0"/>
+              <a:buChar char="•"/>
+              <a:defRPr sz="1600" kern="1200">
+                <a:solidFill>
+                  <a:schemeClr val="tx1"/>
+                </a:solidFill>
+                <a:latin typeface="+mn-lt"/>
+                <a:ea typeface="+mn-ea"/>
+                <a:cs typeface="+mn-cs"/>
+              </a:defRPr>
+            </a:lvl4pPr>
+            <a:lvl5pPr marL="2057400" indent="-228600" algn="l" defTabSz="914400" rtl="0" eaLnBrk="1" latinLnBrk="0" hangingPunct="1">
+              <a:lnSpc>
+                <a:spcPct val="120000"/>
+              </a:lnSpc>
+              <a:spcBef>
+                <a:spcPts val="500"/>
+              </a:spcBef>
+              <a:buSzPct val="125000"/>
+              <a:buFont typeface="Arial" panose="020B0604020202020204" pitchFamily="34" charset="0"/>
+              <a:buChar char="•"/>
+              <a:defRPr sz="1600" kern="1200">
+                <a:solidFill>
+                  <a:schemeClr val="tx1"/>
+                </a:solidFill>
+                <a:latin typeface="+mn-lt"/>
+                <a:ea typeface="+mn-ea"/>
+                <a:cs typeface="+mn-cs"/>
+              </a:defRPr>
+            </a:lvl5pPr>
+            <a:lvl6pPr marL="2514600" indent="-228600" algn="l" defTabSz="914400" rtl="0" eaLnBrk="1" latinLnBrk="0" hangingPunct="1">
+              <a:lnSpc>
+                <a:spcPct val="120000"/>
+              </a:lnSpc>
+              <a:spcBef>
+                <a:spcPts val="500"/>
+              </a:spcBef>
+              <a:buSzPct val="125000"/>
+              <a:buFont typeface="Arial" panose="020B0604020202020204" pitchFamily="34" charset="0"/>
+              <a:buChar char="•"/>
+              <a:defRPr sz="1400" kern="1200">
+                <a:solidFill>
+                  <a:schemeClr val="tx1"/>
+                </a:solidFill>
+                <a:latin typeface="+mn-lt"/>
+                <a:ea typeface="+mn-ea"/>
+                <a:cs typeface="+mn-cs"/>
+              </a:defRPr>
+            </a:lvl6pPr>
+            <a:lvl7pPr marL="2971800" indent="-228600" algn="l" defTabSz="914400" rtl="0" eaLnBrk="1" latinLnBrk="0" hangingPunct="1">
+              <a:lnSpc>
+                <a:spcPct val="120000"/>
+              </a:lnSpc>
+              <a:spcBef>
+                <a:spcPts val="500"/>
+              </a:spcBef>
+              <a:buSzPct val="125000"/>
+              <a:buFont typeface="Arial" panose="020B0604020202020204" pitchFamily="34" charset="0"/>
+              <a:buChar char="•"/>
+              <a:defRPr sz="1400" kern="1200">
+                <a:solidFill>
+                  <a:schemeClr val="tx1"/>
+                </a:solidFill>
+                <a:latin typeface="+mn-lt"/>
+                <a:ea typeface="+mn-ea"/>
+                <a:cs typeface="+mn-cs"/>
+              </a:defRPr>
+            </a:lvl7pPr>
+            <a:lvl8pPr marL="3429000" indent="-228600" algn="l" defTabSz="914400" rtl="0" eaLnBrk="1" latinLnBrk="0" hangingPunct="1">
+              <a:lnSpc>
+                <a:spcPct val="120000"/>
+              </a:lnSpc>
+              <a:spcBef>
+                <a:spcPts val="500"/>
+              </a:spcBef>
+              <a:buSzPct val="125000"/>
+              <a:buFont typeface="Arial" panose="020B0604020202020204" pitchFamily="34" charset="0"/>
+              <a:buChar char="•"/>
+              <a:defRPr sz="1400" kern="1200">
+                <a:solidFill>
+                  <a:schemeClr val="tx1"/>
+                </a:solidFill>
+                <a:latin typeface="+mn-lt"/>
+                <a:ea typeface="+mn-ea"/>
+                <a:cs typeface="+mn-cs"/>
+              </a:defRPr>
+            </a:lvl8pPr>
+            <a:lvl9pPr marL="3886200" indent="-228600" algn="l" defTabSz="914400" rtl="0" eaLnBrk="1" latinLnBrk="0" hangingPunct="1">
+              <a:lnSpc>
+                <a:spcPct val="120000"/>
+              </a:lnSpc>
+              <a:spcBef>
+                <a:spcPts val="500"/>
+              </a:spcBef>
+              <a:buSzPct val="125000"/>
+              <a:buFont typeface="Arial" panose="020B0604020202020204" pitchFamily="34" charset="0"/>
+              <a:buChar char="•"/>
+              <a:defRPr sz="1400" kern="1200">
+                <a:solidFill>
+                  <a:schemeClr val="tx1"/>
+                </a:solidFill>
+                <a:latin typeface="+mn-lt"/>
+                <a:ea typeface="+mn-ea"/>
+                <a:cs typeface="+mn-cs"/>
+              </a:defRPr>
+            </a:lvl9pPr>
+          </a:lstStyle>
+          <a:p>
+            <a:pPr marL="0" indent="0">
+              <a:buFont typeface="Arial" panose="020B0604020202020204" pitchFamily="34" charset="0"/>
+              <a:buNone/>
+            </a:pPr>
+            <a:r>
+              <a:rPr lang="en-US" dirty="0">
+                <a:solidFill>
+                  <a:schemeClr val="tx1">
+                    <a:lumMod val="95000"/>
+                  </a:schemeClr>
+                </a:solidFill>
+              </a:rPr>
+              <a:t>Story of finding polynomial roots. Not possible to prove because no formal definition of algorithm</a:t>
+            </a:r>
+          </a:p>
+        </p:txBody>
+      </p:sp>
+    </p:spTree>
+    <p:extLst>
+      <p:ext uri="{BB962C8B-B14F-4D97-AF65-F5344CB8AC3E}">
+        <p14:creationId xmlns:p14="http://schemas.microsoft.com/office/powerpoint/2010/main" val="3588481984"/>
+      </p:ext>
+    </p:extLst>
+  </p:cSld>
+  <p:clrMapOvr>
+    <a:masterClrMapping/>
+  </p:clrMapOvr>
+</p:sld>
+</file>
+
+<file path=ppt/slides/slide28.xml><?xml version="1.0" encoding="utf-8"?>
+<p:sld xmlns:a="http://schemas.openxmlformats.org/drawingml/2006/main" xmlns:r="http://schemas.openxmlformats.org/officeDocument/2006/relationships" xmlns:p="http://schemas.openxmlformats.org/presentationml/2006/main">
+  <p:cSld>
+    <p:spTree>
+      <p:nvGrpSpPr>
+        <p:cNvPr id="1" name=""/>
+        <p:cNvGrpSpPr/>
+        <p:nvPr/>
+      </p:nvGrpSpPr>
+      <p:grpSpPr>
+        <a:xfrm>
+          <a:off x="0" y="0"/>
+          <a:ext cx="0" cy="0"/>
+          <a:chOff x="0" y="0"/>
+          <a:chExt cx="0" cy="0"/>
+        </a:xfrm>
+      </p:grpSpPr>
+      <p:sp>
+        <p:nvSpPr>
+          <p:cNvPr id="2" name="Title 1">
+            <a:extLst>
+              <a:ext uri="{FF2B5EF4-FFF2-40B4-BE49-F238E27FC236}">
+                <a16:creationId xmlns:a16="http://schemas.microsoft.com/office/drawing/2014/main" id="{D63C04CD-2329-4D47-84D9-12CB3EDD9F46}"/>
+              </a:ext>
+            </a:extLst>
+          </p:cNvPr>
+          <p:cNvSpPr>
+            <a:spLocks noGrp="1"/>
+          </p:cNvSpPr>
+          <p:nvPr>
+            <p:ph type="title"/>
+          </p:nvPr>
+        </p:nvSpPr>
+        <p:spPr>
+          <a:xfrm>
+            <a:off x="1141413" y="125537"/>
+            <a:ext cx="9905998" cy="860425"/>
+          </a:xfrm>
+        </p:spPr>
+        <p:txBody>
+          <a:bodyPr/>
+          <a:lstStyle/>
+          <a:p>
+            <a:pPr algn="ctr"/>
+            <a:r>
+              <a:rPr lang="en-US" dirty="0"/>
+              <a:t>The Church-Turing Thesis</a:t>
+            </a:r>
+          </a:p>
+        </p:txBody>
+      </p:sp>
+      <p:sp>
+        <p:nvSpPr>
+          <p:cNvPr id="3" name="Content Placeholder 2">
+            <a:extLst>
+              <a:ext uri="{FF2B5EF4-FFF2-40B4-BE49-F238E27FC236}">
+                <a16:creationId xmlns:a16="http://schemas.microsoft.com/office/drawing/2014/main" id="{14278F5F-F936-6145-9FF8-704886F1A386}"/>
+              </a:ext>
+            </a:extLst>
+          </p:cNvPr>
+          <p:cNvSpPr>
+            <a:spLocks noGrp="1"/>
+          </p:cNvSpPr>
+          <p:nvPr>
+            <p:ph idx="1"/>
+          </p:nvPr>
+        </p:nvSpPr>
+        <p:spPr>
+          <a:xfrm>
+            <a:off x="1141412" y="1559371"/>
+            <a:ext cx="9905999" cy="1089328"/>
+          </a:xfrm>
+          <a:solidFill>
+            <a:schemeClr val="tx1">
+              <a:lumMod val="95000"/>
+            </a:schemeClr>
+          </a:solidFill>
+        </p:spPr>
+        <p:txBody>
+          <a:bodyPr>
+            <a:normAutofit fontScale="92500"/>
+          </a:bodyPr>
+          <a:lstStyle/>
+          <a:p>
+            <a:pPr marL="0" indent="0">
+              <a:buNone/>
+            </a:pPr>
+            <a:r>
+              <a:rPr lang="en-US" b="1" i="1" u="sng" dirty="0">
+                <a:solidFill>
+                  <a:schemeClr val="bg1"/>
+                </a:solidFill>
+              </a:rPr>
+              <a:t>The Church-Turing Thesis (1936)</a:t>
+            </a:r>
+            <a:r>
+              <a:rPr lang="en-US" dirty="0">
+                <a:solidFill>
+                  <a:schemeClr val="bg1"/>
+                </a:solidFill>
+              </a:rPr>
+              <a:t>: Lambda-Calculus (Alonzo Church) and Turing Machines (Alan Turing) provide the mechanism for formally defining an algorithm.</a:t>
+            </a:r>
+          </a:p>
+        </p:txBody>
+      </p:sp>
+      <p:sp>
+        <p:nvSpPr>
+          <p:cNvPr id="6" name="Content Placeholder 2">
+            <a:extLst>
+              <a:ext uri="{FF2B5EF4-FFF2-40B4-BE49-F238E27FC236}">
+                <a16:creationId xmlns:a16="http://schemas.microsoft.com/office/drawing/2014/main" id="{D1AB4AE0-9143-C34D-B965-4033C921D6B5}"/>
+              </a:ext>
+            </a:extLst>
+          </p:cNvPr>
+          <p:cNvSpPr txBox="1">
+            <a:spLocks/>
+          </p:cNvSpPr>
+          <p:nvPr/>
+        </p:nvSpPr>
+        <p:spPr>
+          <a:xfrm>
+            <a:off x="1141412" y="2888722"/>
+            <a:ext cx="9905999" cy="1089328"/>
+          </a:xfrm>
+          <a:prstGeom prst="rect">
+            <a:avLst/>
+          </a:prstGeom>
+          <a:noFill/>
+        </p:spPr>
+        <p:txBody>
+          <a:bodyPr vert="horz" lIns="91440" tIns="45720" rIns="91440" bIns="45720" rtlCol="0">
+            <a:normAutofit/>
+          </a:bodyPr>
+          <a:lstStyle>
+            <a:lvl1pPr marL="228600" indent="-228600" algn="l" defTabSz="914400" rtl="0" eaLnBrk="1" latinLnBrk="0" hangingPunct="1">
+              <a:lnSpc>
+                <a:spcPct val="120000"/>
+              </a:lnSpc>
+              <a:spcBef>
+                <a:spcPts val="1000"/>
+              </a:spcBef>
+              <a:buSzPct val="125000"/>
+              <a:buFont typeface="Arial" panose="020B0604020202020204" pitchFamily="34" charset="0"/>
+              <a:buChar char="•"/>
+              <a:defRPr sz="2400" kern="1200">
+                <a:solidFill>
+                  <a:schemeClr val="tx1"/>
+                </a:solidFill>
+                <a:latin typeface="+mn-lt"/>
+                <a:ea typeface="+mn-ea"/>
+                <a:cs typeface="+mn-cs"/>
+              </a:defRPr>
+            </a:lvl1pPr>
+            <a:lvl2pPr marL="685800" indent="-228600" algn="l" defTabSz="914400" rtl="0" eaLnBrk="1" latinLnBrk="0" hangingPunct="1">
+              <a:lnSpc>
+                <a:spcPct val="120000"/>
+              </a:lnSpc>
+              <a:spcBef>
+                <a:spcPts val="500"/>
+              </a:spcBef>
+              <a:buSzPct val="125000"/>
+              <a:buFont typeface="Arial" panose="020B0604020202020204" pitchFamily="34" charset="0"/>
+              <a:buChar char="•"/>
+              <a:defRPr sz="2000" kern="1200">
+                <a:solidFill>
+                  <a:schemeClr val="tx1"/>
+                </a:solidFill>
+                <a:latin typeface="+mn-lt"/>
+                <a:ea typeface="+mn-ea"/>
+                <a:cs typeface="+mn-cs"/>
+              </a:defRPr>
+            </a:lvl2pPr>
+            <a:lvl3pPr marL="1143000" indent="-228600" algn="l" defTabSz="914400" rtl="0" eaLnBrk="1" latinLnBrk="0" hangingPunct="1">
+              <a:lnSpc>
+                <a:spcPct val="120000"/>
+              </a:lnSpc>
+              <a:spcBef>
+                <a:spcPts val="500"/>
+              </a:spcBef>
+              <a:buSzPct val="125000"/>
+              <a:buFont typeface="Arial" panose="020B0604020202020204" pitchFamily="34" charset="0"/>
+              <a:buChar char="•"/>
+              <a:defRPr sz="1800" kern="1200">
+                <a:solidFill>
+                  <a:schemeClr val="tx1"/>
+                </a:solidFill>
+                <a:latin typeface="+mn-lt"/>
+                <a:ea typeface="+mn-ea"/>
+                <a:cs typeface="+mn-cs"/>
+              </a:defRPr>
+            </a:lvl3pPr>
+            <a:lvl4pPr marL="1600200" indent="-228600" algn="l" defTabSz="914400" rtl="0" eaLnBrk="1" latinLnBrk="0" hangingPunct="1">
+              <a:lnSpc>
+                <a:spcPct val="120000"/>
+              </a:lnSpc>
+              <a:spcBef>
+                <a:spcPts val="500"/>
+              </a:spcBef>
+              <a:buSzPct val="125000"/>
+              <a:buFont typeface="Arial" panose="020B0604020202020204" pitchFamily="34" charset="0"/>
+              <a:buChar char="•"/>
+              <a:defRPr sz="1600" kern="1200">
+                <a:solidFill>
+                  <a:schemeClr val="tx1"/>
+                </a:solidFill>
+                <a:latin typeface="+mn-lt"/>
+                <a:ea typeface="+mn-ea"/>
+                <a:cs typeface="+mn-cs"/>
+              </a:defRPr>
+            </a:lvl4pPr>
+            <a:lvl5pPr marL="2057400" indent="-228600" algn="l" defTabSz="914400" rtl="0" eaLnBrk="1" latinLnBrk="0" hangingPunct="1">
+              <a:lnSpc>
+                <a:spcPct val="120000"/>
+              </a:lnSpc>
+              <a:spcBef>
+                <a:spcPts val="500"/>
+              </a:spcBef>
+              <a:buSzPct val="125000"/>
+              <a:buFont typeface="Arial" panose="020B0604020202020204" pitchFamily="34" charset="0"/>
+              <a:buChar char="•"/>
+              <a:defRPr sz="1600" kern="1200">
+                <a:solidFill>
+                  <a:schemeClr val="tx1"/>
+                </a:solidFill>
+                <a:latin typeface="+mn-lt"/>
+                <a:ea typeface="+mn-ea"/>
+                <a:cs typeface="+mn-cs"/>
+              </a:defRPr>
+            </a:lvl5pPr>
+            <a:lvl6pPr marL="2514600" indent="-228600" algn="l" defTabSz="914400" rtl="0" eaLnBrk="1" latinLnBrk="0" hangingPunct="1">
+              <a:lnSpc>
+                <a:spcPct val="120000"/>
+              </a:lnSpc>
+              <a:spcBef>
+                <a:spcPts val="500"/>
+              </a:spcBef>
+              <a:buSzPct val="125000"/>
+              <a:buFont typeface="Arial" panose="020B0604020202020204" pitchFamily="34" charset="0"/>
+              <a:buChar char="•"/>
+              <a:defRPr sz="1400" kern="1200">
+                <a:solidFill>
+                  <a:schemeClr val="tx1"/>
+                </a:solidFill>
+                <a:latin typeface="+mn-lt"/>
+                <a:ea typeface="+mn-ea"/>
+                <a:cs typeface="+mn-cs"/>
+              </a:defRPr>
+            </a:lvl6pPr>
+            <a:lvl7pPr marL="2971800" indent="-228600" algn="l" defTabSz="914400" rtl="0" eaLnBrk="1" latinLnBrk="0" hangingPunct="1">
+              <a:lnSpc>
+                <a:spcPct val="120000"/>
+              </a:lnSpc>
+              <a:spcBef>
+                <a:spcPts val="500"/>
+              </a:spcBef>
+              <a:buSzPct val="125000"/>
+              <a:buFont typeface="Arial" panose="020B0604020202020204" pitchFamily="34" charset="0"/>
+              <a:buChar char="•"/>
+              <a:defRPr sz="1400" kern="1200">
+                <a:solidFill>
+                  <a:schemeClr val="tx1"/>
+                </a:solidFill>
+                <a:latin typeface="+mn-lt"/>
+                <a:ea typeface="+mn-ea"/>
+                <a:cs typeface="+mn-cs"/>
+              </a:defRPr>
+            </a:lvl7pPr>
+            <a:lvl8pPr marL="3429000" indent="-228600" algn="l" defTabSz="914400" rtl="0" eaLnBrk="1" latinLnBrk="0" hangingPunct="1">
+              <a:lnSpc>
+                <a:spcPct val="120000"/>
+              </a:lnSpc>
+              <a:spcBef>
+                <a:spcPts val="500"/>
+              </a:spcBef>
+              <a:buSzPct val="125000"/>
+              <a:buFont typeface="Arial" panose="020B0604020202020204" pitchFamily="34" charset="0"/>
+              <a:buChar char="•"/>
+              <a:defRPr sz="1400" kern="1200">
+                <a:solidFill>
+                  <a:schemeClr val="tx1"/>
+                </a:solidFill>
+                <a:latin typeface="+mn-lt"/>
+                <a:ea typeface="+mn-ea"/>
+                <a:cs typeface="+mn-cs"/>
+              </a:defRPr>
+            </a:lvl8pPr>
+            <a:lvl9pPr marL="3886200" indent="-228600" algn="l" defTabSz="914400" rtl="0" eaLnBrk="1" latinLnBrk="0" hangingPunct="1">
+              <a:lnSpc>
+                <a:spcPct val="120000"/>
+              </a:lnSpc>
+              <a:spcBef>
+                <a:spcPts val="500"/>
+              </a:spcBef>
+              <a:buSzPct val="125000"/>
+              <a:buFont typeface="Arial" panose="020B0604020202020204" pitchFamily="34" charset="0"/>
+              <a:buChar char="•"/>
+              <a:defRPr sz="1400" kern="1200">
+                <a:solidFill>
+                  <a:schemeClr val="tx1"/>
+                </a:solidFill>
+                <a:latin typeface="+mn-lt"/>
+                <a:ea typeface="+mn-ea"/>
+                <a:cs typeface="+mn-cs"/>
+              </a:defRPr>
+            </a:lvl9pPr>
+          </a:lstStyle>
+          <a:p>
+            <a:pPr marL="0" indent="0">
+              <a:buFont typeface="Arial" panose="020B0604020202020204" pitchFamily="34" charset="0"/>
+              <a:buNone/>
+            </a:pPr>
+            <a:r>
+              <a:rPr lang="en-US" dirty="0">
+                <a:solidFill>
+                  <a:schemeClr val="tx1">
+                    <a:lumMod val="95000"/>
+                  </a:schemeClr>
+                </a:solidFill>
+              </a:rPr>
+              <a:t>…</a:t>
+            </a:r>
+          </a:p>
+        </p:txBody>
+      </p:sp>
+      <p:pic>
+        <p:nvPicPr>
+          <p:cNvPr id="5" name="Picture 4">
+            <a:extLst>
+              <a:ext uri="{FF2B5EF4-FFF2-40B4-BE49-F238E27FC236}">
+                <a16:creationId xmlns:a16="http://schemas.microsoft.com/office/drawing/2014/main" id="{82427281-21C2-F74E-8C5E-4A73C2217996}"/>
+              </a:ext>
+            </a:extLst>
+          </p:cNvPr>
+          <p:cNvPicPr>
+            <a:picLocks noChangeAspect="1"/>
+          </p:cNvPicPr>
+          <p:nvPr/>
+        </p:nvPicPr>
+        <p:blipFill>
+          <a:blip r:embed="rId2"/>
+          <a:stretch>
+            <a:fillRect/>
+          </a:stretch>
+        </p:blipFill>
+        <p:spPr>
+          <a:xfrm>
+            <a:off x="1950645" y="4218073"/>
+            <a:ext cx="8001000" cy="1828800"/>
+          </a:xfrm>
+          <a:prstGeom prst="rect">
+            <a:avLst/>
+          </a:prstGeom>
+        </p:spPr>
+      </p:pic>
+    </p:spTree>
+    <p:extLst>
+      <p:ext uri="{BB962C8B-B14F-4D97-AF65-F5344CB8AC3E}">
+        <p14:creationId xmlns:p14="http://schemas.microsoft.com/office/powerpoint/2010/main" val="3680982836"/>
+      </p:ext>
+    </p:extLst>
+  </p:cSld>
+  <p:clrMapOvr>
+    <a:masterClrMapping/>
+  </p:clrMapOvr>
+</p:sld>
+</file>
+
+<file path=ppt/slides/slide29.xml><?xml version="1.0" encoding="utf-8"?>
+<p:sld xmlns:a="http://schemas.openxmlformats.org/drawingml/2006/main" xmlns:r="http://schemas.openxmlformats.org/officeDocument/2006/relationships" xmlns:p="http://schemas.openxmlformats.org/presentationml/2006/main">
+  <p:cSld>
+    <p:spTree>
+      <p:nvGrpSpPr>
+        <p:cNvPr id="1" name=""/>
+        <p:cNvGrpSpPr/>
+        <p:nvPr/>
+      </p:nvGrpSpPr>
+      <p:grpSpPr>
+        <a:xfrm>
+          <a:off x="0" y="0"/>
+          <a:ext cx="0" cy="0"/>
+          <a:chOff x="0" y="0"/>
+          <a:chExt cx="0" cy="0"/>
+        </a:xfrm>
+      </p:grpSpPr>
+      <p:sp>
+        <p:nvSpPr>
+          <p:cNvPr id="2" name="Title 1">
+            <a:extLst>
+              <a:ext uri="{FF2B5EF4-FFF2-40B4-BE49-F238E27FC236}">
+                <a16:creationId xmlns:a16="http://schemas.microsoft.com/office/drawing/2014/main" id="{D63C04CD-2329-4D47-84D9-12CB3EDD9F46}"/>
+              </a:ext>
+            </a:extLst>
+          </p:cNvPr>
+          <p:cNvSpPr>
+            <a:spLocks noGrp="1"/>
+          </p:cNvSpPr>
+          <p:nvPr>
+            <p:ph type="title"/>
+          </p:nvPr>
+        </p:nvSpPr>
+        <p:spPr>
+          <a:xfrm>
+            <a:off x="1141413" y="125537"/>
+            <a:ext cx="9905998" cy="860425"/>
+          </a:xfrm>
+        </p:spPr>
+        <p:txBody>
+          <a:bodyPr/>
+          <a:lstStyle/>
+          <a:p>
+            <a:pPr algn="ctr"/>
+            <a:r>
+              <a:rPr lang="en-US" dirty="0"/>
+              <a:t>Finding Polynomial Roots is Recognizable</a:t>
+            </a:r>
+          </a:p>
+        </p:txBody>
+      </p:sp>
+      <p:sp>
+        <p:nvSpPr>
+          <p:cNvPr id="3" name="Content Placeholder 2">
+            <a:extLst>
+              <a:ext uri="{FF2B5EF4-FFF2-40B4-BE49-F238E27FC236}">
+                <a16:creationId xmlns:a16="http://schemas.microsoft.com/office/drawing/2014/main" id="{14278F5F-F936-6145-9FF8-704886F1A386}"/>
+              </a:ext>
+            </a:extLst>
+          </p:cNvPr>
+          <p:cNvSpPr>
+            <a:spLocks noGrp="1"/>
+          </p:cNvSpPr>
+          <p:nvPr>
+            <p:ph idx="1"/>
+          </p:nvPr>
+        </p:nvSpPr>
+        <p:spPr>
+          <a:xfrm>
+            <a:off x="1141412" y="1559371"/>
+            <a:ext cx="9905999" cy="1089328"/>
+          </a:xfrm>
+          <a:solidFill>
+            <a:schemeClr val="tx1">
+              <a:lumMod val="95000"/>
+            </a:schemeClr>
+          </a:solidFill>
+        </p:spPr>
+        <p:txBody>
+          <a:bodyPr>
+            <a:normAutofit/>
+          </a:bodyPr>
+          <a:lstStyle/>
+          <a:p>
+            <a:pPr marL="0" indent="0">
+              <a:buNone/>
+            </a:pPr>
+            <a:r>
+              <a:rPr lang="en-US" b="1" i="1" u="sng" dirty="0">
+                <a:solidFill>
+                  <a:schemeClr val="bg1"/>
+                </a:solidFill>
+              </a:rPr>
+              <a:t>Show how to do it.</a:t>
+            </a:r>
+            <a:endParaRPr lang="en-US" dirty="0">
+              <a:solidFill>
+                <a:schemeClr val="bg1"/>
+              </a:solidFill>
+            </a:endParaRPr>
+          </a:p>
+        </p:txBody>
+      </p:sp>
+      <p:sp>
+        <p:nvSpPr>
+          <p:cNvPr id="6" name="Content Placeholder 2">
+            <a:extLst>
+              <a:ext uri="{FF2B5EF4-FFF2-40B4-BE49-F238E27FC236}">
+                <a16:creationId xmlns:a16="http://schemas.microsoft.com/office/drawing/2014/main" id="{D1AB4AE0-9143-C34D-B965-4033C921D6B5}"/>
+              </a:ext>
+            </a:extLst>
+          </p:cNvPr>
+          <p:cNvSpPr txBox="1">
+            <a:spLocks/>
+          </p:cNvSpPr>
+          <p:nvPr/>
+        </p:nvSpPr>
+        <p:spPr>
+          <a:xfrm>
+            <a:off x="1141412" y="2888722"/>
+            <a:ext cx="9905999" cy="1089328"/>
+          </a:xfrm>
+          <a:prstGeom prst="rect">
+            <a:avLst/>
+          </a:prstGeom>
+          <a:noFill/>
+        </p:spPr>
+        <p:txBody>
+          <a:bodyPr vert="horz" lIns="91440" tIns="45720" rIns="91440" bIns="45720" rtlCol="0">
+            <a:normAutofit/>
+          </a:bodyPr>
+          <a:lstStyle>
+            <a:lvl1pPr marL="228600" indent="-228600" algn="l" defTabSz="914400" rtl="0" eaLnBrk="1" latinLnBrk="0" hangingPunct="1">
+              <a:lnSpc>
+                <a:spcPct val="120000"/>
+              </a:lnSpc>
+              <a:spcBef>
+                <a:spcPts val="1000"/>
+              </a:spcBef>
+              <a:buSzPct val="125000"/>
+              <a:buFont typeface="Arial" panose="020B0604020202020204" pitchFamily="34" charset="0"/>
+              <a:buChar char="•"/>
+              <a:defRPr sz="2400" kern="1200">
+                <a:solidFill>
+                  <a:schemeClr val="tx1"/>
+                </a:solidFill>
+                <a:latin typeface="+mn-lt"/>
+                <a:ea typeface="+mn-ea"/>
+                <a:cs typeface="+mn-cs"/>
+              </a:defRPr>
+            </a:lvl1pPr>
+            <a:lvl2pPr marL="685800" indent="-228600" algn="l" defTabSz="914400" rtl="0" eaLnBrk="1" latinLnBrk="0" hangingPunct="1">
+              <a:lnSpc>
+                <a:spcPct val="120000"/>
+              </a:lnSpc>
+              <a:spcBef>
+                <a:spcPts val="500"/>
+              </a:spcBef>
+              <a:buSzPct val="125000"/>
+              <a:buFont typeface="Arial" panose="020B0604020202020204" pitchFamily="34" charset="0"/>
+              <a:buChar char="•"/>
+              <a:defRPr sz="2000" kern="1200">
+                <a:solidFill>
+                  <a:schemeClr val="tx1"/>
+                </a:solidFill>
+                <a:latin typeface="+mn-lt"/>
+                <a:ea typeface="+mn-ea"/>
+                <a:cs typeface="+mn-cs"/>
+              </a:defRPr>
+            </a:lvl2pPr>
+            <a:lvl3pPr marL="1143000" indent="-228600" algn="l" defTabSz="914400" rtl="0" eaLnBrk="1" latinLnBrk="0" hangingPunct="1">
+              <a:lnSpc>
+                <a:spcPct val="120000"/>
+              </a:lnSpc>
+              <a:spcBef>
+                <a:spcPts val="500"/>
+              </a:spcBef>
+              <a:buSzPct val="125000"/>
+              <a:buFont typeface="Arial" panose="020B0604020202020204" pitchFamily="34" charset="0"/>
+              <a:buChar char="•"/>
+              <a:defRPr sz="1800" kern="1200">
+                <a:solidFill>
+                  <a:schemeClr val="tx1"/>
+                </a:solidFill>
+                <a:latin typeface="+mn-lt"/>
+                <a:ea typeface="+mn-ea"/>
+                <a:cs typeface="+mn-cs"/>
+              </a:defRPr>
+            </a:lvl3pPr>
+            <a:lvl4pPr marL="1600200" indent="-228600" algn="l" defTabSz="914400" rtl="0" eaLnBrk="1" latinLnBrk="0" hangingPunct="1">
+              <a:lnSpc>
+                <a:spcPct val="120000"/>
+              </a:lnSpc>
+              <a:spcBef>
+                <a:spcPts val="500"/>
+              </a:spcBef>
+              <a:buSzPct val="125000"/>
+              <a:buFont typeface="Arial" panose="020B0604020202020204" pitchFamily="34" charset="0"/>
+              <a:buChar char="•"/>
+              <a:defRPr sz="1600" kern="1200">
+                <a:solidFill>
+                  <a:schemeClr val="tx1"/>
+                </a:solidFill>
+                <a:latin typeface="+mn-lt"/>
+                <a:ea typeface="+mn-ea"/>
+                <a:cs typeface="+mn-cs"/>
+              </a:defRPr>
+            </a:lvl4pPr>
+            <a:lvl5pPr marL="2057400" indent="-228600" algn="l" defTabSz="914400" rtl="0" eaLnBrk="1" latinLnBrk="0" hangingPunct="1">
+              <a:lnSpc>
+                <a:spcPct val="120000"/>
+              </a:lnSpc>
+              <a:spcBef>
+                <a:spcPts val="500"/>
+              </a:spcBef>
+              <a:buSzPct val="125000"/>
+              <a:buFont typeface="Arial" panose="020B0604020202020204" pitchFamily="34" charset="0"/>
+              <a:buChar char="•"/>
+              <a:defRPr sz="1600" kern="1200">
+                <a:solidFill>
+                  <a:schemeClr val="tx1"/>
+                </a:solidFill>
+                <a:latin typeface="+mn-lt"/>
+                <a:ea typeface="+mn-ea"/>
+                <a:cs typeface="+mn-cs"/>
+              </a:defRPr>
+            </a:lvl5pPr>
+            <a:lvl6pPr marL="2514600" indent="-228600" algn="l" defTabSz="914400" rtl="0" eaLnBrk="1" latinLnBrk="0" hangingPunct="1">
+              <a:lnSpc>
+                <a:spcPct val="120000"/>
+              </a:lnSpc>
+              <a:spcBef>
+                <a:spcPts val="500"/>
+              </a:spcBef>
+              <a:buSzPct val="125000"/>
+              <a:buFont typeface="Arial" panose="020B0604020202020204" pitchFamily="34" charset="0"/>
+              <a:buChar char="•"/>
+              <a:defRPr sz="1400" kern="1200">
+                <a:solidFill>
+                  <a:schemeClr val="tx1"/>
+                </a:solidFill>
+                <a:latin typeface="+mn-lt"/>
+                <a:ea typeface="+mn-ea"/>
+                <a:cs typeface="+mn-cs"/>
+              </a:defRPr>
+            </a:lvl6pPr>
+            <a:lvl7pPr marL="2971800" indent="-228600" algn="l" defTabSz="914400" rtl="0" eaLnBrk="1" latinLnBrk="0" hangingPunct="1">
+              <a:lnSpc>
+                <a:spcPct val="120000"/>
+              </a:lnSpc>
+              <a:spcBef>
+                <a:spcPts val="500"/>
+              </a:spcBef>
+              <a:buSzPct val="125000"/>
+              <a:buFont typeface="Arial" panose="020B0604020202020204" pitchFamily="34" charset="0"/>
+              <a:buChar char="•"/>
+              <a:defRPr sz="1400" kern="1200">
+                <a:solidFill>
+                  <a:schemeClr val="tx1"/>
+                </a:solidFill>
+                <a:latin typeface="+mn-lt"/>
+                <a:ea typeface="+mn-ea"/>
+                <a:cs typeface="+mn-cs"/>
+              </a:defRPr>
+            </a:lvl7pPr>
+            <a:lvl8pPr marL="3429000" indent="-228600" algn="l" defTabSz="914400" rtl="0" eaLnBrk="1" latinLnBrk="0" hangingPunct="1">
+              <a:lnSpc>
+                <a:spcPct val="120000"/>
+              </a:lnSpc>
+              <a:spcBef>
+                <a:spcPts val="500"/>
+              </a:spcBef>
+              <a:buSzPct val="125000"/>
+              <a:buFont typeface="Arial" panose="020B0604020202020204" pitchFamily="34" charset="0"/>
+              <a:buChar char="•"/>
+              <a:defRPr sz="1400" kern="1200">
+                <a:solidFill>
+                  <a:schemeClr val="tx1"/>
+                </a:solidFill>
+                <a:latin typeface="+mn-lt"/>
+                <a:ea typeface="+mn-ea"/>
+                <a:cs typeface="+mn-cs"/>
+              </a:defRPr>
+            </a:lvl8pPr>
+            <a:lvl9pPr marL="3886200" indent="-228600" algn="l" defTabSz="914400" rtl="0" eaLnBrk="1" latinLnBrk="0" hangingPunct="1">
+              <a:lnSpc>
+                <a:spcPct val="120000"/>
+              </a:lnSpc>
+              <a:spcBef>
+                <a:spcPts val="500"/>
+              </a:spcBef>
+              <a:buSzPct val="125000"/>
+              <a:buFont typeface="Arial" panose="020B0604020202020204" pitchFamily="34" charset="0"/>
+              <a:buChar char="•"/>
+              <a:defRPr sz="1400" kern="1200">
+                <a:solidFill>
+                  <a:schemeClr val="tx1"/>
+                </a:solidFill>
+                <a:latin typeface="+mn-lt"/>
+                <a:ea typeface="+mn-ea"/>
+                <a:cs typeface="+mn-cs"/>
+              </a:defRPr>
+            </a:lvl9pPr>
+          </a:lstStyle>
+          <a:p>
+            <a:pPr marL="0" indent="0">
+              <a:buFont typeface="Arial" panose="020B0604020202020204" pitchFamily="34" charset="0"/>
+              <a:buNone/>
+            </a:pPr>
+            <a:r>
+              <a:rPr lang="en-US" dirty="0">
+                <a:solidFill>
+                  <a:schemeClr val="tx1">
+                    <a:lumMod val="95000"/>
+                  </a:schemeClr>
+                </a:solidFill>
+              </a:rPr>
+              <a:t>Decidable for one variable. Famously not decidable for multiple variables.</a:t>
+            </a:r>
+          </a:p>
+        </p:txBody>
+      </p:sp>
+    </p:spTree>
+    <p:extLst>
+      <p:ext uri="{BB962C8B-B14F-4D97-AF65-F5344CB8AC3E}">
+        <p14:creationId xmlns:p14="http://schemas.microsoft.com/office/powerpoint/2010/main" val="2415731417"/>
+      </p:ext>
+    </p:extLst>
+  </p:cSld>
+  <p:clrMapOvr>
+    <a:masterClrMapping/>
+  </p:clrMapOvr>
+</p:sld>
+</file>
+
 <file path=ppt/slides/slide3.xml><?xml version="1.0" encoding="utf-8"?>
 <p:sld xmlns:a="http://schemas.openxmlformats.org/drawingml/2006/main" xmlns:r="http://schemas.openxmlformats.org/officeDocument/2006/relationships" xmlns:p="http://schemas.openxmlformats.org/presentationml/2006/main">
   <p:cSld>
@@ -18734,6 +19770,896 @@
     <p:extLst>
       <p:ext uri="{BB962C8B-B14F-4D97-AF65-F5344CB8AC3E}">
         <p14:creationId xmlns:p14="http://schemas.microsoft.com/office/powerpoint/2010/main" val="4149752791"/>
+      </p:ext>
+    </p:extLst>
+  </p:cSld>
+  <p:clrMapOvr>
+    <a:masterClrMapping/>
+  </p:clrMapOvr>
+</p:sld>
+</file>
+
+<file path=ppt/slides/slide30.xml><?xml version="1.0" encoding="utf-8"?>
+<p:sld xmlns:a="http://schemas.openxmlformats.org/drawingml/2006/main" xmlns:r="http://schemas.openxmlformats.org/officeDocument/2006/relationships" xmlns:p="http://schemas.openxmlformats.org/presentationml/2006/main">
+  <p:cSld>
+    <p:spTree>
+      <p:nvGrpSpPr>
+        <p:cNvPr id="1" name=""/>
+        <p:cNvGrpSpPr/>
+        <p:nvPr/>
+      </p:nvGrpSpPr>
+      <p:grpSpPr>
+        <a:xfrm>
+          <a:off x="0" y="0"/>
+          <a:ext cx="0" cy="0"/>
+          <a:chOff x="0" y="0"/>
+          <a:chExt cx="0" cy="0"/>
+        </a:xfrm>
+      </p:grpSpPr>
+      <p:sp>
+        <p:nvSpPr>
+          <p:cNvPr id="2" name="Title 1">
+            <a:extLst>
+              <a:ext uri="{FF2B5EF4-FFF2-40B4-BE49-F238E27FC236}">
+                <a16:creationId xmlns:a16="http://schemas.microsoft.com/office/drawing/2014/main" id="{D63C04CD-2329-4D47-84D9-12CB3EDD9F46}"/>
+              </a:ext>
+            </a:extLst>
+          </p:cNvPr>
+          <p:cNvSpPr>
+            <a:spLocks noGrp="1"/>
+          </p:cNvSpPr>
+          <p:nvPr>
+            <p:ph type="title"/>
+          </p:nvPr>
+        </p:nvSpPr>
+        <p:spPr>
+          <a:xfrm>
+            <a:off x="1141413" y="125537"/>
+            <a:ext cx="9905998" cy="860425"/>
+          </a:xfrm>
+        </p:spPr>
+        <p:txBody>
+          <a:bodyPr/>
+          <a:lstStyle/>
+          <a:p>
+            <a:pPr algn="ctr"/>
+            <a:r>
+              <a:rPr lang="en-US" dirty="0"/>
+              <a:t>Example TM with Algorithmic Description</a:t>
+            </a:r>
+          </a:p>
+        </p:txBody>
+      </p:sp>
+      <mc:AlternateContent xmlns:mc="http://schemas.openxmlformats.org/markup-compatibility/2006">
+        <mc:Choice xmlns:a14="http://schemas.microsoft.com/office/drawing/2010/main" Requires="a14">
+          <p:sp>
+            <p:nvSpPr>
+              <p:cNvPr id="3" name="Content Placeholder 2">
+                <a:extLst>
+                  <a:ext uri="{FF2B5EF4-FFF2-40B4-BE49-F238E27FC236}">
+                    <a16:creationId xmlns:a16="http://schemas.microsoft.com/office/drawing/2014/main" id="{14278F5F-F936-6145-9FF8-704886F1A386}"/>
+                  </a:ext>
+                </a:extLst>
+              </p:cNvPr>
+              <p:cNvSpPr>
+                <a:spLocks noGrp="1"/>
+              </p:cNvSpPr>
+              <p:nvPr>
+                <p:ph idx="1"/>
+              </p:nvPr>
+            </p:nvSpPr>
+            <p:spPr>
+              <a:xfrm>
+                <a:off x="1141412" y="1559371"/>
+                <a:ext cx="9905999" cy="1089328"/>
+              </a:xfrm>
+              <a:solidFill>
+                <a:schemeClr val="tx1">
+                  <a:lumMod val="95000"/>
+                </a:schemeClr>
+              </a:solidFill>
+            </p:spPr>
+            <p:txBody>
+              <a:bodyPr>
+                <a:normAutofit/>
+              </a:bodyPr>
+              <a:lstStyle/>
+              <a:p>
+                <a:pPr marL="0" indent="0">
+                  <a:buNone/>
+                </a:pPr>
+                <a:r>
+                  <a:rPr lang="en-US" b="1" i="1" u="sng" dirty="0">
+                    <a:solidFill>
+                      <a:schemeClr val="bg1"/>
+                    </a:solidFill>
+                  </a:rPr>
+                  <a:t>Use an algorithm to describe the following:</a:t>
+                </a:r>
+                <a:r>
+                  <a:rPr lang="en-US" dirty="0">
+                    <a:solidFill>
+                      <a:schemeClr val="bg1"/>
+                    </a:solidFill>
+                  </a:rPr>
+                  <a:t> </a:t>
+                </a:r>
+                <a14:m>
+                  <m:oMath xmlns:m="http://schemas.openxmlformats.org/officeDocument/2006/math">
+                    <m:r>
+                      <a:rPr lang="en-US" b="0" i="1" smtClean="0">
+                        <a:solidFill>
+                          <a:schemeClr val="bg1"/>
+                        </a:solidFill>
+                        <a:latin typeface="Cambria Math" panose="02040503050406030204" pitchFamily="18" charset="0"/>
+                      </a:rPr>
+                      <m:t>𝐴</m:t>
+                    </m:r>
+                    <m:r>
+                      <a:rPr lang="en-US" b="0" i="1" smtClean="0">
+                        <a:solidFill>
+                          <a:schemeClr val="bg1"/>
+                        </a:solidFill>
+                        <a:latin typeface="Cambria Math" panose="02040503050406030204" pitchFamily="18" charset="0"/>
+                      </a:rPr>
+                      <m:t>=</m:t>
+                    </m:r>
+                    <m:d>
+                      <m:dPr>
+                        <m:begChr m:val="{"/>
+                        <m:endChr m:val="|"/>
+                        <m:ctrlPr>
+                          <a:rPr lang="en-US" b="0" i="1" smtClean="0">
+                            <a:solidFill>
+                              <a:schemeClr val="bg1"/>
+                            </a:solidFill>
+                            <a:latin typeface="Cambria Math" panose="02040503050406030204" pitchFamily="18" charset="0"/>
+                          </a:rPr>
+                        </m:ctrlPr>
+                      </m:dPr>
+                      <m:e>
+                        <m:r>
+                          <a:rPr lang="en-US" b="0" i="1" smtClean="0">
+                            <a:solidFill>
+                              <a:schemeClr val="bg1"/>
+                            </a:solidFill>
+                            <a:latin typeface="Cambria Math" panose="02040503050406030204" pitchFamily="18" charset="0"/>
+                          </a:rPr>
+                          <m:t>𝐺</m:t>
+                        </m:r>
+                        <m:r>
+                          <a:rPr lang="en-US" b="0" i="1" smtClean="0">
+                            <a:solidFill>
+                              <a:schemeClr val="bg1"/>
+                            </a:solidFill>
+                            <a:latin typeface="Cambria Math" panose="02040503050406030204" pitchFamily="18" charset="0"/>
+                          </a:rPr>
+                          <m:t> </m:t>
+                        </m:r>
+                      </m:e>
+                    </m:d>
+                    <m:r>
+                      <a:rPr lang="en-US" b="0" i="1" smtClean="0">
+                        <a:solidFill>
+                          <a:schemeClr val="bg1"/>
+                        </a:solidFill>
+                        <a:latin typeface="Cambria Math" panose="02040503050406030204" pitchFamily="18" charset="0"/>
+                      </a:rPr>
+                      <m:t> </m:t>
+                    </m:r>
+                    <m:r>
+                      <a:rPr lang="en-US" b="0" i="1" smtClean="0">
+                        <a:solidFill>
+                          <a:schemeClr val="bg1"/>
+                        </a:solidFill>
+                        <a:latin typeface="Cambria Math" panose="02040503050406030204" pitchFamily="18" charset="0"/>
+                      </a:rPr>
+                      <m:t>𝐺</m:t>
+                    </m:r>
+                    <m:r>
+                      <a:rPr lang="en-US" b="0" i="1" smtClean="0">
+                        <a:solidFill>
+                          <a:schemeClr val="bg1"/>
+                        </a:solidFill>
+                        <a:latin typeface="Cambria Math" panose="02040503050406030204" pitchFamily="18" charset="0"/>
+                      </a:rPr>
+                      <m:t> </m:t>
+                    </m:r>
+                    <m:r>
+                      <a:rPr lang="en-US" b="0" i="1" smtClean="0">
+                        <a:solidFill>
+                          <a:schemeClr val="bg1"/>
+                        </a:solidFill>
+                        <a:latin typeface="Cambria Math" panose="02040503050406030204" pitchFamily="18" charset="0"/>
+                      </a:rPr>
+                      <m:t>𝑖𝑠</m:t>
+                    </m:r>
+                    <m:r>
+                      <a:rPr lang="en-US" b="0" i="1" smtClean="0">
+                        <a:solidFill>
+                          <a:schemeClr val="bg1"/>
+                        </a:solidFill>
+                        <a:latin typeface="Cambria Math" panose="02040503050406030204" pitchFamily="18" charset="0"/>
+                      </a:rPr>
+                      <m:t> </m:t>
+                    </m:r>
+                    <m:r>
+                      <a:rPr lang="en-US" b="0" i="1" smtClean="0">
+                        <a:solidFill>
+                          <a:schemeClr val="bg1"/>
+                        </a:solidFill>
+                        <a:latin typeface="Cambria Math" panose="02040503050406030204" pitchFamily="18" charset="0"/>
+                      </a:rPr>
+                      <m:t>𝑎</m:t>
+                    </m:r>
+                    <m:r>
+                      <a:rPr lang="en-US" b="0" i="1" smtClean="0">
+                        <a:solidFill>
+                          <a:schemeClr val="bg1"/>
+                        </a:solidFill>
+                        <a:latin typeface="Cambria Math" panose="02040503050406030204" pitchFamily="18" charset="0"/>
+                      </a:rPr>
+                      <m:t> </m:t>
+                    </m:r>
+                    <m:r>
+                      <a:rPr lang="en-US" b="0" i="1" smtClean="0">
+                        <a:solidFill>
+                          <a:schemeClr val="bg1"/>
+                        </a:solidFill>
+                        <a:latin typeface="Cambria Math" panose="02040503050406030204" pitchFamily="18" charset="0"/>
+                      </a:rPr>
+                      <m:t>𝑐𝑜𝑛𝑛𝑒𝑐𝑡𝑒𝑑</m:t>
+                    </m:r>
+                    <m:r>
+                      <a:rPr lang="en-US" b="0" i="1" smtClean="0">
+                        <a:solidFill>
+                          <a:schemeClr val="bg1"/>
+                        </a:solidFill>
+                        <a:latin typeface="Cambria Math" panose="02040503050406030204" pitchFamily="18" charset="0"/>
+                      </a:rPr>
+                      <m:t> </m:t>
+                    </m:r>
+                    <m:r>
+                      <a:rPr lang="en-US" b="0" i="1" smtClean="0">
+                        <a:solidFill>
+                          <a:schemeClr val="bg1"/>
+                        </a:solidFill>
+                        <a:latin typeface="Cambria Math" panose="02040503050406030204" pitchFamily="18" charset="0"/>
+                      </a:rPr>
+                      <m:t>𝑔𝑟𝑎𝑝h</m:t>
+                    </m:r>
+                    <m:r>
+                      <a:rPr lang="en-US" b="0" i="1" smtClean="0">
+                        <a:solidFill>
+                          <a:schemeClr val="bg1"/>
+                        </a:solidFill>
+                        <a:latin typeface="Cambria Math" panose="02040503050406030204" pitchFamily="18" charset="0"/>
+                      </a:rPr>
+                      <m:t>}</m:t>
+                    </m:r>
+                  </m:oMath>
+                </a14:m>
+                <a:endParaRPr lang="en-US" dirty="0">
+                  <a:solidFill>
+                    <a:schemeClr val="bg1"/>
+                  </a:solidFill>
+                </a:endParaRPr>
+              </a:p>
+            </p:txBody>
+          </p:sp>
+        </mc:Choice>
+        <mc:Fallback>
+          <p:sp>
+            <p:nvSpPr>
+              <p:cNvPr id="3" name="Content Placeholder 2">
+                <a:extLst>
+                  <a:ext uri="{FF2B5EF4-FFF2-40B4-BE49-F238E27FC236}">
+                    <a16:creationId xmlns:a16="http://schemas.microsoft.com/office/drawing/2014/main" id="{14278F5F-F936-6145-9FF8-704886F1A386}"/>
+                  </a:ext>
+                </a:extLst>
+              </p:cNvPr>
+              <p:cNvSpPr>
+                <a:spLocks noGrp="1" noRot="1" noChangeAspect="1" noMove="1" noResize="1" noEditPoints="1" noAdjustHandles="1" noChangeArrowheads="1" noChangeShapeType="1" noTextEdit="1"/>
+              </p:cNvSpPr>
+              <p:nvPr>
+                <p:ph idx="1"/>
+              </p:nvPr>
+            </p:nvSpPr>
+            <p:spPr>
+              <a:xfrm>
+                <a:off x="1141412" y="1559371"/>
+                <a:ext cx="9905999" cy="1089328"/>
+              </a:xfrm>
+              <a:blipFill>
+                <a:blip r:embed="rId2"/>
+                <a:stretch>
+                  <a:fillRect l="-896" t="-1149"/>
+                </a:stretch>
+              </a:blipFill>
+            </p:spPr>
+            <p:txBody>
+              <a:bodyPr/>
+              <a:lstStyle/>
+              <a:p>
+                <a:r>
+                  <a:rPr lang="en-US">
+                    <a:noFill/>
+                  </a:rPr>
+                  <a:t> </a:t>
+                </a:r>
+              </a:p>
+            </p:txBody>
+          </p:sp>
+        </mc:Fallback>
+      </mc:AlternateContent>
+      <p:sp>
+        <p:nvSpPr>
+          <p:cNvPr id="6" name="Content Placeholder 2">
+            <a:extLst>
+              <a:ext uri="{FF2B5EF4-FFF2-40B4-BE49-F238E27FC236}">
+                <a16:creationId xmlns:a16="http://schemas.microsoft.com/office/drawing/2014/main" id="{D1AB4AE0-9143-C34D-B965-4033C921D6B5}"/>
+              </a:ext>
+            </a:extLst>
+          </p:cNvPr>
+          <p:cNvSpPr txBox="1">
+            <a:spLocks/>
+          </p:cNvSpPr>
+          <p:nvPr/>
+        </p:nvSpPr>
+        <p:spPr>
+          <a:xfrm>
+            <a:off x="1141412" y="2888722"/>
+            <a:ext cx="9905999" cy="1089328"/>
+          </a:xfrm>
+          <a:prstGeom prst="rect">
+            <a:avLst/>
+          </a:prstGeom>
+          <a:noFill/>
+        </p:spPr>
+        <p:txBody>
+          <a:bodyPr vert="horz" lIns="91440" tIns="45720" rIns="91440" bIns="45720" rtlCol="0">
+            <a:normAutofit/>
+          </a:bodyPr>
+          <a:lstStyle>
+            <a:lvl1pPr marL="228600" indent="-228600" algn="l" defTabSz="914400" rtl="0" eaLnBrk="1" latinLnBrk="0" hangingPunct="1">
+              <a:lnSpc>
+                <a:spcPct val="120000"/>
+              </a:lnSpc>
+              <a:spcBef>
+                <a:spcPts val="1000"/>
+              </a:spcBef>
+              <a:buSzPct val="125000"/>
+              <a:buFont typeface="Arial" panose="020B0604020202020204" pitchFamily="34" charset="0"/>
+              <a:buChar char="•"/>
+              <a:defRPr sz="2400" kern="1200">
+                <a:solidFill>
+                  <a:schemeClr val="tx1"/>
+                </a:solidFill>
+                <a:latin typeface="+mn-lt"/>
+                <a:ea typeface="+mn-ea"/>
+                <a:cs typeface="+mn-cs"/>
+              </a:defRPr>
+            </a:lvl1pPr>
+            <a:lvl2pPr marL="685800" indent="-228600" algn="l" defTabSz="914400" rtl="0" eaLnBrk="1" latinLnBrk="0" hangingPunct="1">
+              <a:lnSpc>
+                <a:spcPct val="120000"/>
+              </a:lnSpc>
+              <a:spcBef>
+                <a:spcPts val="500"/>
+              </a:spcBef>
+              <a:buSzPct val="125000"/>
+              <a:buFont typeface="Arial" panose="020B0604020202020204" pitchFamily="34" charset="0"/>
+              <a:buChar char="•"/>
+              <a:defRPr sz="2000" kern="1200">
+                <a:solidFill>
+                  <a:schemeClr val="tx1"/>
+                </a:solidFill>
+                <a:latin typeface="+mn-lt"/>
+                <a:ea typeface="+mn-ea"/>
+                <a:cs typeface="+mn-cs"/>
+              </a:defRPr>
+            </a:lvl2pPr>
+            <a:lvl3pPr marL="1143000" indent="-228600" algn="l" defTabSz="914400" rtl="0" eaLnBrk="1" latinLnBrk="0" hangingPunct="1">
+              <a:lnSpc>
+                <a:spcPct val="120000"/>
+              </a:lnSpc>
+              <a:spcBef>
+                <a:spcPts val="500"/>
+              </a:spcBef>
+              <a:buSzPct val="125000"/>
+              <a:buFont typeface="Arial" panose="020B0604020202020204" pitchFamily="34" charset="0"/>
+              <a:buChar char="•"/>
+              <a:defRPr sz="1800" kern="1200">
+                <a:solidFill>
+                  <a:schemeClr val="tx1"/>
+                </a:solidFill>
+                <a:latin typeface="+mn-lt"/>
+                <a:ea typeface="+mn-ea"/>
+                <a:cs typeface="+mn-cs"/>
+              </a:defRPr>
+            </a:lvl3pPr>
+            <a:lvl4pPr marL="1600200" indent="-228600" algn="l" defTabSz="914400" rtl="0" eaLnBrk="1" latinLnBrk="0" hangingPunct="1">
+              <a:lnSpc>
+                <a:spcPct val="120000"/>
+              </a:lnSpc>
+              <a:spcBef>
+                <a:spcPts val="500"/>
+              </a:spcBef>
+              <a:buSzPct val="125000"/>
+              <a:buFont typeface="Arial" panose="020B0604020202020204" pitchFamily="34" charset="0"/>
+              <a:buChar char="•"/>
+              <a:defRPr sz="1600" kern="1200">
+                <a:solidFill>
+                  <a:schemeClr val="tx1"/>
+                </a:solidFill>
+                <a:latin typeface="+mn-lt"/>
+                <a:ea typeface="+mn-ea"/>
+                <a:cs typeface="+mn-cs"/>
+              </a:defRPr>
+            </a:lvl4pPr>
+            <a:lvl5pPr marL="2057400" indent="-228600" algn="l" defTabSz="914400" rtl="0" eaLnBrk="1" latinLnBrk="0" hangingPunct="1">
+              <a:lnSpc>
+                <a:spcPct val="120000"/>
+              </a:lnSpc>
+              <a:spcBef>
+                <a:spcPts val="500"/>
+              </a:spcBef>
+              <a:buSzPct val="125000"/>
+              <a:buFont typeface="Arial" panose="020B0604020202020204" pitchFamily="34" charset="0"/>
+              <a:buChar char="•"/>
+              <a:defRPr sz="1600" kern="1200">
+                <a:solidFill>
+                  <a:schemeClr val="tx1"/>
+                </a:solidFill>
+                <a:latin typeface="+mn-lt"/>
+                <a:ea typeface="+mn-ea"/>
+                <a:cs typeface="+mn-cs"/>
+              </a:defRPr>
+            </a:lvl5pPr>
+            <a:lvl6pPr marL="2514600" indent="-228600" algn="l" defTabSz="914400" rtl="0" eaLnBrk="1" latinLnBrk="0" hangingPunct="1">
+              <a:lnSpc>
+                <a:spcPct val="120000"/>
+              </a:lnSpc>
+              <a:spcBef>
+                <a:spcPts val="500"/>
+              </a:spcBef>
+              <a:buSzPct val="125000"/>
+              <a:buFont typeface="Arial" panose="020B0604020202020204" pitchFamily="34" charset="0"/>
+              <a:buChar char="•"/>
+              <a:defRPr sz="1400" kern="1200">
+                <a:solidFill>
+                  <a:schemeClr val="tx1"/>
+                </a:solidFill>
+                <a:latin typeface="+mn-lt"/>
+                <a:ea typeface="+mn-ea"/>
+                <a:cs typeface="+mn-cs"/>
+              </a:defRPr>
+            </a:lvl6pPr>
+            <a:lvl7pPr marL="2971800" indent="-228600" algn="l" defTabSz="914400" rtl="0" eaLnBrk="1" latinLnBrk="0" hangingPunct="1">
+              <a:lnSpc>
+                <a:spcPct val="120000"/>
+              </a:lnSpc>
+              <a:spcBef>
+                <a:spcPts val="500"/>
+              </a:spcBef>
+              <a:buSzPct val="125000"/>
+              <a:buFont typeface="Arial" panose="020B0604020202020204" pitchFamily="34" charset="0"/>
+              <a:buChar char="•"/>
+              <a:defRPr sz="1400" kern="1200">
+                <a:solidFill>
+                  <a:schemeClr val="tx1"/>
+                </a:solidFill>
+                <a:latin typeface="+mn-lt"/>
+                <a:ea typeface="+mn-ea"/>
+                <a:cs typeface="+mn-cs"/>
+              </a:defRPr>
+            </a:lvl7pPr>
+            <a:lvl8pPr marL="3429000" indent="-228600" algn="l" defTabSz="914400" rtl="0" eaLnBrk="1" latinLnBrk="0" hangingPunct="1">
+              <a:lnSpc>
+                <a:spcPct val="120000"/>
+              </a:lnSpc>
+              <a:spcBef>
+                <a:spcPts val="500"/>
+              </a:spcBef>
+              <a:buSzPct val="125000"/>
+              <a:buFont typeface="Arial" panose="020B0604020202020204" pitchFamily="34" charset="0"/>
+              <a:buChar char="•"/>
+              <a:defRPr sz="1400" kern="1200">
+                <a:solidFill>
+                  <a:schemeClr val="tx1"/>
+                </a:solidFill>
+                <a:latin typeface="+mn-lt"/>
+                <a:ea typeface="+mn-ea"/>
+                <a:cs typeface="+mn-cs"/>
+              </a:defRPr>
+            </a:lvl8pPr>
+            <a:lvl9pPr marL="3886200" indent="-228600" algn="l" defTabSz="914400" rtl="0" eaLnBrk="1" latinLnBrk="0" hangingPunct="1">
+              <a:lnSpc>
+                <a:spcPct val="120000"/>
+              </a:lnSpc>
+              <a:spcBef>
+                <a:spcPts val="500"/>
+              </a:spcBef>
+              <a:buSzPct val="125000"/>
+              <a:buFont typeface="Arial" panose="020B0604020202020204" pitchFamily="34" charset="0"/>
+              <a:buChar char="•"/>
+              <a:defRPr sz="1400" kern="1200">
+                <a:solidFill>
+                  <a:schemeClr val="tx1"/>
+                </a:solidFill>
+                <a:latin typeface="+mn-lt"/>
+                <a:ea typeface="+mn-ea"/>
+                <a:cs typeface="+mn-cs"/>
+              </a:defRPr>
+            </a:lvl9pPr>
+          </a:lstStyle>
+          <a:p>
+            <a:pPr marL="0" indent="0">
+              <a:buFont typeface="Arial" panose="020B0604020202020204" pitchFamily="34" charset="0"/>
+              <a:buNone/>
+            </a:pPr>
+            <a:r>
+              <a:rPr lang="en-US" dirty="0">
+                <a:solidFill>
+                  <a:schemeClr val="tx1">
+                    <a:lumMod val="95000"/>
+                  </a:schemeClr>
+                </a:solidFill>
+              </a:rPr>
+              <a:t>Decidable for one variable. Famously not decidable for multiple variables.</a:t>
+            </a:r>
+          </a:p>
+        </p:txBody>
+      </p:sp>
+      <p:pic>
+        <p:nvPicPr>
+          <p:cNvPr id="5" name="Picture 4">
+            <a:extLst>
+              <a:ext uri="{FF2B5EF4-FFF2-40B4-BE49-F238E27FC236}">
+                <a16:creationId xmlns:a16="http://schemas.microsoft.com/office/drawing/2014/main" id="{EDCEB0C8-6A3D-FF48-9692-82397F4307A7}"/>
+              </a:ext>
+            </a:extLst>
+          </p:cNvPr>
+          <p:cNvPicPr>
+            <a:picLocks noChangeAspect="1"/>
+          </p:cNvPicPr>
+          <p:nvPr/>
+        </p:nvPicPr>
+        <p:blipFill>
+          <a:blip r:embed="rId3"/>
+          <a:stretch>
+            <a:fillRect/>
+          </a:stretch>
+        </p:blipFill>
+        <p:spPr>
+          <a:xfrm>
+            <a:off x="2864809" y="3413157"/>
+            <a:ext cx="3185002" cy="3109864"/>
+          </a:xfrm>
+          <a:prstGeom prst="rect">
+            <a:avLst/>
+          </a:prstGeom>
+        </p:spPr>
+      </p:pic>
+    </p:spTree>
+    <p:extLst>
+      <p:ext uri="{BB962C8B-B14F-4D97-AF65-F5344CB8AC3E}">
+        <p14:creationId xmlns:p14="http://schemas.microsoft.com/office/powerpoint/2010/main" val="2440001060"/>
+      </p:ext>
+    </p:extLst>
+  </p:cSld>
+  <p:clrMapOvr>
+    <a:masterClrMapping/>
+  </p:clrMapOvr>
+</p:sld>
+</file>
+
+<file path=ppt/slides/slide31.xml><?xml version="1.0" encoding="utf-8"?>
+<p:sld xmlns:a="http://schemas.openxmlformats.org/drawingml/2006/main" xmlns:r="http://schemas.openxmlformats.org/officeDocument/2006/relationships" xmlns:p="http://schemas.openxmlformats.org/presentationml/2006/main">
+  <p:cSld>
+    <p:spTree>
+      <p:nvGrpSpPr>
+        <p:cNvPr id="1" name=""/>
+        <p:cNvGrpSpPr/>
+        <p:nvPr/>
+      </p:nvGrpSpPr>
+      <p:grpSpPr>
+        <a:xfrm>
+          <a:off x="0" y="0"/>
+          <a:ext cx="0" cy="0"/>
+          <a:chOff x="0" y="0"/>
+          <a:chExt cx="0" cy="0"/>
+        </a:xfrm>
+      </p:grpSpPr>
+      <p:sp>
+        <p:nvSpPr>
+          <p:cNvPr id="2" name="Title 1">
+            <a:extLst>
+              <a:ext uri="{FF2B5EF4-FFF2-40B4-BE49-F238E27FC236}">
+                <a16:creationId xmlns:a16="http://schemas.microsoft.com/office/drawing/2014/main" id="{D63C04CD-2329-4D47-84D9-12CB3EDD9F46}"/>
+              </a:ext>
+            </a:extLst>
+          </p:cNvPr>
+          <p:cNvSpPr>
+            <a:spLocks noGrp="1"/>
+          </p:cNvSpPr>
+          <p:nvPr>
+            <p:ph type="title"/>
+          </p:nvPr>
+        </p:nvSpPr>
+        <p:spPr>
+          <a:xfrm>
+            <a:off x="1141413" y="125537"/>
+            <a:ext cx="9905998" cy="860425"/>
+          </a:xfrm>
+        </p:spPr>
+        <p:txBody>
+          <a:bodyPr/>
+          <a:lstStyle/>
+          <a:p>
+            <a:pPr algn="ctr"/>
+            <a:r>
+              <a:rPr lang="en-US" dirty="0"/>
+              <a:t>What did we learn in this deck</a:t>
+            </a:r>
+          </a:p>
+        </p:txBody>
+      </p:sp>
+      <p:sp>
+        <p:nvSpPr>
+          <p:cNvPr id="6" name="Content Placeholder 2">
+            <a:extLst>
+              <a:ext uri="{FF2B5EF4-FFF2-40B4-BE49-F238E27FC236}">
+                <a16:creationId xmlns:a16="http://schemas.microsoft.com/office/drawing/2014/main" id="{D1AB4AE0-9143-C34D-B965-4033C921D6B5}"/>
+              </a:ext>
+            </a:extLst>
+          </p:cNvPr>
+          <p:cNvSpPr txBox="1">
+            <a:spLocks/>
+          </p:cNvSpPr>
+          <p:nvPr/>
+        </p:nvSpPr>
+        <p:spPr>
+          <a:xfrm>
+            <a:off x="1141412" y="2381061"/>
+            <a:ext cx="9905999" cy="2788467"/>
+          </a:xfrm>
+          <a:prstGeom prst="rect">
+            <a:avLst/>
+          </a:prstGeom>
+          <a:noFill/>
+        </p:spPr>
+        <p:txBody>
+          <a:bodyPr vert="horz" lIns="91440" tIns="45720" rIns="91440" bIns="45720" rtlCol="0">
+            <a:normAutofit/>
+          </a:bodyPr>
+          <a:lstStyle>
+            <a:lvl1pPr marL="228600" indent="-228600" algn="l" defTabSz="914400" rtl="0" eaLnBrk="1" latinLnBrk="0" hangingPunct="1">
+              <a:lnSpc>
+                <a:spcPct val="120000"/>
+              </a:lnSpc>
+              <a:spcBef>
+                <a:spcPts val="1000"/>
+              </a:spcBef>
+              <a:buSzPct val="125000"/>
+              <a:buFont typeface="Arial" panose="020B0604020202020204" pitchFamily="34" charset="0"/>
+              <a:buChar char="•"/>
+              <a:defRPr sz="2400" kern="1200">
+                <a:solidFill>
+                  <a:schemeClr val="tx1"/>
+                </a:solidFill>
+                <a:latin typeface="+mn-lt"/>
+                <a:ea typeface="+mn-ea"/>
+                <a:cs typeface="+mn-cs"/>
+              </a:defRPr>
+            </a:lvl1pPr>
+            <a:lvl2pPr marL="685800" indent="-228600" algn="l" defTabSz="914400" rtl="0" eaLnBrk="1" latinLnBrk="0" hangingPunct="1">
+              <a:lnSpc>
+                <a:spcPct val="120000"/>
+              </a:lnSpc>
+              <a:spcBef>
+                <a:spcPts val="500"/>
+              </a:spcBef>
+              <a:buSzPct val="125000"/>
+              <a:buFont typeface="Arial" panose="020B0604020202020204" pitchFamily="34" charset="0"/>
+              <a:buChar char="•"/>
+              <a:defRPr sz="2000" kern="1200">
+                <a:solidFill>
+                  <a:schemeClr val="tx1"/>
+                </a:solidFill>
+                <a:latin typeface="+mn-lt"/>
+                <a:ea typeface="+mn-ea"/>
+                <a:cs typeface="+mn-cs"/>
+              </a:defRPr>
+            </a:lvl2pPr>
+            <a:lvl3pPr marL="1143000" indent="-228600" algn="l" defTabSz="914400" rtl="0" eaLnBrk="1" latinLnBrk="0" hangingPunct="1">
+              <a:lnSpc>
+                <a:spcPct val="120000"/>
+              </a:lnSpc>
+              <a:spcBef>
+                <a:spcPts val="500"/>
+              </a:spcBef>
+              <a:buSzPct val="125000"/>
+              <a:buFont typeface="Arial" panose="020B0604020202020204" pitchFamily="34" charset="0"/>
+              <a:buChar char="•"/>
+              <a:defRPr sz="1800" kern="1200">
+                <a:solidFill>
+                  <a:schemeClr val="tx1"/>
+                </a:solidFill>
+                <a:latin typeface="+mn-lt"/>
+                <a:ea typeface="+mn-ea"/>
+                <a:cs typeface="+mn-cs"/>
+              </a:defRPr>
+            </a:lvl3pPr>
+            <a:lvl4pPr marL="1600200" indent="-228600" algn="l" defTabSz="914400" rtl="0" eaLnBrk="1" latinLnBrk="0" hangingPunct="1">
+              <a:lnSpc>
+                <a:spcPct val="120000"/>
+              </a:lnSpc>
+              <a:spcBef>
+                <a:spcPts val="500"/>
+              </a:spcBef>
+              <a:buSzPct val="125000"/>
+              <a:buFont typeface="Arial" panose="020B0604020202020204" pitchFamily="34" charset="0"/>
+              <a:buChar char="•"/>
+              <a:defRPr sz="1600" kern="1200">
+                <a:solidFill>
+                  <a:schemeClr val="tx1"/>
+                </a:solidFill>
+                <a:latin typeface="+mn-lt"/>
+                <a:ea typeface="+mn-ea"/>
+                <a:cs typeface="+mn-cs"/>
+              </a:defRPr>
+            </a:lvl4pPr>
+            <a:lvl5pPr marL="2057400" indent="-228600" algn="l" defTabSz="914400" rtl="0" eaLnBrk="1" latinLnBrk="0" hangingPunct="1">
+              <a:lnSpc>
+                <a:spcPct val="120000"/>
+              </a:lnSpc>
+              <a:spcBef>
+                <a:spcPts val="500"/>
+              </a:spcBef>
+              <a:buSzPct val="125000"/>
+              <a:buFont typeface="Arial" panose="020B0604020202020204" pitchFamily="34" charset="0"/>
+              <a:buChar char="•"/>
+              <a:defRPr sz="1600" kern="1200">
+                <a:solidFill>
+                  <a:schemeClr val="tx1"/>
+                </a:solidFill>
+                <a:latin typeface="+mn-lt"/>
+                <a:ea typeface="+mn-ea"/>
+                <a:cs typeface="+mn-cs"/>
+              </a:defRPr>
+            </a:lvl5pPr>
+            <a:lvl6pPr marL="2514600" indent="-228600" algn="l" defTabSz="914400" rtl="0" eaLnBrk="1" latinLnBrk="0" hangingPunct="1">
+              <a:lnSpc>
+                <a:spcPct val="120000"/>
+              </a:lnSpc>
+              <a:spcBef>
+                <a:spcPts val="500"/>
+              </a:spcBef>
+              <a:buSzPct val="125000"/>
+              <a:buFont typeface="Arial" panose="020B0604020202020204" pitchFamily="34" charset="0"/>
+              <a:buChar char="•"/>
+              <a:defRPr sz="1400" kern="1200">
+                <a:solidFill>
+                  <a:schemeClr val="tx1"/>
+                </a:solidFill>
+                <a:latin typeface="+mn-lt"/>
+                <a:ea typeface="+mn-ea"/>
+                <a:cs typeface="+mn-cs"/>
+              </a:defRPr>
+            </a:lvl6pPr>
+            <a:lvl7pPr marL="2971800" indent="-228600" algn="l" defTabSz="914400" rtl="0" eaLnBrk="1" latinLnBrk="0" hangingPunct="1">
+              <a:lnSpc>
+                <a:spcPct val="120000"/>
+              </a:lnSpc>
+              <a:spcBef>
+                <a:spcPts val="500"/>
+              </a:spcBef>
+              <a:buSzPct val="125000"/>
+              <a:buFont typeface="Arial" panose="020B0604020202020204" pitchFamily="34" charset="0"/>
+              <a:buChar char="•"/>
+              <a:defRPr sz="1400" kern="1200">
+                <a:solidFill>
+                  <a:schemeClr val="tx1"/>
+                </a:solidFill>
+                <a:latin typeface="+mn-lt"/>
+                <a:ea typeface="+mn-ea"/>
+                <a:cs typeface="+mn-cs"/>
+              </a:defRPr>
+            </a:lvl7pPr>
+            <a:lvl8pPr marL="3429000" indent="-228600" algn="l" defTabSz="914400" rtl="0" eaLnBrk="1" latinLnBrk="0" hangingPunct="1">
+              <a:lnSpc>
+                <a:spcPct val="120000"/>
+              </a:lnSpc>
+              <a:spcBef>
+                <a:spcPts val="500"/>
+              </a:spcBef>
+              <a:buSzPct val="125000"/>
+              <a:buFont typeface="Arial" panose="020B0604020202020204" pitchFamily="34" charset="0"/>
+              <a:buChar char="•"/>
+              <a:defRPr sz="1400" kern="1200">
+                <a:solidFill>
+                  <a:schemeClr val="tx1"/>
+                </a:solidFill>
+                <a:latin typeface="+mn-lt"/>
+                <a:ea typeface="+mn-ea"/>
+                <a:cs typeface="+mn-cs"/>
+              </a:defRPr>
+            </a:lvl8pPr>
+            <a:lvl9pPr marL="3886200" indent="-228600" algn="l" defTabSz="914400" rtl="0" eaLnBrk="1" latinLnBrk="0" hangingPunct="1">
+              <a:lnSpc>
+                <a:spcPct val="120000"/>
+              </a:lnSpc>
+              <a:spcBef>
+                <a:spcPts val="500"/>
+              </a:spcBef>
+              <a:buSzPct val="125000"/>
+              <a:buFont typeface="Arial" panose="020B0604020202020204" pitchFamily="34" charset="0"/>
+              <a:buChar char="•"/>
+              <a:defRPr sz="1400" kern="1200">
+                <a:solidFill>
+                  <a:schemeClr val="tx1"/>
+                </a:solidFill>
+                <a:latin typeface="+mn-lt"/>
+                <a:ea typeface="+mn-ea"/>
+                <a:cs typeface="+mn-cs"/>
+              </a:defRPr>
+            </a:lvl9pPr>
+          </a:lstStyle>
+          <a:p>
+            <a:pPr marL="457200" indent="-457200" algn="ctr">
+              <a:buFont typeface="Arial" panose="020B0604020202020204" pitchFamily="34" charset="0"/>
+              <a:buAutoNum type="arabicPeriod"/>
+            </a:pPr>
+            <a:r>
+              <a:rPr lang="en-US" dirty="0">
+                <a:solidFill>
+                  <a:schemeClr val="tx1">
+                    <a:lumMod val="95000"/>
+                  </a:schemeClr>
+                </a:solidFill>
+              </a:rPr>
+              <a:t>Definition of Turing Machines, both deterministic and non-deterministic along with other variants</a:t>
+            </a:r>
+          </a:p>
+          <a:p>
+            <a:pPr marL="457200" indent="-457200" algn="ctr">
+              <a:buFont typeface="Arial" panose="020B0604020202020204" pitchFamily="34" charset="0"/>
+              <a:buAutoNum type="arabicPeriod"/>
+            </a:pPr>
+            <a:r>
+              <a:rPr lang="en-US" dirty="0">
+                <a:solidFill>
+                  <a:schemeClr val="tx1">
+                    <a:lumMod val="95000"/>
+                  </a:schemeClr>
+                </a:solidFill>
+              </a:rPr>
+              <a:t>Simple design of algorithms using Turing Machines</a:t>
+            </a:r>
+          </a:p>
+          <a:p>
+            <a:pPr marL="457200" indent="-457200" algn="ctr">
+              <a:buFont typeface="Arial" panose="020B0604020202020204" pitchFamily="34" charset="0"/>
+              <a:buAutoNum type="arabicPeriod"/>
+            </a:pPr>
+            <a:r>
+              <a:rPr lang="en-US" dirty="0">
+                <a:solidFill>
+                  <a:schemeClr val="tx1">
+                    <a:lumMod val="95000"/>
+                  </a:schemeClr>
+                </a:solidFill>
+              </a:rPr>
+              <a:t>Definitions of recognizable vs decidable languages</a:t>
+            </a:r>
+          </a:p>
+        </p:txBody>
+      </p:sp>
+    </p:spTree>
+    <p:extLst>
+      <p:ext uri="{BB962C8B-B14F-4D97-AF65-F5344CB8AC3E}">
+        <p14:creationId xmlns:p14="http://schemas.microsoft.com/office/powerpoint/2010/main" val="3865959967"/>
       </p:ext>
     </p:extLst>
   </p:cSld>

--- a/slides/04-TuringMachines.pptx
+++ b/slides/04-TuringMachines.pptx
@@ -5,7 +5,7 @@
     <p:sldMasterId id="2147484006" r:id="rId1"/>
   </p:sldMasterIdLst>
   <p:notesMasterIdLst>
-    <p:notesMasterId r:id="rId44"/>
+    <p:notesMasterId r:id="rId45"/>
   </p:notesMasterIdLst>
   <p:sldIdLst>
     <p:sldId id="256" r:id="rId2"/>
@@ -34,22 +34,23 @@
     <p:sldId id="470" r:id="rId25"/>
     <p:sldId id="496" r:id="rId26"/>
     <p:sldId id="497" r:id="rId27"/>
-    <p:sldId id="495" r:id="rId28"/>
-    <p:sldId id="471" r:id="rId29"/>
-    <p:sldId id="472" r:id="rId30"/>
-    <p:sldId id="473" r:id="rId31"/>
-    <p:sldId id="474" r:id="rId32"/>
-    <p:sldId id="475" r:id="rId33"/>
-    <p:sldId id="476" r:id="rId34"/>
-    <p:sldId id="477" r:id="rId35"/>
-    <p:sldId id="478" r:id="rId36"/>
-    <p:sldId id="363" r:id="rId37"/>
-    <p:sldId id="479" r:id="rId38"/>
-    <p:sldId id="480" r:id="rId39"/>
-    <p:sldId id="481" r:id="rId40"/>
-    <p:sldId id="482" r:id="rId41"/>
-    <p:sldId id="483" r:id="rId42"/>
-    <p:sldId id="484" r:id="rId43"/>
+    <p:sldId id="498" r:id="rId28"/>
+    <p:sldId id="495" r:id="rId29"/>
+    <p:sldId id="471" r:id="rId30"/>
+    <p:sldId id="472" r:id="rId31"/>
+    <p:sldId id="473" r:id="rId32"/>
+    <p:sldId id="474" r:id="rId33"/>
+    <p:sldId id="475" r:id="rId34"/>
+    <p:sldId id="476" r:id="rId35"/>
+    <p:sldId id="477" r:id="rId36"/>
+    <p:sldId id="478" r:id="rId37"/>
+    <p:sldId id="363" r:id="rId38"/>
+    <p:sldId id="479" r:id="rId39"/>
+    <p:sldId id="480" r:id="rId40"/>
+    <p:sldId id="481" r:id="rId41"/>
+    <p:sldId id="482" r:id="rId42"/>
+    <p:sldId id="483" r:id="rId43"/>
+    <p:sldId id="484" r:id="rId44"/>
   </p:sldIdLst>
   <p:sldSz cx="12192000" cy="6858000"/>
   <p:notesSz cx="6858000" cy="9144000"/>
@@ -31566,6 +31567,3511 @@
             <a:pPr algn="ctr"/>
             <a:r>
               <a:rPr lang="en-US" dirty="0"/>
+              <a:t>Comparing Characters</a:t>
+            </a:r>
+          </a:p>
+        </p:txBody>
+      </p:sp>
+      <p:sp>
+        <p:nvSpPr>
+          <p:cNvPr id="3" name="Content Placeholder 2">
+            <a:extLst>
+              <a:ext uri="{FF2B5EF4-FFF2-40B4-BE49-F238E27FC236}">
+                <a16:creationId xmlns:a16="http://schemas.microsoft.com/office/drawing/2014/main" id="{14278F5F-F936-6145-9FF8-704886F1A386}"/>
+              </a:ext>
+            </a:extLst>
+          </p:cNvPr>
+          <p:cNvSpPr>
+            <a:spLocks noGrp="1"/>
+          </p:cNvSpPr>
+          <p:nvPr>
+            <p:ph idx="1"/>
+          </p:nvPr>
+        </p:nvSpPr>
+        <p:spPr>
+          <a:xfrm>
+            <a:off x="2268273" y="846192"/>
+            <a:ext cx="7652278" cy="650432"/>
+          </a:xfrm>
+          <a:solidFill>
+            <a:schemeClr val="tx1">
+              <a:lumMod val="95000"/>
+            </a:schemeClr>
+          </a:solidFill>
+        </p:spPr>
+        <p:txBody>
+          <a:bodyPr/>
+          <a:lstStyle/>
+          <a:p>
+            <a:pPr marL="0" indent="0" algn="ctr">
+              <a:buNone/>
+            </a:pPr>
+            <a:r>
+              <a:rPr lang="en-US" dirty="0">
+                <a:solidFill>
+                  <a:schemeClr val="bg1"/>
+                </a:solidFill>
+              </a:rPr>
+              <a:t>How hard is it to compare characters?</a:t>
+            </a:r>
+          </a:p>
+        </p:txBody>
+      </p:sp>
+      <mc:AlternateContent xmlns:mc="http://schemas.openxmlformats.org/markup-compatibility/2006">
+        <mc:Choice xmlns:a14="http://schemas.microsoft.com/office/drawing/2010/main" Requires="a14">
+          <p:sp>
+            <p:nvSpPr>
+              <p:cNvPr id="6" name="Content Placeholder 2">
+                <a:extLst>
+                  <a:ext uri="{FF2B5EF4-FFF2-40B4-BE49-F238E27FC236}">
+                    <a16:creationId xmlns:a16="http://schemas.microsoft.com/office/drawing/2014/main" id="{D1AB4AE0-9143-C34D-B965-4033C921D6B5}"/>
+                  </a:ext>
+                </a:extLst>
+              </p:cNvPr>
+              <p:cNvSpPr txBox="1">
+                <a:spLocks/>
+              </p:cNvSpPr>
+              <p:nvPr/>
+            </p:nvSpPr>
+            <p:spPr>
+              <a:xfrm>
+                <a:off x="1971148" y="1452393"/>
+                <a:ext cx="8262671" cy="904346"/>
+              </a:xfrm>
+              <a:prstGeom prst="rect">
+                <a:avLst/>
+              </a:prstGeom>
+              <a:noFill/>
+            </p:spPr>
+            <p:txBody>
+              <a:bodyPr vert="horz" lIns="91440" tIns="45720" rIns="91440" bIns="45720" rtlCol="0">
+                <a:normAutofit/>
+              </a:bodyPr>
+              <a:lstStyle>
+                <a:lvl1pPr marL="228600" indent="-228600" algn="l" defTabSz="914400" rtl="0" eaLnBrk="1" latinLnBrk="0" hangingPunct="1">
+                  <a:lnSpc>
+                    <a:spcPct val="120000"/>
+                  </a:lnSpc>
+                  <a:spcBef>
+                    <a:spcPts val="1000"/>
+                  </a:spcBef>
+                  <a:buSzPct val="125000"/>
+                  <a:buFont typeface="Arial" panose="020B0604020202020204" pitchFamily="34" charset="0"/>
+                  <a:buChar char="•"/>
+                  <a:defRPr sz="2400" kern="1200">
+                    <a:solidFill>
+                      <a:schemeClr val="tx1"/>
+                    </a:solidFill>
+                    <a:latin typeface="+mn-lt"/>
+                    <a:ea typeface="+mn-ea"/>
+                    <a:cs typeface="+mn-cs"/>
+                  </a:defRPr>
+                </a:lvl1pPr>
+                <a:lvl2pPr marL="685800" indent="-228600" algn="l" defTabSz="914400" rtl="0" eaLnBrk="1" latinLnBrk="0" hangingPunct="1">
+                  <a:lnSpc>
+                    <a:spcPct val="120000"/>
+                  </a:lnSpc>
+                  <a:spcBef>
+                    <a:spcPts val="500"/>
+                  </a:spcBef>
+                  <a:buSzPct val="125000"/>
+                  <a:buFont typeface="Arial" panose="020B0604020202020204" pitchFamily="34" charset="0"/>
+                  <a:buChar char="•"/>
+                  <a:defRPr sz="2000" kern="1200">
+                    <a:solidFill>
+                      <a:schemeClr val="tx1"/>
+                    </a:solidFill>
+                    <a:latin typeface="+mn-lt"/>
+                    <a:ea typeface="+mn-ea"/>
+                    <a:cs typeface="+mn-cs"/>
+                  </a:defRPr>
+                </a:lvl2pPr>
+                <a:lvl3pPr marL="1143000" indent="-228600" algn="l" defTabSz="914400" rtl="0" eaLnBrk="1" latinLnBrk="0" hangingPunct="1">
+                  <a:lnSpc>
+                    <a:spcPct val="120000"/>
+                  </a:lnSpc>
+                  <a:spcBef>
+                    <a:spcPts val="500"/>
+                  </a:spcBef>
+                  <a:buSzPct val="125000"/>
+                  <a:buFont typeface="Arial" panose="020B0604020202020204" pitchFamily="34" charset="0"/>
+                  <a:buChar char="•"/>
+                  <a:defRPr sz="1800" kern="1200">
+                    <a:solidFill>
+                      <a:schemeClr val="tx1"/>
+                    </a:solidFill>
+                    <a:latin typeface="+mn-lt"/>
+                    <a:ea typeface="+mn-ea"/>
+                    <a:cs typeface="+mn-cs"/>
+                  </a:defRPr>
+                </a:lvl3pPr>
+                <a:lvl4pPr marL="1600200" indent="-228600" algn="l" defTabSz="914400" rtl="0" eaLnBrk="1" latinLnBrk="0" hangingPunct="1">
+                  <a:lnSpc>
+                    <a:spcPct val="120000"/>
+                  </a:lnSpc>
+                  <a:spcBef>
+                    <a:spcPts val="500"/>
+                  </a:spcBef>
+                  <a:buSzPct val="125000"/>
+                  <a:buFont typeface="Arial" panose="020B0604020202020204" pitchFamily="34" charset="0"/>
+                  <a:buChar char="•"/>
+                  <a:defRPr sz="1600" kern="1200">
+                    <a:solidFill>
+                      <a:schemeClr val="tx1"/>
+                    </a:solidFill>
+                    <a:latin typeface="+mn-lt"/>
+                    <a:ea typeface="+mn-ea"/>
+                    <a:cs typeface="+mn-cs"/>
+                  </a:defRPr>
+                </a:lvl4pPr>
+                <a:lvl5pPr marL="2057400" indent="-228600" algn="l" defTabSz="914400" rtl="0" eaLnBrk="1" latinLnBrk="0" hangingPunct="1">
+                  <a:lnSpc>
+                    <a:spcPct val="120000"/>
+                  </a:lnSpc>
+                  <a:spcBef>
+                    <a:spcPts val="500"/>
+                  </a:spcBef>
+                  <a:buSzPct val="125000"/>
+                  <a:buFont typeface="Arial" panose="020B0604020202020204" pitchFamily="34" charset="0"/>
+                  <a:buChar char="•"/>
+                  <a:defRPr sz="1600" kern="1200">
+                    <a:solidFill>
+                      <a:schemeClr val="tx1"/>
+                    </a:solidFill>
+                    <a:latin typeface="+mn-lt"/>
+                    <a:ea typeface="+mn-ea"/>
+                    <a:cs typeface="+mn-cs"/>
+                  </a:defRPr>
+                </a:lvl5pPr>
+                <a:lvl6pPr marL="2514600" indent="-228600" algn="l" defTabSz="914400" rtl="0" eaLnBrk="1" latinLnBrk="0" hangingPunct="1">
+                  <a:lnSpc>
+                    <a:spcPct val="120000"/>
+                  </a:lnSpc>
+                  <a:spcBef>
+                    <a:spcPts val="500"/>
+                  </a:spcBef>
+                  <a:buSzPct val="125000"/>
+                  <a:buFont typeface="Arial" panose="020B0604020202020204" pitchFamily="34" charset="0"/>
+                  <a:buChar char="•"/>
+                  <a:defRPr sz="1400" kern="1200">
+                    <a:solidFill>
+                      <a:schemeClr val="tx1"/>
+                    </a:solidFill>
+                    <a:latin typeface="+mn-lt"/>
+                    <a:ea typeface="+mn-ea"/>
+                    <a:cs typeface="+mn-cs"/>
+                  </a:defRPr>
+                </a:lvl6pPr>
+                <a:lvl7pPr marL="2971800" indent="-228600" algn="l" defTabSz="914400" rtl="0" eaLnBrk="1" latinLnBrk="0" hangingPunct="1">
+                  <a:lnSpc>
+                    <a:spcPct val="120000"/>
+                  </a:lnSpc>
+                  <a:spcBef>
+                    <a:spcPts val="500"/>
+                  </a:spcBef>
+                  <a:buSzPct val="125000"/>
+                  <a:buFont typeface="Arial" panose="020B0604020202020204" pitchFamily="34" charset="0"/>
+                  <a:buChar char="•"/>
+                  <a:defRPr sz="1400" kern="1200">
+                    <a:solidFill>
+                      <a:schemeClr val="tx1"/>
+                    </a:solidFill>
+                    <a:latin typeface="+mn-lt"/>
+                    <a:ea typeface="+mn-ea"/>
+                    <a:cs typeface="+mn-cs"/>
+                  </a:defRPr>
+                </a:lvl7pPr>
+                <a:lvl8pPr marL="3429000" indent="-228600" algn="l" defTabSz="914400" rtl="0" eaLnBrk="1" latinLnBrk="0" hangingPunct="1">
+                  <a:lnSpc>
+                    <a:spcPct val="120000"/>
+                  </a:lnSpc>
+                  <a:spcBef>
+                    <a:spcPts val="500"/>
+                  </a:spcBef>
+                  <a:buSzPct val="125000"/>
+                  <a:buFont typeface="Arial" panose="020B0604020202020204" pitchFamily="34" charset="0"/>
+                  <a:buChar char="•"/>
+                  <a:defRPr sz="1400" kern="1200">
+                    <a:solidFill>
+                      <a:schemeClr val="tx1"/>
+                    </a:solidFill>
+                    <a:latin typeface="+mn-lt"/>
+                    <a:ea typeface="+mn-ea"/>
+                    <a:cs typeface="+mn-cs"/>
+                  </a:defRPr>
+                </a:lvl8pPr>
+                <a:lvl9pPr marL="3886200" indent="-228600" algn="l" defTabSz="914400" rtl="0" eaLnBrk="1" latinLnBrk="0" hangingPunct="1">
+                  <a:lnSpc>
+                    <a:spcPct val="120000"/>
+                  </a:lnSpc>
+                  <a:spcBef>
+                    <a:spcPts val="500"/>
+                  </a:spcBef>
+                  <a:buSzPct val="125000"/>
+                  <a:buFont typeface="Arial" panose="020B0604020202020204" pitchFamily="34" charset="0"/>
+                  <a:buChar char="•"/>
+                  <a:defRPr sz="1400" kern="1200">
+                    <a:solidFill>
+                      <a:schemeClr val="tx1"/>
+                    </a:solidFill>
+                    <a:latin typeface="+mn-lt"/>
+                    <a:ea typeface="+mn-ea"/>
+                    <a:cs typeface="+mn-cs"/>
+                  </a:defRPr>
+                </a:lvl9pPr>
+              </a:lstStyle>
+              <a:p>
+                <a:pPr marL="0" indent="0" algn="ctr">
+                  <a:buFont typeface="Arial" panose="020B0604020202020204" pitchFamily="34" charset="0"/>
+                  <a:buNone/>
+                </a:pPr>
+                <a:r>
+                  <a:rPr lang="en-US" sz="1800" i="1" dirty="0">
+                    <a:solidFill>
+                      <a:schemeClr val="tx1">
+                        <a:lumMod val="95000"/>
+                      </a:schemeClr>
+                    </a:solidFill>
+                  </a:rPr>
+                  <a:t>This machine will have to check characters for equivalence. How do we do this? Let’s suppose that </a:t>
+                </a:r>
+                <a14:m>
+                  <m:oMath xmlns:m="http://schemas.openxmlformats.org/officeDocument/2006/math">
+                    <m:r>
+                      <a:rPr lang="en-US" sz="1800" b="0" i="1" smtClean="0">
+                        <a:solidFill>
+                          <a:schemeClr val="tx1">
+                            <a:lumMod val="95000"/>
+                          </a:schemeClr>
+                        </a:solidFill>
+                        <a:latin typeface="Cambria Math" panose="02040503050406030204" pitchFamily="18" charset="0"/>
+                      </a:rPr>
+                      <m:t>𝛴</m:t>
+                    </m:r>
+                    <m:r>
+                      <a:rPr lang="en-US" sz="1800" b="0" i="1" smtClean="0">
+                        <a:solidFill>
+                          <a:schemeClr val="tx1">
+                            <a:lumMod val="95000"/>
+                          </a:schemeClr>
+                        </a:solidFill>
+                        <a:latin typeface="Cambria Math" panose="02040503050406030204" pitchFamily="18" charset="0"/>
+                      </a:rPr>
+                      <m:t>=</m:t>
+                    </m:r>
+                    <m:d>
+                      <m:dPr>
+                        <m:begChr m:val="{"/>
+                        <m:endChr m:val="}"/>
+                        <m:ctrlPr>
+                          <a:rPr lang="en-US" sz="1800" b="0" i="1" smtClean="0">
+                            <a:solidFill>
+                              <a:schemeClr val="tx1">
+                                <a:lumMod val="95000"/>
+                              </a:schemeClr>
+                            </a:solidFill>
+                            <a:latin typeface="Cambria Math" panose="02040503050406030204" pitchFamily="18" charset="0"/>
+                          </a:rPr>
+                        </m:ctrlPr>
+                      </m:dPr>
+                      <m:e>
+                        <m:r>
+                          <a:rPr lang="en-US" sz="1800" b="0" i="1" smtClean="0">
+                            <a:solidFill>
+                              <a:schemeClr val="tx1">
+                                <a:lumMod val="95000"/>
+                              </a:schemeClr>
+                            </a:solidFill>
+                            <a:latin typeface="Cambria Math" panose="02040503050406030204" pitchFamily="18" charset="0"/>
+                          </a:rPr>
+                          <m:t>𝑎</m:t>
+                        </m:r>
+                        <m:r>
+                          <a:rPr lang="en-US" sz="1800" b="0" i="1" smtClean="0">
+                            <a:solidFill>
+                              <a:schemeClr val="tx1">
+                                <a:lumMod val="95000"/>
+                              </a:schemeClr>
+                            </a:solidFill>
+                            <a:latin typeface="Cambria Math" panose="02040503050406030204" pitchFamily="18" charset="0"/>
+                          </a:rPr>
+                          <m:t>,</m:t>
+                        </m:r>
+                        <m:r>
+                          <a:rPr lang="en-US" sz="1800" b="0" i="1" smtClean="0">
+                            <a:solidFill>
+                              <a:schemeClr val="tx1">
+                                <a:lumMod val="95000"/>
+                              </a:schemeClr>
+                            </a:solidFill>
+                            <a:latin typeface="Cambria Math" panose="02040503050406030204" pitchFamily="18" charset="0"/>
+                          </a:rPr>
+                          <m:t>𝑏</m:t>
+                        </m:r>
+                      </m:e>
+                    </m:d>
+                  </m:oMath>
+                </a14:m>
+                <a:r>
+                  <a:rPr lang="en-US" sz="1800" i="1" dirty="0">
+                    <a:solidFill>
+                      <a:schemeClr val="tx1">
+                        <a:lumMod val="95000"/>
+                      </a:schemeClr>
+                    </a:solidFill>
+                  </a:rPr>
+                  <a:t> and tape is pointing at left side of </a:t>
+                </a:r>
+                <a14:m>
+                  <m:oMath xmlns:m="http://schemas.openxmlformats.org/officeDocument/2006/math">
+                    <m:sSub>
+                      <m:sSubPr>
+                        <m:ctrlPr>
+                          <a:rPr lang="en-US" sz="1800" b="0" i="1" smtClean="0">
+                            <a:solidFill>
+                              <a:schemeClr val="tx1">
+                                <a:lumMod val="95000"/>
+                              </a:schemeClr>
+                            </a:solidFill>
+                            <a:latin typeface="Cambria Math" panose="02040503050406030204" pitchFamily="18" charset="0"/>
+                          </a:rPr>
+                        </m:ctrlPr>
+                      </m:sSubPr>
+                      <m:e>
+                        <m:r>
+                          <a:rPr lang="en-US" sz="1800" b="0" i="1" smtClean="0">
+                            <a:solidFill>
+                              <a:schemeClr val="tx1">
+                                <a:lumMod val="95000"/>
+                              </a:schemeClr>
+                            </a:solidFill>
+                            <a:latin typeface="Cambria Math" panose="02040503050406030204" pitchFamily="18" charset="0"/>
+                          </a:rPr>
+                          <m:t>𝑐</m:t>
+                        </m:r>
+                      </m:e>
+                      <m:sub>
+                        <m:r>
+                          <a:rPr lang="en-US" sz="1800" b="0" i="1" smtClean="0">
+                            <a:solidFill>
+                              <a:schemeClr val="tx1">
+                                <a:lumMod val="95000"/>
+                              </a:schemeClr>
+                            </a:solidFill>
+                            <a:latin typeface="Cambria Math" panose="02040503050406030204" pitchFamily="18" charset="0"/>
+                          </a:rPr>
+                          <m:t>1</m:t>
+                        </m:r>
+                      </m:sub>
+                    </m:sSub>
+                    <m:r>
+                      <a:rPr lang="en-US" sz="1800" b="0" i="1" smtClean="0">
+                        <a:solidFill>
+                          <a:schemeClr val="tx1">
+                            <a:lumMod val="95000"/>
+                          </a:schemeClr>
+                        </a:solidFill>
+                        <a:latin typeface="Cambria Math" panose="02040503050406030204" pitchFamily="18" charset="0"/>
+                      </a:rPr>
+                      <m:t>#</m:t>
+                    </m:r>
+                    <m:sSub>
+                      <m:sSubPr>
+                        <m:ctrlPr>
+                          <a:rPr lang="en-US" sz="1800" b="0" i="1" smtClean="0">
+                            <a:solidFill>
+                              <a:schemeClr val="tx1">
+                                <a:lumMod val="95000"/>
+                              </a:schemeClr>
+                            </a:solidFill>
+                            <a:latin typeface="Cambria Math" panose="02040503050406030204" pitchFamily="18" charset="0"/>
+                          </a:rPr>
+                        </m:ctrlPr>
+                      </m:sSubPr>
+                      <m:e>
+                        <m:r>
+                          <a:rPr lang="en-US" sz="1800" b="0" i="1" smtClean="0">
+                            <a:solidFill>
+                              <a:schemeClr val="tx1">
+                                <a:lumMod val="95000"/>
+                              </a:schemeClr>
+                            </a:solidFill>
+                            <a:latin typeface="Cambria Math" panose="02040503050406030204" pitchFamily="18" charset="0"/>
+                          </a:rPr>
+                          <m:t>𝑐</m:t>
+                        </m:r>
+                      </m:e>
+                      <m:sub>
+                        <m:r>
+                          <a:rPr lang="en-US" sz="1800" b="0" i="1" smtClean="0">
+                            <a:solidFill>
+                              <a:schemeClr val="tx1">
+                                <a:lumMod val="95000"/>
+                              </a:schemeClr>
+                            </a:solidFill>
+                            <a:latin typeface="Cambria Math" panose="02040503050406030204" pitchFamily="18" charset="0"/>
+                          </a:rPr>
+                          <m:t>2</m:t>
+                        </m:r>
+                      </m:sub>
+                    </m:sSub>
+                  </m:oMath>
+                </a14:m>
+                <a:endParaRPr lang="en-US" sz="1800" i="1" dirty="0">
+                  <a:solidFill>
+                    <a:schemeClr val="tx1">
+                      <a:lumMod val="95000"/>
+                    </a:schemeClr>
+                  </a:solidFill>
+                </a:endParaRPr>
+              </a:p>
+            </p:txBody>
+          </p:sp>
+        </mc:Choice>
+        <mc:Fallback>
+          <p:sp>
+            <p:nvSpPr>
+              <p:cNvPr id="6" name="Content Placeholder 2">
+                <a:extLst>
+                  <a:ext uri="{FF2B5EF4-FFF2-40B4-BE49-F238E27FC236}">
+                    <a16:creationId xmlns:a16="http://schemas.microsoft.com/office/drawing/2014/main" id="{D1AB4AE0-9143-C34D-B965-4033C921D6B5}"/>
+                  </a:ext>
+                </a:extLst>
+              </p:cNvPr>
+              <p:cNvSpPr txBox="1">
+                <a:spLocks noRot="1" noChangeAspect="1" noMove="1" noResize="1" noEditPoints="1" noAdjustHandles="1" noChangeArrowheads="1" noChangeShapeType="1" noTextEdit="1"/>
+              </p:cNvSpPr>
+              <p:nvPr/>
+            </p:nvSpPr>
+            <p:spPr>
+              <a:xfrm>
+                <a:off x="1971148" y="1452393"/>
+                <a:ext cx="8262671" cy="904346"/>
+              </a:xfrm>
+              <a:prstGeom prst="rect">
+                <a:avLst/>
+              </a:prstGeom>
+              <a:blipFill>
+                <a:blip r:embed="rId2"/>
+                <a:stretch>
+                  <a:fillRect/>
+                </a:stretch>
+              </a:blipFill>
+            </p:spPr>
+            <p:txBody>
+              <a:bodyPr/>
+              <a:lstStyle/>
+              <a:p>
+                <a:r>
+                  <a:rPr lang="en-US">
+                    <a:noFill/>
+                  </a:rPr>
+                  <a:t> </a:t>
+                </a:r>
+              </a:p>
+            </p:txBody>
+          </p:sp>
+        </mc:Fallback>
+      </mc:AlternateContent>
+      <p:grpSp>
+        <p:nvGrpSpPr>
+          <p:cNvPr id="83" name="Group 82">
+            <a:extLst>
+              <a:ext uri="{FF2B5EF4-FFF2-40B4-BE49-F238E27FC236}">
+                <a16:creationId xmlns:a16="http://schemas.microsoft.com/office/drawing/2014/main" id="{58B84417-CA33-1C49-8074-AF791A4D6D16}"/>
+              </a:ext>
+            </a:extLst>
+          </p:cNvPr>
+          <p:cNvGrpSpPr/>
+          <p:nvPr/>
+        </p:nvGrpSpPr>
+        <p:grpSpPr>
+          <a:xfrm>
+            <a:off x="3073400" y="2785475"/>
+            <a:ext cx="5493279" cy="3759316"/>
+            <a:chOff x="3073400" y="2785475"/>
+            <a:chExt cx="5493279" cy="3759316"/>
+          </a:xfrm>
+        </p:grpSpPr>
+        <p:sp>
+          <p:nvSpPr>
+            <p:cNvPr id="4" name="Oval 3">
+              <a:extLst>
+                <a:ext uri="{FF2B5EF4-FFF2-40B4-BE49-F238E27FC236}">
+                  <a16:creationId xmlns:a16="http://schemas.microsoft.com/office/drawing/2014/main" id="{272631AC-3001-9A4F-89B6-65D516C502DD}"/>
+                </a:ext>
+              </a:extLst>
+            </p:cNvPr>
+            <p:cNvSpPr/>
+            <p:nvPr/>
+          </p:nvSpPr>
+          <p:spPr>
+            <a:xfrm>
+              <a:off x="5679546" y="4007925"/>
+              <a:ext cx="643466" cy="643466"/>
+            </a:xfrm>
+            <a:prstGeom prst="ellipse">
+              <a:avLst/>
+            </a:prstGeom>
+          </p:spPr>
+          <p:style>
+            <a:lnRef idx="2">
+              <a:schemeClr val="accent1">
+                <a:shade val="50000"/>
+              </a:schemeClr>
+            </a:lnRef>
+            <a:fillRef idx="1">
+              <a:schemeClr val="accent1"/>
+            </a:fillRef>
+            <a:effectRef idx="0">
+              <a:schemeClr val="accent1"/>
+            </a:effectRef>
+            <a:fontRef idx="minor">
+              <a:schemeClr val="lt1"/>
+            </a:fontRef>
+          </p:style>
+          <p:txBody>
+            <a:bodyPr rtlCol="0" anchor="ctr"/>
+            <a:lstStyle/>
+            <a:p>
+              <a:pPr algn="ctr"/>
+              <a:r>
+                <a:rPr lang="en-US" dirty="0">
+                  <a:solidFill>
+                    <a:sysClr val="windowText" lastClr="000000"/>
+                  </a:solidFill>
+                </a:rPr>
+                <a:t>a</a:t>
+              </a:r>
+            </a:p>
+          </p:txBody>
+        </p:sp>
+        <p:sp>
+          <p:nvSpPr>
+            <p:cNvPr id="26" name="Oval 25">
+              <a:extLst>
+                <a:ext uri="{FF2B5EF4-FFF2-40B4-BE49-F238E27FC236}">
+                  <a16:creationId xmlns:a16="http://schemas.microsoft.com/office/drawing/2014/main" id="{49D9C9AF-32AB-D845-8545-4EE6EA109D73}"/>
+                </a:ext>
+              </a:extLst>
+            </p:cNvPr>
+            <p:cNvSpPr/>
+            <p:nvPr/>
+          </p:nvSpPr>
+          <p:spPr>
+            <a:xfrm>
+              <a:off x="5679545" y="5083190"/>
+              <a:ext cx="643466" cy="643466"/>
+            </a:xfrm>
+            <a:prstGeom prst="ellipse">
+              <a:avLst/>
+            </a:prstGeom>
+          </p:spPr>
+          <p:style>
+            <a:lnRef idx="2">
+              <a:schemeClr val="accent1">
+                <a:shade val="50000"/>
+              </a:schemeClr>
+            </a:lnRef>
+            <a:fillRef idx="1">
+              <a:schemeClr val="accent1"/>
+            </a:fillRef>
+            <a:effectRef idx="0">
+              <a:schemeClr val="accent1"/>
+            </a:effectRef>
+            <a:fontRef idx="minor">
+              <a:schemeClr val="lt1"/>
+            </a:fontRef>
+          </p:style>
+          <p:txBody>
+            <a:bodyPr rtlCol="0" anchor="ctr"/>
+            <a:lstStyle/>
+            <a:p>
+              <a:pPr algn="ctr"/>
+              <a:r>
+                <a:rPr lang="en-US" dirty="0">
+                  <a:solidFill>
+                    <a:sysClr val="windowText" lastClr="000000"/>
+                  </a:solidFill>
+                </a:rPr>
+                <a:t>a’</a:t>
+              </a:r>
+            </a:p>
+          </p:txBody>
+        </p:sp>
+        <p:sp>
+          <p:nvSpPr>
+            <p:cNvPr id="27" name="Oval 26">
+              <a:extLst>
+                <a:ext uri="{FF2B5EF4-FFF2-40B4-BE49-F238E27FC236}">
+                  <a16:creationId xmlns:a16="http://schemas.microsoft.com/office/drawing/2014/main" id="{660FE6E8-58FA-E847-8069-3D6F9CC4AAC1}"/>
+                </a:ext>
+              </a:extLst>
+            </p:cNvPr>
+            <p:cNvSpPr/>
+            <p:nvPr/>
+          </p:nvSpPr>
+          <p:spPr>
+            <a:xfrm>
+              <a:off x="6263745" y="2785475"/>
+              <a:ext cx="753535" cy="643466"/>
+            </a:xfrm>
+            <a:prstGeom prst="ellipse">
+              <a:avLst/>
+            </a:prstGeom>
+          </p:spPr>
+          <p:style>
+            <a:lnRef idx="2">
+              <a:schemeClr val="accent1">
+                <a:shade val="50000"/>
+              </a:schemeClr>
+            </a:lnRef>
+            <a:fillRef idx="1">
+              <a:schemeClr val="accent1"/>
+            </a:fillRef>
+            <a:effectRef idx="0">
+              <a:schemeClr val="accent1"/>
+            </a:effectRef>
+            <a:fontRef idx="minor">
+              <a:schemeClr val="lt1"/>
+            </a:fontRef>
+          </p:style>
+          <p:txBody>
+            <a:bodyPr rtlCol="0" anchor="ctr"/>
+            <a:lstStyle/>
+            <a:p>
+              <a:pPr algn="ctr"/>
+              <a:r>
+                <a:rPr lang="en-US" sz="1200" dirty="0">
+                  <a:solidFill>
+                    <a:sysClr val="windowText" lastClr="000000"/>
+                  </a:solidFill>
+                </a:rPr>
+                <a:t>reject</a:t>
+              </a:r>
+            </a:p>
+          </p:txBody>
+        </p:sp>
+        <p:sp>
+          <p:nvSpPr>
+            <p:cNvPr id="28" name="Oval 27">
+              <a:extLst>
+                <a:ext uri="{FF2B5EF4-FFF2-40B4-BE49-F238E27FC236}">
+                  <a16:creationId xmlns:a16="http://schemas.microsoft.com/office/drawing/2014/main" id="{2C035A93-4777-5F49-9F72-C093D4B5E612}"/>
+                </a:ext>
+              </a:extLst>
+            </p:cNvPr>
+            <p:cNvSpPr/>
+            <p:nvPr/>
+          </p:nvSpPr>
+          <p:spPr>
+            <a:xfrm>
+              <a:off x="7389813" y="4007925"/>
+              <a:ext cx="643466" cy="643466"/>
+            </a:xfrm>
+            <a:prstGeom prst="ellipse">
+              <a:avLst/>
+            </a:prstGeom>
+          </p:spPr>
+          <p:style>
+            <a:lnRef idx="2">
+              <a:schemeClr val="accent1">
+                <a:shade val="50000"/>
+              </a:schemeClr>
+            </a:lnRef>
+            <a:fillRef idx="1">
+              <a:schemeClr val="accent1"/>
+            </a:fillRef>
+            <a:effectRef idx="0">
+              <a:schemeClr val="accent1"/>
+            </a:effectRef>
+            <a:fontRef idx="minor">
+              <a:schemeClr val="lt1"/>
+            </a:fontRef>
+          </p:style>
+          <p:txBody>
+            <a:bodyPr rtlCol="0" anchor="ctr"/>
+            <a:lstStyle/>
+            <a:p>
+              <a:pPr algn="ctr"/>
+              <a:r>
+                <a:rPr lang="en-US" dirty="0">
+                  <a:solidFill>
+                    <a:sysClr val="windowText" lastClr="000000"/>
+                  </a:solidFill>
+                </a:rPr>
+                <a:t>b</a:t>
+              </a:r>
+            </a:p>
+          </p:txBody>
+        </p:sp>
+        <p:sp>
+          <p:nvSpPr>
+            <p:cNvPr id="29" name="Oval 28">
+              <a:extLst>
+                <a:ext uri="{FF2B5EF4-FFF2-40B4-BE49-F238E27FC236}">
+                  <a16:creationId xmlns:a16="http://schemas.microsoft.com/office/drawing/2014/main" id="{640162B2-75D0-C245-B44D-EF17276A0A68}"/>
+                </a:ext>
+              </a:extLst>
+            </p:cNvPr>
+            <p:cNvSpPr/>
+            <p:nvPr/>
+          </p:nvSpPr>
+          <p:spPr>
+            <a:xfrm>
+              <a:off x="7389812" y="5083190"/>
+              <a:ext cx="643466" cy="643466"/>
+            </a:xfrm>
+            <a:prstGeom prst="ellipse">
+              <a:avLst/>
+            </a:prstGeom>
+          </p:spPr>
+          <p:style>
+            <a:lnRef idx="2">
+              <a:schemeClr val="accent1">
+                <a:shade val="50000"/>
+              </a:schemeClr>
+            </a:lnRef>
+            <a:fillRef idx="1">
+              <a:schemeClr val="accent1"/>
+            </a:fillRef>
+            <a:effectRef idx="0">
+              <a:schemeClr val="accent1"/>
+            </a:effectRef>
+            <a:fontRef idx="minor">
+              <a:schemeClr val="lt1"/>
+            </a:fontRef>
+          </p:style>
+          <p:txBody>
+            <a:bodyPr rtlCol="0" anchor="ctr"/>
+            <a:lstStyle/>
+            <a:p>
+              <a:pPr algn="ctr"/>
+              <a:r>
+                <a:rPr lang="en-US" dirty="0">
+                  <a:solidFill>
+                    <a:sysClr val="windowText" lastClr="000000"/>
+                  </a:solidFill>
+                </a:rPr>
+                <a:t>b’</a:t>
+              </a:r>
+            </a:p>
+          </p:txBody>
+        </p:sp>
+        <p:sp>
+          <p:nvSpPr>
+            <p:cNvPr id="30" name="Oval 29">
+              <a:extLst>
+                <a:ext uri="{FF2B5EF4-FFF2-40B4-BE49-F238E27FC236}">
+                  <a16:creationId xmlns:a16="http://schemas.microsoft.com/office/drawing/2014/main" id="{D0C5CBD9-FD96-E641-B32C-F3E4571B217F}"/>
+                </a:ext>
+              </a:extLst>
+            </p:cNvPr>
+            <p:cNvSpPr/>
+            <p:nvPr/>
+          </p:nvSpPr>
+          <p:spPr>
+            <a:xfrm>
+              <a:off x="3622145" y="4007925"/>
+              <a:ext cx="956734" cy="643466"/>
+            </a:xfrm>
+            <a:prstGeom prst="ellipse">
+              <a:avLst/>
+            </a:prstGeom>
+          </p:spPr>
+          <p:style>
+            <a:lnRef idx="2">
+              <a:schemeClr val="accent1">
+                <a:shade val="50000"/>
+              </a:schemeClr>
+            </a:lnRef>
+            <a:fillRef idx="1">
+              <a:schemeClr val="accent1"/>
+            </a:fillRef>
+            <a:effectRef idx="0">
+              <a:schemeClr val="accent1"/>
+            </a:effectRef>
+            <a:fontRef idx="minor">
+              <a:schemeClr val="lt1"/>
+            </a:fontRef>
+          </p:style>
+          <p:txBody>
+            <a:bodyPr rtlCol="0" anchor="ctr"/>
+            <a:lstStyle/>
+            <a:p>
+              <a:pPr algn="ctr"/>
+              <a:r>
+                <a:rPr lang="en-US" dirty="0">
+                  <a:solidFill>
+                    <a:sysClr val="windowText" lastClr="000000"/>
+                  </a:solidFill>
+                </a:rPr>
+                <a:t>comp</a:t>
+              </a:r>
+            </a:p>
+          </p:txBody>
+        </p:sp>
+        <p:cxnSp>
+          <p:nvCxnSpPr>
+            <p:cNvPr id="32" name="Straight Arrow Connector 31">
+              <a:extLst>
+                <a:ext uri="{FF2B5EF4-FFF2-40B4-BE49-F238E27FC236}">
+                  <a16:creationId xmlns:a16="http://schemas.microsoft.com/office/drawing/2014/main" id="{B5DD74D5-878D-4044-8C07-BC87C0B68A65}"/>
+                </a:ext>
+              </a:extLst>
+            </p:cNvPr>
+            <p:cNvCxnSpPr>
+              <a:stCxn id="30" idx="6"/>
+              <a:endCxn id="4" idx="2"/>
+            </p:cNvCxnSpPr>
+            <p:nvPr/>
+          </p:nvCxnSpPr>
+          <p:spPr>
+            <a:xfrm>
+              <a:off x="4578879" y="4329658"/>
+              <a:ext cx="1100667" cy="0"/>
+            </a:xfrm>
+            <a:prstGeom prst="straightConnector1">
+              <a:avLst/>
+            </a:prstGeom>
+            <a:ln>
+              <a:tailEnd type="triangle"/>
+            </a:ln>
+          </p:spPr>
+          <p:style>
+            <a:lnRef idx="1">
+              <a:schemeClr val="accent1"/>
+            </a:lnRef>
+            <a:fillRef idx="0">
+              <a:schemeClr val="accent1"/>
+            </a:fillRef>
+            <a:effectRef idx="0">
+              <a:schemeClr val="accent1"/>
+            </a:effectRef>
+            <a:fontRef idx="minor">
+              <a:schemeClr val="tx1"/>
+            </a:fontRef>
+          </p:style>
+        </p:cxnSp>
+        <p:cxnSp>
+          <p:nvCxnSpPr>
+            <p:cNvPr id="36" name="Elbow Connector 35">
+              <a:extLst>
+                <a:ext uri="{FF2B5EF4-FFF2-40B4-BE49-F238E27FC236}">
+                  <a16:creationId xmlns:a16="http://schemas.microsoft.com/office/drawing/2014/main" id="{51607726-ED24-AE45-A80B-D2650EA28376}"/>
+                </a:ext>
+              </a:extLst>
+            </p:cNvPr>
+            <p:cNvCxnSpPr>
+              <a:cxnSpLocks/>
+              <a:stCxn id="30" idx="0"/>
+              <a:endCxn id="28" idx="1"/>
+            </p:cNvCxnSpPr>
+            <p:nvPr/>
+          </p:nvCxnSpPr>
+          <p:spPr>
+            <a:xfrm rot="16200000" flipH="1">
+              <a:off x="5745162" y="2363274"/>
+              <a:ext cx="94233" cy="3383534"/>
+            </a:xfrm>
+            <a:prstGeom prst="bentConnector3">
+              <a:avLst>
+                <a:gd name="adj1" fmla="val -242590"/>
+              </a:avLst>
+            </a:prstGeom>
+            <a:ln>
+              <a:tailEnd type="triangle"/>
+            </a:ln>
+          </p:spPr>
+          <p:style>
+            <a:lnRef idx="1">
+              <a:schemeClr val="accent1"/>
+            </a:lnRef>
+            <a:fillRef idx="0">
+              <a:schemeClr val="accent1"/>
+            </a:fillRef>
+            <a:effectRef idx="0">
+              <a:schemeClr val="accent1"/>
+            </a:effectRef>
+            <a:fontRef idx="minor">
+              <a:schemeClr val="tx1"/>
+            </a:fontRef>
+          </p:style>
+        </p:cxnSp>
+        <p:sp>
+          <p:nvSpPr>
+            <p:cNvPr id="37" name="Content Placeholder 2">
+              <a:extLst>
+                <a:ext uri="{FF2B5EF4-FFF2-40B4-BE49-F238E27FC236}">
+                  <a16:creationId xmlns:a16="http://schemas.microsoft.com/office/drawing/2014/main" id="{00183227-2E83-0449-97B4-61C981209160}"/>
+                </a:ext>
+              </a:extLst>
+            </p:cNvPr>
+            <p:cNvSpPr txBox="1">
+              <a:spLocks/>
+            </p:cNvSpPr>
+            <p:nvPr/>
+          </p:nvSpPr>
+          <p:spPr>
+            <a:xfrm>
+              <a:off x="4715075" y="4323402"/>
+              <a:ext cx="794408" cy="304654"/>
+            </a:xfrm>
+            <a:prstGeom prst="rect">
+              <a:avLst/>
+            </a:prstGeom>
+            <a:noFill/>
+          </p:spPr>
+          <p:txBody>
+            <a:bodyPr vert="horz" lIns="91440" tIns="45720" rIns="91440" bIns="45720" rtlCol="0">
+              <a:normAutofit fontScale="92500" lnSpcReduction="10000"/>
+            </a:bodyPr>
+            <a:lstStyle>
+              <a:lvl1pPr marL="228600" indent="-228600" algn="l" defTabSz="914400" rtl="0" eaLnBrk="1" latinLnBrk="0" hangingPunct="1">
+                <a:lnSpc>
+                  <a:spcPct val="120000"/>
+                </a:lnSpc>
+                <a:spcBef>
+                  <a:spcPts val="1000"/>
+                </a:spcBef>
+                <a:buSzPct val="125000"/>
+                <a:buFont typeface="Arial" panose="020B0604020202020204" pitchFamily="34" charset="0"/>
+                <a:buChar char="•"/>
+                <a:defRPr sz="2400" kern="1200">
+                  <a:solidFill>
+                    <a:schemeClr val="tx1"/>
+                  </a:solidFill>
+                  <a:latin typeface="+mn-lt"/>
+                  <a:ea typeface="+mn-ea"/>
+                  <a:cs typeface="+mn-cs"/>
+                </a:defRPr>
+              </a:lvl1pPr>
+              <a:lvl2pPr marL="685800" indent="-228600" algn="l" defTabSz="914400" rtl="0" eaLnBrk="1" latinLnBrk="0" hangingPunct="1">
+                <a:lnSpc>
+                  <a:spcPct val="120000"/>
+                </a:lnSpc>
+                <a:spcBef>
+                  <a:spcPts val="500"/>
+                </a:spcBef>
+                <a:buSzPct val="125000"/>
+                <a:buFont typeface="Arial" panose="020B0604020202020204" pitchFamily="34" charset="0"/>
+                <a:buChar char="•"/>
+                <a:defRPr sz="2000" kern="1200">
+                  <a:solidFill>
+                    <a:schemeClr val="tx1"/>
+                  </a:solidFill>
+                  <a:latin typeface="+mn-lt"/>
+                  <a:ea typeface="+mn-ea"/>
+                  <a:cs typeface="+mn-cs"/>
+                </a:defRPr>
+              </a:lvl2pPr>
+              <a:lvl3pPr marL="1143000" indent="-228600" algn="l" defTabSz="914400" rtl="0" eaLnBrk="1" latinLnBrk="0" hangingPunct="1">
+                <a:lnSpc>
+                  <a:spcPct val="120000"/>
+                </a:lnSpc>
+                <a:spcBef>
+                  <a:spcPts val="500"/>
+                </a:spcBef>
+                <a:buSzPct val="125000"/>
+                <a:buFont typeface="Arial" panose="020B0604020202020204" pitchFamily="34" charset="0"/>
+                <a:buChar char="•"/>
+                <a:defRPr sz="1800" kern="1200">
+                  <a:solidFill>
+                    <a:schemeClr val="tx1"/>
+                  </a:solidFill>
+                  <a:latin typeface="+mn-lt"/>
+                  <a:ea typeface="+mn-ea"/>
+                  <a:cs typeface="+mn-cs"/>
+                </a:defRPr>
+              </a:lvl3pPr>
+              <a:lvl4pPr marL="1600200" indent="-228600" algn="l" defTabSz="914400" rtl="0" eaLnBrk="1" latinLnBrk="0" hangingPunct="1">
+                <a:lnSpc>
+                  <a:spcPct val="120000"/>
+                </a:lnSpc>
+                <a:spcBef>
+                  <a:spcPts val="500"/>
+                </a:spcBef>
+                <a:buSzPct val="125000"/>
+                <a:buFont typeface="Arial" panose="020B0604020202020204" pitchFamily="34" charset="0"/>
+                <a:buChar char="•"/>
+                <a:defRPr sz="1600" kern="1200">
+                  <a:solidFill>
+                    <a:schemeClr val="tx1"/>
+                  </a:solidFill>
+                  <a:latin typeface="+mn-lt"/>
+                  <a:ea typeface="+mn-ea"/>
+                  <a:cs typeface="+mn-cs"/>
+                </a:defRPr>
+              </a:lvl4pPr>
+              <a:lvl5pPr marL="2057400" indent="-228600" algn="l" defTabSz="914400" rtl="0" eaLnBrk="1" latinLnBrk="0" hangingPunct="1">
+                <a:lnSpc>
+                  <a:spcPct val="120000"/>
+                </a:lnSpc>
+                <a:spcBef>
+                  <a:spcPts val="500"/>
+                </a:spcBef>
+                <a:buSzPct val="125000"/>
+                <a:buFont typeface="Arial" panose="020B0604020202020204" pitchFamily="34" charset="0"/>
+                <a:buChar char="•"/>
+                <a:defRPr sz="1600" kern="1200">
+                  <a:solidFill>
+                    <a:schemeClr val="tx1"/>
+                  </a:solidFill>
+                  <a:latin typeface="+mn-lt"/>
+                  <a:ea typeface="+mn-ea"/>
+                  <a:cs typeface="+mn-cs"/>
+                </a:defRPr>
+              </a:lvl5pPr>
+              <a:lvl6pPr marL="2514600" indent="-228600" algn="l" defTabSz="914400" rtl="0" eaLnBrk="1" latinLnBrk="0" hangingPunct="1">
+                <a:lnSpc>
+                  <a:spcPct val="120000"/>
+                </a:lnSpc>
+                <a:spcBef>
+                  <a:spcPts val="500"/>
+                </a:spcBef>
+                <a:buSzPct val="125000"/>
+                <a:buFont typeface="Arial" panose="020B0604020202020204" pitchFamily="34" charset="0"/>
+                <a:buChar char="•"/>
+                <a:defRPr sz="1400" kern="1200">
+                  <a:solidFill>
+                    <a:schemeClr val="tx1"/>
+                  </a:solidFill>
+                  <a:latin typeface="+mn-lt"/>
+                  <a:ea typeface="+mn-ea"/>
+                  <a:cs typeface="+mn-cs"/>
+                </a:defRPr>
+              </a:lvl6pPr>
+              <a:lvl7pPr marL="2971800" indent="-228600" algn="l" defTabSz="914400" rtl="0" eaLnBrk="1" latinLnBrk="0" hangingPunct="1">
+                <a:lnSpc>
+                  <a:spcPct val="120000"/>
+                </a:lnSpc>
+                <a:spcBef>
+                  <a:spcPts val="500"/>
+                </a:spcBef>
+                <a:buSzPct val="125000"/>
+                <a:buFont typeface="Arial" panose="020B0604020202020204" pitchFamily="34" charset="0"/>
+                <a:buChar char="•"/>
+                <a:defRPr sz="1400" kern="1200">
+                  <a:solidFill>
+                    <a:schemeClr val="tx1"/>
+                  </a:solidFill>
+                  <a:latin typeface="+mn-lt"/>
+                  <a:ea typeface="+mn-ea"/>
+                  <a:cs typeface="+mn-cs"/>
+                </a:defRPr>
+              </a:lvl7pPr>
+              <a:lvl8pPr marL="3429000" indent="-228600" algn="l" defTabSz="914400" rtl="0" eaLnBrk="1" latinLnBrk="0" hangingPunct="1">
+                <a:lnSpc>
+                  <a:spcPct val="120000"/>
+                </a:lnSpc>
+                <a:spcBef>
+                  <a:spcPts val="500"/>
+                </a:spcBef>
+                <a:buSzPct val="125000"/>
+                <a:buFont typeface="Arial" panose="020B0604020202020204" pitchFamily="34" charset="0"/>
+                <a:buChar char="•"/>
+                <a:defRPr sz="1400" kern="1200">
+                  <a:solidFill>
+                    <a:schemeClr val="tx1"/>
+                  </a:solidFill>
+                  <a:latin typeface="+mn-lt"/>
+                  <a:ea typeface="+mn-ea"/>
+                  <a:cs typeface="+mn-cs"/>
+                </a:defRPr>
+              </a:lvl8pPr>
+              <a:lvl9pPr marL="3886200" indent="-228600" algn="l" defTabSz="914400" rtl="0" eaLnBrk="1" latinLnBrk="0" hangingPunct="1">
+                <a:lnSpc>
+                  <a:spcPct val="120000"/>
+                </a:lnSpc>
+                <a:spcBef>
+                  <a:spcPts val="500"/>
+                </a:spcBef>
+                <a:buSzPct val="125000"/>
+                <a:buFont typeface="Arial" panose="020B0604020202020204" pitchFamily="34" charset="0"/>
+                <a:buChar char="•"/>
+                <a:defRPr sz="1400" kern="1200">
+                  <a:solidFill>
+                    <a:schemeClr val="tx1"/>
+                  </a:solidFill>
+                  <a:latin typeface="+mn-lt"/>
+                  <a:ea typeface="+mn-ea"/>
+                  <a:cs typeface="+mn-cs"/>
+                </a:defRPr>
+              </a:lvl9pPr>
+            </a:lstStyle>
+            <a:p>
+              <a:pPr marL="0" indent="0">
+                <a:buFont typeface="Arial" panose="020B0604020202020204" pitchFamily="34" charset="0"/>
+                <a:buNone/>
+              </a:pPr>
+              <a:r>
+                <a:rPr lang="en-US" sz="1400" i="1" dirty="0">
+                  <a:solidFill>
+                    <a:schemeClr val="tx1">
+                      <a:lumMod val="95000"/>
+                    </a:schemeClr>
+                  </a:solidFill>
+                </a:rPr>
+                <a:t>a </a:t>
+              </a:r>
+              <a:r>
+                <a:rPr lang="en-US" sz="1400" i="1" dirty="0">
+                  <a:solidFill>
+                    <a:schemeClr val="tx1">
+                      <a:lumMod val="95000"/>
+                    </a:schemeClr>
+                  </a:solidFill>
+                  <a:sym typeface="Wingdings" pitchFamily="2" charset="2"/>
+                </a:rPr>
+                <a:t> R</a:t>
+              </a:r>
+              <a:endParaRPr lang="en-US" sz="1400" u="sng" dirty="0">
+                <a:solidFill>
+                  <a:schemeClr val="tx1">
+                    <a:lumMod val="95000"/>
+                  </a:schemeClr>
+                </a:solidFill>
+              </a:endParaRPr>
+            </a:p>
+          </p:txBody>
+        </p:sp>
+        <p:sp>
+          <p:nvSpPr>
+            <p:cNvPr id="38" name="Content Placeholder 2">
+              <a:extLst>
+                <a:ext uri="{FF2B5EF4-FFF2-40B4-BE49-F238E27FC236}">
+                  <a16:creationId xmlns:a16="http://schemas.microsoft.com/office/drawing/2014/main" id="{C4A2B9CE-9708-C545-BFC7-B184A50001DA}"/>
+                </a:ext>
+              </a:extLst>
+            </p:cNvPr>
+            <p:cNvSpPr txBox="1">
+              <a:spLocks/>
+            </p:cNvSpPr>
+            <p:nvPr/>
+          </p:nvSpPr>
+          <p:spPr>
+            <a:xfrm>
+              <a:off x="4334804" y="3513607"/>
+              <a:ext cx="794408" cy="412803"/>
+            </a:xfrm>
+            <a:prstGeom prst="rect">
+              <a:avLst/>
+            </a:prstGeom>
+            <a:noFill/>
+          </p:spPr>
+          <p:txBody>
+            <a:bodyPr vert="horz" lIns="91440" tIns="45720" rIns="91440" bIns="45720" rtlCol="0">
+              <a:normAutofit/>
+            </a:bodyPr>
+            <a:lstStyle>
+              <a:lvl1pPr marL="228600" indent="-228600" algn="l" defTabSz="914400" rtl="0" eaLnBrk="1" latinLnBrk="0" hangingPunct="1">
+                <a:lnSpc>
+                  <a:spcPct val="120000"/>
+                </a:lnSpc>
+                <a:spcBef>
+                  <a:spcPts val="1000"/>
+                </a:spcBef>
+                <a:buSzPct val="125000"/>
+                <a:buFont typeface="Arial" panose="020B0604020202020204" pitchFamily="34" charset="0"/>
+                <a:buChar char="•"/>
+                <a:defRPr sz="2400" kern="1200">
+                  <a:solidFill>
+                    <a:schemeClr val="tx1"/>
+                  </a:solidFill>
+                  <a:latin typeface="+mn-lt"/>
+                  <a:ea typeface="+mn-ea"/>
+                  <a:cs typeface="+mn-cs"/>
+                </a:defRPr>
+              </a:lvl1pPr>
+              <a:lvl2pPr marL="685800" indent="-228600" algn="l" defTabSz="914400" rtl="0" eaLnBrk="1" latinLnBrk="0" hangingPunct="1">
+                <a:lnSpc>
+                  <a:spcPct val="120000"/>
+                </a:lnSpc>
+                <a:spcBef>
+                  <a:spcPts val="500"/>
+                </a:spcBef>
+                <a:buSzPct val="125000"/>
+                <a:buFont typeface="Arial" panose="020B0604020202020204" pitchFamily="34" charset="0"/>
+                <a:buChar char="•"/>
+                <a:defRPr sz="2000" kern="1200">
+                  <a:solidFill>
+                    <a:schemeClr val="tx1"/>
+                  </a:solidFill>
+                  <a:latin typeface="+mn-lt"/>
+                  <a:ea typeface="+mn-ea"/>
+                  <a:cs typeface="+mn-cs"/>
+                </a:defRPr>
+              </a:lvl2pPr>
+              <a:lvl3pPr marL="1143000" indent="-228600" algn="l" defTabSz="914400" rtl="0" eaLnBrk="1" latinLnBrk="0" hangingPunct="1">
+                <a:lnSpc>
+                  <a:spcPct val="120000"/>
+                </a:lnSpc>
+                <a:spcBef>
+                  <a:spcPts val="500"/>
+                </a:spcBef>
+                <a:buSzPct val="125000"/>
+                <a:buFont typeface="Arial" panose="020B0604020202020204" pitchFamily="34" charset="0"/>
+                <a:buChar char="•"/>
+                <a:defRPr sz="1800" kern="1200">
+                  <a:solidFill>
+                    <a:schemeClr val="tx1"/>
+                  </a:solidFill>
+                  <a:latin typeface="+mn-lt"/>
+                  <a:ea typeface="+mn-ea"/>
+                  <a:cs typeface="+mn-cs"/>
+                </a:defRPr>
+              </a:lvl3pPr>
+              <a:lvl4pPr marL="1600200" indent="-228600" algn="l" defTabSz="914400" rtl="0" eaLnBrk="1" latinLnBrk="0" hangingPunct="1">
+                <a:lnSpc>
+                  <a:spcPct val="120000"/>
+                </a:lnSpc>
+                <a:spcBef>
+                  <a:spcPts val="500"/>
+                </a:spcBef>
+                <a:buSzPct val="125000"/>
+                <a:buFont typeface="Arial" panose="020B0604020202020204" pitchFamily="34" charset="0"/>
+                <a:buChar char="•"/>
+                <a:defRPr sz="1600" kern="1200">
+                  <a:solidFill>
+                    <a:schemeClr val="tx1"/>
+                  </a:solidFill>
+                  <a:latin typeface="+mn-lt"/>
+                  <a:ea typeface="+mn-ea"/>
+                  <a:cs typeface="+mn-cs"/>
+                </a:defRPr>
+              </a:lvl4pPr>
+              <a:lvl5pPr marL="2057400" indent="-228600" algn="l" defTabSz="914400" rtl="0" eaLnBrk="1" latinLnBrk="0" hangingPunct="1">
+                <a:lnSpc>
+                  <a:spcPct val="120000"/>
+                </a:lnSpc>
+                <a:spcBef>
+                  <a:spcPts val="500"/>
+                </a:spcBef>
+                <a:buSzPct val="125000"/>
+                <a:buFont typeface="Arial" panose="020B0604020202020204" pitchFamily="34" charset="0"/>
+                <a:buChar char="•"/>
+                <a:defRPr sz="1600" kern="1200">
+                  <a:solidFill>
+                    <a:schemeClr val="tx1"/>
+                  </a:solidFill>
+                  <a:latin typeface="+mn-lt"/>
+                  <a:ea typeface="+mn-ea"/>
+                  <a:cs typeface="+mn-cs"/>
+                </a:defRPr>
+              </a:lvl5pPr>
+              <a:lvl6pPr marL="2514600" indent="-228600" algn="l" defTabSz="914400" rtl="0" eaLnBrk="1" latinLnBrk="0" hangingPunct="1">
+                <a:lnSpc>
+                  <a:spcPct val="120000"/>
+                </a:lnSpc>
+                <a:spcBef>
+                  <a:spcPts val="500"/>
+                </a:spcBef>
+                <a:buSzPct val="125000"/>
+                <a:buFont typeface="Arial" panose="020B0604020202020204" pitchFamily="34" charset="0"/>
+                <a:buChar char="•"/>
+                <a:defRPr sz="1400" kern="1200">
+                  <a:solidFill>
+                    <a:schemeClr val="tx1"/>
+                  </a:solidFill>
+                  <a:latin typeface="+mn-lt"/>
+                  <a:ea typeface="+mn-ea"/>
+                  <a:cs typeface="+mn-cs"/>
+                </a:defRPr>
+              </a:lvl6pPr>
+              <a:lvl7pPr marL="2971800" indent="-228600" algn="l" defTabSz="914400" rtl="0" eaLnBrk="1" latinLnBrk="0" hangingPunct="1">
+                <a:lnSpc>
+                  <a:spcPct val="120000"/>
+                </a:lnSpc>
+                <a:spcBef>
+                  <a:spcPts val="500"/>
+                </a:spcBef>
+                <a:buSzPct val="125000"/>
+                <a:buFont typeface="Arial" panose="020B0604020202020204" pitchFamily="34" charset="0"/>
+                <a:buChar char="•"/>
+                <a:defRPr sz="1400" kern="1200">
+                  <a:solidFill>
+                    <a:schemeClr val="tx1"/>
+                  </a:solidFill>
+                  <a:latin typeface="+mn-lt"/>
+                  <a:ea typeface="+mn-ea"/>
+                  <a:cs typeface="+mn-cs"/>
+                </a:defRPr>
+              </a:lvl7pPr>
+              <a:lvl8pPr marL="3429000" indent="-228600" algn="l" defTabSz="914400" rtl="0" eaLnBrk="1" latinLnBrk="0" hangingPunct="1">
+                <a:lnSpc>
+                  <a:spcPct val="120000"/>
+                </a:lnSpc>
+                <a:spcBef>
+                  <a:spcPts val="500"/>
+                </a:spcBef>
+                <a:buSzPct val="125000"/>
+                <a:buFont typeface="Arial" panose="020B0604020202020204" pitchFamily="34" charset="0"/>
+                <a:buChar char="•"/>
+                <a:defRPr sz="1400" kern="1200">
+                  <a:solidFill>
+                    <a:schemeClr val="tx1"/>
+                  </a:solidFill>
+                  <a:latin typeface="+mn-lt"/>
+                  <a:ea typeface="+mn-ea"/>
+                  <a:cs typeface="+mn-cs"/>
+                </a:defRPr>
+              </a:lvl8pPr>
+              <a:lvl9pPr marL="3886200" indent="-228600" algn="l" defTabSz="914400" rtl="0" eaLnBrk="1" latinLnBrk="0" hangingPunct="1">
+                <a:lnSpc>
+                  <a:spcPct val="120000"/>
+                </a:lnSpc>
+                <a:spcBef>
+                  <a:spcPts val="500"/>
+                </a:spcBef>
+                <a:buSzPct val="125000"/>
+                <a:buFont typeface="Arial" panose="020B0604020202020204" pitchFamily="34" charset="0"/>
+                <a:buChar char="•"/>
+                <a:defRPr sz="1400" kern="1200">
+                  <a:solidFill>
+                    <a:schemeClr val="tx1"/>
+                  </a:solidFill>
+                  <a:latin typeface="+mn-lt"/>
+                  <a:ea typeface="+mn-ea"/>
+                  <a:cs typeface="+mn-cs"/>
+                </a:defRPr>
+              </a:lvl9pPr>
+            </a:lstStyle>
+            <a:p>
+              <a:pPr marL="0" indent="0">
+                <a:buFont typeface="Arial" panose="020B0604020202020204" pitchFamily="34" charset="0"/>
+                <a:buNone/>
+              </a:pPr>
+              <a:r>
+                <a:rPr lang="en-US" sz="1400" i="1" dirty="0">
+                  <a:solidFill>
+                    <a:schemeClr val="tx1">
+                      <a:lumMod val="95000"/>
+                    </a:schemeClr>
+                  </a:solidFill>
+                </a:rPr>
+                <a:t>b </a:t>
+              </a:r>
+              <a:r>
+                <a:rPr lang="en-US" sz="1400" i="1" dirty="0">
+                  <a:solidFill>
+                    <a:schemeClr val="tx1">
+                      <a:lumMod val="95000"/>
+                    </a:schemeClr>
+                  </a:solidFill>
+                  <a:sym typeface="Wingdings" pitchFamily="2" charset="2"/>
+                </a:rPr>
+                <a:t> R</a:t>
+              </a:r>
+              <a:endParaRPr lang="en-US" sz="1400" u="sng" dirty="0">
+                <a:solidFill>
+                  <a:schemeClr val="tx1">
+                    <a:lumMod val="95000"/>
+                  </a:schemeClr>
+                </a:solidFill>
+              </a:endParaRPr>
+            </a:p>
+          </p:txBody>
+        </p:sp>
+        <p:cxnSp>
+          <p:nvCxnSpPr>
+            <p:cNvPr id="39" name="Elbow Connector 38">
+              <a:extLst>
+                <a:ext uri="{FF2B5EF4-FFF2-40B4-BE49-F238E27FC236}">
+                  <a16:creationId xmlns:a16="http://schemas.microsoft.com/office/drawing/2014/main" id="{07ADD286-D262-994F-BC89-F966C8140938}"/>
+                </a:ext>
+              </a:extLst>
+            </p:cNvPr>
+            <p:cNvCxnSpPr>
+              <a:cxnSpLocks/>
+              <a:stCxn id="4" idx="7"/>
+              <a:endCxn id="4" idx="6"/>
+            </p:cNvCxnSpPr>
+            <p:nvPr/>
+          </p:nvCxnSpPr>
+          <p:spPr>
+            <a:xfrm rot="16200000" flipH="1">
+              <a:off x="6162145" y="4168792"/>
+              <a:ext cx="227500" cy="94233"/>
+            </a:xfrm>
+            <a:prstGeom prst="bentConnector4">
+              <a:avLst>
+                <a:gd name="adj1" fmla="val -78638"/>
+                <a:gd name="adj2" fmla="val 342590"/>
+              </a:avLst>
+            </a:prstGeom>
+            <a:ln>
+              <a:tailEnd type="triangle"/>
+            </a:ln>
+          </p:spPr>
+          <p:style>
+            <a:lnRef idx="1">
+              <a:schemeClr val="accent1"/>
+            </a:lnRef>
+            <a:fillRef idx="0">
+              <a:schemeClr val="accent1"/>
+            </a:fillRef>
+            <a:effectRef idx="0">
+              <a:schemeClr val="accent1"/>
+            </a:effectRef>
+            <a:fontRef idx="minor">
+              <a:schemeClr val="tx1"/>
+            </a:fontRef>
+          </p:style>
+        </p:cxnSp>
+        <p:sp>
+          <p:nvSpPr>
+            <p:cNvPr id="43" name="Content Placeholder 2">
+              <a:extLst>
+                <a:ext uri="{FF2B5EF4-FFF2-40B4-BE49-F238E27FC236}">
+                  <a16:creationId xmlns:a16="http://schemas.microsoft.com/office/drawing/2014/main" id="{73FCC744-9940-4142-A6D9-CB590944A41D}"/>
+                </a:ext>
+              </a:extLst>
+            </p:cNvPr>
+            <p:cNvSpPr txBox="1">
+              <a:spLocks/>
+            </p:cNvSpPr>
+            <p:nvPr/>
+          </p:nvSpPr>
+          <p:spPr>
+            <a:xfrm>
+              <a:off x="6524660" y="3995757"/>
+              <a:ext cx="663505" cy="412803"/>
+            </a:xfrm>
+            <a:prstGeom prst="rect">
+              <a:avLst/>
+            </a:prstGeom>
+            <a:noFill/>
+          </p:spPr>
+          <p:txBody>
+            <a:bodyPr vert="horz" lIns="91440" tIns="45720" rIns="91440" bIns="45720" rtlCol="0">
+              <a:normAutofit fontScale="92500"/>
+            </a:bodyPr>
+            <a:lstStyle>
+              <a:lvl1pPr marL="228600" indent="-228600" algn="l" defTabSz="914400" rtl="0" eaLnBrk="1" latinLnBrk="0" hangingPunct="1">
+                <a:lnSpc>
+                  <a:spcPct val="120000"/>
+                </a:lnSpc>
+                <a:spcBef>
+                  <a:spcPts val="1000"/>
+                </a:spcBef>
+                <a:buSzPct val="125000"/>
+                <a:buFont typeface="Arial" panose="020B0604020202020204" pitchFamily="34" charset="0"/>
+                <a:buChar char="•"/>
+                <a:defRPr sz="2400" kern="1200">
+                  <a:solidFill>
+                    <a:schemeClr val="tx1"/>
+                  </a:solidFill>
+                  <a:latin typeface="+mn-lt"/>
+                  <a:ea typeface="+mn-ea"/>
+                  <a:cs typeface="+mn-cs"/>
+                </a:defRPr>
+              </a:lvl1pPr>
+              <a:lvl2pPr marL="685800" indent="-228600" algn="l" defTabSz="914400" rtl="0" eaLnBrk="1" latinLnBrk="0" hangingPunct="1">
+                <a:lnSpc>
+                  <a:spcPct val="120000"/>
+                </a:lnSpc>
+                <a:spcBef>
+                  <a:spcPts val="500"/>
+                </a:spcBef>
+                <a:buSzPct val="125000"/>
+                <a:buFont typeface="Arial" panose="020B0604020202020204" pitchFamily="34" charset="0"/>
+                <a:buChar char="•"/>
+                <a:defRPr sz="2000" kern="1200">
+                  <a:solidFill>
+                    <a:schemeClr val="tx1"/>
+                  </a:solidFill>
+                  <a:latin typeface="+mn-lt"/>
+                  <a:ea typeface="+mn-ea"/>
+                  <a:cs typeface="+mn-cs"/>
+                </a:defRPr>
+              </a:lvl2pPr>
+              <a:lvl3pPr marL="1143000" indent="-228600" algn="l" defTabSz="914400" rtl="0" eaLnBrk="1" latinLnBrk="0" hangingPunct="1">
+                <a:lnSpc>
+                  <a:spcPct val="120000"/>
+                </a:lnSpc>
+                <a:spcBef>
+                  <a:spcPts val="500"/>
+                </a:spcBef>
+                <a:buSzPct val="125000"/>
+                <a:buFont typeface="Arial" panose="020B0604020202020204" pitchFamily="34" charset="0"/>
+                <a:buChar char="•"/>
+                <a:defRPr sz="1800" kern="1200">
+                  <a:solidFill>
+                    <a:schemeClr val="tx1"/>
+                  </a:solidFill>
+                  <a:latin typeface="+mn-lt"/>
+                  <a:ea typeface="+mn-ea"/>
+                  <a:cs typeface="+mn-cs"/>
+                </a:defRPr>
+              </a:lvl3pPr>
+              <a:lvl4pPr marL="1600200" indent="-228600" algn="l" defTabSz="914400" rtl="0" eaLnBrk="1" latinLnBrk="0" hangingPunct="1">
+                <a:lnSpc>
+                  <a:spcPct val="120000"/>
+                </a:lnSpc>
+                <a:spcBef>
+                  <a:spcPts val="500"/>
+                </a:spcBef>
+                <a:buSzPct val="125000"/>
+                <a:buFont typeface="Arial" panose="020B0604020202020204" pitchFamily="34" charset="0"/>
+                <a:buChar char="•"/>
+                <a:defRPr sz="1600" kern="1200">
+                  <a:solidFill>
+                    <a:schemeClr val="tx1"/>
+                  </a:solidFill>
+                  <a:latin typeface="+mn-lt"/>
+                  <a:ea typeface="+mn-ea"/>
+                  <a:cs typeface="+mn-cs"/>
+                </a:defRPr>
+              </a:lvl4pPr>
+              <a:lvl5pPr marL="2057400" indent="-228600" algn="l" defTabSz="914400" rtl="0" eaLnBrk="1" latinLnBrk="0" hangingPunct="1">
+                <a:lnSpc>
+                  <a:spcPct val="120000"/>
+                </a:lnSpc>
+                <a:spcBef>
+                  <a:spcPts val="500"/>
+                </a:spcBef>
+                <a:buSzPct val="125000"/>
+                <a:buFont typeface="Arial" panose="020B0604020202020204" pitchFamily="34" charset="0"/>
+                <a:buChar char="•"/>
+                <a:defRPr sz="1600" kern="1200">
+                  <a:solidFill>
+                    <a:schemeClr val="tx1"/>
+                  </a:solidFill>
+                  <a:latin typeface="+mn-lt"/>
+                  <a:ea typeface="+mn-ea"/>
+                  <a:cs typeface="+mn-cs"/>
+                </a:defRPr>
+              </a:lvl5pPr>
+              <a:lvl6pPr marL="2514600" indent="-228600" algn="l" defTabSz="914400" rtl="0" eaLnBrk="1" latinLnBrk="0" hangingPunct="1">
+                <a:lnSpc>
+                  <a:spcPct val="120000"/>
+                </a:lnSpc>
+                <a:spcBef>
+                  <a:spcPts val="500"/>
+                </a:spcBef>
+                <a:buSzPct val="125000"/>
+                <a:buFont typeface="Arial" panose="020B0604020202020204" pitchFamily="34" charset="0"/>
+                <a:buChar char="•"/>
+                <a:defRPr sz="1400" kern="1200">
+                  <a:solidFill>
+                    <a:schemeClr val="tx1"/>
+                  </a:solidFill>
+                  <a:latin typeface="+mn-lt"/>
+                  <a:ea typeface="+mn-ea"/>
+                  <a:cs typeface="+mn-cs"/>
+                </a:defRPr>
+              </a:lvl6pPr>
+              <a:lvl7pPr marL="2971800" indent="-228600" algn="l" defTabSz="914400" rtl="0" eaLnBrk="1" latinLnBrk="0" hangingPunct="1">
+                <a:lnSpc>
+                  <a:spcPct val="120000"/>
+                </a:lnSpc>
+                <a:spcBef>
+                  <a:spcPts val="500"/>
+                </a:spcBef>
+                <a:buSzPct val="125000"/>
+                <a:buFont typeface="Arial" panose="020B0604020202020204" pitchFamily="34" charset="0"/>
+                <a:buChar char="•"/>
+                <a:defRPr sz="1400" kern="1200">
+                  <a:solidFill>
+                    <a:schemeClr val="tx1"/>
+                  </a:solidFill>
+                  <a:latin typeface="+mn-lt"/>
+                  <a:ea typeface="+mn-ea"/>
+                  <a:cs typeface="+mn-cs"/>
+                </a:defRPr>
+              </a:lvl7pPr>
+              <a:lvl8pPr marL="3429000" indent="-228600" algn="l" defTabSz="914400" rtl="0" eaLnBrk="1" latinLnBrk="0" hangingPunct="1">
+                <a:lnSpc>
+                  <a:spcPct val="120000"/>
+                </a:lnSpc>
+                <a:spcBef>
+                  <a:spcPts val="500"/>
+                </a:spcBef>
+                <a:buSzPct val="125000"/>
+                <a:buFont typeface="Arial" panose="020B0604020202020204" pitchFamily="34" charset="0"/>
+                <a:buChar char="•"/>
+                <a:defRPr sz="1400" kern="1200">
+                  <a:solidFill>
+                    <a:schemeClr val="tx1"/>
+                  </a:solidFill>
+                  <a:latin typeface="+mn-lt"/>
+                  <a:ea typeface="+mn-ea"/>
+                  <a:cs typeface="+mn-cs"/>
+                </a:defRPr>
+              </a:lvl8pPr>
+              <a:lvl9pPr marL="3886200" indent="-228600" algn="l" defTabSz="914400" rtl="0" eaLnBrk="1" latinLnBrk="0" hangingPunct="1">
+                <a:lnSpc>
+                  <a:spcPct val="120000"/>
+                </a:lnSpc>
+                <a:spcBef>
+                  <a:spcPts val="500"/>
+                </a:spcBef>
+                <a:buSzPct val="125000"/>
+                <a:buFont typeface="Arial" panose="020B0604020202020204" pitchFamily="34" charset="0"/>
+                <a:buChar char="•"/>
+                <a:defRPr sz="1400" kern="1200">
+                  <a:solidFill>
+                    <a:schemeClr val="tx1"/>
+                  </a:solidFill>
+                  <a:latin typeface="+mn-lt"/>
+                  <a:ea typeface="+mn-ea"/>
+                  <a:cs typeface="+mn-cs"/>
+                </a:defRPr>
+              </a:lvl9pPr>
+            </a:lstStyle>
+            <a:p>
+              <a:pPr marL="0" indent="0">
+                <a:buFont typeface="Arial" panose="020B0604020202020204" pitchFamily="34" charset="0"/>
+                <a:buNone/>
+              </a:pPr>
+              <a:r>
+                <a:rPr lang="en-US" sz="1400" i="1" dirty="0">
+                  <a:solidFill>
+                    <a:schemeClr val="tx1">
+                      <a:lumMod val="95000"/>
+                    </a:schemeClr>
+                  </a:solidFill>
+                </a:rPr>
+                <a:t># </a:t>
+              </a:r>
+              <a:r>
+                <a:rPr lang="en-US" sz="1400" i="1" dirty="0">
+                  <a:solidFill>
+                    <a:schemeClr val="tx1">
+                      <a:lumMod val="95000"/>
+                    </a:schemeClr>
+                  </a:solidFill>
+                  <a:sym typeface="Wingdings" pitchFamily="2" charset="2"/>
+                </a:rPr>
+                <a:t> R</a:t>
+              </a:r>
+              <a:endParaRPr lang="en-US" sz="1400" u="sng" dirty="0">
+                <a:solidFill>
+                  <a:schemeClr val="tx1">
+                    <a:lumMod val="95000"/>
+                  </a:schemeClr>
+                </a:solidFill>
+              </a:endParaRPr>
+            </a:p>
+          </p:txBody>
+        </p:sp>
+        <p:cxnSp>
+          <p:nvCxnSpPr>
+            <p:cNvPr id="44" name="Straight Arrow Connector 43">
+              <a:extLst>
+                <a:ext uri="{FF2B5EF4-FFF2-40B4-BE49-F238E27FC236}">
+                  <a16:creationId xmlns:a16="http://schemas.microsoft.com/office/drawing/2014/main" id="{1BEC9942-1020-F540-87E4-D6498F933BEC}"/>
+                </a:ext>
+              </a:extLst>
+            </p:cNvPr>
+            <p:cNvCxnSpPr>
+              <a:cxnSpLocks/>
+              <a:stCxn id="4" idx="4"/>
+              <a:endCxn id="26" idx="0"/>
+            </p:cNvCxnSpPr>
+            <p:nvPr/>
+          </p:nvCxnSpPr>
+          <p:spPr>
+            <a:xfrm flipH="1">
+              <a:off x="6001278" y="4651391"/>
+              <a:ext cx="1" cy="431799"/>
+            </a:xfrm>
+            <a:prstGeom prst="straightConnector1">
+              <a:avLst/>
+            </a:prstGeom>
+            <a:ln>
+              <a:tailEnd type="triangle"/>
+            </a:ln>
+          </p:spPr>
+          <p:style>
+            <a:lnRef idx="1">
+              <a:schemeClr val="accent1"/>
+            </a:lnRef>
+            <a:fillRef idx="0">
+              <a:schemeClr val="accent1"/>
+            </a:fillRef>
+            <a:effectRef idx="0">
+              <a:schemeClr val="accent1"/>
+            </a:effectRef>
+            <a:fontRef idx="minor">
+              <a:schemeClr val="tx1"/>
+            </a:fontRef>
+          </p:style>
+        </p:cxnSp>
+        <p:sp>
+          <p:nvSpPr>
+            <p:cNvPr id="47" name="Content Placeholder 2">
+              <a:extLst>
+                <a:ext uri="{FF2B5EF4-FFF2-40B4-BE49-F238E27FC236}">
+                  <a16:creationId xmlns:a16="http://schemas.microsoft.com/office/drawing/2014/main" id="{D354D62D-369F-774E-8116-1860F704EBE5}"/>
+                </a:ext>
+              </a:extLst>
+            </p:cNvPr>
+            <p:cNvSpPr txBox="1">
+              <a:spLocks/>
+            </p:cNvSpPr>
+            <p:nvPr/>
+          </p:nvSpPr>
+          <p:spPr>
+            <a:xfrm>
+              <a:off x="6001277" y="4714963"/>
+              <a:ext cx="550335" cy="304654"/>
+            </a:xfrm>
+            <a:prstGeom prst="rect">
+              <a:avLst/>
+            </a:prstGeom>
+            <a:noFill/>
+          </p:spPr>
+          <p:txBody>
+            <a:bodyPr vert="horz" lIns="91440" tIns="45720" rIns="91440" bIns="45720" rtlCol="0">
+              <a:normAutofit fontScale="85000" lnSpcReduction="10000"/>
+            </a:bodyPr>
+            <a:lstStyle>
+              <a:lvl1pPr marL="228600" indent="-228600" algn="l" defTabSz="914400" rtl="0" eaLnBrk="1" latinLnBrk="0" hangingPunct="1">
+                <a:lnSpc>
+                  <a:spcPct val="120000"/>
+                </a:lnSpc>
+                <a:spcBef>
+                  <a:spcPts val="1000"/>
+                </a:spcBef>
+                <a:buSzPct val="125000"/>
+                <a:buFont typeface="Arial" panose="020B0604020202020204" pitchFamily="34" charset="0"/>
+                <a:buChar char="•"/>
+                <a:defRPr sz="2400" kern="1200">
+                  <a:solidFill>
+                    <a:schemeClr val="tx1"/>
+                  </a:solidFill>
+                  <a:latin typeface="+mn-lt"/>
+                  <a:ea typeface="+mn-ea"/>
+                  <a:cs typeface="+mn-cs"/>
+                </a:defRPr>
+              </a:lvl1pPr>
+              <a:lvl2pPr marL="685800" indent="-228600" algn="l" defTabSz="914400" rtl="0" eaLnBrk="1" latinLnBrk="0" hangingPunct="1">
+                <a:lnSpc>
+                  <a:spcPct val="120000"/>
+                </a:lnSpc>
+                <a:spcBef>
+                  <a:spcPts val="500"/>
+                </a:spcBef>
+                <a:buSzPct val="125000"/>
+                <a:buFont typeface="Arial" panose="020B0604020202020204" pitchFamily="34" charset="0"/>
+                <a:buChar char="•"/>
+                <a:defRPr sz="2000" kern="1200">
+                  <a:solidFill>
+                    <a:schemeClr val="tx1"/>
+                  </a:solidFill>
+                  <a:latin typeface="+mn-lt"/>
+                  <a:ea typeface="+mn-ea"/>
+                  <a:cs typeface="+mn-cs"/>
+                </a:defRPr>
+              </a:lvl2pPr>
+              <a:lvl3pPr marL="1143000" indent="-228600" algn="l" defTabSz="914400" rtl="0" eaLnBrk="1" latinLnBrk="0" hangingPunct="1">
+                <a:lnSpc>
+                  <a:spcPct val="120000"/>
+                </a:lnSpc>
+                <a:spcBef>
+                  <a:spcPts val="500"/>
+                </a:spcBef>
+                <a:buSzPct val="125000"/>
+                <a:buFont typeface="Arial" panose="020B0604020202020204" pitchFamily="34" charset="0"/>
+                <a:buChar char="•"/>
+                <a:defRPr sz="1800" kern="1200">
+                  <a:solidFill>
+                    <a:schemeClr val="tx1"/>
+                  </a:solidFill>
+                  <a:latin typeface="+mn-lt"/>
+                  <a:ea typeface="+mn-ea"/>
+                  <a:cs typeface="+mn-cs"/>
+                </a:defRPr>
+              </a:lvl3pPr>
+              <a:lvl4pPr marL="1600200" indent="-228600" algn="l" defTabSz="914400" rtl="0" eaLnBrk="1" latinLnBrk="0" hangingPunct="1">
+                <a:lnSpc>
+                  <a:spcPct val="120000"/>
+                </a:lnSpc>
+                <a:spcBef>
+                  <a:spcPts val="500"/>
+                </a:spcBef>
+                <a:buSzPct val="125000"/>
+                <a:buFont typeface="Arial" panose="020B0604020202020204" pitchFamily="34" charset="0"/>
+                <a:buChar char="•"/>
+                <a:defRPr sz="1600" kern="1200">
+                  <a:solidFill>
+                    <a:schemeClr val="tx1"/>
+                  </a:solidFill>
+                  <a:latin typeface="+mn-lt"/>
+                  <a:ea typeface="+mn-ea"/>
+                  <a:cs typeface="+mn-cs"/>
+                </a:defRPr>
+              </a:lvl4pPr>
+              <a:lvl5pPr marL="2057400" indent="-228600" algn="l" defTabSz="914400" rtl="0" eaLnBrk="1" latinLnBrk="0" hangingPunct="1">
+                <a:lnSpc>
+                  <a:spcPct val="120000"/>
+                </a:lnSpc>
+                <a:spcBef>
+                  <a:spcPts val="500"/>
+                </a:spcBef>
+                <a:buSzPct val="125000"/>
+                <a:buFont typeface="Arial" panose="020B0604020202020204" pitchFamily="34" charset="0"/>
+                <a:buChar char="•"/>
+                <a:defRPr sz="1600" kern="1200">
+                  <a:solidFill>
+                    <a:schemeClr val="tx1"/>
+                  </a:solidFill>
+                  <a:latin typeface="+mn-lt"/>
+                  <a:ea typeface="+mn-ea"/>
+                  <a:cs typeface="+mn-cs"/>
+                </a:defRPr>
+              </a:lvl5pPr>
+              <a:lvl6pPr marL="2514600" indent="-228600" algn="l" defTabSz="914400" rtl="0" eaLnBrk="1" latinLnBrk="0" hangingPunct="1">
+                <a:lnSpc>
+                  <a:spcPct val="120000"/>
+                </a:lnSpc>
+                <a:spcBef>
+                  <a:spcPts val="500"/>
+                </a:spcBef>
+                <a:buSzPct val="125000"/>
+                <a:buFont typeface="Arial" panose="020B0604020202020204" pitchFamily="34" charset="0"/>
+                <a:buChar char="•"/>
+                <a:defRPr sz="1400" kern="1200">
+                  <a:solidFill>
+                    <a:schemeClr val="tx1"/>
+                  </a:solidFill>
+                  <a:latin typeface="+mn-lt"/>
+                  <a:ea typeface="+mn-ea"/>
+                  <a:cs typeface="+mn-cs"/>
+                </a:defRPr>
+              </a:lvl6pPr>
+              <a:lvl7pPr marL="2971800" indent="-228600" algn="l" defTabSz="914400" rtl="0" eaLnBrk="1" latinLnBrk="0" hangingPunct="1">
+                <a:lnSpc>
+                  <a:spcPct val="120000"/>
+                </a:lnSpc>
+                <a:spcBef>
+                  <a:spcPts val="500"/>
+                </a:spcBef>
+                <a:buSzPct val="125000"/>
+                <a:buFont typeface="Arial" panose="020B0604020202020204" pitchFamily="34" charset="0"/>
+                <a:buChar char="•"/>
+                <a:defRPr sz="1400" kern="1200">
+                  <a:solidFill>
+                    <a:schemeClr val="tx1"/>
+                  </a:solidFill>
+                  <a:latin typeface="+mn-lt"/>
+                  <a:ea typeface="+mn-ea"/>
+                  <a:cs typeface="+mn-cs"/>
+                </a:defRPr>
+              </a:lvl7pPr>
+              <a:lvl8pPr marL="3429000" indent="-228600" algn="l" defTabSz="914400" rtl="0" eaLnBrk="1" latinLnBrk="0" hangingPunct="1">
+                <a:lnSpc>
+                  <a:spcPct val="120000"/>
+                </a:lnSpc>
+                <a:spcBef>
+                  <a:spcPts val="500"/>
+                </a:spcBef>
+                <a:buSzPct val="125000"/>
+                <a:buFont typeface="Arial" panose="020B0604020202020204" pitchFamily="34" charset="0"/>
+                <a:buChar char="•"/>
+                <a:defRPr sz="1400" kern="1200">
+                  <a:solidFill>
+                    <a:schemeClr val="tx1"/>
+                  </a:solidFill>
+                  <a:latin typeface="+mn-lt"/>
+                  <a:ea typeface="+mn-ea"/>
+                  <a:cs typeface="+mn-cs"/>
+                </a:defRPr>
+              </a:lvl8pPr>
+              <a:lvl9pPr marL="3886200" indent="-228600" algn="l" defTabSz="914400" rtl="0" eaLnBrk="1" latinLnBrk="0" hangingPunct="1">
+                <a:lnSpc>
+                  <a:spcPct val="120000"/>
+                </a:lnSpc>
+                <a:spcBef>
+                  <a:spcPts val="500"/>
+                </a:spcBef>
+                <a:buSzPct val="125000"/>
+                <a:buFont typeface="Arial" panose="020B0604020202020204" pitchFamily="34" charset="0"/>
+                <a:buChar char="•"/>
+                <a:defRPr sz="1400" kern="1200">
+                  <a:solidFill>
+                    <a:schemeClr val="tx1"/>
+                  </a:solidFill>
+                  <a:latin typeface="+mn-lt"/>
+                  <a:ea typeface="+mn-ea"/>
+                  <a:cs typeface="+mn-cs"/>
+                </a:defRPr>
+              </a:lvl9pPr>
+            </a:lstStyle>
+            <a:p>
+              <a:pPr marL="0" indent="0">
+                <a:buFont typeface="Arial" panose="020B0604020202020204" pitchFamily="34" charset="0"/>
+                <a:buNone/>
+              </a:pPr>
+              <a:r>
+                <a:rPr lang="en-US" sz="1400" i="1" dirty="0">
+                  <a:solidFill>
+                    <a:schemeClr val="tx1">
+                      <a:lumMod val="95000"/>
+                    </a:schemeClr>
+                  </a:solidFill>
+                </a:rPr>
+                <a:t>a </a:t>
+              </a:r>
+              <a:r>
+                <a:rPr lang="en-US" sz="1400" i="1" dirty="0">
+                  <a:solidFill>
+                    <a:schemeClr val="tx1">
+                      <a:lumMod val="95000"/>
+                    </a:schemeClr>
+                  </a:solidFill>
+                  <a:sym typeface="Wingdings" pitchFamily="2" charset="2"/>
+                </a:rPr>
+                <a:t> L</a:t>
+              </a:r>
+              <a:endParaRPr lang="en-US" sz="1400" u="sng" dirty="0">
+                <a:solidFill>
+                  <a:schemeClr val="tx1">
+                    <a:lumMod val="95000"/>
+                  </a:schemeClr>
+                </a:solidFill>
+              </a:endParaRPr>
+            </a:p>
+          </p:txBody>
+        </p:sp>
+        <p:cxnSp>
+          <p:nvCxnSpPr>
+            <p:cNvPr id="48" name="Straight Arrow Connector 47">
+              <a:extLst>
+                <a:ext uri="{FF2B5EF4-FFF2-40B4-BE49-F238E27FC236}">
+                  <a16:creationId xmlns:a16="http://schemas.microsoft.com/office/drawing/2014/main" id="{C452A975-9E2F-6E44-AEB1-A4DD80AE3A06}"/>
+                </a:ext>
+              </a:extLst>
+            </p:cNvPr>
+            <p:cNvCxnSpPr>
+              <a:cxnSpLocks/>
+              <a:stCxn id="28" idx="4"/>
+              <a:endCxn id="29" idx="0"/>
+            </p:cNvCxnSpPr>
+            <p:nvPr/>
+          </p:nvCxnSpPr>
+          <p:spPr>
+            <a:xfrm flipH="1">
+              <a:off x="7711545" y="4651391"/>
+              <a:ext cx="1" cy="431799"/>
+            </a:xfrm>
+            <a:prstGeom prst="straightConnector1">
+              <a:avLst/>
+            </a:prstGeom>
+            <a:ln>
+              <a:tailEnd type="triangle"/>
+            </a:ln>
+          </p:spPr>
+          <p:style>
+            <a:lnRef idx="1">
+              <a:schemeClr val="accent1"/>
+            </a:lnRef>
+            <a:fillRef idx="0">
+              <a:schemeClr val="accent1"/>
+            </a:fillRef>
+            <a:effectRef idx="0">
+              <a:schemeClr val="accent1"/>
+            </a:effectRef>
+            <a:fontRef idx="minor">
+              <a:schemeClr val="tx1"/>
+            </a:fontRef>
+          </p:style>
+        </p:cxnSp>
+        <p:sp>
+          <p:nvSpPr>
+            <p:cNvPr id="51" name="Content Placeholder 2">
+              <a:extLst>
+                <a:ext uri="{FF2B5EF4-FFF2-40B4-BE49-F238E27FC236}">
+                  <a16:creationId xmlns:a16="http://schemas.microsoft.com/office/drawing/2014/main" id="{1FD206B0-41F3-AE4A-8E98-DC6ADCD292FD}"/>
+                </a:ext>
+              </a:extLst>
+            </p:cNvPr>
+            <p:cNvSpPr txBox="1">
+              <a:spLocks/>
+            </p:cNvSpPr>
+            <p:nvPr/>
+          </p:nvSpPr>
+          <p:spPr>
+            <a:xfrm>
+              <a:off x="7698843" y="4714963"/>
+              <a:ext cx="550335" cy="304654"/>
+            </a:xfrm>
+            <a:prstGeom prst="rect">
+              <a:avLst/>
+            </a:prstGeom>
+            <a:noFill/>
+          </p:spPr>
+          <p:txBody>
+            <a:bodyPr vert="horz" lIns="91440" tIns="45720" rIns="91440" bIns="45720" rtlCol="0">
+              <a:normAutofit fontScale="85000" lnSpcReduction="10000"/>
+            </a:bodyPr>
+            <a:lstStyle>
+              <a:lvl1pPr marL="228600" indent="-228600" algn="l" defTabSz="914400" rtl="0" eaLnBrk="1" latinLnBrk="0" hangingPunct="1">
+                <a:lnSpc>
+                  <a:spcPct val="120000"/>
+                </a:lnSpc>
+                <a:spcBef>
+                  <a:spcPts val="1000"/>
+                </a:spcBef>
+                <a:buSzPct val="125000"/>
+                <a:buFont typeface="Arial" panose="020B0604020202020204" pitchFamily="34" charset="0"/>
+                <a:buChar char="•"/>
+                <a:defRPr sz="2400" kern="1200">
+                  <a:solidFill>
+                    <a:schemeClr val="tx1"/>
+                  </a:solidFill>
+                  <a:latin typeface="+mn-lt"/>
+                  <a:ea typeface="+mn-ea"/>
+                  <a:cs typeface="+mn-cs"/>
+                </a:defRPr>
+              </a:lvl1pPr>
+              <a:lvl2pPr marL="685800" indent="-228600" algn="l" defTabSz="914400" rtl="0" eaLnBrk="1" latinLnBrk="0" hangingPunct="1">
+                <a:lnSpc>
+                  <a:spcPct val="120000"/>
+                </a:lnSpc>
+                <a:spcBef>
+                  <a:spcPts val="500"/>
+                </a:spcBef>
+                <a:buSzPct val="125000"/>
+                <a:buFont typeface="Arial" panose="020B0604020202020204" pitchFamily="34" charset="0"/>
+                <a:buChar char="•"/>
+                <a:defRPr sz="2000" kern="1200">
+                  <a:solidFill>
+                    <a:schemeClr val="tx1"/>
+                  </a:solidFill>
+                  <a:latin typeface="+mn-lt"/>
+                  <a:ea typeface="+mn-ea"/>
+                  <a:cs typeface="+mn-cs"/>
+                </a:defRPr>
+              </a:lvl2pPr>
+              <a:lvl3pPr marL="1143000" indent="-228600" algn="l" defTabSz="914400" rtl="0" eaLnBrk="1" latinLnBrk="0" hangingPunct="1">
+                <a:lnSpc>
+                  <a:spcPct val="120000"/>
+                </a:lnSpc>
+                <a:spcBef>
+                  <a:spcPts val="500"/>
+                </a:spcBef>
+                <a:buSzPct val="125000"/>
+                <a:buFont typeface="Arial" panose="020B0604020202020204" pitchFamily="34" charset="0"/>
+                <a:buChar char="•"/>
+                <a:defRPr sz="1800" kern="1200">
+                  <a:solidFill>
+                    <a:schemeClr val="tx1"/>
+                  </a:solidFill>
+                  <a:latin typeface="+mn-lt"/>
+                  <a:ea typeface="+mn-ea"/>
+                  <a:cs typeface="+mn-cs"/>
+                </a:defRPr>
+              </a:lvl3pPr>
+              <a:lvl4pPr marL="1600200" indent="-228600" algn="l" defTabSz="914400" rtl="0" eaLnBrk="1" latinLnBrk="0" hangingPunct="1">
+                <a:lnSpc>
+                  <a:spcPct val="120000"/>
+                </a:lnSpc>
+                <a:spcBef>
+                  <a:spcPts val="500"/>
+                </a:spcBef>
+                <a:buSzPct val="125000"/>
+                <a:buFont typeface="Arial" panose="020B0604020202020204" pitchFamily="34" charset="0"/>
+                <a:buChar char="•"/>
+                <a:defRPr sz="1600" kern="1200">
+                  <a:solidFill>
+                    <a:schemeClr val="tx1"/>
+                  </a:solidFill>
+                  <a:latin typeface="+mn-lt"/>
+                  <a:ea typeface="+mn-ea"/>
+                  <a:cs typeface="+mn-cs"/>
+                </a:defRPr>
+              </a:lvl4pPr>
+              <a:lvl5pPr marL="2057400" indent="-228600" algn="l" defTabSz="914400" rtl="0" eaLnBrk="1" latinLnBrk="0" hangingPunct="1">
+                <a:lnSpc>
+                  <a:spcPct val="120000"/>
+                </a:lnSpc>
+                <a:spcBef>
+                  <a:spcPts val="500"/>
+                </a:spcBef>
+                <a:buSzPct val="125000"/>
+                <a:buFont typeface="Arial" panose="020B0604020202020204" pitchFamily="34" charset="0"/>
+                <a:buChar char="•"/>
+                <a:defRPr sz="1600" kern="1200">
+                  <a:solidFill>
+                    <a:schemeClr val="tx1"/>
+                  </a:solidFill>
+                  <a:latin typeface="+mn-lt"/>
+                  <a:ea typeface="+mn-ea"/>
+                  <a:cs typeface="+mn-cs"/>
+                </a:defRPr>
+              </a:lvl5pPr>
+              <a:lvl6pPr marL="2514600" indent="-228600" algn="l" defTabSz="914400" rtl="0" eaLnBrk="1" latinLnBrk="0" hangingPunct="1">
+                <a:lnSpc>
+                  <a:spcPct val="120000"/>
+                </a:lnSpc>
+                <a:spcBef>
+                  <a:spcPts val="500"/>
+                </a:spcBef>
+                <a:buSzPct val="125000"/>
+                <a:buFont typeface="Arial" panose="020B0604020202020204" pitchFamily="34" charset="0"/>
+                <a:buChar char="•"/>
+                <a:defRPr sz="1400" kern="1200">
+                  <a:solidFill>
+                    <a:schemeClr val="tx1"/>
+                  </a:solidFill>
+                  <a:latin typeface="+mn-lt"/>
+                  <a:ea typeface="+mn-ea"/>
+                  <a:cs typeface="+mn-cs"/>
+                </a:defRPr>
+              </a:lvl6pPr>
+              <a:lvl7pPr marL="2971800" indent="-228600" algn="l" defTabSz="914400" rtl="0" eaLnBrk="1" latinLnBrk="0" hangingPunct="1">
+                <a:lnSpc>
+                  <a:spcPct val="120000"/>
+                </a:lnSpc>
+                <a:spcBef>
+                  <a:spcPts val="500"/>
+                </a:spcBef>
+                <a:buSzPct val="125000"/>
+                <a:buFont typeface="Arial" panose="020B0604020202020204" pitchFamily="34" charset="0"/>
+                <a:buChar char="•"/>
+                <a:defRPr sz="1400" kern="1200">
+                  <a:solidFill>
+                    <a:schemeClr val="tx1"/>
+                  </a:solidFill>
+                  <a:latin typeface="+mn-lt"/>
+                  <a:ea typeface="+mn-ea"/>
+                  <a:cs typeface="+mn-cs"/>
+                </a:defRPr>
+              </a:lvl7pPr>
+              <a:lvl8pPr marL="3429000" indent="-228600" algn="l" defTabSz="914400" rtl="0" eaLnBrk="1" latinLnBrk="0" hangingPunct="1">
+                <a:lnSpc>
+                  <a:spcPct val="120000"/>
+                </a:lnSpc>
+                <a:spcBef>
+                  <a:spcPts val="500"/>
+                </a:spcBef>
+                <a:buSzPct val="125000"/>
+                <a:buFont typeface="Arial" panose="020B0604020202020204" pitchFamily="34" charset="0"/>
+                <a:buChar char="•"/>
+                <a:defRPr sz="1400" kern="1200">
+                  <a:solidFill>
+                    <a:schemeClr val="tx1"/>
+                  </a:solidFill>
+                  <a:latin typeface="+mn-lt"/>
+                  <a:ea typeface="+mn-ea"/>
+                  <a:cs typeface="+mn-cs"/>
+                </a:defRPr>
+              </a:lvl8pPr>
+              <a:lvl9pPr marL="3886200" indent="-228600" algn="l" defTabSz="914400" rtl="0" eaLnBrk="1" latinLnBrk="0" hangingPunct="1">
+                <a:lnSpc>
+                  <a:spcPct val="120000"/>
+                </a:lnSpc>
+                <a:spcBef>
+                  <a:spcPts val="500"/>
+                </a:spcBef>
+                <a:buSzPct val="125000"/>
+                <a:buFont typeface="Arial" panose="020B0604020202020204" pitchFamily="34" charset="0"/>
+                <a:buChar char="•"/>
+                <a:defRPr sz="1400" kern="1200">
+                  <a:solidFill>
+                    <a:schemeClr val="tx1"/>
+                  </a:solidFill>
+                  <a:latin typeface="+mn-lt"/>
+                  <a:ea typeface="+mn-ea"/>
+                  <a:cs typeface="+mn-cs"/>
+                </a:defRPr>
+              </a:lvl9pPr>
+            </a:lstStyle>
+            <a:p>
+              <a:pPr marL="0" indent="0">
+                <a:buFont typeface="Arial" panose="020B0604020202020204" pitchFamily="34" charset="0"/>
+                <a:buNone/>
+              </a:pPr>
+              <a:r>
+                <a:rPr lang="en-US" sz="1400" i="1" dirty="0">
+                  <a:solidFill>
+                    <a:schemeClr val="tx1">
+                      <a:lumMod val="95000"/>
+                    </a:schemeClr>
+                  </a:solidFill>
+                </a:rPr>
+                <a:t>b </a:t>
+              </a:r>
+              <a:r>
+                <a:rPr lang="en-US" sz="1400" i="1" dirty="0">
+                  <a:solidFill>
+                    <a:schemeClr val="tx1">
+                      <a:lumMod val="95000"/>
+                    </a:schemeClr>
+                  </a:solidFill>
+                  <a:sym typeface="Wingdings" pitchFamily="2" charset="2"/>
+                </a:rPr>
+                <a:t> L</a:t>
+              </a:r>
+              <a:endParaRPr lang="en-US" sz="1400" u="sng" dirty="0">
+                <a:solidFill>
+                  <a:schemeClr val="tx1">
+                    <a:lumMod val="95000"/>
+                  </a:schemeClr>
+                </a:solidFill>
+              </a:endParaRPr>
+            </a:p>
+          </p:txBody>
+        </p:sp>
+        <p:cxnSp>
+          <p:nvCxnSpPr>
+            <p:cNvPr id="52" name="Straight Arrow Connector 51">
+              <a:extLst>
+                <a:ext uri="{FF2B5EF4-FFF2-40B4-BE49-F238E27FC236}">
+                  <a16:creationId xmlns:a16="http://schemas.microsoft.com/office/drawing/2014/main" id="{8775B55B-D3A2-DE43-9C37-3E162A12DC37}"/>
+                </a:ext>
+              </a:extLst>
+            </p:cNvPr>
+            <p:cNvCxnSpPr>
+              <a:cxnSpLocks/>
+              <a:stCxn id="29" idx="4"/>
+              <a:endCxn id="58" idx="0"/>
+            </p:cNvCxnSpPr>
+            <p:nvPr/>
+          </p:nvCxnSpPr>
+          <p:spPr>
+            <a:xfrm flipH="1">
+              <a:off x="6980143" y="5726656"/>
+              <a:ext cx="731402" cy="426360"/>
+            </a:xfrm>
+            <a:prstGeom prst="straightConnector1">
+              <a:avLst/>
+            </a:prstGeom>
+            <a:ln>
+              <a:tailEnd type="triangle"/>
+            </a:ln>
+          </p:spPr>
+          <p:style>
+            <a:lnRef idx="1">
+              <a:schemeClr val="accent1"/>
+            </a:lnRef>
+            <a:fillRef idx="0">
+              <a:schemeClr val="accent1"/>
+            </a:fillRef>
+            <a:effectRef idx="0">
+              <a:schemeClr val="accent1"/>
+            </a:effectRef>
+            <a:fontRef idx="minor">
+              <a:schemeClr val="tx1"/>
+            </a:fontRef>
+          </p:style>
+        </p:cxnSp>
+        <p:cxnSp>
+          <p:nvCxnSpPr>
+            <p:cNvPr id="55" name="Straight Arrow Connector 54">
+              <a:extLst>
+                <a:ext uri="{FF2B5EF4-FFF2-40B4-BE49-F238E27FC236}">
+                  <a16:creationId xmlns:a16="http://schemas.microsoft.com/office/drawing/2014/main" id="{ED23C381-6E2C-7440-8C7A-D73C0F50B589}"/>
+                </a:ext>
+              </a:extLst>
+            </p:cNvPr>
+            <p:cNvCxnSpPr>
+              <a:cxnSpLocks/>
+              <a:stCxn id="26" idx="4"/>
+              <a:endCxn id="58" idx="0"/>
+            </p:cNvCxnSpPr>
+            <p:nvPr/>
+          </p:nvCxnSpPr>
+          <p:spPr>
+            <a:xfrm>
+              <a:off x="6001278" y="5726656"/>
+              <a:ext cx="978865" cy="426360"/>
+            </a:xfrm>
+            <a:prstGeom prst="straightConnector1">
+              <a:avLst/>
+            </a:prstGeom>
+            <a:ln>
+              <a:tailEnd type="triangle"/>
+            </a:ln>
+          </p:spPr>
+          <p:style>
+            <a:lnRef idx="1">
+              <a:schemeClr val="accent1"/>
+            </a:lnRef>
+            <a:fillRef idx="0">
+              <a:schemeClr val="accent1"/>
+            </a:fillRef>
+            <a:effectRef idx="0">
+              <a:schemeClr val="accent1"/>
+            </a:effectRef>
+            <a:fontRef idx="minor">
+              <a:schemeClr val="tx1"/>
+            </a:fontRef>
+          </p:style>
+        </p:cxnSp>
+        <p:sp>
+          <p:nvSpPr>
+            <p:cNvPr id="58" name="Content Placeholder 2">
+              <a:extLst>
+                <a:ext uri="{FF2B5EF4-FFF2-40B4-BE49-F238E27FC236}">
+                  <a16:creationId xmlns:a16="http://schemas.microsoft.com/office/drawing/2014/main" id="{05895B21-0F4F-E744-92CB-C82C6F8AF2A7}"/>
+                </a:ext>
+              </a:extLst>
+            </p:cNvPr>
+            <p:cNvSpPr txBox="1">
+              <a:spLocks/>
+            </p:cNvSpPr>
+            <p:nvPr/>
+          </p:nvSpPr>
+          <p:spPr>
+            <a:xfrm>
+              <a:off x="5776290" y="6153016"/>
+              <a:ext cx="2407706" cy="391775"/>
+            </a:xfrm>
+            <a:prstGeom prst="rect">
+              <a:avLst/>
+            </a:prstGeom>
+            <a:noFill/>
+          </p:spPr>
+          <p:txBody>
+            <a:bodyPr vert="horz" lIns="91440" tIns="45720" rIns="91440" bIns="45720" rtlCol="0">
+              <a:normAutofit/>
+            </a:bodyPr>
+            <a:lstStyle>
+              <a:lvl1pPr marL="228600" indent="-228600" algn="l" defTabSz="914400" rtl="0" eaLnBrk="1" latinLnBrk="0" hangingPunct="1">
+                <a:lnSpc>
+                  <a:spcPct val="120000"/>
+                </a:lnSpc>
+                <a:spcBef>
+                  <a:spcPts val="1000"/>
+                </a:spcBef>
+                <a:buSzPct val="125000"/>
+                <a:buFont typeface="Arial" panose="020B0604020202020204" pitchFamily="34" charset="0"/>
+                <a:buChar char="•"/>
+                <a:defRPr sz="2400" kern="1200">
+                  <a:solidFill>
+                    <a:schemeClr val="tx1"/>
+                  </a:solidFill>
+                  <a:latin typeface="+mn-lt"/>
+                  <a:ea typeface="+mn-ea"/>
+                  <a:cs typeface="+mn-cs"/>
+                </a:defRPr>
+              </a:lvl1pPr>
+              <a:lvl2pPr marL="685800" indent="-228600" algn="l" defTabSz="914400" rtl="0" eaLnBrk="1" latinLnBrk="0" hangingPunct="1">
+                <a:lnSpc>
+                  <a:spcPct val="120000"/>
+                </a:lnSpc>
+                <a:spcBef>
+                  <a:spcPts val="500"/>
+                </a:spcBef>
+                <a:buSzPct val="125000"/>
+                <a:buFont typeface="Arial" panose="020B0604020202020204" pitchFamily="34" charset="0"/>
+                <a:buChar char="•"/>
+                <a:defRPr sz="2000" kern="1200">
+                  <a:solidFill>
+                    <a:schemeClr val="tx1"/>
+                  </a:solidFill>
+                  <a:latin typeface="+mn-lt"/>
+                  <a:ea typeface="+mn-ea"/>
+                  <a:cs typeface="+mn-cs"/>
+                </a:defRPr>
+              </a:lvl2pPr>
+              <a:lvl3pPr marL="1143000" indent="-228600" algn="l" defTabSz="914400" rtl="0" eaLnBrk="1" latinLnBrk="0" hangingPunct="1">
+                <a:lnSpc>
+                  <a:spcPct val="120000"/>
+                </a:lnSpc>
+                <a:spcBef>
+                  <a:spcPts val="500"/>
+                </a:spcBef>
+                <a:buSzPct val="125000"/>
+                <a:buFont typeface="Arial" panose="020B0604020202020204" pitchFamily="34" charset="0"/>
+                <a:buChar char="•"/>
+                <a:defRPr sz="1800" kern="1200">
+                  <a:solidFill>
+                    <a:schemeClr val="tx1"/>
+                  </a:solidFill>
+                  <a:latin typeface="+mn-lt"/>
+                  <a:ea typeface="+mn-ea"/>
+                  <a:cs typeface="+mn-cs"/>
+                </a:defRPr>
+              </a:lvl3pPr>
+              <a:lvl4pPr marL="1600200" indent="-228600" algn="l" defTabSz="914400" rtl="0" eaLnBrk="1" latinLnBrk="0" hangingPunct="1">
+                <a:lnSpc>
+                  <a:spcPct val="120000"/>
+                </a:lnSpc>
+                <a:spcBef>
+                  <a:spcPts val="500"/>
+                </a:spcBef>
+                <a:buSzPct val="125000"/>
+                <a:buFont typeface="Arial" panose="020B0604020202020204" pitchFamily="34" charset="0"/>
+                <a:buChar char="•"/>
+                <a:defRPr sz="1600" kern="1200">
+                  <a:solidFill>
+                    <a:schemeClr val="tx1"/>
+                  </a:solidFill>
+                  <a:latin typeface="+mn-lt"/>
+                  <a:ea typeface="+mn-ea"/>
+                  <a:cs typeface="+mn-cs"/>
+                </a:defRPr>
+              </a:lvl4pPr>
+              <a:lvl5pPr marL="2057400" indent="-228600" algn="l" defTabSz="914400" rtl="0" eaLnBrk="1" latinLnBrk="0" hangingPunct="1">
+                <a:lnSpc>
+                  <a:spcPct val="120000"/>
+                </a:lnSpc>
+                <a:spcBef>
+                  <a:spcPts val="500"/>
+                </a:spcBef>
+                <a:buSzPct val="125000"/>
+                <a:buFont typeface="Arial" panose="020B0604020202020204" pitchFamily="34" charset="0"/>
+                <a:buChar char="•"/>
+                <a:defRPr sz="1600" kern="1200">
+                  <a:solidFill>
+                    <a:schemeClr val="tx1"/>
+                  </a:solidFill>
+                  <a:latin typeface="+mn-lt"/>
+                  <a:ea typeface="+mn-ea"/>
+                  <a:cs typeface="+mn-cs"/>
+                </a:defRPr>
+              </a:lvl5pPr>
+              <a:lvl6pPr marL="2514600" indent="-228600" algn="l" defTabSz="914400" rtl="0" eaLnBrk="1" latinLnBrk="0" hangingPunct="1">
+                <a:lnSpc>
+                  <a:spcPct val="120000"/>
+                </a:lnSpc>
+                <a:spcBef>
+                  <a:spcPts val="500"/>
+                </a:spcBef>
+                <a:buSzPct val="125000"/>
+                <a:buFont typeface="Arial" panose="020B0604020202020204" pitchFamily="34" charset="0"/>
+                <a:buChar char="•"/>
+                <a:defRPr sz="1400" kern="1200">
+                  <a:solidFill>
+                    <a:schemeClr val="tx1"/>
+                  </a:solidFill>
+                  <a:latin typeface="+mn-lt"/>
+                  <a:ea typeface="+mn-ea"/>
+                  <a:cs typeface="+mn-cs"/>
+                </a:defRPr>
+              </a:lvl6pPr>
+              <a:lvl7pPr marL="2971800" indent="-228600" algn="l" defTabSz="914400" rtl="0" eaLnBrk="1" latinLnBrk="0" hangingPunct="1">
+                <a:lnSpc>
+                  <a:spcPct val="120000"/>
+                </a:lnSpc>
+                <a:spcBef>
+                  <a:spcPts val="500"/>
+                </a:spcBef>
+                <a:buSzPct val="125000"/>
+                <a:buFont typeface="Arial" panose="020B0604020202020204" pitchFamily="34" charset="0"/>
+                <a:buChar char="•"/>
+                <a:defRPr sz="1400" kern="1200">
+                  <a:solidFill>
+                    <a:schemeClr val="tx1"/>
+                  </a:solidFill>
+                  <a:latin typeface="+mn-lt"/>
+                  <a:ea typeface="+mn-ea"/>
+                  <a:cs typeface="+mn-cs"/>
+                </a:defRPr>
+              </a:lvl7pPr>
+              <a:lvl8pPr marL="3429000" indent="-228600" algn="l" defTabSz="914400" rtl="0" eaLnBrk="1" latinLnBrk="0" hangingPunct="1">
+                <a:lnSpc>
+                  <a:spcPct val="120000"/>
+                </a:lnSpc>
+                <a:spcBef>
+                  <a:spcPts val="500"/>
+                </a:spcBef>
+                <a:buSzPct val="125000"/>
+                <a:buFont typeface="Arial" panose="020B0604020202020204" pitchFamily="34" charset="0"/>
+                <a:buChar char="•"/>
+                <a:defRPr sz="1400" kern="1200">
+                  <a:solidFill>
+                    <a:schemeClr val="tx1"/>
+                  </a:solidFill>
+                  <a:latin typeface="+mn-lt"/>
+                  <a:ea typeface="+mn-ea"/>
+                  <a:cs typeface="+mn-cs"/>
+                </a:defRPr>
+              </a:lvl8pPr>
+              <a:lvl9pPr marL="3886200" indent="-228600" algn="l" defTabSz="914400" rtl="0" eaLnBrk="1" latinLnBrk="0" hangingPunct="1">
+                <a:lnSpc>
+                  <a:spcPct val="120000"/>
+                </a:lnSpc>
+                <a:spcBef>
+                  <a:spcPts val="500"/>
+                </a:spcBef>
+                <a:buSzPct val="125000"/>
+                <a:buFont typeface="Arial" panose="020B0604020202020204" pitchFamily="34" charset="0"/>
+                <a:buChar char="•"/>
+                <a:defRPr sz="1400" kern="1200">
+                  <a:solidFill>
+                    <a:schemeClr val="tx1"/>
+                  </a:solidFill>
+                  <a:latin typeface="+mn-lt"/>
+                  <a:ea typeface="+mn-ea"/>
+                  <a:cs typeface="+mn-cs"/>
+                </a:defRPr>
+              </a:lvl9pPr>
+            </a:lstStyle>
+            <a:p>
+              <a:pPr marL="0" indent="0" algn="ctr">
+                <a:buFont typeface="Arial" panose="020B0604020202020204" pitchFamily="34" charset="0"/>
+                <a:buNone/>
+              </a:pPr>
+              <a:r>
+                <a:rPr lang="en-US" sz="1400" i="1" dirty="0">
+                  <a:solidFill>
+                    <a:schemeClr val="tx1">
+                      <a:lumMod val="95000"/>
+                    </a:schemeClr>
+                  </a:solidFill>
+                </a:rPr>
+                <a:t>Back to some other computation</a:t>
+              </a:r>
+              <a:endParaRPr lang="en-US" sz="1400" u="sng" dirty="0">
+                <a:solidFill>
+                  <a:schemeClr val="tx1">
+                    <a:lumMod val="95000"/>
+                  </a:schemeClr>
+                </a:solidFill>
+              </a:endParaRPr>
+            </a:p>
+          </p:txBody>
+        </p:sp>
+        <p:cxnSp>
+          <p:nvCxnSpPr>
+            <p:cNvPr id="65" name="Elbow Connector 64">
+              <a:extLst>
+                <a:ext uri="{FF2B5EF4-FFF2-40B4-BE49-F238E27FC236}">
+                  <a16:creationId xmlns:a16="http://schemas.microsoft.com/office/drawing/2014/main" id="{2B79598C-B674-E04D-B26E-90D645B15F15}"/>
+                </a:ext>
+              </a:extLst>
+            </p:cNvPr>
+            <p:cNvCxnSpPr>
+              <a:cxnSpLocks/>
+              <a:stCxn id="28" idx="7"/>
+              <a:endCxn id="28" idx="6"/>
+            </p:cNvCxnSpPr>
+            <p:nvPr/>
+          </p:nvCxnSpPr>
+          <p:spPr>
+            <a:xfrm rot="16200000" flipH="1">
+              <a:off x="7872412" y="4168792"/>
+              <a:ext cx="227500" cy="94233"/>
+            </a:xfrm>
+            <a:prstGeom prst="bentConnector4">
+              <a:avLst>
+                <a:gd name="adj1" fmla="val -74916"/>
+                <a:gd name="adj2" fmla="val 342590"/>
+              </a:avLst>
+            </a:prstGeom>
+            <a:ln>
+              <a:tailEnd type="triangle"/>
+            </a:ln>
+          </p:spPr>
+          <p:style>
+            <a:lnRef idx="1">
+              <a:schemeClr val="accent1"/>
+            </a:lnRef>
+            <a:fillRef idx="0">
+              <a:schemeClr val="accent1"/>
+            </a:fillRef>
+            <a:effectRef idx="0">
+              <a:schemeClr val="accent1"/>
+            </a:effectRef>
+            <a:fontRef idx="minor">
+              <a:schemeClr val="tx1"/>
+            </a:fontRef>
+          </p:style>
+        </p:cxnSp>
+        <p:sp>
+          <p:nvSpPr>
+            <p:cNvPr id="70" name="Content Placeholder 2">
+              <a:extLst>
+                <a:ext uri="{FF2B5EF4-FFF2-40B4-BE49-F238E27FC236}">
+                  <a16:creationId xmlns:a16="http://schemas.microsoft.com/office/drawing/2014/main" id="{40594ACD-7B1A-574A-B228-7AF19E939EA3}"/>
+                </a:ext>
+              </a:extLst>
+            </p:cNvPr>
+            <p:cNvSpPr txBox="1">
+              <a:spLocks/>
+            </p:cNvSpPr>
+            <p:nvPr/>
+          </p:nvSpPr>
+          <p:spPr>
+            <a:xfrm>
+              <a:off x="7903174" y="3675798"/>
+              <a:ext cx="663505" cy="412803"/>
+            </a:xfrm>
+            <a:prstGeom prst="rect">
+              <a:avLst/>
+            </a:prstGeom>
+            <a:noFill/>
+          </p:spPr>
+          <p:txBody>
+            <a:bodyPr vert="horz" lIns="91440" tIns="45720" rIns="91440" bIns="45720" rtlCol="0">
+              <a:normAutofit fontScale="92500"/>
+            </a:bodyPr>
+            <a:lstStyle>
+              <a:lvl1pPr marL="228600" indent="-228600" algn="l" defTabSz="914400" rtl="0" eaLnBrk="1" latinLnBrk="0" hangingPunct="1">
+                <a:lnSpc>
+                  <a:spcPct val="120000"/>
+                </a:lnSpc>
+                <a:spcBef>
+                  <a:spcPts val="1000"/>
+                </a:spcBef>
+                <a:buSzPct val="125000"/>
+                <a:buFont typeface="Arial" panose="020B0604020202020204" pitchFamily="34" charset="0"/>
+                <a:buChar char="•"/>
+                <a:defRPr sz="2400" kern="1200">
+                  <a:solidFill>
+                    <a:schemeClr val="tx1"/>
+                  </a:solidFill>
+                  <a:latin typeface="+mn-lt"/>
+                  <a:ea typeface="+mn-ea"/>
+                  <a:cs typeface="+mn-cs"/>
+                </a:defRPr>
+              </a:lvl1pPr>
+              <a:lvl2pPr marL="685800" indent="-228600" algn="l" defTabSz="914400" rtl="0" eaLnBrk="1" latinLnBrk="0" hangingPunct="1">
+                <a:lnSpc>
+                  <a:spcPct val="120000"/>
+                </a:lnSpc>
+                <a:spcBef>
+                  <a:spcPts val="500"/>
+                </a:spcBef>
+                <a:buSzPct val="125000"/>
+                <a:buFont typeface="Arial" panose="020B0604020202020204" pitchFamily="34" charset="0"/>
+                <a:buChar char="•"/>
+                <a:defRPr sz="2000" kern="1200">
+                  <a:solidFill>
+                    <a:schemeClr val="tx1"/>
+                  </a:solidFill>
+                  <a:latin typeface="+mn-lt"/>
+                  <a:ea typeface="+mn-ea"/>
+                  <a:cs typeface="+mn-cs"/>
+                </a:defRPr>
+              </a:lvl2pPr>
+              <a:lvl3pPr marL="1143000" indent="-228600" algn="l" defTabSz="914400" rtl="0" eaLnBrk="1" latinLnBrk="0" hangingPunct="1">
+                <a:lnSpc>
+                  <a:spcPct val="120000"/>
+                </a:lnSpc>
+                <a:spcBef>
+                  <a:spcPts val="500"/>
+                </a:spcBef>
+                <a:buSzPct val="125000"/>
+                <a:buFont typeface="Arial" panose="020B0604020202020204" pitchFamily="34" charset="0"/>
+                <a:buChar char="•"/>
+                <a:defRPr sz="1800" kern="1200">
+                  <a:solidFill>
+                    <a:schemeClr val="tx1"/>
+                  </a:solidFill>
+                  <a:latin typeface="+mn-lt"/>
+                  <a:ea typeface="+mn-ea"/>
+                  <a:cs typeface="+mn-cs"/>
+                </a:defRPr>
+              </a:lvl3pPr>
+              <a:lvl4pPr marL="1600200" indent="-228600" algn="l" defTabSz="914400" rtl="0" eaLnBrk="1" latinLnBrk="0" hangingPunct="1">
+                <a:lnSpc>
+                  <a:spcPct val="120000"/>
+                </a:lnSpc>
+                <a:spcBef>
+                  <a:spcPts val="500"/>
+                </a:spcBef>
+                <a:buSzPct val="125000"/>
+                <a:buFont typeface="Arial" panose="020B0604020202020204" pitchFamily="34" charset="0"/>
+                <a:buChar char="•"/>
+                <a:defRPr sz="1600" kern="1200">
+                  <a:solidFill>
+                    <a:schemeClr val="tx1"/>
+                  </a:solidFill>
+                  <a:latin typeface="+mn-lt"/>
+                  <a:ea typeface="+mn-ea"/>
+                  <a:cs typeface="+mn-cs"/>
+                </a:defRPr>
+              </a:lvl4pPr>
+              <a:lvl5pPr marL="2057400" indent="-228600" algn="l" defTabSz="914400" rtl="0" eaLnBrk="1" latinLnBrk="0" hangingPunct="1">
+                <a:lnSpc>
+                  <a:spcPct val="120000"/>
+                </a:lnSpc>
+                <a:spcBef>
+                  <a:spcPts val="500"/>
+                </a:spcBef>
+                <a:buSzPct val="125000"/>
+                <a:buFont typeface="Arial" panose="020B0604020202020204" pitchFamily="34" charset="0"/>
+                <a:buChar char="•"/>
+                <a:defRPr sz="1600" kern="1200">
+                  <a:solidFill>
+                    <a:schemeClr val="tx1"/>
+                  </a:solidFill>
+                  <a:latin typeface="+mn-lt"/>
+                  <a:ea typeface="+mn-ea"/>
+                  <a:cs typeface="+mn-cs"/>
+                </a:defRPr>
+              </a:lvl5pPr>
+              <a:lvl6pPr marL="2514600" indent="-228600" algn="l" defTabSz="914400" rtl="0" eaLnBrk="1" latinLnBrk="0" hangingPunct="1">
+                <a:lnSpc>
+                  <a:spcPct val="120000"/>
+                </a:lnSpc>
+                <a:spcBef>
+                  <a:spcPts val="500"/>
+                </a:spcBef>
+                <a:buSzPct val="125000"/>
+                <a:buFont typeface="Arial" panose="020B0604020202020204" pitchFamily="34" charset="0"/>
+                <a:buChar char="•"/>
+                <a:defRPr sz="1400" kern="1200">
+                  <a:solidFill>
+                    <a:schemeClr val="tx1"/>
+                  </a:solidFill>
+                  <a:latin typeface="+mn-lt"/>
+                  <a:ea typeface="+mn-ea"/>
+                  <a:cs typeface="+mn-cs"/>
+                </a:defRPr>
+              </a:lvl6pPr>
+              <a:lvl7pPr marL="2971800" indent="-228600" algn="l" defTabSz="914400" rtl="0" eaLnBrk="1" latinLnBrk="0" hangingPunct="1">
+                <a:lnSpc>
+                  <a:spcPct val="120000"/>
+                </a:lnSpc>
+                <a:spcBef>
+                  <a:spcPts val="500"/>
+                </a:spcBef>
+                <a:buSzPct val="125000"/>
+                <a:buFont typeface="Arial" panose="020B0604020202020204" pitchFamily="34" charset="0"/>
+                <a:buChar char="•"/>
+                <a:defRPr sz="1400" kern="1200">
+                  <a:solidFill>
+                    <a:schemeClr val="tx1"/>
+                  </a:solidFill>
+                  <a:latin typeface="+mn-lt"/>
+                  <a:ea typeface="+mn-ea"/>
+                  <a:cs typeface="+mn-cs"/>
+                </a:defRPr>
+              </a:lvl7pPr>
+              <a:lvl8pPr marL="3429000" indent="-228600" algn="l" defTabSz="914400" rtl="0" eaLnBrk="1" latinLnBrk="0" hangingPunct="1">
+                <a:lnSpc>
+                  <a:spcPct val="120000"/>
+                </a:lnSpc>
+                <a:spcBef>
+                  <a:spcPts val="500"/>
+                </a:spcBef>
+                <a:buSzPct val="125000"/>
+                <a:buFont typeface="Arial" panose="020B0604020202020204" pitchFamily="34" charset="0"/>
+                <a:buChar char="•"/>
+                <a:defRPr sz="1400" kern="1200">
+                  <a:solidFill>
+                    <a:schemeClr val="tx1"/>
+                  </a:solidFill>
+                  <a:latin typeface="+mn-lt"/>
+                  <a:ea typeface="+mn-ea"/>
+                  <a:cs typeface="+mn-cs"/>
+                </a:defRPr>
+              </a:lvl8pPr>
+              <a:lvl9pPr marL="3886200" indent="-228600" algn="l" defTabSz="914400" rtl="0" eaLnBrk="1" latinLnBrk="0" hangingPunct="1">
+                <a:lnSpc>
+                  <a:spcPct val="120000"/>
+                </a:lnSpc>
+                <a:spcBef>
+                  <a:spcPts val="500"/>
+                </a:spcBef>
+                <a:buSzPct val="125000"/>
+                <a:buFont typeface="Arial" panose="020B0604020202020204" pitchFamily="34" charset="0"/>
+                <a:buChar char="•"/>
+                <a:defRPr sz="1400" kern="1200">
+                  <a:solidFill>
+                    <a:schemeClr val="tx1"/>
+                  </a:solidFill>
+                  <a:latin typeface="+mn-lt"/>
+                  <a:ea typeface="+mn-ea"/>
+                  <a:cs typeface="+mn-cs"/>
+                </a:defRPr>
+              </a:lvl9pPr>
+            </a:lstStyle>
+            <a:p>
+              <a:pPr marL="0" indent="0">
+                <a:buFont typeface="Arial" panose="020B0604020202020204" pitchFamily="34" charset="0"/>
+                <a:buNone/>
+              </a:pPr>
+              <a:r>
+                <a:rPr lang="en-US" sz="1400" i="1" dirty="0">
+                  <a:solidFill>
+                    <a:schemeClr val="tx1">
+                      <a:lumMod val="95000"/>
+                    </a:schemeClr>
+                  </a:solidFill>
+                </a:rPr>
+                <a:t># </a:t>
+              </a:r>
+              <a:r>
+                <a:rPr lang="en-US" sz="1400" i="1" dirty="0">
+                  <a:solidFill>
+                    <a:schemeClr val="tx1">
+                      <a:lumMod val="95000"/>
+                    </a:schemeClr>
+                  </a:solidFill>
+                  <a:sym typeface="Wingdings" pitchFamily="2" charset="2"/>
+                </a:rPr>
+                <a:t> R</a:t>
+              </a:r>
+              <a:endParaRPr lang="en-US" sz="1400" u="sng" dirty="0">
+                <a:solidFill>
+                  <a:schemeClr val="tx1">
+                    <a:lumMod val="95000"/>
+                  </a:schemeClr>
+                </a:solidFill>
+              </a:endParaRPr>
+            </a:p>
+          </p:txBody>
+        </p:sp>
+        <p:cxnSp>
+          <p:nvCxnSpPr>
+            <p:cNvPr id="71" name="Elbow Connector 70">
+              <a:extLst>
+                <a:ext uri="{FF2B5EF4-FFF2-40B4-BE49-F238E27FC236}">
+                  <a16:creationId xmlns:a16="http://schemas.microsoft.com/office/drawing/2014/main" id="{7C836DB1-A192-174F-B68A-412FD432C496}"/>
+                </a:ext>
+              </a:extLst>
+            </p:cNvPr>
+            <p:cNvCxnSpPr>
+              <a:cxnSpLocks/>
+              <a:stCxn id="4" idx="0"/>
+              <a:endCxn id="27" idx="2"/>
+            </p:cNvCxnSpPr>
+            <p:nvPr/>
+          </p:nvCxnSpPr>
+          <p:spPr>
+            <a:xfrm rot="5400000" flipH="1" flipV="1">
+              <a:off x="5682154" y="3426334"/>
+              <a:ext cx="900717" cy="262466"/>
+            </a:xfrm>
+            <a:prstGeom prst="bentConnector2">
+              <a:avLst/>
+            </a:prstGeom>
+            <a:ln>
+              <a:tailEnd type="triangle"/>
+            </a:ln>
+          </p:spPr>
+          <p:style>
+            <a:lnRef idx="1">
+              <a:schemeClr val="accent1"/>
+            </a:lnRef>
+            <a:fillRef idx="0">
+              <a:schemeClr val="accent1"/>
+            </a:fillRef>
+            <a:effectRef idx="0">
+              <a:schemeClr val="accent1"/>
+            </a:effectRef>
+            <a:fontRef idx="minor">
+              <a:schemeClr val="tx1"/>
+            </a:fontRef>
+          </p:style>
+        </p:cxnSp>
+        <p:cxnSp>
+          <p:nvCxnSpPr>
+            <p:cNvPr id="74" name="Elbow Connector 73">
+              <a:extLst>
+                <a:ext uri="{FF2B5EF4-FFF2-40B4-BE49-F238E27FC236}">
+                  <a16:creationId xmlns:a16="http://schemas.microsoft.com/office/drawing/2014/main" id="{38397D87-DB54-A04D-AE4C-3C2EBFA9A688}"/>
+                </a:ext>
+              </a:extLst>
+            </p:cNvPr>
+            <p:cNvCxnSpPr>
+              <a:cxnSpLocks/>
+              <a:stCxn id="28" idx="0"/>
+              <a:endCxn id="27" idx="6"/>
+            </p:cNvCxnSpPr>
+            <p:nvPr/>
+          </p:nvCxnSpPr>
+          <p:spPr>
+            <a:xfrm rot="16200000" flipV="1">
+              <a:off x="6914055" y="3210434"/>
+              <a:ext cx="900717" cy="694266"/>
+            </a:xfrm>
+            <a:prstGeom prst="bentConnector2">
+              <a:avLst/>
+            </a:prstGeom>
+            <a:ln>
+              <a:tailEnd type="triangle"/>
+            </a:ln>
+          </p:spPr>
+          <p:style>
+            <a:lnRef idx="1">
+              <a:schemeClr val="accent1"/>
+            </a:lnRef>
+            <a:fillRef idx="0">
+              <a:schemeClr val="accent1"/>
+            </a:fillRef>
+            <a:effectRef idx="0">
+              <a:schemeClr val="accent1"/>
+            </a:effectRef>
+            <a:fontRef idx="minor">
+              <a:schemeClr val="tx1"/>
+            </a:fontRef>
+          </p:style>
+        </p:cxnSp>
+        <p:sp>
+          <p:nvSpPr>
+            <p:cNvPr id="77" name="Content Placeholder 2">
+              <a:extLst>
+                <a:ext uri="{FF2B5EF4-FFF2-40B4-BE49-F238E27FC236}">
+                  <a16:creationId xmlns:a16="http://schemas.microsoft.com/office/drawing/2014/main" id="{685AAA8B-C8C8-AD4A-9902-1B58156A01D1}"/>
+                </a:ext>
+              </a:extLst>
+            </p:cNvPr>
+            <p:cNvSpPr txBox="1">
+              <a:spLocks/>
+            </p:cNvSpPr>
+            <p:nvPr/>
+          </p:nvSpPr>
+          <p:spPr>
+            <a:xfrm>
+              <a:off x="7698843" y="3016137"/>
+              <a:ext cx="663505" cy="412803"/>
+            </a:xfrm>
+            <a:prstGeom prst="rect">
+              <a:avLst/>
+            </a:prstGeom>
+            <a:noFill/>
+          </p:spPr>
+          <p:txBody>
+            <a:bodyPr vert="horz" lIns="91440" tIns="45720" rIns="91440" bIns="45720" rtlCol="0">
+              <a:normAutofit/>
+            </a:bodyPr>
+            <a:lstStyle>
+              <a:lvl1pPr marL="228600" indent="-228600" algn="l" defTabSz="914400" rtl="0" eaLnBrk="1" latinLnBrk="0" hangingPunct="1">
+                <a:lnSpc>
+                  <a:spcPct val="120000"/>
+                </a:lnSpc>
+                <a:spcBef>
+                  <a:spcPts val="1000"/>
+                </a:spcBef>
+                <a:buSzPct val="125000"/>
+                <a:buFont typeface="Arial" panose="020B0604020202020204" pitchFamily="34" charset="0"/>
+                <a:buChar char="•"/>
+                <a:defRPr sz="2400" kern="1200">
+                  <a:solidFill>
+                    <a:schemeClr val="tx1"/>
+                  </a:solidFill>
+                  <a:latin typeface="+mn-lt"/>
+                  <a:ea typeface="+mn-ea"/>
+                  <a:cs typeface="+mn-cs"/>
+                </a:defRPr>
+              </a:lvl1pPr>
+              <a:lvl2pPr marL="685800" indent="-228600" algn="l" defTabSz="914400" rtl="0" eaLnBrk="1" latinLnBrk="0" hangingPunct="1">
+                <a:lnSpc>
+                  <a:spcPct val="120000"/>
+                </a:lnSpc>
+                <a:spcBef>
+                  <a:spcPts val="500"/>
+                </a:spcBef>
+                <a:buSzPct val="125000"/>
+                <a:buFont typeface="Arial" panose="020B0604020202020204" pitchFamily="34" charset="0"/>
+                <a:buChar char="•"/>
+                <a:defRPr sz="2000" kern="1200">
+                  <a:solidFill>
+                    <a:schemeClr val="tx1"/>
+                  </a:solidFill>
+                  <a:latin typeface="+mn-lt"/>
+                  <a:ea typeface="+mn-ea"/>
+                  <a:cs typeface="+mn-cs"/>
+                </a:defRPr>
+              </a:lvl2pPr>
+              <a:lvl3pPr marL="1143000" indent="-228600" algn="l" defTabSz="914400" rtl="0" eaLnBrk="1" latinLnBrk="0" hangingPunct="1">
+                <a:lnSpc>
+                  <a:spcPct val="120000"/>
+                </a:lnSpc>
+                <a:spcBef>
+                  <a:spcPts val="500"/>
+                </a:spcBef>
+                <a:buSzPct val="125000"/>
+                <a:buFont typeface="Arial" panose="020B0604020202020204" pitchFamily="34" charset="0"/>
+                <a:buChar char="•"/>
+                <a:defRPr sz="1800" kern="1200">
+                  <a:solidFill>
+                    <a:schemeClr val="tx1"/>
+                  </a:solidFill>
+                  <a:latin typeface="+mn-lt"/>
+                  <a:ea typeface="+mn-ea"/>
+                  <a:cs typeface="+mn-cs"/>
+                </a:defRPr>
+              </a:lvl3pPr>
+              <a:lvl4pPr marL="1600200" indent="-228600" algn="l" defTabSz="914400" rtl="0" eaLnBrk="1" latinLnBrk="0" hangingPunct="1">
+                <a:lnSpc>
+                  <a:spcPct val="120000"/>
+                </a:lnSpc>
+                <a:spcBef>
+                  <a:spcPts val="500"/>
+                </a:spcBef>
+                <a:buSzPct val="125000"/>
+                <a:buFont typeface="Arial" panose="020B0604020202020204" pitchFamily="34" charset="0"/>
+                <a:buChar char="•"/>
+                <a:defRPr sz="1600" kern="1200">
+                  <a:solidFill>
+                    <a:schemeClr val="tx1"/>
+                  </a:solidFill>
+                  <a:latin typeface="+mn-lt"/>
+                  <a:ea typeface="+mn-ea"/>
+                  <a:cs typeface="+mn-cs"/>
+                </a:defRPr>
+              </a:lvl4pPr>
+              <a:lvl5pPr marL="2057400" indent="-228600" algn="l" defTabSz="914400" rtl="0" eaLnBrk="1" latinLnBrk="0" hangingPunct="1">
+                <a:lnSpc>
+                  <a:spcPct val="120000"/>
+                </a:lnSpc>
+                <a:spcBef>
+                  <a:spcPts val="500"/>
+                </a:spcBef>
+                <a:buSzPct val="125000"/>
+                <a:buFont typeface="Arial" panose="020B0604020202020204" pitchFamily="34" charset="0"/>
+                <a:buChar char="•"/>
+                <a:defRPr sz="1600" kern="1200">
+                  <a:solidFill>
+                    <a:schemeClr val="tx1"/>
+                  </a:solidFill>
+                  <a:latin typeface="+mn-lt"/>
+                  <a:ea typeface="+mn-ea"/>
+                  <a:cs typeface="+mn-cs"/>
+                </a:defRPr>
+              </a:lvl5pPr>
+              <a:lvl6pPr marL="2514600" indent="-228600" algn="l" defTabSz="914400" rtl="0" eaLnBrk="1" latinLnBrk="0" hangingPunct="1">
+                <a:lnSpc>
+                  <a:spcPct val="120000"/>
+                </a:lnSpc>
+                <a:spcBef>
+                  <a:spcPts val="500"/>
+                </a:spcBef>
+                <a:buSzPct val="125000"/>
+                <a:buFont typeface="Arial" panose="020B0604020202020204" pitchFamily="34" charset="0"/>
+                <a:buChar char="•"/>
+                <a:defRPr sz="1400" kern="1200">
+                  <a:solidFill>
+                    <a:schemeClr val="tx1"/>
+                  </a:solidFill>
+                  <a:latin typeface="+mn-lt"/>
+                  <a:ea typeface="+mn-ea"/>
+                  <a:cs typeface="+mn-cs"/>
+                </a:defRPr>
+              </a:lvl6pPr>
+              <a:lvl7pPr marL="2971800" indent="-228600" algn="l" defTabSz="914400" rtl="0" eaLnBrk="1" latinLnBrk="0" hangingPunct="1">
+                <a:lnSpc>
+                  <a:spcPct val="120000"/>
+                </a:lnSpc>
+                <a:spcBef>
+                  <a:spcPts val="500"/>
+                </a:spcBef>
+                <a:buSzPct val="125000"/>
+                <a:buFont typeface="Arial" panose="020B0604020202020204" pitchFamily="34" charset="0"/>
+                <a:buChar char="•"/>
+                <a:defRPr sz="1400" kern="1200">
+                  <a:solidFill>
+                    <a:schemeClr val="tx1"/>
+                  </a:solidFill>
+                  <a:latin typeface="+mn-lt"/>
+                  <a:ea typeface="+mn-ea"/>
+                  <a:cs typeface="+mn-cs"/>
+                </a:defRPr>
+              </a:lvl7pPr>
+              <a:lvl8pPr marL="3429000" indent="-228600" algn="l" defTabSz="914400" rtl="0" eaLnBrk="1" latinLnBrk="0" hangingPunct="1">
+                <a:lnSpc>
+                  <a:spcPct val="120000"/>
+                </a:lnSpc>
+                <a:spcBef>
+                  <a:spcPts val="500"/>
+                </a:spcBef>
+                <a:buSzPct val="125000"/>
+                <a:buFont typeface="Arial" panose="020B0604020202020204" pitchFamily="34" charset="0"/>
+                <a:buChar char="•"/>
+                <a:defRPr sz="1400" kern="1200">
+                  <a:solidFill>
+                    <a:schemeClr val="tx1"/>
+                  </a:solidFill>
+                  <a:latin typeface="+mn-lt"/>
+                  <a:ea typeface="+mn-ea"/>
+                  <a:cs typeface="+mn-cs"/>
+                </a:defRPr>
+              </a:lvl8pPr>
+              <a:lvl9pPr marL="3886200" indent="-228600" algn="l" defTabSz="914400" rtl="0" eaLnBrk="1" latinLnBrk="0" hangingPunct="1">
+                <a:lnSpc>
+                  <a:spcPct val="120000"/>
+                </a:lnSpc>
+                <a:spcBef>
+                  <a:spcPts val="500"/>
+                </a:spcBef>
+                <a:buSzPct val="125000"/>
+                <a:buFont typeface="Arial" panose="020B0604020202020204" pitchFamily="34" charset="0"/>
+                <a:buChar char="•"/>
+                <a:defRPr sz="1400" kern="1200">
+                  <a:solidFill>
+                    <a:schemeClr val="tx1"/>
+                  </a:solidFill>
+                  <a:latin typeface="+mn-lt"/>
+                  <a:ea typeface="+mn-ea"/>
+                  <a:cs typeface="+mn-cs"/>
+                </a:defRPr>
+              </a:lvl9pPr>
+            </a:lstStyle>
+            <a:p>
+              <a:pPr marL="0" indent="0">
+                <a:buFont typeface="Arial" panose="020B0604020202020204" pitchFamily="34" charset="0"/>
+                <a:buNone/>
+              </a:pPr>
+              <a:r>
+                <a:rPr lang="en-US" sz="1400" i="1" dirty="0">
+                  <a:solidFill>
+                    <a:schemeClr val="tx1">
+                      <a:lumMod val="95000"/>
+                    </a:schemeClr>
+                  </a:solidFill>
+                </a:rPr>
+                <a:t>a </a:t>
+              </a:r>
+              <a:r>
+                <a:rPr lang="en-US" sz="1400" i="1" dirty="0">
+                  <a:solidFill>
+                    <a:schemeClr val="tx1">
+                      <a:lumMod val="95000"/>
+                    </a:schemeClr>
+                  </a:solidFill>
+                  <a:sym typeface="Wingdings" pitchFamily="2" charset="2"/>
+                </a:rPr>
+                <a:t> R</a:t>
+              </a:r>
+              <a:endParaRPr lang="en-US" sz="1400" u="sng" dirty="0">
+                <a:solidFill>
+                  <a:schemeClr val="tx1">
+                    <a:lumMod val="95000"/>
+                  </a:schemeClr>
+                </a:solidFill>
+              </a:endParaRPr>
+            </a:p>
+          </p:txBody>
+        </p:sp>
+        <p:sp>
+          <p:nvSpPr>
+            <p:cNvPr id="78" name="Content Placeholder 2">
+              <a:extLst>
+                <a:ext uri="{FF2B5EF4-FFF2-40B4-BE49-F238E27FC236}">
+                  <a16:creationId xmlns:a16="http://schemas.microsoft.com/office/drawing/2014/main" id="{8BA1A1D8-5395-B348-9DD9-933C4D4F39BF}"/>
+                </a:ext>
+              </a:extLst>
+            </p:cNvPr>
+            <p:cNvSpPr txBox="1">
+              <a:spLocks/>
+            </p:cNvSpPr>
+            <p:nvPr/>
+          </p:nvSpPr>
+          <p:spPr>
+            <a:xfrm>
+              <a:off x="5423217" y="3099228"/>
+              <a:ext cx="663505" cy="412803"/>
+            </a:xfrm>
+            <a:prstGeom prst="rect">
+              <a:avLst/>
+            </a:prstGeom>
+            <a:noFill/>
+          </p:spPr>
+          <p:txBody>
+            <a:bodyPr vert="horz" lIns="91440" tIns="45720" rIns="91440" bIns="45720" rtlCol="0">
+              <a:normAutofit/>
+            </a:bodyPr>
+            <a:lstStyle>
+              <a:lvl1pPr marL="228600" indent="-228600" algn="l" defTabSz="914400" rtl="0" eaLnBrk="1" latinLnBrk="0" hangingPunct="1">
+                <a:lnSpc>
+                  <a:spcPct val="120000"/>
+                </a:lnSpc>
+                <a:spcBef>
+                  <a:spcPts val="1000"/>
+                </a:spcBef>
+                <a:buSzPct val="125000"/>
+                <a:buFont typeface="Arial" panose="020B0604020202020204" pitchFamily="34" charset="0"/>
+                <a:buChar char="•"/>
+                <a:defRPr sz="2400" kern="1200">
+                  <a:solidFill>
+                    <a:schemeClr val="tx1"/>
+                  </a:solidFill>
+                  <a:latin typeface="+mn-lt"/>
+                  <a:ea typeface="+mn-ea"/>
+                  <a:cs typeface="+mn-cs"/>
+                </a:defRPr>
+              </a:lvl1pPr>
+              <a:lvl2pPr marL="685800" indent="-228600" algn="l" defTabSz="914400" rtl="0" eaLnBrk="1" latinLnBrk="0" hangingPunct="1">
+                <a:lnSpc>
+                  <a:spcPct val="120000"/>
+                </a:lnSpc>
+                <a:spcBef>
+                  <a:spcPts val="500"/>
+                </a:spcBef>
+                <a:buSzPct val="125000"/>
+                <a:buFont typeface="Arial" panose="020B0604020202020204" pitchFamily="34" charset="0"/>
+                <a:buChar char="•"/>
+                <a:defRPr sz="2000" kern="1200">
+                  <a:solidFill>
+                    <a:schemeClr val="tx1"/>
+                  </a:solidFill>
+                  <a:latin typeface="+mn-lt"/>
+                  <a:ea typeface="+mn-ea"/>
+                  <a:cs typeface="+mn-cs"/>
+                </a:defRPr>
+              </a:lvl2pPr>
+              <a:lvl3pPr marL="1143000" indent="-228600" algn="l" defTabSz="914400" rtl="0" eaLnBrk="1" latinLnBrk="0" hangingPunct="1">
+                <a:lnSpc>
+                  <a:spcPct val="120000"/>
+                </a:lnSpc>
+                <a:spcBef>
+                  <a:spcPts val="500"/>
+                </a:spcBef>
+                <a:buSzPct val="125000"/>
+                <a:buFont typeface="Arial" panose="020B0604020202020204" pitchFamily="34" charset="0"/>
+                <a:buChar char="•"/>
+                <a:defRPr sz="1800" kern="1200">
+                  <a:solidFill>
+                    <a:schemeClr val="tx1"/>
+                  </a:solidFill>
+                  <a:latin typeface="+mn-lt"/>
+                  <a:ea typeface="+mn-ea"/>
+                  <a:cs typeface="+mn-cs"/>
+                </a:defRPr>
+              </a:lvl3pPr>
+              <a:lvl4pPr marL="1600200" indent="-228600" algn="l" defTabSz="914400" rtl="0" eaLnBrk="1" latinLnBrk="0" hangingPunct="1">
+                <a:lnSpc>
+                  <a:spcPct val="120000"/>
+                </a:lnSpc>
+                <a:spcBef>
+                  <a:spcPts val="500"/>
+                </a:spcBef>
+                <a:buSzPct val="125000"/>
+                <a:buFont typeface="Arial" panose="020B0604020202020204" pitchFamily="34" charset="0"/>
+                <a:buChar char="•"/>
+                <a:defRPr sz="1600" kern="1200">
+                  <a:solidFill>
+                    <a:schemeClr val="tx1"/>
+                  </a:solidFill>
+                  <a:latin typeface="+mn-lt"/>
+                  <a:ea typeface="+mn-ea"/>
+                  <a:cs typeface="+mn-cs"/>
+                </a:defRPr>
+              </a:lvl4pPr>
+              <a:lvl5pPr marL="2057400" indent="-228600" algn="l" defTabSz="914400" rtl="0" eaLnBrk="1" latinLnBrk="0" hangingPunct="1">
+                <a:lnSpc>
+                  <a:spcPct val="120000"/>
+                </a:lnSpc>
+                <a:spcBef>
+                  <a:spcPts val="500"/>
+                </a:spcBef>
+                <a:buSzPct val="125000"/>
+                <a:buFont typeface="Arial" panose="020B0604020202020204" pitchFamily="34" charset="0"/>
+                <a:buChar char="•"/>
+                <a:defRPr sz="1600" kern="1200">
+                  <a:solidFill>
+                    <a:schemeClr val="tx1"/>
+                  </a:solidFill>
+                  <a:latin typeface="+mn-lt"/>
+                  <a:ea typeface="+mn-ea"/>
+                  <a:cs typeface="+mn-cs"/>
+                </a:defRPr>
+              </a:lvl5pPr>
+              <a:lvl6pPr marL="2514600" indent="-228600" algn="l" defTabSz="914400" rtl="0" eaLnBrk="1" latinLnBrk="0" hangingPunct="1">
+                <a:lnSpc>
+                  <a:spcPct val="120000"/>
+                </a:lnSpc>
+                <a:spcBef>
+                  <a:spcPts val="500"/>
+                </a:spcBef>
+                <a:buSzPct val="125000"/>
+                <a:buFont typeface="Arial" panose="020B0604020202020204" pitchFamily="34" charset="0"/>
+                <a:buChar char="•"/>
+                <a:defRPr sz="1400" kern="1200">
+                  <a:solidFill>
+                    <a:schemeClr val="tx1"/>
+                  </a:solidFill>
+                  <a:latin typeface="+mn-lt"/>
+                  <a:ea typeface="+mn-ea"/>
+                  <a:cs typeface="+mn-cs"/>
+                </a:defRPr>
+              </a:lvl6pPr>
+              <a:lvl7pPr marL="2971800" indent="-228600" algn="l" defTabSz="914400" rtl="0" eaLnBrk="1" latinLnBrk="0" hangingPunct="1">
+                <a:lnSpc>
+                  <a:spcPct val="120000"/>
+                </a:lnSpc>
+                <a:spcBef>
+                  <a:spcPts val="500"/>
+                </a:spcBef>
+                <a:buSzPct val="125000"/>
+                <a:buFont typeface="Arial" panose="020B0604020202020204" pitchFamily="34" charset="0"/>
+                <a:buChar char="•"/>
+                <a:defRPr sz="1400" kern="1200">
+                  <a:solidFill>
+                    <a:schemeClr val="tx1"/>
+                  </a:solidFill>
+                  <a:latin typeface="+mn-lt"/>
+                  <a:ea typeface="+mn-ea"/>
+                  <a:cs typeface="+mn-cs"/>
+                </a:defRPr>
+              </a:lvl7pPr>
+              <a:lvl8pPr marL="3429000" indent="-228600" algn="l" defTabSz="914400" rtl="0" eaLnBrk="1" latinLnBrk="0" hangingPunct="1">
+                <a:lnSpc>
+                  <a:spcPct val="120000"/>
+                </a:lnSpc>
+                <a:spcBef>
+                  <a:spcPts val="500"/>
+                </a:spcBef>
+                <a:buSzPct val="125000"/>
+                <a:buFont typeface="Arial" panose="020B0604020202020204" pitchFamily="34" charset="0"/>
+                <a:buChar char="•"/>
+                <a:defRPr sz="1400" kern="1200">
+                  <a:solidFill>
+                    <a:schemeClr val="tx1"/>
+                  </a:solidFill>
+                  <a:latin typeface="+mn-lt"/>
+                  <a:ea typeface="+mn-ea"/>
+                  <a:cs typeface="+mn-cs"/>
+                </a:defRPr>
+              </a:lvl8pPr>
+              <a:lvl9pPr marL="3886200" indent="-228600" algn="l" defTabSz="914400" rtl="0" eaLnBrk="1" latinLnBrk="0" hangingPunct="1">
+                <a:lnSpc>
+                  <a:spcPct val="120000"/>
+                </a:lnSpc>
+                <a:spcBef>
+                  <a:spcPts val="500"/>
+                </a:spcBef>
+                <a:buSzPct val="125000"/>
+                <a:buFont typeface="Arial" panose="020B0604020202020204" pitchFamily="34" charset="0"/>
+                <a:buChar char="•"/>
+                <a:defRPr sz="1400" kern="1200">
+                  <a:solidFill>
+                    <a:schemeClr val="tx1"/>
+                  </a:solidFill>
+                  <a:latin typeface="+mn-lt"/>
+                  <a:ea typeface="+mn-ea"/>
+                  <a:cs typeface="+mn-cs"/>
+                </a:defRPr>
+              </a:lvl9pPr>
+            </a:lstStyle>
+            <a:p>
+              <a:pPr marL="0" indent="0">
+                <a:buFont typeface="Arial" panose="020B0604020202020204" pitchFamily="34" charset="0"/>
+                <a:buNone/>
+              </a:pPr>
+              <a:r>
+                <a:rPr lang="en-US" sz="1400" i="1" dirty="0">
+                  <a:solidFill>
+                    <a:schemeClr val="tx1">
+                      <a:lumMod val="95000"/>
+                    </a:schemeClr>
+                  </a:solidFill>
+                </a:rPr>
+                <a:t>b </a:t>
+              </a:r>
+              <a:r>
+                <a:rPr lang="en-US" sz="1400" i="1" dirty="0">
+                  <a:solidFill>
+                    <a:schemeClr val="tx1">
+                      <a:lumMod val="95000"/>
+                    </a:schemeClr>
+                  </a:solidFill>
+                  <a:sym typeface="Wingdings" pitchFamily="2" charset="2"/>
+                </a:rPr>
+                <a:t> R</a:t>
+              </a:r>
+              <a:endParaRPr lang="en-US" sz="1400" u="sng" dirty="0">
+                <a:solidFill>
+                  <a:schemeClr val="tx1">
+                    <a:lumMod val="95000"/>
+                  </a:schemeClr>
+                </a:solidFill>
+              </a:endParaRPr>
+            </a:p>
+          </p:txBody>
+        </p:sp>
+        <p:cxnSp>
+          <p:nvCxnSpPr>
+            <p:cNvPr id="80" name="Straight Arrow Connector 79">
+              <a:extLst>
+                <a:ext uri="{FF2B5EF4-FFF2-40B4-BE49-F238E27FC236}">
+                  <a16:creationId xmlns:a16="http://schemas.microsoft.com/office/drawing/2014/main" id="{55AED532-E65B-2D44-90D6-CAC66DC4CD86}"/>
+                </a:ext>
+              </a:extLst>
+            </p:cNvPr>
+            <p:cNvCxnSpPr>
+              <a:cxnSpLocks/>
+              <a:endCxn id="30" idx="2"/>
+            </p:cNvCxnSpPr>
+            <p:nvPr/>
+          </p:nvCxnSpPr>
+          <p:spPr>
+            <a:xfrm>
+              <a:off x="3073400" y="4329658"/>
+              <a:ext cx="548745" cy="0"/>
+            </a:xfrm>
+            <a:prstGeom prst="straightConnector1">
+              <a:avLst/>
+            </a:prstGeom>
+            <a:ln>
+              <a:tailEnd type="triangle"/>
+            </a:ln>
+          </p:spPr>
+          <p:style>
+            <a:lnRef idx="1">
+              <a:schemeClr val="accent1"/>
+            </a:lnRef>
+            <a:fillRef idx="0">
+              <a:schemeClr val="accent1"/>
+            </a:fillRef>
+            <a:effectRef idx="0">
+              <a:schemeClr val="accent1"/>
+            </a:effectRef>
+            <a:fontRef idx="minor">
+              <a:schemeClr val="tx1"/>
+            </a:fontRef>
+          </p:style>
+        </p:cxnSp>
+      </p:grpSp>
+    </p:spTree>
+    <p:extLst>
+      <p:ext uri="{BB962C8B-B14F-4D97-AF65-F5344CB8AC3E}">
+        <p14:creationId xmlns:p14="http://schemas.microsoft.com/office/powerpoint/2010/main" val="1052817884"/>
+      </p:ext>
+    </p:extLst>
+  </p:cSld>
+  <p:clrMapOvr>
+    <a:masterClrMapping/>
+  </p:clrMapOvr>
+</p:sld>
+</file>
+
+<file path=ppt/slides/slide28.xml><?xml version="1.0" encoding="utf-8"?>
+<p:sld xmlns:a="http://schemas.openxmlformats.org/drawingml/2006/main" xmlns:r="http://schemas.openxmlformats.org/officeDocument/2006/relationships" xmlns:p="http://schemas.openxmlformats.org/presentationml/2006/main">
+  <p:cSld>
+    <p:spTree>
+      <p:nvGrpSpPr>
+        <p:cNvPr id="1" name=""/>
+        <p:cNvGrpSpPr/>
+        <p:nvPr/>
+      </p:nvGrpSpPr>
+      <p:grpSpPr>
+        <a:xfrm>
+          <a:off x="0" y="0"/>
+          <a:ext cx="0" cy="0"/>
+          <a:chOff x="0" y="0"/>
+          <a:chExt cx="0" cy="0"/>
+        </a:xfrm>
+      </p:grpSpPr>
+      <p:sp>
+        <p:nvSpPr>
+          <p:cNvPr id="2" name="Title 1">
+            <a:extLst>
+              <a:ext uri="{FF2B5EF4-FFF2-40B4-BE49-F238E27FC236}">
+                <a16:creationId xmlns:a16="http://schemas.microsoft.com/office/drawing/2014/main" id="{D63C04CD-2329-4D47-84D9-12CB3EDD9F46}"/>
+              </a:ext>
+            </a:extLst>
+          </p:cNvPr>
+          <p:cNvSpPr>
+            <a:spLocks noGrp="1"/>
+          </p:cNvSpPr>
+          <p:nvPr>
+            <p:ph type="title"/>
+          </p:nvPr>
+        </p:nvSpPr>
+        <p:spPr>
+          <a:xfrm>
+            <a:off x="1141413" y="125537"/>
+            <a:ext cx="9905998" cy="860425"/>
+          </a:xfrm>
+        </p:spPr>
+        <p:txBody>
+          <a:bodyPr/>
+          <a:lstStyle/>
+          <a:p>
+            <a:pPr algn="ctr"/>
+            <a:r>
+              <a:rPr lang="en-US" dirty="0"/>
               <a:t>Example 3!!</a:t>
             </a:r>
           </a:p>
@@ -32558,7 +36064,7 @@
                       </a:schemeClr>
                     </a:solidFill>
                   </a:rPr>
-                  <a:t>Move the rightmost of the two mark to the next # symbol to the right. If no # symbol is encountered before a blank, move the leftmost mark to the next # to its right and the rightmost mark to the # after that. This time, if no # is available for the rightmost mark, all the strings have been compared, so </a:t>
+                  <a:t>Move the rightmost of the two marks to the next # symbol to the right. If no # symbol is encountered before a blank, move the leftmost mark to the next # to its right and the rightmost mark to the # after that. This time, if no # is available for the rightmost mark, all the strings have been compared, so </a:t>
                 </a:r>
                 <a:r>
                   <a:rPr lang="en-US" b="1" i="1" u="sng" dirty="0">
@@ -32658,7 +36164,7 @@
 </p:sld>
 </file>
 
-<file path=ppt/slides/slide28.xml><?xml version="1.0" encoding="utf-8"?>
+<file path=ppt/slides/slide29.xml><?xml version="1.0" encoding="utf-8"?>
 <p:sld xmlns:a="http://schemas.openxmlformats.org/drawingml/2006/main" xmlns:r="http://schemas.openxmlformats.org/officeDocument/2006/relationships" xmlns:p="http://schemas.openxmlformats.org/presentationml/2006/main">
   <p:cSld>
     <p:spTree>
@@ -32708,334 +36214,6 @@
     <p:extLst>
       <p:ext uri="{BB962C8B-B14F-4D97-AF65-F5344CB8AC3E}">
         <p14:creationId xmlns:p14="http://schemas.microsoft.com/office/powerpoint/2010/main" val="445980608"/>
-      </p:ext>
-    </p:extLst>
-  </p:cSld>
-  <p:clrMapOvr>
-    <a:masterClrMapping/>
-  </p:clrMapOvr>
-</p:sld>
-</file>
-
-<file path=ppt/slides/slide29.xml><?xml version="1.0" encoding="utf-8"?>
-<p:sld xmlns:a="http://schemas.openxmlformats.org/drawingml/2006/main" xmlns:r="http://schemas.openxmlformats.org/officeDocument/2006/relationships" xmlns:p="http://schemas.openxmlformats.org/presentationml/2006/main">
-  <p:cSld>
-    <p:spTree>
-      <p:nvGrpSpPr>
-        <p:cNvPr id="1" name=""/>
-        <p:cNvGrpSpPr/>
-        <p:nvPr/>
-      </p:nvGrpSpPr>
-      <p:grpSpPr>
-        <a:xfrm>
-          <a:off x="0" y="0"/>
-          <a:ext cx="0" cy="0"/>
-          <a:chOff x="0" y="0"/>
-          <a:chExt cx="0" cy="0"/>
-        </a:xfrm>
-      </p:grpSpPr>
-      <p:sp>
-        <p:nvSpPr>
-          <p:cNvPr id="2" name="Title 1">
-            <a:extLst>
-              <a:ext uri="{FF2B5EF4-FFF2-40B4-BE49-F238E27FC236}">
-                <a16:creationId xmlns:a16="http://schemas.microsoft.com/office/drawing/2014/main" id="{D63C04CD-2329-4D47-84D9-12CB3EDD9F46}"/>
-              </a:ext>
-            </a:extLst>
-          </p:cNvPr>
-          <p:cNvSpPr>
-            <a:spLocks noGrp="1"/>
-          </p:cNvSpPr>
-          <p:nvPr>
-            <p:ph type="title"/>
-          </p:nvPr>
-        </p:nvSpPr>
-        <p:spPr>
-          <a:xfrm>
-            <a:off x="1141413" y="125537"/>
-            <a:ext cx="9905998" cy="860425"/>
-          </a:xfrm>
-        </p:spPr>
-        <p:txBody>
-          <a:bodyPr/>
-          <a:lstStyle/>
-          <a:p>
-            <a:pPr algn="ctr"/>
-            <a:r>
-              <a:rPr lang="en-US" dirty="0"/>
-              <a:t>Motivating Question</a:t>
-            </a:r>
-          </a:p>
-        </p:txBody>
-      </p:sp>
-      <p:sp>
-        <p:nvSpPr>
-          <p:cNvPr id="3" name="Content Placeholder 2">
-            <a:extLst>
-              <a:ext uri="{FF2B5EF4-FFF2-40B4-BE49-F238E27FC236}">
-                <a16:creationId xmlns:a16="http://schemas.microsoft.com/office/drawing/2014/main" id="{14278F5F-F936-6145-9FF8-704886F1A386}"/>
-              </a:ext>
-            </a:extLst>
-          </p:cNvPr>
-          <p:cNvSpPr>
-            <a:spLocks noGrp="1"/>
-          </p:cNvSpPr>
-          <p:nvPr>
-            <p:ph idx="1"/>
-          </p:nvPr>
-        </p:nvSpPr>
-        <p:spPr>
-          <a:xfrm>
-            <a:off x="1141412" y="1559371"/>
-            <a:ext cx="9905999" cy="1089328"/>
-          </a:xfrm>
-          <a:solidFill>
-            <a:schemeClr val="tx1">
-              <a:lumMod val="95000"/>
-            </a:schemeClr>
-          </a:solidFill>
-        </p:spPr>
-        <p:txBody>
-          <a:bodyPr/>
-          <a:lstStyle/>
-          <a:p>
-            <a:pPr marL="0" indent="0">
-              <a:buNone/>
-            </a:pPr>
-            <a:r>
-              <a:rPr lang="en-US" dirty="0">
-                <a:solidFill>
-                  <a:schemeClr val="bg1"/>
-                </a:solidFill>
-              </a:rPr>
-              <a:t>Can we have different features of TMs that increase / or don’t the recognizing power of the traditional TM?</a:t>
-            </a:r>
-          </a:p>
-        </p:txBody>
-      </p:sp>
-      <p:sp>
-        <p:nvSpPr>
-          <p:cNvPr id="6" name="Content Placeholder 2">
-            <a:extLst>
-              <a:ext uri="{FF2B5EF4-FFF2-40B4-BE49-F238E27FC236}">
-                <a16:creationId xmlns:a16="http://schemas.microsoft.com/office/drawing/2014/main" id="{D1AB4AE0-9143-C34D-B965-4033C921D6B5}"/>
-              </a:ext>
-            </a:extLst>
-          </p:cNvPr>
-          <p:cNvSpPr txBox="1">
-            <a:spLocks/>
-          </p:cNvSpPr>
-          <p:nvPr/>
-        </p:nvSpPr>
-        <p:spPr>
-          <a:xfrm>
-            <a:off x="1141412" y="2888722"/>
-            <a:ext cx="9905999" cy="1089328"/>
-          </a:xfrm>
-          <a:prstGeom prst="rect">
-            <a:avLst/>
-          </a:prstGeom>
-          <a:noFill/>
-        </p:spPr>
-        <p:txBody>
-          <a:bodyPr vert="horz" lIns="91440" tIns="45720" rIns="91440" bIns="45720" rtlCol="0">
-            <a:normAutofit/>
-          </a:bodyPr>
-          <a:lstStyle>
-            <a:lvl1pPr marL="228600" indent="-228600" algn="l" defTabSz="914400" rtl="0" eaLnBrk="1" latinLnBrk="0" hangingPunct="1">
-              <a:lnSpc>
-                <a:spcPct val="120000"/>
-              </a:lnSpc>
-              <a:spcBef>
-                <a:spcPts val="1000"/>
-              </a:spcBef>
-              <a:buSzPct val="125000"/>
-              <a:buFont typeface="Arial" panose="020B0604020202020204" pitchFamily="34" charset="0"/>
-              <a:buChar char="•"/>
-              <a:defRPr sz="2400" kern="1200">
-                <a:solidFill>
-                  <a:schemeClr val="tx1"/>
-                </a:solidFill>
-                <a:latin typeface="+mn-lt"/>
-                <a:ea typeface="+mn-ea"/>
-                <a:cs typeface="+mn-cs"/>
-              </a:defRPr>
-            </a:lvl1pPr>
-            <a:lvl2pPr marL="685800" indent="-228600" algn="l" defTabSz="914400" rtl="0" eaLnBrk="1" latinLnBrk="0" hangingPunct="1">
-              <a:lnSpc>
-                <a:spcPct val="120000"/>
-              </a:lnSpc>
-              <a:spcBef>
-                <a:spcPts val="500"/>
-              </a:spcBef>
-              <a:buSzPct val="125000"/>
-              <a:buFont typeface="Arial" panose="020B0604020202020204" pitchFamily="34" charset="0"/>
-              <a:buChar char="•"/>
-              <a:defRPr sz="2000" kern="1200">
-                <a:solidFill>
-                  <a:schemeClr val="tx1"/>
-                </a:solidFill>
-                <a:latin typeface="+mn-lt"/>
-                <a:ea typeface="+mn-ea"/>
-                <a:cs typeface="+mn-cs"/>
-              </a:defRPr>
-            </a:lvl2pPr>
-            <a:lvl3pPr marL="1143000" indent="-228600" algn="l" defTabSz="914400" rtl="0" eaLnBrk="1" latinLnBrk="0" hangingPunct="1">
-              <a:lnSpc>
-                <a:spcPct val="120000"/>
-              </a:lnSpc>
-              <a:spcBef>
-                <a:spcPts val="500"/>
-              </a:spcBef>
-              <a:buSzPct val="125000"/>
-              <a:buFont typeface="Arial" panose="020B0604020202020204" pitchFamily="34" charset="0"/>
-              <a:buChar char="•"/>
-              <a:defRPr sz="1800" kern="1200">
-                <a:solidFill>
-                  <a:schemeClr val="tx1"/>
-                </a:solidFill>
-                <a:latin typeface="+mn-lt"/>
-                <a:ea typeface="+mn-ea"/>
-                <a:cs typeface="+mn-cs"/>
-              </a:defRPr>
-            </a:lvl3pPr>
-            <a:lvl4pPr marL="1600200" indent="-228600" algn="l" defTabSz="914400" rtl="0" eaLnBrk="1" latinLnBrk="0" hangingPunct="1">
-              <a:lnSpc>
-                <a:spcPct val="120000"/>
-              </a:lnSpc>
-              <a:spcBef>
-                <a:spcPts val="500"/>
-              </a:spcBef>
-              <a:buSzPct val="125000"/>
-              <a:buFont typeface="Arial" panose="020B0604020202020204" pitchFamily="34" charset="0"/>
-              <a:buChar char="•"/>
-              <a:defRPr sz="1600" kern="1200">
-                <a:solidFill>
-                  <a:schemeClr val="tx1"/>
-                </a:solidFill>
-                <a:latin typeface="+mn-lt"/>
-                <a:ea typeface="+mn-ea"/>
-                <a:cs typeface="+mn-cs"/>
-              </a:defRPr>
-            </a:lvl4pPr>
-            <a:lvl5pPr marL="2057400" indent="-228600" algn="l" defTabSz="914400" rtl="0" eaLnBrk="1" latinLnBrk="0" hangingPunct="1">
-              <a:lnSpc>
-                <a:spcPct val="120000"/>
-              </a:lnSpc>
-              <a:spcBef>
-                <a:spcPts val="500"/>
-              </a:spcBef>
-              <a:buSzPct val="125000"/>
-              <a:buFont typeface="Arial" panose="020B0604020202020204" pitchFamily="34" charset="0"/>
-              <a:buChar char="•"/>
-              <a:defRPr sz="1600" kern="1200">
-                <a:solidFill>
-                  <a:schemeClr val="tx1"/>
-                </a:solidFill>
-                <a:latin typeface="+mn-lt"/>
-                <a:ea typeface="+mn-ea"/>
-                <a:cs typeface="+mn-cs"/>
-              </a:defRPr>
-            </a:lvl5pPr>
-            <a:lvl6pPr marL="2514600" indent="-228600" algn="l" defTabSz="914400" rtl="0" eaLnBrk="1" latinLnBrk="0" hangingPunct="1">
-              <a:lnSpc>
-                <a:spcPct val="120000"/>
-              </a:lnSpc>
-              <a:spcBef>
-                <a:spcPts val="500"/>
-              </a:spcBef>
-              <a:buSzPct val="125000"/>
-              <a:buFont typeface="Arial" panose="020B0604020202020204" pitchFamily="34" charset="0"/>
-              <a:buChar char="•"/>
-              <a:defRPr sz="1400" kern="1200">
-                <a:solidFill>
-                  <a:schemeClr val="tx1"/>
-                </a:solidFill>
-                <a:latin typeface="+mn-lt"/>
-                <a:ea typeface="+mn-ea"/>
-                <a:cs typeface="+mn-cs"/>
-              </a:defRPr>
-            </a:lvl6pPr>
-            <a:lvl7pPr marL="2971800" indent="-228600" algn="l" defTabSz="914400" rtl="0" eaLnBrk="1" latinLnBrk="0" hangingPunct="1">
-              <a:lnSpc>
-                <a:spcPct val="120000"/>
-              </a:lnSpc>
-              <a:spcBef>
-                <a:spcPts val="500"/>
-              </a:spcBef>
-              <a:buSzPct val="125000"/>
-              <a:buFont typeface="Arial" panose="020B0604020202020204" pitchFamily="34" charset="0"/>
-              <a:buChar char="•"/>
-              <a:defRPr sz="1400" kern="1200">
-                <a:solidFill>
-                  <a:schemeClr val="tx1"/>
-                </a:solidFill>
-                <a:latin typeface="+mn-lt"/>
-                <a:ea typeface="+mn-ea"/>
-                <a:cs typeface="+mn-cs"/>
-              </a:defRPr>
-            </a:lvl7pPr>
-            <a:lvl8pPr marL="3429000" indent="-228600" algn="l" defTabSz="914400" rtl="0" eaLnBrk="1" latinLnBrk="0" hangingPunct="1">
-              <a:lnSpc>
-                <a:spcPct val="120000"/>
-              </a:lnSpc>
-              <a:spcBef>
-                <a:spcPts val="500"/>
-              </a:spcBef>
-              <a:buSzPct val="125000"/>
-              <a:buFont typeface="Arial" panose="020B0604020202020204" pitchFamily="34" charset="0"/>
-              <a:buChar char="•"/>
-              <a:defRPr sz="1400" kern="1200">
-                <a:solidFill>
-                  <a:schemeClr val="tx1"/>
-                </a:solidFill>
-                <a:latin typeface="+mn-lt"/>
-                <a:ea typeface="+mn-ea"/>
-                <a:cs typeface="+mn-cs"/>
-              </a:defRPr>
-            </a:lvl8pPr>
-            <a:lvl9pPr marL="3886200" indent="-228600" algn="l" defTabSz="914400" rtl="0" eaLnBrk="1" latinLnBrk="0" hangingPunct="1">
-              <a:lnSpc>
-                <a:spcPct val="120000"/>
-              </a:lnSpc>
-              <a:spcBef>
-                <a:spcPts val="500"/>
-              </a:spcBef>
-              <a:buSzPct val="125000"/>
-              <a:buFont typeface="Arial" panose="020B0604020202020204" pitchFamily="34" charset="0"/>
-              <a:buChar char="•"/>
-              <a:defRPr sz="1400" kern="1200">
-                <a:solidFill>
-                  <a:schemeClr val="tx1"/>
-                </a:solidFill>
-                <a:latin typeface="+mn-lt"/>
-                <a:ea typeface="+mn-ea"/>
-                <a:cs typeface="+mn-cs"/>
-              </a:defRPr>
-            </a:lvl9pPr>
-          </a:lstStyle>
-          <a:p>
-            <a:pPr marL="0" indent="0">
-              <a:buFont typeface="Arial" panose="020B0604020202020204" pitchFamily="34" charset="0"/>
-              <a:buNone/>
-            </a:pPr>
-            <a:r>
-              <a:rPr lang="en-US" dirty="0">
-                <a:solidFill>
-                  <a:schemeClr val="tx1">
-                    <a:lumMod val="95000"/>
-                  </a:schemeClr>
-                </a:solidFill>
-              </a:rPr>
-              <a:t>…………</a:t>
-            </a:r>
-          </a:p>
-        </p:txBody>
-      </p:sp>
-    </p:spTree>
-    <p:extLst>
-      <p:ext uri="{BB962C8B-B14F-4D97-AF65-F5344CB8AC3E}">
-        <p14:creationId xmlns:p14="http://schemas.microsoft.com/office/powerpoint/2010/main" val="860482471"/>
       </p:ext>
     </p:extLst>
   </p:cSld>
@@ -33149,12 +36327,8 @@
           <a:p>
             <a:pPr algn="ctr"/>
             <a:r>
-              <a:rPr lang="en-US" dirty="0" err="1"/>
-              <a:t>MultiTape</a:t>
-            </a:r>
-            <a:r>
               <a:rPr lang="en-US" dirty="0"/>
-              <a:t> Turing Machine</a:t>
+              <a:t>Motivating Question</a:t>
             </a:r>
           </a:p>
         </p:txBody>
@@ -33199,7 +36373,7 @@
                   <a:schemeClr val="bg1"/>
                 </a:solidFill>
               </a:rPr>
-              <a:t>TM that has multiple tapes</a:t>
+              <a:t>Can we have different features of TMs that increase / or don’t the recognizing power of the traditional TM?</a:t>
             </a:r>
           </a:p>
         </p:txBody>
@@ -33426,7 +36600,7 @@
     </p:spTree>
     <p:extLst>
       <p:ext uri="{BB962C8B-B14F-4D97-AF65-F5344CB8AC3E}">
-        <p14:creationId xmlns:p14="http://schemas.microsoft.com/office/powerpoint/2010/main" val="2300911237"/>
+        <p14:creationId xmlns:p14="http://schemas.microsoft.com/office/powerpoint/2010/main" val="860482471"/>
       </p:ext>
     </p:extLst>
   </p:cSld>
@@ -33526,6 +36700,338 @@
               <a:buNone/>
             </a:pPr>
             <a:r>
+              <a:rPr lang="en-US" dirty="0">
+                <a:solidFill>
+                  <a:schemeClr val="bg1"/>
+                </a:solidFill>
+              </a:rPr>
+              <a:t>TM that has multiple tapes</a:t>
+            </a:r>
+          </a:p>
+        </p:txBody>
+      </p:sp>
+      <p:sp>
+        <p:nvSpPr>
+          <p:cNvPr id="6" name="Content Placeholder 2">
+            <a:extLst>
+              <a:ext uri="{FF2B5EF4-FFF2-40B4-BE49-F238E27FC236}">
+                <a16:creationId xmlns:a16="http://schemas.microsoft.com/office/drawing/2014/main" id="{D1AB4AE0-9143-C34D-B965-4033C921D6B5}"/>
+              </a:ext>
+            </a:extLst>
+          </p:cNvPr>
+          <p:cNvSpPr txBox="1">
+            <a:spLocks/>
+          </p:cNvSpPr>
+          <p:nvPr/>
+        </p:nvSpPr>
+        <p:spPr>
+          <a:xfrm>
+            <a:off x="1141412" y="2888722"/>
+            <a:ext cx="9905999" cy="1089328"/>
+          </a:xfrm>
+          <a:prstGeom prst="rect">
+            <a:avLst/>
+          </a:prstGeom>
+          <a:noFill/>
+        </p:spPr>
+        <p:txBody>
+          <a:bodyPr vert="horz" lIns="91440" tIns="45720" rIns="91440" bIns="45720" rtlCol="0">
+            <a:normAutofit/>
+          </a:bodyPr>
+          <a:lstStyle>
+            <a:lvl1pPr marL="228600" indent="-228600" algn="l" defTabSz="914400" rtl="0" eaLnBrk="1" latinLnBrk="0" hangingPunct="1">
+              <a:lnSpc>
+                <a:spcPct val="120000"/>
+              </a:lnSpc>
+              <a:spcBef>
+                <a:spcPts val="1000"/>
+              </a:spcBef>
+              <a:buSzPct val="125000"/>
+              <a:buFont typeface="Arial" panose="020B0604020202020204" pitchFamily="34" charset="0"/>
+              <a:buChar char="•"/>
+              <a:defRPr sz="2400" kern="1200">
+                <a:solidFill>
+                  <a:schemeClr val="tx1"/>
+                </a:solidFill>
+                <a:latin typeface="+mn-lt"/>
+                <a:ea typeface="+mn-ea"/>
+                <a:cs typeface="+mn-cs"/>
+              </a:defRPr>
+            </a:lvl1pPr>
+            <a:lvl2pPr marL="685800" indent="-228600" algn="l" defTabSz="914400" rtl="0" eaLnBrk="1" latinLnBrk="0" hangingPunct="1">
+              <a:lnSpc>
+                <a:spcPct val="120000"/>
+              </a:lnSpc>
+              <a:spcBef>
+                <a:spcPts val="500"/>
+              </a:spcBef>
+              <a:buSzPct val="125000"/>
+              <a:buFont typeface="Arial" panose="020B0604020202020204" pitchFamily="34" charset="0"/>
+              <a:buChar char="•"/>
+              <a:defRPr sz="2000" kern="1200">
+                <a:solidFill>
+                  <a:schemeClr val="tx1"/>
+                </a:solidFill>
+                <a:latin typeface="+mn-lt"/>
+                <a:ea typeface="+mn-ea"/>
+                <a:cs typeface="+mn-cs"/>
+              </a:defRPr>
+            </a:lvl2pPr>
+            <a:lvl3pPr marL="1143000" indent="-228600" algn="l" defTabSz="914400" rtl="0" eaLnBrk="1" latinLnBrk="0" hangingPunct="1">
+              <a:lnSpc>
+                <a:spcPct val="120000"/>
+              </a:lnSpc>
+              <a:spcBef>
+                <a:spcPts val="500"/>
+              </a:spcBef>
+              <a:buSzPct val="125000"/>
+              <a:buFont typeface="Arial" panose="020B0604020202020204" pitchFamily="34" charset="0"/>
+              <a:buChar char="•"/>
+              <a:defRPr sz="1800" kern="1200">
+                <a:solidFill>
+                  <a:schemeClr val="tx1"/>
+                </a:solidFill>
+                <a:latin typeface="+mn-lt"/>
+                <a:ea typeface="+mn-ea"/>
+                <a:cs typeface="+mn-cs"/>
+              </a:defRPr>
+            </a:lvl3pPr>
+            <a:lvl4pPr marL="1600200" indent="-228600" algn="l" defTabSz="914400" rtl="0" eaLnBrk="1" latinLnBrk="0" hangingPunct="1">
+              <a:lnSpc>
+                <a:spcPct val="120000"/>
+              </a:lnSpc>
+              <a:spcBef>
+                <a:spcPts val="500"/>
+              </a:spcBef>
+              <a:buSzPct val="125000"/>
+              <a:buFont typeface="Arial" panose="020B0604020202020204" pitchFamily="34" charset="0"/>
+              <a:buChar char="•"/>
+              <a:defRPr sz="1600" kern="1200">
+                <a:solidFill>
+                  <a:schemeClr val="tx1"/>
+                </a:solidFill>
+                <a:latin typeface="+mn-lt"/>
+                <a:ea typeface="+mn-ea"/>
+                <a:cs typeface="+mn-cs"/>
+              </a:defRPr>
+            </a:lvl4pPr>
+            <a:lvl5pPr marL="2057400" indent="-228600" algn="l" defTabSz="914400" rtl="0" eaLnBrk="1" latinLnBrk="0" hangingPunct="1">
+              <a:lnSpc>
+                <a:spcPct val="120000"/>
+              </a:lnSpc>
+              <a:spcBef>
+                <a:spcPts val="500"/>
+              </a:spcBef>
+              <a:buSzPct val="125000"/>
+              <a:buFont typeface="Arial" panose="020B0604020202020204" pitchFamily="34" charset="0"/>
+              <a:buChar char="•"/>
+              <a:defRPr sz="1600" kern="1200">
+                <a:solidFill>
+                  <a:schemeClr val="tx1"/>
+                </a:solidFill>
+                <a:latin typeface="+mn-lt"/>
+                <a:ea typeface="+mn-ea"/>
+                <a:cs typeface="+mn-cs"/>
+              </a:defRPr>
+            </a:lvl5pPr>
+            <a:lvl6pPr marL="2514600" indent="-228600" algn="l" defTabSz="914400" rtl="0" eaLnBrk="1" latinLnBrk="0" hangingPunct="1">
+              <a:lnSpc>
+                <a:spcPct val="120000"/>
+              </a:lnSpc>
+              <a:spcBef>
+                <a:spcPts val="500"/>
+              </a:spcBef>
+              <a:buSzPct val="125000"/>
+              <a:buFont typeface="Arial" panose="020B0604020202020204" pitchFamily="34" charset="0"/>
+              <a:buChar char="•"/>
+              <a:defRPr sz="1400" kern="1200">
+                <a:solidFill>
+                  <a:schemeClr val="tx1"/>
+                </a:solidFill>
+                <a:latin typeface="+mn-lt"/>
+                <a:ea typeface="+mn-ea"/>
+                <a:cs typeface="+mn-cs"/>
+              </a:defRPr>
+            </a:lvl6pPr>
+            <a:lvl7pPr marL="2971800" indent="-228600" algn="l" defTabSz="914400" rtl="0" eaLnBrk="1" latinLnBrk="0" hangingPunct="1">
+              <a:lnSpc>
+                <a:spcPct val="120000"/>
+              </a:lnSpc>
+              <a:spcBef>
+                <a:spcPts val="500"/>
+              </a:spcBef>
+              <a:buSzPct val="125000"/>
+              <a:buFont typeface="Arial" panose="020B0604020202020204" pitchFamily="34" charset="0"/>
+              <a:buChar char="•"/>
+              <a:defRPr sz="1400" kern="1200">
+                <a:solidFill>
+                  <a:schemeClr val="tx1"/>
+                </a:solidFill>
+                <a:latin typeface="+mn-lt"/>
+                <a:ea typeface="+mn-ea"/>
+                <a:cs typeface="+mn-cs"/>
+              </a:defRPr>
+            </a:lvl7pPr>
+            <a:lvl8pPr marL="3429000" indent="-228600" algn="l" defTabSz="914400" rtl="0" eaLnBrk="1" latinLnBrk="0" hangingPunct="1">
+              <a:lnSpc>
+                <a:spcPct val="120000"/>
+              </a:lnSpc>
+              <a:spcBef>
+                <a:spcPts val="500"/>
+              </a:spcBef>
+              <a:buSzPct val="125000"/>
+              <a:buFont typeface="Arial" panose="020B0604020202020204" pitchFamily="34" charset="0"/>
+              <a:buChar char="•"/>
+              <a:defRPr sz="1400" kern="1200">
+                <a:solidFill>
+                  <a:schemeClr val="tx1"/>
+                </a:solidFill>
+                <a:latin typeface="+mn-lt"/>
+                <a:ea typeface="+mn-ea"/>
+                <a:cs typeface="+mn-cs"/>
+              </a:defRPr>
+            </a:lvl8pPr>
+            <a:lvl9pPr marL="3886200" indent="-228600" algn="l" defTabSz="914400" rtl="0" eaLnBrk="1" latinLnBrk="0" hangingPunct="1">
+              <a:lnSpc>
+                <a:spcPct val="120000"/>
+              </a:lnSpc>
+              <a:spcBef>
+                <a:spcPts val="500"/>
+              </a:spcBef>
+              <a:buSzPct val="125000"/>
+              <a:buFont typeface="Arial" panose="020B0604020202020204" pitchFamily="34" charset="0"/>
+              <a:buChar char="•"/>
+              <a:defRPr sz="1400" kern="1200">
+                <a:solidFill>
+                  <a:schemeClr val="tx1"/>
+                </a:solidFill>
+                <a:latin typeface="+mn-lt"/>
+                <a:ea typeface="+mn-ea"/>
+                <a:cs typeface="+mn-cs"/>
+              </a:defRPr>
+            </a:lvl9pPr>
+          </a:lstStyle>
+          <a:p>
+            <a:pPr marL="0" indent="0">
+              <a:buFont typeface="Arial" panose="020B0604020202020204" pitchFamily="34" charset="0"/>
+              <a:buNone/>
+            </a:pPr>
+            <a:r>
+              <a:rPr lang="en-US" dirty="0">
+                <a:solidFill>
+                  <a:schemeClr val="tx1">
+                    <a:lumMod val="95000"/>
+                  </a:schemeClr>
+                </a:solidFill>
+              </a:rPr>
+              <a:t>…………</a:t>
+            </a:r>
+          </a:p>
+        </p:txBody>
+      </p:sp>
+    </p:spTree>
+    <p:extLst>
+      <p:ext uri="{BB962C8B-B14F-4D97-AF65-F5344CB8AC3E}">
+        <p14:creationId xmlns:p14="http://schemas.microsoft.com/office/powerpoint/2010/main" val="2300911237"/>
+      </p:ext>
+    </p:extLst>
+  </p:cSld>
+  <p:clrMapOvr>
+    <a:masterClrMapping/>
+  </p:clrMapOvr>
+</p:sld>
+</file>
+
+<file path=ppt/slides/slide32.xml><?xml version="1.0" encoding="utf-8"?>
+<p:sld xmlns:a="http://schemas.openxmlformats.org/drawingml/2006/main" xmlns:r="http://schemas.openxmlformats.org/officeDocument/2006/relationships" xmlns:p="http://schemas.openxmlformats.org/presentationml/2006/main">
+  <p:cSld>
+    <p:spTree>
+      <p:nvGrpSpPr>
+        <p:cNvPr id="1" name=""/>
+        <p:cNvGrpSpPr/>
+        <p:nvPr/>
+      </p:nvGrpSpPr>
+      <p:grpSpPr>
+        <a:xfrm>
+          <a:off x="0" y="0"/>
+          <a:ext cx="0" cy="0"/>
+          <a:chOff x="0" y="0"/>
+          <a:chExt cx="0" cy="0"/>
+        </a:xfrm>
+      </p:grpSpPr>
+      <p:sp>
+        <p:nvSpPr>
+          <p:cNvPr id="2" name="Title 1">
+            <a:extLst>
+              <a:ext uri="{FF2B5EF4-FFF2-40B4-BE49-F238E27FC236}">
+                <a16:creationId xmlns:a16="http://schemas.microsoft.com/office/drawing/2014/main" id="{D63C04CD-2329-4D47-84D9-12CB3EDD9F46}"/>
+              </a:ext>
+            </a:extLst>
+          </p:cNvPr>
+          <p:cNvSpPr>
+            <a:spLocks noGrp="1"/>
+          </p:cNvSpPr>
+          <p:nvPr>
+            <p:ph type="title"/>
+          </p:nvPr>
+        </p:nvSpPr>
+        <p:spPr>
+          <a:xfrm>
+            <a:off x="1141413" y="125537"/>
+            <a:ext cx="9905998" cy="860425"/>
+          </a:xfrm>
+        </p:spPr>
+        <p:txBody>
+          <a:bodyPr/>
+          <a:lstStyle/>
+          <a:p>
+            <a:pPr algn="ctr"/>
+            <a:r>
+              <a:rPr lang="en-US" dirty="0" err="1"/>
+              <a:t>MultiTape</a:t>
+            </a:r>
+            <a:r>
+              <a:rPr lang="en-US" dirty="0"/>
+              <a:t> Turing Machine</a:t>
+            </a:r>
+          </a:p>
+        </p:txBody>
+      </p:sp>
+      <p:sp>
+        <p:nvSpPr>
+          <p:cNvPr id="3" name="Content Placeholder 2">
+            <a:extLst>
+              <a:ext uri="{FF2B5EF4-FFF2-40B4-BE49-F238E27FC236}">
+                <a16:creationId xmlns:a16="http://schemas.microsoft.com/office/drawing/2014/main" id="{14278F5F-F936-6145-9FF8-704886F1A386}"/>
+              </a:ext>
+            </a:extLst>
+          </p:cNvPr>
+          <p:cNvSpPr>
+            <a:spLocks noGrp="1"/>
+          </p:cNvSpPr>
+          <p:nvPr>
+            <p:ph idx="1"/>
+          </p:nvPr>
+        </p:nvSpPr>
+        <p:spPr>
+          <a:xfrm>
+            <a:off x="1141412" y="1559371"/>
+            <a:ext cx="9905999" cy="1089328"/>
+          </a:xfrm>
+          <a:solidFill>
+            <a:schemeClr val="tx1">
+              <a:lumMod val="95000"/>
+            </a:schemeClr>
+          </a:solidFill>
+        </p:spPr>
+        <p:txBody>
+          <a:bodyPr/>
+          <a:lstStyle/>
+          <a:p>
+            <a:pPr marL="0" indent="0">
+              <a:buNone/>
+            </a:pPr>
+            <a:r>
               <a:rPr lang="en-US" dirty="0" err="1">
                 <a:solidFill>
                   <a:schemeClr val="bg1"/>
@@ -33776,7 +37282,7 @@
 </p:sld>
 </file>
 
-<file path=ppt/slides/slide32.xml><?xml version="1.0" encoding="utf-8"?>
+<file path=ppt/slides/slide33.xml><?xml version="1.0" encoding="utf-8"?>
 <p:sld xmlns:a="http://schemas.openxmlformats.org/drawingml/2006/main" xmlns:r="http://schemas.openxmlformats.org/officeDocument/2006/relationships" xmlns:p="http://schemas.openxmlformats.org/presentationml/2006/main">
   <p:cSld>
     <p:spTree>
@@ -34095,334 +37601,6 @@
     <p:extLst>
       <p:ext uri="{BB962C8B-B14F-4D97-AF65-F5344CB8AC3E}">
         <p14:creationId xmlns:p14="http://schemas.microsoft.com/office/powerpoint/2010/main" val="3780317058"/>
-      </p:ext>
-    </p:extLst>
-  </p:cSld>
-  <p:clrMapOvr>
-    <a:masterClrMapping/>
-  </p:clrMapOvr>
-</p:sld>
-</file>
-
-<file path=ppt/slides/slide33.xml><?xml version="1.0" encoding="utf-8"?>
-<p:sld xmlns:a="http://schemas.openxmlformats.org/drawingml/2006/main" xmlns:r="http://schemas.openxmlformats.org/officeDocument/2006/relationships" xmlns:p="http://schemas.openxmlformats.org/presentationml/2006/main">
-  <p:cSld>
-    <p:spTree>
-      <p:nvGrpSpPr>
-        <p:cNvPr id="1" name=""/>
-        <p:cNvGrpSpPr/>
-        <p:nvPr/>
-      </p:nvGrpSpPr>
-      <p:grpSpPr>
-        <a:xfrm>
-          <a:off x="0" y="0"/>
-          <a:ext cx="0" cy="0"/>
-          <a:chOff x="0" y="0"/>
-          <a:chExt cx="0" cy="0"/>
-        </a:xfrm>
-      </p:grpSpPr>
-      <p:sp>
-        <p:nvSpPr>
-          <p:cNvPr id="2" name="Title 1">
-            <a:extLst>
-              <a:ext uri="{FF2B5EF4-FFF2-40B4-BE49-F238E27FC236}">
-                <a16:creationId xmlns:a16="http://schemas.microsoft.com/office/drawing/2014/main" id="{D63C04CD-2329-4D47-84D9-12CB3EDD9F46}"/>
-              </a:ext>
-            </a:extLst>
-          </p:cNvPr>
-          <p:cNvSpPr>
-            <a:spLocks noGrp="1"/>
-          </p:cNvSpPr>
-          <p:nvPr>
-            <p:ph type="title"/>
-          </p:nvPr>
-        </p:nvSpPr>
-        <p:spPr>
-          <a:xfrm>
-            <a:off x="1141413" y="125537"/>
-            <a:ext cx="9905998" cy="860425"/>
-          </a:xfrm>
-        </p:spPr>
-        <p:txBody>
-          <a:bodyPr/>
-          <a:lstStyle/>
-          <a:p>
-            <a:pPr algn="ctr"/>
-            <a:r>
-              <a:rPr lang="en-US" dirty="0"/>
-              <a:t>NTM versus DTM</a:t>
-            </a:r>
-          </a:p>
-        </p:txBody>
-      </p:sp>
-      <p:sp>
-        <p:nvSpPr>
-          <p:cNvPr id="3" name="Content Placeholder 2">
-            <a:extLst>
-              <a:ext uri="{FF2B5EF4-FFF2-40B4-BE49-F238E27FC236}">
-                <a16:creationId xmlns:a16="http://schemas.microsoft.com/office/drawing/2014/main" id="{14278F5F-F936-6145-9FF8-704886F1A386}"/>
-              </a:ext>
-            </a:extLst>
-          </p:cNvPr>
-          <p:cNvSpPr>
-            <a:spLocks noGrp="1"/>
-          </p:cNvSpPr>
-          <p:nvPr>
-            <p:ph idx="1"/>
-          </p:nvPr>
-        </p:nvSpPr>
-        <p:spPr>
-          <a:xfrm>
-            <a:off x="1141412" y="1559371"/>
-            <a:ext cx="9905999" cy="1089328"/>
-          </a:xfrm>
-          <a:solidFill>
-            <a:schemeClr val="tx1">
-              <a:lumMod val="95000"/>
-            </a:schemeClr>
-          </a:solidFill>
-        </p:spPr>
-        <p:txBody>
-          <a:bodyPr/>
-          <a:lstStyle/>
-          <a:p>
-            <a:pPr marL="0" indent="0">
-              <a:buNone/>
-            </a:pPr>
-            <a:r>
-              <a:rPr lang="en-US" dirty="0">
-                <a:solidFill>
-                  <a:schemeClr val="bg1"/>
-                </a:solidFill>
-              </a:rPr>
-              <a:t>Theorem: Every NTM has an equivalent DTM</a:t>
-            </a:r>
-          </a:p>
-        </p:txBody>
-      </p:sp>
-      <p:sp>
-        <p:nvSpPr>
-          <p:cNvPr id="6" name="Content Placeholder 2">
-            <a:extLst>
-              <a:ext uri="{FF2B5EF4-FFF2-40B4-BE49-F238E27FC236}">
-                <a16:creationId xmlns:a16="http://schemas.microsoft.com/office/drawing/2014/main" id="{D1AB4AE0-9143-C34D-B965-4033C921D6B5}"/>
-              </a:ext>
-            </a:extLst>
-          </p:cNvPr>
-          <p:cNvSpPr txBox="1">
-            <a:spLocks/>
-          </p:cNvSpPr>
-          <p:nvPr/>
-        </p:nvSpPr>
-        <p:spPr>
-          <a:xfrm>
-            <a:off x="1141412" y="2888722"/>
-            <a:ext cx="9905999" cy="1089328"/>
-          </a:xfrm>
-          <a:prstGeom prst="rect">
-            <a:avLst/>
-          </a:prstGeom>
-          <a:noFill/>
-        </p:spPr>
-        <p:txBody>
-          <a:bodyPr vert="horz" lIns="91440" tIns="45720" rIns="91440" bIns="45720" rtlCol="0">
-            <a:normAutofit/>
-          </a:bodyPr>
-          <a:lstStyle>
-            <a:lvl1pPr marL="228600" indent="-228600" algn="l" defTabSz="914400" rtl="0" eaLnBrk="1" latinLnBrk="0" hangingPunct="1">
-              <a:lnSpc>
-                <a:spcPct val="120000"/>
-              </a:lnSpc>
-              <a:spcBef>
-                <a:spcPts val="1000"/>
-              </a:spcBef>
-              <a:buSzPct val="125000"/>
-              <a:buFont typeface="Arial" panose="020B0604020202020204" pitchFamily="34" charset="0"/>
-              <a:buChar char="•"/>
-              <a:defRPr sz="2400" kern="1200">
-                <a:solidFill>
-                  <a:schemeClr val="tx1"/>
-                </a:solidFill>
-                <a:latin typeface="+mn-lt"/>
-                <a:ea typeface="+mn-ea"/>
-                <a:cs typeface="+mn-cs"/>
-              </a:defRPr>
-            </a:lvl1pPr>
-            <a:lvl2pPr marL="685800" indent="-228600" algn="l" defTabSz="914400" rtl="0" eaLnBrk="1" latinLnBrk="0" hangingPunct="1">
-              <a:lnSpc>
-                <a:spcPct val="120000"/>
-              </a:lnSpc>
-              <a:spcBef>
-                <a:spcPts val="500"/>
-              </a:spcBef>
-              <a:buSzPct val="125000"/>
-              <a:buFont typeface="Arial" panose="020B0604020202020204" pitchFamily="34" charset="0"/>
-              <a:buChar char="•"/>
-              <a:defRPr sz="2000" kern="1200">
-                <a:solidFill>
-                  <a:schemeClr val="tx1"/>
-                </a:solidFill>
-                <a:latin typeface="+mn-lt"/>
-                <a:ea typeface="+mn-ea"/>
-                <a:cs typeface="+mn-cs"/>
-              </a:defRPr>
-            </a:lvl2pPr>
-            <a:lvl3pPr marL="1143000" indent="-228600" algn="l" defTabSz="914400" rtl="0" eaLnBrk="1" latinLnBrk="0" hangingPunct="1">
-              <a:lnSpc>
-                <a:spcPct val="120000"/>
-              </a:lnSpc>
-              <a:spcBef>
-                <a:spcPts val="500"/>
-              </a:spcBef>
-              <a:buSzPct val="125000"/>
-              <a:buFont typeface="Arial" panose="020B0604020202020204" pitchFamily="34" charset="0"/>
-              <a:buChar char="•"/>
-              <a:defRPr sz="1800" kern="1200">
-                <a:solidFill>
-                  <a:schemeClr val="tx1"/>
-                </a:solidFill>
-                <a:latin typeface="+mn-lt"/>
-                <a:ea typeface="+mn-ea"/>
-                <a:cs typeface="+mn-cs"/>
-              </a:defRPr>
-            </a:lvl3pPr>
-            <a:lvl4pPr marL="1600200" indent="-228600" algn="l" defTabSz="914400" rtl="0" eaLnBrk="1" latinLnBrk="0" hangingPunct="1">
-              <a:lnSpc>
-                <a:spcPct val="120000"/>
-              </a:lnSpc>
-              <a:spcBef>
-                <a:spcPts val="500"/>
-              </a:spcBef>
-              <a:buSzPct val="125000"/>
-              <a:buFont typeface="Arial" panose="020B0604020202020204" pitchFamily="34" charset="0"/>
-              <a:buChar char="•"/>
-              <a:defRPr sz="1600" kern="1200">
-                <a:solidFill>
-                  <a:schemeClr val="tx1"/>
-                </a:solidFill>
-                <a:latin typeface="+mn-lt"/>
-                <a:ea typeface="+mn-ea"/>
-                <a:cs typeface="+mn-cs"/>
-              </a:defRPr>
-            </a:lvl4pPr>
-            <a:lvl5pPr marL="2057400" indent="-228600" algn="l" defTabSz="914400" rtl="0" eaLnBrk="1" latinLnBrk="0" hangingPunct="1">
-              <a:lnSpc>
-                <a:spcPct val="120000"/>
-              </a:lnSpc>
-              <a:spcBef>
-                <a:spcPts val="500"/>
-              </a:spcBef>
-              <a:buSzPct val="125000"/>
-              <a:buFont typeface="Arial" panose="020B0604020202020204" pitchFamily="34" charset="0"/>
-              <a:buChar char="•"/>
-              <a:defRPr sz="1600" kern="1200">
-                <a:solidFill>
-                  <a:schemeClr val="tx1"/>
-                </a:solidFill>
-                <a:latin typeface="+mn-lt"/>
-                <a:ea typeface="+mn-ea"/>
-                <a:cs typeface="+mn-cs"/>
-              </a:defRPr>
-            </a:lvl5pPr>
-            <a:lvl6pPr marL="2514600" indent="-228600" algn="l" defTabSz="914400" rtl="0" eaLnBrk="1" latinLnBrk="0" hangingPunct="1">
-              <a:lnSpc>
-                <a:spcPct val="120000"/>
-              </a:lnSpc>
-              <a:spcBef>
-                <a:spcPts val="500"/>
-              </a:spcBef>
-              <a:buSzPct val="125000"/>
-              <a:buFont typeface="Arial" panose="020B0604020202020204" pitchFamily="34" charset="0"/>
-              <a:buChar char="•"/>
-              <a:defRPr sz="1400" kern="1200">
-                <a:solidFill>
-                  <a:schemeClr val="tx1"/>
-                </a:solidFill>
-                <a:latin typeface="+mn-lt"/>
-                <a:ea typeface="+mn-ea"/>
-                <a:cs typeface="+mn-cs"/>
-              </a:defRPr>
-            </a:lvl6pPr>
-            <a:lvl7pPr marL="2971800" indent="-228600" algn="l" defTabSz="914400" rtl="0" eaLnBrk="1" latinLnBrk="0" hangingPunct="1">
-              <a:lnSpc>
-                <a:spcPct val="120000"/>
-              </a:lnSpc>
-              <a:spcBef>
-                <a:spcPts val="500"/>
-              </a:spcBef>
-              <a:buSzPct val="125000"/>
-              <a:buFont typeface="Arial" panose="020B0604020202020204" pitchFamily="34" charset="0"/>
-              <a:buChar char="•"/>
-              <a:defRPr sz="1400" kern="1200">
-                <a:solidFill>
-                  <a:schemeClr val="tx1"/>
-                </a:solidFill>
-                <a:latin typeface="+mn-lt"/>
-                <a:ea typeface="+mn-ea"/>
-                <a:cs typeface="+mn-cs"/>
-              </a:defRPr>
-            </a:lvl7pPr>
-            <a:lvl8pPr marL="3429000" indent="-228600" algn="l" defTabSz="914400" rtl="0" eaLnBrk="1" latinLnBrk="0" hangingPunct="1">
-              <a:lnSpc>
-                <a:spcPct val="120000"/>
-              </a:lnSpc>
-              <a:spcBef>
-                <a:spcPts val="500"/>
-              </a:spcBef>
-              <a:buSzPct val="125000"/>
-              <a:buFont typeface="Arial" panose="020B0604020202020204" pitchFamily="34" charset="0"/>
-              <a:buChar char="•"/>
-              <a:defRPr sz="1400" kern="1200">
-                <a:solidFill>
-                  <a:schemeClr val="tx1"/>
-                </a:solidFill>
-                <a:latin typeface="+mn-lt"/>
-                <a:ea typeface="+mn-ea"/>
-                <a:cs typeface="+mn-cs"/>
-              </a:defRPr>
-            </a:lvl8pPr>
-            <a:lvl9pPr marL="3886200" indent="-228600" algn="l" defTabSz="914400" rtl="0" eaLnBrk="1" latinLnBrk="0" hangingPunct="1">
-              <a:lnSpc>
-                <a:spcPct val="120000"/>
-              </a:lnSpc>
-              <a:spcBef>
-                <a:spcPts val="500"/>
-              </a:spcBef>
-              <a:buSzPct val="125000"/>
-              <a:buFont typeface="Arial" panose="020B0604020202020204" pitchFamily="34" charset="0"/>
-              <a:buChar char="•"/>
-              <a:defRPr sz="1400" kern="1200">
-                <a:solidFill>
-                  <a:schemeClr val="tx1"/>
-                </a:solidFill>
-                <a:latin typeface="+mn-lt"/>
-                <a:ea typeface="+mn-ea"/>
-                <a:cs typeface="+mn-cs"/>
-              </a:defRPr>
-            </a:lvl9pPr>
-          </a:lstStyle>
-          <a:p>
-            <a:pPr marL="0" indent="0">
-              <a:buFont typeface="Arial" panose="020B0604020202020204" pitchFamily="34" charset="0"/>
-              <a:buNone/>
-            </a:pPr>
-            <a:r>
-              <a:rPr lang="en-US" dirty="0">
-                <a:solidFill>
-                  <a:schemeClr val="tx1">
-                    <a:lumMod val="95000"/>
-                  </a:schemeClr>
-                </a:solidFill>
-              </a:rPr>
-              <a:t>Proof in book</a:t>
-            </a:r>
-          </a:p>
-        </p:txBody>
-      </p:sp>
-    </p:spTree>
-    <p:extLst>
-      <p:ext uri="{BB962C8B-B14F-4D97-AF65-F5344CB8AC3E}">
-        <p14:creationId xmlns:p14="http://schemas.microsoft.com/office/powerpoint/2010/main" val="3466852436"/>
       </p:ext>
     </p:extLst>
   </p:cSld>
@@ -34523,6 +37701,334 @@
                   <a:schemeClr val="bg1"/>
                 </a:solidFill>
               </a:rPr>
+              <a:t>Theorem: Every NTM has an equivalent DTM</a:t>
+            </a:r>
+          </a:p>
+        </p:txBody>
+      </p:sp>
+      <p:sp>
+        <p:nvSpPr>
+          <p:cNvPr id="6" name="Content Placeholder 2">
+            <a:extLst>
+              <a:ext uri="{FF2B5EF4-FFF2-40B4-BE49-F238E27FC236}">
+                <a16:creationId xmlns:a16="http://schemas.microsoft.com/office/drawing/2014/main" id="{D1AB4AE0-9143-C34D-B965-4033C921D6B5}"/>
+              </a:ext>
+            </a:extLst>
+          </p:cNvPr>
+          <p:cNvSpPr txBox="1">
+            <a:spLocks/>
+          </p:cNvSpPr>
+          <p:nvPr/>
+        </p:nvSpPr>
+        <p:spPr>
+          <a:xfrm>
+            <a:off x="1141412" y="2888722"/>
+            <a:ext cx="9905999" cy="1089328"/>
+          </a:xfrm>
+          <a:prstGeom prst="rect">
+            <a:avLst/>
+          </a:prstGeom>
+          <a:noFill/>
+        </p:spPr>
+        <p:txBody>
+          <a:bodyPr vert="horz" lIns="91440" tIns="45720" rIns="91440" bIns="45720" rtlCol="0">
+            <a:normAutofit/>
+          </a:bodyPr>
+          <a:lstStyle>
+            <a:lvl1pPr marL="228600" indent="-228600" algn="l" defTabSz="914400" rtl="0" eaLnBrk="1" latinLnBrk="0" hangingPunct="1">
+              <a:lnSpc>
+                <a:spcPct val="120000"/>
+              </a:lnSpc>
+              <a:spcBef>
+                <a:spcPts val="1000"/>
+              </a:spcBef>
+              <a:buSzPct val="125000"/>
+              <a:buFont typeface="Arial" panose="020B0604020202020204" pitchFamily="34" charset="0"/>
+              <a:buChar char="•"/>
+              <a:defRPr sz="2400" kern="1200">
+                <a:solidFill>
+                  <a:schemeClr val="tx1"/>
+                </a:solidFill>
+                <a:latin typeface="+mn-lt"/>
+                <a:ea typeface="+mn-ea"/>
+                <a:cs typeface="+mn-cs"/>
+              </a:defRPr>
+            </a:lvl1pPr>
+            <a:lvl2pPr marL="685800" indent="-228600" algn="l" defTabSz="914400" rtl="0" eaLnBrk="1" latinLnBrk="0" hangingPunct="1">
+              <a:lnSpc>
+                <a:spcPct val="120000"/>
+              </a:lnSpc>
+              <a:spcBef>
+                <a:spcPts val="500"/>
+              </a:spcBef>
+              <a:buSzPct val="125000"/>
+              <a:buFont typeface="Arial" panose="020B0604020202020204" pitchFamily="34" charset="0"/>
+              <a:buChar char="•"/>
+              <a:defRPr sz="2000" kern="1200">
+                <a:solidFill>
+                  <a:schemeClr val="tx1"/>
+                </a:solidFill>
+                <a:latin typeface="+mn-lt"/>
+                <a:ea typeface="+mn-ea"/>
+                <a:cs typeface="+mn-cs"/>
+              </a:defRPr>
+            </a:lvl2pPr>
+            <a:lvl3pPr marL="1143000" indent="-228600" algn="l" defTabSz="914400" rtl="0" eaLnBrk="1" latinLnBrk="0" hangingPunct="1">
+              <a:lnSpc>
+                <a:spcPct val="120000"/>
+              </a:lnSpc>
+              <a:spcBef>
+                <a:spcPts val="500"/>
+              </a:spcBef>
+              <a:buSzPct val="125000"/>
+              <a:buFont typeface="Arial" panose="020B0604020202020204" pitchFamily="34" charset="0"/>
+              <a:buChar char="•"/>
+              <a:defRPr sz="1800" kern="1200">
+                <a:solidFill>
+                  <a:schemeClr val="tx1"/>
+                </a:solidFill>
+                <a:latin typeface="+mn-lt"/>
+                <a:ea typeface="+mn-ea"/>
+                <a:cs typeface="+mn-cs"/>
+              </a:defRPr>
+            </a:lvl3pPr>
+            <a:lvl4pPr marL="1600200" indent="-228600" algn="l" defTabSz="914400" rtl="0" eaLnBrk="1" latinLnBrk="0" hangingPunct="1">
+              <a:lnSpc>
+                <a:spcPct val="120000"/>
+              </a:lnSpc>
+              <a:spcBef>
+                <a:spcPts val="500"/>
+              </a:spcBef>
+              <a:buSzPct val="125000"/>
+              <a:buFont typeface="Arial" panose="020B0604020202020204" pitchFamily="34" charset="0"/>
+              <a:buChar char="•"/>
+              <a:defRPr sz="1600" kern="1200">
+                <a:solidFill>
+                  <a:schemeClr val="tx1"/>
+                </a:solidFill>
+                <a:latin typeface="+mn-lt"/>
+                <a:ea typeface="+mn-ea"/>
+                <a:cs typeface="+mn-cs"/>
+              </a:defRPr>
+            </a:lvl4pPr>
+            <a:lvl5pPr marL="2057400" indent="-228600" algn="l" defTabSz="914400" rtl="0" eaLnBrk="1" latinLnBrk="0" hangingPunct="1">
+              <a:lnSpc>
+                <a:spcPct val="120000"/>
+              </a:lnSpc>
+              <a:spcBef>
+                <a:spcPts val="500"/>
+              </a:spcBef>
+              <a:buSzPct val="125000"/>
+              <a:buFont typeface="Arial" panose="020B0604020202020204" pitchFamily="34" charset="0"/>
+              <a:buChar char="•"/>
+              <a:defRPr sz="1600" kern="1200">
+                <a:solidFill>
+                  <a:schemeClr val="tx1"/>
+                </a:solidFill>
+                <a:latin typeface="+mn-lt"/>
+                <a:ea typeface="+mn-ea"/>
+                <a:cs typeface="+mn-cs"/>
+              </a:defRPr>
+            </a:lvl5pPr>
+            <a:lvl6pPr marL="2514600" indent="-228600" algn="l" defTabSz="914400" rtl="0" eaLnBrk="1" latinLnBrk="0" hangingPunct="1">
+              <a:lnSpc>
+                <a:spcPct val="120000"/>
+              </a:lnSpc>
+              <a:spcBef>
+                <a:spcPts val="500"/>
+              </a:spcBef>
+              <a:buSzPct val="125000"/>
+              <a:buFont typeface="Arial" panose="020B0604020202020204" pitchFamily="34" charset="0"/>
+              <a:buChar char="•"/>
+              <a:defRPr sz="1400" kern="1200">
+                <a:solidFill>
+                  <a:schemeClr val="tx1"/>
+                </a:solidFill>
+                <a:latin typeface="+mn-lt"/>
+                <a:ea typeface="+mn-ea"/>
+                <a:cs typeface="+mn-cs"/>
+              </a:defRPr>
+            </a:lvl6pPr>
+            <a:lvl7pPr marL="2971800" indent="-228600" algn="l" defTabSz="914400" rtl="0" eaLnBrk="1" latinLnBrk="0" hangingPunct="1">
+              <a:lnSpc>
+                <a:spcPct val="120000"/>
+              </a:lnSpc>
+              <a:spcBef>
+                <a:spcPts val="500"/>
+              </a:spcBef>
+              <a:buSzPct val="125000"/>
+              <a:buFont typeface="Arial" panose="020B0604020202020204" pitchFamily="34" charset="0"/>
+              <a:buChar char="•"/>
+              <a:defRPr sz="1400" kern="1200">
+                <a:solidFill>
+                  <a:schemeClr val="tx1"/>
+                </a:solidFill>
+                <a:latin typeface="+mn-lt"/>
+                <a:ea typeface="+mn-ea"/>
+                <a:cs typeface="+mn-cs"/>
+              </a:defRPr>
+            </a:lvl7pPr>
+            <a:lvl8pPr marL="3429000" indent="-228600" algn="l" defTabSz="914400" rtl="0" eaLnBrk="1" latinLnBrk="0" hangingPunct="1">
+              <a:lnSpc>
+                <a:spcPct val="120000"/>
+              </a:lnSpc>
+              <a:spcBef>
+                <a:spcPts val="500"/>
+              </a:spcBef>
+              <a:buSzPct val="125000"/>
+              <a:buFont typeface="Arial" panose="020B0604020202020204" pitchFamily="34" charset="0"/>
+              <a:buChar char="•"/>
+              <a:defRPr sz="1400" kern="1200">
+                <a:solidFill>
+                  <a:schemeClr val="tx1"/>
+                </a:solidFill>
+                <a:latin typeface="+mn-lt"/>
+                <a:ea typeface="+mn-ea"/>
+                <a:cs typeface="+mn-cs"/>
+              </a:defRPr>
+            </a:lvl8pPr>
+            <a:lvl9pPr marL="3886200" indent="-228600" algn="l" defTabSz="914400" rtl="0" eaLnBrk="1" latinLnBrk="0" hangingPunct="1">
+              <a:lnSpc>
+                <a:spcPct val="120000"/>
+              </a:lnSpc>
+              <a:spcBef>
+                <a:spcPts val="500"/>
+              </a:spcBef>
+              <a:buSzPct val="125000"/>
+              <a:buFont typeface="Arial" panose="020B0604020202020204" pitchFamily="34" charset="0"/>
+              <a:buChar char="•"/>
+              <a:defRPr sz="1400" kern="1200">
+                <a:solidFill>
+                  <a:schemeClr val="tx1"/>
+                </a:solidFill>
+                <a:latin typeface="+mn-lt"/>
+                <a:ea typeface="+mn-ea"/>
+                <a:cs typeface="+mn-cs"/>
+              </a:defRPr>
+            </a:lvl9pPr>
+          </a:lstStyle>
+          <a:p>
+            <a:pPr marL="0" indent="0">
+              <a:buFont typeface="Arial" panose="020B0604020202020204" pitchFamily="34" charset="0"/>
+              <a:buNone/>
+            </a:pPr>
+            <a:r>
+              <a:rPr lang="en-US" dirty="0">
+                <a:solidFill>
+                  <a:schemeClr val="tx1">
+                    <a:lumMod val="95000"/>
+                  </a:schemeClr>
+                </a:solidFill>
+              </a:rPr>
+              <a:t>Proof in book</a:t>
+            </a:r>
+          </a:p>
+        </p:txBody>
+      </p:sp>
+    </p:spTree>
+    <p:extLst>
+      <p:ext uri="{BB962C8B-B14F-4D97-AF65-F5344CB8AC3E}">
+        <p14:creationId xmlns:p14="http://schemas.microsoft.com/office/powerpoint/2010/main" val="3466852436"/>
+      </p:ext>
+    </p:extLst>
+  </p:cSld>
+  <p:clrMapOvr>
+    <a:masterClrMapping/>
+  </p:clrMapOvr>
+</p:sld>
+</file>
+
+<file path=ppt/slides/slide35.xml><?xml version="1.0" encoding="utf-8"?>
+<p:sld xmlns:a="http://schemas.openxmlformats.org/drawingml/2006/main" xmlns:r="http://schemas.openxmlformats.org/officeDocument/2006/relationships" xmlns:p="http://schemas.openxmlformats.org/presentationml/2006/main">
+  <p:cSld>
+    <p:spTree>
+      <p:nvGrpSpPr>
+        <p:cNvPr id="1" name=""/>
+        <p:cNvGrpSpPr/>
+        <p:nvPr/>
+      </p:nvGrpSpPr>
+      <p:grpSpPr>
+        <a:xfrm>
+          <a:off x="0" y="0"/>
+          <a:ext cx="0" cy="0"/>
+          <a:chOff x="0" y="0"/>
+          <a:chExt cx="0" cy="0"/>
+        </a:xfrm>
+      </p:grpSpPr>
+      <p:sp>
+        <p:nvSpPr>
+          <p:cNvPr id="2" name="Title 1">
+            <a:extLst>
+              <a:ext uri="{FF2B5EF4-FFF2-40B4-BE49-F238E27FC236}">
+                <a16:creationId xmlns:a16="http://schemas.microsoft.com/office/drawing/2014/main" id="{D63C04CD-2329-4D47-84D9-12CB3EDD9F46}"/>
+              </a:ext>
+            </a:extLst>
+          </p:cNvPr>
+          <p:cNvSpPr>
+            <a:spLocks noGrp="1"/>
+          </p:cNvSpPr>
+          <p:nvPr>
+            <p:ph type="title"/>
+          </p:nvPr>
+        </p:nvSpPr>
+        <p:spPr>
+          <a:xfrm>
+            <a:off x="1141413" y="125537"/>
+            <a:ext cx="9905998" cy="860425"/>
+          </a:xfrm>
+        </p:spPr>
+        <p:txBody>
+          <a:bodyPr/>
+          <a:lstStyle/>
+          <a:p>
+            <a:pPr algn="ctr"/>
+            <a:r>
+              <a:rPr lang="en-US" dirty="0"/>
+              <a:t>NTM versus DTM</a:t>
+            </a:r>
+          </a:p>
+        </p:txBody>
+      </p:sp>
+      <p:sp>
+        <p:nvSpPr>
+          <p:cNvPr id="3" name="Content Placeholder 2">
+            <a:extLst>
+              <a:ext uri="{FF2B5EF4-FFF2-40B4-BE49-F238E27FC236}">
+                <a16:creationId xmlns:a16="http://schemas.microsoft.com/office/drawing/2014/main" id="{14278F5F-F936-6145-9FF8-704886F1A386}"/>
+              </a:ext>
+            </a:extLst>
+          </p:cNvPr>
+          <p:cNvSpPr>
+            <a:spLocks noGrp="1"/>
+          </p:cNvSpPr>
+          <p:nvPr>
+            <p:ph idx="1"/>
+          </p:nvPr>
+        </p:nvSpPr>
+        <p:spPr>
+          <a:xfrm>
+            <a:off x="1141412" y="1559371"/>
+            <a:ext cx="9905999" cy="1089328"/>
+          </a:xfrm>
+          <a:solidFill>
+            <a:schemeClr val="tx1">
+              <a:lumMod val="95000"/>
+            </a:schemeClr>
+          </a:solidFill>
+        </p:spPr>
+        <p:txBody>
+          <a:bodyPr/>
+          <a:lstStyle/>
+          <a:p>
+            <a:pPr marL="0" indent="0">
+              <a:buNone/>
+            </a:pPr>
+            <a:r>
+              <a:rPr lang="en-US" dirty="0">
+                <a:solidFill>
+                  <a:schemeClr val="bg1"/>
+                </a:solidFill>
+              </a:rPr>
               <a:t>Theorem: A language is decidable if and only if some non-deterministic </a:t>
             </a:r>
             <a:r>
@@ -34776,7 +38282,7 @@
 </p:sld>
 </file>
 
-<file path=ppt/slides/slide35.xml><?xml version="1.0" encoding="utf-8"?>
+<file path=ppt/slides/slide36.xml><?xml version="1.0" encoding="utf-8"?>
 <p:sld xmlns:a="http://schemas.openxmlformats.org/drawingml/2006/main" xmlns:r="http://schemas.openxmlformats.org/officeDocument/2006/relationships" xmlns:p="http://schemas.openxmlformats.org/presentationml/2006/main">
   <p:cSld>
     <p:spTree>
@@ -35104,7 +38610,7 @@
 </p:sld>
 </file>
 
-<file path=ppt/slides/slide36.xml><?xml version="1.0" encoding="utf-8"?>
+<file path=ppt/slides/slide37.xml><?xml version="1.0" encoding="utf-8"?>
 <p:sld xmlns:a="http://schemas.openxmlformats.org/drawingml/2006/main" xmlns:r="http://schemas.openxmlformats.org/officeDocument/2006/relationships" xmlns:p="http://schemas.openxmlformats.org/presentationml/2006/main">
   <p:cSld>
     <p:spTree>
@@ -35163,7 +38669,7 @@
 </p:sld>
 </file>
 
-<file path=ppt/slides/slide37.xml><?xml version="1.0" encoding="utf-8"?>
+<file path=ppt/slides/slide38.xml><?xml version="1.0" encoding="utf-8"?>
 <p:sld xmlns:a="http://schemas.openxmlformats.org/drawingml/2006/main" xmlns:r="http://schemas.openxmlformats.org/officeDocument/2006/relationships" xmlns:p="http://schemas.openxmlformats.org/presentationml/2006/main">
   <p:cSld>
     <p:spTree>
@@ -35491,7 +38997,7 @@
 </p:sld>
 </file>
 
-<file path=ppt/slides/slide38.xml><?xml version="1.0" encoding="utf-8"?>
+<file path=ppt/slides/slide39.xml><?xml version="1.0" encoding="utf-8"?>
 <p:sld xmlns:a="http://schemas.openxmlformats.org/drawingml/2006/main" xmlns:r="http://schemas.openxmlformats.org/officeDocument/2006/relationships" xmlns:p="http://schemas.openxmlformats.org/presentationml/2006/main">
   <p:cSld>
     <p:spTree>
@@ -35810,374 +39316,6 @@
     <p:extLst>
       <p:ext uri="{BB962C8B-B14F-4D97-AF65-F5344CB8AC3E}">
         <p14:creationId xmlns:p14="http://schemas.microsoft.com/office/powerpoint/2010/main" val="3588481984"/>
-      </p:ext>
-    </p:extLst>
-  </p:cSld>
-  <p:clrMapOvr>
-    <a:masterClrMapping/>
-  </p:clrMapOvr>
-</p:sld>
-</file>
-
-<file path=ppt/slides/slide39.xml><?xml version="1.0" encoding="utf-8"?>
-<p:sld xmlns:a="http://schemas.openxmlformats.org/drawingml/2006/main" xmlns:r="http://schemas.openxmlformats.org/officeDocument/2006/relationships" xmlns:p="http://schemas.openxmlformats.org/presentationml/2006/main">
-  <p:cSld>
-    <p:spTree>
-      <p:nvGrpSpPr>
-        <p:cNvPr id="1" name=""/>
-        <p:cNvGrpSpPr/>
-        <p:nvPr/>
-      </p:nvGrpSpPr>
-      <p:grpSpPr>
-        <a:xfrm>
-          <a:off x="0" y="0"/>
-          <a:ext cx="0" cy="0"/>
-          <a:chOff x="0" y="0"/>
-          <a:chExt cx="0" cy="0"/>
-        </a:xfrm>
-      </p:grpSpPr>
-      <p:sp>
-        <p:nvSpPr>
-          <p:cNvPr id="2" name="Title 1">
-            <a:extLst>
-              <a:ext uri="{FF2B5EF4-FFF2-40B4-BE49-F238E27FC236}">
-                <a16:creationId xmlns:a16="http://schemas.microsoft.com/office/drawing/2014/main" id="{D63C04CD-2329-4D47-84D9-12CB3EDD9F46}"/>
-              </a:ext>
-            </a:extLst>
-          </p:cNvPr>
-          <p:cNvSpPr>
-            <a:spLocks noGrp="1"/>
-          </p:cNvSpPr>
-          <p:nvPr>
-            <p:ph type="title"/>
-          </p:nvPr>
-        </p:nvSpPr>
-        <p:spPr>
-          <a:xfrm>
-            <a:off x="1141413" y="125537"/>
-            <a:ext cx="9905998" cy="860425"/>
-          </a:xfrm>
-        </p:spPr>
-        <p:txBody>
-          <a:bodyPr/>
-          <a:lstStyle/>
-          <a:p>
-            <a:pPr algn="ctr"/>
-            <a:r>
-              <a:rPr lang="en-US" dirty="0"/>
-              <a:t>The Church-Turing Thesis</a:t>
-            </a:r>
-          </a:p>
-        </p:txBody>
-      </p:sp>
-      <p:sp>
-        <p:nvSpPr>
-          <p:cNvPr id="3" name="Content Placeholder 2">
-            <a:extLst>
-              <a:ext uri="{FF2B5EF4-FFF2-40B4-BE49-F238E27FC236}">
-                <a16:creationId xmlns:a16="http://schemas.microsoft.com/office/drawing/2014/main" id="{14278F5F-F936-6145-9FF8-704886F1A386}"/>
-              </a:ext>
-            </a:extLst>
-          </p:cNvPr>
-          <p:cNvSpPr>
-            <a:spLocks noGrp="1"/>
-          </p:cNvSpPr>
-          <p:nvPr>
-            <p:ph idx="1"/>
-          </p:nvPr>
-        </p:nvSpPr>
-        <p:spPr>
-          <a:xfrm>
-            <a:off x="1141412" y="1559371"/>
-            <a:ext cx="9905999" cy="1089328"/>
-          </a:xfrm>
-          <a:solidFill>
-            <a:schemeClr val="tx1">
-              <a:lumMod val="95000"/>
-            </a:schemeClr>
-          </a:solidFill>
-        </p:spPr>
-        <p:txBody>
-          <a:bodyPr>
-            <a:normAutofit fontScale="92500"/>
-          </a:bodyPr>
-          <a:lstStyle/>
-          <a:p>
-            <a:pPr marL="0" indent="0">
-              <a:buNone/>
-            </a:pPr>
-            <a:r>
-              <a:rPr lang="en-US" b="1" i="1" u="sng" dirty="0">
-                <a:solidFill>
-                  <a:schemeClr val="bg1"/>
-                </a:solidFill>
-              </a:rPr>
-              <a:t>The Church-Turing Thesis (1936)</a:t>
-            </a:r>
-            <a:r>
-              <a:rPr lang="en-US" dirty="0">
-                <a:solidFill>
-                  <a:schemeClr val="bg1"/>
-                </a:solidFill>
-              </a:rPr>
-              <a:t>: Lambda-Calculus (Alonzo Church) and Turing Machines (Alan Turing) provide the mechanism for formally defining an algorithm.</a:t>
-            </a:r>
-          </a:p>
-        </p:txBody>
-      </p:sp>
-      <p:sp>
-        <p:nvSpPr>
-          <p:cNvPr id="6" name="Content Placeholder 2">
-            <a:extLst>
-              <a:ext uri="{FF2B5EF4-FFF2-40B4-BE49-F238E27FC236}">
-                <a16:creationId xmlns:a16="http://schemas.microsoft.com/office/drawing/2014/main" id="{D1AB4AE0-9143-C34D-B965-4033C921D6B5}"/>
-              </a:ext>
-            </a:extLst>
-          </p:cNvPr>
-          <p:cNvSpPr txBox="1">
-            <a:spLocks/>
-          </p:cNvSpPr>
-          <p:nvPr/>
-        </p:nvSpPr>
-        <p:spPr>
-          <a:xfrm>
-            <a:off x="1141412" y="2888722"/>
-            <a:ext cx="9905999" cy="1089328"/>
-          </a:xfrm>
-          <a:prstGeom prst="rect">
-            <a:avLst/>
-          </a:prstGeom>
-          <a:noFill/>
-        </p:spPr>
-        <p:txBody>
-          <a:bodyPr vert="horz" lIns="91440" tIns="45720" rIns="91440" bIns="45720" rtlCol="0">
-            <a:normAutofit/>
-          </a:bodyPr>
-          <a:lstStyle>
-            <a:lvl1pPr marL="228600" indent="-228600" algn="l" defTabSz="914400" rtl="0" eaLnBrk="1" latinLnBrk="0" hangingPunct="1">
-              <a:lnSpc>
-                <a:spcPct val="120000"/>
-              </a:lnSpc>
-              <a:spcBef>
-                <a:spcPts val="1000"/>
-              </a:spcBef>
-              <a:buSzPct val="125000"/>
-              <a:buFont typeface="Arial" panose="020B0604020202020204" pitchFamily="34" charset="0"/>
-              <a:buChar char="•"/>
-              <a:defRPr sz="2400" kern="1200">
-                <a:solidFill>
-                  <a:schemeClr val="tx1"/>
-                </a:solidFill>
-                <a:latin typeface="+mn-lt"/>
-                <a:ea typeface="+mn-ea"/>
-                <a:cs typeface="+mn-cs"/>
-              </a:defRPr>
-            </a:lvl1pPr>
-            <a:lvl2pPr marL="685800" indent="-228600" algn="l" defTabSz="914400" rtl="0" eaLnBrk="1" latinLnBrk="0" hangingPunct="1">
-              <a:lnSpc>
-                <a:spcPct val="120000"/>
-              </a:lnSpc>
-              <a:spcBef>
-                <a:spcPts val="500"/>
-              </a:spcBef>
-              <a:buSzPct val="125000"/>
-              <a:buFont typeface="Arial" panose="020B0604020202020204" pitchFamily="34" charset="0"/>
-              <a:buChar char="•"/>
-              <a:defRPr sz="2000" kern="1200">
-                <a:solidFill>
-                  <a:schemeClr val="tx1"/>
-                </a:solidFill>
-                <a:latin typeface="+mn-lt"/>
-                <a:ea typeface="+mn-ea"/>
-                <a:cs typeface="+mn-cs"/>
-              </a:defRPr>
-            </a:lvl2pPr>
-            <a:lvl3pPr marL="1143000" indent="-228600" algn="l" defTabSz="914400" rtl="0" eaLnBrk="1" latinLnBrk="0" hangingPunct="1">
-              <a:lnSpc>
-                <a:spcPct val="120000"/>
-              </a:lnSpc>
-              <a:spcBef>
-                <a:spcPts val="500"/>
-              </a:spcBef>
-              <a:buSzPct val="125000"/>
-              <a:buFont typeface="Arial" panose="020B0604020202020204" pitchFamily="34" charset="0"/>
-              <a:buChar char="•"/>
-              <a:defRPr sz="1800" kern="1200">
-                <a:solidFill>
-                  <a:schemeClr val="tx1"/>
-                </a:solidFill>
-                <a:latin typeface="+mn-lt"/>
-                <a:ea typeface="+mn-ea"/>
-                <a:cs typeface="+mn-cs"/>
-              </a:defRPr>
-            </a:lvl3pPr>
-            <a:lvl4pPr marL="1600200" indent="-228600" algn="l" defTabSz="914400" rtl="0" eaLnBrk="1" latinLnBrk="0" hangingPunct="1">
-              <a:lnSpc>
-                <a:spcPct val="120000"/>
-              </a:lnSpc>
-              <a:spcBef>
-                <a:spcPts val="500"/>
-              </a:spcBef>
-              <a:buSzPct val="125000"/>
-              <a:buFont typeface="Arial" panose="020B0604020202020204" pitchFamily="34" charset="0"/>
-              <a:buChar char="•"/>
-              <a:defRPr sz="1600" kern="1200">
-                <a:solidFill>
-                  <a:schemeClr val="tx1"/>
-                </a:solidFill>
-                <a:latin typeface="+mn-lt"/>
-                <a:ea typeface="+mn-ea"/>
-                <a:cs typeface="+mn-cs"/>
-              </a:defRPr>
-            </a:lvl4pPr>
-            <a:lvl5pPr marL="2057400" indent="-228600" algn="l" defTabSz="914400" rtl="0" eaLnBrk="1" latinLnBrk="0" hangingPunct="1">
-              <a:lnSpc>
-                <a:spcPct val="120000"/>
-              </a:lnSpc>
-              <a:spcBef>
-                <a:spcPts val="500"/>
-              </a:spcBef>
-              <a:buSzPct val="125000"/>
-              <a:buFont typeface="Arial" panose="020B0604020202020204" pitchFamily="34" charset="0"/>
-              <a:buChar char="•"/>
-              <a:defRPr sz="1600" kern="1200">
-                <a:solidFill>
-                  <a:schemeClr val="tx1"/>
-                </a:solidFill>
-                <a:latin typeface="+mn-lt"/>
-                <a:ea typeface="+mn-ea"/>
-                <a:cs typeface="+mn-cs"/>
-              </a:defRPr>
-            </a:lvl5pPr>
-            <a:lvl6pPr marL="2514600" indent="-228600" algn="l" defTabSz="914400" rtl="0" eaLnBrk="1" latinLnBrk="0" hangingPunct="1">
-              <a:lnSpc>
-                <a:spcPct val="120000"/>
-              </a:lnSpc>
-              <a:spcBef>
-                <a:spcPts val="500"/>
-              </a:spcBef>
-              <a:buSzPct val="125000"/>
-              <a:buFont typeface="Arial" panose="020B0604020202020204" pitchFamily="34" charset="0"/>
-              <a:buChar char="•"/>
-              <a:defRPr sz="1400" kern="1200">
-                <a:solidFill>
-                  <a:schemeClr val="tx1"/>
-                </a:solidFill>
-                <a:latin typeface="+mn-lt"/>
-                <a:ea typeface="+mn-ea"/>
-                <a:cs typeface="+mn-cs"/>
-              </a:defRPr>
-            </a:lvl6pPr>
-            <a:lvl7pPr marL="2971800" indent="-228600" algn="l" defTabSz="914400" rtl="0" eaLnBrk="1" latinLnBrk="0" hangingPunct="1">
-              <a:lnSpc>
-                <a:spcPct val="120000"/>
-              </a:lnSpc>
-              <a:spcBef>
-                <a:spcPts val="500"/>
-              </a:spcBef>
-              <a:buSzPct val="125000"/>
-              <a:buFont typeface="Arial" panose="020B0604020202020204" pitchFamily="34" charset="0"/>
-              <a:buChar char="•"/>
-              <a:defRPr sz="1400" kern="1200">
-                <a:solidFill>
-                  <a:schemeClr val="tx1"/>
-                </a:solidFill>
-                <a:latin typeface="+mn-lt"/>
-                <a:ea typeface="+mn-ea"/>
-                <a:cs typeface="+mn-cs"/>
-              </a:defRPr>
-            </a:lvl7pPr>
-            <a:lvl8pPr marL="3429000" indent="-228600" algn="l" defTabSz="914400" rtl="0" eaLnBrk="1" latinLnBrk="0" hangingPunct="1">
-              <a:lnSpc>
-                <a:spcPct val="120000"/>
-              </a:lnSpc>
-              <a:spcBef>
-                <a:spcPts val="500"/>
-              </a:spcBef>
-              <a:buSzPct val="125000"/>
-              <a:buFont typeface="Arial" panose="020B0604020202020204" pitchFamily="34" charset="0"/>
-              <a:buChar char="•"/>
-              <a:defRPr sz="1400" kern="1200">
-                <a:solidFill>
-                  <a:schemeClr val="tx1"/>
-                </a:solidFill>
-                <a:latin typeface="+mn-lt"/>
-                <a:ea typeface="+mn-ea"/>
-                <a:cs typeface="+mn-cs"/>
-              </a:defRPr>
-            </a:lvl8pPr>
-            <a:lvl9pPr marL="3886200" indent="-228600" algn="l" defTabSz="914400" rtl="0" eaLnBrk="1" latinLnBrk="0" hangingPunct="1">
-              <a:lnSpc>
-                <a:spcPct val="120000"/>
-              </a:lnSpc>
-              <a:spcBef>
-                <a:spcPts val="500"/>
-              </a:spcBef>
-              <a:buSzPct val="125000"/>
-              <a:buFont typeface="Arial" panose="020B0604020202020204" pitchFamily="34" charset="0"/>
-              <a:buChar char="•"/>
-              <a:defRPr sz="1400" kern="1200">
-                <a:solidFill>
-                  <a:schemeClr val="tx1"/>
-                </a:solidFill>
-                <a:latin typeface="+mn-lt"/>
-                <a:ea typeface="+mn-ea"/>
-                <a:cs typeface="+mn-cs"/>
-              </a:defRPr>
-            </a:lvl9pPr>
-          </a:lstStyle>
-          <a:p>
-            <a:pPr marL="0" indent="0">
-              <a:buFont typeface="Arial" panose="020B0604020202020204" pitchFamily="34" charset="0"/>
-              <a:buNone/>
-            </a:pPr>
-            <a:r>
-              <a:rPr lang="en-US" dirty="0">
-                <a:solidFill>
-                  <a:schemeClr val="tx1">
-                    <a:lumMod val="95000"/>
-                  </a:schemeClr>
-                </a:solidFill>
-              </a:rPr>
-              <a:t>…</a:t>
-            </a:r>
-          </a:p>
-        </p:txBody>
-      </p:sp>
-      <p:pic>
-        <p:nvPicPr>
-          <p:cNvPr id="5" name="Picture 4">
-            <a:extLst>
-              <a:ext uri="{FF2B5EF4-FFF2-40B4-BE49-F238E27FC236}">
-                <a16:creationId xmlns:a16="http://schemas.microsoft.com/office/drawing/2014/main" id="{82427281-21C2-F74E-8C5E-4A73C2217996}"/>
-              </a:ext>
-            </a:extLst>
-          </p:cNvPr>
-          <p:cNvPicPr>
-            <a:picLocks noChangeAspect="1"/>
-          </p:cNvPicPr>
-          <p:nvPr/>
-        </p:nvPicPr>
-        <p:blipFill>
-          <a:blip r:embed="rId2"/>
-          <a:stretch>
-            <a:fillRect/>
-          </a:stretch>
-        </p:blipFill>
-        <p:spPr>
-          <a:xfrm>
-            <a:off x="1950645" y="4218073"/>
-            <a:ext cx="8001000" cy="1828800"/>
-          </a:xfrm>
-          <a:prstGeom prst="rect">
-            <a:avLst/>
-          </a:prstGeom>
-        </p:spPr>
-      </p:pic>
-    </p:spTree>
-    <p:extLst>
-      <p:ext uri="{BB962C8B-B14F-4D97-AF65-F5344CB8AC3E}">
-        <p14:creationId xmlns:p14="http://schemas.microsoft.com/office/powerpoint/2010/main" val="3680982836"/>
       </p:ext>
     </p:extLst>
   </p:cSld>
@@ -40756,6 +43894,374 @@
             <a:pPr algn="ctr"/>
             <a:r>
               <a:rPr lang="en-US" dirty="0"/>
+              <a:t>The Church-Turing Thesis</a:t>
+            </a:r>
+          </a:p>
+        </p:txBody>
+      </p:sp>
+      <p:sp>
+        <p:nvSpPr>
+          <p:cNvPr id="3" name="Content Placeholder 2">
+            <a:extLst>
+              <a:ext uri="{FF2B5EF4-FFF2-40B4-BE49-F238E27FC236}">
+                <a16:creationId xmlns:a16="http://schemas.microsoft.com/office/drawing/2014/main" id="{14278F5F-F936-6145-9FF8-704886F1A386}"/>
+              </a:ext>
+            </a:extLst>
+          </p:cNvPr>
+          <p:cNvSpPr>
+            <a:spLocks noGrp="1"/>
+          </p:cNvSpPr>
+          <p:nvPr>
+            <p:ph idx="1"/>
+          </p:nvPr>
+        </p:nvSpPr>
+        <p:spPr>
+          <a:xfrm>
+            <a:off x="1141412" y="1559371"/>
+            <a:ext cx="9905999" cy="1089328"/>
+          </a:xfrm>
+          <a:solidFill>
+            <a:schemeClr val="tx1">
+              <a:lumMod val="95000"/>
+            </a:schemeClr>
+          </a:solidFill>
+        </p:spPr>
+        <p:txBody>
+          <a:bodyPr>
+            <a:normAutofit fontScale="92500"/>
+          </a:bodyPr>
+          <a:lstStyle/>
+          <a:p>
+            <a:pPr marL="0" indent="0">
+              <a:buNone/>
+            </a:pPr>
+            <a:r>
+              <a:rPr lang="en-US" b="1" i="1" u="sng" dirty="0">
+                <a:solidFill>
+                  <a:schemeClr val="bg1"/>
+                </a:solidFill>
+              </a:rPr>
+              <a:t>The Church-Turing Thesis (1936)</a:t>
+            </a:r>
+            <a:r>
+              <a:rPr lang="en-US" dirty="0">
+                <a:solidFill>
+                  <a:schemeClr val="bg1"/>
+                </a:solidFill>
+              </a:rPr>
+              <a:t>: Lambda-Calculus (Alonzo Church) and Turing Machines (Alan Turing) provide the mechanism for formally defining an algorithm.</a:t>
+            </a:r>
+          </a:p>
+        </p:txBody>
+      </p:sp>
+      <p:sp>
+        <p:nvSpPr>
+          <p:cNvPr id="6" name="Content Placeholder 2">
+            <a:extLst>
+              <a:ext uri="{FF2B5EF4-FFF2-40B4-BE49-F238E27FC236}">
+                <a16:creationId xmlns:a16="http://schemas.microsoft.com/office/drawing/2014/main" id="{D1AB4AE0-9143-C34D-B965-4033C921D6B5}"/>
+              </a:ext>
+            </a:extLst>
+          </p:cNvPr>
+          <p:cNvSpPr txBox="1">
+            <a:spLocks/>
+          </p:cNvSpPr>
+          <p:nvPr/>
+        </p:nvSpPr>
+        <p:spPr>
+          <a:xfrm>
+            <a:off x="1141412" y="2888722"/>
+            <a:ext cx="9905999" cy="1089328"/>
+          </a:xfrm>
+          <a:prstGeom prst="rect">
+            <a:avLst/>
+          </a:prstGeom>
+          <a:noFill/>
+        </p:spPr>
+        <p:txBody>
+          <a:bodyPr vert="horz" lIns="91440" tIns="45720" rIns="91440" bIns="45720" rtlCol="0">
+            <a:normAutofit/>
+          </a:bodyPr>
+          <a:lstStyle>
+            <a:lvl1pPr marL="228600" indent="-228600" algn="l" defTabSz="914400" rtl="0" eaLnBrk="1" latinLnBrk="0" hangingPunct="1">
+              <a:lnSpc>
+                <a:spcPct val="120000"/>
+              </a:lnSpc>
+              <a:spcBef>
+                <a:spcPts val="1000"/>
+              </a:spcBef>
+              <a:buSzPct val="125000"/>
+              <a:buFont typeface="Arial" panose="020B0604020202020204" pitchFamily="34" charset="0"/>
+              <a:buChar char="•"/>
+              <a:defRPr sz="2400" kern="1200">
+                <a:solidFill>
+                  <a:schemeClr val="tx1"/>
+                </a:solidFill>
+                <a:latin typeface="+mn-lt"/>
+                <a:ea typeface="+mn-ea"/>
+                <a:cs typeface="+mn-cs"/>
+              </a:defRPr>
+            </a:lvl1pPr>
+            <a:lvl2pPr marL="685800" indent="-228600" algn="l" defTabSz="914400" rtl="0" eaLnBrk="1" latinLnBrk="0" hangingPunct="1">
+              <a:lnSpc>
+                <a:spcPct val="120000"/>
+              </a:lnSpc>
+              <a:spcBef>
+                <a:spcPts val="500"/>
+              </a:spcBef>
+              <a:buSzPct val="125000"/>
+              <a:buFont typeface="Arial" panose="020B0604020202020204" pitchFamily="34" charset="0"/>
+              <a:buChar char="•"/>
+              <a:defRPr sz="2000" kern="1200">
+                <a:solidFill>
+                  <a:schemeClr val="tx1"/>
+                </a:solidFill>
+                <a:latin typeface="+mn-lt"/>
+                <a:ea typeface="+mn-ea"/>
+                <a:cs typeface="+mn-cs"/>
+              </a:defRPr>
+            </a:lvl2pPr>
+            <a:lvl3pPr marL="1143000" indent="-228600" algn="l" defTabSz="914400" rtl="0" eaLnBrk="1" latinLnBrk="0" hangingPunct="1">
+              <a:lnSpc>
+                <a:spcPct val="120000"/>
+              </a:lnSpc>
+              <a:spcBef>
+                <a:spcPts val="500"/>
+              </a:spcBef>
+              <a:buSzPct val="125000"/>
+              <a:buFont typeface="Arial" panose="020B0604020202020204" pitchFamily="34" charset="0"/>
+              <a:buChar char="•"/>
+              <a:defRPr sz="1800" kern="1200">
+                <a:solidFill>
+                  <a:schemeClr val="tx1"/>
+                </a:solidFill>
+                <a:latin typeface="+mn-lt"/>
+                <a:ea typeface="+mn-ea"/>
+                <a:cs typeface="+mn-cs"/>
+              </a:defRPr>
+            </a:lvl3pPr>
+            <a:lvl4pPr marL="1600200" indent="-228600" algn="l" defTabSz="914400" rtl="0" eaLnBrk="1" latinLnBrk="0" hangingPunct="1">
+              <a:lnSpc>
+                <a:spcPct val="120000"/>
+              </a:lnSpc>
+              <a:spcBef>
+                <a:spcPts val="500"/>
+              </a:spcBef>
+              <a:buSzPct val="125000"/>
+              <a:buFont typeface="Arial" panose="020B0604020202020204" pitchFamily="34" charset="0"/>
+              <a:buChar char="•"/>
+              <a:defRPr sz="1600" kern="1200">
+                <a:solidFill>
+                  <a:schemeClr val="tx1"/>
+                </a:solidFill>
+                <a:latin typeface="+mn-lt"/>
+                <a:ea typeface="+mn-ea"/>
+                <a:cs typeface="+mn-cs"/>
+              </a:defRPr>
+            </a:lvl4pPr>
+            <a:lvl5pPr marL="2057400" indent="-228600" algn="l" defTabSz="914400" rtl="0" eaLnBrk="1" latinLnBrk="0" hangingPunct="1">
+              <a:lnSpc>
+                <a:spcPct val="120000"/>
+              </a:lnSpc>
+              <a:spcBef>
+                <a:spcPts val="500"/>
+              </a:spcBef>
+              <a:buSzPct val="125000"/>
+              <a:buFont typeface="Arial" panose="020B0604020202020204" pitchFamily="34" charset="0"/>
+              <a:buChar char="•"/>
+              <a:defRPr sz="1600" kern="1200">
+                <a:solidFill>
+                  <a:schemeClr val="tx1"/>
+                </a:solidFill>
+                <a:latin typeface="+mn-lt"/>
+                <a:ea typeface="+mn-ea"/>
+                <a:cs typeface="+mn-cs"/>
+              </a:defRPr>
+            </a:lvl5pPr>
+            <a:lvl6pPr marL="2514600" indent="-228600" algn="l" defTabSz="914400" rtl="0" eaLnBrk="1" latinLnBrk="0" hangingPunct="1">
+              <a:lnSpc>
+                <a:spcPct val="120000"/>
+              </a:lnSpc>
+              <a:spcBef>
+                <a:spcPts val="500"/>
+              </a:spcBef>
+              <a:buSzPct val="125000"/>
+              <a:buFont typeface="Arial" panose="020B0604020202020204" pitchFamily="34" charset="0"/>
+              <a:buChar char="•"/>
+              <a:defRPr sz="1400" kern="1200">
+                <a:solidFill>
+                  <a:schemeClr val="tx1"/>
+                </a:solidFill>
+                <a:latin typeface="+mn-lt"/>
+                <a:ea typeface="+mn-ea"/>
+                <a:cs typeface="+mn-cs"/>
+              </a:defRPr>
+            </a:lvl6pPr>
+            <a:lvl7pPr marL="2971800" indent="-228600" algn="l" defTabSz="914400" rtl="0" eaLnBrk="1" latinLnBrk="0" hangingPunct="1">
+              <a:lnSpc>
+                <a:spcPct val="120000"/>
+              </a:lnSpc>
+              <a:spcBef>
+                <a:spcPts val="500"/>
+              </a:spcBef>
+              <a:buSzPct val="125000"/>
+              <a:buFont typeface="Arial" panose="020B0604020202020204" pitchFamily="34" charset="0"/>
+              <a:buChar char="•"/>
+              <a:defRPr sz="1400" kern="1200">
+                <a:solidFill>
+                  <a:schemeClr val="tx1"/>
+                </a:solidFill>
+                <a:latin typeface="+mn-lt"/>
+                <a:ea typeface="+mn-ea"/>
+                <a:cs typeface="+mn-cs"/>
+              </a:defRPr>
+            </a:lvl7pPr>
+            <a:lvl8pPr marL="3429000" indent="-228600" algn="l" defTabSz="914400" rtl="0" eaLnBrk="1" latinLnBrk="0" hangingPunct="1">
+              <a:lnSpc>
+                <a:spcPct val="120000"/>
+              </a:lnSpc>
+              <a:spcBef>
+                <a:spcPts val="500"/>
+              </a:spcBef>
+              <a:buSzPct val="125000"/>
+              <a:buFont typeface="Arial" panose="020B0604020202020204" pitchFamily="34" charset="0"/>
+              <a:buChar char="•"/>
+              <a:defRPr sz="1400" kern="1200">
+                <a:solidFill>
+                  <a:schemeClr val="tx1"/>
+                </a:solidFill>
+                <a:latin typeface="+mn-lt"/>
+                <a:ea typeface="+mn-ea"/>
+                <a:cs typeface="+mn-cs"/>
+              </a:defRPr>
+            </a:lvl8pPr>
+            <a:lvl9pPr marL="3886200" indent="-228600" algn="l" defTabSz="914400" rtl="0" eaLnBrk="1" latinLnBrk="0" hangingPunct="1">
+              <a:lnSpc>
+                <a:spcPct val="120000"/>
+              </a:lnSpc>
+              <a:spcBef>
+                <a:spcPts val="500"/>
+              </a:spcBef>
+              <a:buSzPct val="125000"/>
+              <a:buFont typeface="Arial" panose="020B0604020202020204" pitchFamily="34" charset="0"/>
+              <a:buChar char="•"/>
+              <a:defRPr sz="1400" kern="1200">
+                <a:solidFill>
+                  <a:schemeClr val="tx1"/>
+                </a:solidFill>
+                <a:latin typeface="+mn-lt"/>
+                <a:ea typeface="+mn-ea"/>
+                <a:cs typeface="+mn-cs"/>
+              </a:defRPr>
+            </a:lvl9pPr>
+          </a:lstStyle>
+          <a:p>
+            <a:pPr marL="0" indent="0">
+              <a:buFont typeface="Arial" panose="020B0604020202020204" pitchFamily="34" charset="0"/>
+              <a:buNone/>
+            </a:pPr>
+            <a:r>
+              <a:rPr lang="en-US" dirty="0">
+                <a:solidFill>
+                  <a:schemeClr val="tx1">
+                    <a:lumMod val="95000"/>
+                  </a:schemeClr>
+                </a:solidFill>
+              </a:rPr>
+              <a:t>…</a:t>
+            </a:r>
+          </a:p>
+        </p:txBody>
+      </p:sp>
+      <p:pic>
+        <p:nvPicPr>
+          <p:cNvPr id="5" name="Picture 4">
+            <a:extLst>
+              <a:ext uri="{FF2B5EF4-FFF2-40B4-BE49-F238E27FC236}">
+                <a16:creationId xmlns:a16="http://schemas.microsoft.com/office/drawing/2014/main" id="{82427281-21C2-F74E-8C5E-4A73C2217996}"/>
+              </a:ext>
+            </a:extLst>
+          </p:cNvPr>
+          <p:cNvPicPr>
+            <a:picLocks noChangeAspect="1"/>
+          </p:cNvPicPr>
+          <p:nvPr/>
+        </p:nvPicPr>
+        <p:blipFill>
+          <a:blip r:embed="rId2"/>
+          <a:stretch>
+            <a:fillRect/>
+          </a:stretch>
+        </p:blipFill>
+        <p:spPr>
+          <a:xfrm>
+            <a:off x="1950645" y="4218073"/>
+            <a:ext cx="8001000" cy="1828800"/>
+          </a:xfrm>
+          <a:prstGeom prst="rect">
+            <a:avLst/>
+          </a:prstGeom>
+        </p:spPr>
+      </p:pic>
+    </p:spTree>
+    <p:extLst>
+      <p:ext uri="{BB962C8B-B14F-4D97-AF65-F5344CB8AC3E}">
+        <p14:creationId xmlns:p14="http://schemas.microsoft.com/office/powerpoint/2010/main" val="3680982836"/>
+      </p:ext>
+    </p:extLst>
+  </p:cSld>
+  <p:clrMapOvr>
+    <a:masterClrMapping/>
+  </p:clrMapOvr>
+</p:sld>
+</file>
+
+<file path=ppt/slides/slide41.xml><?xml version="1.0" encoding="utf-8"?>
+<p:sld xmlns:a="http://schemas.openxmlformats.org/drawingml/2006/main" xmlns:r="http://schemas.openxmlformats.org/officeDocument/2006/relationships" xmlns:p="http://schemas.openxmlformats.org/presentationml/2006/main">
+  <p:cSld>
+    <p:spTree>
+      <p:nvGrpSpPr>
+        <p:cNvPr id="1" name=""/>
+        <p:cNvGrpSpPr/>
+        <p:nvPr/>
+      </p:nvGrpSpPr>
+      <p:grpSpPr>
+        <a:xfrm>
+          <a:off x="0" y="0"/>
+          <a:ext cx="0" cy="0"/>
+          <a:chOff x="0" y="0"/>
+          <a:chExt cx="0" cy="0"/>
+        </a:xfrm>
+      </p:grpSpPr>
+      <p:sp>
+        <p:nvSpPr>
+          <p:cNvPr id="2" name="Title 1">
+            <a:extLst>
+              <a:ext uri="{FF2B5EF4-FFF2-40B4-BE49-F238E27FC236}">
+                <a16:creationId xmlns:a16="http://schemas.microsoft.com/office/drawing/2014/main" id="{D63C04CD-2329-4D47-84D9-12CB3EDD9F46}"/>
+              </a:ext>
+            </a:extLst>
+          </p:cNvPr>
+          <p:cNvSpPr>
+            <a:spLocks noGrp="1"/>
+          </p:cNvSpPr>
+          <p:nvPr>
+            <p:ph type="title"/>
+          </p:nvPr>
+        </p:nvSpPr>
+        <p:spPr>
+          <a:xfrm>
+            <a:off x="1141413" y="125537"/>
+            <a:ext cx="9905998" cy="860425"/>
+          </a:xfrm>
+        </p:spPr>
+        <p:txBody>
+          <a:bodyPr/>
+          <a:lstStyle/>
+          <a:p>
+            <a:pPr algn="ctr"/>
+            <a:r>
+              <a:rPr lang="en-US" dirty="0"/>
               <a:t>Finding Polynomial Roots is Recognizable</a:t>
             </a:r>
           </a:p>
@@ -41045,7 +44551,7 @@
 </p:sld>
 </file>
 
-<file path=ppt/slides/slide41.xml><?xml version="1.0" encoding="utf-8"?>
+<file path=ppt/slides/slide42.xml><?xml version="1.0" encoding="utf-8"?>
 <p:sld xmlns:a="http://schemas.openxmlformats.org/drawingml/2006/main" xmlns:r="http://schemas.openxmlformats.org/officeDocument/2006/relationships" xmlns:p="http://schemas.openxmlformats.org/presentationml/2006/main">
   <p:cSld>
     <p:spTree>
@@ -41620,7 +45126,7 @@
 </p:sld>
 </file>
 
-<file path=ppt/slides/slide42.xml><?xml version="1.0" encoding="utf-8"?>
+<file path=ppt/slides/slide43.xml><?xml version="1.0" encoding="utf-8"?>
 <p:sld xmlns:a="http://schemas.openxmlformats.org/drawingml/2006/main" xmlns:r="http://schemas.openxmlformats.org/officeDocument/2006/relationships" xmlns:p="http://schemas.openxmlformats.org/presentationml/2006/main">
   <p:cSld>
     <p:spTree>

--- a/slides/04-TuringMachines.pptx
+++ b/slides/04-TuringMachines.pptx
@@ -5,7 +5,7 @@
     <p:sldMasterId id="2147484006" r:id="rId1"/>
   </p:sldMasterIdLst>
   <p:notesMasterIdLst>
-    <p:notesMasterId r:id="rId45"/>
+    <p:notesMasterId r:id="rId49"/>
   </p:notesMasterIdLst>
   <p:sldIdLst>
     <p:sldId id="256" r:id="rId2"/>
@@ -40,17 +40,21 @@
     <p:sldId id="472" r:id="rId31"/>
     <p:sldId id="473" r:id="rId32"/>
     <p:sldId id="474" r:id="rId33"/>
-    <p:sldId id="475" r:id="rId34"/>
-    <p:sldId id="476" r:id="rId35"/>
-    <p:sldId id="477" r:id="rId36"/>
-    <p:sldId id="478" r:id="rId37"/>
-    <p:sldId id="363" r:id="rId38"/>
-    <p:sldId id="479" r:id="rId39"/>
-    <p:sldId id="480" r:id="rId40"/>
-    <p:sldId id="481" r:id="rId41"/>
-    <p:sldId id="482" r:id="rId42"/>
-    <p:sldId id="483" r:id="rId43"/>
-    <p:sldId id="484" r:id="rId44"/>
+    <p:sldId id="499" r:id="rId34"/>
+    <p:sldId id="500" r:id="rId35"/>
+    <p:sldId id="501" r:id="rId36"/>
+    <p:sldId id="502" r:id="rId37"/>
+    <p:sldId id="475" r:id="rId38"/>
+    <p:sldId id="476" r:id="rId39"/>
+    <p:sldId id="477" r:id="rId40"/>
+    <p:sldId id="478" r:id="rId41"/>
+    <p:sldId id="363" r:id="rId42"/>
+    <p:sldId id="479" r:id="rId43"/>
+    <p:sldId id="480" r:id="rId44"/>
+    <p:sldId id="481" r:id="rId45"/>
+    <p:sldId id="482" r:id="rId46"/>
+    <p:sldId id="483" r:id="rId47"/>
+    <p:sldId id="484" r:id="rId48"/>
   </p:sldIdLst>
   <p:sldSz cx="12192000" cy="6858000"/>
   <p:notesSz cx="6858000" cy="9144000"/>
@@ -239,7 +243,7 @@
           <a:p>
             <a:fld id="{C5B45307-6ED4-B142-BD64-10F739779302}" type="datetimeFigureOut">
               <a:rPr lang="en-US" smtClean="0"/>
-              <a:t>9/11/23</a:t>
+              <a:t>9/13/23</a:t>
             </a:fld>
             <a:endParaRPr lang="en-US"/>
           </a:p>
@@ -758,7 +762,7 @@
           <a:noFill/>
           <a:extLst>
             <a:ext uri="{909E8E84-426E-40dd-AFC4-6F175D3DCCD1}">
-              <a14:hiddenFill xmlns="" xmlns:a14="http://schemas.microsoft.com/office/drawing/2010/main">
+              <a14:hiddenFill xmlns:a14="http://schemas.microsoft.com/office/drawing/2010/main" xmlns="">
                 <a:solidFill>
                   <a:srgbClr val="FFFFFF"/>
                 </a:solidFill>
@@ -817,7 +821,7 @@
             </a:ln>
             <a:extLst>
               <a:ext uri="{91240B29-F687-4f45-9708-019B960494DF}">
-                <a14:hiddenLine xmlns="" xmlns:a14="http://schemas.microsoft.com/office/drawing/2010/main" w="9525">
+                <a14:hiddenLine xmlns:a14="http://schemas.microsoft.com/office/drawing/2010/main" xmlns="" w="9525">
                   <a:solidFill>
                     <a:srgbClr val="000000"/>
                   </a:solidFill>
@@ -907,7 +911,7 @@
             </a:ln>
             <a:extLst>
               <a:ext uri="{91240B29-F687-4f45-9708-019B960494DF}">
-                <a14:hiddenLine xmlns="" xmlns:a14="http://schemas.microsoft.com/office/drawing/2010/main" w="9525">
+                <a14:hiddenLine xmlns:a14="http://schemas.microsoft.com/office/drawing/2010/main" xmlns="" w="9525">
                   <a:solidFill>
                     <a:srgbClr val="000000"/>
                   </a:solidFill>
@@ -997,7 +1001,7 @@
             </a:ln>
             <a:extLst>
               <a:ext uri="{91240B29-F687-4f45-9708-019B960494DF}">
-                <a14:hiddenLine xmlns="" xmlns:a14="http://schemas.microsoft.com/office/drawing/2010/main" w="9525">
+                <a14:hiddenLine xmlns:a14="http://schemas.microsoft.com/office/drawing/2010/main" xmlns="" w="9525">
                   <a:solidFill>
                     <a:srgbClr val="000000"/>
                   </a:solidFill>
@@ -1031,7 +1035,7 @@
             </a:ln>
             <a:extLst>
               <a:ext uri="{91240B29-F687-4f45-9708-019B960494DF}">
-                <a14:hiddenLine xmlns="" xmlns:a14="http://schemas.microsoft.com/office/drawing/2010/main" w="9525">
+                <a14:hiddenLine xmlns:a14="http://schemas.microsoft.com/office/drawing/2010/main" xmlns="" w="9525">
                   <a:solidFill>
                     <a:srgbClr val="000000"/>
                   </a:solidFill>
@@ -1121,7 +1125,7 @@
             </a:ln>
             <a:extLst>
               <a:ext uri="{91240B29-F687-4f45-9708-019B960494DF}">
-                <a14:hiddenLine xmlns="" xmlns:a14="http://schemas.microsoft.com/office/drawing/2010/main" w="9525">
+                <a14:hiddenLine xmlns:a14="http://schemas.microsoft.com/office/drawing/2010/main" xmlns="" w="9525">
                   <a:solidFill>
                     <a:srgbClr val="000000"/>
                   </a:solidFill>
@@ -1183,7 +1187,7 @@
             </a:ln>
             <a:extLst>
               <a:ext uri="{91240B29-F687-4f45-9708-019B960494DF}">
-                <a14:hiddenLine xmlns="" xmlns:a14="http://schemas.microsoft.com/office/drawing/2010/main" w="9525">
+                <a14:hiddenLine xmlns:a14="http://schemas.microsoft.com/office/drawing/2010/main" xmlns="" w="9525">
                   <a:solidFill>
                     <a:srgbClr val="000000"/>
                   </a:solidFill>
@@ -1245,7 +1249,7 @@
             </a:ln>
             <a:extLst>
               <a:ext uri="{91240B29-F687-4f45-9708-019B960494DF}">
-                <a14:hiddenLine xmlns="" xmlns:a14="http://schemas.microsoft.com/office/drawing/2010/main" w="9525">
+                <a14:hiddenLine xmlns:a14="http://schemas.microsoft.com/office/drawing/2010/main" xmlns="" w="9525">
                   <a:solidFill>
                     <a:srgbClr val="000000"/>
                   </a:solidFill>
@@ -1335,7 +1339,7 @@
             </a:ln>
             <a:extLst>
               <a:ext uri="{91240B29-F687-4f45-9708-019B960494DF}">
-                <a14:hiddenLine xmlns="" xmlns:a14="http://schemas.microsoft.com/office/drawing/2010/main" w="9525">
+                <a14:hiddenLine xmlns:a14="http://schemas.microsoft.com/office/drawing/2010/main" xmlns="" w="9525">
                   <a:solidFill>
                     <a:srgbClr val="000000"/>
                   </a:solidFill>
@@ -1397,7 +1401,7 @@
             </a:ln>
             <a:extLst>
               <a:ext uri="{91240B29-F687-4f45-9708-019B960494DF}">
-                <a14:hiddenLine xmlns="" xmlns:a14="http://schemas.microsoft.com/office/drawing/2010/main" w="9525">
+                <a14:hiddenLine xmlns:a14="http://schemas.microsoft.com/office/drawing/2010/main" xmlns="" w="9525">
                   <a:solidFill>
                     <a:srgbClr val="000000"/>
                   </a:solidFill>
@@ -1459,7 +1463,7 @@
             </a:ln>
             <a:extLst>
               <a:ext uri="{91240B29-F687-4f45-9708-019B960494DF}">
-                <a14:hiddenLine xmlns="" xmlns:a14="http://schemas.microsoft.com/office/drawing/2010/main" w="9525">
+                <a14:hiddenLine xmlns:a14="http://schemas.microsoft.com/office/drawing/2010/main" xmlns="" w="9525">
                   <a:solidFill>
                     <a:srgbClr val="000000"/>
                   </a:solidFill>
@@ -1549,7 +1553,7 @@
             </a:ln>
             <a:extLst>
               <a:ext uri="{91240B29-F687-4f45-9708-019B960494DF}">
-                <a14:hiddenLine xmlns="" xmlns:a14="http://schemas.microsoft.com/office/drawing/2010/main" w="9525">
+                <a14:hiddenLine xmlns:a14="http://schemas.microsoft.com/office/drawing/2010/main" xmlns="" w="9525">
                   <a:solidFill>
                     <a:srgbClr val="000000"/>
                   </a:solidFill>
@@ -1639,7 +1643,7 @@
             </a:ln>
             <a:extLst>
               <a:ext uri="{91240B29-F687-4f45-9708-019B960494DF}">
-                <a14:hiddenLine xmlns="" xmlns:a14="http://schemas.microsoft.com/office/drawing/2010/main" w="9525">
+                <a14:hiddenLine xmlns:a14="http://schemas.microsoft.com/office/drawing/2010/main" xmlns="" w="9525">
                   <a:solidFill>
                     <a:srgbClr val="000000"/>
                   </a:solidFill>
@@ -1701,7 +1705,7 @@
             </a:ln>
             <a:extLst>
               <a:ext uri="{91240B29-F687-4f45-9708-019B960494DF}">
-                <a14:hiddenLine xmlns="" xmlns:a14="http://schemas.microsoft.com/office/drawing/2010/main" w="9525">
+                <a14:hiddenLine xmlns:a14="http://schemas.microsoft.com/office/drawing/2010/main" xmlns="" w="9525">
                   <a:solidFill>
                     <a:srgbClr val="000000"/>
                   </a:solidFill>
@@ -1811,7 +1815,7 @@
             </a:ln>
             <a:extLst>
               <a:ext uri="{91240B29-F687-4f45-9708-019B960494DF}">
-                <a14:hiddenLine xmlns="" xmlns:a14="http://schemas.microsoft.com/office/drawing/2010/main" w="9525">
+                <a14:hiddenLine xmlns:a14="http://schemas.microsoft.com/office/drawing/2010/main" xmlns="" w="9525">
                   <a:solidFill>
                     <a:srgbClr val="000000"/>
                   </a:solidFill>
@@ -1873,7 +1877,7 @@
             </a:ln>
             <a:extLst>
               <a:ext uri="{91240B29-F687-4f45-9708-019B960494DF}">
-                <a14:hiddenLine xmlns="" xmlns:a14="http://schemas.microsoft.com/office/drawing/2010/main" w="9525">
+                <a14:hiddenLine xmlns:a14="http://schemas.microsoft.com/office/drawing/2010/main" xmlns="" w="9525">
                   <a:solidFill>
                     <a:srgbClr val="000000"/>
                   </a:solidFill>
@@ -1963,7 +1967,7 @@
             </a:ln>
             <a:extLst>
               <a:ext uri="{91240B29-F687-4f45-9708-019B960494DF}">
-                <a14:hiddenLine xmlns="" xmlns:a14="http://schemas.microsoft.com/office/drawing/2010/main" w="9525">
+                <a14:hiddenLine xmlns:a14="http://schemas.microsoft.com/office/drawing/2010/main" xmlns="" w="9525">
                   <a:solidFill>
                     <a:srgbClr val="000000"/>
                   </a:solidFill>
@@ -2053,7 +2057,7 @@
             </a:ln>
             <a:extLst>
               <a:ext uri="{91240B29-F687-4f45-9708-019B960494DF}">
-                <a14:hiddenLine xmlns="" xmlns:a14="http://schemas.microsoft.com/office/drawing/2010/main" w="9525">
+                <a14:hiddenLine xmlns:a14="http://schemas.microsoft.com/office/drawing/2010/main" xmlns="" w="9525">
                   <a:solidFill>
                     <a:srgbClr val="000000"/>
                   </a:solidFill>
@@ -2115,7 +2119,7 @@
             </a:ln>
             <a:extLst>
               <a:ext uri="{91240B29-F687-4f45-9708-019B960494DF}">
-                <a14:hiddenLine xmlns="" xmlns:a14="http://schemas.microsoft.com/office/drawing/2010/main" w="9525">
+                <a14:hiddenLine xmlns:a14="http://schemas.microsoft.com/office/drawing/2010/main" xmlns="" w="9525">
                   <a:solidFill>
                     <a:srgbClr val="000000"/>
                   </a:solidFill>
@@ -2205,7 +2209,7 @@
             </a:ln>
             <a:extLst>
               <a:ext uri="{91240B29-F687-4f45-9708-019B960494DF}">
-                <a14:hiddenLine xmlns="" xmlns:a14="http://schemas.microsoft.com/office/drawing/2010/main" w="9525">
+                <a14:hiddenLine xmlns:a14="http://schemas.microsoft.com/office/drawing/2010/main" xmlns="" w="9525">
                   <a:solidFill>
                     <a:srgbClr val="000000"/>
                   </a:solidFill>
@@ -2295,7 +2299,7 @@
             </a:ln>
             <a:extLst>
               <a:ext uri="{91240B29-F687-4f45-9708-019B960494DF}">
-                <a14:hiddenLine xmlns="" xmlns:a14="http://schemas.microsoft.com/office/drawing/2010/main" w="9525">
+                <a14:hiddenLine xmlns:a14="http://schemas.microsoft.com/office/drawing/2010/main" xmlns="" w="9525">
                   <a:solidFill>
                     <a:srgbClr val="000000"/>
                   </a:solidFill>
@@ -2351,7 +2355,7 @@
             </a:ln>
             <a:extLst>
               <a:ext uri="{91240B29-F687-4f45-9708-019B960494DF}">
-                <a14:hiddenLine xmlns="" xmlns:a14="http://schemas.microsoft.com/office/drawing/2010/main" w="9525">
+                <a14:hiddenLine xmlns:a14="http://schemas.microsoft.com/office/drawing/2010/main" xmlns="" w="9525">
                   <a:solidFill>
                     <a:srgbClr val="000000"/>
                   </a:solidFill>
@@ -2441,7 +2445,7 @@
             </a:ln>
             <a:extLst>
               <a:ext uri="{91240B29-F687-4f45-9708-019B960494DF}">
-                <a14:hiddenLine xmlns="" xmlns:a14="http://schemas.microsoft.com/office/drawing/2010/main" w="9525">
+                <a14:hiddenLine xmlns:a14="http://schemas.microsoft.com/office/drawing/2010/main" xmlns="" w="9525">
                   <a:solidFill>
                     <a:srgbClr val="000000"/>
                   </a:solidFill>
@@ -2497,7 +2501,7 @@
             </a:ln>
             <a:extLst>
               <a:ext uri="{91240B29-F687-4f45-9708-019B960494DF}">
-                <a14:hiddenLine xmlns="" xmlns:a14="http://schemas.microsoft.com/office/drawing/2010/main" w="9525">
+                <a14:hiddenLine xmlns:a14="http://schemas.microsoft.com/office/drawing/2010/main" xmlns="" w="9525">
                   <a:solidFill>
                     <a:srgbClr val="000000"/>
                   </a:solidFill>
@@ -2587,7 +2591,7 @@
             </a:ln>
             <a:extLst>
               <a:ext uri="{91240B29-F687-4f45-9708-019B960494DF}">
-                <a14:hiddenLine xmlns="" xmlns:a14="http://schemas.microsoft.com/office/drawing/2010/main" w="9525">
+                <a14:hiddenLine xmlns:a14="http://schemas.microsoft.com/office/drawing/2010/main" xmlns="" w="9525">
                   <a:solidFill>
                     <a:srgbClr val="000000"/>
                   </a:solidFill>
@@ -2655,7 +2659,7 @@
             </a:ln>
             <a:extLst>
               <a:ext uri="{91240B29-F687-4f45-9708-019B960494DF}">
-                <a14:hiddenLine xmlns="" xmlns:a14="http://schemas.microsoft.com/office/drawing/2010/main" w="9525">
+                <a14:hiddenLine xmlns:a14="http://schemas.microsoft.com/office/drawing/2010/main" xmlns="" w="9525">
                   <a:solidFill>
                     <a:srgbClr val="000000"/>
                   </a:solidFill>
@@ -2745,7 +2749,7 @@
             </a:ln>
             <a:extLst>
               <a:ext uri="{91240B29-F687-4f45-9708-019B960494DF}">
-                <a14:hiddenLine xmlns="" xmlns:a14="http://schemas.microsoft.com/office/drawing/2010/main" w="9525">
+                <a14:hiddenLine xmlns:a14="http://schemas.microsoft.com/office/drawing/2010/main" xmlns="" w="9525">
                   <a:solidFill>
                     <a:srgbClr val="000000"/>
                   </a:solidFill>
@@ -2813,7 +2817,7 @@
             </a:ln>
             <a:extLst>
               <a:ext uri="{91240B29-F687-4f45-9708-019B960494DF}">
-                <a14:hiddenLine xmlns="" xmlns:a14="http://schemas.microsoft.com/office/drawing/2010/main" w="9525">
+                <a14:hiddenLine xmlns:a14="http://schemas.microsoft.com/office/drawing/2010/main" xmlns="" w="9525">
                   <a:solidFill>
                     <a:srgbClr val="000000"/>
                   </a:solidFill>
@@ -2903,7 +2907,7 @@
             </a:ln>
             <a:extLst>
               <a:ext uri="{91240B29-F687-4f45-9708-019B960494DF}">
-                <a14:hiddenLine xmlns="" xmlns:a14="http://schemas.microsoft.com/office/drawing/2010/main" w="9525">
+                <a14:hiddenLine xmlns:a14="http://schemas.microsoft.com/office/drawing/2010/main" xmlns="" w="9525">
                   <a:solidFill>
                     <a:srgbClr val="000000"/>
                   </a:solidFill>
@@ -2937,7 +2941,7 @@
             </a:ln>
             <a:extLst>
               <a:ext uri="{91240B29-F687-4f45-9708-019B960494DF}">
-                <a14:hiddenLine xmlns="" xmlns:a14="http://schemas.microsoft.com/office/drawing/2010/main" w="9525">
+                <a14:hiddenLine xmlns:a14="http://schemas.microsoft.com/office/drawing/2010/main" xmlns="" w="9525">
                   <a:solidFill>
                     <a:srgbClr val="000000"/>
                   </a:solidFill>
@@ -3027,7 +3031,7 @@
             </a:ln>
             <a:extLst>
               <a:ext uri="{91240B29-F687-4f45-9708-019B960494DF}">
-                <a14:hiddenLine xmlns="" xmlns:a14="http://schemas.microsoft.com/office/drawing/2010/main" w="9525">
+                <a14:hiddenLine xmlns:a14="http://schemas.microsoft.com/office/drawing/2010/main" xmlns="" w="9525">
                   <a:solidFill>
                     <a:srgbClr val="000000"/>
                   </a:solidFill>
@@ -3089,7 +3093,7 @@
             </a:ln>
             <a:extLst>
               <a:ext uri="{91240B29-F687-4f45-9708-019B960494DF}">
-                <a14:hiddenLine xmlns="" xmlns:a14="http://schemas.microsoft.com/office/drawing/2010/main" w="9525">
+                <a14:hiddenLine xmlns:a14="http://schemas.microsoft.com/office/drawing/2010/main" xmlns="" w="9525">
                   <a:solidFill>
                     <a:srgbClr val="000000"/>
                   </a:solidFill>
@@ -3151,7 +3155,7 @@
             </a:ln>
             <a:extLst>
               <a:ext uri="{91240B29-F687-4f45-9708-019B960494DF}">
-                <a14:hiddenLine xmlns="" xmlns:a14="http://schemas.microsoft.com/office/drawing/2010/main" w="9525">
+                <a14:hiddenLine xmlns:a14="http://schemas.microsoft.com/office/drawing/2010/main" xmlns="" w="9525">
                   <a:solidFill>
                     <a:srgbClr val="000000"/>
                   </a:solidFill>
@@ -3241,7 +3245,7 @@
             </a:ln>
             <a:extLst>
               <a:ext uri="{91240B29-F687-4f45-9708-019B960494DF}">
-                <a14:hiddenLine xmlns="" xmlns:a14="http://schemas.microsoft.com/office/drawing/2010/main" w="9525">
+                <a14:hiddenLine xmlns:a14="http://schemas.microsoft.com/office/drawing/2010/main" xmlns="" w="9525">
                   <a:solidFill>
                     <a:srgbClr val="000000"/>
                   </a:solidFill>
@@ -3309,7 +3313,7 @@
             </a:ln>
             <a:extLst>
               <a:ext uri="{91240B29-F687-4f45-9708-019B960494DF}">
-                <a14:hiddenLine xmlns="" xmlns:a14="http://schemas.microsoft.com/office/drawing/2010/main" w="9525">
+                <a14:hiddenLine xmlns:a14="http://schemas.microsoft.com/office/drawing/2010/main" xmlns="" w="9525">
                   <a:solidFill>
                     <a:srgbClr val="000000"/>
                   </a:solidFill>
@@ -3371,7 +3375,7 @@
             </a:ln>
             <a:extLst>
               <a:ext uri="{91240B29-F687-4f45-9708-019B960494DF}">
-                <a14:hiddenLine xmlns="" xmlns:a14="http://schemas.microsoft.com/office/drawing/2010/main" w="9525">
+                <a14:hiddenLine xmlns:a14="http://schemas.microsoft.com/office/drawing/2010/main" xmlns="" w="9525">
                   <a:solidFill>
                     <a:srgbClr val="000000"/>
                   </a:solidFill>
@@ -3461,7 +3465,7 @@
             </a:ln>
             <a:extLst>
               <a:ext uri="{91240B29-F687-4f45-9708-019B960494DF}">
-                <a14:hiddenLine xmlns="" xmlns:a14="http://schemas.microsoft.com/office/drawing/2010/main" w="9525">
+                <a14:hiddenLine xmlns:a14="http://schemas.microsoft.com/office/drawing/2010/main" xmlns="" w="9525">
                   <a:solidFill>
                     <a:srgbClr val="000000"/>
                   </a:solidFill>
@@ -3523,7 +3527,7 @@
             </a:ln>
             <a:extLst>
               <a:ext uri="{91240B29-F687-4f45-9708-019B960494DF}">
-                <a14:hiddenLine xmlns="" xmlns:a14="http://schemas.microsoft.com/office/drawing/2010/main" w="9525">
+                <a14:hiddenLine xmlns:a14="http://schemas.microsoft.com/office/drawing/2010/main" xmlns="" w="9525">
                   <a:solidFill>
                     <a:srgbClr val="000000"/>
                   </a:solidFill>
@@ -3613,7 +3617,7 @@
             </a:ln>
             <a:extLst>
               <a:ext uri="{91240B29-F687-4f45-9708-019B960494DF}">
-                <a14:hiddenLine xmlns="" xmlns:a14="http://schemas.microsoft.com/office/drawing/2010/main" w="9525">
+                <a14:hiddenLine xmlns:a14="http://schemas.microsoft.com/office/drawing/2010/main" xmlns="" w="9525">
                   <a:solidFill>
                     <a:srgbClr val="000000"/>
                   </a:solidFill>
@@ -3675,7 +3679,7 @@
             </a:ln>
             <a:extLst>
               <a:ext uri="{91240B29-F687-4f45-9708-019B960494DF}">
-                <a14:hiddenLine xmlns="" xmlns:a14="http://schemas.microsoft.com/office/drawing/2010/main" w="9525">
+                <a14:hiddenLine xmlns:a14="http://schemas.microsoft.com/office/drawing/2010/main" xmlns="" w="9525">
                   <a:solidFill>
                     <a:srgbClr val="000000"/>
                   </a:solidFill>
@@ -3765,7 +3769,7 @@
             </a:ln>
             <a:extLst>
               <a:ext uri="{91240B29-F687-4f45-9708-019B960494DF}">
-                <a14:hiddenLine xmlns="" xmlns:a14="http://schemas.microsoft.com/office/drawing/2010/main" w="9525">
+                <a14:hiddenLine xmlns:a14="http://schemas.microsoft.com/office/drawing/2010/main" xmlns="" w="9525">
                   <a:solidFill>
                     <a:srgbClr val="000000"/>
                   </a:solidFill>
@@ -3799,7 +3803,7 @@
             </a:ln>
             <a:extLst>
               <a:ext uri="{91240B29-F687-4f45-9708-019B960494DF}">
-                <a14:hiddenLine xmlns="" xmlns:a14="http://schemas.microsoft.com/office/drawing/2010/main" w="9525">
+                <a14:hiddenLine xmlns:a14="http://schemas.microsoft.com/office/drawing/2010/main" xmlns="" w="9525">
                   <a:solidFill>
                     <a:srgbClr val="000000"/>
                   </a:solidFill>
@@ -3864,7 +3868,7 @@
             </a:ln>
             <a:extLst>
               <a:ext uri="{91240B29-F687-4f45-9708-019B960494DF}">
-                <a14:hiddenLine xmlns="" xmlns:a14="http://schemas.microsoft.com/office/drawing/2010/main" w="9525">
+                <a14:hiddenLine xmlns:a14="http://schemas.microsoft.com/office/drawing/2010/main" xmlns="" w="9525">
                   <a:solidFill>
                     <a:srgbClr val="000000"/>
                   </a:solidFill>
@@ -3954,7 +3958,7 @@
             </a:ln>
             <a:extLst>
               <a:ext uri="{91240B29-F687-4f45-9708-019B960494DF}">
-                <a14:hiddenLine xmlns="" xmlns:a14="http://schemas.microsoft.com/office/drawing/2010/main" w="9525">
+                <a14:hiddenLine xmlns:a14="http://schemas.microsoft.com/office/drawing/2010/main" xmlns="" w="9525">
                   <a:solidFill>
                     <a:srgbClr val="000000"/>
                   </a:solidFill>
@@ -4016,7 +4020,7 @@
             </a:ln>
             <a:extLst>
               <a:ext uri="{91240B29-F687-4f45-9708-019B960494DF}">
-                <a14:hiddenLine xmlns="" xmlns:a14="http://schemas.microsoft.com/office/drawing/2010/main" w="9525">
+                <a14:hiddenLine xmlns:a14="http://schemas.microsoft.com/office/drawing/2010/main" xmlns="" w="9525">
                   <a:solidFill>
                     <a:srgbClr val="000000"/>
                   </a:solidFill>
@@ -4106,7 +4110,7 @@
             </a:ln>
             <a:extLst>
               <a:ext uri="{91240B29-F687-4f45-9708-019B960494DF}">
-                <a14:hiddenLine xmlns="" xmlns:a14="http://schemas.microsoft.com/office/drawing/2010/main" w="9525">
+                <a14:hiddenLine xmlns:a14="http://schemas.microsoft.com/office/drawing/2010/main" xmlns="" w="9525">
                   <a:solidFill>
                     <a:srgbClr val="000000"/>
                   </a:solidFill>
@@ -4196,7 +4200,7 @@
             </a:ln>
             <a:extLst>
               <a:ext uri="{91240B29-F687-4f45-9708-019B960494DF}">
-                <a14:hiddenLine xmlns="" xmlns:a14="http://schemas.microsoft.com/office/drawing/2010/main" w="9525">
+                <a14:hiddenLine xmlns:a14="http://schemas.microsoft.com/office/drawing/2010/main" xmlns="" w="9525">
                   <a:solidFill>
                     <a:srgbClr val="000000"/>
                   </a:solidFill>
@@ -4261,7 +4265,7 @@
             </a:ln>
             <a:extLst>
               <a:ext uri="{91240B29-F687-4f45-9708-019B960494DF}">
-                <a14:hiddenLine xmlns="" xmlns:a14="http://schemas.microsoft.com/office/drawing/2010/main" w="9525">
+                <a14:hiddenLine xmlns:a14="http://schemas.microsoft.com/office/drawing/2010/main" xmlns="" w="9525">
                   <a:solidFill>
                     <a:srgbClr val="000000"/>
                   </a:solidFill>
@@ -4323,7 +4327,7 @@
             </a:ln>
             <a:extLst>
               <a:ext uri="{91240B29-F687-4f45-9708-019B960494DF}">
-                <a14:hiddenLine xmlns="" xmlns:a14="http://schemas.microsoft.com/office/drawing/2010/main" w="9525">
+                <a14:hiddenLine xmlns:a14="http://schemas.microsoft.com/office/drawing/2010/main" xmlns="" w="9525">
                   <a:solidFill>
                     <a:srgbClr val="000000"/>
                   </a:solidFill>
@@ -4413,7 +4417,7 @@
             </a:ln>
             <a:extLst>
               <a:ext uri="{91240B29-F687-4f45-9708-019B960494DF}">
-                <a14:hiddenLine xmlns="" xmlns:a14="http://schemas.microsoft.com/office/drawing/2010/main" w="9525">
+                <a14:hiddenLine xmlns:a14="http://schemas.microsoft.com/office/drawing/2010/main" xmlns="" w="9525">
                   <a:solidFill>
                     <a:srgbClr val="000000"/>
                   </a:solidFill>
@@ -4503,7 +4507,7 @@
             </a:ln>
             <a:extLst>
               <a:ext uri="{91240B29-F687-4f45-9708-019B960494DF}">
-                <a14:hiddenLine xmlns="" xmlns:a14="http://schemas.microsoft.com/office/drawing/2010/main" w="9525">
+                <a14:hiddenLine xmlns:a14="http://schemas.microsoft.com/office/drawing/2010/main" xmlns="" w="9525">
                   <a:solidFill>
                     <a:srgbClr val="000000"/>
                   </a:solidFill>
@@ -4565,7 +4569,7 @@
             </a:ln>
             <a:extLst>
               <a:ext uri="{91240B29-F687-4f45-9708-019B960494DF}">
-                <a14:hiddenLine xmlns="" xmlns:a14="http://schemas.microsoft.com/office/drawing/2010/main" w="9525">
+                <a14:hiddenLine xmlns:a14="http://schemas.microsoft.com/office/drawing/2010/main" xmlns="" w="9525">
                   <a:solidFill>
                     <a:srgbClr val="000000"/>
                   </a:solidFill>
@@ -4685,7 +4689,7 @@
             </a:ln>
             <a:extLst>
               <a:ext uri="{91240B29-F687-4f45-9708-019B960494DF}">
-                <a14:hiddenLine xmlns="" xmlns:a14="http://schemas.microsoft.com/office/drawing/2010/main" w="9525">
+                <a14:hiddenLine xmlns:a14="http://schemas.microsoft.com/office/drawing/2010/main" xmlns="" w="9525">
                   <a:solidFill>
                     <a:srgbClr val="000000"/>
                   </a:solidFill>
@@ -4753,7 +4757,7 @@
             </a:ln>
             <a:extLst>
               <a:ext uri="{91240B29-F687-4f45-9708-019B960494DF}">
-                <a14:hiddenLine xmlns="" xmlns:a14="http://schemas.microsoft.com/office/drawing/2010/main" w="9525">
+                <a14:hiddenLine xmlns:a14="http://schemas.microsoft.com/office/drawing/2010/main" xmlns="" w="9525">
                   <a:solidFill>
                     <a:srgbClr val="000000"/>
                   </a:solidFill>
@@ -4843,7 +4847,7 @@
             </a:ln>
             <a:extLst>
               <a:ext uri="{91240B29-F687-4f45-9708-019B960494DF}">
-                <a14:hiddenLine xmlns="" xmlns:a14="http://schemas.microsoft.com/office/drawing/2010/main" w="9525">
+                <a14:hiddenLine xmlns:a14="http://schemas.microsoft.com/office/drawing/2010/main" xmlns="" w="9525">
                   <a:solidFill>
                     <a:srgbClr val="000000"/>
                   </a:solidFill>
@@ -4983,7 +4987,7 @@
           <a:p>
             <a:fld id="{EC4347D3-4C9A-C240-8F14-750059DFEEB0}" type="datetimeFigureOut">
               <a:rPr lang="en-US" smtClean="0"/>
-              <a:t>9/11/23</a:t>
+              <a:t>9/13/23</a:t>
             </a:fld>
             <a:endParaRPr lang="en-US"/>
           </a:p>
@@ -5250,7 +5254,7 @@
           <a:p>
             <a:fld id="{EC4347D3-4C9A-C240-8F14-750059DFEEB0}" type="datetimeFigureOut">
               <a:rPr lang="en-US" smtClean="0"/>
-              <a:t>9/11/23</a:t>
+              <a:t>9/13/23</a:t>
             </a:fld>
             <a:endParaRPr lang="en-US"/>
           </a:p>
@@ -5446,7 +5450,7 @@
           <a:p>
             <a:fld id="{EC4347D3-4C9A-C240-8F14-750059DFEEB0}" type="datetimeFigureOut">
               <a:rPr lang="en-US" smtClean="0"/>
-              <a:t>9/11/23</a:t>
+              <a:t>9/13/23</a:t>
             </a:fld>
             <a:endParaRPr lang="en-US"/>
           </a:p>
@@ -5709,7 +5713,7 @@
           <a:p>
             <a:fld id="{EC4347D3-4C9A-C240-8F14-750059DFEEB0}" type="datetimeFigureOut">
               <a:rPr lang="en-US" smtClean="0"/>
-              <a:t>9/11/23</a:t>
+              <a:t>9/13/23</a:t>
             </a:fld>
             <a:endParaRPr lang="en-US"/>
           </a:p>
@@ -6143,7 +6147,7 @@
           <a:p>
             <a:fld id="{EC4347D3-4C9A-C240-8F14-750059DFEEB0}" type="datetimeFigureOut">
               <a:rPr lang="en-US" smtClean="0"/>
-              <a:t>9/11/23</a:t>
+              <a:t>9/13/23</a:t>
             </a:fld>
             <a:endParaRPr lang="en-US"/>
           </a:p>
@@ -6689,7 +6693,7 @@
           <a:p>
             <a:fld id="{EC4347D3-4C9A-C240-8F14-750059DFEEB0}" type="datetimeFigureOut">
               <a:rPr lang="en-US" smtClean="0"/>
-              <a:t>9/11/23</a:t>
+              <a:t>9/13/23</a:t>
             </a:fld>
             <a:endParaRPr lang="en-US"/>
           </a:p>
@@ -7409,7 +7413,7 @@
           <a:p>
             <a:fld id="{EC4347D3-4C9A-C240-8F14-750059DFEEB0}" type="datetimeFigureOut">
               <a:rPr lang="en-US" smtClean="0"/>
-              <a:t>9/11/23</a:t>
+              <a:t>9/13/23</a:t>
             </a:fld>
             <a:endParaRPr lang="en-US"/>
           </a:p>
@@ -7579,7 +7583,7 @@
           <a:p>
             <a:fld id="{EC4347D3-4C9A-C240-8F14-750059DFEEB0}" type="datetimeFigureOut">
               <a:rPr lang="en-US" smtClean="0"/>
-              <a:t>9/11/23</a:t>
+              <a:t>9/13/23</a:t>
             </a:fld>
             <a:endParaRPr lang="en-US"/>
           </a:p>
@@ -7759,7 +7763,7 @@
           <a:p>
             <a:fld id="{EC4347D3-4C9A-C240-8F14-750059DFEEB0}" type="datetimeFigureOut">
               <a:rPr lang="en-US" smtClean="0"/>
-              <a:t>9/11/23</a:t>
+              <a:t>9/13/23</a:t>
             </a:fld>
             <a:endParaRPr lang="en-US"/>
           </a:p>
@@ -7929,7 +7933,7 @@
           <a:p>
             <a:fld id="{EC4347D3-4C9A-C240-8F14-750059DFEEB0}" type="datetimeFigureOut">
               <a:rPr lang="en-US" smtClean="0"/>
-              <a:t>9/11/23</a:t>
+              <a:t>9/13/23</a:t>
             </a:fld>
             <a:endParaRPr lang="en-US"/>
           </a:p>
@@ -8179,7 +8183,7 @@
           <a:p>
             <a:fld id="{EC4347D3-4C9A-C240-8F14-750059DFEEB0}" type="datetimeFigureOut">
               <a:rPr lang="en-US" smtClean="0"/>
-              <a:t>9/11/23</a:t>
+              <a:t>9/13/23</a:t>
             </a:fld>
             <a:endParaRPr lang="en-US"/>
           </a:p>
@@ -8411,7 +8415,7 @@
           <a:p>
             <a:fld id="{EC4347D3-4C9A-C240-8F14-750059DFEEB0}" type="datetimeFigureOut">
               <a:rPr lang="en-US" smtClean="0"/>
-              <a:t>9/11/23</a:t>
+              <a:t>9/13/23</a:t>
             </a:fld>
             <a:endParaRPr lang="en-US"/>
           </a:p>
@@ -8797,7 +8801,7 @@
           <a:p>
             <a:fld id="{EC4347D3-4C9A-C240-8F14-750059DFEEB0}" type="datetimeFigureOut">
               <a:rPr lang="en-US" smtClean="0"/>
-              <a:t>9/11/23</a:t>
+              <a:t>9/13/23</a:t>
             </a:fld>
             <a:endParaRPr lang="en-US"/>
           </a:p>
@@ -8920,7 +8924,7 @@
           <a:p>
             <a:fld id="{EC4347D3-4C9A-C240-8F14-750059DFEEB0}" type="datetimeFigureOut">
               <a:rPr lang="en-US" smtClean="0"/>
-              <a:t>9/11/23</a:t>
+              <a:t>9/13/23</a:t>
             </a:fld>
             <a:endParaRPr lang="en-US"/>
           </a:p>
@@ -9015,7 +9019,7 @@
           <a:p>
             <a:fld id="{EC4347D3-4C9A-C240-8F14-750059DFEEB0}" type="datetimeFigureOut">
               <a:rPr lang="en-US" smtClean="0"/>
-              <a:t>9/11/23</a:t>
+              <a:t>9/13/23</a:t>
             </a:fld>
             <a:endParaRPr lang="en-US"/>
           </a:p>
@@ -9264,7 +9268,7 @@
           <a:p>
             <a:fld id="{EC4347D3-4C9A-C240-8F14-750059DFEEB0}" type="datetimeFigureOut">
               <a:rPr lang="en-US" smtClean="0"/>
-              <a:t>9/11/23</a:t>
+              <a:t>9/13/23</a:t>
             </a:fld>
             <a:endParaRPr lang="en-US"/>
           </a:p>
@@ -9549,7 +9553,7 @@
           <a:p>
             <a:fld id="{EC4347D3-4C9A-C240-8F14-750059DFEEB0}" type="datetimeFigureOut">
               <a:rPr lang="en-US" smtClean="0"/>
-              <a:t>9/11/23</a:t>
+              <a:t>9/13/23</a:t>
             </a:fld>
             <a:endParaRPr lang="en-US"/>
           </a:p>
@@ -9672,7 +9676,7 @@
           <a:noFill/>
           <a:extLst>
             <a:ext uri="{909E8E84-426E-40dd-AFC4-6F175D3DCCD1}">
-              <a14:hiddenFill xmlns="" xmlns:a14="http://schemas.microsoft.com/office/drawing/2010/main">
+              <a14:hiddenFill xmlns:a14="http://schemas.microsoft.com/office/drawing/2010/main" xmlns="">
                 <a:solidFill>
                   <a:srgbClr val="FFFFFF"/>
                 </a:solidFill>
@@ -9746,7 +9750,7 @@
               </a:ln>
               <a:extLst>
                 <a:ext uri="{91240B29-F687-4f45-9708-019B960494DF}">
-                  <a14:hiddenLine xmlns="" xmlns:a14="http://schemas.microsoft.com/office/drawing/2010/main" w="9525">
+                  <a14:hiddenLine xmlns:a14="http://schemas.microsoft.com/office/drawing/2010/main" xmlns="" w="9525">
                     <a:solidFill>
                       <a:srgbClr val="000000"/>
                     </a:solidFill>
@@ -9836,7 +9840,7 @@
               </a:ln>
               <a:extLst>
                 <a:ext uri="{91240B29-F687-4f45-9708-019B960494DF}">
-                  <a14:hiddenLine xmlns="" xmlns:a14="http://schemas.microsoft.com/office/drawing/2010/main" w="9525">
+                  <a14:hiddenLine xmlns:a14="http://schemas.microsoft.com/office/drawing/2010/main" xmlns="" w="9525">
                     <a:solidFill>
                       <a:srgbClr val="000000"/>
                     </a:solidFill>
@@ -9926,7 +9930,7 @@
               </a:ln>
               <a:extLst>
                 <a:ext uri="{91240B29-F687-4f45-9708-019B960494DF}">
-                  <a14:hiddenLine xmlns="" xmlns:a14="http://schemas.microsoft.com/office/drawing/2010/main" w="9525">
+                  <a14:hiddenLine xmlns:a14="http://schemas.microsoft.com/office/drawing/2010/main" xmlns="" w="9525">
                     <a:solidFill>
                       <a:srgbClr val="000000"/>
                     </a:solidFill>
@@ -9988,7 +9992,7 @@
               </a:ln>
               <a:extLst>
                 <a:ext uri="{91240B29-F687-4f45-9708-019B960494DF}">
-                  <a14:hiddenLine xmlns="" xmlns:a14="http://schemas.microsoft.com/office/drawing/2010/main" w="9525">
+                  <a14:hiddenLine xmlns:a14="http://schemas.microsoft.com/office/drawing/2010/main" xmlns="" w="9525">
                     <a:solidFill>
                       <a:srgbClr val="000000"/>
                     </a:solidFill>
@@ -10078,7 +10082,7 @@
               </a:ln>
               <a:extLst>
                 <a:ext uri="{91240B29-F687-4f45-9708-019B960494DF}">
-                  <a14:hiddenLine xmlns="" xmlns:a14="http://schemas.microsoft.com/office/drawing/2010/main" w="9525">
+                  <a14:hiddenLine xmlns:a14="http://schemas.microsoft.com/office/drawing/2010/main" xmlns="" w="9525">
                     <a:solidFill>
                       <a:srgbClr val="000000"/>
                     </a:solidFill>
@@ -10140,7 +10144,7 @@
               </a:ln>
               <a:extLst>
                 <a:ext uri="{91240B29-F687-4f45-9708-019B960494DF}">
-                  <a14:hiddenLine xmlns="" xmlns:a14="http://schemas.microsoft.com/office/drawing/2010/main" w="9525">
+                  <a14:hiddenLine xmlns:a14="http://schemas.microsoft.com/office/drawing/2010/main" xmlns="" w="9525">
                     <a:solidFill>
                       <a:srgbClr val="000000"/>
                     </a:solidFill>
@@ -10202,7 +10206,7 @@
               </a:ln>
               <a:extLst>
                 <a:ext uri="{91240B29-F687-4f45-9708-019B960494DF}">
-                  <a14:hiddenLine xmlns="" xmlns:a14="http://schemas.microsoft.com/office/drawing/2010/main" w="9525">
+                  <a14:hiddenLine xmlns:a14="http://schemas.microsoft.com/office/drawing/2010/main" xmlns="" w="9525">
                     <a:solidFill>
                       <a:srgbClr val="000000"/>
                     </a:solidFill>
@@ -10292,7 +10296,7 @@
               </a:ln>
               <a:extLst>
                 <a:ext uri="{91240B29-F687-4f45-9708-019B960494DF}">
-                  <a14:hiddenLine xmlns="" xmlns:a14="http://schemas.microsoft.com/office/drawing/2010/main" w="9525">
+                  <a14:hiddenLine xmlns:a14="http://schemas.microsoft.com/office/drawing/2010/main" xmlns="" w="9525">
                     <a:solidFill>
                       <a:srgbClr val="000000"/>
                     </a:solidFill>
@@ -10382,7 +10386,7 @@
               </a:ln>
               <a:extLst>
                 <a:ext uri="{91240B29-F687-4f45-9708-019B960494DF}">
-                  <a14:hiddenLine xmlns="" xmlns:a14="http://schemas.microsoft.com/office/drawing/2010/main" w="9525">
+                  <a14:hiddenLine xmlns:a14="http://schemas.microsoft.com/office/drawing/2010/main" xmlns="" w="9525">
                     <a:solidFill>
                       <a:srgbClr val="000000"/>
                     </a:solidFill>
@@ -10444,7 +10448,7 @@
               </a:ln>
               <a:extLst>
                 <a:ext uri="{91240B29-F687-4f45-9708-019B960494DF}">
-                  <a14:hiddenLine xmlns="" xmlns:a14="http://schemas.microsoft.com/office/drawing/2010/main" w="9525">
+                  <a14:hiddenLine xmlns:a14="http://schemas.microsoft.com/office/drawing/2010/main" xmlns="" w="9525">
                     <a:solidFill>
                       <a:srgbClr val="000000"/>
                     </a:solidFill>
@@ -10554,7 +10558,7 @@
               </a:ln>
               <a:extLst>
                 <a:ext uri="{91240B29-F687-4f45-9708-019B960494DF}">
-                  <a14:hiddenLine xmlns="" xmlns:a14="http://schemas.microsoft.com/office/drawing/2010/main" w="9525">
+                  <a14:hiddenLine xmlns:a14="http://schemas.microsoft.com/office/drawing/2010/main" xmlns="" w="9525">
                     <a:solidFill>
                       <a:srgbClr val="000000"/>
                     </a:solidFill>
@@ -10638,7 +10642,7 @@
               </a:ln>
               <a:extLst>
                 <a:ext uri="{91240B29-F687-4f45-9708-019B960494DF}">
-                  <a14:hiddenLine xmlns="" xmlns:a14="http://schemas.microsoft.com/office/drawing/2010/main" w="9525">
+                  <a14:hiddenLine xmlns:a14="http://schemas.microsoft.com/office/drawing/2010/main" xmlns="" w="9525">
                     <a:solidFill>
                       <a:srgbClr val="000000"/>
                     </a:solidFill>
@@ -10700,7 +10704,7 @@
               </a:ln>
               <a:extLst>
                 <a:ext uri="{91240B29-F687-4f45-9708-019B960494DF}">
-                  <a14:hiddenLine xmlns="" xmlns:a14="http://schemas.microsoft.com/office/drawing/2010/main" w="9525">
+                  <a14:hiddenLine xmlns:a14="http://schemas.microsoft.com/office/drawing/2010/main" xmlns="" w="9525">
                     <a:solidFill>
                       <a:srgbClr val="000000"/>
                     </a:solidFill>
@@ -10762,7 +10766,7 @@
               </a:ln>
               <a:extLst>
                 <a:ext uri="{91240B29-F687-4f45-9708-019B960494DF}">
-                  <a14:hiddenLine xmlns="" xmlns:a14="http://schemas.microsoft.com/office/drawing/2010/main" w="9525">
+                  <a14:hiddenLine xmlns:a14="http://schemas.microsoft.com/office/drawing/2010/main" xmlns="" w="9525">
                     <a:solidFill>
                       <a:srgbClr val="000000"/>
                     </a:solidFill>
@@ -10852,7 +10856,7 @@
               </a:ln>
               <a:extLst>
                 <a:ext uri="{91240B29-F687-4f45-9708-019B960494DF}">
-                  <a14:hiddenLine xmlns="" xmlns:a14="http://schemas.microsoft.com/office/drawing/2010/main" w="9525">
+                  <a14:hiddenLine xmlns:a14="http://schemas.microsoft.com/office/drawing/2010/main" xmlns="" w="9525">
                     <a:solidFill>
                       <a:srgbClr val="000000"/>
                     </a:solidFill>
@@ -10886,7 +10890,7 @@
               </a:ln>
               <a:extLst>
                 <a:ext uri="{91240B29-F687-4f45-9708-019B960494DF}">
-                  <a14:hiddenLine xmlns="" xmlns:a14="http://schemas.microsoft.com/office/drawing/2010/main" w="9525">
+                  <a14:hiddenLine xmlns:a14="http://schemas.microsoft.com/office/drawing/2010/main" xmlns="" w="9525">
                     <a:solidFill>
                       <a:srgbClr val="000000"/>
                     </a:solidFill>
@@ -10951,7 +10955,7 @@
               </a:ln>
               <a:extLst>
                 <a:ext uri="{91240B29-F687-4f45-9708-019B960494DF}">
-                  <a14:hiddenLine xmlns="" xmlns:a14="http://schemas.microsoft.com/office/drawing/2010/main" w="9525">
+                  <a14:hiddenLine xmlns:a14="http://schemas.microsoft.com/office/drawing/2010/main" xmlns="" w="9525">
                     <a:solidFill>
                       <a:srgbClr val="000000"/>
                     </a:solidFill>
@@ -11041,7 +11045,7 @@
               </a:ln>
               <a:extLst>
                 <a:ext uri="{91240B29-F687-4f45-9708-019B960494DF}">
-                  <a14:hiddenLine xmlns="" xmlns:a14="http://schemas.microsoft.com/office/drawing/2010/main" w="9525">
+                  <a14:hiddenLine xmlns:a14="http://schemas.microsoft.com/office/drawing/2010/main" xmlns="" w="9525">
                     <a:solidFill>
                       <a:srgbClr val="000000"/>
                     </a:solidFill>
@@ -11103,7 +11107,7 @@
               </a:ln>
               <a:extLst>
                 <a:ext uri="{91240B29-F687-4f45-9708-019B960494DF}">
-                  <a14:hiddenLine xmlns="" xmlns:a14="http://schemas.microsoft.com/office/drawing/2010/main" w="9525">
+                  <a14:hiddenLine xmlns:a14="http://schemas.microsoft.com/office/drawing/2010/main" xmlns="" w="9525">
                     <a:solidFill>
                       <a:srgbClr val="000000"/>
                     </a:solidFill>
@@ -11193,7 +11197,7 @@
               </a:ln>
               <a:extLst>
                 <a:ext uri="{91240B29-F687-4f45-9708-019B960494DF}">
-                  <a14:hiddenLine xmlns="" xmlns:a14="http://schemas.microsoft.com/office/drawing/2010/main" w="9525">
+                  <a14:hiddenLine xmlns:a14="http://schemas.microsoft.com/office/drawing/2010/main" xmlns="" w="9525">
                     <a:solidFill>
                       <a:srgbClr val="000000"/>
                     </a:solidFill>
@@ -11258,7 +11262,7 @@
               </a:ln>
               <a:extLst>
                 <a:ext uri="{91240B29-F687-4f45-9708-019B960494DF}">
-                  <a14:hiddenLine xmlns="" xmlns:a14="http://schemas.microsoft.com/office/drawing/2010/main" w="9525">
+                  <a14:hiddenLine xmlns:a14="http://schemas.microsoft.com/office/drawing/2010/main" xmlns="" w="9525">
                     <a:solidFill>
                       <a:srgbClr val="000000"/>
                     </a:solidFill>
@@ -11320,7 +11324,7 @@
               </a:ln>
               <a:extLst>
                 <a:ext uri="{91240B29-F687-4f45-9708-019B960494DF}">
-                  <a14:hiddenLine xmlns="" xmlns:a14="http://schemas.microsoft.com/office/drawing/2010/main" w="9525">
+                  <a14:hiddenLine xmlns:a14="http://schemas.microsoft.com/office/drawing/2010/main" xmlns="" w="9525">
                     <a:solidFill>
                       <a:srgbClr val="000000"/>
                     </a:solidFill>
@@ -11410,7 +11414,7 @@
               </a:ln>
               <a:extLst>
                 <a:ext uri="{91240B29-F687-4f45-9708-019B960494DF}">
-                  <a14:hiddenLine xmlns="" xmlns:a14="http://schemas.microsoft.com/office/drawing/2010/main" w="9525">
+                  <a14:hiddenLine xmlns:a14="http://schemas.microsoft.com/office/drawing/2010/main" xmlns="" w="9525">
                     <a:solidFill>
                       <a:srgbClr val="000000"/>
                     </a:solidFill>
@@ -11500,7 +11504,7 @@
               </a:ln>
               <a:extLst>
                 <a:ext uri="{91240B29-F687-4f45-9708-019B960494DF}">
-                  <a14:hiddenLine xmlns="" xmlns:a14="http://schemas.microsoft.com/office/drawing/2010/main" w="9525">
+                  <a14:hiddenLine xmlns:a14="http://schemas.microsoft.com/office/drawing/2010/main" xmlns="" w="9525">
                     <a:solidFill>
                       <a:srgbClr val="000000"/>
                     </a:solidFill>
@@ -11565,7 +11569,7 @@
               </a:ln>
               <a:extLst>
                 <a:ext uri="{91240B29-F687-4f45-9708-019B960494DF}">
-                  <a14:hiddenLine xmlns="" xmlns:a14="http://schemas.microsoft.com/office/drawing/2010/main" w="9525">
+                  <a14:hiddenLine xmlns:a14="http://schemas.microsoft.com/office/drawing/2010/main" xmlns="" w="9525">
                     <a:solidFill>
                       <a:srgbClr val="000000"/>
                     </a:solidFill>
@@ -11685,7 +11689,7 @@
               </a:ln>
               <a:extLst>
                 <a:ext uri="{91240B29-F687-4f45-9708-019B960494DF}">
-                  <a14:hiddenLine xmlns="" xmlns:a14="http://schemas.microsoft.com/office/drawing/2010/main" w="9525">
+                  <a14:hiddenLine xmlns:a14="http://schemas.microsoft.com/office/drawing/2010/main" xmlns="" w="9525">
                     <a:solidFill>
                       <a:srgbClr val="000000"/>
                     </a:solidFill>
@@ -11766,7 +11770,7 @@
               </a:ln>
               <a:extLst>
                 <a:ext uri="{91240B29-F687-4f45-9708-019B960494DF}">
-                  <a14:hiddenLine xmlns="" xmlns:a14="http://schemas.microsoft.com/office/drawing/2010/main" w="9525">
+                  <a14:hiddenLine xmlns:a14="http://schemas.microsoft.com/office/drawing/2010/main" xmlns="" w="9525">
                     <a:solidFill>
                       <a:srgbClr val="000000"/>
                     </a:solidFill>
@@ -11881,7 +11885,7 @@
               </a:ln>
               <a:extLst>
                 <a:ext uri="{91240B29-F687-4f45-9708-019B960494DF}">
-                  <a14:hiddenLine xmlns="" xmlns:a14="http://schemas.microsoft.com/office/drawing/2010/main" w="9525">
+                  <a14:hiddenLine xmlns:a14="http://schemas.microsoft.com/office/drawing/2010/main" xmlns="" w="9525">
                     <a:solidFill>
                       <a:srgbClr val="000000"/>
                     </a:solidFill>
@@ -11971,7 +11975,7 @@
               </a:ln>
               <a:extLst>
                 <a:ext uri="{91240B29-F687-4f45-9708-019B960494DF}">
-                  <a14:hiddenLine xmlns="" xmlns:a14="http://schemas.microsoft.com/office/drawing/2010/main" w="9525">
+                  <a14:hiddenLine xmlns:a14="http://schemas.microsoft.com/office/drawing/2010/main" xmlns="" w="9525">
                     <a:solidFill>
                       <a:srgbClr val="000000"/>
                     </a:solidFill>
@@ -12036,7 +12040,7 @@
               </a:ln>
               <a:extLst>
                 <a:ext uri="{91240B29-F687-4f45-9708-019B960494DF}">
-                  <a14:hiddenLine xmlns="" xmlns:a14="http://schemas.microsoft.com/office/drawing/2010/main" w="9525">
+                  <a14:hiddenLine xmlns:a14="http://schemas.microsoft.com/office/drawing/2010/main" xmlns="" w="9525">
                     <a:solidFill>
                       <a:srgbClr val="000000"/>
                     </a:solidFill>
@@ -12126,7 +12130,7 @@
               </a:ln>
               <a:extLst>
                 <a:ext uri="{91240B29-F687-4f45-9708-019B960494DF}">
-                  <a14:hiddenLine xmlns="" xmlns:a14="http://schemas.microsoft.com/office/drawing/2010/main" w="9525">
+                  <a14:hiddenLine xmlns:a14="http://schemas.microsoft.com/office/drawing/2010/main" xmlns="" w="9525">
                     <a:solidFill>
                       <a:srgbClr val="000000"/>
                     </a:solidFill>
@@ -12194,7 +12198,7 @@
               </a:ln>
               <a:extLst>
                 <a:ext uri="{91240B29-F687-4f45-9708-019B960494DF}">
-                  <a14:hiddenLine xmlns="" xmlns:a14="http://schemas.microsoft.com/office/drawing/2010/main" w="9525">
+                  <a14:hiddenLine xmlns:a14="http://schemas.microsoft.com/office/drawing/2010/main" xmlns="" w="9525">
                     <a:solidFill>
                       <a:srgbClr val="000000"/>
                     </a:solidFill>
@@ -12284,7 +12288,7 @@
               </a:ln>
               <a:extLst>
                 <a:ext uri="{91240B29-F687-4f45-9708-019B960494DF}">
-                  <a14:hiddenLine xmlns="" xmlns:a14="http://schemas.microsoft.com/office/drawing/2010/main" w="9525">
+                  <a14:hiddenLine xmlns:a14="http://schemas.microsoft.com/office/drawing/2010/main" xmlns="" w="9525">
                     <a:solidFill>
                       <a:srgbClr val="000000"/>
                     </a:solidFill>
@@ -12352,7 +12356,7 @@
               </a:ln>
               <a:extLst>
                 <a:ext uri="{91240B29-F687-4f45-9708-019B960494DF}">
-                  <a14:hiddenLine xmlns="" xmlns:a14="http://schemas.microsoft.com/office/drawing/2010/main" w="9525">
+                  <a14:hiddenLine xmlns:a14="http://schemas.microsoft.com/office/drawing/2010/main" xmlns="" w="9525">
                     <a:solidFill>
                       <a:srgbClr val="000000"/>
                     </a:solidFill>
@@ -12442,7 +12446,7 @@
               </a:ln>
               <a:extLst>
                 <a:ext uri="{91240B29-F687-4f45-9708-019B960494DF}">
-                  <a14:hiddenLine xmlns="" xmlns:a14="http://schemas.microsoft.com/office/drawing/2010/main" w="9525">
+                  <a14:hiddenLine xmlns:a14="http://schemas.microsoft.com/office/drawing/2010/main" xmlns="" w="9525">
                     <a:solidFill>
                       <a:srgbClr val="000000"/>
                     </a:solidFill>
@@ -12476,7 +12480,7 @@
               </a:ln>
               <a:extLst>
                 <a:ext uri="{91240B29-F687-4f45-9708-019B960494DF}">
-                  <a14:hiddenLine xmlns="" xmlns:a14="http://schemas.microsoft.com/office/drawing/2010/main" w="9525">
+                  <a14:hiddenLine xmlns:a14="http://schemas.microsoft.com/office/drawing/2010/main" xmlns="" w="9525">
                     <a:solidFill>
                       <a:srgbClr val="000000"/>
                     </a:solidFill>
@@ -12616,7 +12620,7 @@
           <a:p>
             <a:fld id="{EC4347D3-4C9A-C240-8F14-750059DFEEB0}" type="datetimeFigureOut">
               <a:rPr lang="en-US" smtClean="0"/>
-              <a:t>9/11/23</a:t>
+              <a:t>9/13/23</a:t>
             </a:fld>
             <a:endParaRPr lang="en-US"/>
           </a:p>
@@ -14130,8 +14134,8 @@
           </a:p>
         </p:txBody>
       </p:sp>
-      <mc:AlternateContent xmlns:mc="http://schemas.openxmlformats.org/markup-compatibility/2006" xmlns:a14="http://schemas.microsoft.com/office/drawing/2010/main">
-        <mc:Choice Requires="a14">
+      <mc:AlternateContent xmlns:mc="http://schemas.openxmlformats.org/markup-compatibility/2006">
+        <mc:Choice xmlns:a14="http://schemas.microsoft.com/office/drawing/2010/main" Requires="a14">
           <p:sp>
             <p:nvSpPr>
               <p:cNvPr id="3" name="Content Placeholder 2">
@@ -14815,6 +14819,24 @@
                         </a:solidFill>
                         <a:latin typeface="Cambria Math" panose="02040503050406030204" pitchFamily="18" charset="0"/>
                       </a:rPr>
+                      <m:t>,</m:t>
+                    </m:r>
+                    <m:r>
+                      <a:rPr lang="en-US" sz="1800" b="0" i="1" smtClean="0">
+                        <a:solidFill>
+                          <a:schemeClr val="bg1"/>
+                        </a:solidFill>
+                        <a:latin typeface="Cambria Math" panose="02040503050406030204" pitchFamily="18" charset="0"/>
+                      </a:rPr>
+                      <m:t>𝑆</m:t>
+                    </m:r>
+                    <m:r>
+                      <a:rPr lang="en-US" sz="1800" b="0" i="1" smtClean="0">
+                        <a:solidFill>
+                          <a:schemeClr val="bg1"/>
+                        </a:solidFill>
+                        <a:latin typeface="Cambria Math" panose="02040503050406030204" pitchFamily="18" charset="0"/>
+                      </a:rPr>
                       <m:t>}</m:t>
                     </m:r>
                   </m:oMath>
@@ -15124,7 +15146,7 @@
             </p:txBody>
           </p:sp>
         </mc:Choice>
-        <mc:Fallback xmlns="">
+        <mc:Fallback>
           <p:sp>
             <p:nvSpPr>
               <p:cNvPr id="3" name="Content Placeholder 2">
@@ -15149,7 +15171,7 @@
               <a:blipFill>
                 <a:blip r:embed="rId2"/>
                 <a:stretch>
-                  <a:fillRect l="-1066"/>
+                  <a:fillRect l="-1066" r="-213"/>
                 </a:stretch>
               </a:blipFill>
             </p:spPr>
@@ -15647,7 +15669,67 @@
                   </a:schemeClr>
                 </a:solidFill>
               </a:rPr>
-              <a:t>L and R here represent moving the head left or right</a:t>
+              <a:t>L, R, S here represent moving the head </a:t>
+            </a:r>
+            <a:r>
+              <a:rPr lang="en-US" sz="1800" b="1" i="1" dirty="0">
+                <a:solidFill>
+                  <a:schemeClr val="tx1">
+                    <a:lumMod val="95000"/>
+                  </a:schemeClr>
+                </a:solidFill>
+              </a:rPr>
+              <a:t>left</a:t>
+            </a:r>
+            <a:r>
+              <a:rPr lang="en-US" sz="1800" i="1" dirty="0">
+                <a:solidFill>
+                  <a:schemeClr val="tx1">
+                    <a:lumMod val="95000"/>
+                  </a:schemeClr>
+                </a:solidFill>
+              </a:rPr>
+              <a:t> or </a:t>
+            </a:r>
+            <a:r>
+              <a:rPr lang="en-US" sz="1800" b="1" i="1" dirty="0">
+                <a:solidFill>
+                  <a:schemeClr val="tx1">
+                    <a:lumMod val="95000"/>
+                  </a:schemeClr>
+                </a:solidFill>
+              </a:rPr>
+              <a:t>right</a:t>
+            </a:r>
+            <a:r>
+              <a:rPr lang="en-US" sz="1800" i="1" dirty="0">
+                <a:solidFill>
+                  <a:schemeClr val="tx1">
+                    <a:lumMod val="95000"/>
+                  </a:schemeClr>
+                </a:solidFill>
+              </a:rPr>
+              <a:t> or </a:t>
+            </a:r>
+            <a:r>
+              <a:rPr lang="en-US" sz="1800" b="1" i="1" dirty="0">
+                <a:solidFill>
+                  <a:schemeClr val="tx1">
+                    <a:lumMod val="95000"/>
+                  </a:schemeClr>
+                </a:solidFill>
+              </a:rPr>
+              <a:t>staying</a:t>
+            </a:r>
+            <a:r>
+              <a:rPr lang="en-US" sz="1800" i="1" dirty="0">
+                <a:solidFill>
+                  <a:schemeClr val="tx1">
+                    <a:lumMod val="95000"/>
+                  </a:schemeClr>
+                </a:solidFill>
+              </a:rPr>
+              <a:t> still</a:t>
             </a:r>
           </a:p>
         </p:txBody>
@@ -16025,8 +16107,8 @@
           </a:p>
         </p:txBody>
       </p:sp>
-      <mc:AlternateContent xmlns:mc="http://schemas.openxmlformats.org/markup-compatibility/2006" xmlns:a14="http://schemas.microsoft.com/office/drawing/2010/main">
-        <mc:Choice Requires="a14">
+      <mc:AlternateContent xmlns:mc="http://schemas.openxmlformats.org/markup-compatibility/2006">
+        <mc:Choice xmlns:a14="http://schemas.microsoft.com/office/drawing/2010/main" Requires="a14">
           <p:sp>
             <p:nvSpPr>
               <p:cNvPr id="3" name="Content Placeholder 2">
@@ -16195,6 +16277,24 @@
                         </a:solidFill>
                         <a:latin typeface="Cambria Math" panose="02040503050406030204" pitchFamily="18" charset="0"/>
                       </a:rPr>
+                      <m:t>,</m:t>
+                    </m:r>
+                    <m:r>
+                      <a:rPr lang="en-US" sz="2200" b="0" i="1" smtClean="0">
+                        <a:solidFill>
+                          <a:schemeClr val="bg1"/>
+                        </a:solidFill>
+                        <a:latin typeface="Cambria Math" panose="02040503050406030204" pitchFamily="18" charset="0"/>
+                      </a:rPr>
+                      <m:t>𝑆</m:t>
+                    </m:r>
+                    <m:r>
+                      <a:rPr lang="en-US" sz="2200" b="0" i="1" smtClean="0">
+                        <a:solidFill>
+                          <a:schemeClr val="bg1"/>
+                        </a:solidFill>
+                        <a:latin typeface="Cambria Math" panose="02040503050406030204" pitchFamily="18" charset="0"/>
+                      </a:rPr>
                       <m:t>}</m:t>
                     </m:r>
                   </m:oMath>
@@ -16211,7 +16311,7 @@
             </p:txBody>
           </p:sp>
         </mc:Choice>
-        <mc:Fallback xmlns="">
+        <mc:Fallback>
           <p:sp>
             <p:nvSpPr>
               <p:cNvPr id="3" name="Content Placeholder 2">
@@ -16784,7 +16884,7 @@
                   </a:schemeClr>
                 </a:solidFill>
               </a:rPr>
-              <a:t>Head will move Left or Right one space (optional)</a:t>
+              <a:t>Head will move Left or Right (or S for staying put)</a:t>
             </a:r>
           </a:p>
           <a:p>
@@ -24101,8 +24201,8 @@
           </a:p>
         </p:txBody>
       </p:sp>
-      <mc:AlternateContent xmlns:mc="http://schemas.openxmlformats.org/markup-compatibility/2006">
-        <mc:Choice xmlns:a14="http://schemas.microsoft.com/office/drawing/2010/main" Requires="a14">
+      <mc:AlternateContent xmlns:mc="http://schemas.openxmlformats.org/markup-compatibility/2006" xmlns:a14="http://schemas.microsoft.com/office/drawing/2010/main">
+        <mc:Choice Requires="a14">
           <p:sp>
             <p:nvSpPr>
               <p:cNvPr id="3" name="Content Placeholder 2">
@@ -24430,7 +24530,7 @@
             </p:txBody>
           </p:sp>
         </mc:Choice>
-        <mc:Fallback>
+        <mc:Fallback xmlns="">
           <p:sp>
             <p:nvSpPr>
               <p:cNvPr id="3" name="Content Placeholder 2">
@@ -24538,8 +24638,8 @@
           </a:p>
         </p:txBody>
       </p:sp>
-      <mc:AlternateContent xmlns:mc="http://schemas.openxmlformats.org/markup-compatibility/2006">
-        <mc:Choice xmlns:a14="http://schemas.microsoft.com/office/drawing/2010/main" Requires="a14">
+      <mc:AlternateContent xmlns:mc="http://schemas.openxmlformats.org/markup-compatibility/2006" xmlns:a14="http://schemas.microsoft.com/office/drawing/2010/main">
+        <mc:Choice Requires="a14">
           <p:sp>
             <p:nvSpPr>
               <p:cNvPr id="3" name="Content Placeholder 2">
@@ -24867,7 +24967,7 @@
             </p:txBody>
           </p:sp>
         </mc:Choice>
-        <mc:Fallback>
+        <mc:Fallback xmlns="">
           <p:sp>
             <p:nvSpPr>
               <p:cNvPr id="3" name="Content Placeholder 2">
@@ -24911,8 +25011,8 @@
           </p:sp>
         </mc:Fallback>
       </mc:AlternateContent>
-      <mc:AlternateContent xmlns:mc="http://schemas.openxmlformats.org/markup-compatibility/2006">
-        <mc:Choice xmlns:a14="http://schemas.microsoft.com/office/drawing/2010/main" Requires="a14">
+      <mc:AlternateContent xmlns:mc="http://schemas.openxmlformats.org/markup-compatibility/2006" xmlns:a14="http://schemas.microsoft.com/office/drawing/2010/main">
+        <mc:Choice Requires="a14">
           <p:sp>
             <p:nvSpPr>
               <p:cNvPr id="6" name="Content Placeholder 2">
@@ -25460,7 +25560,7 @@
             </p:txBody>
           </p:sp>
         </mc:Choice>
-        <mc:Fallback>
+        <mc:Fallback xmlns="">
           <p:sp>
             <p:nvSpPr>
               <p:cNvPr id="6" name="Content Placeholder 2">
@@ -25569,8 +25669,8 @@
           </a:p>
         </p:txBody>
       </p:sp>
-      <mc:AlternateContent xmlns:mc="http://schemas.openxmlformats.org/markup-compatibility/2006">
-        <mc:Choice xmlns:a14="http://schemas.microsoft.com/office/drawing/2010/main" Requires="a14">
+      <mc:AlternateContent xmlns:mc="http://schemas.openxmlformats.org/markup-compatibility/2006" xmlns:a14="http://schemas.microsoft.com/office/drawing/2010/main">
+        <mc:Choice Requires="a14">
           <p:sp>
             <p:nvSpPr>
               <p:cNvPr id="3" name="Content Placeholder 2">
@@ -26088,7 +26188,7 @@
             </p:txBody>
           </p:sp>
         </mc:Choice>
-        <mc:Fallback>
+        <mc:Fallback xmlns="">
           <p:sp>
             <p:nvSpPr>
               <p:cNvPr id="3" name="Content Placeholder 2">
@@ -26196,8 +26296,8 @@
           </a:p>
         </p:txBody>
       </p:sp>
-      <mc:AlternateContent xmlns:mc="http://schemas.openxmlformats.org/markup-compatibility/2006">
-        <mc:Choice xmlns:a14="http://schemas.microsoft.com/office/drawing/2010/main" Requires="a14">
+      <mc:AlternateContent xmlns:mc="http://schemas.openxmlformats.org/markup-compatibility/2006" xmlns:a14="http://schemas.microsoft.com/office/drawing/2010/main">
+        <mc:Choice Requires="a14">
           <p:sp>
             <p:nvSpPr>
               <p:cNvPr id="3" name="Content Placeholder 2">
@@ -26715,7 +26815,7 @@
             </p:txBody>
           </p:sp>
         </mc:Choice>
-        <mc:Fallback>
+        <mc:Fallback xmlns="">
           <p:sp>
             <p:nvSpPr>
               <p:cNvPr id="3" name="Content Placeholder 2">
@@ -30461,8 +30561,8 @@
           </a:p>
         </p:txBody>
       </p:sp>
-      <mc:AlternateContent xmlns:mc="http://schemas.openxmlformats.org/markup-compatibility/2006">
-        <mc:Choice xmlns:a14="http://schemas.microsoft.com/office/drawing/2010/main" Requires="a14">
+      <mc:AlternateContent xmlns:mc="http://schemas.openxmlformats.org/markup-compatibility/2006" xmlns:a14="http://schemas.microsoft.com/office/drawing/2010/main">
+        <mc:Choice Requires="a14">
           <p:sp>
             <p:nvSpPr>
               <p:cNvPr id="20" name="Content Placeholder 2">
@@ -30698,7 +30798,7 @@
             </p:txBody>
           </p:sp>
         </mc:Choice>
-        <mc:Fallback>
+        <mc:Fallback xmlns="">
           <p:sp>
             <p:nvSpPr>
               <p:cNvPr id="20" name="Content Placeholder 2">
@@ -31617,8 +31717,8 @@
           </a:p>
         </p:txBody>
       </p:sp>
-      <mc:AlternateContent xmlns:mc="http://schemas.openxmlformats.org/markup-compatibility/2006">
-        <mc:Choice xmlns:a14="http://schemas.microsoft.com/office/drawing/2010/main" Requires="a14">
+      <mc:AlternateContent xmlns:mc="http://schemas.openxmlformats.org/markup-compatibility/2006" xmlns:a14="http://schemas.microsoft.com/office/drawing/2010/main">
+        <mc:Choice Requires="a14">
           <p:sp>
             <p:nvSpPr>
               <p:cNvPr id="6" name="Content Placeholder 2">
@@ -32028,7 +32128,7 @@
             </p:txBody>
           </p:sp>
         </mc:Choice>
-        <mc:Fallback>
+        <mc:Fallback xmlns="">
           <p:sp>
             <p:nvSpPr>
               <p:cNvPr id="6" name="Content Placeholder 2">
@@ -35077,8 +35177,8 @@
           </a:p>
         </p:txBody>
       </p:sp>
-      <mc:AlternateContent xmlns:mc="http://schemas.openxmlformats.org/markup-compatibility/2006">
-        <mc:Choice xmlns:a14="http://schemas.microsoft.com/office/drawing/2010/main" Requires="a14">
+      <mc:AlternateContent xmlns:mc="http://schemas.openxmlformats.org/markup-compatibility/2006" xmlns:a14="http://schemas.microsoft.com/office/drawing/2010/main">
+        <mc:Choice Requires="a14">
           <p:sp>
             <p:nvSpPr>
               <p:cNvPr id="3" name="Content Placeholder 2">
@@ -35596,7 +35696,7 @@
             </p:txBody>
           </p:sp>
         </mc:Choice>
-        <mc:Fallback>
+        <mc:Fallback xmlns="">
           <p:sp>
             <p:nvSpPr>
               <p:cNvPr id="3" name="Content Placeholder 2">
@@ -35640,8 +35740,8 @@
           </p:sp>
         </mc:Fallback>
       </mc:AlternateContent>
-      <mc:AlternateContent xmlns:mc="http://schemas.openxmlformats.org/markup-compatibility/2006">
-        <mc:Choice xmlns:a14="http://schemas.microsoft.com/office/drawing/2010/main" Requires="a14">
+      <mc:AlternateContent xmlns:mc="http://schemas.openxmlformats.org/markup-compatibility/2006" xmlns:a14="http://schemas.microsoft.com/office/drawing/2010/main">
+        <mc:Choice Requires="a14">
           <p:sp>
             <p:nvSpPr>
               <p:cNvPr id="6" name="Content Placeholder 2">
@@ -36106,7 +36206,7 @@
             </p:txBody>
           </p:sp>
         </mc:Choice>
-        <mc:Fallback>
+        <mc:Fallback xmlns="">
           <p:sp>
             <p:nvSpPr>
               <p:cNvPr id="6" name="Content Placeholder 2">
@@ -36364,7 +36464,7 @@
           <a:bodyPr/>
           <a:lstStyle/>
           <a:p>
-            <a:pPr marL="0" indent="0">
+            <a:pPr marL="0" indent="0" algn="ctr">
               <a:buNone/>
             </a:pPr>
             <a:r>
@@ -36394,8 +36494,8 @@
         </p:nvSpPr>
         <p:spPr>
           <a:xfrm>
-            <a:off x="1141412" y="2888722"/>
-            <a:ext cx="9905999" cy="1089328"/>
+            <a:off x="3142981" y="2970201"/>
+            <a:ext cx="5902860" cy="2914549"/>
           </a:xfrm>
           <a:prstGeom prst="rect">
             <a:avLst/>
@@ -36585,14 +36685,59 @@
               <a:buNone/>
             </a:pPr>
             <a:r>
-              <a:rPr lang="en-US" dirty="0">
+              <a:rPr lang="en-US" b="1" i="1" u="sng" dirty="0">
                 <a:solidFill>
                   <a:schemeClr val="tx1">
                     <a:lumMod val="95000"/>
                   </a:schemeClr>
                 </a:solidFill>
               </a:rPr>
-              <a:t>…………</a:t>
+              <a:t>Some we will see</a:t>
+            </a:r>
+            <a:r>
+              <a:rPr lang="en-US" dirty="0">
+                <a:solidFill>
+                  <a:schemeClr val="tx1">
+                    <a:lumMod val="95000"/>
+                  </a:schemeClr>
+                </a:solidFill>
+              </a:rPr>
+              <a:t>:</a:t>
+            </a:r>
+          </a:p>
+          <a:p>
+            <a:pPr marL="0" indent="0">
+              <a:buFont typeface="Arial" panose="020B0604020202020204" pitchFamily="34" charset="0"/>
+              <a:buNone/>
+            </a:pPr>
+            <a:r>
+              <a:rPr lang="en-US" dirty="0">
+                <a:solidFill>
+                  <a:schemeClr val="tx1">
+                    <a:lumMod val="95000"/>
+                  </a:schemeClr>
+                </a:solidFill>
+              </a:rPr>
+              <a:t>	Turing machines with multiple tapes</a:t>
+            </a:r>
+            <a:br>
+              <a:rPr lang="en-US" dirty="0">
+                <a:solidFill>
+                  <a:schemeClr val="tx1">
+                    <a:lumMod val="95000"/>
+                  </a:schemeClr>
+                </a:solidFill>
+              </a:rPr>
+            </a:br>
+            <a:r>
+              <a:rPr lang="en-US" dirty="0">
+                <a:solidFill>
+                  <a:schemeClr val="tx1">
+                    <a:lumMod val="95000"/>
+                  </a:schemeClr>
+                </a:solidFill>
+              </a:rPr>
+              <a:t>	Non-deterministic Turing Machines</a:t>
             </a:r>
           </a:p>
         </p:txBody>
@@ -36683,7 +36828,7 @@
         </p:nvSpPr>
         <p:spPr>
           <a:xfrm>
-            <a:off x="1141412" y="1559371"/>
+            <a:off x="1141412" y="1496000"/>
             <a:ext cx="9905999" cy="1089328"/>
           </a:xfrm>
           <a:solidFill>
@@ -36705,7 +36850,31 @@
                   <a:schemeClr val="bg1"/>
                 </a:solidFill>
               </a:rPr>
-              <a:t>TM that has multiple tapes</a:t>
+              <a:t>A </a:t>
+            </a:r>
+            <a:r>
+              <a:rPr lang="en-US" b="1" i="1" u="sng" dirty="0" err="1">
+                <a:solidFill>
+                  <a:schemeClr val="bg1"/>
+                </a:solidFill>
+              </a:rPr>
+              <a:t>Multitape</a:t>
+            </a:r>
+            <a:r>
+              <a:rPr lang="en-US" b="1" i="1" u="sng" dirty="0">
+                <a:solidFill>
+                  <a:schemeClr val="bg1"/>
+                </a:solidFill>
+              </a:rPr>
+              <a:t> Turing Machine</a:t>
+            </a:r>
+            <a:r>
+              <a:rPr lang="en-US" dirty="0">
+                <a:solidFill>
+                  <a:schemeClr val="bg1"/>
+                </a:solidFill>
+              </a:rPr>
+              <a:t> is like an ordinary TM but it has several tapes instead of one. Each tape has an independent head that can be moved.</a:t>
             </a:r>
           </a:p>
         </p:txBody>
@@ -36726,8 +36895,8 @@
         </p:nvSpPr>
         <p:spPr>
           <a:xfrm>
-            <a:off x="1141412" y="2888722"/>
-            <a:ext cx="9905999" cy="1089328"/>
+            <a:off x="1141413" y="2888722"/>
+            <a:ext cx="3493962" cy="452007"/>
           </a:xfrm>
           <a:prstGeom prst="rect">
             <a:avLst/>
@@ -36917,18 +37086,817 @@
               <a:buNone/>
             </a:pPr>
             <a:r>
-              <a:rPr lang="en-US" dirty="0">
+              <a:rPr lang="en-US" sz="1800" dirty="0">
                 <a:solidFill>
                   <a:schemeClr val="tx1">
                     <a:lumMod val="95000"/>
                   </a:schemeClr>
                 </a:solidFill>
               </a:rPr>
-              <a:t>…………</a:t>
+              <a:t>The transition function is updated to:</a:t>
             </a:r>
           </a:p>
         </p:txBody>
       </p:sp>
+      <mc:AlternateContent xmlns:mc="http://schemas.openxmlformats.org/markup-compatibility/2006">
+        <mc:Choice xmlns:a14="http://schemas.microsoft.com/office/drawing/2010/main" Requires="a14">
+          <p:sp>
+            <p:nvSpPr>
+              <p:cNvPr id="5" name="Content Placeholder 2">
+                <a:extLst>
+                  <a:ext uri="{FF2B5EF4-FFF2-40B4-BE49-F238E27FC236}">
+                    <a16:creationId xmlns:a16="http://schemas.microsoft.com/office/drawing/2014/main" id="{C0DED524-1DE8-B44B-AEA4-598E5DD1CAF8}"/>
+                  </a:ext>
+                </a:extLst>
+              </p:cNvPr>
+              <p:cNvSpPr txBox="1">
+                <a:spLocks/>
+              </p:cNvSpPr>
+              <p:nvPr/>
+            </p:nvSpPr>
+            <p:spPr>
+              <a:xfrm>
+                <a:off x="951291" y="3422211"/>
+                <a:ext cx="3865154" cy="561315"/>
+              </a:xfrm>
+              <a:prstGeom prst="rect">
+                <a:avLst/>
+              </a:prstGeom>
+              <a:solidFill>
+                <a:schemeClr val="tx1">
+                  <a:lumMod val="95000"/>
+                </a:schemeClr>
+              </a:solidFill>
+            </p:spPr>
+            <p:txBody>
+              <a:bodyPr vert="horz" lIns="91440" tIns="45720" rIns="91440" bIns="45720" rtlCol="0">
+                <a:normAutofit/>
+              </a:bodyPr>
+              <a:lstStyle>
+                <a:lvl1pPr marL="228600" indent="-228600" algn="l" defTabSz="914400" rtl="0" eaLnBrk="1" latinLnBrk="0" hangingPunct="1">
+                  <a:lnSpc>
+                    <a:spcPct val="120000"/>
+                  </a:lnSpc>
+                  <a:spcBef>
+                    <a:spcPts val="1000"/>
+                  </a:spcBef>
+                  <a:buSzPct val="125000"/>
+                  <a:buFont typeface="Arial" panose="020B0604020202020204" pitchFamily="34" charset="0"/>
+                  <a:buChar char="•"/>
+                  <a:defRPr sz="2400" kern="1200">
+                    <a:solidFill>
+                      <a:schemeClr val="tx1"/>
+                    </a:solidFill>
+                    <a:latin typeface="+mn-lt"/>
+                    <a:ea typeface="+mn-ea"/>
+                    <a:cs typeface="+mn-cs"/>
+                  </a:defRPr>
+                </a:lvl1pPr>
+                <a:lvl2pPr marL="685800" indent="-228600" algn="l" defTabSz="914400" rtl="0" eaLnBrk="1" latinLnBrk="0" hangingPunct="1">
+                  <a:lnSpc>
+                    <a:spcPct val="120000"/>
+                  </a:lnSpc>
+                  <a:spcBef>
+                    <a:spcPts val="500"/>
+                  </a:spcBef>
+                  <a:buSzPct val="125000"/>
+                  <a:buFont typeface="Arial" panose="020B0604020202020204" pitchFamily="34" charset="0"/>
+                  <a:buChar char="•"/>
+                  <a:defRPr sz="2000" kern="1200">
+                    <a:solidFill>
+                      <a:schemeClr val="tx1"/>
+                    </a:solidFill>
+                    <a:latin typeface="+mn-lt"/>
+                    <a:ea typeface="+mn-ea"/>
+                    <a:cs typeface="+mn-cs"/>
+                  </a:defRPr>
+                </a:lvl2pPr>
+                <a:lvl3pPr marL="1143000" indent="-228600" algn="l" defTabSz="914400" rtl="0" eaLnBrk="1" latinLnBrk="0" hangingPunct="1">
+                  <a:lnSpc>
+                    <a:spcPct val="120000"/>
+                  </a:lnSpc>
+                  <a:spcBef>
+                    <a:spcPts val="500"/>
+                  </a:spcBef>
+                  <a:buSzPct val="125000"/>
+                  <a:buFont typeface="Arial" panose="020B0604020202020204" pitchFamily="34" charset="0"/>
+                  <a:buChar char="•"/>
+                  <a:defRPr sz="1800" kern="1200">
+                    <a:solidFill>
+                      <a:schemeClr val="tx1"/>
+                    </a:solidFill>
+                    <a:latin typeface="+mn-lt"/>
+                    <a:ea typeface="+mn-ea"/>
+                    <a:cs typeface="+mn-cs"/>
+                  </a:defRPr>
+                </a:lvl3pPr>
+                <a:lvl4pPr marL="1600200" indent="-228600" algn="l" defTabSz="914400" rtl="0" eaLnBrk="1" latinLnBrk="0" hangingPunct="1">
+                  <a:lnSpc>
+                    <a:spcPct val="120000"/>
+                  </a:lnSpc>
+                  <a:spcBef>
+                    <a:spcPts val="500"/>
+                  </a:spcBef>
+                  <a:buSzPct val="125000"/>
+                  <a:buFont typeface="Arial" panose="020B0604020202020204" pitchFamily="34" charset="0"/>
+                  <a:buChar char="•"/>
+                  <a:defRPr sz="1600" kern="1200">
+                    <a:solidFill>
+                      <a:schemeClr val="tx1"/>
+                    </a:solidFill>
+                    <a:latin typeface="+mn-lt"/>
+                    <a:ea typeface="+mn-ea"/>
+                    <a:cs typeface="+mn-cs"/>
+                  </a:defRPr>
+                </a:lvl4pPr>
+                <a:lvl5pPr marL="2057400" indent="-228600" algn="l" defTabSz="914400" rtl="0" eaLnBrk="1" latinLnBrk="0" hangingPunct="1">
+                  <a:lnSpc>
+                    <a:spcPct val="120000"/>
+                  </a:lnSpc>
+                  <a:spcBef>
+                    <a:spcPts val="500"/>
+                  </a:spcBef>
+                  <a:buSzPct val="125000"/>
+                  <a:buFont typeface="Arial" panose="020B0604020202020204" pitchFamily="34" charset="0"/>
+                  <a:buChar char="•"/>
+                  <a:defRPr sz="1600" kern="1200">
+                    <a:solidFill>
+                      <a:schemeClr val="tx1"/>
+                    </a:solidFill>
+                    <a:latin typeface="+mn-lt"/>
+                    <a:ea typeface="+mn-ea"/>
+                    <a:cs typeface="+mn-cs"/>
+                  </a:defRPr>
+                </a:lvl5pPr>
+                <a:lvl6pPr marL="2514600" indent="-228600" algn="l" defTabSz="914400" rtl="0" eaLnBrk="1" latinLnBrk="0" hangingPunct="1">
+                  <a:lnSpc>
+                    <a:spcPct val="120000"/>
+                  </a:lnSpc>
+                  <a:spcBef>
+                    <a:spcPts val="500"/>
+                  </a:spcBef>
+                  <a:buSzPct val="125000"/>
+                  <a:buFont typeface="Arial" panose="020B0604020202020204" pitchFamily="34" charset="0"/>
+                  <a:buChar char="•"/>
+                  <a:defRPr sz="1400" kern="1200">
+                    <a:solidFill>
+                      <a:schemeClr val="tx1"/>
+                    </a:solidFill>
+                    <a:latin typeface="+mn-lt"/>
+                    <a:ea typeface="+mn-ea"/>
+                    <a:cs typeface="+mn-cs"/>
+                  </a:defRPr>
+                </a:lvl6pPr>
+                <a:lvl7pPr marL="2971800" indent="-228600" algn="l" defTabSz="914400" rtl="0" eaLnBrk="1" latinLnBrk="0" hangingPunct="1">
+                  <a:lnSpc>
+                    <a:spcPct val="120000"/>
+                  </a:lnSpc>
+                  <a:spcBef>
+                    <a:spcPts val="500"/>
+                  </a:spcBef>
+                  <a:buSzPct val="125000"/>
+                  <a:buFont typeface="Arial" panose="020B0604020202020204" pitchFamily="34" charset="0"/>
+                  <a:buChar char="•"/>
+                  <a:defRPr sz="1400" kern="1200">
+                    <a:solidFill>
+                      <a:schemeClr val="tx1"/>
+                    </a:solidFill>
+                    <a:latin typeface="+mn-lt"/>
+                    <a:ea typeface="+mn-ea"/>
+                    <a:cs typeface="+mn-cs"/>
+                  </a:defRPr>
+                </a:lvl7pPr>
+                <a:lvl8pPr marL="3429000" indent="-228600" algn="l" defTabSz="914400" rtl="0" eaLnBrk="1" latinLnBrk="0" hangingPunct="1">
+                  <a:lnSpc>
+                    <a:spcPct val="120000"/>
+                  </a:lnSpc>
+                  <a:spcBef>
+                    <a:spcPts val="500"/>
+                  </a:spcBef>
+                  <a:buSzPct val="125000"/>
+                  <a:buFont typeface="Arial" panose="020B0604020202020204" pitchFamily="34" charset="0"/>
+                  <a:buChar char="•"/>
+                  <a:defRPr sz="1400" kern="1200">
+                    <a:solidFill>
+                      <a:schemeClr val="tx1"/>
+                    </a:solidFill>
+                    <a:latin typeface="+mn-lt"/>
+                    <a:ea typeface="+mn-ea"/>
+                    <a:cs typeface="+mn-cs"/>
+                  </a:defRPr>
+                </a:lvl8pPr>
+                <a:lvl9pPr marL="3886200" indent="-228600" algn="l" defTabSz="914400" rtl="0" eaLnBrk="1" latinLnBrk="0" hangingPunct="1">
+                  <a:lnSpc>
+                    <a:spcPct val="120000"/>
+                  </a:lnSpc>
+                  <a:spcBef>
+                    <a:spcPts val="500"/>
+                  </a:spcBef>
+                  <a:buSzPct val="125000"/>
+                  <a:buFont typeface="Arial" panose="020B0604020202020204" pitchFamily="34" charset="0"/>
+                  <a:buChar char="•"/>
+                  <a:defRPr sz="1400" kern="1200">
+                    <a:solidFill>
+                      <a:schemeClr val="tx1"/>
+                    </a:solidFill>
+                    <a:latin typeface="+mn-lt"/>
+                    <a:ea typeface="+mn-ea"/>
+                    <a:cs typeface="+mn-cs"/>
+                  </a:defRPr>
+                </a:lvl9pPr>
+              </a:lstStyle>
+              <a:p>
+                <a:pPr marL="0" indent="0">
+                  <a:buFont typeface="Arial" panose="020B0604020202020204" pitchFamily="34" charset="0"/>
+                  <a:buNone/>
+                </a:pPr>
+                <a14:m>
+                  <m:oMathPara xmlns:m="http://schemas.openxmlformats.org/officeDocument/2006/math">
+                    <m:oMathParaPr>
+                      <m:jc m:val="centerGroup"/>
+                    </m:oMathParaPr>
+                    <m:oMath xmlns:m="http://schemas.openxmlformats.org/officeDocument/2006/math">
+                      <m:r>
+                        <a:rPr lang="en-US" b="0" i="1" smtClean="0">
+                          <a:solidFill>
+                            <a:schemeClr val="bg1"/>
+                          </a:solidFill>
+                          <a:latin typeface="Cambria Math" panose="02040503050406030204" pitchFamily="18" charset="0"/>
+                        </a:rPr>
+                        <m:t>𝛿</m:t>
+                      </m:r>
+                      <m:r>
+                        <a:rPr lang="en-US" b="0" i="1" smtClean="0">
+                          <a:solidFill>
+                            <a:schemeClr val="bg1"/>
+                          </a:solidFill>
+                          <a:latin typeface="Cambria Math" panose="02040503050406030204" pitchFamily="18" charset="0"/>
+                        </a:rPr>
+                        <m:t>:</m:t>
+                      </m:r>
+                      <m:r>
+                        <a:rPr lang="en-US" b="0" i="1" smtClean="0">
+                          <a:solidFill>
+                            <a:schemeClr val="bg1"/>
+                          </a:solidFill>
+                          <a:latin typeface="Cambria Math" panose="02040503050406030204" pitchFamily="18" charset="0"/>
+                        </a:rPr>
+                        <m:t>𝑄</m:t>
+                      </m:r>
+                      <m:r>
+                        <a:rPr lang="en-US" b="0" i="1" smtClean="0">
+                          <a:solidFill>
+                            <a:schemeClr val="bg1"/>
+                          </a:solidFill>
+                          <a:latin typeface="Cambria Math" panose="02040503050406030204" pitchFamily="18" charset="0"/>
+                        </a:rPr>
+                        <m:t>×</m:t>
+                      </m:r>
+                      <m:sSup>
+                        <m:sSupPr>
+                          <m:ctrlPr>
+                            <a:rPr lang="en-US" b="0" i="1" smtClean="0">
+                              <a:solidFill>
+                                <a:schemeClr val="bg1"/>
+                              </a:solidFill>
+                              <a:latin typeface="Cambria Math" panose="02040503050406030204" pitchFamily="18" charset="0"/>
+                            </a:rPr>
+                          </m:ctrlPr>
+                        </m:sSupPr>
+                        <m:e>
+                          <m:r>
+                            <m:rPr>
+                              <m:sty m:val="p"/>
+                            </m:rPr>
+                            <a:rPr lang="en-US" b="0" i="0" smtClean="0">
+                              <a:solidFill>
+                                <a:schemeClr val="bg1"/>
+                              </a:solidFill>
+                              <a:latin typeface="Cambria Math" panose="02040503050406030204" pitchFamily="18" charset="0"/>
+                            </a:rPr>
+                            <m:t>Γ</m:t>
+                          </m:r>
+                        </m:e>
+                        <m:sup>
+                          <m:r>
+                            <a:rPr lang="en-US" b="0" i="1" smtClean="0">
+                              <a:solidFill>
+                                <a:schemeClr val="bg1"/>
+                              </a:solidFill>
+                              <a:latin typeface="Cambria Math" panose="02040503050406030204" pitchFamily="18" charset="0"/>
+                            </a:rPr>
+                            <m:t>𝑘</m:t>
+                          </m:r>
+                        </m:sup>
+                      </m:sSup>
+                      <m:r>
+                        <a:rPr lang="en-US" b="0" i="1" smtClean="0">
+                          <a:solidFill>
+                            <a:schemeClr val="bg1"/>
+                          </a:solidFill>
+                          <a:latin typeface="Cambria Math" panose="02040503050406030204" pitchFamily="18" charset="0"/>
+                        </a:rPr>
+                        <m:t>→</m:t>
+                      </m:r>
+                      <m:r>
+                        <a:rPr lang="en-US" b="0" i="1" smtClean="0">
+                          <a:solidFill>
+                            <a:schemeClr val="bg1"/>
+                          </a:solidFill>
+                          <a:latin typeface="Cambria Math" panose="02040503050406030204" pitchFamily="18" charset="0"/>
+                        </a:rPr>
+                        <m:t>𝑄</m:t>
+                      </m:r>
+                      <m:r>
+                        <a:rPr lang="en-US" b="0" i="1" smtClean="0">
+                          <a:solidFill>
+                            <a:schemeClr val="bg1"/>
+                          </a:solidFill>
+                          <a:latin typeface="Cambria Math" panose="02040503050406030204" pitchFamily="18" charset="0"/>
+                        </a:rPr>
+                        <m:t>×</m:t>
+                      </m:r>
+                      <m:sSup>
+                        <m:sSupPr>
+                          <m:ctrlPr>
+                            <a:rPr lang="en-US" b="0" i="1" smtClean="0">
+                              <a:solidFill>
+                                <a:schemeClr val="bg1"/>
+                              </a:solidFill>
+                              <a:latin typeface="Cambria Math" panose="02040503050406030204" pitchFamily="18" charset="0"/>
+                            </a:rPr>
+                          </m:ctrlPr>
+                        </m:sSupPr>
+                        <m:e>
+                          <m:r>
+                            <m:rPr>
+                              <m:sty m:val="p"/>
+                            </m:rPr>
+                            <a:rPr lang="en-US" b="0" i="0" smtClean="0">
+                              <a:solidFill>
+                                <a:schemeClr val="bg1"/>
+                              </a:solidFill>
+                              <a:latin typeface="Cambria Math" panose="02040503050406030204" pitchFamily="18" charset="0"/>
+                            </a:rPr>
+                            <m:t>Γ</m:t>
+                          </m:r>
+                        </m:e>
+                        <m:sup>
+                          <m:r>
+                            <a:rPr lang="en-US" b="0" i="1" smtClean="0">
+                              <a:solidFill>
+                                <a:schemeClr val="bg1"/>
+                              </a:solidFill>
+                              <a:latin typeface="Cambria Math" panose="02040503050406030204" pitchFamily="18" charset="0"/>
+                            </a:rPr>
+                            <m:t>𝑘</m:t>
+                          </m:r>
+                        </m:sup>
+                      </m:sSup>
+                      <m:r>
+                        <a:rPr lang="en-US" b="0" i="1" smtClean="0">
+                          <a:solidFill>
+                            <a:schemeClr val="bg1"/>
+                          </a:solidFill>
+                          <a:latin typeface="Cambria Math" panose="02040503050406030204" pitchFamily="18" charset="0"/>
+                        </a:rPr>
+                        <m:t>×</m:t>
+                      </m:r>
+                      <m:sSup>
+                        <m:sSupPr>
+                          <m:ctrlPr>
+                            <a:rPr lang="en-US" b="0" i="1" smtClean="0">
+                              <a:solidFill>
+                                <a:schemeClr val="bg1"/>
+                              </a:solidFill>
+                              <a:latin typeface="Cambria Math" panose="02040503050406030204" pitchFamily="18" charset="0"/>
+                            </a:rPr>
+                          </m:ctrlPr>
+                        </m:sSupPr>
+                        <m:e>
+                          <m:d>
+                            <m:dPr>
+                              <m:begChr m:val="{"/>
+                              <m:endChr m:val="}"/>
+                              <m:ctrlPr>
+                                <a:rPr lang="en-US" b="0" i="1" smtClean="0">
+                                  <a:solidFill>
+                                    <a:schemeClr val="bg1"/>
+                                  </a:solidFill>
+                                  <a:latin typeface="Cambria Math" panose="02040503050406030204" pitchFamily="18" charset="0"/>
+                                </a:rPr>
+                              </m:ctrlPr>
+                            </m:dPr>
+                            <m:e>
+                              <m:r>
+                                <a:rPr lang="en-US" b="0" i="1" smtClean="0">
+                                  <a:solidFill>
+                                    <a:schemeClr val="bg1"/>
+                                  </a:solidFill>
+                                  <a:latin typeface="Cambria Math" panose="02040503050406030204" pitchFamily="18" charset="0"/>
+                                </a:rPr>
+                                <m:t>𝐿</m:t>
+                              </m:r>
+                              <m:r>
+                                <a:rPr lang="en-US" b="0" i="1" smtClean="0">
+                                  <a:solidFill>
+                                    <a:schemeClr val="bg1"/>
+                                  </a:solidFill>
+                                  <a:latin typeface="Cambria Math" panose="02040503050406030204" pitchFamily="18" charset="0"/>
+                                </a:rPr>
+                                <m:t>,</m:t>
+                              </m:r>
+                              <m:r>
+                                <a:rPr lang="en-US" b="0" i="1" smtClean="0">
+                                  <a:solidFill>
+                                    <a:schemeClr val="bg1"/>
+                                  </a:solidFill>
+                                  <a:latin typeface="Cambria Math" panose="02040503050406030204" pitchFamily="18" charset="0"/>
+                                </a:rPr>
+                                <m:t>𝑅</m:t>
+                              </m:r>
+                              <m:r>
+                                <a:rPr lang="en-US" b="0" i="1" smtClean="0">
+                                  <a:solidFill>
+                                    <a:schemeClr val="bg1"/>
+                                  </a:solidFill>
+                                  <a:latin typeface="Cambria Math" panose="02040503050406030204" pitchFamily="18" charset="0"/>
+                                </a:rPr>
+                                <m:t>,</m:t>
+                              </m:r>
+                              <m:r>
+                                <a:rPr lang="en-US" b="0" i="1" smtClean="0">
+                                  <a:solidFill>
+                                    <a:schemeClr val="bg1"/>
+                                  </a:solidFill>
+                                  <a:latin typeface="Cambria Math" panose="02040503050406030204" pitchFamily="18" charset="0"/>
+                                </a:rPr>
+                                <m:t>𝑆</m:t>
+                              </m:r>
+                            </m:e>
+                          </m:d>
+                        </m:e>
+                        <m:sup>
+                          <m:r>
+                            <a:rPr lang="en-US" b="0" i="1" smtClean="0">
+                              <a:solidFill>
+                                <a:schemeClr val="bg1"/>
+                              </a:solidFill>
+                              <a:latin typeface="Cambria Math" panose="02040503050406030204" pitchFamily="18" charset="0"/>
+                            </a:rPr>
+                            <m:t>𝑘</m:t>
+                          </m:r>
+                        </m:sup>
+                      </m:sSup>
+                    </m:oMath>
+                  </m:oMathPara>
+                </a14:m>
+                <a:endParaRPr lang="en-US" dirty="0">
+                  <a:solidFill>
+                    <a:schemeClr val="bg1"/>
+                  </a:solidFill>
+                </a:endParaRPr>
+              </a:p>
+            </p:txBody>
+          </p:sp>
+        </mc:Choice>
+        <mc:Fallback>
+          <p:sp>
+            <p:nvSpPr>
+              <p:cNvPr id="5" name="Content Placeholder 2">
+                <a:extLst>
+                  <a:ext uri="{FF2B5EF4-FFF2-40B4-BE49-F238E27FC236}">
+                    <a16:creationId xmlns:a16="http://schemas.microsoft.com/office/drawing/2014/main" id="{C0DED524-1DE8-B44B-AEA4-598E5DD1CAF8}"/>
+                  </a:ext>
+                </a:extLst>
+              </p:cNvPr>
+              <p:cNvSpPr txBox="1">
+                <a:spLocks noRot="1" noChangeAspect="1" noMove="1" noResize="1" noEditPoints="1" noAdjustHandles="1" noChangeArrowheads="1" noChangeShapeType="1" noTextEdit="1"/>
+              </p:cNvSpPr>
+              <p:nvPr/>
+            </p:nvSpPr>
+            <p:spPr>
+              <a:xfrm>
+                <a:off x="951291" y="3422211"/>
+                <a:ext cx="3865154" cy="561315"/>
+              </a:xfrm>
+              <a:prstGeom prst="rect">
+                <a:avLst/>
+              </a:prstGeom>
+              <a:blipFill>
+                <a:blip r:embed="rId2"/>
+                <a:stretch>
+                  <a:fillRect/>
+                </a:stretch>
+              </a:blipFill>
+            </p:spPr>
+            <p:txBody>
+              <a:bodyPr/>
+              <a:lstStyle/>
+              <a:p>
+                <a:r>
+                  <a:rPr lang="en-US">
+                    <a:noFill/>
+                  </a:rPr>
+                  <a:t> </a:t>
+                </a:r>
+              </a:p>
+            </p:txBody>
+          </p:sp>
+        </mc:Fallback>
+      </mc:AlternateContent>
+      <p:sp>
+        <p:nvSpPr>
+          <p:cNvPr id="7" name="Content Placeholder 2">
+            <a:extLst>
+              <a:ext uri="{FF2B5EF4-FFF2-40B4-BE49-F238E27FC236}">
+                <a16:creationId xmlns:a16="http://schemas.microsoft.com/office/drawing/2014/main" id="{C49C79A5-66D5-674C-9102-2220C8FC8B42}"/>
+              </a:ext>
+            </a:extLst>
+          </p:cNvPr>
+          <p:cNvSpPr txBox="1">
+            <a:spLocks/>
+          </p:cNvSpPr>
+          <p:nvPr/>
+        </p:nvSpPr>
+        <p:spPr>
+          <a:xfrm>
+            <a:off x="1322482" y="5324971"/>
+            <a:ext cx="3892313" cy="1229738"/>
+          </a:xfrm>
+          <a:prstGeom prst="rect">
+            <a:avLst/>
+          </a:prstGeom>
+          <a:noFill/>
+        </p:spPr>
+        <p:txBody>
+          <a:bodyPr vert="horz" lIns="91440" tIns="45720" rIns="91440" bIns="45720" rtlCol="0">
+            <a:normAutofit/>
+          </a:bodyPr>
+          <a:lstStyle>
+            <a:lvl1pPr marL="228600" indent="-228600" algn="l" defTabSz="914400" rtl="0" eaLnBrk="1" latinLnBrk="0" hangingPunct="1">
+              <a:lnSpc>
+                <a:spcPct val="120000"/>
+              </a:lnSpc>
+              <a:spcBef>
+                <a:spcPts val="1000"/>
+              </a:spcBef>
+              <a:buSzPct val="125000"/>
+              <a:buFont typeface="Arial" panose="020B0604020202020204" pitchFamily="34" charset="0"/>
+              <a:buChar char="•"/>
+              <a:defRPr sz="2400" kern="1200">
+                <a:solidFill>
+                  <a:schemeClr val="tx1"/>
+                </a:solidFill>
+                <a:latin typeface="+mn-lt"/>
+                <a:ea typeface="+mn-ea"/>
+                <a:cs typeface="+mn-cs"/>
+              </a:defRPr>
+            </a:lvl1pPr>
+            <a:lvl2pPr marL="685800" indent="-228600" algn="l" defTabSz="914400" rtl="0" eaLnBrk="1" latinLnBrk="0" hangingPunct="1">
+              <a:lnSpc>
+                <a:spcPct val="120000"/>
+              </a:lnSpc>
+              <a:spcBef>
+                <a:spcPts val="500"/>
+              </a:spcBef>
+              <a:buSzPct val="125000"/>
+              <a:buFont typeface="Arial" panose="020B0604020202020204" pitchFamily="34" charset="0"/>
+              <a:buChar char="•"/>
+              <a:defRPr sz="2000" kern="1200">
+                <a:solidFill>
+                  <a:schemeClr val="tx1"/>
+                </a:solidFill>
+                <a:latin typeface="+mn-lt"/>
+                <a:ea typeface="+mn-ea"/>
+                <a:cs typeface="+mn-cs"/>
+              </a:defRPr>
+            </a:lvl2pPr>
+            <a:lvl3pPr marL="1143000" indent="-228600" algn="l" defTabSz="914400" rtl="0" eaLnBrk="1" latinLnBrk="0" hangingPunct="1">
+              <a:lnSpc>
+                <a:spcPct val="120000"/>
+              </a:lnSpc>
+              <a:spcBef>
+                <a:spcPts val="500"/>
+              </a:spcBef>
+              <a:buSzPct val="125000"/>
+              <a:buFont typeface="Arial" panose="020B0604020202020204" pitchFamily="34" charset="0"/>
+              <a:buChar char="•"/>
+              <a:defRPr sz="1800" kern="1200">
+                <a:solidFill>
+                  <a:schemeClr val="tx1"/>
+                </a:solidFill>
+                <a:latin typeface="+mn-lt"/>
+                <a:ea typeface="+mn-ea"/>
+                <a:cs typeface="+mn-cs"/>
+              </a:defRPr>
+            </a:lvl3pPr>
+            <a:lvl4pPr marL="1600200" indent="-228600" algn="l" defTabSz="914400" rtl="0" eaLnBrk="1" latinLnBrk="0" hangingPunct="1">
+              <a:lnSpc>
+                <a:spcPct val="120000"/>
+              </a:lnSpc>
+              <a:spcBef>
+                <a:spcPts val="500"/>
+              </a:spcBef>
+              <a:buSzPct val="125000"/>
+              <a:buFont typeface="Arial" panose="020B0604020202020204" pitchFamily="34" charset="0"/>
+              <a:buChar char="•"/>
+              <a:defRPr sz="1600" kern="1200">
+                <a:solidFill>
+                  <a:schemeClr val="tx1"/>
+                </a:solidFill>
+                <a:latin typeface="+mn-lt"/>
+                <a:ea typeface="+mn-ea"/>
+                <a:cs typeface="+mn-cs"/>
+              </a:defRPr>
+            </a:lvl4pPr>
+            <a:lvl5pPr marL="2057400" indent="-228600" algn="l" defTabSz="914400" rtl="0" eaLnBrk="1" latinLnBrk="0" hangingPunct="1">
+              <a:lnSpc>
+                <a:spcPct val="120000"/>
+              </a:lnSpc>
+              <a:spcBef>
+                <a:spcPts val="500"/>
+              </a:spcBef>
+              <a:buSzPct val="125000"/>
+              <a:buFont typeface="Arial" panose="020B0604020202020204" pitchFamily="34" charset="0"/>
+              <a:buChar char="•"/>
+              <a:defRPr sz="1600" kern="1200">
+                <a:solidFill>
+                  <a:schemeClr val="tx1"/>
+                </a:solidFill>
+                <a:latin typeface="+mn-lt"/>
+                <a:ea typeface="+mn-ea"/>
+                <a:cs typeface="+mn-cs"/>
+              </a:defRPr>
+            </a:lvl5pPr>
+            <a:lvl6pPr marL="2514600" indent="-228600" algn="l" defTabSz="914400" rtl="0" eaLnBrk="1" latinLnBrk="0" hangingPunct="1">
+              <a:lnSpc>
+                <a:spcPct val="120000"/>
+              </a:lnSpc>
+              <a:spcBef>
+                <a:spcPts val="500"/>
+              </a:spcBef>
+              <a:buSzPct val="125000"/>
+              <a:buFont typeface="Arial" panose="020B0604020202020204" pitchFamily="34" charset="0"/>
+              <a:buChar char="•"/>
+              <a:defRPr sz="1400" kern="1200">
+                <a:solidFill>
+                  <a:schemeClr val="tx1"/>
+                </a:solidFill>
+                <a:latin typeface="+mn-lt"/>
+                <a:ea typeface="+mn-ea"/>
+                <a:cs typeface="+mn-cs"/>
+              </a:defRPr>
+            </a:lvl6pPr>
+            <a:lvl7pPr marL="2971800" indent="-228600" algn="l" defTabSz="914400" rtl="0" eaLnBrk="1" latinLnBrk="0" hangingPunct="1">
+              <a:lnSpc>
+                <a:spcPct val="120000"/>
+              </a:lnSpc>
+              <a:spcBef>
+                <a:spcPts val="500"/>
+              </a:spcBef>
+              <a:buSzPct val="125000"/>
+              <a:buFont typeface="Arial" panose="020B0604020202020204" pitchFamily="34" charset="0"/>
+              <a:buChar char="•"/>
+              <a:defRPr sz="1400" kern="1200">
+                <a:solidFill>
+                  <a:schemeClr val="tx1"/>
+                </a:solidFill>
+                <a:latin typeface="+mn-lt"/>
+                <a:ea typeface="+mn-ea"/>
+                <a:cs typeface="+mn-cs"/>
+              </a:defRPr>
+            </a:lvl7pPr>
+            <a:lvl8pPr marL="3429000" indent="-228600" algn="l" defTabSz="914400" rtl="0" eaLnBrk="1" latinLnBrk="0" hangingPunct="1">
+              <a:lnSpc>
+                <a:spcPct val="120000"/>
+              </a:lnSpc>
+              <a:spcBef>
+                <a:spcPts val="500"/>
+              </a:spcBef>
+              <a:buSzPct val="125000"/>
+              <a:buFont typeface="Arial" panose="020B0604020202020204" pitchFamily="34" charset="0"/>
+              <a:buChar char="•"/>
+              <a:defRPr sz="1400" kern="1200">
+                <a:solidFill>
+                  <a:schemeClr val="tx1"/>
+                </a:solidFill>
+                <a:latin typeface="+mn-lt"/>
+                <a:ea typeface="+mn-ea"/>
+                <a:cs typeface="+mn-cs"/>
+              </a:defRPr>
+            </a:lvl8pPr>
+            <a:lvl9pPr marL="3886200" indent="-228600" algn="l" defTabSz="914400" rtl="0" eaLnBrk="1" latinLnBrk="0" hangingPunct="1">
+              <a:lnSpc>
+                <a:spcPct val="120000"/>
+              </a:lnSpc>
+              <a:spcBef>
+                <a:spcPts val="500"/>
+              </a:spcBef>
+              <a:buSzPct val="125000"/>
+              <a:buFont typeface="Arial" panose="020B0604020202020204" pitchFamily="34" charset="0"/>
+              <a:buChar char="•"/>
+              <a:defRPr sz="1400" kern="1200">
+                <a:solidFill>
+                  <a:schemeClr val="tx1"/>
+                </a:solidFill>
+                <a:latin typeface="+mn-lt"/>
+                <a:ea typeface="+mn-ea"/>
+                <a:cs typeface="+mn-cs"/>
+              </a:defRPr>
+            </a:lvl9pPr>
+          </a:lstStyle>
+          <a:p>
+            <a:pPr marL="0" indent="0">
+              <a:buFont typeface="Arial" panose="020B0604020202020204" pitchFamily="34" charset="0"/>
+              <a:buNone/>
+            </a:pPr>
+            <a:r>
+              <a:rPr lang="en-US" sz="1600" i="1" dirty="0">
+                <a:solidFill>
+                  <a:schemeClr val="tx1">
+                    <a:lumMod val="95000"/>
+                  </a:schemeClr>
+                </a:solidFill>
+              </a:rPr>
+              <a:t>Here, k is the number of tapes. So each tape can be read at each step of computation, each head can write / move as well.</a:t>
+            </a:r>
+          </a:p>
+        </p:txBody>
+      </p:sp>
+      <p:cxnSp>
+        <p:nvCxnSpPr>
+          <p:cNvPr id="8" name="Straight Connector 7">
+            <a:extLst>
+              <a:ext uri="{FF2B5EF4-FFF2-40B4-BE49-F238E27FC236}">
+                <a16:creationId xmlns:a16="http://schemas.microsoft.com/office/drawing/2014/main" id="{54AC28DF-A601-1847-B10E-1A5DAAF64B39}"/>
+              </a:ext>
+            </a:extLst>
+          </p:cNvPr>
+          <p:cNvCxnSpPr/>
+          <p:nvPr/>
+        </p:nvCxnSpPr>
+        <p:spPr>
+          <a:xfrm flipV="1">
+            <a:off x="2951430" y="4065008"/>
+            <a:ext cx="235390" cy="1149788"/>
+          </a:xfrm>
+          <a:prstGeom prst="line">
+            <a:avLst/>
+          </a:prstGeom>
+          <a:ln>
+            <a:solidFill>
+              <a:schemeClr val="tx1">
+                <a:lumMod val="95000"/>
+              </a:schemeClr>
+            </a:solidFill>
+          </a:ln>
+        </p:spPr>
+        <p:style>
+          <a:lnRef idx="1">
+            <a:schemeClr val="accent1"/>
+          </a:lnRef>
+          <a:fillRef idx="0">
+            <a:schemeClr val="accent1"/>
+          </a:fillRef>
+          <a:effectRef idx="0">
+            <a:schemeClr val="accent1"/>
+          </a:effectRef>
+          <a:fontRef idx="minor">
+            <a:schemeClr val="tx1"/>
+          </a:fontRef>
+        </p:style>
+      </p:cxnSp>
+      <p:pic>
+        <p:nvPicPr>
+          <p:cNvPr id="10" name="Picture 9">
+            <a:extLst>
+              <a:ext uri="{FF2B5EF4-FFF2-40B4-BE49-F238E27FC236}">
+                <a16:creationId xmlns:a16="http://schemas.microsoft.com/office/drawing/2014/main" id="{E3F97766-2124-334A-B54F-37BB95C845BE}"/>
+              </a:ext>
+            </a:extLst>
+          </p:cNvPr>
+          <p:cNvPicPr>
+            <a:picLocks noChangeAspect="1"/>
+          </p:cNvPicPr>
+          <p:nvPr/>
+        </p:nvPicPr>
+        <p:blipFill>
+          <a:blip r:embed="rId3"/>
+          <a:stretch>
+            <a:fillRect/>
+          </a:stretch>
+        </p:blipFill>
+        <p:spPr>
+          <a:xfrm>
+            <a:off x="6202566" y="3295464"/>
+            <a:ext cx="4462418" cy="2383337"/>
+          </a:xfrm>
+          <a:prstGeom prst="rect">
+            <a:avLst/>
+          </a:prstGeom>
+        </p:spPr>
+      </p:pic>
     </p:spTree>
     <p:extLst>
       <p:ext uri="{BB962C8B-B14F-4D97-AF65-F5344CB8AC3E}">
@@ -37032,20 +38000,173 @@
               <a:buNone/>
             </a:pPr>
             <a:r>
+              <a:rPr lang="en-US" b="1" i="1" u="sng" dirty="0">
+                <a:solidFill>
+                  <a:schemeClr val="bg1"/>
+                </a:solidFill>
+              </a:rPr>
+              <a:t>Theorem</a:t>
+            </a:r>
+            <a:r>
+              <a:rPr lang="en-US" dirty="0">
+                <a:solidFill>
+                  <a:schemeClr val="bg1"/>
+                </a:solidFill>
+              </a:rPr>
+              <a:t>: Every </a:t>
+            </a:r>
+            <a:r>
               <a:rPr lang="en-US" dirty="0" err="1">
                 <a:solidFill>
                   <a:schemeClr val="bg1"/>
                 </a:solidFill>
               </a:rPr>
+              <a:t>Multitape</a:t>
+            </a:r>
+            <a:r>
+              <a:rPr lang="en-US" dirty="0">
+                <a:solidFill>
+                  <a:schemeClr val="bg1"/>
+                </a:solidFill>
+              </a:rPr>
+              <a:t> Turing Machine has an equivalent single-tape Turing machine.</a:t>
+            </a:r>
+          </a:p>
+        </p:txBody>
+      </p:sp>
+    </p:spTree>
+    <p:extLst>
+      <p:ext uri="{BB962C8B-B14F-4D97-AF65-F5344CB8AC3E}">
+        <p14:creationId xmlns:p14="http://schemas.microsoft.com/office/powerpoint/2010/main" val="4079175610"/>
+      </p:ext>
+    </p:extLst>
+  </p:cSld>
+  <p:clrMapOvr>
+    <a:masterClrMapping/>
+  </p:clrMapOvr>
+</p:sld>
+</file>
+
+<file path=ppt/slides/slide33.xml><?xml version="1.0" encoding="utf-8"?>
+<p:sld xmlns:a="http://schemas.openxmlformats.org/drawingml/2006/main" xmlns:r="http://schemas.openxmlformats.org/officeDocument/2006/relationships" xmlns:p="http://schemas.openxmlformats.org/presentationml/2006/main">
+  <p:cSld>
+    <p:spTree>
+      <p:nvGrpSpPr>
+        <p:cNvPr id="1" name=""/>
+        <p:cNvGrpSpPr/>
+        <p:nvPr/>
+      </p:nvGrpSpPr>
+      <p:grpSpPr>
+        <a:xfrm>
+          <a:off x="0" y="0"/>
+          <a:ext cx="0" cy="0"/>
+          <a:chOff x="0" y="0"/>
+          <a:chExt cx="0" cy="0"/>
+        </a:xfrm>
+      </p:grpSpPr>
+      <p:sp>
+        <p:nvSpPr>
+          <p:cNvPr id="2" name="Title 1">
+            <a:extLst>
+              <a:ext uri="{FF2B5EF4-FFF2-40B4-BE49-F238E27FC236}">
+                <a16:creationId xmlns:a16="http://schemas.microsoft.com/office/drawing/2014/main" id="{D63C04CD-2329-4D47-84D9-12CB3EDD9F46}"/>
+              </a:ext>
+            </a:extLst>
+          </p:cNvPr>
+          <p:cNvSpPr>
+            <a:spLocks noGrp="1"/>
+          </p:cNvSpPr>
+          <p:nvPr>
+            <p:ph type="title"/>
+          </p:nvPr>
+        </p:nvSpPr>
+        <p:spPr>
+          <a:xfrm>
+            <a:off x="1141413" y="125537"/>
+            <a:ext cx="9905998" cy="860425"/>
+          </a:xfrm>
+        </p:spPr>
+        <p:txBody>
+          <a:bodyPr/>
+          <a:lstStyle/>
+          <a:p>
+            <a:pPr algn="ctr"/>
+            <a:r>
+              <a:rPr lang="en-US" dirty="0" err="1"/>
               <a:t>MultiTape</a:t>
             </a:r>
             <a:r>
+              <a:rPr lang="en-US" dirty="0"/>
+              <a:t> Turing Machine</a:t>
+            </a:r>
+          </a:p>
+        </p:txBody>
+      </p:sp>
+      <p:sp>
+        <p:nvSpPr>
+          <p:cNvPr id="3" name="Content Placeholder 2">
+            <a:extLst>
+              <a:ext uri="{FF2B5EF4-FFF2-40B4-BE49-F238E27FC236}">
+                <a16:creationId xmlns:a16="http://schemas.microsoft.com/office/drawing/2014/main" id="{14278F5F-F936-6145-9FF8-704886F1A386}"/>
+              </a:ext>
+            </a:extLst>
+          </p:cNvPr>
+          <p:cNvSpPr>
+            <a:spLocks noGrp="1"/>
+          </p:cNvSpPr>
+          <p:nvPr>
+            <p:ph idx="1"/>
+          </p:nvPr>
+        </p:nvSpPr>
+        <p:spPr>
+          <a:xfrm>
+            <a:off x="1141412" y="1559371"/>
+            <a:ext cx="9905999" cy="1089328"/>
+          </a:xfrm>
+          <a:solidFill>
+            <a:schemeClr val="tx1">
+              <a:lumMod val="95000"/>
+            </a:schemeClr>
+          </a:solidFill>
+        </p:spPr>
+        <p:txBody>
+          <a:bodyPr/>
+          <a:lstStyle/>
+          <a:p>
+            <a:pPr marL="0" indent="0">
+              <a:buNone/>
+            </a:pPr>
+            <a:r>
+              <a:rPr lang="en-US" b="1" i="1" u="sng" dirty="0">
+                <a:solidFill>
+                  <a:schemeClr val="bg1"/>
+                </a:solidFill>
+              </a:rPr>
+              <a:t>Theorem</a:t>
+            </a:r>
+            <a:r>
               <a:rPr lang="en-US" dirty="0">
                 <a:solidFill>
                   <a:schemeClr val="bg1"/>
                 </a:solidFill>
               </a:rPr>
-              <a:t> TMs are equivalent to traditional TMs</a:t>
+              <a:t>: Every </a:t>
+            </a:r>
+            <a:r>
+              <a:rPr lang="en-US" dirty="0" err="1">
+                <a:solidFill>
+                  <a:schemeClr val="bg1"/>
+                </a:solidFill>
+              </a:rPr>
+              <a:t>Multitape</a:t>
+            </a:r>
+            <a:r>
+              <a:rPr lang="en-US" dirty="0">
+                <a:solidFill>
+                  <a:schemeClr val="bg1"/>
+                </a:solidFill>
+              </a:rPr>
+              <a:t> Turing Machine has an equivalent single-tape Turing machine.</a:t>
             </a:r>
           </a:p>
         </p:txBody>
@@ -37067,7 +38188,7 @@
         <p:spPr>
           <a:xfrm>
             <a:off x="1141412" y="2888722"/>
-            <a:ext cx="9905999" cy="1089328"/>
+            <a:ext cx="9905999" cy="560648"/>
           </a:xfrm>
           <a:prstGeom prst="rect">
             <a:avLst/>
@@ -37252,19 +38373,344 @@
             </a:lvl9pPr>
           </a:lstStyle>
           <a:p>
-            <a:pPr marL="0" indent="0">
+            <a:pPr marL="0" indent="0" algn="ctr">
               <a:buFont typeface="Arial" panose="020B0604020202020204" pitchFamily="34" charset="0"/>
               <a:buNone/>
             </a:pPr>
             <a:r>
-              <a:rPr lang="en-US" dirty="0">
+              <a:rPr lang="en-US" i="1" u="sng" dirty="0">
                 <a:solidFill>
                   <a:schemeClr val="tx1">
                     <a:lumMod val="95000"/>
                   </a:schemeClr>
                 </a:solidFill>
               </a:rPr>
-              <a:t>Proof in book</a:t>
+              <a:t>Goal: Given an arbitrary MTTM, convert it into an equivalent TM</a:t>
+            </a:r>
+          </a:p>
+        </p:txBody>
+      </p:sp>
+      <p:pic>
+        <p:nvPicPr>
+          <p:cNvPr id="5" name="Picture 4">
+            <a:extLst>
+              <a:ext uri="{FF2B5EF4-FFF2-40B4-BE49-F238E27FC236}">
+                <a16:creationId xmlns:a16="http://schemas.microsoft.com/office/drawing/2014/main" id="{8F2EFD94-91E8-284B-9C99-4DE11CE2C4EC}"/>
+              </a:ext>
+            </a:extLst>
+          </p:cNvPr>
+          <p:cNvPicPr>
+            <a:picLocks noChangeAspect="1"/>
+          </p:cNvPicPr>
+          <p:nvPr/>
+        </p:nvPicPr>
+        <p:blipFill>
+          <a:blip r:embed="rId2"/>
+          <a:stretch>
+            <a:fillRect/>
+          </a:stretch>
+        </p:blipFill>
+        <p:spPr>
+          <a:xfrm>
+            <a:off x="831535" y="4006264"/>
+            <a:ext cx="3126379" cy="1679312"/>
+          </a:xfrm>
+          <a:prstGeom prst="rect">
+            <a:avLst/>
+          </a:prstGeom>
+        </p:spPr>
+      </p:pic>
+      <p:pic>
+        <p:nvPicPr>
+          <p:cNvPr id="8" name="Picture 7">
+            <a:extLst>
+              <a:ext uri="{FF2B5EF4-FFF2-40B4-BE49-F238E27FC236}">
+                <a16:creationId xmlns:a16="http://schemas.microsoft.com/office/drawing/2014/main" id="{E1F6F23D-DEBF-5349-93BD-B000F8FF1C32}"/>
+              </a:ext>
+            </a:extLst>
+          </p:cNvPr>
+          <p:cNvPicPr>
+            <a:picLocks noChangeAspect="1"/>
+          </p:cNvPicPr>
+          <p:nvPr/>
+        </p:nvPicPr>
+        <p:blipFill>
+          <a:blip r:embed="rId3"/>
+          <a:stretch>
+            <a:fillRect/>
+          </a:stretch>
+        </p:blipFill>
+        <p:spPr>
+          <a:xfrm>
+            <a:off x="5821375" y="4352446"/>
+            <a:ext cx="6202190" cy="986948"/>
+          </a:xfrm>
+          <a:prstGeom prst="rect">
+            <a:avLst/>
+          </a:prstGeom>
+        </p:spPr>
+      </p:pic>
+      <p:sp>
+        <p:nvSpPr>
+          <p:cNvPr id="9" name="Right Arrow 8">
+            <a:extLst>
+              <a:ext uri="{FF2B5EF4-FFF2-40B4-BE49-F238E27FC236}">
+                <a16:creationId xmlns:a16="http://schemas.microsoft.com/office/drawing/2014/main" id="{657D87D2-7AA6-3744-9B2A-E4D44B098FB6}"/>
+              </a:ext>
+            </a:extLst>
+          </p:cNvPr>
+          <p:cNvSpPr/>
+          <p:nvPr/>
+        </p:nvSpPr>
+        <p:spPr>
+          <a:xfrm>
+            <a:off x="4242322" y="4680641"/>
+            <a:ext cx="1294645" cy="398353"/>
+          </a:xfrm>
+          <a:prstGeom prst="rightArrow">
+            <a:avLst/>
+          </a:prstGeom>
+        </p:spPr>
+        <p:style>
+          <a:lnRef idx="2">
+            <a:schemeClr val="accent1">
+              <a:shade val="50000"/>
+            </a:schemeClr>
+          </a:lnRef>
+          <a:fillRef idx="1">
+            <a:schemeClr val="accent1"/>
+          </a:fillRef>
+          <a:effectRef idx="0">
+            <a:schemeClr val="accent1"/>
+          </a:effectRef>
+          <a:fontRef idx="minor">
+            <a:schemeClr val="lt1"/>
+          </a:fontRef>
+        </p:style>
+        <p:txBody>
+          <a:bodyPr rtlCol="0" anchor="ctr"/>
+          <a:lstStyle/>
+          <a:p>
+            <a:pPr algn="ctr"/>
+            <a:endParaRPr lang="en-US"/>
+          </a:p>
+        </p:txBody>
+      </p:sp>
+      <p:sp>
+        <p:nvSpPr>
+          <p:cNvPr id="10" name="Content Placeholder 2">
+            <a:extLst>
+              <a:ext uri="{FF2B5EF4-FFF2-40B4-BE49-F238E27FC236}">
+                <a16:creationId xmlns:a16="http://schemas.microsoft.com/office/drawing/2014/main" id="{14412145-F7C7-2C4C-B20E-E5624026BAC5}"/>
+              </a:ext>
+            </a:extLst>
+          </p:cNvPr>
+          <p:cNvSpPr txBox="1">
+            <a:spLocks/>
+          </p:cNvSpPr>
+          <p:nvPr/>
+        </p:nvSpPr>
+        <p:spPr>
+          <a:xfrm>
+            <a:off x="2394724" y="6189348"/>
+            <a:ext cx="8927391" cy="560648"/>
+          </a:xfrm>
+          <a:prstGeom prst="rect">
+            <a:avLst/>
+          </a:prstGeom>
+          <a:noFill/>
+        </p:spPr>
+        <p:txBody>
+          <a:bodyPr vert="horz" lIns="91440" tIns="45720" rIns="91440" bIns="45720" rtlCol="0">
+            <a:normAutofit/>
+          </a:bodyPr>
+          <a:lstStyle>
+            <a:lvl1pPr marL="228600" indent="-228600" algn="l" defTabSz="914400" rtl="0" eaLnBrk="1" latinLnBrk="0" hangingPunct="1">
+              <a:lnSpc>
+                <a:spcPct val="120000"/>
+              </a:lnSpc>
+              <a:spcBef>
+                <a:spcPts val="1000"/>
+              </a:spcBef>
+              <a:buSzPct val="125000"/>
+              <a:buFont typeface="Arial" panose="020B0604020202020204" pitchFamily="34" charset="0"/>
+              <a:buChar char="•"/>
+              <a:defRPr sz="2400" kern="1200">
+                <a:solidFill>
+                  <a:schemeClr val="tx1"/>
+                </a:solidFill>
+                <a:latin typeface="+mn-lt"/>
+                <a:ea typeface="+mn-ea"/>
+                <a:cs typeface="+mn-cs"/>
+              </a:defRPr>
+            </a:lvl1pPr>
+            <a:lvl2pPr marL="685800" indent="-228600" algn="l" defTabSz="914400" rtl="0" eaLnBrk="1" latinLnBrk="0" hangingPunct="1">
+              <a:lnSpc>
+                <a:spcPct val="120000"/>
+              </a:lnSpc>
+              <a:spcBef>
+                <a:spcPts val="500"/>
+              </a:spcBef>
+              <a:buSzPct val="125000"/>
+              <a:buFont typeface="Arial" panose="020B0604020202020204" pitchFamily="34" charset="0"/>
+              <a:buChar char="•"/>
+              <a:defRPr sz="2000" kern="1200">
+                <a:solidFill>
+                  <a:schemeClr val="tx1"/>
+                </a:solidFill>
+                <a:latin typeface="+mn-lt"/>
+                <a:ea typeface="+mn-ea"/>
+                <a:cs typeface="+mn-cs"/>
+              </a:defRPr>
+            </a:lvl2pPr>
+            <a:lvl3pPr marL="1143000" indent="-228600" algn="l" defTabSz="914400" rtl="0" eaLnBrk="1" latinLnBrk="0" hangingPunct="1">
+              <a:lnSpc>
+                <a:spcPct val="120000"/>
+              </a:lnSpc>
+              <a:spcBef>
+                <a:spcPts val="500"/>
+              </a:spcBef>
+              <a:buSzPct val="125000"/>
+              <a:buFont typeface="Arial" panose="020B0604020202020204" pitchFamily="34" charset="0"/>
+              <a:buChar char="•"/>
+              <a:defRPr sz="1800" kern="1200">
+                <a:solidFill>
+                  <a:schemeClr val="tx1"/>
+                </a:solidFill>
+                <a:latin typeface="+mn-lt"/>
+                <a:ea typeface="+mn-ea"/>
+                <a:cs typeface="+mn-cs"/>
+              </a:defRPr>
+            </a:lvl3pPr>
+            <a:lvl4pPr marL="1600200" indent="-228600" algn="l" defTabSz="914400" rtl="0" eaLnBrk="1" latinLnBrk="0" hangingPunct="1">
+              <a:lnSpc>
+                <a:spcPct val="120000"/>
+              </a:lnSpc>
+              <a:spcBef>
+                <a:spcPts val="500"/>
+              </a:spcBef>
+              <a:buSzPct val="125000"/>
+              <a:buFont typeface="Arial" panose="020B0604020202020204" pitchFamily="34" charset="0"/>
+              <a:buChar char="•"/>
+              <a:defRPr sz="1600" kern="1200">
+                <a:solidFill>
+                  <a:schemeClr val="tx1"/>
+                </a:solidFill>
+                <a:latin typeface="+mn-lt"/>
+                <a:ea typeface="+mn-ea"/>
+                <a:cs typeface="+mn-cs"/>
+              </a:defRPr>
+            </a:lvl4pPr>
+            <a:lvl5pPr marL="2057400" indent="-228600" algn="l" defTabSz="914400" rtl="0" eaLnBrk="1" latinLnBrk="0" hangingPunct="1">
+              <a:lnSpc>
+                <a:spcPct val="120000"/>
+              </a:lnSpc>
+              <a:spcBef>
+                <a:spcPts val="500"/>
+              </a:spcBef>
+              <a:buSzPct val="125000"/>
+              <a:buFont typeface="Arial" panose="020B0604020202020204" pitchFamily="34" charset="0"/>
+              <a:buChar char="•"/>
+              <a:defRPr sz="1600" kern="1200">
+                <a:solidFill>
+                  <a:schemeClr val="tx1"/>
+                </a:solidFill>
+                <a:latin typeface="+mn-lt"/>
+                <a:ea typeface="+mn-ea"/>
+                <a:cs typeface="+mn-cs"/>
+              </a:defRPr>
+            </a:lvl5pPr>
+            <a:lvl6pPr marL="2514600" indent="-228600" algn="l" defTabSz="914400" rtl="0" eaLnBrk="1" latinLnBrk="0" hangingPunct="1">
+              <a:lnSpc>
+                <a:spcPct val="120000"/>
+              </a:lnSpc>
+              <a:spcBef>
+                <a:spcPts val="500"/>
+              </a:spcBef>
+              <a:buSzPct val="125000"/>
+              <a:buFont typeface="Arial" panose="020B0604020202020204" pitchFamily="34" charset="0"/>
+              <a:buChar char="•"/>
+              <a:defRPr sz="1400" kern="1200">
+                <a:solidFill>
+                  <a:schemeClr val="tx1"/>
+                </a:solidFill>
+                <a:latin typeface="+mn-lt"/>
+                <a:ea typeface="+mn-ea"/>
+                <a:cs typeface="+mn-cs"/>
+              </a:defRPr>
+            </a:lvl6pPr>
+            <a:lvl7pPr marL="2971800" indent="-228600" algn="l" defTabSz="914400" rtl="0" eaLnBrk="1" latinLnBrk="0" hangingPunct="1">
+              <a:lnSpc>
+                <a:spcPct val="120000"/>
+              </a:lnSpc>
+              <a:spcBef>
+                <a:spcPts val="500"/>
+              </a:spcBef>
+              <a:buSzPct val="125000"/>
+              <a:buFont typeface="Arial" panose="020B0604020202020204" pitchFamily="34" charset="0"/>
+              <a:buChar char="•"/>
+              <a:defRPr sz="1400" kern="1200">
+                <a:solidFill>
+                  <a:schemeClr val="tx1"/>
+                </a:solidFill>
+                <a:latin typeface="+mn-lt"/>
+                <a:ea typeface="+mn-ea"/>
+                <a:cs typeface="+mn-cs"/>
+              </a:defRPr>
+            </a:lvl7pPr>
+            <a:lvl8pPr marL="3429000" indent="-228600" algn="l" defTabSz="914400" rtl="0" eaLnBrk="1" latinLnBrk="0" hangingPunct="1">
+              <a:lnSpc>
+                <a:spcPct val="120000"/>
+              </a:lnSpc>
+              <a:spcBef>
+                <a:spcPts val="500"/>
+              </a:spcBef>
+              <a:buSzPct val="125000"/>
+              <a:buFont typeface="Arial" panose="020B0604020202020204" pitchFamily="34" charset="0"/>
+              <a:buChar char="•"/>
+              <a:defRPr sz="1400" kern="1200">
+                <a:solidFill>
+                  <a:schemeClr val="tx1"/>
+                </a:solidFill>
+                <a:latin typeface="+mn-lt"/>
+                <a:ea typeface="+mn-ea"/>
+                <a:cs typeface="+mn-cs"/>
+              </a:defRPr>
+            </a:lvl8pPr>
+            <a:lvl9pPr marL="3886200" indent="-228600" algn="l" defTabSz="914400" rtl="0" eaLnBrk="1" latinLnBrk="0" hangingPunct="1">
+              <a:lnSpc>
+                <a:spcPct val="120000"/>
+              </a:lnSpc>
+              <a:spcBef>
+                <a:spcPts val="500"/>
+              </a:spcBef>
+              <a:buSzPct val="125000"/>
+              <a:buFont typeface="Arial" panose="020B0604020202020204" pitchFamily="34" charset="0"/>
+              <a:buChar char="•"/>
+              <a:defRPr sz="1400" kern="1200">
+                <a:solidFill>
+                  <a:schemeClr val="tx1"/>
+                </a:solidFill>
+                <a:latin typeface="+mn-lt"/>
+                <a:ea typeface="+mn-ea"/>
+                <a:cs typeface="+mn-cs"/>
+              </a:defRPr>
+            </a:lvl9pPr>
+          </a:lstStyle>
+          <a:p>
+            <a:pPr marL="0" indent="0" algn="ctr">
+              <a:buFont typeface="Arial" panose="020B0604020202020204" pitchFamily="34" charset="0"/>
+              <a:buNone/>
+            </a:pPr>
+            <a:r>
+              <a:rPr lang="en-US" i="1" dirty="0">
+                <a:solidFill>
+                  <a:schemeClr val="tx1">
+                    <a:lumMod val="95000"/>
+                  </a:schemeClr>
+                </a:solidFill>
+              </a:rPr>
+              <a:t>**Need to argue that S simulates M’s computation exactly in all scenarios</a:t>
             </a:r>
           </a:p>
         </p:txBody>
@@ -37272,7 +38718,7 @@
     </p:spTree>
     <p:extLst>
       <p:ext uri="{BB962C8B-B14F-4D97-AF65-F5344CB8AC3E}">
-        <p14:creationId xmlns:p14="http://schemas.microsoft.com/office/powerpoint/2010/main" val="4079175610"/>
+        <p14:creationId xmlns:p14="http://schemas.microsoft.com/office/powerpoint/2010/main" val="1306390029"/>
       </p:ext>
     </p:extLst>
   </p:cSld>
@@ -37282,7 +38728,2710 @@
 </p:sld>
 </file>
 
-<file path=ppt/slides/slide33.xml><?xml version="1.0" encoding="utf-8"?>
+<file path=ppt/slides/slide34.xml><?xml version="1.0" encoding="utf-8"?>
+<p:sld xmlns:a="http://schemas.openxmlformats.org/drawingml/2006/main" xmlns:r="http://schemas.openxmlformats.org/officeDocument/2006/relationships" xmlns:p="http://schemas.openxmlformats.org/presentationml/2006/main">
+  <p:cSld>
+    <p:spTree>
+      <p:nvGrpSpPr>
+        <p:cNvPr id="1" name=""/>
+        <p:cNvGrpSpPr/>
+        <p:nvPr/>
+      </p:nvGrpSpPr>
+      <p:grpSpPr>
+        <a:xfrm>
+          <a:off x="0" y="0"/>
+          <a:ext cx="0" cy="0"/>
+          <a:chOff x="0" y="0"/>
+          <a:chExt cx="0" cy="0"/>
+        </a:xfrm>
+      </p:grpSpPr>
+      <p:sp>
+        <p:nvSpPr>
+          <p:cNvPr id="2" name="Title 1">
+            <a:extLst>
+              <a:ext uri="{FF2B5EF4-FFF2-40B4-BE49-F238E27FC236}">
+                <a16:creationId xmlns:a16="http://schemas.microsoft.com/office/drawing/2014/main" id="{D63C04CD-2329-4D47-84D9-12CB3EDD9F46}"/>
+              </a:ext>
+            </a:extLst>
+          </p:cNvPr>
+          <p:cNvSpPr>
+            <a:spLocks noGrp="1"/>
+          </p:cNvSpPr>
+          <p:nvPr>
+            <p:ph type="title"/>
+          </p:nvPr>
+        </p:nvSpPr>
+        <p:spPr>
+          <a:xfrm>
+            <a:off x="1141413" y="125537"/>
+            <a:ext cx="9905998" cy="860425"/>
+          </a:xfrm>
+        </p:spPr>
+        <p:txBody>
+          <a:bodyPr/>
+          <a:lstStyle/>
+          <a:p>
+            <a:pPr algn="ctr"/>
+            <a:r>
+              <a:rPr lang="en-US" dirty="0" err="1"/>
+              <a:t>MultiTape</a:t>
+            </a:r>
+            <a:r>
+              <a:rPr lang="en-US" dirty="0"/>
+              <a:t> Turing Machine</a:t>
+            </a:r>
+          </a:p>
+        </p:txBody>
+      </p:sp>
+      <p:sp>
+        <p:nvSpPr>
+          <p:cNvPr id="6" name="Content Placeholder 2">
+            <a:extLst>
+              <a:ext uri="{FF2B5EF4-FFF2-40B4-BE49-F238E27FC236}">
+                <a16:creationId xmlns:a16="http://schemas.microsoft.com/office/drawing/2014/main" id="{D1AB4AE0-9143-C34D-B965-4033C921D6B5}"/>
+              </a:ext>
+            </a:extLst>
+          </p:cNvPr>
+          <p:cNvSpPr txBox="1">
+            <a:spLocks/>
+          </p:cNvSpPr>
+          <p:nvPr/>
+        </p:nvSpPr>
+        <p:spPr>
+          <a:xfrm>
+            <a:off x="1083338" y="1069925"/>
+            <a:ext cx="9905999" cy="560648"/>
+          </a:xfrm>
+          <a:prstGeom prst="rect">
+            <a:avLst/>
+          </a:prstGeom>
+          <a:noFill/>
+        </p:spPr>
+        <p:txBody>
+          <a:bodyPr vert="horz" lIns="91440" tIns="45720" rIns="91440" bIns="45720" rtlCol="0">
+            <a:normAutofit/>
+          </a:bodyPr>
+          <a:lstStyle>
+            <a:lvl1pPr marL="228600" indent="-228600" algn="l" defTabSz="914400" rtl="0" eaLnBrk="1" latinLnBrk="0" hangingPunct="1">
+              <a:lnSpc>
+                <a:spcPct val="120000"/>
+              </a:lnSpc>
+              <a:spcBef>
+                <a:spcPts val="1000"/>
+              </a:spcBef>
+              <a:buSzPct val="125000"/>
+              <a:buFont typeface="Arial" panose="020B0604020202020204" pitchFamily="34" charset="0"/>
+              <a:buChar char="•"/>
+              <a:defRPr sz="2400" kern="1200">
+                <a:solidFill>
+                  <a:schemeClr val="tx1"/>
+                </a:solidFill>
+                <a:latin typeface="+mn-lt"/>
+                <a:ea typeface="+mn-ea"/>
+                <a:cs typeface="+mn-cs"/>
+              </a:defRPr>
+            </a:lvl1pPr>
+            <a:lvl2pPr marL="685800" indent="-228600" algn="l" defTabSz="914400" rtl="0" eaLnBrk="1" latinLnBrk="0" hangingPunct="1">
+              <a:lnSpc>
+                <a:spcPct val="120000"/>
+              </a:lnSpc>
+              <a:spcBef>
+                <a:spcPts val="500"/>
+              </a:spcBef>
+              <a:buSzPct val="125000"/>
+              <a:buFont typeface="Arial" panose="020B0604020202020204" pitchFamily="34" charset="0"/>
+              <a:buChar char="•"/>
+              <a:defRPr sz="2000" kern="1200">
+                <a:solidFill>
+                  <a:schemeClr val="tx1"/>
+                </a:solidFill>
+                <a:latin typeface="+mn-lt"/>
+                <a:ea typeface="+mn-ea"/>
+                <a:cs typeface="+mn-cs"/>
+              </a:defRPr>
+            </a:lvl2pPr>
+            <a:lvl3pPr marL="1143000" indent="-228600" algn="l" defTabSz="914400" rtl="0" eaLnBrk="1" latinLnBrk="0" hangingPunct="1">
+              <a:lnSpc>
+                <a:spcPct val="120000"/>
+              </a:lnSpc>
+              <a:spcBef>
+                <a:spcPts val="500"/>
+              </a:spcBef>
+              <a:buSzPct val="125000"/>
+              <a:buFont typeface="Arial" panose="020B0604020202020204" pitchFamily="34" charset="0"/>
+              <a:buChar char="•"/>
+              <a:defRPr sz="1800" kern="1200">
+                <a:solidFill>
+                  <a:schemeClr val="tx1"/>
+                </a:solidFill>
+                <a:latin typeface="+mn-lt"/>
+                <a:ea typeface="+mn-ea"/>
+                <a:cs typeface="+mn-cs"/>
+              </a:defRPr>
+            </a:lvl3pPr>
+            <a:lvl4pPr marL="1600200" indent="-228600" algn="l" defTabSz="914400" rtl="0" eaLnBrk="1" latinLnBrk="0" hangingPunct="1">
+              <a:lnSpc>
+                <a:spcPct val="120000"/>
+              </a:lnSpc>
+              <a:spcBef>
+                <a:spcPts val="500"/>
+              </a:spcBef>
+              <a:buSzPct val="125000"/>
+              <a:buFont typeface="Arial" panose="020B0604020202020204" pitchFamily="34" charset="0"/>
+              <a:buChar char="•"/>
+              <a:defRPr sz="1600" kern="1200">
+                <a:solidFill>
+                  <a:schemeClr val="tx1"/>
+                </a:solidFill>
+                <a:latin typeface="+mn-lt"/>
+                <a:ea typeface="+mn-ea"/>
+                <a:cs typeface="+mn-cs"/>
+              </a:defRPr>
+            </a:lvl4pPr>
+            <a:lvl5pPr marL="2057400" indent="-228600" algn="l" defTabSz="914400" rtl="0" eaLnBrk="1" latinLnBrk="0" hangingPunct="1">
+              <a:lnSpc>
+                <a:spcPct val="120000"/>
+              </a:lnSpc>
+              <a:spcBef>
+                <a:spcPts val="500"/>
+              </a:spcBef>
+              <a:buSzPct val="125000"/>
+              <a:buFont typeface="Arial" panose="020B0604020202020204" pitchFamily="34" charset="0"/>
+              <a:buChar char="•"/>
+              <a:defRPr sz="1600" kern="1200">
+                <a:solidFill>
+                  <a:schemeClr val="tx1"/>
+                </a:solidFill>
+                <a:latin typeface="+mn-lt"/>
+                <a:ea typeface="+mn-ea"/>
+                <a:cs typeface="+mn-cs"/>
+              </a:defRPr>
+            </a:lvl5pPr>
+            <a:lvl6pPr marL="2514600" indent="-228600" algn="l" defTabSz="914400" rtl="0" eaLnBrk="1" latinLnBrk="0" hangingPunct="1">
+              <a:lnSpc>
+                <a:spcPct val="120000"/>
+              </a:lnSpc>
+              <a:spcBef>
+                <a:spcPts val="500"/>
+              </a:spcBef>
+              <a:buSzPct val="125000"/>
+              <a:buFont typeface="Arial" panose="020B0604020202020204" pitchFamily="34" charset="0"/>
+              <a:buChar char="•"/>
+              <a:defRPr sz="1400" kern="1200">
+                <a:solidFill>
+                  <a:schemeClr val="tx1"/>
+                </a:solidFill>
+                <a:latin typeface="+mn-lt"/>
+                <a:ea typeface="+mn-ea"/>
+                <a:cs typeface="+mn-cs"/>
+              </a:defRPr>
+            </a:lvl6pPr>
+            <a:lvl7pPr marL="2971800" indent="-228600" algn="l" defTabSz="914400" rtl="0" eaLnBrk="1" latinLnBrk="0" hangingPunct="1">
+              <a:lnSpc>
+                <a:spcPct val="120000"/>
+              </a:lnSpc>
+              <a:spcBef>
+                <a:spcPts val="500"/>
+              </a:spcBef>
+              <a:buSzPct val="125000"/>
+              <a:buFont typeface="Arial" panose="020B0604020202020204" pitchFamily="34" charset="0"/>
+              <a:buChar char="•"/>
+              <a:defRPr sz="1400" kern="1200">
+                <a:solidFill>
+                  <a:schemeClr val="tx1"/>
+                </a:solidFill>
+                <a:latin typeface="+mn-lt"/>
+                <a:ea typeface="+mn-ea"/>
+                <a:cs typeface="+mn-cs"/>
+              </a:defRPr>
+            </a:lvl7pPr>
+            <a:lvl8pPr marL="3429000" indent="-228600" algn="l" defTabSz="914400" rtl="0" eaLnBrk="1" latinLnBrk="0" hangingPunct="1">
+              <a:lnSpc>
+                <a:spcPct val="120000"/>
+              </a:lnSpc>
+              <a:spcBef>
+                <a:spcPts val="500"/>
+              </a:spcBef>
+              <a:buSzPct val="125000"/>
+              <a:buFont typeface="Arial" panose="020B0604020202020204" pitchFamily="34" charset="0"/>
+              <a:buChar char="•"/>
+              <a:defRPr sz="1400" kern="1200">
+                <a:solidFill>
+                  <a:schemeClr val="tx1"/>
+                </a:solidFill>
+                <a:latin typeface="+mn-lt"/>
+                <a:ea typeface="+mn-ea"/>
+                <a:cs typeface="+mn-cs"/>
+              </a:defRPr>
+            </a:lvl8pPr>
+            <a:lvl9pPr marL="3886200" indent="-228600" algn="l" defTabSz="914400" rtl="0" eaLnBrk="1" latinLnBrk="0" hangingPunct="1">
+              <a:lnSpc>
+                <a:spcPct val="120000"/>
+              </a:lnSpc>
+              <a:spcBef>
+                <a:spcPts val="500"/>
+              </a:spcBef>
+              <a:buSzPct val="125000"/>
+              <a:buFont typeface="Arial" panose="020B0604020202020204" pitchFamily="34" charset="0"/>
+              <a:buChar char="•"/>
+              <a:defRPr sz="1400" kern="1200">
+                <a:solidFill>
+                  <a:schemeClr val="tx1"/>
+                </a:solidFill>
+                <a:latin typeface="+mn-lt"/>
+                <a:ea typeface="+mn-ea"/>
+                <a:cs typeface="+mn-cs"/>
+              </a:defRPr>
+            </a:lvl9pPr>
+          </a:lstStyle>
+          <a:p>
+            <a:pPr marL="0" indent="0" algn="ctr">
+              <a:buFont typeface="Arial" panose="020B0604020202020204" pitchFamily="34" charset="0"/>
+              <a:buNone/>
+            </a:pPr>
+            <a:r>
+              <a:rPr lang="en-US" dirty="0">
+                <a:solidFill>
+                  <a:schemeClr val="tx1">
+                    <a:lumMod val="95000"/>
+                  </a:schemeClr>
+                </a:solidFill>
+              </a:rPr>
+              <a:t>Two major issues we need to overcome for this proof:</a:t>
+            </a:r>
+          </a:p>
+        </p:txBody>
+      </p:sp>
+      <p:pic>
+        <p:nvPicPr>
+          <p:cNvPr id="8" name="Picture 7">
+            <a:extLst>
+              <a:ext uri="{FF2B5EF4-FFF2-40B4-BE49-F238E27FC236}">
+                <a16:creationId xmlns:a16="http://schemas.microsoft.com/office/drawing/2014/main" id="{E1F6F23D-DEBF-5349-93BD-B000F8FF1C32}"/>
+              </a:ext>
+            </a:extLst>
+          </p:cNvPr>
+          <p:cNvPicPr>
+            <a:picLocks noChangeAspect="1"/>
+          </p:cNvPicPr>
+          <p:nvPr/>
+        </p:nvPicPr>
+        <p:blipFill>
+          <a:blip r:embed="rId2"/>
+          <a:stretch>
+            <a:fillRect/>
+          </a:stretch>
+        </p:blipFill>
+        <p:spPr>
+          <a:xfrm>
+            <a:off x="2965783" y="3334161"/>
+            <a:ext cx="6202190" cy="986948"/>
+          </a:xfrm>
+          <a:prstGeom prst="rect">
+            <a:avLst/>
+          </a:prstGeom>
+        </p:spPr>
+      </p:pic>
+      <p:sp>
+        <p:nvSpPr>
+          <p:cNvPr id="11" name="Content Placeholder 2">
+            <a:extLst>
+              <a:ext uri="{FF2B5EF4-FFF2-40B4-BE49-F238E27FC236}">
+                <a16:creationId xmlns:a16="http://schemas.microsoft.com/office/drawing/2014/main" id="{A610FD24-6C19-B04B-A7F0-39D6D8E0A308}"/>
+              </a:ext>
+            </a:extLst>
+          </p:cNvPr>
+          <p:cNvSpPr>
+            <a:spLocks noGrp="1"/>
+          </p:cNvSpPr>
+          <p:nvPr>
+            <p:ph idx="1"/>
+          </p:nvPr>
+        </p:nvSpPr>
+        <p:spPr>
+          <a:xfrm>
+            <a:off x="1961526" y="1624006"/>
+            <a:ext cx="3566389" cy="1436069"/>
+          </a:xfrm>
+          <a:solidFill>
+            <a:schemeClr val="tx1">
+              <a:lumMod val="95000"/>
+            </a:schemeClr>
+          </a:solidFill>
+        </p:spPr>
+        <p:txBody>
+          <a:bodyPr>
+            <a:normAutofit/>
+          </a:bodyPr>
+          <a:lstStyle/>
+          <a:p>
+            <a:pPr marL="0" indent="0">
+              <a:buNone/>
+            </a:pPr>
+            <a:r>
+              <a:rPr lang="en-US" b="1" i="1" u="sng" dirty="0">
+                <a:solidFill>
+                  <a:schemeClr val="bg1"/>
+                </a:solidFill>
+              </a:rPr>
+              <a:t>Issue 1</a:t>
+            </a:r>
+            <a:r>
+              <a:rPr lang="en-US" dirty="0">
+                <a:solidFill>
+                  <a:schemeClr val="bg1"/>
+                </a:solidFill>
+              </a:rPr>
+              <a:t>: How to simulate multiple tapes / heads with only one tape / head?</a:t>
+            </a:r>
+          </a:p>
+        </p:txBody>
+      </p:sp>
+      <p:sp>
+        <p:nvSpPr>
+          <p:cNvPr id="12" name="Content Placeholder 2">
+            <a:extLst>
+              <a:ext uri="{FF2B5EF4-FFF2-40B4-BE49-F238E27FC236}">
+                <a16:creationId xmlns:a16="http://schemas.microsoft.com/office/drawing/2014/main" id="{5C6AEA0E-A630-CA4E-8D76-4DB37E2AE490}"/>
+              </a:ext>
+            </a:extLst>
+          </p:cNvPr>
+          <p:cNvSpPr txBox="1">
+            <a:spLocks/>
+          </p:cNvSpPr>
+          <p:nvPr/>
+        </p:nvSpPr>
+        <p:spPr>
+          <a:xfrm>
+            <a:off x="6378105" y="1624006"/>
+            <a:ext cx="3566389" cy="1436069"/>
+          </a:xfrm>
+          <a:prstGeom prst="rect">
+            <a:avLst/>
+          </a:prstGeom>
+          <a:solidFill>
+            <a:schemeClr val="tx1">
+              <a:lumMod val="95000"/>
+            </a:schemeClr>
+          </a:solidFill>
+        </p:spPr>
+        <p:txBody>
+          <a:bodyPr vert="horz" lIns="91440" tIns="45720" rIns="91440" bIns="45720" rtlCol="0">
+            <a:normAutofit/>
+          </a:bodyPr>
+          <a:lstStyle>
+            <a:lvl1pPr marL="228600" indent="-228600" algn="l" defTabSz="914400" rtl="0" eaLnBrk="1" latinLnBrk="0" hangingPunct="1">
+              <a:lnSpc>
+                <a:spcPct val="120000"/>
+              </a:lnSpc>
+              <a:spcBef>
+                <a:spcPts val="1000"/>
+              </a:spcBef>
+              <a:buSzPct val="125000"/>
+              <a:buFont typeface="Arial" panose="020B0604020202020204" pitchFamily="34" charset="0"/>
+              <a:buChar char="•"/>
+              <a:defRPr sz="2400" kern="1200">
+                <a:solidFill>
+                  <a:schemeClr val="tx1"/>
+                </a:solidFill>
+                <a:latin typeface="+mn-lt"/>
+                <a:ea typeface="+mn-ea"/>
+                <a:cs typeface="+mn-cs"/>
+              </a:defRPr>
+            </a:lvl1pPr>
+            <a:lvl2pPr marL="685800" indent="-228600" algn="l" defTabSz="914400" rtl="0" eaLnBrk="1" latinLnBrk="0" hangingPunct="1">
+              <a:lnSpc>
+                <a:spcPct val="120000"/>
+              </a:lnSpc>
+              <a:spcBef>
+                <a:spcPts val="500"/>
+              </a:spcBef>
+              <a:buSzPct val="125000"/>
+              <a:buFont typeface="Arial" panose="020B0604020202020204" pitchFamily="34" charset="0"/>
+              <a:buChar char="•"/>
+              <a:defRPr sz="2000" kern="1200">
+                <a:solidFill>
+                  <a:schemeClr val="tx1"/>
+                </a:solidFill>
+                <a:latin typeface="+mn-lt"/>
+                <a:ea typeface="+mn-ea"/>
+                <a:cs typeface="+mn-cs"/>
+              </a:defRPr>
+            </a:lvl2pPr>
+            <a:lvl3pPr marL="1143000" indent="-228600" algn="l" defTabSz="914400" rtl="0" eaLnBrk="1" latinLnBrk="0" hangingPunct="1">
+              <a:lnSpc>
+                <a:spcPct val="120000"/>
+              </a:lnSpc>
+              <a:spcBef>
+                <a:spcPts val="500"/>
+              </a:spcBef>
+              <a:buSzPct val="125000"/>
+              <a:buFont typeface="Arial" panose="020B0604020202020204" pitchFamily="34" charset="0"/>
+              <a:buChar char="•"/>
+              <a:defRPr sz="1800" kern="1200">
+                <a:solidFill>
+                  <a:schemeClr val="tx1"/>
+                </a:solidFill>
+                <a:latin typeface="+mn-lt"/>
+                <a:ea typeface="+mn-ea"/>
+                <a:cs typeface="+mn-cs"/>
+              </a:defRPr>
+            </a:lvl3pPr>
+            <a:lvl4pPr marL="1600200" indent="-228600" algn="l" defTabSz="914400" rtl="0" eaLnBrk="1" latinLnBrk="0" hangingPunct="1">
+              <a:lnSpc>
+                <a:spcPct val="120000"/>
+              </a:lnSpc>
+              <a:spcBef>
+                <a:spcPts val="500"/>
+              </a:spcBef>
+              <a:buSzPct val="125000"/>
+              <a:buFont typeface="Arial" panose="020B0604020202020204" pitchFamily="34" charset="0"/>
+              <a:buChar char="•"/>
+              <a:defRPr sz="1600" kern="1200">
+                <a:solidFill>
+                  <a:schemeClr val="tx1"/>
+                </a:solidFill>
+                <a:latin typeface="+mn-lt"/>
+                <a:ea typeface="+mn-ea"/>
+                <a:cs typeface="+mn-cs"/>
+              </a:defRPr>
+            </a:lvl4pPr>
+            <a:lvl5pPr marL="2057400" indent="-228600" algn="l" defTabSz="914400" rtl="0" eaLnBrk="1" latinLnBrk="0" hangingPunct="1">
+              <a:lnSpc>
+                <a:spcPct val="120000"/>
+              </a:lnSpc>
+              <a:spcBef>
+                <a:spcPts val="500"/>
+              </a:spcBef>
+              <a:buSzPct val="125000"/>
+              <a:buFont typeface="Arial" panose="020B0604020202020204" pitchFamily="34" charset="0"/>
+              <a:buChar char="•"/>
+              <a:defRPr sz="1600" kern="1200">
+                <a:solidFill>
+                  <a:schemeClr val="tx1"/>
+                </a:solidFill>
+                <a:latin typeface="+mn-lt"/>
+                <a:ea typeface="+mn-ea"/>
+                <a:cs typeface="+mn-cs"/>
+              </a:defRPr>
+            </a:lvl5pPr>
+            <a:lvl6pPr marL="2514600" indent="-228600" algn="l" defTabSz="914400" rtl="0" eaLnBrk="1" latinLnBrk="0" hangingPunct="1">
+              <a:lnSpc>
+                <a:spcPct val="120000"/>
+              </a:lnSpc>
+              <a:spcBef>
+                <a:spcPts val="500"/>
+              </a:spcBef>
+              <a:buSzPct val="125000"/>
+              <a:buFont typeface="Arial" panose="020B0604020202020204" pitchFamily="34" charset="0"/>
+              <a:buChar char="•"/>
+              <a:defRPr sz="1400" kern="1200">
+                <a:solidFill>
+                  <a:schemeClr val="tx1"/>
+                </a:solidFill>
+                <a:latin typeface="+mn-lt"/>
+                <a:ea typeface="+mn-ea"/>
+                <a:cs typeface="+mn-cs"/>
+              </a:defRPr>
+            </a:lvl6pPr>
+            <a:lvl7pPr marL="2971800" indent="-228600" algn="l" defTabSz="914400" rtl="0" eaLnBrk="1" latinLnBrk="0" hangingPunct="1">
+              <a:lnSpc>
+                <a:spcPct val="120000"/>
+              </a:lnSpc>
+              <a:spcBef>
+                <a:spcPts val="500"/>
+              </a:spcBef>
+              <a:buSzPct val="125000"/>
+              <a:buFont typeface="Arial" panose="020B0604020202020204" pitchFamily="34" charset="0"/>
+              <a:buChar char="•"/>
+              <a:defRPr sz="1400" kern="1200">
+                <a:solidFill>
+                  <a:schemeClr val="tx1"/>
+                </a:solidFill>
+                <a:latin typeface="+mn-lt"/>
+                <a:ea typeface="+mn-ea"/>
+                <a:cs typeface="+mn-cs"/>
+              </a:defRPr>
+            </a:lvl7pPr>
+            <a:lvl8pPr marL="3429000" indent="-228600" algn="l" defTabSz="914400" rtl="0" eaLnBrk="1" latinLnBrk="0" hangingPunct="1">
+              <a:lnSpc>
+                <a:spcPct val="120000"/>
+              </a:lnSpc>
+              <a:spcBef>
+                <a:spcPts val="500"/>
+              </a:spcBef>
+              <a:buSzPct val="125000"/>
+              <a:buFont typeface="Arial" panose="020B0604020202020204" pitchFamily="34" charset="0"/>
+              <a:buChar char="•"/>
+              <a:defRPr sz="1400" kern="1200">
+                <a:solidFill>
+                  <a:schemeClr val="tx1"/>
+                </a:solidFill>
+                <a:latin typeface="+mn-lt"/>
+                <a:ea typeface="+mn-ea"/>
+                <a:cs typeface="+mn-cs"/>
+              </a:defRPr>
+            </a:lvl8pPr>
+            <a:lvl9pPr marL="3886200" indent="-228600" algn="l" defTabSz="914400" rtl="0" eaLnBrk="1" latinLnBrk="0" hangingPunct="1">
+              <a:lnSpc>
+                <a:spcPct val="120000"/>
+              </a:lnSpc>
+              <a:spcBef>
+                <a:spcPts val="500"/>
+              </a:spcBef>
+              <a:buSzPct val="125000"/>
+              <a:buFont typeface="Arial" panose="020B0604020202020204" pitchFamily="34" charset="0"/>
+              <a:buChar char="•"/>
+              <a:defRPr sz="1400" kern="1200">
+                <a:solidFill>
+                  <a:schemeClr val="tx1"/>
+                </a:solidFill>
+                <a:latin typeface="+mn-lt"/>
+                <a:ea typeface="+mn-ea"/>
+                <a:cs typeface="+mn-cs"/>
+              </a:defRPr>
+            </a:lvl9pPr>
+          </a:lstStyle>
+          <a:p>
+            <a:pPr marL="0" indent="0">
+              <a:buFont typeface="Arial" panose="020B0604020202020204" pitchFamily="34" charset="0"/>
+              <a:buNone/>
+            </a:pPr>
+            <a:r>
+              <a:rPr lang="en-US" b="1" i="1" u="sng" dirty="0">
+                <a:solidFill>
+                  <a:schemeClr val="bg1"/>
+                </a:solidFill>
+              </a:rPr>
+              <a:t>Issue 2</a:t>
+            </a:r>
+            <a:r>
+              <a:rPr lang="en-US" dirty="0">
+                <a:solidFill>
+                  <a:schemeClr val="bg1"/>
+                </a:solidFill>
+              </a:rPr>
+              <a:t>: How to handle space constraints fitting k tapes on just 1?</a:t>
+            </a:r>
+          </a:p>
+        </p:txBody>
+      </p:sp>
+      <p:sp>
+        <p:nvSpPr>
+          <p:cNvPr id="13" name="Content Placeholder 2">
+            <a:extLst>
+              <a:ext uri="{FF2B5EF4-FFF2-40B4-BE49-F238E27FC236}">
+                <a16:creationId xmlns:a16="http://schemas.microsoft.com/office/drawing/2014/main" id="{699C4873-04C8-364E-BF2F-E6DB3941CE0B}"/>
+              </a:ext>
+            </a:extLst>
+          </p:cNvPr>
+          <p:cNvSpPr txBox="1">
+            <a:spLocks/>
+          </p:cNvSpPr>
+          <p:nvPr/>
+        </p:nvSpPr>
+        <p:spPr>
+          <a:xfrm>
+            <a:off x="1327781" y="5270644"/>
+            <a:ext cx="4104298" cy="1165021"/>
+          </a:xfrm>
+          <a:prstGeom prst="rect">
+            <a:avLst/>
+          </a:prstGeom>
+          <a:noFill/>
+        </p:spPr>
+        <p:txBody>
+          <a:bodyPr vert="horz" lIns="91440" tIns="45720" rIns="91440" bIns="45720" rtlCol="0">
+            <a:normAutofit/>
+          </a:bodyPr>
+          <a:lstStyle>
+            <a:lvl1pPr marL="228600" indent="-228600" algn="l" defTabSz="914400" rtl="0" eaLnBrk="1" latinLnBrk="0" hangingPunct="1">
+              <a:lnSpc>
+                <a:spcPct val="120000"/>
+              </a:lnSpc>
+              <a:spcBef>
+                <a:spcPts val="1000"/>
+              </a:spcBef>
+              <a:buSzPct val="125000"/>
+              <a:buFont typeface="Arial" panose="020B0604020202020204" pitchFamily="34" charset="0"/>
+              <a:buChar char="•"/>
+              <a:defRPr sz="2400" kern="1200">
+                <a:solidFill>
+                  <a:schemeClr val="tx1"/>
+                </a:solidFill>
+                <a:latin typeface="+mn-lt"/>
+                <a:ea typeface="+mn-ea"/>
+                <a:cs typeface="+mn-cs"/>
+              </a:defRPr>
+            </a:lvl1pPr>
+            <a:lvl2pPr marL="685800" indent="-228600" algn="l" defTabSz="914400" rtl="0" eaLnBrk="1" latinLnBrk="0" hangingPunct="1">
+              <a:lnSpc>
+                <a:spcPct val="120000"/>
+              </a:lnSpc>
+              <a:spcBef>
+                <a:spcPts val="500"/>
+              </a:spcBef>
+              <a:buSzPct val="125000"/>
+              <a:buFont typeface="Arial" panose="020B0604020202020204" pitchFamily="34" charset="0"/>
+              <a:buChar char="•"/>
+              <a:defRPr sz="2000" kern="1200">
+                <a:solidFill>
+                  <a:schemeClr val="tx1"/>
+                </a:solidFill>
+                <a:latin typeface="+mn-lt"/>
+                <a:ea typeface="+mn-ea"/>
+                <a:cs typeface="+mn-cs"/>
+              </a:defRPr>
+            </a:lvl2pPr>
+            <a:lvl3pPr marL="1143000" indent="-228600" algn="l" defTabSz="914400" rtl="0" eaLnBrk="1" latinLnBrk="0" hangingPunct="1">
+              <a:lnSpc>
+                <a:spcPct val="120000"/>
+              </a:lnSpc>
+              <a:spcBef>
+                <a:spcPts val="500"/>
+              </a:spcBef>
+              <a:buSzPct val="125000"/>
+              <a:buFont typeface="Arial" panose="020B0604020202020204" pitchFamily="34" charset="0"/>
+              <a:buChar char="•"/>
+              <a:defRPr sz="1800" kern="1200">
+                <a:solidFill>
+                  <a:schemeClr val="tx1"/>
+                </a:solidFill>
+                <a:latin typeface="+mn-lt"/>
+                <a:ea typeface="+mn-ea"/>
+                <a:cs typeface="+mn-cs"/>
+              </a:defRPr>
+            </a:lvl3pPr>
+            <a:lvl4pPr marL="1600200" indent="-228600" algn="l" defTabSz="914400" rtl="0" eaLnBrk="1" latinLnBrk="0" hangingPunct="1">
+              <a:lnSpc>
+                <a:spcPct val="120000"/>
+              </a:lnSpc>
+              <a:spcBef>
+                <a:spcPts val="500"/>
+              </a:spcBef>
+              <a:buSzPct val="125000"/>
+              <a:buFont typeface="Arial" panose="020B0604020202020204" pitchFamily="34" charset="0"/>
+              <a:buChar char="•"/>
+              <a:defRPr sz="1600" kern="1200">
+                <a:solidFill>
+                  <a:schemeClr val="tx1"/>
+                </a:solidFill>
+                <a:latin typeface="+mn-lt"/>
+                <a:ea typeface="+mn-ea"/>
+                <a:cs typeface="+mn-cs"/>
+              </a:defRPr>
+            </a:lvl4pPr>
+            <a:lvl5pPr marL="2057400" indent="-228600" algn="l" defTabSz="914400" rtl="0" eaLnBrk="1" latinLnBrk="0" hangingPunct="1">
+              <a:lnSpc>
+                <a:spcPct val="120000"/>
+              </a:lnSpc>
+              <a:spcBef>
+                <a:spcPts val="500"/>
+              </a:spcBef>
+              <a:buSzPct val="125000"/>
+              <a:buFont typeface="Arial" panose="020B0604020202020204" pitchFamily="34" charset="0"/>
+              <a:buChar char="•"/>
+              <a:defRPr sz="1600" kern="1200">
+                <a:solidFill>
+                  <a:schemeClr val="tx1"/>
+                </a:solidFill>
+                <a:latin typeface="+mn-lt"/>
+                <a:ea typeface="+mn-ea"/>
+                <a:cs typeface="+mn-cs"/>
+              </a:defRPr>
+            </a:lvl5pPr>
+            <a:lvl6pPr marL="2514600" indent="-228600" algn="l" defTabSz="914400" rtl="0" eaLnBrk="1" latinLnBrk="0" hangingPunct="1">
+              <a:lnSpc>
+                <a:spcPct val="120000"/>
+              </a:lnSpc>
+              <a:spcBef>
+                <a:spcPts val="500"/>
+              </a:spcBef>
+              <a:buSzPct val="125000"/>
+              <a:buFont typeface="Arial" panose="020B0604020202020204" pitchFamily="34" charset="0"/>
+              <a:buChar char="•"/>
+              <a:defRPr sz="1400" kern="1200">
+                <a:solidFill>
+                  <a:schemeClr val="tx1"/>
+                </a:solidFill>
+                <a:latin typeface="+mn-lt"/>
+                <a:ea typeface="+mn-ea"/>
+                <a:cs typeface="+mn-cs"/>
+              </a:defRPr>
+            </a:lvl6pPr>
+            <a:lvl7pPr marL="2971800" indent="-228600" algn="l" defTabSz="914400" rtl="0" eaLnBrk="1" latinLnBrk="0" hangingPunct="1">
+              <a:lnSpc>
+                <a:spcPct val="120000"/>
+              </a:lnSpc>
+              <a:spcBef>
+                <a:spcPts val="500"/>
+              </a:spcBef>
+              <a:buSzPct val="125000"/>
+              <a:buFont typeface="Arial" panose="020B0604020202020204" pitchFamily="34" charset="0"/>
+              <a:buChar char="•"/>
+              <a:defRPr sz="1400" kern="1200">
+                <a:solidFill>
+                  <a:schemeClr val="tx1"/>
+                </a:solidFill>
+                <a:latin typeface="+mn-lt"/>
+                <a:ea typeface="+mn-ea"/>
+                <a:cs typeface="+mn-cs"/>
+              </a:defRPr>
+            </a:lvl7pPr>
+            <a:lvl8pPr marL="3429000" indent="-228600" algn="l" defTabSz="914400" rtl="0" eaLnBrk="1" latinLnBrk="0" hangingPunct="1">
+              <a:lnSpc>
+                <a:spcPct val="120000"/>
+              </a:lnSpc>
+              <a:spcBef>
+                <a:spcPts val="500"/>
+              </a:spcBef>
+              <a:buSzPct val="125000"/>
+              <a:buFont typeface="Arial" panose="020B0604020202020204" pitchFamily="34" charset="0"/>
+              <a:buChar char="•"/>
+              <a:defRPr sz="1400" kern="1200">
+                <a:solidFill>
+                  <a:schemeClr val="tx1"/>
+                </a:solidFill>
+                <a:latin typeface="+mn-lt"/>
+                <a:ea typeface="+mn-ea"/>
+                <a:cs typeface="+mn-cs"/>
+              </a:defRPr>
+            </a:lvl8pPr>
+            <a:lvl9pPr marL="3886200" indent="-228600" algn="l" defTabSz="914400" rtl="0" eaLnBrk="1" latinLnBrk="0" hangingPunct="1">
+              <a:lnSpc>
+                <a:spcPct val="120000"/>
+              </a:lnSpc>
+              <a:spcBef>
+                <a:spcPts val="500"/>
+              </a:spcBef>
+              <a:buSzPct val="125000"/>
+              <a:buFont typeface="Arial" panose="020B0604020202020204" pitchFamily="34" charset="0"/>
+              <a:buChar char="•"/>
+              <a:defRPr sz="1400" kern="1200">
+                <a:solidFill>
+                  <a:schemeClr val="tx1"/>
+                </a:solidFill>
+                <a:latin typeface="+mn-lt"/>
+                <a:ea typeface="+mn-ea"/>
+                <a:cs typeface="+mn-cs"/>
+              </a:defRPr>
+            </a:lvl9pPr>
+          </a:lstStyle>
+          <a:p>
+            <a:pPr marL="0" indent="0" algn="ctr">
+              <a:buFont typeface="Arial" panose="020B0604020202020204" pitchFamily="34" charset="0"/>
+              <a:buNone/>
+            </a:pPr>
+            <a:r>
+              <a:rPr lang="en-US" sz="1800" i="1" dirty="0">
+                <a:solidFill>
+                  <a:schemeClr val="tx1">
+                    <a:lumMod val="95000"/>
+                  </a:schemeClr>
+                </a:solidFill>
+              </a:rPr>
+              <a:t>For issue 1, we make special versions of each tape symbol that represent a “virtual head” being positioned at that location.</a:t>
+            </a:r>
+          </a:p>
+        </p:txBody>
+      </p:sp>
+      <p:sp>
+        <p:nvSpPr>
+          <p:cNvPr id="14" name="Content Placeholder 2">
+            <a:extLst>
+              <a:ext uri="{FF2B5EF4-FFF2-40B4-BE49-F238E27FC236}">
+                <a16:creationId xmlns:a16="http://schemas.microsoft.com/office/drawing/2014/main" id="{2C7E0C70-B833-174B-8895-B14D53C4EE9A}"/>
+              </a:ext>
+            </a:extLst>
+          </p:cNvPr>
+          <p:cNvSpPr txBox="1">
+            <a:spLocks/>
+          </p:cNvSpPr>
+          <p:nvPr/>
+        </p:nvSpPr>
+        <p:spPr>
+          <a:xfrm>
+            <a:off x="6387158" y="5270643"/>
+            <a:ext cx="4104298" cy="1165021"/>
+          </a:xfrm>
+          <a:prstGeom prst="rect">
+            <a:avLst/>
+          </a:prstGeom>
+          <a:noFill/>
+        </p:spPr>
+        <p:txBody>
+          <a:bodyPr vert="horz" lIns="91440" tIns="45720" rIns="91440" bIns="45720" rtlCol="0">
+            <a:normAutofit fontScale="85000" lnSpcReduction="10000"/>
+          </a:bodyPr>
+          <a:lstStyle>
+            <a:lvl1pPr marL="228600" indent="-228600" algn="l" defTabSz="914400" rtl="0" eaLnBrk="1" latinLnBrk="0" hangingPunct="1">
+              <a:lnSpc>
+                <a:spcPct val="120000"/>
+              </a:lnSpc>
+              <a:spcBef>
+                <a:spcPts val="1000"/>
+              </a:spcBef>
+              <a:buSzPct val="125000"/>
+              <a:buFont typeface="Arial" panose="020B0604020202020204" pitchFamily="34" charset="0"/>
+              <a:buChar char="•"/>
+              <a:defRPr sz="2400" kern="1200">
+                <a:solidFill>
+                  <a:schemeClr val="tx1"/>
+                </a:solidFill>
+                <a:latin typeface="+mn-lt"/>
+                <a:ea typeface="+mn-ea"/>
+                <a:cs typeface="+mn-cs"/>
+              </a:defRPr>
+            </a:lvl1pPr>
+            <a:lvl2pPr marL="685800" indent="-228600" algn="l" defTabSz="914400" rtl="0" eaLnBrk="1" latinLnBrk="0" hangingPunct="1">
+              <a:lnSpc>
+                <a:spcPct val="120000"/>
+              </a:lnSpc>
+              <a:spcBef>
+                <a:spcPts val="500"/>
+              </a:spcBef>
+              <a:buSzPct val="125000"/>
+              <a:buFont typeface="Arial" panose="020B0604020202020204" pitchFamily="34" charset="0"/>
+              <a:buChar char="•"/>
+              <a:defRPr sz="2000" kern="1200">
+                <a:solidFill>
+                  <a:schemeClr val="tx1"/>
+                </a:solidFill>
+                <a:latin typeface="+mn-lt"/>
+                <a:ea typeface="+mn-ea"/>
+                <a:cs typeface="+mn-cs"/>
+              </a:defRPr>
+            </a:lvl2pPr>
+            <a:lvl3pPr marL="1143000" indent="-228600" algn="l" defTabSz="914400" rtl="0" eaLnBrk="1" latinLnBrk="0" hangingPunct="1">
+              <a:lnSpc>
+                <a:spcPct val="120000"/>
+              </a:lnSpc>
+              <a:spcBef>
+                <a:spcPts val="500"/>
+              </a:spcBef>
+              <a:buSzPct val="125000"/>
+              <a:buFont typeface="Arial" panose="020B0604020202020204" pitchFamily="34" charset="0"/>
+              <a:buChar char="•"/>
+              <a:defRPr sz="1800" kern="1200">
+                <a:solidFill>
+                  <a:schemeClr val="tx1"/>
+                </a:solidFill>
+                <a:latin typeface="+mn-lt"/>
+                <a:ea typeface="+mn-ea"/>
+                <a:cs typeface="+mn-cs"/>
+              </a:defRPr>
+            </a:lvl3pPr>
+            <a:lvl4pPr marL="1600200" indent="-228600" algn="l" defTabSz="914400" rtl="0" eaLnBrk="1" latinLnBrk="0" hangingPunct="1">
+              <a:lnSpc>
+                <a:spcPct val="120000"/>
+              </a:lnSpc>
+              <a:spcBef>
+                <a:spcPts val="500"/>
+              </a:spcBef>
+              <a:buSzPct val="125000"/>
+              <a:buFont typeface="Arial" panose="020B0604020202020204" pitchFamily="34" charset="0"/>
+              <a:buChar char="•"/>
+              <a:defRPr sz="1600" kern="1200">
+                <a:solidFill>
+                  <a:schemeClr val="tx1"/>
+                </a:solidFill>
+                <a:latin typeface="+mn-lt"/>
+                <a:ea typeface="+mn-ea"/>
+                <a:cs typeface="+mn-cs"/>
+              </a:defRPr>
+            </a:lvl4pPr>
+            <a:lvl5pPr marL="2057400" indent="-228600" algn="l" defTabSz="914400" rtl="0" eaLnBrk="1" latinLnBrk="0" hangingPunct="1">
+              <a:lnSpc>
+                <a:spcPct val="120000"/>
+              </a:lnSpc>
+              <a:spcBef>
+                <a:spcPts val="500"/>
+              </a:spcBef>
+              <a:buSzPct val="125000"/>
+              <a:buFont typeface="Arial" panose="020B0604020202020204" pitchFamily="34" charset="0"/>
+              <a:buChar char="•"/>
+              <a:defRPr sz="1600" kern="1200">
+                <a:solidFill>
+                  <a:schemeClr val="tx1"/>
+                </a:solidFill>
+                <a:latin typeface="+mn-lt"/>
+                <a:ea typeface="+mn-ea"/>
+                <a:cs typeface="+mn-cs"/>
+              </a:defRPr>
+            </a:lvl5pPr>
+            <a:lvl6pPr marL="2514600" indent="-228600" algn="l" defTabSz="914400" rtl="0" eaLnBrk="1" latinLnBrk="0" hangingPunct="1">
+              <a:lnSpc>
+                <a:spcPct val="120000"/>
+              </a:lnSpc>
+              <a:spcBef>
+                <a:spcPts val="500"/>
+              </a:spcBef>
+              <a:buSzPct val="125000"/>
+              <a:buFont typeface="Arial" panose="020B0604020202020204" pitchFamily="34" charset="0"/>
+              <a:buChar char="•"/>
+              <a:defRPr sz="1400" kern="1200">
+                <a:solidFill>
+                  <a:schemeClr val="tx1"/>
+                </a:solidFill>
+                <a:latin typeface="+mn-lt"/>
+                <a:ea typeface="+mn-ea"/>
+                <a:cs typeface="+mn-cs"/>
+              </a:defRPr>
+            </a:lvl6pPr>
+            <a:lvl7pPr marL="2971800" indent="-228600" algn="l" defTabSz="914400" rtl="0" eaLnBrk="1" latinLnBrk="0" hangingPunct="1">
+              <a:lnSpc>
+                <a:spcPct val="120000"/>
+              </a:lnSpc>
+              <a:spcBef>
+                <a:spcPts val="500"/>
+              </a:spcBef>
+              <a:buSzPct val="125000"/>
+              <a:buFont typeface="Arial" panose="020B0604020202020204" pitchFamily="34" charset="0"/>
+              <a:buChar char="•"/>
+              <a:defRPr sz="1400" kern="1200">
+                <a:solidFill>
+                  <a:schemeClr val="tx1"/>
+                </a:solidFill>
+                <a:latin typeface="+mn-lt"/>
+                <a:ea typeface="+mn-ea"/>
+                <a:cs typeface="+mn-cs"/>
+              </a:defRPr>
+            </a:lvl7pPr>
+            <a:lvl8pPr marL="3429000" indent="-228600" algn="l" defTabSz="914400" rtl="0" eaLnBrk="1" latinLnBrk="0" hangingPunct="1">
+              <a:lnSpc>
+                <a:spcPct val="120000"/>
+              </a:lnSpc>
+              <a:spcBef>
+                <a:spcPts val="500"/>
+              </a:spcBef>
+              <a:buSzPct val="125000"/>
+              <a:buFont typeface="Arial" panose="020B0604020202020204" pitchFamily="34" charset="0"/>
+              <a:buChar char="•"/>
+              <a:defRPr sz="1400" kern="1200">
+                <a:solidFill>
+                  <a:schemeClr val="tx1"/>
+                </a:solidFill>
+                <a:latin typeface="+mn-lt"/>
+                <a:ea typeface="+mn-ea"/>
+                <a:cs typeface="+mn-cs"/>
+              </a:defRPr>
+            </a:lvl8pPr>
+            <a:lvl9pPr marL="3886200" indent="-228600" algn="l" defTabSz="914400" rtl="0" eaLnBrk="1" latinLnBrk="0" hangingPunct="1">
+              <a:lnSpc>
+                <a:spcPct val="120000"/>
+              </a:lnSpc>
+              <a:spcBef>
+                <a:spcPts val="500"/>
+              </a:spcBef>
+              <a:buSzPct val="125000"/>
+              <a:buFont typeface="Arial" panose="020B0604020202020204" pitchFamily="34" charset="0"/>
+              <a:buChar char="•"/>
+              <a:defRPr sz="1400" kern="1200">
+                <a:solidFill>
+                  <a:schemeClr val="tx1"/>
+                </a:solidFill>
+                <a:latin typeface="+mn-lt"/>
+                <a:ea typeface="+mn-ea"/>
+                <a:cs typeface="+mn-cs"/>
+              </a:defRPr>
+            </a:lvl9pPr>
+          </a:lstStyle>
+          <a:p>
+            <a:pPr marL="0" indent="0" algn="ctr">
+              <a:buFont typeface="Arial" panose="020B0604020202020204" pitchFamily="34" charset="0"/>
+              <a:buNone/>
+            </a:pPr>
+            <a:r>
+              <a:rPr lang="en-US" sz="1800" i="1" dirty="0">
+                <a:solidFill>
+                  <a:schemeClr val="tx1">
+                    <a:lumMod val="95000"/>
+                  </a:schemeClr>
+                </a:solidFill>
+              </a:rPr>
+              <a:t>For issue 2, we separate each tape by a special # symbol and create a subroutine that shifts the contents of everything to the right down when we need more space on any individual tape.</a:t>
+            </a:r>
+          </a:p>
+        </p:txBody>
+      </p:sp>
+      <p:cxnSp>
+        <p:nvCxnSpPr>
+          <p:cNvPr id="15" name="Straight Connector 14">
+            <a:extLst>
+              <a:ext uri="{FF2B5EF4-FFF2-40B4-BE49-F238E27FC236}">
+                <a16:creationId xmlns:a16="http://schemas.microsoft.com/office/drawing/2014/main" id="{61A236F6-275A-4444-941D-EB6C4CE9FC1F}"/>
+              </a:ext>
+            </a:extLst>
+          </p:cNvPr>
+          <p:cNvCxnSpPr>
+            <a:cxnSpLocks/>
+          </p:cNvCxnSpPr>
+          <p:nvPr/>
+        </p:nvCxnSpPr>
+        <p:spPr>
+          <a:xfrm flipV="1">
+            <a:off x="3874884" y="4409032"/>
+            <a:ext cx="1077362" cy="861611"/>
+          </a:xfrm>
+          <a:prstGeom prst="line">
+            <a:avLst/>
+          </a:prstGeom>
+          <a:ln>
+            <a:solidFill>
+              <a:schemeClr val="tx1">
+                <a:lumMod val="95000"/>
+              </a:schemeClr>
+            </a:solidFill>
+          </a:ln>
+        </p:spPr>
+        <p:style>
+          <a:lnRef idx="1">
+            <a:schemeClr val="accent1"/>
+          </a:lnRef>
+          <a:fillRef idx="0">
+            <a:schemeClr val="accent1"/>
+          </a:fillRef>
+          <a:effectRef idx="0">
+            <a:schemeClr val="accent1"/>
+          </a:effectRef>
+          <a:fontRef idx="minor">
+            <a:schemeClr val="tx1"/>
+          </a:fontRef>
+        </p:style>
+      </p:cxnSp>
+      <p:cxnSp>
+        <p:nvCxnSpPr>
+          <p:cNvPr id="18" name="Straight Connector 17">
+            <a:extLst>
+              <a:ext uri="{FF2B5EF4-FFF2-40B4-BE49-F238E27FC236}">
+                <a16:creationId xmlns:a16="http://schemas.microsoft.com/office/drawing/2014/main" id="{4B26998F-26D2-7C41-80DD-48A2E9342463}"/>
+              </a:ext>
+            </a:extLst>
+          </p:cNvPr>
+          <p:cNvCxnSpPr>
+            <a:cxnSpLocks/>
+          </p:cNvCxnSpPr>
+          <p:nvPr/>
+        </p:nvCxnSpPr>
+        <p:spPr>
+          <a:xfrm flipH="1" flipV="1">
+            <a:off x="7432895" y="4481460"/>
+            <a:ext cx="434567" cy="789183"/>
+          </a:xfrm>
+          <a:prstGeom prst="line">
+            <a:avLst/>
+          </a:prstGeom>
+          <a:ln>
+            <a:solidFill>
+              <a:schemeClr val="tx1">
+                <a:lumMod val="95000"/>
+              </a:schemeClr>
+            </a:solidFill>
+          </a:ln>
+        </p:spPr>
+        <p:style>
+          <a:lnRef idx="1">
+            <a:schemeClr val="accent1"/>
+          </a:lnRef>
+          <a:fillRef idx="0">
+            <a:schemeClr val="accent1"/>
+          </a:fillRef>
+          <a:effectRef idx="0">
+            <a:schemeClr val="accent1"/>
+          </a:effectRef>
+          <a:fontRef idx="minor">
+            <a:schemeClr val="tx1"/>
+          </a:fontRef>
+        </p:style>
+      </p:cxnSp>
+    </p:spTree>
+    <p:extLst>
+      <p:ext uri="{BB962C8B-B14F-4D97-AF65-F5344CB8AC3E}">
+        <p14:creationId xmlns:p14="http://schemas.microsoft.com/office/powerpoint/2010/main" val="3798371305"/>
+      </p:ext>
+    </p:extLst>
+  </p:cSld>
+  <p:clrMapOvr>
+    <a:masterClrMapping/>
+  </p:clrMapOvr>
+</p:sld>
+</file>
+
+<file path=ppt/slides/slide35.xml><?xml version="1.0" encoding="utf-8"?>
+<p:sld xmlns:a="http://schemas.openxmlformats.org/drawingml/2006/main" xmlns:r="http://schemas.openxmlformats.org/officeDocument/2006/relationships" xmlns:p="http://schemas.openxmlformats.org/presentationml/2006/main">
+  <p:cSld>
+    <p:spTree>
+      <p:nvGrpSpPr>
+        <p:cNvPr id="1" name=""/>
+        <p:cNvGrpSpPr/>
+        <p:nvPr/>
+      </p:nvGrpSpPr>
+      <p:grpSpPr>
+        <a:xfrm>
+          <a:off x="0" y="0"/>
+          <a:ext cx="0" cy="0"/>
+          <a:chOff x="0" y="0"/>
+          <a:chExt cx="0" cy="0"/>
+        </a:xfrm>
+      </p:grpSpPr>
+      <p:sp>
+        <p:nvSpPr>
+          <p:cNvPr id="2" name="Title 1">
+            <a:extLst>
+              <a:ext uri="{FF2B5EF4-FFF2-40B4-BE49-F238E27FC236}">
+                <a16:creationId xmlns:a16="http://schemas.microsoft.com/office/drawing/2014/main" id="{D63C04CD-2329-4D47-84D9-12CB3EDD9F46}"/>
+              </a:ext>
+            </a:extLst>
+          </p:cNvPr>
+          <p:cNvSpPr>
+            <a:spLocks noGrp="1"/>
+          </p:cNvSpPr>
+          <p:nvPr>
+            <p:ph type="title"/>
+          </p:nvPr>
+        </p:nvSpPr>
+        <p:spPr>
+          <a:xfrm>
+            <a:off x="1141413" y="125537"/>
+            <a:ext cx="9905998" cy="860425"/>
+          </a:xfrm>
+        </p:spPr>
+        <p:txBody>
+          <a:bodyPr/>
+          <a:lstStyle/>
+          <a:p>
+            <a:pPr algn="ctr"/>
+            <a:r>
+              <a:rPr lang="en-US" dirty="0" err="1"/>
+              <a:t>MultiTape</a:t>
+            </a:r>
+            <a:r>
+              <a:rPr lang="en-US" dirty="0"/>
+              <a:t> Turing Machine</a:t>
+            </a:r>
+          </a:p>
+        </p:txBody>
+      </p:sp>
+      <p:sp>
+        <p:nvSpPr>
+          <p:cNvPr id="6" name="Content Placeholder 2">
+            <a:extLst>
+              <a:ext uri="{FF2B5EF4-FFF2-40B4-BE49-F238E27FC236}">
+                <a16:creationId xmlns:a16="http://schemas.microsoft.com/office/drawing/2014/main" id="{D1AB4AE0-9143-C34D-B965-4033C921D6B5}"/>
+              </a:ext>
+            </a:extLst>
+          </p:cNvPr>
+          <p:cNvSpPr txBox="1">
+            <a:spLocks/>
+          </p:cNvSpPr>
+          <p:nvPr/>
+        </p:nvSpPr>
+        <p:spPr>
+          <a:xfrm>
+            <a:off x="1083338" y="1069925"/>
+            <a:ext cx="9905999" cy="560648"/>
+          </a:xfrm>
+          <a:prstGeom prst="rect">
+            <a:avLst/>
+          </a:prstGeom>
+          <a:noFill/>
+        </p:spPr>
+        <p:txBody>
+          <a:bodyPr vert="horz" lIns="91440" tIns="45720" rIns="91440" bIns="45720" rtlCol="0">
+            <a:normAutofit/>
+          </a:bodyPr>
+          <a:lstStyle>
+            <a:lvl1pPr marL="228600" indent="-228600" algn="l" defTabSz="914400" rtl="0" eaLnBrk="1" latinLnBrk="0" hangingPunct="1">
+              <a:lnSpc>
+                <a:spcPct val="120000"/>
+              </a:lnSpc>
+              <a:spcBef>
+                <a:spcPts val="1000"/>
+              </a:spcBef>
+              <a:buSzPct val="125000"/>
+              <a:buFont typeface="Arial" panose="020B0604020202020204" pitchFamily="34" charset="0"/>
+              <a:buChar char="•"/>
+              <a:defRPr sz="2400" kern="1200">
+                <a:solidFill>
+                  <a:schemeClr val="tx1"/>
+                </a:solidFill>
+                <a:latin typeface="+mn-lt"/>
+                <a:ea typeface="+mn-ea"/>
+                <a:cs typeface="+mn-cs"/>
+              </a:defRPr>
+            </a:lvl1pPr>
+            <a:lvl2pPr marL="685800" indent="-228600" algn="l" defTabSz="914400" rtl="0" eaLnBrk="1" latinLnBrk="0" hangingPunct="1">
+              <a:lnSpc>
+                <a:spcPct val="120000"/>
+              </a:lnSpc>
+              <a:spcBef>
+                <a:spcPts val="500"/>
+              </a:spcBef>
+              <a:buSzPct val="125000"/>
+              <a:buFont typeface="Arial" panose="020B0604020202020204" pitchFamily="34" charset="0"/>
+              <a:buChar char="•"/>
+              <a:defRPr sz="2000" kern="1200">
+                <a:solidFill>
+                  <a:schemeClr val="tx1"/>
+                </a:solidFill>
+                <a:latin typeface="+mn-lt"/>
+                <a:ea typeface="+mn-ea"/>
+                <a:cs typeface="+mn-cs"/>
+              </a:defRPr>
+            </a:lvl2pPr>
+            <a:lvl3pPr marL="1143000" indent="-228600" algn="l" defTabSz="914400" rtl="0" eaLnBrk="1" latinLnBrk="0" hangingPunct="1">
+              <a:lnSpc>
+                <a:spcPct val="120000"/>
+              </a:lnSpc>
+              <a:spcBef>
+                <a:spcPts val="500"/>
+              </a:spcBef>
+              <a:buSzPct val="125000"/>
+              <a:buFont typeface="Arial" panose="020B0604020202020204" pitchFamily="34" charset="0"/>
+              <a:buChar char="•"/>
+              <a:defRPr sz="1800" kern="1200">
+                <a:solidFill>
+                  <a:schemeClr val="tx1"/>
+                </a:solidFill>
+                <a:latin typeface="+mn-lt"/>
+                <a:ea typeface="+mn-ea"/>
+                <a:cs typeface="+mn-cs"/>
+              </a:defRPr>
+            </a:lvl3pPr>
+            <a:lvl4pPr marL="1600200" indent="-228600" algn="l" defTabSz="914400" rtl="0" eaLnBrk="1" latinLnBrk="0" hangingPunct="1">
+              <a:lnSpc>
+                <a:spcPct val="120000"/>
+              </a:lnSpc>
+              <a:spcBef>
+                <a:spcPts val="500"/>
+              </a:spcBef>
+              <a:buSzPct val="125000"/>
+              <a:buFont typeface="Arial" panose="020B0604020202020204" pitchFamily="34" charset="0"/>
+              <a:buChar char="•"/>
+              <a:defRPr sz="1600" kern="1200">
+                <a:solidFill>
+                  <a:schemeClr val="tx1"/>
+                </a:solidFill>
+                <a:latin typeface="+mn-lt"/>
+                <a:ea typeface="+mn-ea"/>
+                <a:cs typeface="+mn-cs"/>
+              </a:defRPr>
+            </a:lvl4pPr>
+            <a:lvl5pPr marL="2057400" indent="-228600" algn="l" defTabSz="914400" rtl="0" eaLnBrk="1" latinLnBrk="0" hangingPunct="1">
+              <a:lnSpc>
+                <a:spcPct val="120000"/>
+              </a:lnSpc>
+              <a:spcBef>
+                <a:spcPts val="500"/>
+              </a:spcBef>
+              <a:buSzPct val="125000"/>
+              <a:buFont typeface="Arial" panose="020B0604020202020204" pitchFamily="34" charset="0"/>
+              <a:buChar char="•"/>
+              <a:defRPr sz="1600" kern="1200">
+                <a:solidFill>
+                  <a:schemeClr val="tx1"/>
+                </a:solidFill>
+                <a:latin typeface="+mn-lt"/>
+                <a:ea typeface="+mn-ea"/>
+                <a:cs typeface="+mn-cs"/>
+              </a:defRPr>
+            </a:lvl5pPr>
+            <a:lvl6pPr marL="2514600" indent="-228600" algn="l" defTabSz="914400" rtl="0" eaLnBrk="1" latinLnBrk="0" hangingPunct="1">
+              <a:lnSpc>
+                <a:spcPct val="120000"/>
+              </a:lnSpc>
+              <a:spcBef>
+                <a:spcPts val="500"/>
+              </a:spcBef>
+              <a:buSzPct val="125000"/>
+              <a:buFont typeface="Arial" panose="020B0604020202020204" pitchFamily="34" charset="0"/>
+              <a:buChar char="•"/>
+              <a:defRPr sz="1400" kern="1200">
+                <a:solidFill>
+                  <a:schemeClr val="tx1"/>
+                </a:solidFill>
+                <a:latin typeface="+mn-lt"/>
+                <a:ea typeface="+mn-ea"/>
+                <a:cs typeface="+mn-cs"/>
+              </a:defRPr>
+            </a:lvl6pPr>
+            <a:lvl7pPr marL="2971800" indent="-228600" algn="l" defTabSz="914400" rtl="0" eaLnBrk="1" latinLnBrk="0" hangingPunct="1">
+              <a:lnSpc>
+                <a:spcPct val="120000"/>
+              </a:lnSpc>
+              <a:spcBef>
+                <a:spcPts val="500"/>
+              </a:spcBef>
+              <a:buSzPct val="125000"/>
+              <a:buFont typeface="Arial" panose="020B0604020202020204" pitchFamily="34" charset="0"/>
+              <a:buChar char="•"/>
+              <a:defRPr sz="1400" kern="1200">
+                <a:solidFill>
+                  <a:schemeClr val="tx1"/>
+                </a:solidFill>
+                <a:latin typeface="+mn-lt"/>
+                <a:ea typeface="+mn-ea"/>
+                <a:cs typeface="+mn-cs"/>
+              </a:defRPr>
+            </a:lvl7pPr>
+            <a:lvl8pPr marL="3429000" indent="-228600" algn="l" defTabSz="914400" rtl="0" eaLnBrk="1" latinLnBrk="0" hangingPunct="1">
+              <a:lnSpc>
+                <a:spcPct val="120000"/>
+              </a:lnSpc>
+              <a:spcBef>
+                <a:spcPts val="500"/>
+              </a:spcBef>
+              <a:buSzPct val="125000"/>
+              <a:buFont typeface="Arial" panose="020B0604020202020204" pitchFamily="34" charset="0"/>
+              <a:buChar char="•"/>
+              <a:defRPr sz="1400" kern="1200">
+                <a:solidFill>
+                  <a:schemeClr val="tx1"/>
+                </a:solidFill>
+                <a:latin typeface="+mn-lt"/>
+                <a:ea typeface="+mn-ea"/>
+                <a:cs typeface="+mn-cs"/>
+              </a:defRPr>
+            </a:lvl8pPr>
+            <a:lvl9pPr marL="3886200" indent="-228600" algn="l" defTabSz="914400" rtl="0" eaLnBrk="1" latinLnBrk="0" hangingPunct="1">
+              <a:lnSpc>
+                <a:spcPct val="120000"/>
+              </a:lnSpc>
+              <a:spcBef>
+                <a:spcPts val="500"/>
+              </a:spcBef>
+              <a:buSzPct val="125000"/>
+              <a:buFont typeface="Arial" panose="020B0604020202020204" pitchFamily="34" charset="0"/>
+              <a:buChar char="•"/>
+              <a:defRPr sz="1400" kern="1200">
+                <a:solidFill>
+                  <a:schemeClr val="tx1"/>
+                </a:solidFill>
+                <a:latin typeface="+mn-lt"/>
+                <a:ea typeface="+mn-ea"/>
+                <a:cs typeface="+mn-cs"/>
+              </a:defRPr>
+            </a:lvl9pPr>
+          </a:lstStyle>
+          <a:p>
+            <a:pPr marL="0" indent="0" algn="ctr">
+              <a:buFont typeface="Arial" panose="020B0604020202020204" pitchFamily="34" charset="0"/>
+              <a:buNone/>
+            </a:pPr>
+            <a:r>
+              <a:rPr lang="en-US" dirty="0">
+                <a:solidFill>
+                  <a:schemeClr val="tx1">
+                    <a:lumMod val="95000"/>
+                  </a:schemeClr>
+                </a:solidFill>
+              </a:rPr>
+              <a:t>Summary of how to simulate M with S</a:t>
+            </a:r>
+          </a:p>
+        </p:txBody>
+      </p:sp>
+      <p:pic>
+        <p:nvPicPr>
+          <p:cNvPr id="8" name="Picture 7">
+            <a:extLst>
+              <a:ext uri="{FF2B5EF4-FFF2-40B4-BE49-F238E27FC236}">
+                <a16:creationId xmlns:a16="http://schemas.microsoft.com/office/drawing/2014/main" id="{E1F6F23D-DEBF-5349-93BD-B000F8FF1C32}"/>
+              </a:ext>
+            </a:extLst>
+          </p:cNvPr>
+          <p:cNvPicPr>
+            <a:picLocks noChangeAspect="1"/>
+          </p:cNvPicPr>
+          <p:nvPr/>
+        </p:nvPicPr>
+        <p:blipFill>
+          <a:blip r:embed="rId2"/>
+          <a:stretch>
+            <a:fillRect/>
+          </a:stretch>
+        </p:blipFill>
+        <p:spPr>
+          <a:xfrm>
+            <a:off x="2993317" y="1602049"/>
+            <a:ext cx="6202190" cy="986948"/>
+          </a:xfrm>
+          <a:prstGeom prst="rect">
+            <a:avLst/>
+          </a:prstGeom>
+        </p:spPr>
+      </p:pic>
+      <mc:AlternateContent xmlns:mc="http://schemas.openxmlformats.org/markup-compatibility/2006">
+        <mc:Choice xmlns:a14="http://schemas.microsoft.com/office/drawing/2010/main" Requires="a14">
+          <p:sp>
+            <p:nvSpPr>
+              <p:cNvPr id="13" name="Content Placeholder 2">
+                <a:extLst>
+                  <a:ext uri="{FF2B5EF4-FFF2-40B4-BE49-F238E27FC236}">
+                    <a16:creationId xmlns:a16="http://schemas.microsoft.com/office/drawing/2014/main" id="{699C4873-04C8-364E-BF2F-E6DB3941CE0B}"/>
+                  </a:ext>
+                </a:extLst>
+              </p:cNvPr>
+              <p:cNvSpPr txBox="1">
+                <a:spLocks/>
+              </p:cNvSpPr>
+              <p:nvPr/>
+            </p:nvSpPr>
+            <p:spPr>
+              <a:xfrm>
+                <a:off x="1593410" y="2978590"/>
+                <a:ext cx="9216427" cy="3457075"/>
+              </a:xfrm>
+              <a:prstGeom prst="rect">
+                <a:avLst/>
+              </a:prstGeom>
+              <a:noFill/>
+            </p:spPr>
+            <p:txBody>
+              <a:bodyPr vert="horz" lIns="91440" tIns="45720" rIns="91440" bIns="45720" rtlCol="0">
+                <a:normAutofit/>
+              </a:bodyPr>
+              <a:lstStyle>
+                <a:lvl1pPr marL="228600" indent="-228600" algn="l" defTabSz="914400" rtl="0" eaLnBrk="1" latinLnBrk="0" hangingPunct="1">
+                  <a:lnSpc>
+                    <a:spcPct val="120000"/>
+                  </a:lnSpc>
+                  <a:spcBef>
+                    <a:spcPts val="1000"/>
+                  </a:spcBef>
+                  <a:buSzPct val="125000"/>
+                  <a:buFont typeface="Arial" panose="020B0604020202020204" pitchFamily="34" charset="0"/>
+                  <a:buChar char="•"/>
+                  <a:defRPr sz="2400" kern="1200">
+                    <a:solidFill>
+                      <a:schemeClr val="tx1"/>
+                    </a:solidFill>
+                    <a:latin typeface="+mn-lt"/>
+                    <a:ea typeface="+mn-ea"/>
+                    <a:cs typeface="+mn-cs"/>
+                  </a:defRPr>
+                </a:lvl1pPr>
+                <a:lvl2pPr marL="685800" indent="-228600" algn="l" defTabSz="914400" rtl="0" eaLnBrk="1" latinLnBrk="0" hangingPunct="1">
+                  <a:lnSpc>
+                    <a:spcPct val="120000"/>
+                  </a:lnSpc>
+                  <a:spcBef>
+                    <a:spcPts val="500"/>
+                  </a:spcBef>
+                  <a:buSzPct val="125000"/>
+                  <a:buFont typeface="Arial" panose="020B0604020202020204" pitchFamily="34" charset="0"/>
+                  <a:buChar char="•"/>
+                  <a:defRPr sz="2000" kern="1200">
+                    <a:solidFill>
+                      <a:schemeClr val="tx1"/>
+                    </a:solidFill>
+                    <a:latin typeface="+mn-lt"/>
+                    <a:ea typeface="+mn-ea"/>
+                    <a:cs typeface="+mn-cs"/>
+                  </a:defRPr>
+                </a:lvl2pPr>
+                <a:lvl3pPr marL="1143000" indent="-228600" algn="l" defTabSz="914400" rtl="0" eaLnBrk="1" latinLnBrk="0" hangingPunct="1">
+                  <a:lnSpc>
+                    <a:spcPct val="120000"/>
+                  </a:lnSpc>
+                  <a:spcBef>
+                    <a:spcPts val="500"/>
+                  </a:spcBef>
+                  <a:buSzPct val="125000"/>
+                  <a:buFont typeface="Arial" panose="020B0604020202020204" pitchFamily="34" charset="0"/>
+                  <a:buChar char="•"/>
+                  <a:defRPr sz="1800" kern="1200">
+                    <a:solidFill>
+                      <a:schemeClr val="tx1"/>
+                    </a:solidFill>
+                    <a:latin typeface="+mn-lt"/>
+                    <a:ea typeface="+mn-ea"/>
+                    <a:cs typeface="+mn-cs"/>
+                  </a:defRPr>
+                </a:lvl3pPr>
+                <a:lvl4pPr marL="1600200" indent="-228600" algn="l" defTabSz="914400" rtl="0" eaLnBrk="1" latinLnBrk="0" hangingPunct="1">
+                  <a:lnSpc>
+                    <a:spcPct val="120000"/>
+                  </a:lnSpc>
+                  <a:spcBef>
+                    <a:spcPts val="500"/>
+                  </a:spcBef>
+                  <a:buSzPct val="125000"/>
+                  <a:buFont typeface="Arial" panose="020B0604020202020204" pitchFamily="34" charset="0"/>
+                  <a:buChar char="•"/>
+                  <a:defRPr sz="1600" kern="1200">
+                    <a:solidFill>
+                      <a:schemeClr val="tx1"/>
+                    </a:solidFill>
+                    <a:latin typeface="+mn-lt"/>
+                    <a:ea typeface="+mn-ea"/>
+                    <a:cs typeface="+mn-cs"/>
+                  </a:defRPr>
+                </a:lvl4pPr>
+                <a:lvl5pPr marL="2057400" indent="-228600" algn="l" defTabSz="914400" rtl="0" eaLnBrk="1" latinLnBrk="0" hangingPunct="1">
+                  <a:lnSpc>
+                    <a:spcPct val="120000"/>
+                  </a:lnSpc>
+                  <a:spcBef>
+                    <a:spcPts val="500"/>
+                  </a:spcBef>
+                  <a:buSzPct val="125000"/>
+                  <a:buFont typeface="Arial" panose="020B0604020202020204" pitchFamily="34" charset="0"/>
+                  <a:buChar char="•"/>
+                  <a:defRPr sz="1600" kern="1200">
+                    <a:solidFill>
+                      <a:schemeClr val="tx1"/>
+                    </a:solidFill>
+                    <a:latin typeface="+mn-lt"/>
+                    <a:ea typeface="+mn-ea"/>
+                    <a:cs typeface="+mn-cs"/>
+                  </a:defRPr>
+                </a:lvl5pPr>
+                <a:lvl6pPr marL="2514600" indent="-228600" algn="l" defTabSz="914400" rtl="0" eaLnBrk="1" latinLnBrk="0" hangingPunct="1">
+                  <a:lnSpc>
+                    <a:spcPct val="120000"/>
+                  </a:lnSpc>
+                  <a:spcBef>
+                    <a:spcPts val="500"/>
+                  </a:spcBef>
+                  <a:buSzPct val="125000"/>
+                  <a:buFont typeface="Arial" panose="020B0604020202020204" pitchFamily="34" charset="0"/>
+                  <a:buChar char="•"/>
+                  <a:defRPr sz="1400" kern="1200">
+                    <a:solidFill>
+                      <a:schemeClr val="tx1"/>
+                    </a:solidFill>
+                    <a:latin typeface="+mn-lt"/>
+                    <a:ea typeface="+mn-ea"/>
+                    <a:cs typeface="+mn-cs"/>
+                  </a:defRPr>
+                </a:lvl6pPr>
+                <a:lvl7pPr marL="2971800" indent="-228600" algn="l" defTabSz="914400" rtl="0" eaLnBrk="1" latinLnBrk="0" hangingPunct="1">
+                  <a:lnSpc>
+                    <a:spcPct val="120000"/>
+                  </a:lnSpc>
+                  <a:spcBef>
+                    <a:spcPts val="500"/>
+                  </a:spcBef>
+                  <a:buSzPct val="125000"/>
+                  <a:buFont typeface="Arial" panose="020B0604020202020204" pitchFamily="34" charset="0"/>
+                  <a:buChar char="•"/>
+                  <a:defRPr sz="1400" kern="1200">
+                    <a:solidFill>
+                      <a:schemeClr val="tx1"/>
+                    </a:solidFill>
+                    <a:latin typeface="+mn-lt"/>
+                    <a:ea typeface="+mn-ea"/>
+                    <a:cs typeface="+mn-cs"/>
+                  </a:defRPr>
+                </a:lvl7pPr>
+                <a:lvl8pPr marL="3429000" indent="-228600" algn="l" defTabSz="914400" rtl="0" eaLnBrk="1" latinLnBrk="0" hangingPunct="1">
+                  <a:lnSpc>
+                    <a:spcPct val="120000"/>
+                  </a:lnSpc>
+                  <a:spcBef>
+                    <a:spcPts val="500"/>
+                  </a:spcBef>
+                  <a:buSzPct val="125000"/>
+                  <a:buFont typeface="Arial" panose="020B0604020202020204" pitchFamily="34" charset="0"/>
+                  <a:buChar char="•"/>
+                  <a:defRPr sz="1400" kern="1200">
+                    <a:solidFill>
+                      <a:schemeClr val="tx1"/>
+                    </a:solidFill>
+                    <a:latin typeface="+mn-lt"/>
+                    <a:ea typeface="+mn-ea"/>
+                    <a:cs typeface="+mn-cs"/>
+                  </a:defRPr>
+                </a:lvl8pPr>
+                <a:lvl9pPr marL="3886200" indent="-228600" algn="l" defTabSz="914400" rtl="0" eaLnBrk="1" latinLnBrk="0" hangingPunct="1">
+                  <a:lnSpc>
+                    <a:spcPct val="120000"/>
+                  </a:lnSpc>
+                  <a:spcBef>
+                    <a:spcPts val="500"/>
+                  </a:spcBef>
+                  <a:buSzPct val="125000"/>
+                  <a:buFont typeface="Arial" panose="020B0604020202020204" pitchFamily="34" charset="0"/>
+                  <a:buChar char="•"/>
+                  <a:defRPr sz="1400" kern="1200">
+                    <a:solidFill>
+                      <a:schemeClr val="tx1"/>
+                    </a:solidFill>
+                    <a:latin typeface="+mn-lt"/>
+                    <a:ea typeface="+mn-ea"/>
+                    <a:cs typeface="+mn-cs"/>
+                  </a:defRPr>
+                </a:lvl9pPr>
+              </a:lstStyle>
+              <a:p>
+                <a:pPr marL="0" indent="0">
+                  <a:buFont typeface="Arial" panose="020B0604020202020204" pitchFamily="34" charset="0"/>
+                  <a:buNone/>
+                </a:pPr>
+                <a:r>
+                  <a:rPr lang="en-US" sz="1800" i="1" dirty="0">
+                    <a:solidFill>
+                      <a:schemeClr val="tx1">
+                        <a:lumMod val="95000"/>
+                      </a:schemeClr>
+                    </a:solidFill>
+                  </a:rPr>
+                  <a:t>S = on input </a:t>
+                </a:r>
+                <a14:m>
+                  <m:oMath xmlns:m="http://schemas.openxmlformats.org/officeDocument/2006/math">
+                    <m:r>
+                      <a:rPr lang="en-US" sz="1800" b="0" i="1" smtClean="0">
+                        <a:solidFill>
+                          <a:schemeClr val="tx1">
+                            <a:lumMod val="95000"/>
+                          </a:schemeClr>
+                        </a:solidFill>
+                        <a:latin typeface="Cambria Math" panose="02040503050406030204" pitchFamily="18" charset="0"/>
+                      </a:rPr>
+                      <m:t>𝑊</m:t>
+                    </m:r>
+                    <m:r>
+                      <a:rPr lang="en-US" sz="1800" b="0" i="1" smtClean="0">
+                        <a:solidFill>
+                          <a:schemeClr val="tx1">
+                            <a:lumMod val="95000"/>
+                          </a:schemeClr>
+                        </a:solidFill>
+                        <a:latin typeface="Cambria Math" panose="02040503050406030204" pitchFamily="18" charset="0"/>
+                      </a:rPr>
+                      <m:t>=</m:t>
+                    </m:r>
+                    <m:sSub>
+                      <m:sSubPr>
+                        <m:ctrlPr>
+                          <a:rPr lang="en-US" sz="1800" b="0" i="1" smtClean="0">
+                            <a:solidFill>
+                              <a:schemeClr val="tx1">
+                                <a:lumMod val="95000"/>
+                              </a:schemeClr>
+                            </a:solidFill>
+                            <a:latin typeface="Cambria Math" panose="02040503050406030204" pitchFamily="18" charset="0"/>
+                          </a:rPr>
+                        </m:ctrlPr>
+                      </m:sSubPr>
+                      <m:e>
+                        <m:r>
+                          <a:rPr lang="en-US" sz="1800" b="0" i="1" smtClean="0">
+                            <a:solidFill>
+                              <a:schemeClr val="tx1">
+                                <a:lumMod val="95000"/>
+                              </a:schemeClr>
+                            </a:solidFill>
+                            <a:latin typeface="Cambria Math" panose="02040503050406030204" pitchFamily="18" charset="0"/>
+                          </a:rPr>
+                          <m:t>𝑤</m:t>
+                        </m:r>
+                      </m:e>
+                      <m:sub>
+                        <m:r>
+                          <a:rPr lang="en-US" sz="1800" b="0" i="1" smtClean="0">
+                            <a:solidFill>
+                              <a:schemeClr val="tx1">
+                                <a:lumMod val="95000"/>
+                              </a:schemeClr>
+                            </a:solidFill>
+                            <a:latin typeface="Cambria Math" panose="02040503050406030204" pitchFamily="18" charset="0"/>
+                          </a:rPr>
+                          <m:t>1</m:t>
+                        </m:r>
+                      </m:sub>
+                    </m:sSub>
+                    <m:sSub>
+                      <m:sSubPr>
+                        <m:ctrlPr>
+                          <a:rPr lang="en-US" sz="1800" b="0" i="1" smtClean="0">
+                            <a:solidFill>
+                              <a:schemeClr val="tx1">
+                                <a:lumMod val="95000"/>
+                              </a:schemeClr>
+                            </a:solidFill>
+                            <a:latin typeface="Cambria Math" panose="02040503050406030204" pitchFamily="18" charset="0"/>
+                          </a:rPr>
+                        </m:ctrlPr>
+                      </m:sSubPr>
+                      <m:e>
+                        <m:r>
+                          <a:rPr lang="en-US" sz="1800" b="0" i="1" smtClean="0">
+                            <a:solidFill>
+                              <a:schemeClr val="tx1">
+                                <a:lumMod val="95000"/>
+                              </a:schemeClr>
+                            </a:solidFill>
+                            <a:latin typeface="Cambria Math" panose="02040503050406030204" pitchFamily="18" charset="0"/>
+                          </a:rPr>
+                          <m:t>𝑤</m:t>
+                        </m:r>
+                      </m:e>
+                      <m:sub>
+                        <m:r>
+                          <a:rPr lang="en-US" sz="1800" b="0" i="1" smtClean="0">
+                            <a:solidFill>
+                              <a:schemeClr val="tx1">
+                                <a:lumMod val="95000"/>
+                              </a:schemeClr>
+                            </a:solidFill>
+                            <a:latin typeface="Cambria Math" panose="02040503050406030204" pitchFamily="18" charset="0"/>
+                          </a:rPr>
+                          <m:t>2</m:t>
+                        </m:r>
+                      </m:sub>
+                    </m:sSub>
+                    <m:sSub>
+                      <m:sSubPr>
+                        <m:ctrlPr>
+                          <a:rPr lang="en-US" sz="1800" b="0" i="1" smtClean="0">
+                            <a:solidFill>
+                              <a:schemeClr val="tx1">
+                                <a:lumMod val="95000"/>
+                              </a:schemeClr>
+                            </a:solidFill>
+                            <a:latin typeface="Cambria Math" panose="02040503050406030204" pitchFamily="18" charset="0"/>
+                          </a:rPr>
+                        </m:ctrlPr>
+                      </m:sSubPr>
+                      <m:e>
+                        <m:r>
+                          <a:rPr lang="en-US" sz="1800" b="0" i="1" smtClean="0">
+                            <a:solidFill>
+                              <a:schemeClr val="tx1">
+                                <a:lumMod val="95000"/>
+                              </a:schemeClr>
+                            </a:solidFill>
+                            <a:latin typeface="Cambria Math" panose="02040503050406030204" pitchFamily="18" charset="0"/>
+                          </a:rPr>
+                          <m:t>𝑤</m:t>
+                        </m:r>
+                      </m:e>
+                      <m:sub>
+                        <m:r>
+                          <a:rPr lang="en-US" sz="1800" b="0" i="1" smtClean="0">
+                            <a:solidFill>
+                              <a:schemeClr val="tx1">
+                                <a:lumMod val="95000"/>
+                              </a:schemeClr>
+                            </a:solidFill>
+                            <a:latin typeface="Cambria Math" panose="02040503050406030204" pitchFamily="18" charset="0"/>
+                          </a:rPr>
+                          <m:t>3</m:t>
+                        </m:r>
+                      </m:sub>
+                    </m:sSub>
+                    <m:r>
+                      <a:rPr lang="en-US" sz="1800" b="0" i="1" smtClean="0">
+                        <a:solidFill>
+                          <a:schemeClr val="tx1">
+                            <a:lumMod val="95000"/>
+                          </a:schemeClr>
+                        </a:solidFill>
+                        <a:latin typeface="Cambria Math" panose="02040503050406030204" pitchFamily="18" charset="0"/>
+                      </a:rPr>
+                      <m:t>…</m:t>
+                    </m:r>
+                    <m:sSub>
+                      <m:sSubPr>
+                        <m:ctrlPr>
+                          <a:rPr lang="en-US" sz="1800" b="0" i="1" smtClean="0">
+                            <a:solidFill>
+                              <a:schemeClr val="tx1">
+                                <a:lumMod val="95000"/>
+                              </a:schemeClr>
+                            </a:solidFill>
+                            <a:latin typeface="Cambria Math" panose="02040503050406030204" pitchFamily="18" charset="0"/>
+                          </a:rPr>
+                        </m:ctrlPr>
+                      </m:sSubPr>
+                      <m:e>
+                        <m:r>
+                          <a:rPr lang="en-US" sz="1800" b="0" i="1" smtClean="0">
+                            <a:solidFill>
+                              <a:schemeClr val="tx1">
+                                <a:lumMod val="95000"/>
+                              </a:schemeClr>
+                            </a:solidFill>
+                            <a:latin typeface="Cambria Math" panose="02040503050406030204" pitchFamily="18" charset="0"/>
+                          </a:rPr>
+                          <m:t>𝑤</m:t>
+                        </m:r>
+                      </m:e>
+                      <m:sub>
+                        <m:r>
+                          <a:rPr lang="en-US" sz="1800" b="0" i="1" smtClean="0">
+                            <a:solidFill>
+                              <a:schemeClr val="tx1">
+                                <a:lumMod val="95000"/>
+                              </a:schemeClr>
+                            </a:solidFill>
+                            <a:latin typeface="Cambria Math" panose="02040503050406030204" pitchFamily="18" charset="0"/>
+                          </a:rPr>
+                          <m:t>𝑛</m:t>
+                        </m:r>
+                      </m:sub>
+                    </m:sSub>
+                  </m:oMath>
+                </a14:m>
+                <a:r>
+                  <a:rPr lang="en-US" sz="1800" i="1" dirty="0">
+                    <a:solidFill>
+                      <a:schemeClr val="tx1">
+                        <a:lumMod val="95000"/>
+                      </a:schemeClr>
+                    </a:solidFill>
+                  </a:rPr>
+                  <a:t>:</a:t>
+                </a:r>
+              </a:p>
+              <a:p>
+                <a:pPr marL="342900" indent="-342900">
+                  <a:buFont typeface="Arial" panose="020B0604020202020204" pitchFamily="34" charset="0"/>
+                  <a:buAutoNum type="arabicPeriod"/>
+                </a:pPr>
+                <a:r>
+                  <a:rPr lang="en-US" sz="1800" i="1" dirty="0">
+                    <a:solidFill>
+                      <a:schemeClr val="tx1">
+                        <a:lumMod val="95000"/>
+                      </a:schemeClr>
+                    </a:solidFill>
+                  </a:rPr>
+                  <a:t>First S puts its tape into the format representing all k tapes of M, separated by the # symbol. The special “virtual head” symbol is used at the left most symbol on each of the k “sections” of the tape.</a:t>
+                </a:r>
+              </a:p>
+              <a:p>
+                <a:pPr marL="342900" indent="-342900">
+                  <a:buFont typeface="Arial" panose="020B0604020202020204" pitchFamily="34" charset="0"/>
+                  <a:buAutoNum type="arabicPeriod"/>
+                </a:pPr>
+                <a:r>
+                  <a:rPr lang="en-US" sz="1800" i="1" dirty="0">
+                    <a:solidFill>
+                      <a:schemeClr val="tx1">
+                        <a:lumMod val="95000"/>
+                      </a:schemeClr>
+                    </a:solidFill>
+                  </a:rPr>
+                  <a:t>To simulate a single step, S first steps across the whole tape to see which symbols are under each of the virtual heads (reading each of the tapes), then S simulates writing and updating the “head” of the tape for each individual section according to </a:t>
+                </a:r>
+                <a:r>
+                  <a:rPr lang="en-US" sz="1800" i="1" dirty="0" err="1">
+                    <a:solidFill>
+                      <a:schemeClr val="tx1">
+                        <a:lumMod val="95000"/>
+                      </a:schemeClr>
+                    </a:solidFill>
+                  </a:rPr>
+                  <a:t>Ms</a:t>
+                </a:r>
+                <a:r>
+                  <a:rPr lang="en-US" sz="1800" i="1" dirty="0">
+                    <a:solidFill>
+                      <a:schemeClr val="tx1">
+                        <a:lumMod val="95000"/>
+                      </a:schemeClr>
+                    </a:solidFill>
+                  </a:rPr>
+                  <a:t> original transition function.</a:t>
+                </a:r>
+              </a:p>
+              <a:p>
+                <a:pPr marL="342900" indent="-342900">
+                  <a:buFont typeface="Arial" panose="020B0604020202020204" pitchFamily="34" charset="0"/>
+                  <a:buAutoNum type="arabicPeriod"/>
+                </a:pPr>
+                <a:r>
+                  <a:rPr lang="en-US" sz="1800" i="1" dirty="0">
+                    <a:solidFill>
+                      <a:schemeClr val="tx1">
+                        <a:lumMod val="95000"/>
+                      </a:schemeClr>
+                    </a:solidFill>
+                  </a:rPr>
+                  <a:t>If at any point S runs out of space on any tape, we run a subroutine that shifts everything on the tape over by one, creating one more cell of space on this particular tape.</a:t>
+                </a:r>
+              </a:p>
+              <a:p>
+                <a:pPr marL="0" indent="0">
+                  <a:buFont typeface="Arial" panose="020B0604020202020204" pitchFamily="34" charset="0"/>
+                  <a:buNone/>
+                </a:pPr>
+                <a:endParaRPr lang="en-US" sz="1800" i="1" dirty="0">
+                  <a:solidFill>
+                    <a:schemeClr val="tx1">
+                      <a:lumMod val="95000"/>
+                    </a:schemeClr>
+                  </a:solidFill>
+                </a:endParaRPr>
+              </a:p>
+            </p:txBody>
+          </p:sp>
+        </mc:Choice>
+        <mc:Fallback>
+          <p:sp>
+            <p:nvSpPr>
+              <p:cNvPr id="13" name="Content Placeholder 2">
+                <a:extLst>
+                  <a:ext uri="{FF2B5EF4-FFF2-40B4-BE49-F238E27FC236}">
+                    <a16:creationId xmlns:a16="http://schemas.microsoft.com/office/drawing/2014/main" id="{699C4873-04C8-364E-BF2F-E6DB3941CE0B}"/>
+                  </a:ext>
+                </a:extLst>
+              </p:cNvPr>
+              <p:cNvSpPr txBox="1">
+                <a:spLocks noRot="1" noChangeAspect="1" noMove="1" noResize="1" noEditPoints="1" noAdjustHandles="1" noChangeArrowheads="1" noChangeShapeType="1" noTextEdit="1"/>
+              </p:cNvSpPr>
+              <p:nvPr/>
+            </p:nvSpPr>
+            <p:spPr>
+              <a:xfrm>
+                <a:off x="1593410" y="2978590"/>
+                <a:ext cx="9216427" cy="3457075"/>
+              </a:xfrm>
+              <a:prstGeom prst="rect">
+                <a:avLst/>
+              </a:prstGeom>
+              <a:blipFill>
+                <a:blip r:embed="rId3"/>
+                <a:stretch>
+                  <a:fillRect l="-550" r="-550" b="-1465"/>
+                </a:stretch>
+              </a:blipFill>
+            </p:spPr>
+            <p:txBody>
+              <a:bodyPr/>
+              <a:lstStyle/>
+              <a:p>
+                <a:r>
+                  <a:rPr lang="en-US">
+                    <a:noFill/>
+                  </a:rPr>
+                  <a:t> </a:t>
+                </a:r>
+              </a:p>
+            </p:txBody>
+          </p:sp>
+        </mc:Fallback>
+      </mc:AlternateContent>
+    </p:spTree>
+    <p:extLst>
+      <p:ext uri="{BB962C8B-B14F-4D97-AF65-F5344CB8AC3E}">
+        <p14:creationId xmlns:p14="http://schemas.microsoft.com/office/powerpoint/2010/main" val="1022188767"/>
+      </p:ext>
+    </p:extLst>
+  </p:cSld>
+  <p:clrMapOvr>
+    <a:masterClrMapping/>
+  </p:clrMapOvr>
+</p:sld>
+</file>
+
+<file path=ppt/slides/slide36.xml><?xml version="1.0" encoding="utf-8"?>
+<p:sld xmlns:a="http://schemas.openxmlformats.org/drawingml/2006/main" xmlns:r="http://schemas.openxmlformats.org/officeDocument/2006/relationships" xmlns:p="http://schemas.openxmlformats.org/presentationml/2006/main">
+  <p:cSld>
+    <p:spTree>
+      <p:nvGrpSpPr>
+        <p:cNvPr id="1" name=""/>
+        <p:cNvGrpSpPr/>
+        <p:nvPr/>
+      </p:nvGrpSpPr>
+      <p:grpSpPr>
+        <a:xfrm>
+          <a:off x="0" y="0"/>
+          <a:ext cx="0" cy="0"/>
+          <a:chOff x="0" y="0"/>
+          <a:chExt cx="0" cy="0"/>
+        </a:xfrm>
+      </p:grpSpPr>
+      <p:sp>
+        <p:nvSpPr>
+          <p:cNvPr id="2" name="Title 1">
+            <a:extLst>
+              <a:ext uri="{FF2B5EF4-FFF2-40B4-BE49-F238E27FC236}">
+                <a16:creationId xmlns:a16="http://schemas.microsoft.com/office/drawing/2014/main" id="{D63C04CD-2329-4D47-84D9-12CB3EDD9F46}"/>
+              </a:ext>
+            </a:extLst>
+          </p:cNvPr>
+          <p:cNvSpPr>
+            <a:spLocks noGrp="1"/>
+          </p:cNvSpPr>
+          <p:nvPr>
+            <p:ph type="title"/>
+          </p:nvPr>
+        </p:nvSpPr>
+        <p:spPr>
+          <a:xfrm>
+            <a:off x="1141413" y="125537"/>
+            <a:ext cx="9905998" cy="860425"/>
+          </a:xfrm>
+        </p:spPr>
+        <p:txBody>
+          <a:bodyPr/>
+          <a:lstStyle/>
+          <a:p>
+            <a:pPr algn="ctr"/>
+            <a:r>
+              <a:rPr lang="en-US" dirty="0" err="1"/>
+              <a:t>MultiTape</a:t>
+            </a:r>
+            <a:r>
+              <a:rPr lang="en-US" dirty="0"/>
+              <a:t> Turing Machine</a:t>
+            </a:r>
+          </a:p>
+        </p:txBody>
+      </p:sp>
+      <p:sp>
+        <p:nvSpPr>
+          <p:cNvPr id="3" name="Content Placeholder 2">
+            <a:extLst>
+              <a:ext uri="{FF2B5EF4-FFF2-40B4-BE49-F238E27FC236}">
+                <a16:creationId xmlns:a16="http://schemas.microsoft.com/office/drawing/2014/main" id="{14278F5F-F936-6145-9FF8-704886F1A386}"/>
+              </a:ext>
+            </a:extLst>
+          </p:cNvPr>
+          <p:cNvSpPr>
+            <a:spLocks noGrp="1"/>
+          </p:cNvSpPr>
+          <p:nvPr>
+            <p:ph idx="1"/>
+          </p:nvPr>
+        </p:nvSpPr>
+        <p:spPr>
+          <a:xfrm>
+            <a:off x="1141412" y="1559371"/>
+            <a:ext cx="9905999" cy="1089328"/>
+          </a:xfrm>
+          <a:solidFill>
+            <a:schemeClr val="tx1">
+              <a:lumMod val="95000"/>
+            </a:schemeClr>
+          </a:solidFill>
+        </p:spPr>
+        <p:txBody>
+          <a:bodyPr/>
+          <a:lstStyle/>
+          <a:p>
+            <a:pPr marL="0" indent="0">
+              <a:buNone/>
+            </a:pPr>
+            <a:r>
+              <a:rPr lang="en-US" b="1" i="1" u="sng" dirty="0">
+                <a:solidFill>
+                  <a:schemeClr val="bg1"/>
+                </a:solidFill>
+              </a:rPr>
+              <a:t>Theorem</a:t>
+            </a:r>
+            <a:r>
+              <a:rPr lang="en-US" dirty="0">
+                <a:solidFill>
+                  <a:schemeClr val="bg1"/>
+                </a:solidFill>
+              </a:rPr>
+              <a:t>: Every </a:t>
+            </a:r>
+            <a:r>
+              <a:rPr lang="en-US" dirty="0" err="1">
+                <a:solidFill>
+                  <a:schemeClr val="bg1"/>
+                </a:solidFill>
+              </a:rPr>
+              <a:t>Multitape</a:t>
+            </a:r>
+            <a:r>
+              <a:rPr lang="en-US" dirty="0">
+                <a:solidFill>
+                  <a:schemeClr val="bg1"/>
+                </a:solidFill>
+              </a:rPr>
+              <a:t> Turing Machine has an equivalent single-tape Turing machine.</a:t>
+            </a:r>
+          </a:p>
+        </p:txBody>
+      </p:sp>
+      <p:sp>
+        <p:nvSpPr>
+          <p:cNvPr id="4" name="Content Placeholder 2">
+            <a:extLst>
+              <a:ext uri="{FF2B5EF4-FFF2-40B4-BE49-F238E27FC236}">
+                <a16:creationId xmlns:a16="http://schemas.microsoft.com/office/drawing/2014/main" id="{E17E0807-EA4F-3D40-BFC5-EDCDC018958A}"/>
+              </a:ext>
+            </a:extLst>
+          </p:cNvPr>
+          <p:cNvSpPr txBox="1">
+            <a:spLocks/>
+          </p:cNvSpPr>
+          <p:nvPr/>
+        </p:nvSpPr>
+        <p:spPr>
+          <a:xfrm>
+            <a:off x="1141412" y="3106005"/>
+            <a:ext cx="9905999" cy="1089328"/>
+          </a:xfrm>
+          <a:prstGeom prst="rect">
+            <a:avLst/>
+          </a:prstGeom>
+          <a:solidFill>
+            <a:schemeClr val="tx1">
+              <a:lumMod val="95000"/>
+            </a:schemeClr>
+          </a:solidFill>
+        </p:spPr>
+        <p:txBody>
+          <a:bodyPr vert="horz" lIns="91440" tIns="45720" rIns="91440" bIns="45720" rtlCol="0">
+            <a:normAutofit/>
+          </a:bodyPr>
+          <a:lstStyle>
+            <a:lvl1pPr marL="228600" indent="-228600" algn="l" defTabSz="914400" rtl="0" eaLnBrk="1" latinLnBrk="0" hangingPunct="1">
+              <a:lnSpc>
+                <a:spcPct val="120000"/>
+              </a:lnSpc>
+              <a:spcBef>
+                <a:spcPts val="1000"/>
+              </a:spcBef>
+              <a:buSzPct val="125000"/>
+              <a:buFont typeface="Arial" panose="020B0604020202020204" pitchFamily="34" charset="0"/>
+              <a:buChar char="•"/>
+              <a:defRPr sz="2400" kern="1200">
+                <a:solidFill>
+                  <a:schemeClr val="tx1"/>
+                </a:solidFill>
+                <a:latin typeface="+mn-lt"/>
+                <a:ea typeface="+mn-ea"/>
+                <a:cs typeface="+mn-cs"/>
+              </a:defRPr>
+            </a:lvl1pPr>
+            <a:lvl2pPr marL="685800" indent="-228600" algn="l" defTabSz="914400" rtl="0" eaLnBrk="1" latinLnBrk="0" hangingPunct="1">
+              <a:lnSpc>
+                <a:spcPct val="120000"/>
+              </a:lnSpc>
+              <a:spcBef>
+                <a:spcPts val="500"/>
+              </a:spcBef>
+              <a:buSzPct val="125000"/>
+              <a:buFont typeface="Arial" panose="020B0604020202020204" pitchFamily="34" charset="0"/>
+              <a:buChar char="•"/>
+              <a:defRPr sz="2000" kern="1200">
+                <a:solidFill>
+                  <a:schemeClr val="tx1"/>
+                </a:solidFill>
+                <a:latin typeface="+mn-lt"/>
+                <a:ea typeface="+mn-ea"/>
+                <a:cs typeface="+mn-cs"/>
+              </a:defRPr>
+            </a:lvl2pPr>
+            <a:lvl3pPr marL="1143000" indent="-228600" algn="l" defTabSz="914400" rtl="0" eaLnBrk="1" latinLnBrk="0" hangingPunct="1">
+              <a:lnSpc>
+                <a:spcPct val="120000"/>
+              </a:lnSpc>
+              <a:spcBef>
+                <a:spcPts val="500"/>
+              </a:spcBef>
+              <a:buSzPct val="125000"/>
+              <a:buFont typeface="Arial" panose="020B0604020202020204" pitchFamily="34" charset="0"/>
+              <a:buChar char="•"/>
+              <a:defRPr sz="1800" kern="1200">
+                <a:solidFill>
+                  <a:schemeClr val="tx1"/>
+                </a:solidFill>
+                <a:latin typeface="+mn-lt"/>
+                <a:ea typeface="+mn-ea"/>
+                <a:cs typeface="+mn-cs"/>
+              </a:defRPr>
+            </a:lvl3pPr>
+            <a:lvl4pPr marL="1600200" indent="-228600" algn="l" defTabSz="914400" rtl="0" eaLnBrk="1" latinLnBrk="0" hangingPunct="1">
+              <a:lnSpc>
+                <a:spcPct val="120000"/>
+              </a:lnSpc>
+              <a:spcBef>
+                <a:spcPts val="500"/>
+              </a:spcBef>
+              <a:buSzPct val="125000"/>
+              <a:buFont typeface="Arial" panose="020B0604020202020204" pitchFamily="34" charset="0"/>
+              <a:buChar char="•"/>
+              <a:defRPr sz="1600" kern="1200">
+                <a:solidFill>
+                  <a:schemeClr val="tx1"/>
+                </a:solidFill>
+                <a:latin typeface="+mn-lt"/>
+                <a:ea typeface="+mn-ea"/>
+                <a:cs typeface="+mn-cs"/>
+              </a:defRPr>
+            </a:lvl4pPr>
+            <a:lvl5pPr marL="2057400" indent="-228600" algn="l" defTabSz="914400" rtl="0" eaLnBrk="1" latinLnBrk="0" hangingPunct="1">
+              <a:lnSpc>
+                <a:spcPct val="120000"/>
+              </a:lnSpc>
+              <a:spcBef>
+                <a:spcPts val="500"/>
+              </a:spcBef>
+              <a:buSzPct val="125000"/>
+              <a:buFont typeface="Arial" panose="020B0604020202020204" pitchFamily="34" charset="0"/>
+              <a:buChar char="•"/>
+              <a:defRPr sz="1600" kern="1200">
+                <a:solidFill>
+                  <a:schemeClr val="tx1"/>
+                </a:solidFill>
+                <a:latin typeface="+mn-lt"/>
+                <a:ea typeface="+mn-ea"/>
+                <a:cs typeface="+mn-cs"/>
+              </a:defRPr>
+            </a:lvl5pPr>
+            <a:lvl6pPr marL="2514600" indent="-228600" algn="l" defTabSz="914400" rtl="0" eaLnBrk="1" latinLnBrk="0" hangingPunct="1">
+              <a:lnSpc>
+                <a:spcPct val="120000"/>
+              </a:lnSpc>
+              <a:spcBef>
+                <a:spcPts val="500"/>
+              </a:spcBef>
+              <a:buSzPct val="125000"/>
+              <a:buFont typeface="Arial" panose="020B0604020202020204" pitchFamily="34" charset="0"/>
+              <a:buChar char="•"/>
+              <a:defRPr sz="1400" kern="1200">
+                <a:solidFill>
+                  <a:schemeClr val="tx1"/>
+                </a:solidFill>
+                <a:latin typeface="+mn-lt"/>
+                <a:ea typeface="+mn-ea"/>
+                <a:cs typeface="+mn-cs"/>
+              </a:defRPr>
+            </a:lvl6pPr>
+            <a:lvl7pPr marL="2971800" indent="-228600" algn="l" defTabSz="914400" rtl="0" eaLnBrk="1" latinLnBrk="0" hangingPunct="1">
+              <a:lnSpc>
+                <a:spcPct val="120000"/>
+              </a:lnSpc>
+              <a:spcBef>
+                <a:spcPts val="500"/>
+              </a:spcBef>
+              <a:buSzPct val="125000"/>
+              <a:buFont typeface="Arial" panose="020B0604020202020204" pitchFamily="34" charset="0"/>
+              <a:buChar char="•"/>
+              <a:defRPr sz="1400" kern="1200">
+                <a:solidFill>
+                  <a:schemeClr val="tx1"/>
+                </a:solidFill>
+                <a:latin typeface="+mn-lt"/>
+                <a:ea typeface="+mn-ea"/>
+                <a:cs typeface="+mn-cs"/>
+              </a:defRPr>
+            </a:lvl7pPr>
+            <a:lvl8pPr marL="3429000" indent="-228600" algn="l" defTabSz="914400" rtl="0" eaLnBrk="1" latinLnBrk="0" hangingPunct="1">
+              <a:lnSpc>
+                <a:spcPct val="120000"/>
+              </a:lnSpc>
+              <a:spcBef>
+                <a:spcPts val="500"/>
+              </a:spcBef>
+              <a:buSzPct val="125000"/>
+              <a:buFont typeface="Arial" panose="020B0604020202020204" pitchFamily="34" charset="0"/>
+              <a:buChar char="•"/>
+              <a:defRPr sz="1400" kern="1200">
+                <a:solidFill>
+                  <a:schemeClr val="tx1"/>
+                </a:solidFill>
+                <a:latin typeface="+mn-lt"/>
+                <a:ea typeface="+mn-ea"/>
+                <a:cs typeface="+mn-cs"/>
+              </a:defRPr>
+            </a:lvl8pPr>
+            <a:lvl9pPr marL="3886200" indent="-228600" algn="l" defTabSz="914400" rtl="0" eaLnBrk="1" latinLnBrk="0" hangingPunct="1">
+              <a:lnSpc>
+                <a:spcPct val="120000"/>
+              </a:lnSpc>
+              <a:spcBef>
+                <a:spcPts val="500"/>
+              </a:spcBef>
+              <a:buSzPct val="125000"/>
+              <a:buFont typeface="Arial" panose="020B0604020202020204" pitchFamily="34" charset="0"/>
+              <a:buChar char="•"/>
+              <a:defRPr sz="1400" kern="1200">
+                <a:solidFill>
+                  <a:schemeClr val="tx1"/>
+                </a:solidFill>
+                <a:latin typeface="+mn-lt"/>
+                <a:ea typeface="+mn-ea"/>
+                <a:cs typeface="+mn-cs"/>
+              </a:defRPr>
+            </a:lvl9pPr>
+          </a:lstStyle>
+          <a:p>
+            <a:pPr marL="0" indent="0">
+              <a:buFont typeface="Arial" panose="020B0604020202020204" pitchFamily="34" charset="0"/>
+              <a:buNone/>
+            </a:pPr>
+            <a:r>
+              <a:rPr lang="en-US" b="1" i="1" u="sng" dirty="0" err="1">
+                <a:solidFill>
+                  <a:schemeClr val="bg1"/>
+                </a:solidFill>
+              </a:rPr>
+              <a:t>Corrollary</a:t>
+            </a:r>
+            <a:r>
+              <a:rPr lang="en-US" dirty="0">
+                <a:solidFill>
+                  <a:schemeClr val="bg1"/>
+                </a:solidFill>
+              </a:rPr>
+              <a:t>: A language is Turing-recognizable </a:t>
+            </a:r>
+            <a:r>
+              <a:rPr lang="en-US" dirty="0" err="1">
+                <a:solidFill>
+                  <a:schemeClr val="bg1"/>
+                </a:solidFill>
+              </a:rPr>
+              <a:t>iff</a:t>
+            </a:r>
+            <a:r>
+              <a:rPr lang="en-US" dirty="0">
+                <a:solidFill>
+                  <a:schemeClr val="bg1"/>
+                </a:solidFill>
+              </a:rPr>
+              <a:t> some </a:t>
+            </a:r>
+            <a:r>
+              <a:rPr lang="en-US" dirty="0" err="1">
+                <a:solidFill>
+                  <a:schemeClr val="bg1"/>
+                </a:solidFill>
+              </a:rPr>
+              <a:t>Multitape</a:t>
+            </a:r>
+            <a:r>
+              <a:rPr lang="en-US" dirty="0">
+                <a:solidFill>
+                  <a:schemeClr val="bg1"/>
+                </a:solidFill>
+              </a:rPr>
+              <a:t> Turing Machine recognizes it.</a:t>
+            </a:r>
+          </a:p>
+        </p:txBody>
+      </p:sp>
+      <p:sp>
+        <p:nvSpPr>
+          <p:cNvPr id="5" name="Content Placeholder 2">
+            <a:extLst>
+              <a:ext uri="{FF2B5EF4-FFF2-40B4-BE49-F238E27FC236}">
+                <a16:creationId xmlns:a16="http://schemas.microsoft.com/office/drawing/2014/main" id="{AEDE6C26-E00C-3946-BB7D-81509A5FF9B4}"/>
+              </a:ext>
+            </a:extLst>
+          </p:cNvPr>
+          <p:cNvSpPr txBox="1">
+            <a:spLocks/>
+          </p:cNvSpPr>
+          <p:nvPr/>
+        </p:nvSpPr>
+        <p:spPr>
+          <a:xfrm>
+            <a:off x="3051018" y="4652639"/>
+            <a:ext cx="8202439" cy="1982202"/>
+          </a:xfrm>
+          <a:prstGeom prst="rect">
+            <a:avLst/>
+          </a:prstGeom>
+          <a:noFill/>
+        </p:spPr>
+        <p:txBody>
+          <a:bodyPr vert="horz" lIns="91440" tIns="45720" rIns="91440" bIns="45720" rtlCol="0">
+            <a:normAutofit/>
+          </a:bodyPr>
+          <a:lstStyle>
+            <a:lvl1pPr marL="228600" indent="-228600" algn="l" defTabSz="914400" rtl="0" eaLnBrk="1" latinLnBrk="0" hangingPunct="1">
+              <a:lnSpc>
+                <a:spcPct val="120000"/>
+              </a:lnSpc>
+              <a:spcBef>
+                <a:spcPts val="1000"/>
+              </a:spcBef>
+              <a:buSzPct val="125000"/>
+              <a:buFont typeface="Arial" panose="020B0604020202020204" pitchFamily="34" charset="0"/>
+              <a:buChar char="•"/>
+              <a:defRPr sz="2400" kern="1200">
+                <a:solidFill>
+                  <a:schemeClr val="tx1"/>
+                </a:solidFill>
+                <a:latin typeface="+mn-lt"/>
+                <a:ea typeface="+mn-ea"/>
+                <a:cs typeface="+mn-cs"/>
+              </a:defRPr>
+            </a:lvl1pPr>
+            <a:lvl2pPr marL="685800" indent="-228600" algn="l" defTabSz="914400" rtl="0" eaLnBrk="1" latinLnBrk="0" hangingPunct="1">
+              <a:lnSpc>
+                <a:spcPct val="120000"/>
+              </a:lnSpc>
+              <a:spcBef>
+                <a:spcPts val="500"/>
+              </a:spcBef>
+              <a:buSzPct val="125000"/>
+              <a:buFont typeface="Arial" panose="020B0604020202020204" pitchFamily="34" charset="0"/>
+              <a:buChar char="•"/>
+              <a:defRPr sz="2000" kern="1200">
+                <a:solidFill>
+                  <a:schemeClr val="tx1"/>
+                </a:solidFill>
+                <a:latin typeface="+mn-lt"/>
+                <a:ea typeface="+mn-ea"/>
+                <a:cs typeface="+mn-cs"/>
+              </a:defRPr>
+            </a:lvl2pPr>
+            <a:lvl3pPr marL="1143000" indent="-228600" algn="l" defTabSz="914400" rtl="0" eaLnBrk="1" latinLnBrk="0" hangingPunct="1">
+              <a:lnSpc>
+                <a:spcPct val="120000"/>
+              </a:lnSpc>
+              <a:spcBef>
+                <a:spcPts val="500"/>
+              </a:spcBef>
+              <a:buSzPct val="125000"/>
+              <a:buFont typeface="Arial" panose="020B0604020202020204" pitchFamily="34" charset="0"/>
+              <a:buChar char="•"/>
+              <a:defRPr sz="1800" kern="1200">
+                <a:solidFill>
+                  <a:schemeClr val="tx1"/>
+                </a:solidFill>
+                <a:latin typeface="+mn-lt"/>
+                <a:ea typeface="+mn-ea"/>
+                <a:cs typeface="+mn-cs"/>
+              </a:defRPr>
+            </a:lvl3pPr>
+            <a:lvl4pPr marL="1600200" indent="-228600" algn="l" defTabSz="914400" rtl="0" eaLnBrk="1" latinLnBrk="0" hangingPunct="1">
+              <a:lnSpc>
+                <a:spcPct val="120000"/>
+              </a:lnSpc>
+              <a:spcBef>
+                <a:spcPts val="500"/>
+              </a:spcBef>
+              <a:buSzPct val="125000"/>
+              <a:buFont typeface="Arial" panose="020B0604020202020204" pitchFamily="34" charset="0"/>
+              <a:buChar char="•"/>
+              <a:defRPr sz="1600" kern="1200">
+                <a:solidFill>
+                  <a:schemeClr val="tx1"/>
+                </a:solidFill>
+                <a:latin typeface="+mn-lt"/>
+                <a:ea typeface="+mn-ea"/>
+                <a:cs typeface="+mn-cs"/>
+              </a:defRPr>
+            </a:lvl4pPr>
+            <a:lvl5pPr marL="2057400" indent="-228600" algn="l" defTabSz="914400" rtl="0" eaLnBrk="1" latinLnBrk="0" hangingPunct="1">
+              <a:lnSpc>
+                <a:spcPct val="120000"/>
+              </a:lnSpc>
+              <a:spcBef>
+                <a:spcPts val="500"/>
+              </a:spcBef>
+              <a:buSzPct val="125000"/>
+              <a:buFont typeface="Arial" panose="020B0604020202020204" pitchFamily="34" charset="0"/>
+              <a:buChar char="•"/>
+              <a:defRPr sz="1600" kern="1200">
+                <a:solidFill>
+                  <a:schemeClr val="tx1"/>
+                </a:solidFill>
+                <a:latin typeface="+mn-lt"/>
+                <a:ea typeface="+mn-ea"/>
+                <a:cs typeface="+mn-cs"/>
+              </a:defRPr>
+            </a:lvl5pPr>
+            <a:lvl6pPr marL="2514600" indent="-228600" algn="l" defTabSz="914400" rtl="0" eaLnBrk="1" latinLnBrk="0" hangingPunct="1">
+              <a:lnSpc>
+                <a:spcPct val="120000"/>
+              </a:lnSpc>
+              <a:spcBef>
+                <a:spcPts val="500"/>
+              </a:spcBef>
+              <a:buSzPct val="125000"/>
+              <a:buFont typeface="Arial" panose="020B0604020202020204" pitchFamily="34" charset="0"/>
+              <a:buChar char="•"/>
+              <a:defRPr sz="1400" kern="1200">
+                <a:solidFill>
+                  <a:schemeClr val="tx1"/>
+                </a:solidFill>
+                <a:latin typeface="+mn-lt"/>
+                <a:ea typeface="+mn-ea"/>
+                <a:cs typeface="+mn-cs"/>
+              </a:defRPr>
+            </a:lvl6pPr>
+            <a:lvl7pPr marL="2971800" indent="-228600" algn="l" defTabSz="914400" rtl="0" eaLnBrk="1" latinLnBrk="0" hangingPunct="1">
+              <a:lnSpc>
+                <a:spcPct val="120000"/>
+              </a:lnSpc>
+              <a:spcBef>
+                <a:spcPts val="500"/>
+              </a:spcBef>
+              <a:buSzPct val="125000"/>
+              <a:buFont typeface="Arial" panose="020B0604020202020204" pitchFamily="34" charset="0"/>
+              <a:buChar char="•"/>
+              <a:defRPr sz="1400" kern="1200">
+                <a:solidFill>
+                  <a:schemeClr val="tx1"/>
+                </a:solidFill>
+                <a:latin typeface="+mn-lt"/>
+                <a:ea typeface="+mn-ea"/>
+                <a:cs typeface="+mn-cs"/>
+              </a:defRPr>
+            </a:lvl7pPr>
+            <a:lvl8pPr marL="3429000" indent="-228600" algn="l" defTabSz="914400" rtl="0" eaLnBrk="1" latinLnBrk="0" hangingPunct="1">
+              <a:lnSpc>
+                <a:spcPct val="120000"/>
+              </a:lnSpc>
+              <a:spcBef>
+                <a:spcPts val="500"/>
+              </a:spcBef>
+              <a:buSzPct val="125000"/>
+              <a:buFont typeface="Arial" panose="020B0604020202020204" pitchFamily="34" charset="0"/>
+              <a:buChar char="•"/>
+              <a:defRPr sz="1400" kern="1200">
+                <a:solidFill>
+                  <a:schemeClr val="tx1"/>
+                </a:solidFill>
+                <a:latin typeface="+mn-lt"/>
+                <a:ea typeface="+mn-ea"/>
+                <a:cs typeface="+mn-cs"/>
+              </a:defRPr>
+            </a:lvl8pPr>
+            <a:lvl9pPr marL="3886200" indent="-228600" algn="l" defTabSz="914400" rtl="0" eaLnBrk="1" latinLnBrk="0" hangingPunct="1">
+              <a:lnSpc>
+                <a:spcPct val="120000"/>
+              </a:lnSpc>
+              <a:spcBef>
+                <a:spcPts val="500"/>
+              </a:spcBef>
+              <a:buSzPct val="125000"/>
+              <a:buFont typeface="Arial" panose="020B0604020202020204" pitchFamily="34" charset="0"/>
+              <a:buChar char="•"/>
+              <a:defRPr sz="1400" kern="1200">
+                <a:solidFill>
+                  <a:schemeClr val="tx1"/>
+                </a:solidFill>
+                <a:latin typeface="+mn-lt"/>
+                <a:ea typeface="+mn-ea"/>
+                <a:cs typeface="+mn-cs"/>
+              </a:defRPr>
+            </a:lvl9pPr>
+          </a:lstStyle>
+          <a:p>
+            <a:pPr marL="0" indent="0">
+              <a:buFont typeface="Arial" panose="020B0604020202020204" pitchFamily="34" charset="0"/>
+              <a:buNone/>
+            </a:pPr>
+            <a:r>
+              <a:rPr lang="en-US" sz="1800" b="1" i="1" u="sng" dirty="0">
+                <a:solidFill>
+                  <a:schemeClr val="tx1">
+                    <a:lumMod val="95000"/>
+                  </a:schemeClr>
+                </a:solidFill>
+              </a:rPr>
+              <a:t>Proof</a:t>
+            </a:r>
+            <a:r>
+              <a:rPr lang="en-US" sz="1800" i="1" dirty="0">
+                <a:solidFill>
+                  <a:schemeClr val="tx1">
+                    <a:lumMod val="95000"/>
+                  </a:schemeClr>
+                </a:solidFill>
+              </a:rPr>
+              <a:t>:</a:t>
+            </a:r>
+            <a:br>
+              <a:rPr lang="en-US" sz="1800" i="1" dirty="0">
+                <a:solidFill>
+                  <a:schemeClr val="tx1">
+                    <a:lumMod val="95000"/>
+                  </a:schemeClr>
+                </a:solidFill>
+              </a:rPr>
+            </a:br>
+            <a:r>
+              <a:rPr lang="en-US" sz="1800" i="1" dirty="0">
+                <a:solidFill>
+                  <a:schemeClr val="tx1">
+                    <a:lumMod val="95000"/>
+                  </a:schemeClr>
+                </a:solidFill>
+              </a:rPr>
+              <a:t>Direction 1: A Turing recognizable language is recognized by some Turing Machine, and any TM is also a valid </a:t>
+            </a:r>
+            <a:r>
+              <a:rPr lang="en-US" sz="1800" i="1" dirty="0" err="1">
+                <a:solidFill>
+                  <a:schemeClr val="tx1">
+                    <a:lumMod val="95000"/>
+                  </a:schemeClr>
+                </a:solidFill>
+              </a:rPr>
+              <a:t>multitape</a:t>
+            </a:r>
+            <a:r>
+              <a:rPr lang="en-US" sz="1800" i="1" dirty="0">
+                <a:solidFill>
+                  <a:schemeClr val="tx1">
+                    <a:lumMod val="95000"/>
+                  </a:schemeClr>
+                </a:solidFill>
+              </a:rPr>
+              <a:t> TM.</a:t>
+            </a:r>
+          </a:p>
+          <a:p>
+            <a:pPr marL="0" indent="0">
+              <a:buFont typeface="Arial" panose="020B0604020202020204" pitchFamily="34" charset="0"/>
+              <a:buNone/>
+            </a:pPr>
+            <a:r>
+              <a:rPr lang="en-US" sz="1800" i="1" dirty="0">
+                <a:solidFill>
+                  <a:schemeClr val="tx1">
+                    <a:lumMod val="95000"/>
+                  </a:schemeClr>
+                </a:solidFill>
+              </a:rPr>
+              <a:t>Direction 2: If a </a:t>
+            </a:r>
+            <a:r>
+              <a:rPr lang="en-US" sz="1800" i="1" dirty="0" err="1">
+                <a:solidFill>
+                  <a:schemeClr val="tx1">
+                    <a:lumMod val="95000"/>
+                  </a:schemeClr>
+                </a:solidFill>
+              </a:rPr>
+              <a:t>multitape</a:t>
+            </a:r>
+            <a:r>
+              <a:rPr lang="en-US" sz="1800" i="1" dirty="0">
+                <a:solidFill>
+                  <a:schemeClr val="tx1">
+                    <a:lumMod val="95000"/>
+                  </a:schemeClr>
+                </a:solidFill>
+              </a:rPr>
+              <a:t> TM recognizes a language, then it can be converted into an equivalent single tape TM as described earlier.</a:t>
+            </a:r>
+          </a:p>
+        </p:txBody>
+      </p:sp>
+    </p:spTree>
+    <p:extLst>
+      <p:ext uri="{BB962C8B-B14F-4D97-AF65-F5344CB8AC3E}">
+        <p14:creationId xmlns:p14="http://schemas.microsoft.com/office/powerpoint/2010/main" val="378419602"/>
+      </p:ext>
+    </p:extLst>
+  </p:cSld>
+  <p:clrMapOvr>
+    <a:masterClrMapping/>
+  </p:clrMapOvr>
+</p:sld>
+</file>
+
+<file path=ppt/slides/slide37.xml><?xml version="1.0" encoding="utf-8"?>
 <p:sld xmlns:a="http://schemas.openxmlformats.org/drawingml/2006/main" xmlns:r="http://schemas.openxmlformats.org/officeDocument/2006/relationships" xmlns:p="http://schemas.openxmlformats.org/presentationml/2006/main">
   <p:cSld>
     <p:spTree>
@@ -37610,7 +41759,7 @@
 </p:sld>
 </file>
 
-<file path=ppt/slides/slide34.xml><?xml version="1.0" encoding="utf-8"?>
+<file path=ppt/slides/slide38.xml><?xml version="1.0" encoding="utf-8"?>
 <p:sld xmlns:a="http://schemas.openxmlformats.org/drawingml/2006/main" xmlns:r="http://schemas.openxmlformats.org/officeDocument/2006/relationships" xmlns:p="http://schemas.openxmlformats.org/presentationml/2006/main">
   <p:cSld>
     <p:spTree>
@@ -37938,7 +42087,7 @@
 </p:sld>
 </file>
 
-<file path=ppt/slides/slide35.xml><?xml version="1.0" encoding="utf-8"?>
+<file path=ppt/slides/slide39.xml><?xml version="1.0" encoding="utf-8"?>
 <p:sld xmlns:a="http://schemas.openxmlformats.org/drawingml/2006/main" xmlns:r="http://schemas.openxmlformats.org/officeDocument/2006/relationships" xmlns:p="http://schemas.openxmlformats.org/presentationml/2006/main">
   <p:cSld>
     <p:spTree>
@@ -38273,1049 +42422,6 @@
     <p:extLst>
       <p:ext uri="{BB962C8B-B14F-4D97-AF65-F5344CB8AC3E}">
         <p14:creationId xmlns:p14="http://schemas.microsoft.com/office/powerpoint/2010/main" val="3394514005"/>
-      </p:ext>
-    </p:extLst>
-  </p:cSld>
-  <p:clrMapOvr>
-    <a:masterClrMapping/>
-  </p:clrMapOvr>
-</p:sld>
-</file>
-
-<file path=ppt/slides/slide36.xml><?xml version="1.0" encoding="utf-8"?>
-<p:sld xmlns:a="http://schemas.openxmlformats.org/drawingml/2006/main" xmlns:r="http://schemas.openxmlformats.org/officeDocument/2006/relationships" xmlns:p="http://schemas.openxmlformats.org/presentationml/2006/main">
-  <p:cSld>
-    <p:spTree>
-      <p:nvGrpSpPr>
-        <p:cNvPr id="1" name=""/>
-        <p:cNvGrpSpPr/>
-        <p:nvPr/>
-      </p:nvGrpSpPr>
-      <p:grpSpPr>
-        <a:xfrm>
-          <a:off x="0" y="0"/>
-          <a:ext cx="0" cy="0"/>
-          <a:chOff x="0" y="0"/>
-          <a:chExt cx="0" cy="0"/>
-        </a:xfrm>
-      </p:grpSpPr>
-      <p:sp>
-        <p:nvSpPr>
-          <p:cNvPr id="2" name="Title 1">
-            <a:extLst>
-              <a:ext uri="{FF2B5EF4-FFF2-40B4-BE49-F238E27FC236}">
-                <a16:creationId xmlns:a16="http://schemas.microsoft.com/office/drawing/2014/main" id="{D63C04CD-2329-4D47-84D9-12CB3EDD9F46}"/>
-              </a:ext>
-            </a:extLst>
-          </p:cNvPr>
-          <p:cNvSpPr>
-            <a:spLocks noGrp="1"/>
-          </p:cNvSpPr>
-          <p:nvPr>
-            <p:ph type="title"/>
-          </p:nvPr>
-        </p:nvSpPr>
-        <p:spPr>
-          <a:xfrm>
-            <a:off x="1141413" y="125537"/>
-            <a:ext cx="9905998" cy="860425"/>
-          </a:xfrm>
-        </p:spPr>
-        <p:txBody>
-          <a:bodyPr/>
-          <a:lstStyle/>
-          <a:p>
-            <a:pPr algn="ctr"/>
-            <a:r>
-              <a:rPr lang="en-US" dirty="0"/>
-              <a:t>Last Conclusion</a:t>
-            </a:r>
-          </a:p>
-        </p:txBody>
-      </p:sp>
-      <p:sp>
-        <p:nvSpPr>
-          <p:cNvPr id="3" name="Content Placeholder 2">
-            <a:extLst>
-              <a:ext uri="{FF2B5EF4-FFF2-40B4-BE49-F238E27FC236}">
-                <a16:creationId xmlns:a16="http://schemas.microsoft.com/office/drawing/2014/main" id="{14278F5F-F936-6145-9FF8-704886F1A386}"/>
-              </a:ext>
-            </a:extLst>
-          </p:cNvPr>
-          <p:cNvSpPr>
-            <a:spLocks noGrp="1"/>
-          </p:cNvSpPr>
-          <p:nvPr>
-            <p:ph idx="1"/>
-          </p:nvPr>
-        </p:nvSpPr>
-        <p:spPr>
-          <a:xfrm>
-            <a:off x="1141412" y="1559371"/>
-            <a:ext cx="9905999" cy="1089328"/>
-          </a:xfrm>
-          <a:solidFill>
-            <a:schemeClr val="tx1">
-              <a:lumMod val="95000"/>
-            </a:schemeClr>
-          </a:solidFill>
-        </p:spPr>
-        <p:txBody>
-          <a:bodyPr/>
-          <a:lstStyle/>
-          <a:p>
-            <a:pPr marL="0" indent="0">
-              <a:buNone/>
-            </a:pPr>
-            <a:r>
-              <a:rPr lang="en-US" dirty="0">
-                <a:solidFill>
-                  <a:schemeClr val="bg1"/>
-                </a:solidFill>
-              </a:rPr>
-              <a:t>Any computational model satisfying reasonable requirements to that of a TM is equivalent in power to a TM</a:t>
-            </a:r>
-          </a:p>
-        </p:txBody>
-      </p:sp>
-      <p:sp>
-        <p:nvSpPr>
-          <p:cNvPr id="6" name="Content Placeholder 2">
-            <a:extLst>
-              <a:ext uri="{FF2B5EF4-FFF2-40B4-BE49-F238E27FC236}">
-                <a16:creationId xmlns:a16="http://schemas.microsoft.com/office/drawing/2014/main" id="{D1AB4AE0-9143-C34D-B965-4033C921D6B5}"/>
-              </a:ext>
-            </a:extLst>
-          </p:cNvPr>
-          <p:cNvSpPr txBox="1">
-            <a:spLocks/>
-          </p:cNvSpPr>
-          <p:nvPr/>
-        </p:nvSpPr>
-        <p:spPr>
-          <a:xfrm>
-            <a:off x="1141412" y="2888722"/>
-            <a:ext cx="9905999" cy="1089328"/>
-          </a:xfrm>
-          <a:prstGeom prst="rect">
-            <a:avLst/>
-          </a:prstGeom>
-          <a:noFill/>
-        </p:spPr>
-        <p:txBody>
-          <a:bodyPr vert="horz" lIns="91440" tIns="45720" rIns="91440" bIns="45720" rtlCol="0">
-            <a:normAutofit/>
-          </a:bodyPr>
-          <a:lstStyle>
-            <a:lvl1pPr marL="228600" indent="-228600" algn="l" defTabSz="914400" rtl="0" eaLnBrk="1" latinLnBrk="0" hangingPunct="1">
-              <a:lnSpc>
-                <a:spcPct val="120000"/>
-              </a:lnSpc>
-              <a:spcBef>
-                <a:spcPts val="1000"/>
-              </a:spcBef>
-              <a:buSzPct val="125000"/>
-              <a:buFont typeface="Arial" panose="020B0604020202020204" pitchFamily="34" charset="0"/>
-              <a:buChar char="•"/>
-              <a:defRPr sz="2400" kern="1200">
-                <a:solidFill>
-                  <a:schemeClr val="tx1"/>
-                </a:solidFill>
-                <a:latin typeface="+mn-lt"/>
-                <a:ea typeface="+mn-ea"/>
-                <a:cs typeface="+mn-cs"/>
-              </a:defRPr>
-            </a:lvl1pPr>
-            <a:lvl2pPr marL="685800" indent="-228600" algn="l" defTabSz="914400" rtl="0" eaLnBrk="1" latinLnBrk="0" hangingPunct="1">
-              <a:lnSpc>
-                <a:spcPct val="120000"/>
-              </a:lnSpc>
-              <a:spcBef>
-                <a:spcPts val="500"/>
-              </a:spcBef>
-              <a:buSzPct val="125000"/>
-              <a:buFont typeface="Arial" panose="020B0604020202020204" pitchFamily="34" charset="0"/>
-              <a:buChar char="•"/>
-              <a:defRPr sz="2000" kern="1200">
-                <a:solidFill>
-                  <a:schemeClr val="tx1"/>
-                </a:solidFill>
-                <a:latin typeface="+mn-lt"/>
-                <a:ea typeface="+mn-ea"/>
-                <a:cs typeface="+mn-cs"/>
-              </a:defRPr>
-            </a:lvl2pPr>
-            <a:lvl3pPr marL="1143000" indent="-228600" algn="l" defTabSz="914400" rtl="0" eaLnBrk="1" latinLnBrk="0" hangingPunct="1">
-              <a:lnSpc>
-                <a:spcPct val="120000"/>
-              </a:lnSpc>
-              <a:spcBef>
-                <a:spcPts val="500"/>
-              </a:spcBef>
-              <a:buSzPct val="125000"/>
-              <a:buFont typeface="Arial" panose="020B0604020202020204" pitchFamily="34" charset="0"/>
-              <a:buChar char="•"/>
-              <a:defRPr sz="1800" kern="1200">
-                <a:solidFill>
-                  <a:schemeClr val="tx1"/>
-                </a:solidFill>
-                <a:latin typeface="+mn-lt"/>
-                <a:ea typeface="+mn-ea"/>
-                <a:cs typeface="+mn-cs"/>
-              </a:defRPr>
-            </a:lvl3pPr>
-            <a:lvl4pPr marL="1600200" indent="-228600" algn="l" defTabSz="914400" rtl="0" eaLnBrk="1" latinLnBrk="0" hangingPunct="1">
-              <a:lnSpc>
-                <a:spcPct val="120000"/>
-              </a:lnSpc>
-              <a:spcBef>
-                <a:spcPts val="500"/>
-              </a:spcBef>
-              <a:buSzPct val="125000"/>
-              <a:buFont typeface="Arial" panose="020B0604020202020204" pitchFamily="34" charset="0"/>
-              <a:buChar char="•"/>
-              <a:defRPr sz="1600" kern="1200">
-                <a:solidFill>
-                  <a:schemeClr val="tx1"/>
-                </a:solidFill>
-                <a:latin typeface="+mn-lt"/>
-                <a:ea typeface="+mn-ea"/>
-                <a:cs typeface="+mn-cs"/>
-              </a:defRPr>
-            </a:lvl4pPr>
-            <a:lvl5pPr marL="2057400" indent="-228600" algn="l" defTabSz="914400" rtl="0" eaLnBrk="1" latinLnBrk="0" hangingPunct="1">
-              <a:lnSpc>
-                <a:spcPct val="120000"/>
-              </a:lnSpc>
-              <a:spcBef>
-                <a:spcPts val="500"/>
-              </a:spcBef>
-              <a:buSzPct val="125000"/>
-              <a:buFont typeface="Arial" panose="020B0604020202020204" pitchFamily="34" charset="0"/>
-              <a:buChar char="•"/>
-              <a:defRPr sz="1600" kern="1200">
-                <a:solidFill>
-                  <a:schemeClr val="tx1"/>
-                </a:solidFill>
-                <a:latin typeface="+mn-lt"/>
-                <a:ea typeface="+mn-ea"/>
-                <a:cs typeface="+mn-cs"/>
-              </a:defRPr>
-            </a:lvl5pPr>
-            <a:lvl6pPr marL="2514600" indent="-228600" algn="l" defTabSz="914400" rtl="0" eaLnBrk="1" latinLnBrk="0" hangingPunct="1">
-              <a:lnSpc>
-                <a:spcPct val="120000"/>
-              </a:lnSpc>
-              <a:spcBef>
-                <a:spcPts val="500"/>
-              </a:spcBef>
-              <a:buSzPct val="125000"/>
-              <a:buFont typeface="Arial" panose="020B0604020202020204" pitchFamily="34" charset="0"/>
-              <a:buChar char="•"/>
-              <a:defRPr sz="1400" kern="1200">
-                <a:solidFill>
-                  <a:schemeClr val="tx1"/>
-                </a:solidFill>
-                <a:latin typeface="+mn-lt"/>
-                <a:ea typeface="+mn-ea"/>
-                <a:cs typeface="+mn-cs"/>
-              </a:defRPr>
-            </a:lvl6pPr>
-            <a:lvl7pPr marL="2971800" indent="-228600" algn="l" defTabSz="914400" rtl="0" eaLnBrk="1" latinLnBrk="0" hangingPunct="1">
-              <a:lnSpc>
-                <a:spcPct val="120000"/>
-              </a:lnSpc>
-              <a:spcBef>
-                <a:spcPts val="500"/>
-              </a:spcBef>
-              <a:buSzPct val="125000"/>
-              <a:buFont typeface="Arial" panose="020B0604020202020204" pitchFamily="34" charset="0"/>
-              <a:buChar char="•"/>
-              <a:defRPr sz="1400" kern="1200">
-                <a:solidFill>
-                  <a:schemeClr val="tx1"/>
-                </a:solidFill>
-                <a:latin typeface="+mn-lt"/>
-                <a:ea typeface="+mn-ea"/>
-                <a:cs typeface="+mn-cs"/>
-              </a:defRPr>
-            </a:lvl7pPr>
-            <a:lvl8pPr marL="3429000" indent="-228600" algn="l" defTabSz="914400" rtl="0" eaLnBrk="1" latinLnBrk="0" hangingPunct="1">
-              <a:lnSpc>
-                <a:spcPct val="120000"/>
-              </a:lnSpc>
-              <a:spcBef>
-                <a:spcPts val="500"/>
-              </a:spcBef>
-              <a:buSzPct val="125000"/>
-              <a:buFont typeface="Arial" panose="020B0604020202020204" pitchFamily="34" charset="0"/>
-              <a:buChar char="•"/>
-              <a:defRPr sz="1400" kern="1200">
-                <a:solidFill>
-                  <a:schemeClr val="tx1"/>
-                </a:solidFill>
-                <a:latin typeface="+mn-lt"/>
-                <a:ea typeface="+mn-ea"/>
-                <a:cs typeface="+mn-cs"/>
-              </a:defRPr>
-            </a:lvl8pPr>
-            <a:lvl9pPr marL="3886200" indent="-228600" algn="l" defTabSz="914400" rtl="0" eaLnBrk="1" latinLnBrk="0" hangingPunct="1">
-              <a:lnSpc>
-                <a:spcPct val="120000"/>
-              </a:lnSpc>
-              <a:spcBef>
-                <a:spcPts val="500"/>
-              </a:spcBef>
-              <a:buSzPct val="125000"/>
-              <a:buFont typeface="Arial" panose="020B0604020202020204" pitchFamily="34" charset="0"/>
-              <a:buChar char="•"/>
-              <a:defRPr sz="1400" kern="1200">
-                <a:solidFill>
-                  <a:schemeClr val="tx1"/>
-                </a:solidFill>
-                <a:latin typeface="+mn-lt"/>
-                <a:ea typeface="+mn-ea"/>
-                <a:cs typeface="+mn-cs"/>
-              </a:defRPr>
-            </a:lvl9pPr>
-          </a:lstStyle>
-          <a:p>
-            <a:pPr marL="0" indent="0">
-              <a:buFont typeface="Arial" panose="020B0604020202020204" pitchFamily="34" charset="0"/>
-              <a:buNone/>
-            </a:pPr>
-            <a:r>
-              <a:rPr lang="en-US" dirty="0">
-                <a:solidFill>
-                  <a:schemeClr val="tx1">
-                    <a:lumMod val="95000"/>
-                  </a:schemeClr>
-                </a:solidFill>
-              </a:rPr>
-              <a:t>Most notably: Access to unlimited memory and the ability to only perform a finite amount of work in a single step.</a:t>
-            </a:r>
-          </a:p>
-        </p:txBody>
-      </p:sp>
-    </p:spTree>
-    <p:extLst>
-      <p:ext uri="{BB962C8B-B14F-4D97-AF65-F5344CB8AC3E}">
-        <p14:creationId xmlns:p14="http://schemas.microsoft.com/office/powerpoint/2010/main" val="4189374392"/>
-      </p:ext>
-    </p:extLst>
-  </p:cSld>
-  <p:clrMapOvr>
-    <a:masterClrMapping/>
-  </p:clrMapOvr>
-</p:sld>
-</file>
-
-<file path=ppt/slides/slide37.xml><?xml version="1.0" encoding="utf-8"?>
-<p:sld xmlns:a="http://schemas.openxmlformats.org/drawingml/2006/main" xmlns:r="http://schemas.openxmlformats.org/officeDocument/2006/relationships" xmlns:p="http://schemas.openxmlformats.org/presentationml/2006/main">
-  <p:cSld>
-    <p:spTree>
-      <p:nvGrpSpPr>
-        <p:cNvPr id="1" name=""/>
-        <p:cNvGrpSpPr/>
-        <p:nvPr/>
-      </p:nvGrpSpPr>
-      <p:grpSpPr>
-        <a:xfrm>
-          <a:off x="0" y="0"/>
-          <a:ext cx="0" cy="0"/>
-          <a:chOff x="0" y="0"/>
-          <a:chExt cx="0" cy="0"/>
-        </a:xfrm>
-      </p:grpSpPr>
-      <p:sp>
-        <p:nvSpPr>
-          <p:cNvPr id="2" name="Title 1">
-            <a:extLst>
-              <a:ext uri="{FF2B5EF4-FFF2-40B4-BE49-F238E27FC236}">
-                <a16:creationId xmlns:a16="http://schemas.microsoft.com/office/drawing/2014/main" id="{87719C56-21DC-0A40-AA49-9AF4AF4C92DA}"/>
-              </a:ext>
-            </a:extLst>
-          </p:cNvPr>
-          <p:cNvSpPr>
-            <a:spLocks noGrp="1"/>
-          </p:cNvSpPr>
-          <p:nvPr>
-            <p:ph type="title"/>
-          </p:nvPr>
-        </p:nvSpPr>
-        <p:spPr/>
-        <p:txBody>
-          <a:bodyPr/>
-          <a:lstStyle/>
-          <a:p>
-            <a:pPr algn="ctr"/>
-            <a:r>
-              <a:rPr lang="en-US" dirty="0"/>
-              <a:t>The Definition of An Algorithm</a:t>
-            </a:r>
-          </a:p>
-        </p:txBody>
-      </p:sp>
-    </p:spTree>
-    <p:extLst>
-      <p:ext uri="{BB962C8B-B14F-4D97-AF65-F5344CB8AC3E}">
-        <p14:creationId xmlns:p14="http://schemas.microsoft.com/office/powerpoint/2010/main" val="3777636646"/>
-      </p:ext>
-    </p:extLst>
-  </p:cSld>
-  <p:clrMapOvr>
-    <a:masterClrMapping/>
-  </p:clrMapOvr>
-</p:sld>
-</file>
-
-<file path=ppt/slides/slide38.xml><?xml version="1.0" encoding="utf-8"?>
-<p:sld xmlns:a="http://schemas.openxmlformats.org/drawingml/2006/main" xmlns:r="http://schemas.openxmlformats.org/officeDocument/2006/relationships" xmlns:p="http://schemas.openxmlformats.org/presentationml/2006/main">
-  <p:cSld>
-    <p:spTree>
-      <p:nvGrpSpPr>
-        <p:cNvPr id="1" name=""/>
-        <p:cNvGrpSpPr/>
-        <p:nvPr/>
-      </p:nvGrpSpPr>
-      <p:grpSpPr>
-        <a:xfrm>
-          <a:off x="0" y="0"/>
-          <a:ext cx="0" cy="0"/>
-          <a:chOff x="0" y="0"/>
-          <a:chExt cx="0" cy="0"/>
-        </a:xfrm>
-      </p:grpSpPr>
-      <p:sp>
-        <p:nvSpPr>
-          <p:cNvPr id="2" name="Title 1">
-            <a:extLst>
-              <a:ext uri="{FF2B5EF4-FFF2-40B4-BE49-F238E27FC236}">
-                <a16:creationId xmlns:a16="http://schemas.microsoft.com/office/drawing/2014/main" id="{D63C04CD-2329-4D47-84D9-12CB3EDD9F46}"/>
-              </a:ext>
-            </a:extLst>
-          </p:cNvPr>
-          <p:cNvSpPr>
-            <a:spLocks noGrp="1"/>
-          </p:cNvSpPr>
-          <p:nvPr>
-            <p:ph type="title"/>
-          </p:nvPr>
-        </p:nvSpPr>
-        <p:spPr>
-          <a:xfrm>
-            <a:off x="1141413" y="125537"/>
-            <a:ext cx="9905998" cy="860425"/>
-          </a:xfrm>
-        </p:spPr>
-        <p:txBody>
-          <a:bodyPr/>
-          <a:lstStyle/>
-          <a:p>
-            <a:pPr algn="ctr"/>
-            <a:r>
-              <a:rPr lang="en-US" dirty="0"/>
-              <a:t>Short Discussion</a:t>
-            </a:r>
-          </a:p>
-        </p:txBody>
-      </p:sp>
-      <p:sp>
-        <p:nvSpPr>
-          <p:cNvPr id="3" name="Content Placeholder 2">
-            <a:extLst>
-              <a:ext uri="{FF2B5EF4-FFF2-40B4-BE49-F238E27FC236}">
-                <a16:creationId xmlns:a16="http://schemas.microsoft.com/office/drawing/2014/main" id="{14278F5F-F936-6145-9FF8-704886F1A386}"/>
-              </a:ext>
-            </a:extLst>
-          </p:cNvPr>
-          <p:cNvSpPr>
-            <a:spLocks noGrp="1"/>
-          </p:cNvSpPr>
-          <p:nvPr>
-            <p:ph idx="1"/>
-          </p:nvPr>
-        </p:nvSpPr>
-        <p:spPr>
-          <a:xfrm>
-            <a:off x="1141412" y="1559371"/>
-            <a:ext cx="9905999" cy="1089328"/>
-          </a:xfrm>
-          <a:solidFill>
-            <a:schemeClr val="tx1">
-              <a:lumMod val="95000"/>
-            </a:schemeClr>
-          </a:solidFill>
-        </p:spPr>
-        <p:txBody>
-          <a:bodyPr/>
-          <a:lstStyle/>
-          <a:p>
-            <a:pPr marL="0" indent="0">
-              <a:buNone/>
-            </a:pPr>
-            <a:r>
-              <a:rPr lang="en-US" dirty="0">
-                <a:solidFill>
-                  <a:schemeClr val="bg1"/>
-                </a:solidFill>
-              </a:rPr>
-              <a:t>What is an Algorithm? Does seeing the TM change your perspective on this at all?</a:t>
-            </a:r>
-          </a:p>
-        </p:txBody>
-      </p:sp>
-      <p:sp>
-        <p:nvSpPr>
-          <p:cNvPr id="6" name="Content Placeholder 2">
-            <a:extLst>
-              <a:ext uri="{FF2B5EF4-FFF2-40B4-BE49-F238E27FC236}">
-                <a16:creationId xmlns:a16="http://schemas.microsoft.com/office/drawing/2014/main" id="{D1AB4AE0-9143-C34D-B965-4033C921D6B5}"/>
-              </a:ext>
-            </a:extLst>
-          </p:cNvPr>
-          <p:cNvSpPr txBox="1">
-            <a:spLocks/>
-          </p:cNvSpPr>
-          <p:nvPr/>
-        </p:nvSpPr>
-        <p:spPr>
-          <a:xfrm>
-            <a:off x="1141412" y="2888722"/>
-            <a:ext cx="9905999" cy="1089328"/>
-          </a:xfrm>
-          <a:prstGeom prst="rect">
-            <a:avLst/>
-          </a:prstGeom>
-          <a:noFill/>
-        </p:spPr>
-        <p:txBody>
-          <a:bodyPr vert="horz" lIns="91440" tIns="45720" rIns="91440" bIns="45720" rtlCol="0">
-            <a:normAutofit/>
-          </a:bodyPr>
-          <a:lstStyle>
-            <a:lvl1pPr marL="228600" indent="-228600" algn="l" defTabSz="914400" rtl="0" eaLnBrk="1" latinLnBrk="0" hangingPunct="1">
-              <a:lnSpc>
-                <a:spcPct val="120000"/>
-              </a:lnSpc>
-              <a:spcBef>
-                <a:spcPts val="1000"/>
-              </a:spcBef>
-              <a:buSzPct val="125000"/>
-              <a:buFont typeface="Arial" panose="020B0604020202020204" pitchFamily="34" charset="0"/>
-              <a:buChar char="•"/>
-              <a:defRPr sz="2400" kern="1200">
-                <a:solidFill>
-                  <a:schemeClr val="tx1"/>
-                </a:solidFill>
-                <a:latin typeface="+mn-lt"/>
-                <a:ea typeface="+mn-ea"/>
-                <a:cs typeface="+mn-cs"/>
-              </a:defRPr>
-            </a:lvl1pPr>
-            <a:lvl2pPr marL="685800" indent="-228600" algn="l" defTabSz="914400" rtl="0" eaLnBrk="1" latinLnBrk="0" hangingPunct="1">
-              <a:lnSpc>
-                <a:spcPct val="120000"/>
-              </a:lnSpc>
-              <a:spcBef>
-                <a:spcPts val="500"/>
-              </a:spcBef>
-              <a:buSzPct val="125000"/>
-              <a:buFont typeface="Arial" panose="020B0604020202020204" pitchFamily="34" charset="0"/>
-              <a:buChar char="•"/>
-              <a:defRPr sz="2000" kern="1200">
-                <a:solidFill>
-                  <a:schemeClr val="tx1"/>
-                </a:solidFill>
-                <a:latin typeface="+mn-lt"/>
-                <a:ea typeface="+mn-ea"/>
-                <a:cs typeface="+mn-cs"/>
-              </a:defRPr>
-            </a:lvl2pPr>
-            <a:lvl3pPr marL="1143000" indent="-228600" algn="l" defTabSz="914400" rtl="0" eaLnBrk="1" latinLnBrk="0" hangingPunct="1">
-              <a:lnSpc>
-                <a:spcPct val="120000"/>
-              </a:lnSpc>
-              <a:spcBef>
-                <a:spcPts val="500"/>
-              </a:spcBef>
-              <a:buSzPct val="125000"/>
-              <a:buFont typeface="Arial" panose="020B0604020202020204" pitchFamily="34" charset="0"/>
-              <a:buChar char="•"/>
-              <a:defRPr sz="1800" kern="1200">
-                <a:solidFill>
-                  <a:schemeClr val="tx1"/>
-                </a:solidFill>
-                <a:latin typeface="+mn-lt"/>
-                <a:ea typeface="+mn-ea"/>
-                <a:cs typeface="+mn-cs"/>
-              </a:defRPr>
-            </a:lvl3pPr>
-            <a:lvl4pPr marL="1600200" indent="-228600" algn="l" defTabSz="914400" rtl="0" eaLnBrk="1" latinLnBrk="0" hangingPunct="1">
-              <a:lnSpc>
-                <a:spcPct val="120000"/>
-              </a:lnSpc>
-              <a:spcBef>
-                <a:spcPts val="500"/>
-              </a:spcBef>
-              <a:buSzPct val="125000"/>
-              <a:buFont typeface="Arial" panose="020B0604020202020204" pitchFamily="34" charset="0"/>
-              <a:buChar char="•"/>
-              <a:defRPr sz="1600" kern="1200">
-                <a:solidFill>
-                  <a:schemeClr val="tx1"/>
-                </a:solidFill>
-                <a:latin typeface="+mn-lt"/>
-                <a:ea typeface="+mn-ea"/>
-                <a:cs typeface="+mn-cs"/>
-              </a:defRPr>
-            </a:lvl4pPr>
-            <a:lvl5pPr marL="2057400" indent="-228600" algn="l" defTabSz="914400" rtl="0" eaLnBrk="1" latinLnBrk="0" hangingPunct="1">
-              <a:lnSpc>
-                <a:spcPct val="120000"/>
-              </a:lnSpc>
-              <a:spcBef>
-                <a:spcPts val="500"/>
-              </a:spcBef>
-              <a:buSzPct val="125000"/>
-              <a:buFont typeface="Arial" panose="020B0604020202020204" pitchFamily="34" charset="0"/>
-              <a:buChar char="•"/>
-              <a:defRPr sz="1600" kern="1200">
-                <a:solidFill>
-                  <a:schemeClr val="tx1"/>
-                </a:solidFill>
-                <a:latin typeface="+mn-lt"/>
-                <a:ea typeface="+mn-ea"/>
-                <a:cs typeface="+mn-cs"/>
-              </a:defRPr>
-            </a:lvl5pPr>
-            <a:lvl6pPr marL="2514600" indent="-228600" algn="l" defTabSz="914400" rtl="0" eaLnBrk="1" latinLnBrk="0" hangingPunct="1">
-              <a:lnSpc>
-                <a:spcPct val="120000"/>
-              </a:lnSpc>
-              <a:spcBef>
-                <a:spcPts val="500"/>
-              </a:spcBef>
-              <a:buSzPct val="125000"/>
-              <a:buFont typeface="Arial" panose="020B0604020202020204" pitchFamily="34" charset="0"/>
-              <a:buChar char="•"/>
-              <a:defRPr sz="1400" kern="1200">
-                <a:solidFill>
-                  <a:schemeClr val="tx1"/>
-                </a:solidFill>
-                <a:latin typeface="+mn-lt"/>
-                <a:ea typeface="+mn-ea"/>
-                <a:cs typeface="+mn-cs"/>
-              </a:defRPr>
-            </a:lvl6pPr>
-            <a:lvl7pPr marL="2971800" indent="-228600" algn="l" defTabSz="914400" rtl="0" eaLnBrk="1" latinLnBrk="0" hangingPunct="1">
-              <a:lnSpc>
-                <a:spcPct val="120000"/>
-              </a:lnSpc>
-              <a:spcBef>
-                <a:spcPts val="500"/>
-              </a:spcBef>
-              <a:buSzPct val="125000"/>
-              <a:buFont typeface="Arial" panose="020B0604020202020204" pitchFamily="34" charset="0"/>
-              <a:buChar char="•"/>
-              <a:defRPr sz="1400" kern="1200">
-                <a:solidFill>
-                  <a:schemeClr val="tx1"/>
-                </a:solidFill>
-                <a:latin typeface="+mn-lt"/>
-                <a:ea typeface="+mn-ea"/>
-                <a:cs typeface="+mn-cs"/>
-              </a:defRPr>
-            </a:lvl7pPr>
-            <a:lvl8pPr marL="3429000" indent="-228600" algn="l" defTabSz="914400" rtl="0" eaLnBrk="1" latinLnBrk="0" hangingPunct="1">
-              <a:lnSpc>
-                <a:spcPct val="120000"/>
-              </a:lnSpc>
-              <a:spcBef>
-                <a:spcPts val="500"/>
-              </a:spcBef>
-              <a:buSzPct val="125000"/>
-              <a:buFont typeface="Arial" panose="020B0604020202020204" pitchFamily="34" charset="0"/>
-              <a:buChar char="•"/>
-              <a:defRPr sz="1400" kern="1200">
-                <a:solidFill>
-                  <a:schemeClr val="tx1"/>
-                </a:solidFill>
-                <a:latin typeface="+mn-lt"/>
-                <a:ea typeface="+mn-ea"/>
-                <a:cs typeface="+mn-cs"/>
-              </a:defRPr>
-            </a:lvl8pPr>
-            <a:lvl9pPr marL="3886200" indent="-228600" algn="l" defTabSz="914400" rtl="0" eaLnBrk="1" latinLnBrk="0" hangingPunct="1">
-              <a:lnSpc>
-                <a:spcPct val="120000"/>
-              </a:lnSpc>
-              <a:spcBef>
-                <a:spcPts val="500"/>
-              </a:spcBef>
-              <a:buSzPct val="125000"/>
-              <a:buFont typeface="Arial" panose="020B0604020202020204" pitchFamily="34" charset="0"/>
-              <a:buChar char="•"/>
-              <a:defRPr sz="1400" kern="1200">
-                <a:solidFill>
-                  <a:schemeClr val="tx1"/>
-                </a:solidFill>
-                <a:latin typeface="+mn-lt"/>
-                <a:ea typeface="+mn-ea"/>
-                <a:cs typeface="+mn-cs"/>
-              </a:defRPr>
-            </a:lvl9pPr>
-          </a:lstStyle>
-          <a:p>
-            <a:pPr marL="0" indent="0">
-              <a:buFont typeface="Arial" panose="020B0604020202020204" pitchFamily="34" charset="0"/>
-              <a:buNone/>
-            </a:pPr>
-            <a:r>
-              <a:rPr lang="en-US" dirty="0">
-                <a:solidFill>
-                  <a:schemeClr val="tx1">
-                    <a:lumMod val="95000"/>
-                  </a:schemeClr>
-                </a:solidFill>
-              </a:rPr>
-              <a:t>…</a:t>
-            </a:r>
-          </a:p>
-        </p:txBody>
-      </p:sp>
-    </p:spTree>
-    <p:extLst>
-      <p:ext uri="{BB962C8B-B14F-4D97-AF65-F5344CB8AC3E}">
-        <p14:creationId xmlns:p14="http://schemas.microsoft.com/office/powerpoint/2010/main" val="3457736204"/>
-      </p:ext>
-    </p:extLst>
-  </p:cSld>
-  <p:clrMapOvr>
-    <a:masterClrMapping/>
-  </p:clrMapOvr>
-</p:sld>
-</file>
-
-<file path=ppt/slides/slide39.xml><?xml version="1.0" encoding="utf-8"?>
-<p:sld xmlns:a="http://schemas.openxmlformats.org/drawingml/2006/main" xmlns:r="http://schemas.openxmlformats.org/officeDocument/2006/relationships" xmlns:p="http://schemas.openxmlformats.org/presentationml/2006/main">
-  <p:cSld>
-    <p:spTree>
-      <p:nvGrpSpPr>
-        <p:cNvPr id="1" name=""/>
-        <p:cNvGrpSpPr/>
-        <p:nvPr/>
-      </p:nvGrpSpPr>
-      <p:grpSpPr>
-        <a:xfrm>
-          <a:off x="0" y="0"/>
-          <a:ext cx="0" cy="0"/>
-          <a:chOff x="0" y="0"/>
-          <a:chExt cx="0" cy="0"/>
-        </a:xfrm>
-      </p:grpSpPr>
-      <p:sp>
-        <p:nvSpPr>
-          <p:cNvPr id="2" name="Title 1">
-            <a:extLst>
-              <a:ext uri="{FF2B5EF4-FFF2-40B4-BE49-F238E27FC236}">
-                <a16:creationId xmlns:a16="http://schemas.microsoft.com/office/drawing/2014/main" id="{D63C04CD-2329-4D47-84D9-12CB3EDD9F46}"/>
-              </a:ext>
-            </a:extLst>
-          </p:cNvPr>
-          <p:cNvSpPr>
-            <a:spLocks noGrp="1"/>
-          </p:cNvSpPr>
-          <p:nvPr>
-            <p:ph type="title"/>
-          </p:nvPr>
-        </p:nvSpPr>
-        <p:spPr>
-          <a:xfrm>
-            <a:off x="1141413" y="125537"/>
-            <a:ext cx="9905998" cy="860425"/>
-          </a:xfrm>
-        </p:spPr>
-        <p:txBody>
-          <a:bodyPr/>
-          <a:lstStyle/>
-          <a:p>
-            <a:pPr algn="ctr"/>
-            <a:r>
-              <a:rPr lang="en-US" dirty="0"/>
-              <a:t>Hilbert’s Problems</a:t>
-            </a:r>
-          </a:p>
-        </p:txBody>
-      </p:sp>
-      <p:sp>
-        <p:nvSpPr>
-          <p:cNvPr id="3" name="Content Placeholder 2">
-            <a:extLst>
-              <a:ext uri="{FF2B5EF4-FFF2-40B4-BE49-F238E27FC236}">
-                <a16:creationId xmlns:a16="http://schemas.microsoft.com/office/drawing/2014/main" id="{14278F5F-F936-6145-9FF8-704886F1A386}"/>
-              </a:ext>
-            </a:extLst>
-          </p:cNvPr>
-          <p:cNvSpPr>
-            <a:spLocks noGrp="1"/>
-          </p:cNvSpPr>
-          <p:nvPr>
-            <p:ph idx="1"/>
-          </p:nvPr>
-        </p:nvSpPr>
-        <p:spPr>
-          <a:xfrm>
-            <a:off x="1141412" y="1559371"/>
-            <a:ext cx="9905999" cy="1089328"/>
-          </a:xfrm>
-          <a:solidFill>
-            <a:schemeClr val="tx1">
-              <a:lumMod val="95000"/>
-            </a:schemeClr>
-          </a:solidFill>
-        </p:spPr>
-        <p:txBody>
-          <a:bodyPr/>
-          <a:lstStyle/>
-          <a:p>
-            <a:pPr marL="0" indent="0">
-              <a:buNone/>
-            </a:pPr>
-            <a:r>
-              <a:rPr lang="en-US" dirty="0">
-                <a:solidFill>
-                  <a:schemeClr val="bg1"/>
-                </a:solidFill>
-              </a:rPr>
-              <a:t>See page 183 of book</a:t>
-            </a:r>
-          </a:p>
-        </p:txBody>
-      </p:sp>
-      <p:sp>
-        <p:nvSpPr>
-          <p:cNvPr id="6" name="Content Placeholder 2">
-            <a:extLst>
-              <a:ext uri="{FF2B5EF4-FFF2-40B4-BE49-F238E27FC236}">
-                <a16:creationId xmlns:a16="http://schemas.microsoft.com/office/drawing/2014/main" id="{D1AB4AE0-9143-C34D-B965-4033C921D6B5}"/>
-              </a:ext>
-            </a:extLst>
-          </p:cNvPr>
-          <p:cNvSpPr txBox="1">
-            <a:spLocks/>
-          </p:cNvSpPr>
-          <p:nvPr/>
-        </p:nvSpPr>
-        <p:spPr>
-          <a:xfrm>
-            <a:off x="1141412" y="2888722"/>
-            <a:ext cx="9905999" cy="1089328"/>
-          </a:xfrm>
-          <a:prstGeom prst="rect">
-            <a:avLst/>
-          </a:prstGeom>
-          <a:noFill/>
-        </p:spPr>
-        <p:txBody>
-          <a:bodyPr vert="horz" lIns="91440" tIns="45720" rIns="91440" bIns="45720" rtlCol="0">
-            <a:normAutofit/>
-          </a:bodyPr>
-          <a:lstStyle>
-            <a:lvl1pPr marL="228600" indent="-228600" algn="l" defTabSz="914400" rtl="0" eaLnBrk="1" latinLnBrk="0" hangingPunct="1">
-              <a:lnSpc>
-                <a:spcPct val="120000"/>
-              </a:lnSpc>
-              <a:spcBef>
-                <a:spcPts val="1000"/>
-              </a:spcBef>
-              <a:buSzPct val="125000"/>
-              <a:buFont typeface="Arial" panose="020B0604020202020204" pitchFamily="34" charset="0"/>
-              <a:buChar char="•"/>
-              <a:defRPr sz="2400" kern="1200">
-                <a:solidFill>
-                  <a:schemeClr val="tx1"/>
-                </a:solidFill>
-                <a:latin typeface="+mn-lt"/>
-                <a:ea typeface="+mn-ea"/>
-                <a:cs typeface="+mn-cs"/>
-              </a:defRPr>
-            </a:lvl1pPr>
-            <a:lvl2pPr marL="685800" indent="-228600" algn="l" defTabSz="914400" rtl="0" eaLnBrk="1" latinLnBrk="0" hangingPunct="1">
-              <a:lnSpc>
-                <a:spcPct val="120000"/>
-              </a:lnSpc>
-              <a:spcBef>
-                <a:spcPts val="500"/>
-              </a:spcBef>
-              <a:buSzPct val="125000"/>
-              <a:buFont typeface="Arial" panose="020B0604020202020204" pitchFamily="34" charset="0"/>
-              <a:buChar char="•"/>
-              <a:defRPr sz="2000" kern="1200">
-                <a:solidFill>
-                  <a:schemeClr val="tx1"/>
-                </a:solidFill>
-                <a:latin typeface="+mn-lt"/>
-                <a:ea typeface="+mn-ea"/>
-                <a:cs typeface="+mn-cs"/>
-              </a:defRPr>
-            </a:lvl2pPr>
-            <a:lvl3pPr marL="1143000" indent="-228600" algn="l" defTabSz="914400" rtl="0" eaLnBrk="1" latinLnBrk="0" hangingPunct="1">
-              <a:lnSpc>
-                <a:spcPct val="120000"/>
-              </a:lnSpc>
-              <a:spcBef>
-                <a:spcPts val="500"/>
-              </a:spcBef>
-              <a:buSzPct val="125000"/>
-              <a:buFont typeface="Arial" panose="020B0604020202020204" pitchFamily="34" charset="0"/>
-              <a:buChar char="•"/>
-              <a:defRPr sz="1800" kern="1200">
-                <a:solidFill>
-                  <a:schemeClr val="tx1"/>
-                </a:solidFill>
-                <a:latin typeface="+mn-lt"/>
-                <a:ea typeface="+mn-ea"/>
-                <a:cs typeface="+mn-cs"/>
-              </a:defRPr>
-            </a:lvl3pPr>
-            <a:lvl4pPr marL="1600200" indent="-228600" algn="l" defTabSz="914400" rtl="0" eaLnBrk="1" latinLnBrk="0" hangingPunct="1">
-              <a:lnSpc>
-                <a:spcPct val="120000"/>
-              </a:lnSpc>
-              <a:spcBef>
-                <a:spcPts val="500"/>
-              </a:spcBef>
-              <a:buSzPct val="125000"/>
-              <a:buFont typeface="Arial" panose="020B0604020202020204" pitchFamily="34" charset="0"/>
-              <a:buChar char="•"/>
-              <a:defRPr sz="1600" kern="1200">
-                <a:solidFill>
-                  <a:schemeClr val="tx1"/>
-                </a:solidFill>
-                <a:latin typeface="+mn-lt"/>
-                <a:ea typeface="+mn-ea"/>
-                <a:cs typeface="+mn-cs"/>
-              </a:defRPr>
-            </a:lvl4pPr>
-            <a:lvl5pPr marL="2057400" indent="-228600" algn="l" defTabSz="914400" rtl="0" eaLnBrk="1" latinLnBrk="0" hangingPunct="1">
-              <a:lnSpc>
-                <a:spcPct val="120000"/>
-              </a:lnSpc>
-              <a:spcBef>
-                <a:spcPts val="500"/>
-              </a:spcBef>
-              <a:buSzPct val="125000"/>
-              <a:buFont typeface="Arial" panose="020B0604020202020204" pitchFamily="34" charset="0"/>
-              <a:buChar char="•"/>
-              <a:defRPr sz="1600" kern="1200">
-                <a:solidFill>
-                  <a:schemeClr val="tx1"/>
-                </a:solidFill>
-                <a:latin typeface="+mn-lt"/>
-                <a:ea typeface="+mn-ea"/>
-                <a:cs typeface="+mn-cs"/>
-              </a:defRPr>
-            </a:lvl5pPr>
-            <a:lvl6pPr marL="2514600" indent="-228600" algn="l" defTabSz="914400" rtl="0" eaLnBrk="1" latinLnBrk="0" hangingPunct="1">
-              <a:lnSpc>
-                <a:spcPct val="120000"/>
-              </a:lnSpc>
-              <a:spcBef>
-                <a:spcPts val="500"/>
-              </a:spcBef>
-              <a:buSzPct val="125000"/>
-              <a:buFont typeface="Arial" panose="020B0604020202020204" pitchFamily="34" charset="0"/>
-              <a:buChar char="•"/>
-              <a:defRPr sz="1400" kern="1200">
-                <a:solidFill>
-                  <a:schemeClr val="tx1"/>
-                </a:solidFill>
-                <a:latin typeface="+mn-lt"/>
-                <a:ea typeface="+mn-ea"/>
-                <a:cs typeface="+mn-cs"/>
-              </a:defRPr>
-            </a:lvl6pPr>
-            <a:lvl7pPr marL="2971800" indent="-228600" algn="l" defTabSz="914400" rtl="0" eaLnBrk="1" latinLnBrk="0" hangingPunct="1">
-              <a:lnSpc>
-                <a:spcPct val="120000"/>
-              </a:lnSpc>
-              <a:spcBef>
-                <a:spcPts val="500"/>
-              </a:spcBef>
-              <a:buSzPct val="125000"/>
-              <a:buFont typeface="Arial" panose="020B0604020202020204" pitchFamily="34" charset="0"/>
-              <a:buChar char="•"/>
-              <a:defRPr sz="1400" kern="1200">
-                <a:solidFill>
-                  <a:schemeClr val="tx1"/>
-                </a:solidFill>
-                <a:latin typeface="+mn-lt"/>
-                <a:ea typeface="+mn-ea"/>
-                <a:cs typeface="+mn-cs"/>
-              </a:defRPr>
-            </a:lvl7pPr>
-            <a:lvl8pPr marL="3429000" indent="-228600" algn="l" defTabSz="914400" rtl="0" eaLnBrk="1" latinLnBrk="0" hangingPunct="1">
-              <a:lnSpc>
-                <a:spcPct val="120000"/>
-              </a:lnSpc>
-              <a:spcBef>
-                <a:spcPts val="500"/>
-              </a:spcBef>
-              <a:buSzPct val="125000"/>
-              <a:buFont typeface="Arial" panose="020B0604020202020204" pitchFamily="34" charset="0"/>
-              <a:buChar char="•"/>
-              <a:defRPr sz="1400" kern="1200">
-                <a:solidFill>
-                  <a:schemeClr val="tx1"/>
-                </a:solidFill>
-                <a:latin typeface="+mn-lt"/>
-                <a:ea typeface="+mn-ea"/>
-                <a:cs typeface="+mn-cs"/>
-              </a:defRPr>
-            </a:lvl8pPr>
-            <a:lvl9pPr marL="3886200" indent="-228600" algn="l" defTabSz="914400" rtl="0" eaLnBrk="1" latinLnBrk="0" hangingPunct="1">
-              <a:lnSpc>
-                <a:spcPct val="120000"/>
-              </a:lnSpc>
-              <a:spcBef>
-                <a:spcPts val="500"/>
-              </a:spcBef>
-              <a:buSzPct val="125000"/>
-              <a:buFont typeface="Arial" panose="020B0604020202020204" pitchFamily="34" charset="0"/>
-              <a:buChar char="•"/>
-              <a:defRPr sz="1400" kern="1200">
-                <a:solidFill>
-                  <a:schemeClr val="tx1"/>
-                </a:solidFill>
-                <a:latin typeface="+mn-lt"/>
-                <a:ea typeface="+mn-ea"/>
-                <a:cs typeface="+mn-cs"/>
-              </a:defRPr>
-            </a:lvl9pPr>
-          </a:lstStyle>
-          <a:p>
-            <a:pPr marL="0" indent="0">
-              <a:buFont typeface="Arial" panose="020B0604020202020204" pitchFamily="34" charset="0"/>
-              <a:buNone/>
-            </a:pPr>
-            <a:r>
-              <a:rPr lang="en-US" dirty="0">
-                <a:solidFill>
-                  <a:schemeClr val="tx1">
-                    <a:lumMod val="95000"/>
-                  </a:schemeClr>
-                </a:solidFill>
-              </a:rPr>
-              <a:t>Story of finding polynomial roots. Not possible to prove because no formal definition of algorithm</a:t>
-            </a:r>
-          </a:p>
-        </p:txBody>
-      </p:sp>
-    </p:spTree>
-    <p:extLst>
-      <p:ext uri="{BB962C8B-B14F-4D97-AF65-F5344CB8AC3E}">
-        <p14:creationId xmlns:p14="http://schemas.microsoft.com/office/powerpoint/2010/main" val="3588481984"/>
       </p:ext>
     </p:extLst>
   </p:cSld>
@@ -43894,6 +47000,1049 @@
             <a:pPr algn="ctr"/>
             <a:r>
               <a:rPr lang="en-US" dirty="0"/>
+              <a:t>Last Conclusion</a:t>
+            </a:r>
+          </a:p>
+        </p:txBody>
+      </p:sp>
+      <p:sp>
+        <p:nvSpPr>
+          <p:cNvPr id="3" name="Content Placeholder 2">
+            <a:extLst>
+              <a:ext uri="{FF2B5EF4-FFF2-40B4-BE49-F238E27FC236}">
+                <a16:creationId xmlns:a16="http://schemas.microsoft.com/office/drawing/2014/main" id="{14278F5F-F936-6145-9FF8-704886F1A386}"/>
+              </a:ext>
+            </a:extLst>
+          </p:cNvPr>
+          <p:cNvSpPr>
+            <a:spLocks noGrp="1"/>
+          </p:cNvSpPr>
+          <p:nvPr>
+            <p:ph idx="1"/>
+          </p:nvPr>
+        </p:nvSpPr>
+        <p:spPr>
+          <a:xfrm>
+            <a:off x="1141412" y="1559371"/>
+            <a:ext cx="9905999" cy="1089328"/>
+          </a:xfrm>
+          <a:solidFill>
+            <a:schemeClr val="tx1">
+              <a:lumMod val="95000"/>
+            </a:schemeClr>
+          </a:solidFill>
+        </p:spPr>
+        <p:txBody>
+          <a:bodyPr/>
+          <a:lstStyle/>
+          <a:p>
+            <a:pPr marL="0" indent="0">
+              <a:buNone/>
+            </a:pPr>
+            <a:r>
+              <a:rPr lang="en-US" dirty="0">
+                <a:solidFill>
+                  <a:schemeClr val="bg1"/>
+                </a:solidFill>
+              </a:rPr>
+              <a:t>Any computational model satisfying reasonable requirements to that of a TM is equivalent in power to a TM</a:t>
+            </a:r>
+          </a:p>
+        </p:txBody>
+      </p:sp>
+      <p:sp>
+        <p:nvSpPr>
+          <p:cNvPr id="6" name="Content Placeholder 2">
+            <a:extLst>
+              <a:ext uri="{FF2B5EF4-FFF2-40B4-BE49-F238E27FC236}">
+                <a16:creationId xmlns:a16="http://schemas.microsoft.com/office/drawing/2014/main" id="{D1AB4AE0-9143-C34D-B965-4033C921D6B5}"/>
+              </a:ext>
+            </a:extLst>
+          </p:cNvPr>
+          <p:cNvSpPr txBox="1">
+            <a:spLocks/>
+          </p:cNvSpPr>
+          <p:nvPr/>
+        </p:nvSpPr>
+        <p:spPr>
+          <a:xfrm>
+            <a:off x="1141412" y="2888722"/>
+            <a:ext cx="9905999" cy="1089328"/>
+          </a:xfrm>
+          <a:prstGeom prst="rect">
+            <a:avLst/>
+          </a:prstGeom>
+          <a:noFill/>
+        </p:spPr>
+        <p:txBody>
+          <a:bodyPr vert="horz" lIns="91440" tIns="45720" rIns="91440" bIns="45720" rtlCol="0">
+            <a:normAutofit/>
+          </a:bodyPr>
+          <a:lstStyle>
+            <a:lvl1pPr marL="228600" indent="-228600" algn="l" defTabSz="914400" rtl="0" eaLnBrk="1" latinLnBrk="0" hangingPunct="1">
+              <a:lnSpc>
+                <a:spcPct val="120000"/>
+              </a:lnSpc>
+              <a:spcBef>
+                <a:spcPts val="1000"/>
+              </a:spcBef>
+              <a:buSzPct val="125000"/>
+              <a:buFont typeface="Arial" panose="020B0604020202020204" pitchFamily="34" charset="0"/>
+              <a:buChar char="•"/>
+              <a:defRPr sz="2400" kern="1200">
+                <a:solidFill>
+                  <a:schemeClr val="tx1"/>
+                </a:solidFill>
+                <a:latin typeface="+mn-lt"/>
+                <a:ea typeface="+mn-ea"/>
+                <a:cs typeface="+mn-cs"/>
+              </a:defRPr>
+            </a:lvl1pPr>
+            <a:lvl2pPr marL="685800" indent="-228600" algn="l" defTabSz="914400" rtl="0" eaLnBrk="1" latinLnBrk="0" hangingPunct="1">
+              <a:lnSpc>
+                <a:spcPct val="120000"/>
+              </a:lnSpc>
+              <a:spcBef>
+                <a:spcPts val="500"/>
+              </a:spcBef>
+              <a:buSzPct val="125000"/>
+              <a:buFont typeface="Arial" panose="020B0604020202020204" pitchFamily="34" charset="0"/>
+              <a:buChar char="•"/>
+              <a:defRPr sz="2000" kern="1200">
+                <a:solidFill>
+                  <a:schemeClr val="tx1"/>
+                </a:solidFill>
+                <a:latin typeface="+mn-lt"/>
+                <a:ea typeface="+mn-ea"/>
+                <a:cs typeface="+mn-cs"/>
+              </a:defRPr>
+            </a:lvl2pPr>
+            <a:lvl3pPr marL="1143000" indent="-228600" algn="l" defTabSz="914400" rtl="0" eaLnBrk="1" latinLnBrk="0" hangingPunct="1">
+              <a:lnSpc>
+                <a:spcPct val="120000"/>
+              </a:lnSpc>
+              <a:spcBef>
+                <a:spcPts val="500"/>
+              </a:spcBef>
+              <a:buSzPct val="125000"/>
+              <a:buFont typeface="Arial" panose="020B0604020202020204" pitchFamily="34" charset="0"/>
+              <a:buChar char="•"/>
+              <a:defRPr sz="1800" kern="1200">
+                <a:solidFill>
+                  <a:schemeClr val="tx1"/>
+                </a:solidFill>
+                <a:latin typeface="+mn-lt"/>
+                <a:ea typeface="+mn-ea"/>
+                <a:cs typeface="+mn-cs"/>
+              </a:defRPr>
+            </a:lvl3pPr>
+            <a:lvl4pPr marL="1600200" indent="-228600" algn="l" defTabSz="914400" rtl="0" eaLnBrk="1" latinLnBrk="0" hangingPunct="1">
+              <a:lnSpc>
+                <a:spcPct val="120000"/>
+              </a:lnSpc>
+              <a:spcBef>
+                <a:spcPts val="500"/>
+              </a:spcBef>
+              <a:buSzPct val="125000"/>
+              <a:buFont typeface="Arial" panose="020B0604020202020204" pitchFamily="34" charset="0"/>
+              <a:buChar char="•"/>
+              <a:defRPr sz="1600" kern="1200">
+                <a:solidFill>
+                  <a:schemeClr val="tx1"/>
+                </a:solidFill>
+                <a:latin typeface="+mn-lt"/>
+                <a:ea typeface="+mn-ea"/>
+                <a:cs typeface="+mn-cs"/>
+              </a:defRPr>
+            </a:lvl4pPr>
+            <a:lvl5pPr marL="2057400" indent="-228600" algn="l" defTabSz="914400" rtl="0" eaLnBrk="1" latinLnBrk="0" hangingPunct="1">
+              <a:lnSpc>
+                <a:spcPct val="120000"/>
+              </a:lnSpc>
+              <a:spcBef>
+                <a:spcPts val="500"/>
+              </a:spcBef>
+              <a:buSzPct val="125000"/>
+              <a:buFont typeface="Arial" panose="020B0604020202020204" pitchFamily="34" charset="0"/>
+              <a:buChar char="•"/>
+              <a:defRPr sz="1600" kern="1200">
+                <a:solidFill>
+                  <a:schemeClr val="tx1"/>
+                </a:solidFill>
+                <a:latin typeface="+mn-lt"/>
+                <a:ea typeface="+mn-ea"/>
+                <a:cs typeface="+mn-cs"/>
+              </a:defRPr>
+            </a:lvl5pPr>
+            <a:lvl6pPr marL="2514600" indent="-228600" algn="l" defTabSz="914400" rtl="0" eaLnBrk="1" latinLnBrk="0" hangingPunct="1">
+              <a:lnSpc>
+                <a:spcPct val="120000"/>
+              </a:lnSpc>
+              <a:spcBef>
+                <a:spcPts val="500"/>
+              </a:spcBef>
+              <a:buSzPct val="125000"/>
+              <a:buFont typeface="Arial" panose="020B0604020202020204" pitchFamily="34" charset="0"/>
+              <a:buChar char="•"/>
+              <a:defRPr sz="1400" kern="1200">
+                <a:solidFill>
+                  <a:schemeClr val="tx1"/>
+                </a:solidFill>
+                <a:latin typeface="+mn-lt"/>
+                <a:ea typeface="+mn-ea"/>
+                <a:cs typeface="+mn-cs"/>
+              </a:defRPr>
+            </a:lvl6pPr>
+            <a:lvl7pPr marL="2971800" indent="-228600" algn="l" defTabSz="914400" rtl="0" eaLnBrk="1" latinLnBrk="0" hangingPunct="1">
+              <a:lnSpc>
+                <a:spcPct val="120000"/>
+              </a:lnSpc>
+              <a:spcBef>
+                <a:spcPts val="500"/>
+              </a:spcBef>
+              <a:buSzPct val="125000"/>
+              <a:buFont typeface="Arial" panose="020B0604020202020204" pitchFamily="34" charset="0"/>
+              <a:buChar char="•"/>
+              <a:defRPr sz="1400" kern="1200">
+                <a:solidFill>
+                  <a:schemeClr val="tx1"/>
+                </a:solidFill>
+                <a:latin typeface="+mn-lt"/>
+                <a:ea typeface="+mn-ea"/>
+                <a:cs typeface="+mn-cs"/>
+              </a:defRPr>
+            </a:lvl7pPr>
+            <a:lvl8pPr marL="3429000" indent="-228600" algn="l" defTabSz="914400" rtl="0" eaLnBrk="1" latinLnBrk="0" hangingPunct="1">
+              <a:lnSpc>
+                <a:spcPct val="120000"/>
+              </a:lnSpc>
+              <a:spcBef>
+                <a:spcPts val="500"/>
+              </a:spcBef>
+              <a:buSzPct val="125000"/>
+              <a:buFont typeface="Arial" panose="020B0604020202020204" pitchFamily="34" charset="0"/>
+              <a:buChar char="•"/>
+              <a:defRPr sz="1400" kern="1200">
+                <a:solidFill>
+                  <a:schemeClr val="tx1"/>
+                </a:solidFill>
+                <a:latin typeface="+mn-lt"/>
+                <a:ea typeface="+mn-ea"/>
+                <a:cs typeface="+mn-cs"/>
+              </a:defRPr>
+            </a:lvl8pPr>
+            <a:lvl9pPr marL="3886200" indent="-228600" algn="l" defTabSz="914400" rtl="0" eaLnBrk="1" latinLnBrk="0" hangingPunct="1">
+              <a:lnSpc>
+                <a:spcPct val="120000"/>
+              </a:lnSpc>
+              <a:spcBef>
+                <a:spcPts val="500"/>
+              </a:spcBef>
+              <a:buSzPct val="125000"/>
+              <a:buFont typeface="Arial" panose="020B0604020202020204" pitchFamily="34" charset="0"/>
+              <a:buChar char="•"/>
+              <a:defRPr sz="1400" kern="1200">
+                <a:solidFill>
+                  <a:schemeClr val="tx1"/>
+                </a:solidFill>
+                <a:latin typeface="+mn-lt"/>
+                <a:ea typeface="+mn-ea"/>
+                <a:cs typeface="+mn-cs"/>
+              </a:defRPr>
+            </a:lvl9pPr>
+          </a:lstStyle>
+          <a:p>
+            <a:pPr marL="0" indent="0">
+              <a:buFont typeface="Arial" panose="020B0604020202020204" pitchFamily="34" charset="0"/>
+              <a:buNone/>
+            </a:pPr>
+            <a:r>
+              <a:rPr lang="en-US" dirty="0">
+                <a:solidFill>
+                  <a:schemeClr val="tx1">
+                    <a:lumMod val="95000"/>
+                  </a:schemeClr>
+                </a:solidFill>
+              </a:rPr>
+              <a:t>Most notably: Access to unlimited memory and the ability to only perform a finite amount of work in a single step.</a:t>
+            </a:r>
+          </a:p>
+        </p:txBody>
+      </p:sp>
+    </p:spTree>
+    <p:extLst>
+      <p:ext uri="{BB962C8B-B14F-4D97-AF65-F5344CB8AC3E}">
+        <p14:creationId xmlns:p14="http://schemas.microsoft.com/office/powerpoint/2010/main" val="4189374392"/>
+      </p:ext>
+    </p:extLst>
+  </p:cSld>
+  <p:clrMapOvr>
+    <a:masterClrMapping/>
+  </p:clrMapOvr>
+</p:sld>
+</file>
+
+<file path=ppt/slides/slide41.xml><?xml version="1.0" encoding="utf-8"?>
+<p:sld xmlns:a="http://schemas.openxmlformats.org/drawingml/2006/main" xmlns:r="http://schemas.openxmlformats.org/officeDocument/2006/relationships" xmlns:p="http://schemas.openxmlformats.org/presentationml/2006/main">
+  <p:cSld>
+    <p:spTree>
+      <p:nvGrpSpPr>
+        <p:cNvPr id="1" name=""/>
+        <p:cNvGrpSpPr/>
+        <p:nvPr/>
+      </p:nvGrpSpPr>
+      <p:grpSpPr>
+        <a:xfrm>
+          <a:off x="0" y="0"/>
+          <a:ext cx="0" cy="0"/>
+          <a:chOff x="0" y="0"/>
+          <a:chExt cx="0" cy="0"/>
+        </a:xfrm>
+      </p:grpSpPr>
+      <p:sp>
+        <p:nvSpPr>
+          <p:cNvPr id="2" name="Title 1">
+            <a:extLst>
+              <a:ext uri="{FF2B5EF4-FFF2-40B4-BE49-F238E27FC236}">
+                <a16:creationId xmlns:a16="http://schemas.microsoft.com/office/drawing/2014/main" id="{87719C56-21DC-0A40-AA49-9AF4AF4C92DA}"/>
+              </a:ext>
+            </a:extLst>
+          </p:cNvPr>
+          <p:cNvSpPr>
+            <a:spLocks noGrp="1"/>
+          </p:cNvSpPr>
+          <p:nvPr>
+            <p:ph type="title"/>
+          </p:nvPr>
+        </p:nvSpPr>
+        <p:spPr/>
+        <p:txBody>
+          <a:bodyPr/>
+          <a:lstStyle/>
+          <a:p>
+            <a:pPr algn="ctr"/>
+            <a:r>
+              <a:rPr lang="en-US" dirty="0"/>
+              <a:t>The Definition of An Algorithm</a:t>
+            </a:r>
+          </a:p>
+        </p:txBody>
+      </p:sp>
+    </p:spTree>
+    <p:extLst>
+      <p:ext uri="{BB962C8B-B14F-4D97-AF65-F5344CB8AC3E}">
+        <p14:creationId xmlns:p14="http://schemas.microsoft.com/office/powerpoint/2010/main" val="3777636646"/>
+      </p:ext>
+    </p:extLst>
+  </p:cSld>
+  <p:clrMapOvr>
+    <a:masterClrMapping/>
+  </p:clrMapOvr>
+</p:sld>
+</file>
+
+<file path=ppt/slides/slide42.xml><?xml version="1.0" encoding="utf-8"?>
+<p:sld xmlns:a="http://schemas.openxmlformats.org/drawingml/2006/main" xmlns:r="http://schemas.openxmlformats.org/officeDocument/2006/relationships" xmlns:p="http://schemas.openxmlformats.org/presentationml/2006/main">
+  <p:cSld>
+    <p:spTree>
+      <p:nvGrpSpPr>
+        <p:cNvPr id="1" name=""/>
+        <p:cNvGrpSpPr/>
+        <p:nvPr/>
+      </p:nvGrpSpPr>
+      <p:grpSpPr>
+        <a:xfrm>
+          <a:off x="0" y="0"/>
+          <a:ext cx="0" cy="0"/>
+          <a:chOff x="0" y="0"/>
+          <a:chExt cx="0" cy="0"/>
+        </a:xfrm>
+      </p:grpSpPr>
+      <p:sp>
+        <p:nvSpPr>
+          <p:cNvPr id="2" name="Title 1">
+            <a:extLst>
+              <a:ext uri="{FF2B5EF4-FFF2-40B4-BE49-F238E27FC236}">
+                <a16:creationId xmlns:a16="http://schemas.microsoft.com/office/drawing/2014/main" id="{D63C04CD-2329-4D47-84D9-12CB3EDD9F46}"/>
+              </a:ext>
+            </a:extLst>
+          </p:cNvPr>
+          <p:cNvSpPr>
+            <a:spLocks noGrp="1"/>
+          </p:cNvSpPr>
+          <p:nvPr>
+            <p:ph type="title"/>
+          </p:nvPr>
+        </p:nvSpPr>
+        <p:spPr>
+          <a:xfrm>
+            <a:off x="1141413" y="125537"/>
+            <a:ext cx="9905998" cy="860425"/>
+          </a:xfrm>
+        </p:spPr>
+        <p:txBody>
+          <a:bodyPr/>
+          <a:lstStyle/>
+          <a:p>
+            <a:pPr algn="ctr"/>
+            <a:r>
+              <a:rPr lang="en-US" dirty="0"/>
+              <a:t>Short Discussion</a:t>
+            </a:r>
+          </a:p>
+        </p:txBody>
+      </p:sp>
+      <p:sp>
+        <p:nvSpPr>
+          <p:cNvPr id="3" name="Content Placeholder 2">
+            <a:extLst>
+              <a:ext uri="{FF2B5EF4-FFF2-40B4-BE49-F238E27FC236}">
+                <a16:creationId xmlns:a16="http://schemas.microsoft.com/office/drawing/2014/main" id="{14278F5F-F936-6145-9FF8-704886F1A386}"/>
+              </a:ext>
+            </a:extLst>
+          </p:cNvPr>
+          <p:cNvSpPr>
+            <a:spLocks noGrp="1"/>
+          </p:cNvSpPr>
+          <p:nvPr>
+            <p:ph idx="1"/>
+          </p:nvPr>
+        </p:nvSpPr>
+        <p:spPr>
+          <a:xfrm>
+            <a:off x="1141412" y="1559371"/>
+            <a:ext cx="9905999" cy="1089328"/>
+          </a:xfrm>
+          <a:solidFill>
+            <a:schemeClr val="tx1">
+              <a:lumMod val="95000"/>
+            </a:schemeClr>
+          </a:solidFill>
+        </p:spPr>
+        <p:txBody>
+          <a:bodyPr/>
+          <a:lstStyle/>
+          <a:p>
+            <a:pPr marL="0" indent="0">
+              <a:buNone/>
+            </a:pPr>
+            <a:r>
+              <a:rPr lang="en-US" dirty="0">
+                <a:solidFill>
+                  <a:schemeClr val="bg1"/>
+                </a:solidFill>
+              </a:rPr>
+              <a:t>What is an Algorithm? Does seeing the TM change your perspective on this at all?</a:t>
+            </a:r>
+          </a:p>
+        </p:txBody>
+      </p:sp>
+      <p:sp>
+        <p:nvSpPr>
+          <p:cNvPr id="6" name="Content Placeholder 2">
+            <a:extLst>
+              <a:ext uri="{FF2B5EF4-FFF2-40B4-BE49-F238E27FC236}">
+                <a16:creationId xmlns:a16="http://schemas.microsoft.com/office/drawing/2014/main" id="{D1AB4AE0-9143-C34D-B965-4033C921D6B5}"/>
+              </a:ext>
+            </a:extLst>
+          </p:cNvPr>
+          <p:cNvSpPr txBox="1">
+            <a:spLocks/>
+          </p:cNvSpPr>
+          <p:nvPr/>
+        </p:nvSpPr>
+        <p:spPr>
+          <a:xfrm>
+            <a:off x="1141412" y="2888722"/>
+            <a:ext cx="9905999" cy="1089328"/>
+          </a:xfrm>
+          <a:prstGeom prst="rect">
+            <a:avLst/>
+          </a:prstGeom>
+          <a:noFill/>
+        </p:spPr>
+        <p:txBody>
+          <a:bodyPr vert="horz" lIns="91440" tIns="45720" rIns="91440" bIns="45720" rtlCol="0">
+            <a:normAutofit/>
+          </a:bodyPr>
+          <a:lstStyle>
+            <a:lvl1pPr marL="228600" indent="-228600" algn="l" defTabSz="914400" rtl="0" eaLnBrk="1" latinLnBrk="0" hangingPunct="1">
+              <a:lnSpc>
+                <a:spcPct val="120000"/>
+              </a:lnSpc>
+              <a:spcBef>
+                <a:spcPts val="1000"/>
+              </a:spcBef>
+              <a:buSzPct val="125000"/>
+              <a:buFont typeface="Arial" panose="020B0604020202020204" pitchFamily="34" charset="0"/>
+              <a:buChar char="•"/>
+              <a:defRPr sz="2400" kern="1200">
+                <a:solidFill>
+                  <a:schemeClr val="tx1"/>
+                </a:solidFill>
+                <a:latin typeface="+mn-lt"/>
+                <a:ea typeface="+mn-ea"/>
+                <a:cs typeface="+mn-cs"/>
+              </a:defRPr>
+            </a:lvl1pPr>
+            <a:lvl2pPr marL="685800" indent="-228600" algn="l" defTabSz="914400" rtl="0" eaLnBrk="1" latinLnBrk="0" hangingPunct="1">
+              <a:lnSpc>
+                <a:spcPct val="120000"/>
+              </a:lnSpc>
+              <a:spcBef>
+                <a:spcPts val="500"/>
+              </a:spcBef>
+              <a:buSzPct val="125000"/>
+              <a:buFont typeface="Arial" panose="020B0604020202020204" pitchFamily="34" charset="0"/>
+              <a:buChar char="•"/>
+              <a:defRPr sz="2000" kern="1200">
+                <a:solidFill>
+                  <a:schemeClr val="tx1"/>
+                </a:solidFill>
+                <a:latin typeface="+mn-lt"/>
+                <a:ea typeface="+mn-ea"/>
+                <a:cs typeface="+mn-cs"/>
+              </a:defRPr>
+            </a:lvl2pPr>
+            <a:lvl3pPr marL="1143000" indent="-228600" algn="l" defTabSz="914400" rtl="0" eaLnBrk="1" latinLnBrk="0" hangingPunct="1">
+              <a:lnSpc>
+                <a:spcPct val="120000"/>
+              </a:lnSpc>
+              <a:spcBef>
+                <a:spcPts val="500"/>
+              </a:spcBef>
+              <a:buSzPct val="125000"/>
+              <a:buFont typeface="Arial" panose="020B0604020202020204" pitchFamily="34" charset="0"/>
+              <a:buChar char="•"/>
+              <a:defRPr sz="1800" kern="1200">
+                <a:solidFill>
+                  <a:schemeClr val="tx1"/>
+                </a:solidFill>
+                <a:latin typeface="+mn-lt"/>
+                <a:ea typeface="+mn-ea"/>
+                <a:cs typeface="+mn-cs"/>
+              </a:defRPr>
+            </a:lvl3pPr>
+            <a:lvl4pPr marL="1600200" indent="-228600" algn="l" defTabSz="914400" rtl="0" eaLnBrk="1" latinLnBrk="0" hangingPunct="1">
+              <a:lnSpc>
+                <a:spcPct val="120000"/>
+              </a:lnSpc>
+              <a:spcBef>
+                <a:spcPts val="500"/>
+              </a:spcBef>
+              <a:buSzPct val="125000"/>
+              <a:buFont typeface="Arial" panose="020B0604020202020204" pitchFamily="34" charset="0"/>
+              <a:buChar char="•"/>
+              <a:defRPr sz="1600" kern="1200">
+                <a:solidFill>
+                  <a:schemeClr val="tx1"/>
+                </a:solidFill>
+                <a:latin typeface="+mn-lt"/>
+                <a:ea typeface="+mn-ea"/>
+                <a:cs typeface="+mn-cs"/>
+              </a:defRPr>
+            </a:lvl4pPr>
+            <a:lvl5pPr marL="2057400" indent="-228600" algn="l" defTabSz="914400" rtl="0" eaLnBrk="1" latinLnBrk="0" hangingPunct="1">
+              <a:lnSpc>
+                <a:spcPct val="120000"/>
+              </a:lnSpc>
+              <a:spcBef>
+                <a:spcPts val="500"/>
+              </a:spcBef>
+              <a:buSzPct val="125000"/>
+              <a:buFont typeface="Arial" panose="020B0604020202020204" pitchFamily="34" charset="0"/>
+              <a:buChar char="•"/>
+              <a:defRPr sz="1600" kern="1200">
+                <a:solidFill>
+                  <a:schemeClr val="tx1"/>
+                </a:solidFill>
+                <a:latin typeface="+mn-lt"/>
+                <a:ea typeface="+mn-ea"/>
+                <a:cs typeface="+mn-cs"/>
+              </a:defRPr>
+            </a:lvl5pPr>
+            <a:lvl6pPr marL="2514600" indent="-228600" algn="l" defTabSz="914400" rtl="0" eaLnBrk="1" latinLnBrk="0" hangingPunct="1">
+              <a:lnSpc>
+                <a:spcPct val="120000"/>
+              </a:lnSpc>
+              <a:spcBef>
+                <a:spcPts val="500"/>
+              </a:spcBef>
+              <a:buSzPct val="125000"/>
+              <a:buFont typeface="Arial" panose="020B0604020202020204" pitchFamily="34" charset="0"/>
+              <a:buChar char="•"/>
+              <a:defRPr sz="1400" kern="1200">
+                <a:solidFill>
+                  <a:schemeClr val="tx1"/>
+                </a:solidFill>
+                <a:latin typeface="+mn-lt"/>
+                <a:ea typeface="+mn-ea"/>
+                <a:cs typeface="+mn-cs"/>
+              </a:defRPr>
+            </a:lvl6pPr>
+            <a:lvl7pPr marL="2971800" indent="-228600" algn="l" defTabSz="914400" rtl="0" eaLnBrk="1" latinLnBrk="0" hangingPunct="1">
+              <a:lnSpc>
+                <a:spcPct val="120000"/>
+              </a:lnSpc>
+              <a:spcBef>
+                <a:spcPts val="500"/>
+              </a:spcBef>
+              <a:buSzPct val="125000"/>
+              <a:buFont typeface="Arial" panose="020B0604020202020204" pitchFamily="34" charset="0"/>
+              <a:buChar char="•"/>
+              <a:defRPr sz="1400" kern="1200">
+                <a:solidFill>
+                  <a:schemeClr val="tx1"/>
+                </a:solidFill>
+                <a:latin typeface="+mn-lt"/>
+                <a:ea typeface="+mn-ea"/>
+                <a:cs typeface="+mn-cs"/>
+              </a:defRPr>
+            </a:lvl7pPr>
+            <a:lvl8pPr marL="3429000" indent="-228600" algn="l" defTabSz="914400" rtl="0" eaLnBrk="1" latinLnBrk="0" hangingPunct="1">
+              <a:lnSpc>
+                <a:spcPct val="120000"/>
+              </a:lnSpc>
+              <a:spcBef>
+                <a:spcPts val="500"/>
+              </a:spcBef>
+              <a:buSzPct val="125000"/>
+              <a:buFont typeface="Arial" panose="020B0604020202020204" pitchFamily="34" charset="0"/>
+              <a:buChar char="•"/>
+              <a:defRPr sz="1400" kern="1200">
+                <a:solidFill>
+                  <a:schemeClr val="tx1"/>
+                </a:solidFill>
+                <a:latin typeface="+mn-lt"/>
+                <a:ea typeface="+mn-ea"/>
+                <a:cs typeface="+mn-cs"/>
+              </a:defRPr>
+            </a:lvl8pPr>
+            <a:lvl9pPr marL="3886200" indent="-228600" algn="l" defTabSz="914400" rtl="0" eaLnBrk="1" latinLnBrk="0" hangingPunct="1">
+              <a:lnSpc>
+                <a:spcPct val="120000"/>
+              </a:lnSpc>
+              <a:spcBef>
+                <a:spcPts val="500"/>
+              </a:spcBef>
+              <a:buSzPct val="125000"/>
+              <a:buFont typeface="Arial" panose="020B0604020202020204" pitchFamily="34" charset="0"/>
+              <a:buChar char="•"/>
+              <a:defRPr sz="1400" kern="1200">
+                <a:solidFill>
+                  <a:schemeClr val="tx1"/>
+                </a:solidFill>
+                <a:latin typeface="+mn-lt"/>
+                <a:ea typeface="+mn-ea"/>
+                <a:cs typeface="+mn-cs"/>
+              </a:defRPr>
+            </a:lvl9pPr>
+          </a:lstStyle>
+          <a:p>
+            <a:pPr marL="0" indent="0">
+              <a:buFont typeface="Arial" panose="020B0604020202020204" pitchFamily="34" charset="0"/>
+              <a:buNone/>
+            </a:pPr>
+            <a:r>
+              <a:rPr lang="en-US" dirty="0">
+                <a:solidFill>
+                  <a:schemeClr val="tx1">
+                    <a:lumMod val="95000"/>
+                  </a:schemeClr>
+                </a:solidFill>
+              </a:rPr>
+              <a:t>…</a:t>
+            </a:r>
+          </a:p>
+        </p:txBody>
+      </p:sp>
+    </p:spTree>
+    <p:extLst>
+      <p:ext uri="{BB962C8B-B14F-4D97-AF65-F5344CB8AC3E}">
+        <p14:creationId xmlns:p14="http://schemas.microsoft.com/office/powerpoint/2010/main" val="3457736204"/>
+      </p:ext>
+    </p:extLst>
+  </p:cSld>
+  <p:clrMapOvr>
+    <a:masterClrMapping/>
+  </p:clrMapOvr>
+</p:sld>
+</file>
+
+<file path=ppt/slides/slide43.xml><?xml version="1.0" encoding="utf-8"?>
+<p:sld xmlns:a="http://schemas.openxmlformats.org/drawingml/2006/main" xmlns:r="http://schemas.openxmlformats.org/officeDocument/2006/relationships" xmlns:p="http://schemas.openxmlformats.org/presentationml/2006/main">
+  <p:cSld>
+    <p:spTree>
+      <p:nvGrpSpPr>
+        <p:cNvPr id="1" name=""/>
+        <p:cNvGrpSpPr/>
+        <p:nvPr/>
+      </p:nvGrpSpPr>
+      <p:grpSpPr>
+        <a:xfrm>
+          <a:off x="0" y="0"/>
+          <a:ext cx="0" cy="0"/>
+          <a:chOff x="0" y="0"/>
+          <a:chExt cx="0" cy="0"/>
+        </a:xfrm>
+      </p:grpSpPr>
+      <p:sp>
+        <p:nvSpPr>
+          <p:cNvPr id="2" name="Title 1">
+            <a:extLst>
+              <a:ext uri="{FF2B5EF4-FFF2-40B4-BE49-F238E27FC236}">
+                <a16:creationId xmlns:a16="http://schemas.microsoft.com/office/drawing/2014/main" id="{D63C04CD-2329-4D47-84D9-12CB3EDD9F46}"/>
+              </a:ext>
+            </a:extLst>
+          </p:cNvPr>
+          <p:cNvSpPr>
+            <a:spLocks noGrp="1"/>
+          </p:cNvSpPr>
+          <p:nvPr>
+            <p:ph type="title"/>
+          </p:nvPr>
+        </p:nvSpPr>
+        <p:spPr>
+          <a:xfrm>
+            <a:off x="1141413" y="125537"/>
+            <a:ext cx="9905998" cy="860425"/>
+          </a:xfrm>
+        </p:spPr>
+        <p:txBody>
+          <a:bodyPr/>
+          <a:lstStyle/>
+          <a:p>
+            <a:pPr algn="ctr"/>
+            <a:r>
+              <a:rPr lang="en-US" dirty="0"/>
+              <a:t>Hilbert’s Problems</a:t>
+            </a:r>
+          </a:p>
+        </p:txBody>
+      </p:sp>
+      <p:sp>
+        <p:nvSpPr>
+          <p:cNvPr id="3" name="Content Placeholder 2">
+            <a:extLst>
+              <a:ext uri="{FF2B5EF4-FFF2-40B4-BE49-F238E27FC236}">
+                <a16:creationId xmlns:a16="http://schemas.microsoft.com/office/drawing/2014/main" id="{14278F5F-F936-6145-9FF8-704886F1A386}"/>
+              </a:ext>
+            </a:extLst>
+          </p:cNvPr>
+          <p:cNvSpPr>
+            <a:spLocks noGrp="1"/>
+          </p:cNvSpPr>
+          <p:nvPr>
+            <p:ph idx="1"/>
+          </p:nvPr>
+        </p:nvSpPr>
+        <p:spPr>
+          <a:xfrm>
+            <a:off x="1141412" y="1559371"/>
+            <a:ext cx="9905999" cy="1089328"/>
+          </a:xfrm>
+          <a:solidFill>
+            <a:schemeClr val="tx1">
+              <a:lumMod val="95000"/>
+            </a:schemeClr>
+          </a:solidFill>
+        </p:spPr>
+        <p:txBody>
+          <a:bodyPr/>
+          <a:lstStyle/>
+          <a:p>
+            <a:pPr marL="0" indent="0">
+              <a:buNone/>
+            </a:pPr>
+            <a:r>
+              <a:rPr lang="en-US" dirty="0">
+                <a:solidFill>
+                  <a:schemeClr val="bg1"/>
+                </a:solidFill>
+              </a:rPr>
+              <a:t>See page 183 of book</a:t>
+            </a:r>
+          </a:p>
+        </p:txBody>
+      </p:sp>
+      <p:sp>
+        <p:nvSpPr>
+          <p:cNvPr id="6" name="Content Placeholder 2">
+            <a:extLst>
+              <a:ext uri="{FF2B5EF4-FFF2-40B4-BE49-F238E27FC236}">
+                <a16:creationId xmlns:a16="http://schemas.microsoft.com/office/drawing/2014/main" id="{D1AB4AE0-9143-C34D-B965-4033C921D6B5}"/>
+              </a:ext>
+            </a:extLst>
+          </p:cNvPr>
+          <p:cNvSpPr txBox="1">
+            <a:spLocks/>
+          </p:cNvSpPr>
+          <p:nvPr/>
+        </p:nvSpPr>
+        <p:spPr>
+          <a:xfrm>
+            <a:off x="1141412" y="2888722"/>
+            <a:ext cx="9905999" cy="1089328"/>
+          </a:xfrm>
+          <a:prstGeom prst="rect">
+            <a:avLst/>
+          </a:prstGeom>
+          <a:noFill/>
+        </p:spPr>
+        <p:txBody>
+          <a:bodyPr vert="horz" lIns="91440" tIns="45720" rIns="91440" bIns="45720" rtlCol="0">
+            <a:normAutofit/>
+          </a:bodyPr>
+          <a:lstStyle>
+            <a:lvl1pPr marL="228600" indent="-228600" algn="l" defTabSz="914400" rtl="0" eaLnBrk="1" latinLnBrk="0" hangingPunct="1">
+              <a:lnSpc>
+                <a:spcPct val="120000"/>
+              </a:lnSpc>
+              <a:spcBef>
+                <a:spcPts val="1000"/>
+              </a:spcBef>
+              <a:buSzPct val="125000"/>
+              <a:buFont typeface="Arial" panose="020B0604020202020204" pitchFamily="34" charset="0"/>
+              <a:buChar char="•"/>
+              <a:defRPr sz="2400" kern="1200">
+                <a:solidFill>
+                  <a:schemeClr val="tx1"/>
+                </a:solidFill>
+                <a:latin typeface="+mn-lt"/>
+                <a:ea typeface="+mn-ea"/>
+                <a:cs typeface="+mn-cs"/>
+              </a:defRPr>
+            </a:lvl1pPr>
+            <a:lvl2pPr marL="685800" indent="-228600" algn="l" defTabSz="914400" rtl="0" eaLnBrk="1" latinLnBrk="0" hangingPunct="1">
+              <a:lnSpc>
+                <a:spcPct val="120000"/>
+              </a:lnSpc>
+              <a:spcBef>
+                <a:spcPts val="500"/>
+              </a:spcBef>
+              <a:buSzPct val="125000"/>
+              <a:buFont typeface="Arial" panose="020B0604020202020204" pitchFamily="34" charset="0"/>
+              <a:buChar char="•"/>
+              <a:defRPr sz="2000" kern="1200">
+                <a:solidFill>
+                  <a:schemeClr val="tx1"/>
+                </a:solidFill>
+                <a:latin typeface="+mn-lt"/>
+                <a:ea typeface="+mn-ea"/>
+                <a:cs typeface="+mn-cs"/>
+              </a:defRPr>
+            </a:lvl2pPr>
+            <a:lvl3pPr marL="1143000" indent="-228600" algn="l" defTabSz="914400" rtl="0" eaLnBrk="1" latinLnBrk="0" hangingPunct="1">
+              <a:lnSpc>
+                <a:spcPct val="120000"/>
+              </a:lnSpc>
+              <a:spcBef>
+                <a:spcPts val="500"/>
+              </a:spcBef>
+              <a:buSzPct val="125000"/>
+              <a:buFont typeface="Arial" panose="020B0604020202020204" pitchFamily="34" charset="0"/>
+              <a:buChar char="•"/>
+              <a:defRPr sz="1800" kern="1200">
+                <a:solidFill>
+                  <a:schemeClr val="tx1"/>
+                </a:solidFill>
+                <a:latin typeface="+mn-lt"/>
+                <a:ea typeface="+mn-ea"/>
+                <a:cs typeface="+mn-cs"/>
+              </a:defRPr>
+            </a:lvl3pPr>
+            <a:lvl4pPr marL="1600200" indent="-228600" algn="l" defTabSz="914400" rtl="0" eaLnBrk="1" latinLnBrk="0" hangingPunct="1">
+              <a:lnSpc>
+                <a:spcPct val="120000"/>
+              </a:lnSpc>
+              <a:spcBef>
+                <a:spcPts val="500"/>
+              </a:spcBef>
+              <a:buSzPct val="125000"/>
+              <a:buFont typeface="Arial" panose="020B0604020202020204" pitchFamily="34" charset="0"/>
+              <a:buChar char="•"/>
+              <a:defRPr sz="1600" kern="1200">
+                <a:solidFill>
+                  <a:schemeClr val="tx1"/>
+                </a:solidFill>
+                <a:latin typeface="+mn-lt"/>
+                <a:ea typeface="+mn-ea"/>
+                <a:cs typeface="+mn-cs"/>
+              </a:defRPr>
+            </a:lvl4pPr>
+            <a:lvl5pPr marL="2057400" indent="-228600" algn="l" defTabSz="914400" rtl="0" eaLnBrk="1" latinLnBrk="0" hangingPunct="1">
+              <a:lnSpc>
+                <a:spcPct val="120000"/>
+              </a:lnSpc>
+              <a:spcBef>
+                <a:spcPts val="500"/>
+              </a:spcBef>
+              <a:buSzPct val="125000"/>
+              <a:buFont typeface="Arial" panose="020B0604020202020204" pitchFamily="34" charset="0"/>
+              <a:buChar char="•"/>
+              <a:defRPr sz="1600" kern="1200">
+                <a:solidFill>
+                  <a:schemeClr val="tx1"/>
+                </a:solidFill>
+                <a:latin typeface="+mn-lt"/>
+                <a:ea typeface="+mn-ea"/>
+                <a:cs typeface="+mn-cs"/>
+              </a:defRPr>
+            </a:lvl5pPr>
+            <a:lvl6pPr marL="2514600" indent="-228600" algn="l" defTabSz="914400" rtl="0" eaLnBrk="1" latinLnBrk="0" hangingPunct="1">
+              <a:lnSpc>
+                <a:spcPct val="120000"/>
+              </a:lnSpc>
+              <a:spcBef>
+                <a:spcPts val="500"/>
+              </a:spcBef>
+              <a:buSzPct val="125000"/>
+              <a:buFont typeface="Arial" panose="020B0604020202020204" pitchFamily="34" charset="0"/>
+              <a:buChar char="•"/>
+              <a:defRPr sz="1400" kern="1200">
+                <a:solidFill>
+                  <a:schemeClr val="tx1"/>
+                </a:solidFill>
+                <a:latin typeface="+mn-lt"/>
+                <a:ea typeface="+mn-ea"/>
+                <a:cs typeface="+mn-cs"/>
+              </a:defRPr>
+            </a:lvl6pPr>
+            <a:lvl7pPr marL="2971800" indent="-228600" algn="l" defTabSz="914400" rtl="0" eaLnBrk="1" latinLnBrk="0" hangingPunct="1">
+              <a:lnSpc>
+                <a:spcPct val="120000"/>
+              </a:lnSpc>
+              <a:spcBef>
+                <a:spcPts val="500"/>
+              </a:spcBef>
+              <a:buSzPct val="125000"/>
+              <a:buFont typeface="Arial" panose="020B0604020202020204" pitchFamily="34" charset="0"/>
+              <a:buChar char="•"/>
+              <a:defRPr sz="1400" kern="1200">
+                <a:solidFill>
+                  <a:schemeClr val="tx1"/>
+                </a:solidFill>
+                <a:latin typeface="+mn-lt"/>
+                <a:ea typeface="+mn-ea"/>
+                <a:cs typeface="+mn-cs"/>
+              </a:defRPr>
+            </a:lvl7pPr>
+            <a:lvl8pPr marL="3429000" indent="-228600" algn="l" defTabSz="914400" rtl="0" eaLnBrk="1" latinLnBrk="0" hangingPunct="1">
+              <a:lnSpc>
+                <a:spcPct val="120000"/>
+              </a:lnSpc>
+              <a:spcBef>
+                <a:spcPts val="500"/>
+              </a:spcBef>
+              <a:buSzPct val="125000"/>
+              <a:buFont typeface="Arial" panose="020B0604020202020204" pitchFamily="34" charset="0"/>
+              <a:buChar char="•"/>
+              <a:defRPr sz="1400" kern="1200">
+                <a:solidFill>
+                  <a:schemeClr val="tx1"/>
+                </a:solidFill>
+                <a:latin typeface="+mn-lt"/>
+                <a:ea typeface="+mn-ea"/>
+                <a:cs typeface="+mn-cs"/>
+              </a:defRPr>
+            </a:lvl8pPr>
+            <a:lvl9pPr marL="3886200" indent="-228600" algn="l" defTabSz="914400" rtl="0" eaLnBrk="1" latinLnBrk="0" hangingPunct="1">
+              <a:lnSpc>
+                <a:spcPct val="120000"/>
+              </a:lnSpc>
+              <a:spcBef>
+                <a:spcPts val="500"/>
+              </a:spcBef>
+              <a:buSzPct val="125000"/>
+              <a:buFont typeface="Arial" panose="020B0604020202020204" pitchFamily="34" charset="0"/>
+              <a:buChar char="•"/>
+              <a:defRPr sz="1400" kern="1200">
+                <a:solidFill>
+                  <a:schemeClr val="tx1"/>
+                </a:solidFill>
+                <a:latin typeface="+mn-lt"/>
+                <a:ea typeface="+mn-ea"/>
+                <a:cs typeface="+mn-cs"/>
+              </a:defRPr>
+            </a:lvl9pPr>
+          </a:lstStyle>
+          <a:p>
+            <a:pPr marL="0" indent="0">
+              <a:buFont typeface="Arial" panose="020B0604020202020204" pitchFamily="34" charset="0"/>
+              <a:buNone/>
+            </a:pPr>
+            <a:r>
+              <a:rPr lang="en-US" dirty="0">
+                <a:solidFill>
+                  <a:schemeClr val="tx1">
+                    <a:lumMod val="95000"/>
+                  </a:schemeClr>
+                </a:solidFill>
+              </a:rPr>
+              <a:t>Story of finding polynomial roots. Not possible to prove because no formal definition of algorithm</a:t>
+            </a:r>
+          </a:p>
+        </p:txBody>
+      </p:sp>
+    </p:spTree>
+    <p:extLst>
+      <p:ext uri="{BB962C8B-B14F-4D97-AF65-F5344CB8AC3E}">
+        <p14:creationId xmlns:p14="http://schemas.microsoft.com/office/powerpoint/2010/main" val="3588481984"/>
+      </p:ext>
+    </p:extLst>
+  </p:cSld>
+  <p:clrMapOvr>
+    <a:masterClrMapping/>
+  </p:clrMapOvr>
+</p:sld>
+</file>
+
+<file path=ppt/slides/slide44.xml><?xml version="1.0" encoding="utf-8"?>
+<p:sld xmlns:a="http://schemas.openxmlformats.org/drawingml/2006/main" xmlns:r="http://schemas.openxmlformats.org/officeDocument/2006/relationships" xmlns:p="http://schemas.openxmlformats.org/presentationml/2006/main">
+  <p:cSld>
+    <p:spTree>
+      <p:nvGrpSpPr>
+        <p:cNvPr id="1" name=""/>
+        <p:cNvGrpSpPr/>
+        <p:nvPr/>
+      </p:nvGrpSpPr>
+      <p:grpSpPr>
+        <a:xfrm>
+          <a:off x="0" y="0"/>
+          <a:ext cx="0" cy="0"/>
+          <a:chOff x="0" y="0"/>
+          <a:chExt cx="0" cy="0"/>
+        </a:xfrm>
+      </p:grpSpPr>
+      <p:sp>
+        <p:nvSpPr>
+          <p:cNvPr id="2" name="Title 1">
+            <a:extLst>
+              <a:ext uri="{FF2B5EF4-FFF2-40B4-BE49-F238E27FC236}">
+                <a16:creationId xmlns:a16="http://schemas.microsoft.com/office/drawing/2014/main" id="{D63C04CD-2329-4D47-84D9-12CB3EDD9F46}"/>
+              </a:ext>
+            </a:extLst>
+          </p:cNvPr>
+          <p:cNvSpPr>
+            <a:spLocks noGrp="1"/>
+          </p:cNvSpPr>
+          <p:nvPr>
+            <p:ph type="title"/>
+          </p:nvPr>
+        </p:nvSpPr>
+        <p:spPr>
+          <a:xfrm>
+            <a:off x="1141413" y="125537"/>
+            <a:ext cx="9905998" cy="860425"/>
+          </a:xfrm>
+        </p:spPr>
+        <p:txBody>
+          <a:bodyPr/>
+          <a:lstStyle/>
+          <a:p>
+            <a:pPr algn="ctr"/>
+            <a:r>
+              <a:rPr lang="en-US" dirty="0"/>
               <a:t>The Church-Turing Thesis</a:t>
             </a:r>
           </a:p>
@@ -44216,7 +48365,7 @@
 </p:sld>
 </file>
 
-<file path=ppt/slides/slide41.xml><?xml version="1.0" encoding="utf-8"?>
+<file path=ppt/slides/slide45.xml><?xml version="1.0" encoding="utf-8"?>
 <p:sld xmlns:a="http://schemas.openxmlformats.org/drawingml/2006/main" xmlns:r="http://schemas.openxmlformats.org/officeDocument/2006/relationships" xmlns:p="http://schemas.openxmlformats.org/presentationml/2006/main">
   <p:cSld>
     <p:spTree>
@@ -44551,7 +48700,7 @@
 </p:sld>
 </file>
 
-<file path=ppt/slides/slide42.xml><?xml version="1.0" encoding="utf-8"?>
+<file path=ppt/slides/slide46.xml><?xml version="1.0" encoding="utf-8"?>
 <p:sld xmlns:a="http://schemas.openxmlformats.org/drawingml/2006/main" xmlns:r="http://schemas.openxmlformats.org/officeDocument/2006/relationships" xmlns:p="http://schemas.openxmlformats.org/presentationml/2006/main">
   <p:cSld>
     <p:spTree>
@@ -45126,7 +49275,7 @@
 </p:sld>
 </file>
 
-<file path=ppt/slides/slide43.xml><?xml version="1.0" encoding="utf-8"?>
+<file path=ppt/slides/slide47.xml><?xml version="1.0" encoding="utf-8"?>
 <p:sld xmlns:a="http://schemas.openxmlformats.org/drawingml/2006/main" xmlns:r="http://schemas.openxmlformats.org/officeDocument/2006/relationships" xmlns:p="http://schemas.openxmlformats.org/presentationml/2006/main">
   <p:cSld>
     <p:spTree>
